--- a/images/src/jetisu diagrams.pptx
+++ b/images/src/jetisu diagrams.pptx
@@ -6313,7 +6313,7 @@
         <a:p>
           <a:r>
             <a:rPr lang="en-AU" dirty="0"/>
-            <a:t>Any computational approach that meets the invariants of a relation including:</a:t>
+            <a:t>Any computational artifact that that meets the invariants of a relation. Implementation could be using:</a:t>
           </a:r>
           <a:br>
             <a:rPr lang="en-AU" dirty="0"/>
@@ -8291,12 +8291,12 @@
         </a:fontRef>
       </dsp:style>
       <dsp:txBody>
-        <a:bodyPr spcFirstLastPara="0" vert="horz" wrap="square" lIns="49530" tIns="49530" rIns="49530" bIns="49530" numCol="1" spcCol="1270" anchor="ctr" anchorCtr="0">
+        <a:bodyPr spcFirstLastPara="0" vert="horz" wrap="square" lIns="45720" tIns="45720" rIns="45720" bIns="45720" numCol="1" spcCol="1270" anchor="ctr" anchorCtr="0">
           <a:noAutofit/>
         </a:bodyPr>
         <a:lstStyle/>
         <a:p>
-          <a:pPr marL="0" lvl="0" indent="0" algn="ctr" defTabSz="577850">
+          <a:pPr marL="0" lvl="0" indent="0" algn="ctr" defTabSz="533400">
             <a:lnSpc>
               <a:spcPct val="90000"/>
             </a:lnSpc>
@@ -8309,14 +8309,14 @@
             <a:buNone/>
           </a:pPr>
           <a:r>
-            <a:rPr lang="en-AU" sz="1300" kern="1200" dirty="0"/>
-            <a:t>Any computational approach that meets the invariants of a relation including:</a:t>
+            <a:rPr lang="en-AU" sz="1200" kern="1200" dirty="0"/>
+            <a:t>Any computational artifact that that meets the invariants of a relation. Implementation could be using:</a:t>
           </a:r>
           <a:br>
-            <a:rPr lang="en-AU" sz="1300" kern="1200" dirty="0"/>
+            <a:rPr lang="en-AU" sz="1200" kern="1200" dirty="0"/>
           </a:br>
           <a:r>
-            <a:rPr lang="en-AU" sz="1300" kern="1200" dirty="0"/>
+            <a:rPr lang="en-AU" sz="1200" kern="1200" dirty="0"/>
             <a:t>Logic, Constraints, Search, Numerical Methods, Linear Programming, Symbolic Computation, Termination, Negation, Stratification, Neural Networks, Functional Programming, O-O Programming, Procedural P.</a:t>
           </a:r>
         </a:p>
@@ -8475,12 +8475,12 @@
         </a:fontRef>
       </dsp:style>
       <dsp:txBody>
-        <a:bodyPr spcFirstLastPara="0" vert="horz" wrap="square" lIns="49530" tIns="49530" rIns="49530" bIns="49530" numCol="1" spcCol="1270" anchor="ctr" anchorCtr="0">
+        <a:bodyPr spcFirstLastPara="0" vert="horz" wrap="square" lIns="45720" tIns="45720" rIns="45720" bIns="45720" numCol="1" spcCol="1270" anchor="ctr" anchorCtr="0">
           <a:noAutofit/>
         </a:bodyPr>
         <a:lstStyle/>
         <a:p>
-          <a:pPr marL="0" lvl="0" indent="0" algn="ctr" defTabSz="577850">
+          <a:pPr marL="0" lvl="0" indent="0" algn="ctr" defTabSz="533400">
             <a:lnSpc>
               <a:spcPct val="90000"/>
             </a:lnSpc>
@@ -8493,7 +8493,7 @@
             <a:buNone/>
           </a:pPr>
           <a:r>
-            <a:rPr lang="en-AU" sz="1300" kern="1200" dirty="0"/>
+            <a:rPr lang="en-AU" sz="1200" kern="1200" dirty="0"/>
             <a:t>Hardware, scale, cloud, multi-vendors, indexing, storage, replication, concurrency, recovery, distributed systems,  …</a:t>
           </a:r>
         </a:p>
@@ -23977,7 +23977,7 @@
           <p:nvPr>
             <p:extLst>
               <p:ext uri="{D42A27DB-BD31-4B8C-83A1-F6EECF244321}">
-                <p14:modId xmlns:p14="http://schemas.microsoft.com/office/powerpoint/2010/main" val="4140049986"/>
+                <p14:modId xmlns:p14="http://schemas.microsoft.com/office/powerpoint/2010/main" val="2072579095"/>
               </p:ext>
             </p:extLst>
           </p:nvPr>

--- a/images/src/jetisu diagrams.pptx
+++ b/images/src/jetisu diagrams.pptx
@@ -9,6 +9,7 @@
     <p:sldId id="257" r:id="rId3"/>
     <p:sldId id="258" r:id="rId4"/>
     <p:sldId id="259" r:id="rId5"/>
+    <p:sldId id="260" r:id="rId6"/>
   </p:sldIdLst>
   <p:sldSz cx="12192000" cy="6858000"/>
   <p:notesSz cx="7102475" cy="10234613"/>
@@ -20878,7 +20879,7 @@
           <a:p>
             <a:fld id="{EB429232-E4BA-4B3A-9952-EE5A117FBC50}" type="datetimeFigureOut">
               <a:rPr lang="en-AU" smtClean="0"/>
-              <a:t>13/02/2023</a:t>
+              <a:t>15/02/2023</a:t>
             </a:fld>
             <a:endParaRPr lang="en-AU"/>
           </a:p>
@@ -21078,7 +21079,7 @@
           <a:p>
             <a:fld id="{EB429232-E4BA-4B3A-9952-EE5A117FBC50}" type="datetimeFigureOut">
               <a:rPr lang="en-AU" smtClean="0"/>
-              <a:t>13/02/2023</a:t>
+              <a:t>15/02/2023</a:t>
             </a:fld>
             <a:endParaRPr lang="en-AU"/>
           </a:p>
@@ -21288,7 +21289,7 @@
           <a:p>
             <a:fld id="{EB429232-E4BA-4B3A-9952-EE5A117FBC50}" type="datetimeFigureOut">
               <a:rPr lang="en-AU" smtClean="0"/>
-              <a:t>13/02/2023</a:t>
+              <a:t>15/02/2023</a:t>
             </a:fld>
             <a:endParaRPr lang="en-AU"/>
           </a:p>
@@ -21488,7 +21489,7 @@
           <a:p>
             <a:fld id="{EB429232-E4BA-4B3A-9952-EE5A117FBC50}" type="datetimeFigureOut">
               <a:rPr lang="en-AU" smtClean="0"/>
-              <a:t>13/02/2023</a:t>
+              <a:t>15/02/2023</a:t>
             </a:fld>
             <a:endParaRPr lang="en-AU"/>
           </a:p>
@@ -21764,7 +21765,7 @@
           <a:p>
             <a:fld id="{EB429232-E4BA-4B3A-9952-EE5A117FBC50}" type="datetimeFigureOut">
               <a:rPr lang="en-AU" smtClean="0"/>
-              <a:t>13/02/2023</a:t>
+              <a:t>15/02/2023</a:t>
             </a:fld>
             <a:endParaRPr lang="en-AU"/>
           </a:p>
@@ -22032,7 +22033,7 @@
           <a:p>
             <a:fld id="{EB429232-E4BA-4B3A-9952-EE5A117FBC50}" type="datetimeFigureOut">
               <a:rPr lang="en-AU" smtClean="0"/>
-              <a:t>13/02/2023</a:t>
+              <a:t>15/02/2023</a:t>
             </a:fld>
             <a:endParaRPr lang="en-AU"/>
           </a:p>
@@ -22447,7 +22448,7 @@
           <a:p>
             <a:fld id="{EB429232-E4BA-4B3A-9952-EE5A117FBC50}" type="datetimeFigureOut">
               <a:rPr lang="en-AU" smtClean="0"/>
-              <a:t>13/02/2023</a:t>
+              <a:t>15/02/2023</a:t>
             </a:fld>
             <a:endParaRPr lang="en-AU"/>
           </a:p>
@@ -22589,7 +22590,7 @@
           <a:p>
             <a:fld id="{EB429232-E4BA-4B3A-9952-EE5A117FBC50}" type="datetimeFigureOut">
               <a:rPr lang="en-AU" smtClean="0"/>
-              <a:t>13/02/2023</a:t>
+              <a:t>15/02/2023</a:t>
             </a:fld>
             <a:endParaRPr lang="en-AU"/>
           </a:p>
@@ -22702,7 +22703,7 @@
           <a:p>
             <a:fld id="{EB429232-E4BA-4B3A-9952-EE5A117FBC50}" type="datetimeFigureOut">
               <a:rPr lang="en-AU" smtClean="0"/>
-              <a:t>13/02/2023</a:t>
+              <a:t>15/02/2023</a:t>
             </a:fld>
             <a:endParaRPr lang="en-AU"/>
           </a:p>
@@ -23015,7 +23016,7 @@
           <a:p>
             <a:fld id="{EB429232-E4BA-4B3A-9952-EE5A117FBC50}" type="datetimeFigureOut">
               <a:rPr lang="en-AU" smtClean="0"/>
-              <a:t>13/02/2023</a:t>
+              <a:t>15/02/2023</a:t>
             </a:fld>
             <a:endParaRPr lang="en-AU"/>
           </a:p>
@@ -23304,7 +23305,7 @@
           <a:p>
             <a:fld id="{EB429232-E4BA-4B3A-9952-EE5A117FBC50}" type="datetimeFigureOut">
               <a:rPr lang="en-AU" smtClean="0"/>
-              <a:t>13/02/2023</a:t>
+              <a:t>15/02/2023</a:t>
             </a:fld>
             <a:endParaRPr lang="en-AU"/>
           </a:p>
@@ -23547,7 +23548,7 @@
           <a:p>
             <a:fld id="{EB429232-E4BA-4B3A-9952-EE5A117FBC50}" type="datetimeFigureOut">
               <a:rPr lang="en-AU" smtClean="0"/>
-              <a:t>13/02/2023</a:t>
+              <a:t>15/02/2023</a:t>
             </a:fld>
             <a:endParaRPr lang="en-AU"/>
           </a:p>
@@ -24359,6 +24360,1030 @@
 </p:sld>
 </file>
 
+<file path=ppt/slides/slide5.xml><?xml version="1.0" encoding="utf-8"?>
+<p:sld xmlns:a="http://schemas.openxmlformats.org/drawingml/2006/main" xmlns:r="http://schemas.openxmlformats.org/officeDocument/2006/relationships" xmlns:p="http://schemas.openxmlformats.org/presentationml/2006/main">
+  <p:cSld>
+    <p:spTree>
+      <p:nvGrpSpPr>
+        <p:cNvPr id="1" name=""/>
+        <p:cNvGrpSpPr/>
+        <p:nvPr/>
+      </p:nvGrpSpPr>
+      <p:grpSpPr>
+        <a:xfrm>
+          <a:off x="0" y="0"/>
+          <a:ext cx="0" cy="0"/>
+          <a:chOff x="0" y="0"/>
+          <a:chExt cx="0" cy="0"/>
+        </a:xfrm>
+      </p:grpSpPr>
+      <p:grpSp>
+        <p:nvGrpSpPr>
+          <p:cNvPr id="87" name="Group 86">
+            <a:extLst>
+              <a:ext uri="{FF2B5EF4-FFF2-40B4-BE49-F238E27FC236}">
+                <a16:creationId xmlns:a16="http://schemas.microsoft.com/office/drawing/2014/main" id="{CAE53593-E0B9-139C-70BE-C8AFFA32AD83}"/>
+              </a:ext>
+            </a:extLst>
+          </p:cNvPr>
+          <p:cNvGrpSpPr/>
+          <p:nvPr/>
+        </p:nvGrpSpPr>
+        <p:grpSpPr>
+          <a:xfrm>
+            <a:off x="5852407" y="288046"/>
+            <a:ext cx="4275094" cy="2379415"/>
+            <a:chOff x="6812006" y="559056"/>
+            <a:chExt cx="4275094" cy="2379415"/>
+          </a:xfrm>
+        </p:grpSpPr>
+        <p:sp>
+          <p:nvSpPr>
+            <p:cNvPr id="14" name="Rectangle 13">
+              <a:extLst>
+                <a:ext uri="{FF2B5EF4-FFF2-40B4-BE49-F238E27FC236}">
+                  <a16:creationId xmlns:a16="http://schemas.microsoft.com/office/drawing/2014/main" id="{2B4080B8-42F3-4F8D-FBB2-8CB777385CE7}"/>
+                </a:ext>
+              </a:extLst>
+            </p:cNvPr>
+            <p:cNvSpPr/>
+            <p:nvPr/>
+          </p:nvSpPr>
+          <p:spPr>
+            <a:xfrm>
+              <a:off x="6812006" y="1113086"/>
+              <a:ext cx="4275094" cy="1825385"/>
+            </a:xfrm>
+            <a:prstGeom prst="rect">
+              <a:avLst/>
+            </a:prstGeom>
+            <a:solidFill>
+              <a:srgbClr val="7030A0">
+                <a:alpha val="30980"/>
+              </a:srgbClr>
+            </a:solidFill>
+            <a:scene3d>
+              <a:camera prst="isometricOffAxis1Right"/>
+              <a:lightRig rig="threePt" dir="t"/>
+            </a:scene3d>
+            <a:sp3d extrusionH="1803400"/>
+          </p:spPr>
+          <p:style>
+            <a:lnRef idx="2">
+              <a:schemeClr val="accent1">
+                <a:shade val="50000"/>
+              </a:schemeClr>
+            </a:lnRef>
+            <a:fillRef idx="1">
+              <a:schemeClr val="accent1"/>
+            </a:fillRef>
+            <a:effectRef idx="0">
+              <a:schemeClr val="accent1"/>
+            </a:effectRef>
+            <a:fontRef idx="minor">
+              <a:schemeClr val="lt1"/>
+            </a:fontRef>
+          </p:style>
+          <p:txBody>
+            <a:bodyPr rtlCol="0" anchor="ctr"/>
+            <a:lstStyle/>
+            <a:p>
+              <a:pPr algn="ctr"/>
+              <a:endParaRPr lang="en-AU"/>
+            </a:p>
+          </p:txBody>
+        </p:sp>
+        <p:pic>
+          <p:nvPicPr>
+            <p:cNvPr id="15" name="Picture 14">
+              <a:extLst>
+                <a:ext uri="{FF2B5EF4-FFF2-40B4-BE49-F238E27FC236}">
+                  <a16:creationId xmlns:a16="http://schemas.microsoft.com/office/drawing/2014/main" id="{F466AE72-54D8-447C-43C4-C50DB237B69C}"/>
+                </a:ext>
+              </a:extLst>
+            </p:cNvPr>
+            <p:cNvPicPr>
+              <a:picLocks noChangeAspect="1"/>
+            </p:cNvPicPr>
+            <p:nvPr/>
+          </p:nvPicPr>
+          <p:blipFill>
+            <a:blip r:embed="rId2"/>
+            <a:stretch>
+              <a:fillRect/>
+            </a:stretch>
+          </p:blipFill>
+          <p:spPr>
+            <a:xfrm>
+              <a:off x="8352450" y="1131684"/>
+              <a:ext cx="2015528" cy="852600"/>
+            </a:xfrm>
+            <a:prstGeom prst="rect">
+              <a:avLst/>
+            </a:prstGeom>
+            <a:solidFill>
+              <a:srgbClr val="7030A0">
+                <a:alpha val="30980"/>
+              </a:srgbClr>
+            </a:solidFill>
+            <a:scene3d>
+              <a:camera prst="isometricOffAxis1Right"/>
+              <a:lightRig rig="threePt" dir="t"/>
+            </a:scene3d>
+          </p:spPr>
+        </p:pic>
+        <p:sp>
+          <p:nvSpPr>
+            <p:cNvPr id="32" name="TextBox 31">
+              <a:extLst>
+                <a:ext uri="{FF2B5EF4-FFF2-40B4-BE49-F238E27FC236}">
+                  <a16:creationId xmlns:a16="http://schemas.microsoft.com/office/drawing/2014/main" id="{D5F7E915-F4BF-CADF-ECD7-9DA2EED5F1B5}"/>
+                </a:ext>
+              </a:extLst>
+            </p:cNvPr>
+            <p:cNvSpPr txBox="1"/>
+            <p:nvPr/>
+          </p:nvSpPr>
+          <p:spPr>
+            <a:xfrm>
+              <a:off x="7599456" y="2222271"/>
+              <a:ext cx="2757293" cy="584775"/>
+            </a:xfrm>
+            <a:prstGeom prst="rect">
+              <a:avLst/>
+            </a:prstGeom>
+            <a:solidFill>
+              <a:srgbClr val="7F7F7F">
+                <a:alpha val="38039"/>
+              </a:srgbClr>
+            </a:solidFill>
+            <a:scene3d>
+              <a:camera prst="isometricOffAxis1Right"/>
+              <a:lightRig rig="threePt" dir="t"/>
+            </a:scene3d>
+          </p:spPr>
+          <p:txBody>
+            <a:bodyPr wrap="none" rtlCol="0">
+              <a:spAutoFit/>
+            </a:bodyPr>
+            <a:lstStyle/>
+            <a:p>
+              <a:pPr algn="ctr"/>
+              <a:r>
+                <a:rPr lang="en-AU" sz="1600" dirty="0"/>
+                <a:t>Intensionally Defined Relations</a:t>
+              </a:r>
+              <a:br>
+                <a:rPr lang="en-AU" sz="1600" dirty="0"/>
+              </a:br>
+              <a:r>
+                <a:rPr lang="en-AU" sz="1600" dirty="0"/>
+                <a:t>(Rules)</a:t>
+              </a:r>
+            </a:p>
+          </p:txBody>
+        </p:sp>
+        <p:pic>
+          <p:nvPicPr>
+            <p:cNvPr id="41" name="Picture 40">
+              <a:extLst>
+                <a:ext uri="{FF2B5EF4-FFF2-40B4-BE49-F238E27FC236}">
+                  <a16:creationId xmlns:a16="http://schemas.microsoft.com/office/drawing/2014/main" id="{FB707429-710A-D467-C4EB-D3B65485D3A1}"/>
+                </a:ext>
+              </a:extLst>
+            </p:cNvPr>
+            <p:cNvPicPr>
+              <a:picLocks noChangeAspect="1"/>
+            </p:cNvPicPr>
+            <p:nvPr/>
+          </p:nvPicPr>
+          <p:blipFill>
+            <a:blip r:embed="rId2"/>
+            <a:stretch>
+              <a:fillRect/>
+            </a:stretch>
+          </p:blipFill>
+          <p:spPr>
+            <a:xfrm>
+              <a:off x="7083611" y="1454069"/>
+              <a:ext cx="1031690" cy="436421"/>
+            </a:xfrm>
+            <a:prstGeom prst="rect">
+              <a:avLst/>
+            </a:prstGeom>
+            <a:scene3d>
+              <a:camera prst="isometricOffAxis1Right"/>
+              <a:lightRig rig="threePt" dir="t"/>
+            </a:scene3d>
+          </p:spPr>
+        </p:pic>
+        <p:sp>
+          <p:nvSpPr>
+            <p:cNvPr id="50" name="TextBox 49">
+              <a:extLst>
+                <a:ext uri="{FF2B5EF4-FFF2-40B4-BE49-F238E27FC236}">
+                  <a16:creationId xmlns:a16="http://schemas.microsoft.com/office/drawing/2014/main" id="{BCAFEC12-1DA4-76B6-0B88-08E038EEFD7B}"/>
+                </a:ext>
+              </a:extLst>
+            </p:cNvPr>
+            <p:cNvSpPr txBox="1"/>
+            <p:nvPr/>
+          </p:nvSpPr>
+          <p:spPr>
+            <a:xfrm>
+              <a:off x="6812006" y="559056"/>
+              <a:ext cx="3884261" cy="646331"/>
+            </a:xfrm>
+            <a:prstGeom prst="rect">
+              <a:avLst/>
+            </a:prstGeom>
+            <a:noFill/>
+            <a:scene3d>
+              <a:camera prst="isometricOffAxis1Right"/>
+              <a:lightRig rig="threePt" dir="t"/>
+            </a:scene3d>
+          </p:spPr>
+          <p:txBody>
+            <a:bodyPr wrap="square">
+              <a:spAutoFit/>
+            </a:bodyPr>
+            <a:lstStyle/>
+            <a:p>
+              <a:pPr lvl="0"/>
+              <a:r>
+                <a:rPr lang="en-AU" sz="1200" dirty="0">
+                  <a:solidFill>
+                    <a:schemeClr val="bg1"/>
+                  </a:solidFill>
+                </a:rPr>
+                <a:t>Logic, Constraints, Search, Numerical Methods, Linear Programming, Symbolic Computation, Termination, Negation, Stratification, Type Theory, Multiple Semantics </a:t>
+              </a:r>
+            </a:p>
+          </p:txBody>
+        </p:sp>
+      </p:grpSp>
+      <p:grpSp>
+        <p:nvGrpSpPr>
+          <p:cNvPr id="88" name="Group 87">
+            <a:extLst>
+              <a:ext uri="{FF2B5EF4-FFF2-40B4-BE49-F238E27FC236}">
+                <a16:creationId xmlns:a16="http://schemas.microsoft.com/office/drawing/2014/main" id="{B317216B-3692-9959-E8B5-8A7A18E4748D}"/>
+              </a:ext>
+            </a:extLst>
+          </p:cNvPr>
+          <p:cNvGrpSpPr/>
+          <p:nvPr/>
+        </p:nvGrpSpPr>
+        <p:grpSpPr>
+          <a:xfrm>
+            <a:off x="6107952" y="3429300"/>
+            <a:ext cx="6026413" cy="2980218"/>
+            <a:chOff x="5746685" y="3283686"/>
+            <a:chExt cx="4794382" cy="2980218"/>
+          </a:xfrm>
+        </p:grpSpPr>
+        <p:sp>
+          <p:nvSpPr>
+            <p:cNvPr id="2" name="Rectangle 1">
+              <a:extLst>
+                <a:ext uri="{FF2B5EF4-FFF2-40B4-BE49-F238E27FC236}">
+                  <a16:creationId xmlns:a16="http://schemas.microsoft.com/office/drawing/2014/main" id="{0A9D2A6D-12CF-41CA-9B39-4855A57C3F80}"/>
+                </a:ext>
+              </a:extLst>
+            </p:cNvPr>
+            <p:cNvSpPr/>
+            <p:nvPr/>
+          </p:nvSpPr>
+          <p:spPr>
+            <a:xfrm>
+              <a:off x="5746685" y="3770185"/>
+              <a:ext cx="4794382" cy="2493719"/>
+            </a:xfrm>
+            <a:prstGeom prst="rect">
+              <a:avLst/>
+            </a:prstGeom>
+            <a:solidFill>
+              <a:schemeClr val="accent6">
+                <a:lumMod val="60000"/>
+                <a:lumOff val="40000"/>
+              </a:schemeClr>
+            </a:solidFill>
+            <a:scene3d>
+              <a:camera prst="isometricOffAxis1Right"/>
+              <a:lightRig rig="threePt" dir="t"/>
+            </a:scene3d>
+            <a:sp3d extrusionH="1803400"/>
+          </p:spPr>
+          <p:style>
+            <a:lnRef idx="2">
+              <a:schemeClr val="accent1">
+                <a:shade val="50000"/>
+              </a:schemeClr>
+            </a:lnRef>
+            <a:fillRef idx="1">
+              <a:schemeClr val="accent1"/>
+            </a:fillRef>
+            <a:effectRef idx="0">
+              <a:schemeClr val="accent1"/>
+            </a:effectRef>
+            <a:fontRef idx="minor">
+              <a:schemeClr val="lt1"/>
+            </a:fontRef>
+          </p:style>
+          <p:txBody>
+            <a:bodyPr rtlCol="0" anchor="ctr"/>
+            <a:lstStyle/>
+            <a:p>
+              <a:pPr algn="ctr"/>
+              <a:endParaRPr lang="en-AU"/>
+            </a:p>
+          </p:txBody>
+        </p:sp>
+        <p:pic>
+          <p:nvPicPr>
+            <p:cNvPr id="5" name="Picture 4">
+              <a:extLst>
+                <a:ext uri="{FF2B5EF4-FFF2-40B4-BE49-F238E27FC236}">
+                  <a16:creationId xmlns:a16="http://schemas.microsoft.com/office/drawing/2014/main" id="{4DDBD2DF-BBB9-B531-19FD-F3E5D54946B1}"/>
+                </a:ext>
+              </a:extLst>
+            </p:cNvPr>
+            <p:cNvPicPr>
+              <a:picLocks noChangeAspect="1"/>
+            </p:cNvPicPr>
+            <p:nvPr/>
+          </p:nvPicPr>
+          <p:blipFill>
+            <a:blip r:embed="rId2"/>
+            <a:stretch>
+              <a:fillRect/>
+            </a:stretch>
+          </p:blipFill>
+          <p:spPr>
+            <a:xfrm>
+              <a:off x="6370971" y="4101855"/>
+              <a:ext cx="2662710" cy="1240096"/>
+            </a:xfrm>
+            <a:prstGeom prst="rect">
+              <a:avLst/>
+            </a:prstGeom>
+            <a:solidFill>
+              <a:schemeClr val="accent6">
+                <a:lumMod val="60000"/>
+                <a:lumOff val="40000"/>
+              </a:schemeClr>
+            </a:solidFill>
+            <a:scene3d>
+              <a:camera prst="isometricOffAxis1Right"/>
+              <a:lightRig rig="threePt" dir="t"/>
+            </a:scene3d>
+          </p:spPr>
+        </p:pic>
+        <p:sp>
+          <p:nvSpPr>
+            <p:cNvPr id="19" name="TextBox 18">
+              <a:extLst>
+                <a:ext uri="{FF2B5EF4-FFF2-40B4-BE49-F238E27FC236}">
+                  <a16:creationId xmlns:a16="http://schemas.microsoft.com/office/drawing/2014/main" id="{15AAA5EA-4BF5-C3B1-43B1-353DDA63A2D7}"/>
+                </a:ext>
+              </a:extLst>
+            </p:cNvPr>
+            <p:cNvSpPr txBox="1"/>
+            <p:nvPr/>
+          </p:nvSpPr>
+          <p:spPr>
+            <a:xfrm>
+              <a:off x="6032521" y="3283686"/>
+              <a:ext cx="3548105" cy="646331"/>
+            </a:xfrm>
+            <a:prstGeom prst="rect">
+              <a:avLst/>
+            </a:prstGeom>
+            <a:noFill/>
+            <a:scene3d>
+              <a:camera prst="isometricOffAxis1Right"/>
+              <a:lightRig rig="threePt" dir="t"/>
+            </a:scene3d>
+          </p:spPr>
+          <p:txBody>
+            <a:bodyPr wrap="none" rtlCol="0">
+              <a:spAutoFit/>
+            </a:bodyPr>
+            <a:lstStyle/>
+            <a:p>
+              <a:r>
+                <a:rPr lang="en-AU" dirty="0">
+                  <a:solidFill>
+                    <a:schemeClr val="bg1"/>
+                  </a:solidFill>
+                </a:rPr>
+                <a:t>Relational Queries with Fixed-Point Operators</a:t>
+              </a:r>
+            </a:p>
+            <a:p>
+              <a:pPr algn="ctr"/>
+              <a:r>
+                <a:rPr lang="en-AU" dirty="0">
+                  <a:solidFill>
+                    <a:schemeClr val="bg1"/>
+                  </a:solidFill>
+                </a:rPr>
+                <a:t>SQL, Datalog, LINQ, …</a:t>
+              </a:r>
+            </a:p>
+          </p:txBody>
+        </p:sp>
+        <p:sp>
+          <p:nvSpPr>
+            <p:cNvPr id="33" name="TextBox 32">
+              <a:extLst>
+                <a:ext uri="{FF2B5EF4-FFF2-40B4-BE49-F238E27FC236}">
+                  <a16:creationId xmlns:a16="http://schemas.microsoft.com/office/drawing/2014/main" id="{9B8BEA76-225A-F196-32D0-7D3F0329890D}"/>
+                </a:ext>
+              </a:extLst>
+            </p:cNvPr>
+            <p:cNvSpPr txBox="1"/>
+            <p:nvPr/>
+          </p:nvSpPr>
+          <p:spPr>
+            <a:xfrm>
+              <a:off x="7131154" y="5255736"/>
+              <a:ext cx="2482445" cy="830997"/>
+            </a:xfrm>
+            <a:prstGeom prst="rect">
+              <a:avLst/>
+            </a:prstGeom>
+            <a:solidFill>
+              <a:srgbClr val="7F7F7F">
+                <a:alpha val="38039"/>
+              </a:srgbClr>
+            </a:solidFill>
+            <a:scene3d>
+              <a:camera prst="isometricOffAxis1Right"/>
+              <a:lightRig rig="threePt" dir="t"/>
+            </a:scene3d>
+          </p:spPr>
+          <p:txBody>
+            <a:bodyPr wrap="square" rtlCol="0">
+              <a:spAutoFit/>
+            </a:bodyPr>
+            <a:lstStyle/>
+            <a:p>
+              <a:pPr algn="ctr"/>
+              <a:r>
+                <a:rPr lang="en-AU" sz="2400" dirty="0"/>
+                <a:t>Derived Relations</a:t>
+              </a:r>
+              <a:br>
+                <a:rPr lang="en-AU" sz="2400" dirty="0"/>
+              </a:br>
+              <a:r>
+                <a:rPr lang="en-AU" sz="2400" dirty="0"/>
+                <a:t>(Rules applied to Data)</a:t>
+              </a:r>
+            </a:p>
+          </p:txBody>
+        </p:sp>
+        <p:pic>
+          <p:nvPicPr>
+            <p:cNvPr id="62" name="Picture 61">
+              <a:extLst>
+                <a:ext uri="{FF2B5EF4-FFF2-40B4-BE49-F238E27FC236}">
+                  <a16:creationId xmlns:a16="http://schemas.microsoft.com/office/drawing/2014/main" id="{E60A8652-5981-F36C-00B2-3CB537AD1E64}"/>
+                </a:ext>
+              </a:extLst>
+            </p:cNvPr>
+            <p:cNvPicPr>
+              <a:picLocks noChangeAspect="1"/>
+            </p:cNvPicPr>
+            <p:nvPr/>
+          </p:nvPicPr>
+          <p:blipFill>
+            <a:blip r:embed="rId2"/>
+            <a:stretch>
+              <a:fillRect/>
+            </a:stretch>
+          </p:blipFill>
+          <p:spPr>
+            <a:xfrm>
+              <a:off x="9064781" y="3792175"/>
+              <a:ext cx="1031690" cy="436421"/>
+            </a:xfrm>
+            <a:prstGeom prst="rect">
+              <a:avLst/>
+            </a:prstGeom>
+            <a:scene3d>
+              <a:camera prst="isometricOffAxis1Right"/>
+              <a:lightRig rig="threePt" dir="t"/>
+            </a:scene3d>
+          </p:spPr>
+        </p:pic>
+        <p:pic>
+          <p:nvPicPr>
+            <p:cNvPr id="63" name="Picture 62">
+              <a:extLst>
+                <a:ext uri="{FF2B5EF4-FFF2-40B4-BE49-F238E27FC236}">
+                  <a16:creationId xmlns:a16="http://schemas.microsoft.com/office/drawing/2014/main" id="{AD92E49A-7139-DDA9-FE30-4BB696D37852}"/>
+                </a:ext>
+              </a:extLst>
+            </p:cNvPr>
+            <p:cNvPicPr>
+              <a:picLocks noChangeAspect="1"/>
+            </p:cNvPicPr>
+            <p:nvPr/>
+          </p:nvPicPr>
+          <p:blipFill>
+            <a:blip r:embed="rId2"/>
+            <a:stretch>
+              <a:fillRect/>
+            </a:stretch>
+          </p:blipFill>
+          <p:spPr>
+            <a:xfrm>
+              <a:off x="9064781" y="4401974"/>
+              <a:ext cx="1031690" cy="436421"/>
+            </a:xfrm>
+            <a:prstGeom prst="rect">
+              <a:avLst/>
+            </a:prstGeom>
+            <a:scene3d>
+              <a:camera prst="isometricOffAxis1Right"/>
+              <a:lightRig rig="threePt" dir="t"/>
+            </a:scene3d>
+          </p:spPr>
+        </p:pic>
+      </p:grpSp>
+      <p:grpSp>
+        <p:nvGrpSpPr>
+          <p:cNvPr id="86" name="Group 85">
+            <a:extLst>
+              <a:ext uri="{FF2B5EF4-FFF2-40B4-BE49-F238E27FC236}">
+                <a16:creationId xmlns:a16="http://schemas.microsoft.com/office/drawing/2014/main" id="{6A0CE737-8A5C-AF78-5F0A-42A4130CF597}"/>
+              </a:ext>
+            </a:extLst>
+          </p:cNvPr>
+          <p:cNvGrpSpPr/>
+          <p:nvPr/>
+        </p:nvGrpSpPr>
+        <p:grpSpPr>
+          <a:xfrm>
+            <a:off x="379396" y="1048090"/>
+            <a:ext cx="4753889" cy="2380910"/>
+            <a:chOff x="817513" y="717181"/>
+            <a:chExt cx="4753889" cy="2380910"/>
+          </a:xfrm>
+        </p:grpSpPr>
+        <p:sp>
+          <p:nvSpPr>
+            <p:cNvPr id="8" name="Rectangle 7">
+              <a:extLst>
+                <a:ext uri="{FF2B5EF4-FFF2-40B4-BE49-F238E27FC236}">
+                  <a16:creationId xmlns:a16="http://schemas.microsoft.com/office/drawing/2014/main" id="{97710AE9-95EA-68DA-50EB-2746CEA2D507}"/>
+                </a:ext>
+              </a:extLst>
+            </p:cNvPr>
+            <p:cNvSpPr/>
+            <p:nvPr/>
+          </p:nvSpPr>
+          <p:spPr>
+            <a:xfrm>
+              <a:off x="1296308" y="1272706"/>
+              <a:ext cx="4275094" cy="1825385"/>
+            </a:xfrm>
+            <a:prstGeom prst="rect">
+              <a:avLst/>
+            </a:prstGeom>
+            <a:solidFill>
+              <a:srgbClr val="4472C4">
+                <a:alpha val="43137"/>
+              </a:srgbClr>
+            </a:solidFill>
+            <a:scene3d>
+              <a:camera prst="isometricOffAxis1Right"/>
+              <a:lightRig rig="threePt" dir="t"/>
+            </a:scene3d>
+            <a:sp3d extrusionH="1803400"/>
+          </p:spPr>
+          <p:style>
+            <a:lnRef idx="2">
+              <a:schemeClr val="accent1">
+                <a:shade val="50000"/>
+              </a:schemeClr>
+            </a:lnRef>
+            <a:fillRef idx="1">
+              <a:schemeClr val="accent1"/>
+            </a:fillRef>
+            <a:effectRef idx="0">
+              <a:schemeClr val="accent1"/>
+            </a:effectRef>
+            <a:fontRef idx="minor">
+              <a:schemeClr val="lt1"/>
+            </a:fontRef>
+          </p:style>
+          <p:txBody>
+            <a:bodyPr rtlCol="0" anchor="ctr"/>
+            <a:lstStyle/>
+            <a:p>
+              <a:pPr algn="ctr"/>
+              <a:endParaRPr lang="en-AU"/>
+            </a:p>
+          </p:txBody>
+        </p:sp>
+        <p:pic>
+          <p:nvPicPr>
+            <p:cNvPr id="9" name="Picture 8">
+              <a:extLst>
+                <a:ext uri="{FF2B5EF4-FFF2-40B4-BE49-F238E27FC236}">
+                  <a16:creationId xmlns:a16="http://schemas.microsoft.com/office/drawing/2014/main" id="{28AC0B48-A6F8-855F-DC61-F9D2AEE29EB7}"/>
+                </a:ext>
+              </a:extLst>
+            </p:cNvPr>
+            <p:cNvPicPr>
+              <a:picLocks noChangeAspect="1"/>
+            </p:cNvPicPr>
+            <p:nvPr/>
+          </p:nvPicPr>
+          <p:blipFill>
+            <a:blip r:embed="rId2"/>
+            <a:stretch>
+              <a:fillRect/>
+            </a:stretch>
+          </p:blipFill>
+          <p:spPr>
+            <a:xfrm>
+              <a:off x="1495705" y="1532518"/>
+              <a:ext cx="2015528" cy="852600"/>
+            </a:xfrm>
+            <a:prstGeom prst="rect">
+              <a:avLst/>
+            </a:prstGeom>
+            <a:scene3d>
+              <a:camera prst="isometricOffAxis1Right"/>
+              <a:lightRig rig="threePt" dir="t"/>
+            </a:scene3d>
+          </p:spPr>
+        </p:pic>
+        <p:sp>
+          <p:nvSpPr>
+            <p:cNvPr id="31" name="TextBox 30">
+              <a:extLst>
+                <a:ext uri="{FF2B5EF4-FFF2-40B4-BE49-F238E27FC236}">
+                  <a16:creationId xmlns:a16="http://schemas.microsoft.com/office/drawing/2014/main" id="{7EDE61CC-55B2-636A-3C6D-B98EA8B560B2}"/>
+                </a:ext>
+              </a:extLst>
+            </p:cNvPr>
+            <p:cNvSpPr txBox="1"/>
+            <p:nvPr/>
+          </p:nvSpPr>
+          <p:spPr>
+            <a:xfrm>
+              <a:off x="2213993" y="2365405"/>
+              <a:ext cx="2790251" cy="584775"/>
+            </a:xfrm>
+            <a:prstGeom prst="rect">
+              <a:avLst/>
+            </a:prstGeom>
+            <a:solidFill>
+              <a:srgbClr val="7F7F7F">
+                <a:alpha val="38039"/>
+              </a:srgbClr>
+            </a:solidFill>
+            <a:scene3d>
+              <a:camera prst="isometricOffAxis1Right"/>
+              <a:lightRig rig="threePt" dir="t"/>
+            </a:scene3d>
+          </p:spPr>
+          <p:txBody>
+            <a:bodyPr wrap="none" rtlCol="0">
+              <a:spAutoFit/>
+            </a:bodyPr>
+            <a:lstStyle/>
+            <a:p>
+              <a:pPr algn="ctr"/>
+              <a:r>
+                <a:rPr lang="en-AU" sz="1600" dirty="0"/>
+                <a:t>Extensionally Defined Relations</a:t>
+              </a:r>
+              <a:br>
+                <a:rPr lang="en-AU" sz="1600" dirty="0"/>
+              </a:br>
+              <a:r>
+                <a:rPr lang="en-AU" sz="1600" dirty="0"/>
+                <a:t>(Data)</a:t>
+              </a:r>
+            </a:p>
+          </p:txBody>
+        </p:sp>
+        <p:pic>
+          <p:nvPicPr>
+            <p:cNvPr id="34" name="Picture 33">
+              <a:extLst>
+                <a:ext uri="{FF2B5EF4-FFF2-40B4-BE49-F238E27FC236}">
+                  <a16:creationId xmlns:a16="http://schemas.microsoft.com/office/drawing/2014/main" id="{A9F6BBF9-C148-0DC1-4FE9-AB515004A7E5}"/>
+                </a:ext>
+              </a:extLst>
+            </p:cNvPr>
+            <p:cNvPicPr>
+              <a:picLocks noChangeAspect="1"/>
+            </p:cNvPicPr>
+            <p:nvPr/>
+          </p:nvPicPr>
+          <p:blipFill>
+            <a:blip r:embed="rId2"/>
+            <a:stretch>
+              <a:fillRect/>
+            </a:stretch>
+          </p:blipFill>
+          <p:spPr>
+            <a:xfrm>
+              <a:off x="3439489" y="1269855"/>
+              <a:ext cx="1031690" cy="436421"/>
+            </a:xfrm>
+            <a:prstGeom prst="rect">
+              <a:avLst/>
+            </a:prstGeom>
+            <a:scene3d>
+              <a:camera prst="isometricOffAxis1Right"/>
+              <a:lightRig rig="threePt" dir="t"/>
+            </a:scene3d>
+          </p:spPr>
+        </p:pic>
+        <p:pic>
+          <p:nvPicPr>
+            <p:cNvPr id="35" name="Picture 34">
+              <a:extLst>
+                <a:ext uri="{FF2B5EF4-FFF2-40B4-BE49-F238E27FC236}">
+                  <a16:creationId xmlns:a16="http://schemas.microsoft.com/office/drawing/2014/main" id="{10AE2780-87D0-C164-4973-CCAFD20FFC10}"/>
+                </a:ext>
+              </a:extLst>
+            </p:cNvPr>
+            <p:cNvPicPr>
+              <a:picLocks noChangeAspect="1"/>
+            </p:cNvPicPr>
+            <p:nvPr/>
+          </p:nvPicPr>
+          <p:blipFill>
+            <a:blip r:embed="rId2"/>
+            <a:stretch>
+              <a:fillRect/>
+            </a:stretch>
+          </p:blipFill>
+          <p:spPr>
+            <a:xfrm>
+              <a:off x="3440966" y="1786407"/>
+              <a:ext cx="1031690" cy="436421"/>
+            </a:xfrm>
+            <a:prstGeom prst="rect">
+              <a:avLst/>
+            </a:prstGeom>
+            <a:scene3d>
+              <a:camera prst="isometricOffAxis1Right"/>
+              <a:lightRig rig="threePt" dir="t"/>
+            </a:scene3d>
+          </p:spPr>
+        </p:pic>
+        <p:sp>
+          <p:nvSpPr>
+            <p:cNvPr id="56" name="TextBox 55">
+              <a:extLst>
+                <a:ext uri="{FF2B5EF4-FFF2-40B4-BE49-F238E27FC236}">
+                  <a16:creationId xmlns:a16="http://schemas.microsoft.com/office/drawing/2014/main" id="{1ED22BD1-0616-732B-4C9D-19EE8D8C7C4F}"/>
+                </a:ext>
+              </a:extLst>
+            </p:cNvPr>
+            <p:cNvSpPr txBox="1"/>
+            <p:nvPr/>
+          </p:nvSpPr>
+          <p:spPr>
+            <a:xfrm>
+              <a:off x="1163718" y="717181"/>
+              <a:ext cx="3884261" cy="646331"/>
+            </a:xfrm>
+            <a:prstGeom prst="rect">
+              <a:avLst/>
+            </a:prstGeom>
+            <a:noFill/>
+            <a:scene3d>
+              <a:camera prst="isometricOffAxis1Right"/>
+              <a:lightRig rig="threePt" dir="t"/>
+            </a:scene3d>
+          </p:spPr>
+          <p:txBody>
+            <a:bodyPr wrap="square">
+              <a:spAutoFit/>
+            </a:bodyPr>
+            <a:lstStyle/>
+            <a:p>
+              <a:pPr lvl="0"/>
+              <a:r>
+                <a:rPr lang="en-AU" sz="1200" dirty="0">
+                  <a:solidFill>
+                    <a:schemeClr val="bg1"/>
+                  </a:solidFill>
+                </a:rPr>
+                <a:t>Hardware, scale, cloud, multi-vendors, indexing, storage, replication, concurrency, recovery, distributed systems,  materialisation…</a:t>
+              </a:r>
+            </a:p>
+          </p:txBody>
+        </p:sp>
+        <p:pic>
+          <p:nvPicPr>
+            <p:cNvPr id="17" name="Graphic 16" descr="Database outline">
+              <a:extLst>
+                <a:ext uri="{FF2B5EF4-FFF2-40B4-BE49-F238E27FC236}">
+                  <a16:creationId xmlns:a16="http://schemas.microsoft.com/office/drawing/2014/main" id="{6D3DD6EB-BE40-8023-CA65-BBC1F77674DA}"/>
+                </a:ext>
+              </a:extLst>
+            </p:cNvPr>
+            <p:cNvPicPr>
+              <a:picLocks noChangeAspect="1"/>
+            </p:cNvPicPr>
+            <p:nvPr/>
+          </p:nvPicPr>
+          <p:blipFill>
+            <a:blip r:embed="rId3">
+              <a:extLst>
+                <a:ext uri="{28A0092B-C50C-407E-A947-70E740481C1C}">
+                  <a14:useLocalDpi xmlns:a14="http://schemas.microsoft.com/office/drawing/2010/main" val="0"/>
+                </a:ext>
+                <a:ext uri="{96DAC541-7B7A-43D3-8B79-37D633B846F1}">
+                  <asvg:svgBlip xmlns:asvg="http://schemas.microsoft.com/office/drawing/2016/SVG/main" r:embed="rId4"/>
+                </a:ext>
+              </a:extLst>
+            </a:blip>
+            <a:stretch>
+              <a:fillRect/>
+            </a:stretch>
+          </p:blipFill>
+          <p:spPr>
+            <a:xfrm>
+              <a:off x="817513" y="1547157"/>
+              <a:ext cx="450845" cy="450845"/>
+            </a:xfrm>
+            <a:prstGeom prst="rect">
+              <a:avLst/>
+            </a:prstGeom>
+          </p:spPr>
+        </p:pic>
+        <p:pic>
+          <p:nvPicPr>
+            <p:cNvPr id="18" name="Graphic 17" descr="Database outline">
+              <a:extLst>
+                <a:ext uri="{FF2B5EF4-FFF2-40B4-BE49-F238E27FC236}">
+                  <a16:creationId xmlns:a16="http://schemas.microsoft.com/office/drawing/2014/main" id="{9CDD86AC-F46E-192E-724A-73FCBFD27404}"/>
+                </a:ext>
+              </a:extLst>
+            </p:cNvPr>
+            <p:cNvPicPr>
+              <a:picLocks noChangeAspect="1"/>
+            </p:cNvPicPr>
+            <p:nvPr/>
+          </p:nvPicPr>
+          <p:blipFill>
+            <a:blip r:embed="rId3">
+              <a:extLst>
+                <a:ext uri="{28A0092B-C50C-407E-A947-70E740481C1C}">
+                  <a14:useLocalDpi xmlns:a14="http://schemas.microsoft.com/office/drawing/2010/main" val="0"/>
+                </a:ext>
+                <a:ext uri="{96DAC541-7B7A-43D3-8B79-37D633B846F1}">
+                  <asvg:svgBlip xmlns:asvg="http://schemas.microsoft.com/office/drawing/2016/SVG/main" r:embed="rId4"/>
+                </a:ext>
+              </a:extLst>
+            </a:blip>
+            <a:stretch>
+              <a:fillRect/>
+            </a:stretch>
+          </p:blipFill>
+          <p:spPr>
+            <a:xfrm>
+              <a:off x="828679" y="2159695"/>
+              <a:ext cx="450845" cy="450845"/>
+            </a:xfrm>
+            <a:prstGeom prst="rect">
+              <a:avLst/>
+            </a:prstGeom>
+          </p:spPr>
+        </p:pic>
+      </p:grpSp>
+      <p:sp>
+        <p:nvSpPr>
+          <p:cNvPr id="91" name="Arrow: Right 90">
+            <a:extLst>
+              <a:ext uri="{FF2B5EF4-FFF2-40B4-BE49-F238E27FC236}">
+                <a16:creationId xmlns:a16="http://schemas.microsoft.com/office/drawing/2014/main" id="{FDC3A0BF-B139-96FC-2061-90B83E6FB236}"/>
+              </a:ext>
+            </a:extLst>
+          </p:cNvPr>
+          <p:cNvSpPr/>
+          <p:nvPr/>
+        </p:nvSpPr>
+        <p:spPr>
+          <a:xfrm>
+            <a:off x="3338744" y="3219450"/>
+            <a:ext cx="1271118" cy="917662"/>
+          </a:xfrm>
+          <a:prstGeom prst="rightArrow">
+            <a:avLst/>
+          </a:prstGeom>
+          <a:scene3d>
+            <a:camera prst="isometricOffAxis2Top">
+              <a:rot lat="19432908" lon="4182868" rev="16806596"/>
+            </a:camera>
+            <a:lightRig rig="threePt" dir="t"/>
+          </a:scene3d>
+          <a:sp3d extrusionH="165100"/>
+        </p:spPr>
+        <p:style>
+          <a:lnRef idx="2">
+            <a:schemeClr val="accent1">
+              <a:shade val="50000"/>
+            </a:schemeClr>
+          </a:lnRef>
+          <a:fillRef idx="1">
+            <a:schemeClr val="accent1"/>
+          </a:fillRef>
+          <a:effectRef idx="0">
+            <a:schemeClr val="accent1"/>
+          </a:effectRef>
+          <a:fontRef idx="minor">
+            <a:schemeClr val="lt1"/>
+          </a:fontRef>
+        </p:style>
+        <p:txBody>
+          <a:bodyPr rtlCol="0" anchor="ctr"/>
+          <a:lstStyle/>
+          <a:p>
+            <a:pPr algn="ctr"/>
+            <a:endParaRPr lang="en-AU"/>
+          </a:p>
+        </p:txBody>
+      </p:sp>
+      <p:sp>
+        <p:nvSpPr>
+          <p:cNvPr id="92" name="Arrow: Right 91">
+            <a:extLst>
+              <a:ext uri="{FF2B5EF4-FFF2-40B4-BE49-F238E27FC236}">
+                <a16:creationId xmlns:a16="http://schemas.microsoft.com/office/drawing/2014/main" id="{E74FD497-86E5-0335-2069-C5CDD78E24BC}"/>
+              </a:ext>
+            </a:extLst>
+          </p:cNvPr>
+          <p:cNvSpPr/>
+          <p:nvPr/>
+        </p:nvSpPr>
+        <p:spPr>
+          <a:xfrm>
+            <a:off x="7662736" y="2516307"/>
+            <a:ext cx="1190625" cy="771525"/>
+          </a:xfrm>
+          <a:prstGeom prst="rightArrow">
+            <a:avLst/>
+          </a:prstGeom>
+          <a:scene3d>
+            <a:camera prst="isometricOffAxis2Top">
+              <a:rot lat="19736190" lon="4107550" rev="16820653"/>
+            </a:camera>
+            <a:lightRig rig="threePt" dir="t"/>
+          </a:scene3d>
+          <a:sp3d extrusionH="165100"/>
+        </p:spPr>
+        <p:style>
+          <a:lnRef idx="2">
+            <a:schemeClr val="accent1">
+              <a:shade val="50000"/>
+            </a:schemeClr>
+          </a:lnRef>
+          <a:fillRef idx="1">
+            <a:schemeClr val="accent1"/>
+          </a:fillRef>
+          <a:effectRef idx="0">
+            <a:schemeClr val="accent1"/>
+          </a:effectRef>
+          <a:fontRef idx="minor">
+            <a:schemeClr val="lt1"/>
+          </a:fontRef>
+        </p:style>
+        <p:txBody>
+          <a:bodyPr rtlCol="0" anchor="ctr"/>
+          <a:lstStyle/>
+          <a:p>
+            <a:pPr algn="ctr"/>
+            <a:endParaRPr lang="en-AU"/>
+          </a:p>
+        </p:txBody>
+      </p:sp>
+    </p:spTree>
+    <p:extLst>
+      <p:ext uri="{BB962C8B-B14F-4D97-AF65-F5344CB8AC3E}">
+        <p14:creationId xmlns:p14="http://schemas.microsoft.com/office/powerpoint/2010/main" val="91152419"/>
+      </p:ext>
+    </p:extLst>
+  </p:cSld>
+  <p:clrMapOvr>
+    <a:masterClrMapping/>
+  </p:clrMapOvr>
+</p:sld>
+</file>
+
 <file path=ppt/theme/theme1.xml><?xml version="1.0" encoding="utf-8"?>
 <a:theme xmlns:a="http://schemas.openxmlformats.org/drawingml/2006/main" name="Office Theme">
   <a:themeElements>

--- a/images/src/jetisu diagrams.pptx
+++ b/images/src/jetisu diagrams.pptx
@@ -24538,7 +24538,7 @@
               </a:br>
               <a:r>
                 <a:rPr lang="en-AU" sz="1600" dirty="0"/>
-                <a:t>(Rules)</a:t>
+                <a:t>(Rules and Code)</a:t>
               </a:r>
             </a:p>
           </p:txBody>
@@ -24807,8 +24807,8 @@
           </p:nvSpPr>
           <p:spPr>
             <a:xfrm>
-              <a:off x="7131154" y="5255736"/>
-              <a:ext cx="2482445" cy="830997"/>
+              <a:off x="6490991" y="5324894"/>
+              <a:ext cx="3548105" cy="830997"/>
             </a:xfrm>
             <a:prstGeom prst="rect">
               <a:avLst/>
@@ -24839,7 +24839,7 @@
               </a:br>
               <a:r>
                 <a:rPr lang="en-AU" sz="2400" dirty="0"/>
-                <a:t>(Rules applied to Data)</a:t>
+                <a:t>(Rules and Code applied to Data)</a:t>
               </a:r>
             </a:p>
           </p:txBody>

--- a/images/src/jetisu diagrams.pptx
+++ b/images/src/jetisu diagrams.pptx
@@ -20879,7 +20879,7 @@
           <a:p>
             <a:fld id="{EB429232-E4BA-4B3A-9952-EE5A117FBC50}" type="datetimeFigureOut">
               <a:rPr lang="en-AU" smtClean="0"/>
-              <a:t>15/02/2023</a:t>
+              <a:t>19/02/2023</a:t>
             </a:fld>
             <a:endParaRPr lang="en-AU"/>
           </a:p>
@@ -21079,7 +21079,7 @@
           <a:p>
             <a:fld id="{EB429232-E4BA-4B3A-9952-EE5A117FBC50}" type="datetimeFigureOut">
               <a:rPr lang="en-AU" smtClean="0"/>
-              <a:t>15/02/2023</a:t>
+              <a:t>19/02/2023</a:t>
             </a:fld>
             <a:endParaRPr lang="en-AU"/>
           </a:p>
@@ -21289,7 +21289,7 @@
           <a:p>
             <a:fld id="{EB429232-E4BA-4B3A-9952-EE5A117FBC50}" type="datetimeFigureOut">
               <a:rPr lang="en-AU" smtClean="0"/>
-              <a:t>15/02/2023</a:t>
+              <a:t>19/02/2023</a:t>
             </a:fld>
             <a:endParaRPr lang="en-AU"/>
           </a:p>
@@ -21489,7 +21489,7 @@
           <a:p>
             <a:fld id="{EB429232-E4BA-4B3A-9952-EE5A117FBC50}" type="datetimeFigureOut">
               <a:rPr lang="en-AU" smtClean="0"/>
-              <a:t>15/02/2023</a:t>
+              <a:t>19/02/2023</a:t>
             </a:fld>
             <a:endParaRPr lang="en-AU"/>
           </a:p>
@@ -21765,7 +21765,7 @@
           <a:p>
             <a:fld id="{EB429232-E4BA-4B3A-9952-EE5A117FBC50}" type="datetimeFigureOut">
               <a:rPr lang="en-AU" smtClean="0"/>
-              <a:t>15/02/2023</a:t>
+              <a:t>19/02/2023</a:t>
             </a:fld>
             <a:endParaRPr lang="en-AU"/>
           </a:p>
@@ -22033,7 +22033,7 @@
           <a:p>
             <a:fld id="{EB429232-E4BA-4B3A-9952-EE5A117FBC50}" type="datetimeFigureOut">
               <a:rPr lang="en-AU" smtClean="0"/>
-              <a:t>15/02/2023</a:t>
+              <a:t>19/02/2023</a:t>
             </a:fld>
             <a:endParaRPr lang="en-AU"/>
           </a:p>
@@ -22448,7 +22448,7 @@
           <a:p>
             <a:fld id="{EB429232-E4BA-4B3A-9952-EE5A117FBC50}" type="datetimeFigureOut">
               <a:rPr lang="en-AU" smtClean="0"/>
-              <a:t>15/02/2023</a:t>
+              <a:t>19/02/2023</a:t>
             </a:fld>
             <a:endParaRPr lang="en-AU"/>
           </a:p>
@@ -22590,7 +22590,7 @@
           <a:p>
             <a:fld id="{EB429232-E4BA-4B3A-9952-EE5A117FBC50}" type="datetimeFigureOut">
               <a:rPr lang="en-AU" smtClean="0"/>
-              <a:t>15/02/2023</a:t>
+              <a:t>19/02/2023</a:t>
             </a:fld>
             <a:endParaRPr lang="en-AU"/>
           </a:p>
@@ -22703,7 +22703,7 @@
           <a:p>
             <a:fld id="{EB429232-E4BA-4B3A-9952-EE5A117FBC50}" type="datetimeFigureOut">
               <a:rPr lang="en-AU" smtClean="0"/>
-              <a:t>15/02/2023</a:t>
+              <a:t>19/02/2023</a:t>
             </a:fld>
             <a:endParaRPr lang="en-AU"/>
           </a:p>
@@ -23016,7 +23016,7 @@
           <a:p>
             <a:fld id="{EB429232-E4BA-4B3A-9952-EE5A117FBC50}" type="datetimeFigureOut">
               <a:rPr lang="en-AU" smtClean="0"/>
-              <a:t>15/02/2023</a:t>
+              <a:t>19/02/2023</a:t>
             </a:fld>
             <a:endParaRPr lang="en-AU"/>
           </a:p>
@@ -23305,7 +23305,7 @@
           <a:p>
             <a:fld id="{EB429232-E4BA-4B3A-9952-EE5A117FBC50}" type="datetimeFigureOut">
               <a:rPr lang="en-AU" smtClean="0"/>
-              <a:t>15/02/2023</a:t>
+              <a:t>19/02/2023</a:t>
             </a:fld>
             <a:endParaRPr lang="en-AU"/>
           </a:p>
@@ -23548,7 +23548,7 @@
           <a:p>
             <a:fld id="{EB429232-E4BA-4B3A-9952-EE5A117FBC50}" type="datetimeFigureOut">
               <a:rPr lang="en-AU" smtClean="0"/>
-              <a:t>15/02/2023</a:t>
+              <a:t>19/02/2023</a:t>
             </a:fld>
             <a:endParaRPr lang="en-AU"/>
           </a:p>
@@ -24379,542 +24379,6 @@
       </p:grpSpPr>
       <p:grpSp>
         <p:nvGrpSpPr>
-          <p:cNvPr id="87" name="Group 86">
-            <a:extLst>
-              <a:ext uri="{FF2B5EF4-FFF2-40B4-BE49-F238E27FC236}">
-                <a16:creationId xmlns:a16="http://schemas.microsoft.com/office/drawing/2014/main" id="{CAE53593-E0B9-139C-70BE-C8AFFA32AD83}"/>
-              </a:ext>
-            </a:extLst>
-          </p:cNvPr>
-          <p:cNvGrpSpPr/>
-          <p:nvPr/>
-        </p:nvGrpSpPr>
-        <p:grpSpPr>
-          <a:xfrm>
-            <a:off x="5852407" y="288046"/>
-            <a:ext cx="4275094" cy="2379415"/>
-            <a:chOff x="6812006" y="559056"/>
-            <a:chExt cx="4275094" cy="2379415"/>
-          </a:xfrm>
-        </p:grpSpPr>
-        <p:sp>
-          <p:nvSpPr>
-            <p:cNvPr id="14" name="Rectangle 13">
-              <a:extLst>
-                <a:ext uri="{FF2B5EF4-FFF2-40B4-BE49-F238E27FC236}">
-                  <a16:creationId xmlns:a16="http://schemas.microsoft.com/office/drawing/2014/main" id="{2B4080B8-42F3-4F8D-FBB2-8CB777385CE7}"/>
-                </a:ext>
-              </a:extLst>
-            </p:cNvPr>
-            <p:cNvSpPr/>
-            <p:nvPr/>
-          </p:nvSpPr>
-          <p:spPr>
-            <a:xfrm>
-              <a:off x="6812006" y="1113086"/>
-              <a:ext cx="4275094" cy="1825385"/>
-            </a:xfrm>
-            <a:prstGeom prst="rect">
-              <a:avLst/>
-            </a:prstGeom>
-            <a:solidFill>
-              <a:srgbClr val="7030A0">
-                <a:alpha val="30980"/>
-              </a:srgbClr>
-            </a:solidFill>
-            <a:scene3d>
-              <a:camera prst="isometricOffAxis1Right"/>
-              <a:lightRig rig="threePt" dir="t"/>
-            </a:scene3d>
-            <a:sp3d extrusionH="1803400"/>
-          </p:spPr>
-          <p:style>
-            <a:lnRef idx="2">
-              <a:schemeClr val="accent1">
-                <a:shade val="50000"/>
-              </a:schemeClr>
-            </a:lnRef>
-            <a:fillRef idx="1">
-              <a:schemeClr val="accent1"/>
-            </a:fillRef>
-            <a:effectRef idx="0">
-              <a:schemeClr val="accent1"/>
-            </a:effectRef>
-            <a:fontRef idx="minor">
-              <a:schemeClr val="lt1"/>
-            </a:fontRef>
-          </p:style>
-          <p:txBody>
-            <a:bodyPr rtlCol="0" anchor="ctr"/>
-            <a:lstStyle/>
-            <a:p>
-              <a:pPr algn="ctr"/>
-              <a:endParaRPr lang="en-AU"/>
-            </a:p>
-          </p:txBody>
-        </p:sp>
-        <p:pic>
-          <p:nvPicPr>
-            <p:cNvPr id="15" name="Picture 14">
-              <a:extLst>
-                <a:ext uri="{FF2B5EF4-FFF2-40B4-BE49-F238E27FC236}">
-                  <a16:creationId xmlns:a16="http://schemas.microsoft.com/office/drawing/2014/main" id="{F466AE72-54D8-447C-43C4-C50DB237B69C}"/>
-                </a:ext>
-              </a:extLst>
-            </p:cNvPr>
-            <p:cNvPicPr>
-              <a:picLocks noChangeAspect="1"/>
-            </p:cNvPicPr>
-            <p:nvPr/>
-          </p:nvPicPr>
-          <p:blipFill>
-            <a:blip r:embed="rId2"/>
-            <a:stretch>
-              <a:fillRect/>
-            </a:stretch>
-          </p:blipFill>
-          <p:spPr>
-            <a:xfrm>
-              <a:off x="8352450" y="1131684"/>
-              <a:ext cx="2015528" cy="852600"/>
-            </a:xfrm>
-            <a:prstGeom prst="rect">
-              <a:avLst/>
-            </a:prstGeom>
-            <a:solidFill>
-              <a:srgbClr val="7030A0">
-                <a:alpha val="30980"/>
-              </a:srgbClr>
-            </a:solidFill>
-            <a:scene3d>
-              <a:camera prst="isometricOffAxis1Right"/>
-              <a:lightRig rig="threePt" dir="t"/>
-            </a:scene3d>
-          </p:spPr>
-        </p:pic>
-        <p:sp>
-          <p:nvSpPr>
-            <p:cNvPr id="32" name="TextBox 31">
-              <a:extLst>
-                <a:ext uri="{FF2B5EF4-FFF2-40B4-BE49-F238E27FC236}">
-                  <a16:creationId xmlns:a16="http://schemas.microsoft.com/office/drawing/2014/main" id="{D5F7E915-F4BF-CADF-ECD7-9DA2EED5F1B5}"/>
-                </a:ext>
-              </a:extLst>
-            </p:cNvPr>
-            <p:cNvSpPr txBox="1"/>
-            <p:nvPr/>
-          </p:nvSpPr>
-          <p:spPr>
-            <a:xfrm>
-              <a:off x="7599456" y="2222271"/>
-              <a:ext cx="2757293" cy="584775"/>
-            </a:xfrm>
-            <a:prstGeom prst="rect">
-              <a:avLst/>
-            </a:prstGeom>
-            <a:solidFill>
-              <a:srgbClr val="7F7F7F">
-                <a:alpha val="38039"/>
-              </a:srgbClr>
-            </a:solidFill>
-            <a:scene3d>
-              <a:camera prst="isometricOffAxis1Right"/>
-              <a:lightRig rig="threePt" dir="t"/>
-            </a:scene3d>
-          </p:spPr>
-          <p:txBody>
-            <a:bodyPr wrap="none" rtlCol="0">
-              <a:spAutoFit/>
-            </a:bodyPr>
-            <a:lstStyle/>
-            <a:p>
-              <a:pPr algn="ctr"/>
-              <a:r>
-                <a:rPr lang="en-AU" sz="1600" dirty="0"/>
-                <a:t>Intensionally Defined Relations</a:t>
-              </a:r>
-              <a:br>
-                <a:rPr lang="en-AU" sz="1600" dirty="0"/>
-              </a:br>
-              <a:r>
-                <a:rPr lang="en-AU" sz="1600" dirty="0"/>
-                <a:t>(Rules and Code)</a:t>
-              </a:r>
-            </a:p>
-          </p:txBody>
-        </p:sp>
-        <p:pic>
-          <p:nvPicPr>
-            <p:cNvPr id="41" name="Picture 40">
-              <a:extLst>
-                <a:ext uri="{FF2B5EF4-FFF2-40B4-BE49-F238E27FC236}">
-                  <a16:creationId xmlns:a16="http://schemas.microsoft.com/office/drawing/2014/main" id="{FB707429-710A-D467-C4EB-D3B65485D3A1}"/>
-                </a:ext>
-              </a:extLst>
-            </p:cNvPr>
-            <p:cNvPicPr>
-              <a:picLocks noChangeAspect="1"/>
-            </p:cNvPicPr>
-            <p:nvPr/>
-          </p:nvPicPr>
-          <p:blipFill>
-            <a:blip r:embed="rId2"/>
-            <a:stretch>
-              <a:fillRect/>
-            </a:stretch>
-          </p:blipFill>
-          <p:spPr>
-            <a:xfrm>
-              <a:off x="7083611" y="1454069"/>
-              <a:ext cx="1031690" cy="436421"/>
-            </a:xfrm>
-            <a:prstGeom prst="rect">
-              <a:avLst/>
-            </a:prstGeom>
-            <a:scene3d>
-              <a:camera prst="isometricOffAxis1Right"/>
-              <a:lightRig rig="threePt" dir="t"/>
-            </a:scene3d>
-          </p:spPr>
-        </p:pic>
-        <p:sp>
-          <p:nvSpPr>
-            <p:cNvPr id="50" name="TextBox 49">
-              <a:extLst>
-                <a:ext uri="{FF2B5EF4-FFF2-40B4-BE49-F238E27FC236}">
-                  <a16:creationId xmlns:a16="http://schemas.microsoft.com/office/drawing/2014/main" id="{BCAFEC12-1DA4-76B6-0B88-08E038EEFD7B}"/>
-                </a:ext>
-              </a:extLst>
-            </p:cNvPr>
-            <p:cNvSpPr txBox="1"/>
-            <p:nvPr/>
-          </p:nvSpPr>
-          <p:spPr>
-            <a:xfrm>
-              <a:off x="6812006" y="559056"/>
-              <a:ext cx="3884261" cy="646331"/>
-            </a:xfrm>
-            <a:prstGeom prst="rect">
-              <a:avLst/>
-            </a:prstGeom>
-            <a:noFill/>
-            <a:scene3d>
-              <a:camera prst="isometricOffAxis1Right"/>
-              <a:lightRig rig="threePt" dir="t"/>
-            </a:scene3d>
-          </p:spPr>
-          <p:txBody>
-            <a:bodyPr wrap="square">
-              <a:spAutoFit/>
-            </a:bodyPr>
-            <a:lstStyle/>
-            <a:p>
-              <a:pPr lvl="0"/>
-              <a:r>
-                <a:rPr lang="en-AU" sz="1200" dirty="0">
-                  <a:solidFill>
-                    <a:schemeClr val="bg1"/>
-                  </a:solidFill>
-                </a:rPr>
-                <a:t>Logic, Constraints, Search, Numerical Methods, Linear Programming, Symbolic Computation, Termination, Negation, Stratification, Type Theory, Multiple Semantics </a:t>
-              </a:r>
-            </a:p>
-          </p:txBody>
-        </p:sp>
-      </p:grpSp>
-      <p:grpSp>
-        <p:nvGrpSpPr>
-          <p:cNvPr id="88" name="Group 87">
-            <a:extLst>
-              <a:ext uri="{FF2B5EF4-FFF2-40B4-BE49-F238E27FC236}">
-                <a16:creationId xmlns:a16="http://schemas.microsoft.com/office/drawing/2014/main" id="{B317216B-3692-9959-E8B5-8A7A18E4748D}"/>
-              </a:ext>
-            </a:extLst>
-          </p:cNvPr>
-          <p:cNvGrpSpPr/>
-          <p:nvPr/>
-        </p:nvGrpSpPr>
-        <p:grpSpPr>
-          <a:xfrm>
-            <a:off x="6107952" y="3429300"/>
-            <a:ext cx="6026413" cy="2980218"/>
-            <a:chOff x="5746685" y="3283686"/>
-            <a:chExt cx="4794382" cy="2980218"/>
-          </a:xfrm>
-        </p:grpSpPr>
-        <p:sp>
-          <p:nvSpPr>
-            <p:cNvPr id="2" name="Rectangle 1">
-              <a:extLst>
-                <a:ext uri="{FF2B5EF4-FFF2-40B4-BE49-F238E27FC236}">
-                  <a16:creationId xmlns:a16="http://schemas.microsoft.com/office/drawing/2014/main" id="{0A9D2A6D-12CF-41CA-9B39-4855A57C3F80}"/>
-                </a:ext>
-              </a:extLst>
-            </p:cNvPr>
-            <p:cNvSpPr/>
-            <p:nvPr/>
-          </p:nvSpPr>
-          <p:spPr>
-            <a:xfrm>
-              <a:off x="5746685" y="3770185"/>
-              <a:ext cx="4794382" cy="2493719"/>
-            </a:xfrm>
-            <a:prstGeom prst="rect">
-              <a:avLst/>
-            </a:prstGeom>
-            <a:solidFill>
-              <a:schemeClr val="accent6">
-                <a:lumMod val="60000"/>
-                <a:lumOff val="40000"/>
-              </a:schemeClr>
-            </a:solidFill>
-            <a:scene3d>
-              <a:camera prst="isometricOffAxis1Right"/>
-              <a:lightRig rig="threePt" dir="t"/>
-            </a:scene3d>
-            <a:sp3d extrusionH="1803400"/>
-          </p:spPr>
-          <p:style>
-            <a:lnRef idx="2">
-              <a:schemeClr val="accent1">
-                <a:shade val="50000"/>
-              </a:schemeClr>
-            </a:lnRef>
-            <a:fillRef idx="1">
-              <a:schemeClr val="accent1"/>
-            </a:fillRef>
-            <a:effectRef idx="0">
-              <a:schemeClr val="accent1"/>
-            </a:effectRef>
-            <a:fontRef idx="minor">
-              <a:schemeClr val="lt1"/>
-            </a:fontRef>
-          </p:style>
-          <p:txBody>
-            <a:bodyPr rtlCol="0" anchor="ctr"/>
-            <a:lstStyle/>
-            <a:p>
-              <a:pPr algn="ctr"/>
-              <a:endParaRPr lang="en-AU"/>
-            </a:p>
-          </p:txBody>
-        </p:sp>
-        <p:pic>
-          <p:nvPicPr>
-            <p:cNvPr id="5" name="Picture 4">
-              <a:extLst>
-                <a:ext uri="{FF2B5EF4-FFF2-40B4-BE49-F238E27FC236}">
-                  <a16:creationId xmlns:a16="http://schemas.microsoft.com/office/drawing/2014/main" id="{4DDBD2DF-BBB9-B531-19FD-F3E5D54946B1}"/>
-                </a:ext>
-              </a:extLst>
-            </p:cNvPr>
-            <p:cNvPicPr>
-              <a:picLocks noChangeAspect="1"/>
-            </p:cNvPicPr>
-            <p:nvPr/>
-          </p:nvPicPr>
-          <p:blipFill>
-            <a:blip r:embed="rId2"/>
-            <a:stretch>
-              <a:fillRect/>
-            </a:stretch>
-          </p:blipFill>
-          <p:spPr>
-            <a:xfrm>
-              <a:off x="6370971" y="4101855"/>
-              <a:ext cx="2662710" cy="1240096"/>
-            </a:xfrm>
-            <a:prstGeom prst="rect">
-              <a:avLst/>
-            </a:prstGeom>
-            <a:solidFill>
-              <a:schemeClr val="accent6">
-                <a:lumMod val="60000"/>
-                <a:lumOff val="40000"/>
-              </a:schemeClr>
-            </a:solidFill>
-            <a:scene3d>
-              <a:camera prst="isometricOffAxis1Right"/>
-              <a:lightRig rig="threePt" dir="t"/>
-            </a:scene3d>
-          </p:spPr>
-        </p:pic>
-        <p:sp>
-          <p:nvSpPr>
-            <p:cNvPr id="19" name="TextBox 18">
-              <a:extLst>
-                <a:ext uri="{FF2B5EF4-FFF2-40B4-BE49-F238E27FC236}">
-                  <a16:creationId xmlns:a16="http://schemas.microsoft.com/office/drawing/2014/main" id="{15AAA5EA-4BF5-C3B1-43B1-353DDA63A2D7}"/>
-                </a:ext>
-              </a:extLst>
-            </p:cNvPr>
-            <p:cNvSpPr txBox="1"/>
-            <p:nvPr/>
-          </p:nvSpPr>
-          <p:spPr>
-            <a:xfrm>
-              <a:off x="6032521" y="3283686"/>
-              <a:ext cx="3548105" cy="646331"/>
-            </a:xfrm>
-            <a:prstGeom prst="rect">
-              <a:avLst/>
-            </a:prstGeom>
-            <a:noFill/>
-            <a:scene3d>
-              <a:camera prst="isometricOffAxis1Right"/>
-              <a:lightRig rig="threePt" dir="t"/>
-            </a:scene3d>
-          </p:spPr>
-          <p:txBody>
-            <a:bodyPr wrap="none" rtlCol="0">
-              <a:spAutoFit/>
-            </a:bodyPr>
-            <a:lstStyle/>
-            <a:p>
-              <a:r>
-                <a:rPr lang="en-AU" dirty="0">
-                  <a:solidFill>
-                    <a:schemeClr val="bg1"/>
-                  </a:solidFill>
-                </a:rPr>
-                <a:t>Relational Queries with Fixed-Point Operators</a:t>
-              </a:r>
-            </a:p>
-            <a:p>
-              <a:pPr algn="ctr"/>
-              <a:r>
-                <a:rPr lang="en-AU" dirty="0">
-                  <a:solidFill>
-                    <a:schemeClr val="bg1"/>
-                  </a:solidFill>
-                </a:rPr>
-                <a:t>SQL, Datalog, LINQ, …</a:t>
-              </a:r>
-            </a:p>
-          </p:txBody>
-        </p:sp>
-        <p:sp>
-          <p:nvSpPr>
-            <p:cNvPr id="33" name="TextBox 32">
-              <a:extLst>
-                <a:ext uri="{FF2B5EF4-FFF2-40B4-BE49-F238E27FC236}">
-                  <a16:creationId xmlns:a16="http://schemas.microsoft.com/office/drawing/2014/main" id="{9B8BEA76-225A-F196-32D0-7D3F0329890D}"/>
-                </a:ext>
-              </a:extLst>
-            </p:cNvPr>
-            <p:cNvSpPr txBox="1"/>
-            <p:nvPr/>
-          </p:nvSpPr>
-          <p:spPr>
-            <a:xfrm>
-              <a:off x="6490991" y="5324894"/>
-              <a:ext cx="3548105" cy="830997"/>
-            </a:xfrm>
-            <a:prstGeom prst="rect">
-              <a:avLst/>
-            </a:prstGeom>
-            <a:solidFill>
-              <a:srgbClr val="7F7F7F">
-                <a:alpha val="38039"/>
-              </a:srgbClr>
-            </a:solidFill>
-            <a:scene3d>
-              <a:camera prst="isometricOffAxis1Right"/>
-              <a:lightRig rig="threePt" dir="t"/>
-            </a:scene3d>
-          </p:spPr>
-          <p:txBody>
-            <a:bodyPr wrap="square" rtlCol="0">
-              <a:spAutoFit/>
-            </a:bodyPr>
-            <a:lstStyle/>
-            <a:p>
-              <a:pPr algn="ctr"/>
-              <a:r>
-                <a:rPr lang="en-AU" sz="2400" dirty="0"/>
-                <a:t>Derived Relations</a:t>
-              </a:r>
-              <a:br>
-                <a:rPr lang="en-AU" sz="2400" dirty="0"/>
-              </a:br>
-              <a:r>
-                <a:rPr lang="en-AU" sz="2400" dirty="0"/>
-                <a:t>(Rules and Code applied to Data)</a:t>
-              </a:r>
-            </a:p>
-          </p:txBody>
-        </p:sp>
-        <p:pic>
-          <p:nvPicPr>
-            <p:cNvPr id="62" name="Picture 61">
-              <a:extLst>
-                <a:ext uri="{FF2B5EF4-FFF2-40B4-BE49-F238E27FC236}">
-                  <a16:creationId xmlns:a16="http://schemas.microsoft.com/office/drawing/2014/main" id="{E60A8652-5981-F36C-00B2-3CB537AD1E64}"/>
-                </a:ext>
-              </a:extLst>
-            </p:cNvPr>
-            <p:cNvPicPr>
-              <a:picLocks noChangeAspect="1"/>
-            </p:cNvPicPr>
-            <p:nvPr/>
-          </p:nvPicPr>
-          <p:blipFill>
-            <a:blip r:embed="rId2"/>
-            <a:stretch>
-              <a:fillRect/>
-            </a:stretch>
-          </p:blipFill>
-          <p:spPr>
-            <a:xfrm>
-              <a:off x="9064781" y="3792175"/>
-              <a:ext cx="1031690" cy="436421"/>
-            </a:xfrm>
-            <a:prstGeom prst="rect">
-              <a:avLst/>
-            </a:prstGeom>
-            <a:scene3d>
-              <a:camera prst="isometricOffAxis1Right"/>
-              <a:lightRig rig="threePt" dir="t"/>
-            </a:scene3d>
-          </p:spPr>
-        </p:pic>
-        <p:pic>
-          <p:nvPicPr>
-            <p:cNvPr id="63" name="Picture 62">
-              <a:extLst>
-                <a:ext uri="{FF2B5EF4-FFF2-40B4-BE49-F238E27FC236}">
-                  <a16:creationId xmlns:a16="http://schemas.microsoft.com/office/drawing/2014/main" id="{AD92E49A-7139-DDA9-FE30-4BB696D37852}"/>
-                </a:ext>
-              </a:extLst>
-            </p:cNvPr>
-            <p:cNvPicPr>
-              <a:picLocks noChangeAspect="1"/>
-            </p:cNvPicPr>
-            <p:nvPr/>
-          </p:nvPicPr>
-          <p:blipFill>
-            <a:blip r:embed="rId2"/>
-            <a:stretch>
-              <a:fillRect/>
-            </a:stretch>
-          </p:blipFill>
-          <p:spPr>
-            <a:xfrm>
-              <a:off x="9064781" y="4401974"/>
-              <a:ext cx="1031690" cy="436421"/>
-            </a:xfrm>
-            <a:prstGeom prst="rect">
-              <a:avLst/>
-            </a:prstGeom>
-            <a:scene3d>
-              <a:camera prst="isometricOffAxis1Right"/>
-              <a:lightRig rig="threePt" dir="t"/>
-            </a:scene3d>
-          </p:spPr>
-        </p:pic>
-      </p:grpSp>
-      <p:grpSp>
-        <p:nvGrpSpPr>
           <p:cNvPr id="86" name="Group 85">
             <a:extLst>
               <a:ext uri="{FF2B5EF4-FFF2-40B4-BE49-F238E27FC236}">
@@ -24927,10 +24391,10 @@
         </p:nvGrpSpPr>
         <p:grpSpPr>
           <a:xfrm>
-            <a:off x="379396" y="1048090"/>
-            <a:ext cx="4753889" cy="2380910"/>
-            <a:chOff x="817513" y="717181"/>
-            <a:chExt cx="4753889" cy="2380910"/>
+            <a:off x="379396" y="1036355"/>
+            <a:ext cx="4753889" cy="2392645"/>
+            <a:chOff x="817513" y="705446"/>
+            <a:chExt cx="4753889" cy="2392645"/>
           </a:xfrm>
         </p:grpSpPr>
         <p:sp>
@@ -25156,8 +24620,8 @@
           </p:nvSpPr>
           <p:spPr>
             <a:xfrm>
-              <a:off x="1163718" y="717181"/>
-              <a:ext cx="3884261" cy="646331"/>
+              <a:off x="1004766" y="705446"/>
+              <a:ext cx="4266527" cy="646331"/>
             </a:xfrm>
             <a:prstGeom prst="rect">
               <a:avLst/>
@@ -25181,7 +24645,37 @@
                     <a:schemeClr val="bg1"/>
                   </a:solidFill>
                 </a:rPr>
-                <a:t>Hardware, scale, cloud, multi-vendors, indexing, storage, replication, concurrency, recovery, distributed systems,  materialisation…</a:t>
+                <a:t>Hardware, scale, cloud, multi-vendors, indexing, storage,</a:t>
+              </a:r>
+              <a:br>
+                <a:rPr lang="en-AU" sz="1200" dirty="0">
+                  <a:solidFill>
+                    <a:schemeClr val="bg1"/>
+                  </a:solidFill>
+                </a:rPr>
+              </a:br>
+              <a:r>
+                <a:rPr lang="en-AU" sz="1200" dirty="0">
+                  <a:solidFill>
+                    <a:schemeClr val="bg1"/>
+                  </a:solidFill>
+                </a:rPr>
+                <a:t>     replication, transactions, concurrency, recovery, distributed</a:t>
+              </a:r>
+              <a:br>
+                <a:rPr lang="en-AU" sz="1200" dirty="0">
+                  <a:solidFill>
+                    <a:schemeClr val="bg1"/>
+                  </a:solidFill>
+                </a:rPr>
+              </a:br>
+              <a:r>
+                <a:rPr lang="en-AU" sz="1200" dirty="0">
+                  <a:solidFill>
+                    <a:schemeClr val="bg1"/>
+                  </a:solidFill>
+                </a:rPr>
+                <a:t>         systems, materialisation, backup, …</a:t>
               </a:r>
             </a:p>
           </p:txBody>
@@ -25371,6 +24865,1101 @@
           </a:p>
         </p:txBody>
       </p:sp>
+      <p:grpSp>
+        <p:nvGrpSpPr>
+          <p:cNvPr id="7" name="Group 6">
+            <a:extLst>
+              <a:ext uri="{FF2B5EF4-FFF2-40B4-BE49-F238E27FC236}">
+                <a16:creationId xmlns:a16="http://schemas.microsoft.com/office/drawing/2014/main" id="{69DFD1F3-4882-8433-8638-0361F3D28D0C}"/>
+              </a:ext>
+            </a:extLst>
+          </p:cNvPr>
+          <p:cNvGrpSpPr/>
+          <p:nvPr/>
+        </p:nvGrpSpPr>
+        <p:grpSpPr>
+          <a:xfrm>
+            <a:off x="5252226" y="305301"/>
+            <a:ext cx="4875275" cy="2841275"/>
+            <a:chOff x="5252226" y="305301"/>
+            <a:chExt cx="4875275" cy="2841275"/>
+          </a:xfrm>
+        </p:grpSpPr>
+        <p:grpSp>
+          <p:nvGrpSpPr>
+            <p:cNvPr id="87" name="Group 86">
+              <a:extLst>
+                <a:ext uri="{FF2B5EF4-FFF2-40B4-BE49-F238E27FC236}">
+                  <a16:creationId xmlns:a16="http://schemas.microsoft.com/office/drawing/2014/main" id="{CAE53593-E0B9-139C-70BE-C8AFFA32AD83}"/>
+                </a:ext>
+              </a:extLst>
+            </p:cNvPr>
+            <p:cNvGrpSpPr/>
+            <p:nvPr/>
+          </p:nvGrpSpPr>
+          <p:grpSpPr>
+            <a:xfrm>
+              <a:off x="5549158" y="305301"/>
+              <a:ext cx="4578343" cy="2362160"/>
+              <a:chOff x="6508757" y="576311"/>
+              <a:chExt cx="4578343" cy="2362160"/>
+            </a:xfrm>
+          </p:grpSpPr>
+          <p:sp>
+            <p:nvSpPr>
+              <p:cNvPr id="14" name="Rectangle 13">
+                <a:extLst>
+                  <a:ext uri="{FF2B5EF4-FFF2-40B4-BE49-F238E27FC236}">
+                    <a16:creationId xmlns:a16="http://schemas.microsoft.com/office/drawing/2014/main" id="{2B4080B8-42F3-4F8D-FBB2-8CB777385CE7}"/>
+                  </a:ext>
+                </a:extLst>
+              </p:cNvPr>
+              <p:cNvSpPr/>
+              <p:nvPr/>
+            </p:nvSpPr>
+            <p:spPr>
+              <a:xfrm>
+                <a:off x="6812006" y="1113086"/>
+                <a:ext cx="4275094" cy="1825385"/>
+              </a:xfrm>
+              <a:prstGeom prst="rect">
+                <a:avLst/>
+              </a:prstGeom>
+              <a:solidFill>
+                <a:srgbClr val="7030A0">
+                  <a:alpha val="30980"/>
+                </a:srgbClr>
+              </a:solidFill>
+              <a:scene3d>
+                <a:camera prst="isometricOffAxis1Right"/>
+                <a:lightRig rig="threePt" dir="t"/>
+              </a:scene3d>
+              <a:sp3d extrusionH="1803400"/>
+            </p:spPr>
+            <p:style>
+              <a:lnRef idx="2">
+                <a:schemeClr val="accent1">
+                  <a:shade val="50000"/>
+                </a:schemeClr>
+              </a:lnRef>
+              <a:fillRef idx="1">
+                <a:schemeClr val="accent1"/>
+              </a:fillRef>
+              <a:effectRef idx="0">
+                <a:schemeClr val="accent1"/>
+              </a:effectRef>
+              <a:fontRef idx="minor">
+                <a:schemeClr val="lt1"/>
+              </a:fontRef>
+            </p:style>
+            <p:txBody>
+              <a:bodyPr rtlCol="0" anchor="ctr"/>
+              <a:lstStyle/>
+              <a:p>
+                <a:pPr algn="ctr"/>
+                <a:endParaRPr lang="en-AU"/>
+              </a:p>
+            </p:txBody>
+          </p:sp>
+          <p:pic>
+            <p:nvPicPr>
+              <p:cNvPr id="15" name="Picture 14">
+                <a:extLst>
+                  <a:ext uri="{FF2B5EF4-FFF2-40B4-BE49-F238E27FC236}">
+                    <a16:creationId xmlns:a16="http://schemas.microsoft.com/office/drawing/2014/main" id="{F466AE72-54D8-447C-43C4-C50DB237B69C}"/>
+                  </a:ext>
+                </a:extLst>
+              </p:cNvPr>
+              <p:cNvPicPr>
+                <a:picLocks noChangeAspect="1"/>
+              </p:cNvPicPr>
+              <p:nvPr/>
+            </p:nvPicPr>
+            <p:blipFill>
+              <a:blip r:embed="rId2"/>
+              <a:stretch>
+                <a:fillRect/>
+              </a:stretch>
+            </p:blipFill>
+            <p:spPr>
+              <a:xfrm>
+                <a:off x="8352450" y="1131684"/>
+                <a:ext cx="2015528" cy="852600"/>
+              </a:xfrm>
+              <a:prstGeom prst="rect">
+                <a:avLst/>
+              </a:prstGeom>
+              <a:solidFill>
+                <a:srgbClr val="7030A0">
+                  <a:alpha val="30980"/>
+                </a:srgbClr>
+              </a:solidFill>
+              <a:scene3d>
+                <a:camera prst="isometricOffAxis1Right"/>
+                <a:lightRig rig="threePt" dir="t"/>
+              </a:scene3d>
+            </p:spPr>
+          </p:pic>
+          <p:sp>
+            <p:nvSpPr>
+              <p:cNvPr id="32" name="TextBox 31">
+                <a:extLst>
+                  <a:ext uri="{FF2B5EF4-FFF2-40B4-BE49-F238E27FC236}">
+                    <a16:creationId xmlns:a16="http://schemas.microsoft.com/office/drawing/2014/main" id="{D5F7E915-F4BF-CADF-ECD7-9DA2EED5F1B5}"/>
+                  </a:ext>
+                </a:extLst>
+              </p:cNvPr>
+              <p:cNvSpPr txBox="1"/>
+              <p:nvPr/>
+            </p:nvSpPr>
+            <p:spPr>
+              <a:xfrm>
+                <a:off x="7599456" y="2222271"/>
+                <a:ext cx="2757293" cy="584775"/>
+              </a:xfrm>
+              <a:prstGeom prst="rect">
+                <a:avLst/>
+              </a:prstGeom>
+              <a:solidFill>
+                <a:srgbClr val="7F7F7F">
+                  <a:alpha val="38039"/>
+                </a:srgbClr>
+              </a:solidFill>
+              <a:scene3d>
+                <a:camera prst="isometricOffAxis1Right"/>
+                <a:lightRig rig="threePt" dir="t"/>
+              </a:scene3d>
+            </p:spPr>
+            <p:txBody>
+              <a:bodyPr wrap="none" rtlCol="0">
+                <a:spAutoFit/>
+              </a:bodyPr>
+              <a:lstStyle/>
+              <a:p>
+                <a:pPr algn="ctr"/>
+                <a:r>
+                  <a:rPr lang="en-AU" sz="1600" dirty="0"/>
+                  <a:t>Intensionally Defined Relations</a:t>
+                </a:r>
+                <a:br>
+                  <a:rPr lang="en-AU" sz="1600" dirty="0"/>
+                </a:br>
+                <a:r>
+                  <a:rPr lang="en-AU" sz="1600" dirty="0"/>
+                  <a:t>(Rules)</a:t>
+                </a:r>
+              </a:p>
+            </p:txBody>
+          </p:sp>
+          <p:pic>
+            <p:nvPicPr>
+              <p:cNvPr id="41" name="Picture 40">
+                <a:extLst>
+                  <a:ext uri="{FF2B5EF4-FFF2-40B4-BE49-F238E27FC236}">
+                    <a16:creationId xmlns:a16="http://schemas.microsoft.com/office/drawing/2014/main" id="{FB707429-710A-D467-C4EB-D3B65485D3A1}"/>
+                  </a:ext>
+                </a:extLst>
+              </p:cNvPr>
+              <p:cNvPicPr>
+                <a:picLocks noChangeAspect="1"/>
+              </p:cNvPicPr>
+              <p:nvPr/>
+            </p:nvPicPr>
+            <p:blipFill>
+              <a:blip r:embed="rId2"/>
+              <a:stretch>
+                <a:fillRect/>
+              </a:stretch>
+            </p:blipFill>
+            <p:spPr>
+              <a:xfrm>
+                <a:off x="7083611" y="1454069"/>
+                <a:ext cx="1031690" cy="436421"/>
+              </a:xfrm>
+              <a:prstGeom prst="rect">
+                <a:avLst/>
+              </a:prstGeom>
+              <a:scene3d>
+                <a:camera prst="isometricOffAxis1Right"/>
+                <a:lightRig rig="threePt" dir="t"/>
+              </a:scene3d>
+            </p:spPr>
+          </p:pic>
+          <p:sp>
+            <p:nvSpPr>
+              <p:cNvPr id="50" name="TextBox 49">
+                <a:extLst>
+                  <a:ext uri="{FF2B5EF4-FFF2-40B4-BE49-F238E27FC236}">
+                    <a16:creationId xmlns:a16="http://schemas.microsoft.com/office/drawing/2014/main" id="{BCAFEC12-1DA4-76B6-0B88-08E038EEFD7B}"/>
+                  </a:ext>
+                </a:extLst>
+              </p:cNvPr>
+              <p:cNvSpPr txBox="1"/>
+              <p:nvPr/>
+            </p:nvSpPr>
+            <p:spPr>
+              <a:xfrm>
+                <a:off x="6508757" y="576311"/>
+                <a:ext cx="4227155" cy="646331"/>
+              </a:xfrm>
+              <a:prstGeom prst="rect">
+                <a:avLst/>
+              </a:prstGeom>
+              <a:noFill/>
+              <a:scene3d>
+                <a:camera prst="isometricOffAxis1Right"/>
+                <a:lightRig rig="threePt" dir="t"/>
+              </a:scene3d>
+            </p:spPr>
+            <p:txBody>
+              <a:bodyPr wrap="square">
+                <a:spAutoFit/>
+              </a:bodyPr>
+              <a:lstStyle/>
+              <a:p>
+                <a:pPr lvl="0"/>
+                <a:r>
+                  <a:rPr lang="en-AU" sz="1200" dirty="0">
+                    <a:solidFill>
+                      <a:schemeClr val="bg1"/>
+                    </a:solidFill>
+                  </a:rPr>
+                  <a:t>Logic, Constraints, Search, SMT Solvers, Numerical Methods,</a:t>
+                </a:r>
+                <a:br>
+                  <a:rPr lang="en-AU" sz="1200" dirty="0">
+                    <a:solidFill>
+                      <a:schemeClr val="bg1"/>
+                    </a:solidFill>
+                  </a:rPr>
+                </a:br>
+                <a:r>
+                  <a:rPr lang="en-AU" sz="1200" dirty="0">
+                    <a:solidFill>
+                      <a:schemeClr val="bg1"/>
+                    </a:solidFill>
+                  </a:rPr>
+                  <a:t>     Linear Programming, Symbolic Computation, Termination,</a:t>
+                </a:r>
+                <a:br>
+                  <a:rPr lang="en-AU" sz="1200" dirty="0">
+                    <a:solidFill>
+                      <a:schemeClr val="bg1"/>
+                    </a:solidFill>
+                  </a:rPr>
+                </a:br>
+                <a:r>
+                  <a:rPr lang="en-AU" sz="1200" dirty="0">
+                    <a:solidFill>
+                      <a:schemeClr val="bg1"/>
+                    </a:solidFill>
+                  </a:rPr>
+                  <a:t>         Negation, Stratification, Type Theory, Multiple Semantics </a:t>
+                </a:r>
+              </a:p>
+            </p:txBody>
+          </p:sp>
+        </p:grpSp>
+        <p:sp>
+          <p:nvSpPr>
+            <p:cNvPr id="3" name="TextBox 2">
+              <a:extLst>
+                <a:ext uri="{FF2B5EF4-FFF2-40B4-BE49-F238E27FC236}">
+                  <a16:creationId xmlns:a16="http://schemas.microsoft.com/office/drawing/2014/main" id="{72B9F781-70FD-6179-47B5-0707884D9D1A}"/>
+                </a:ext>
+              </a:extLst>
+            </p:cNvPr>
+            <p:cNvSpPr txBox="1"/>
+            <p:nvPr/>
+          </p:nvSpPr>
+          <p:spPr>
+            <a:xfrm>
+              <a:off x="5252226" y="838252"/>
+              <a:ext cx="1017916" cy="2308324"/>
+            </a:xfrm>
+            <a:prstGeom prst="rect">
+              <a:avLst/>
+            </a:prstGeom>
+            <a:noFill/>
+            <a:scene3d>
+              <a:camera prst="isometricLeftDown"/>
+              <a:lightRig rig="threePt" dir="t"/>
+            </a:scene3d>
+          </p:spPr>
+          <p:txBody>
+            <a:bodyPr wrap="square" rtlCol="0">
+              <a:spAutoFit/>
+            </a:bodyPr>
+            <a:lstStyle/>
+            <a:p>
+              <a:r>
+                <a:rPr lang="en-AU" sz="2400" b="1" kern="0" dirty="0">
+                  <a:solidFill>
+                    <a:schemeClr val="accent1">
+                      <a:lumMod val="60000"/>
+                      <a:lumOff val="40000"/>
+                    </a:schemeClr>
+                  </a:solidFill>
+                  <a:effectLst/>
+                  <a:latin typeface="Cambria Math" panose="02040503050406030204" pitchFamily="18" charset="0"/>
+                  <a:ea typeface="Times New Roman" panose="02020603050405020304" pitchFamily="18" charset="0"/>
+                  <a:cs typeface="Cambria Math" panose="02040503050406030204" pitchFamily="18" charset="0"/>
+                </a:rPr>
+                <a:t>⇒</a:t>
+              </a:r>
+              <a:r>
+                <a:rPr lang="en-AU" sz="2400" b="1" kern="0" dirty="0">
+                  <a:solidFill>
+                    <a:schemeClr val="accent1">
+                      <a:lumMod val="60000"/>
+                      <a:lumOff val="40000"/>
+                    </a:schemeClr>
+                  </a:solidFill>
+                  <a:effectLst/>
+                  <a:latin typeface="Arial" panose="020B0604020202020204" pitchFamily="34" charset="0"/>
+                  <a:ea typeface="Times New Roman" panose="02020603050405020304" pitchFamily="18" charset="0"/>
+                  <a:cs typeface="Times New Roman" panose="02020603050405020304" pitchFamily="18" charset="0"/>
+                </a:rPr>
+                <a:t> </a:t>
+              </a:r>
+              <a:r>
+                <a:rPr lang="en-AU" sz="2400" b="1" kern="0" dirty="0">
+                  <a:solidFill>
+                    <a:schemeClr val="accent1">
+                      <a:lumMod val="60000"/>
+                      <a:lumOff val="40000"/>
+                    </a:schemeClr>
+                  </a:solidFill>
+                  <a:effectLst/>
+                  <a:latin typeface="Cambria Math" panose="02040503050406030204" pitchFamily="18" charset="0"/>
+                  <a:ea typeface="Times New Roman" panose="02020603050405020304" pitchFamily="18" charset="0"/>
+                  <a:cs typeface="Cambria Math" panose="02040503050406030204" pitchFamily="18" charset="0"/>
+                </a:rPr>
+                <a:t>⇔</a:t>
+              </a:r>
+              <a:r>
+                <a:rPr lang="en-AU" sz="2400" b="1" kern="0" dirty="0">
+                  <a:solidFill>
+                    <a:schemeClr val="accent1">
+                      <a:lumMod val="60000"/>
+                      <a:lumOff val="40000"/>
+                    </a:schemeClr>
+                  </a:solidFill>
+                  <a:effectLst/>
+                  <a:latin typeface="Arial" panose="020B0604020202020204" pitchFamily="34" charset="0"/>
+                  <a:ea typeface="Times New Roman" panose="02020603050405020304" pitchFamily="18" charset="0"/>
+                  <a:cs typeface="Times New Roman" panose="02020603050405020304" pitchFamily="18" charset="0"/>
+                </a:rPr>
+                <a:t> ¬ </a:t>
+              </a:r>
+              <a:r>
+                <a:rPr lang="en-AU" sz="2400" b="1" kern="0" dirty="0">
+                  <a:solidFill>
+                    <a:schemeClr val="accent1">
+                      <a:lumMod val="60000"/>
+                      <a:lumOff val="40000"/>
+                    </a:schemeClr>
+                  </a:solidFill>
+                  <a:effectLst/>
+                  <a:latin typeface="Cambria Math" panose="02040503050406030204" pitchFamily="18" charset="0"/>
+                  <a:ea typeface="Times New Roman" panose="02020603050405020304" pitchFamily="18" charset="0"/>
+                  <a:cs typeface="Cambria Math" panose="02040503050406030204" pitchFamily="18" charset="0"/>
+                </a:rPr>
+                <a:t>∧</a:t>
+              </a:r>
+              <a:r>
+                <a:rPr lang="en-AU" sz="2400" b="1" kern="0" dirty="0">
+                  <a:solidFill>
+                    <a:schemeClr val="accent1">
+                      <a:lumMod val="60000"/>
+                      <a:lumOff val="40000"/>
+                    </a:schemeClr>
+                  </a:solidFill>
+                  <a:effectLst/>
+                  <a:latin typeface="Arial" panose="020B0604020202020204" pitchFamily="34" charset="0"/>
+                  <a:ea typeface="Times New Roman" panose="02020603050405020304" pitchFamily="18" charset="0"/>
+                  <a:cs typeface="Times New Roman" panose="02020603050405020304" pitchFamily="18" charset="0"/>
+                </a:rPr>
+                <a:t> </a:t>
+              </a:r>
+              <a:r>
+                <a:rPr lang="en-AU" sz="2400" b="1" kern="0" dirty="0">
+                  <a:solidFill>
+                    <a:schemeClr val="accent1">
+                      <a:lumMod val="60000"/>
+                      <a:lumOff val="40000"/>
+                    </a:schemeClr>
+                  </a:solidFill>
+                  <a:effectLst/>
+                  <a:latin typeface="Cambria Math" panose="02040503050406030204" pitchFamily="18" charset="0"/>
+                  <a:ea typeface="Times New Roman" panose="02020603050405020304" pitchFamily="18" charset="0"/>
+                  <a:cs typeface="Cambria Math" panose="02040503050406030204" pitchFamily="18" charset="0"/>
+                </a:rPr>
+                <a:t>∨</a:t>
+              </a:r>
+              <a:r>
+                <a:rPr lang="en-AU" sz="2400" b="1" kern="0" dirty="0">
+                  <a:solidFill>
+                    <a:schemeClr val="accent1">
+                      <a:lumMod val="60000"/>
+                      <a:lumOff val="40000"/>
+                    </a:schemeClr>
+                  </a:solidFill>
+                  <a:effectLst/>
+                  <a:latin typeface="Arial" panose="020B0604020202020204" pitchFamily="34" charset="0"/>
+                  <a:ea typeface="Times New Roman" panose="02020603050405020304" pitchFamily="18" charset="0"/>
+                  <a:cs typeface="Times New Roman" panose="02020603050405020304" pitchFamily="18" charset="0"/>
+                </a:rPr>
+                <a:t> </a:t>
+              </a:r>
+              <a:r>
+                <a:rPr lang="en-AU" sz="2400" b="1" kern="0" dirty="0">
+                  <a:solidFill>
+                    <a:schemeClr val="accent1">
+                      <a:lumMod val="60000"/>
+                      <a:lumOff val="40000"/>
+                    </a:schemeClr>
+                  </a:solidFill>
+                  <a:effectLst/>
+                  <a:latin typeface="Cambria Math" panose="02040503050406030204" pitchFamily="18" charset="0"/>
+                  <a:ea typeface="Times New Roman" panose="02020603050405020304" pitchFamily="18" charset="0"/>
+                  <a:cs typeface="Cambria Math" panose="02040503050406030204" pitchFamily="18" charset="0"/>
+                </a:rPr>
+                <a:t>∀</a:t>
+              </a:r>
+              <a:r>
+                <a:rPr lang="en-AU" sz="2400" b="1" kern="0" dirty="0">
+                  <a:solidFill>
+                    <a:schemeClr val="accent1">
+                      <a:lumMod val="60000"/>
+                      <a:lumOff val="40000"/>
+                    </a:schemeClr>
+                  </a:solidFill>
+                  <a:effectLst/>
+                  <a:latin typeface="Arial" panose="020B0604020202020204" pitchFamily="34" charset="0"/>
+                  <a:ea typeface="Times New Roman" panose="02020603050405020304" pitchFamily="18" charset="0"/>
+                  <a:cs typeface="Times New Roman" panose="02020603050405020304" pitchFamily="18" charset="0"/>
+                </a:rPr>
+                <a:t> </a:t>
+              </a:r>
+              <a:r>
+                <a:rPr lang="en-AU" sz="2400" b="1" kern="0" dirty="0">
+                  <a:solidFill>
+                    <a:schemeClr val="accent1">
+                      <a:lumMod val="60000"/>
+                      <a:lumOff val="40000"/>
+                    </a:schemeClr>
+                  </a:solidFill>
+                  <a:effectLst/>
+                  <a:latin typeface="Cambria Math" panose="02040503050406030204" pitchFamily="18" charset="0"/>
+                  <a:ea typeface="Times New Roman" panose="02020603050405020304" pitchFamily="18" charset="0"/>
+                  <a:cs typeface="Cambria Math" panose="02040503050406030204" pitchFamily="18" charset="0"/>
+                </a:rPr>
+                <a:t>∃</a:t>
+              </a:r>
+              <a:r>
+                <a:rPr lang="en-AU" sz="2400" b="1" kern="0" dirty="0">
+                  <a:solidFill>
+                    <a:schemeClr val="accent1">
+                      <a:lumMod val="60000"/>
+                      <a:lumOff val="40000"/>
+                    </a:schemeClr>
+                  </a:solidFill>
+                  <a:effectLst/>
+                  <a:latin typeface="Arial" panose="020B0604020202020204" pitchFamily="34" charset="0"/>
+                  <a:ea typeface="Times New Roman" panose="02020603050405020304" pitchFamily="18" charset="0"/>
+                  <a:cs typeface="Times New Roman" panose="02020603050405020304" pitchFamily="18" charset="0"/>
+                </a:rPr>
+                <a:t> ! </a:t>
+              </a:r>
+              <a:r>
+                <a:rPr lang="en-AU" sz="2400" b="1" kern="0" dirty="0">
+                  <a:solidFill>
+                    <a:schemeClr val="accent1">
+                      <a:lumMod val="60000"/>
+                      <a:lumOff val="40000"/>
+                    </a:schemeClr>
+                  </a:solidFill>
+                  <a:effectLst/>
+                  <a:latin typeface="Cambria Math" panose="02040503050406030204" pitchFamily="18" charset="0"/>
+                  <a:ea typeface="Times New Roman" panose="02020603050405020304" pitchFamily="18" charset="0"/>
+                  <a:cs typeface="Cambria Math" panose="02040503050406030204" pitchFamily="18" charset="0"/>
+                </a:rPr>
+                <a:t>≔</a:t>
+              </a:r>
+              <a:r>
+                <a:rPr lang="en-AU" sz="2400" b="1" kern="0" dirty="0">
+                  <a:solidFill>
+                    <a:schemeClr val="accent1">
+                      <a:lumMod val="60000"/>
+                      <a:lumOff val="40000"/>
+                    </a:schemeClr>
+                  </a:solidFill>
+                  <a:effectLst/>
+                  <a:latin typeface="Arial" panose="020B0604020202020204" pitchFamily="34" charset="0"/>
+                  <a:ea typeface="Times New Roman" panose="02020603050405020304" pitchFamily="18" charset="0"/>
+                  <a:cs typeface="Times New Roman" panose="02020603050405020304" pitchFamily="18" charset="0"/>
+                </a:rPr>
+                <a:t> </a:t>
+              </a:r>
+              <a:r>
+                <a:rPr lang="en-AU" sz="2400" b="1" kern="0" dirty="0">
+                  <a:solidFill>
+                    <a:schemeClr val="accent1">
+                      <a:lumMod val="60000"/>
+                      <a:lumOff val="40000"/>
+                    </a:schemeClr>
+                  </a:solidFill>
+                  <a:effectLst/>
+                  <a:latin typeface="Cambria Math" panose="02040503050406030204" pitchFamily="18" charset="0"/>
+                  <a:ea typeface="Times New Roman" panose="02020603050405020304" pitchFamily="18" charset="0"/>
+                  <a:cs typeface="Cambria Math" panose="02040503050406030204" pitchFamily="18" charset="0"/>
+                </a:rPr>
+                <a:t>⊢</a:t>
+              </a:r>
+              <a:r>
+                <a:rPr lang="en-AU" sz="2400" b="1" kern="0" dirty="0">
+                  <a:solidFill>
+                    <a:schemeClr val="accent1">
+                      <a:lumMod val="60000"/>
+                      <a:lumOff val="40000"/>
+                    </a:schemeClr>
+                  </a:solidFill>
+                  <a:effectLst/>
+                  <a:latin typeface="Arial" panose="020B0604020202020204" pitchFamily="34" charset="0"/>
+                  <a:ea typeface="Times New Roman" panose="02020603050405020304" pitchFamily="18" charset="0"/>
+                  <a:cs typeface="Times New Roman" panose="02020603050405020304" pitchFamily="18" charset="0"/>
+                </a:rPr>
+                <a:t> </a:t>
+              </a:r>
+              <a:r>
+                <a:rPr lang="en-AU" sz="2400" b="1" kern="0" dirty="0">
+                  <a:solidFill>
+                    <a:schemeClr val="accent1">
+                      <a:lumMod val="60000"/>
+                      <a:lumOff val="40000"/>
+                    </a:schemeClr>
+                  </a:solidFill>
+                  <a:effectLst/>
+                  <a:latin typeface="Cambria Math" panose="02040503050406030204" pitchFamily="18" charset="0"/>
+                  <a:ea typeface="Times New Roman" panose="02020603050405020304" pitchFamily="18" charset="0"/>
+                  <a:cs typeface="Cambria Math" panose="02040503050406030204" pitchFamily="18" charset="0"/>
+                </a:rPr>
+                <a:t>⊨</a:t>
+              </a:r>
+              <a:r>
+                <a:rPr lang="en-AU" sz="2400" b="1" kern="0" dirty="0">
+                  <a:solidFill>
+                    <a:schemeClr val="accent1">
+                      <a:lumMod val="60000"/>
+                      <a:lumOff val="40000"/>
+                    </a:schemeClr>
+                  </a:solidFill>
+                  <a:effectLst/>
+                  <a:latin typeface="Arial" panose="020B0604020202020204" pitchFamily="34" charset="0"/>
+                  <a:ea typeface="Times New Roman" panose="02020603050405020304" pitchFamily="18" charset="0"/>
+                  <a:cs typeface="Times New Roman" panose="02020603050405020304" pitchFamily="18" charset="0"/>
+                </a:rPr>
+                <a:t> </a:t>
+              </a:r>
+              <a:r>
+                <a:rPr lang="en-AU" sz="2400" kern="100" dirty="0">
+                  <a:solidFill>
+                    <a:schemeClr val="accent1">
+                      <a:lumMod val="60000"/>
+                      <a:lumOff val="40000"/>
+                    </a:schemeClr>
+                  </a:solidFill>
+                  <a:effectLst/>
+                  <a:latin typeface="Calibri" panose="020F0502020204030204" pitchFamily="34" charset="0"/>
+                  <a:ea typeface="Calibri" panose="020F0502020204030204" pitchFamily="34" charset="0"/>
+                  <a:cs typeface="Times New Roman" panose="02020603050405020304" pitchFamily="18" charset="0"/>
+                </a:rPr>
+                <a:t> </a:t>
+              </a:r>
+            </a:p>
+            <a:p>
+              <a:endParaRPr lang="en-AU" sz="2400" dirty="0">
+                <a:solidFill>
+                  <a:schemeClr val="accent1">
+                    <a:lumMod val="60000"/>
+                    <a:lumOff val="40000"/>
+                  </a:schemeClr>
+                </a:solidFill>
+              </a:endParaRPr>
+            </a:p>
+          </p:txBody>
+        </p:sp>
+      </p:grpSp>
+      <p:grpSp>
+        <p:nvGrpSpPr>
+          <p:cNvPr id="6" name="Group 5">
+            <a:extLst>
+              <a:ext uri="{FF2B5EF4-FFF2-40B4-BE49-F238E27FC236}">
+                <a16:creationId xmlns:a16="http://schemas.microsoft.com/office/drawing/2014/main" id="{4CB4A785-DD59-6E3D-8A86-C6B36A64D744}"/>
+              </a:ext>
+            </a:extLst>
+          </p:cNvPr>
+          <p:cNvGrpSpPr/>
+          <p:nvPr/>
+        </p:nvGrpSpPr>
+        <p:grpSpPr>
+          <a:xfrm>
+            <a:off x="5579699" y="3429000"/>
+            <a:ext cx="6547323" cy="2980218"/>
+            <a:chOff x="5587042" y="3429300"/>
+            <a:chExt cx="6547323" cy="2980218"/>
+          </a:xfrm>
+        </p:grpSpPr>
+        <p:grpSp>
+          <p:nvGrpSpPr>
+            <p:cNvPr id="88" name="Group 87">
+              <a:extLst>
+                <a:ext uri="{FF2B5EF4-FFF2-40B4-BE49-F238E27FC236}">
+                  <a16:creationId xmlns:a16="http://schemas.microsoft.com/office/drawing/2014/main" id="{B317216B-3692-9959-E8B5-8A7A18E4748D}"/>
+                </a:ext>
+              </a:extLst>
+            </p:cNvPr>
+            <p:cNvGrpSpPr/>
+            <p:nvPr/>
+          </p:nvGrpSpPr>
+          <p:grpSpPr>
+            <a:xfrm>
+              <a:off x="6107952" y="3429300"/>
+              <a:ext cx="6026413" cy="2980218"/>
+              <a:chOff x="5746685" y="3283686"/>
+              <a:chExt cx="4794382" cy="2980218"/>
+            </a:xfrm>
+          </p:grpSpPr>
+          <p:sp>
+            <p:nvSpPr>
+              <p:cNvPr id="2" name="Rectangle 1">
+                <a:extLst>
+                  <a:ext uri="{FF2B5EF4-FFF2-40B4-BE49-F238E27FC236}">
+                    <a16:creationId xmlns:a16="http://schemas.microsoft.com/office/drawing/2014/main" id="{0A9D2A6D-12CF-41CA-9B39-4855A57C3F80}"/>
+                  </a:ext>
+                </a:extLst>
+              </p:cNvPr>
+              <p:cNvSpPr/>
+              <p:nvPr/>
+            </p:nvSpPr>
+            <p:spPr>
+              <a:xfrm>
+                <a:off x="5746685" y="3770185"/>
+                <a:ext cx="4794382" cy="2493719"/>
+              </a:xfrm>
+              <a:prstGeom prst="rect">
+                <a:avLst/>
+              </a:prstGeom>
+              <a:solidFill>
+                <a:schemeClr val="accent6">
+                  <a:lumMod val="60000"/>
+                  <a:lumOff val="40000"/>
+                </a:schemeClr>
+              </a:solidFill>
+              <a:scene3d>
+                <a:camera prst="isometricOffAxis1Right"/>
+                <a:lightRig rig="threePt" dir="t"/>
+              </a:scene3d>
+              <a:sp3d extrusionH="1803400"/>
+            </p:spPr>
+            <p:style>
+              <a:lnRef idx="2">
+                <a:schemeClr val="accent1">
+                  <a:shade val="50000"/>
+                </a:schemeClr>
+              </a:lnRef>
+              <a:fillRef idx="1">
+                <a:schemeClr val="accent1"/>
+              </a:fillRef>
+              <a:effectRef idx="0">
+                <a:schemeClr val="accent1"/>
+              </a:effectRef>
+              <a:fontRef idx="minor">
+                <a:schemeClr val="lt1"/>
+              </a:fontRef>
+            </p:style>
+            <p:txBody>
+              <a:bodyPr rtlCol="0" anchor="ctr"/>
+              <a:lstStyle/>
+              <a:p>
+                <a:pPr algn="ctr"/>
+                <a:endParaRPr lang="en-AU"/>
+              </a:p>
+            </p:txBody>
+          </p:sp>
+          <p:pic>
+            <p:nvPicPr>
+              <p:cNvPr id="5" name="Picture 4">
+                <a:extLst>
+                  <a:ext uri="{FF2B5EF4-FFF2-40B4-BE49-F238E27FC236}">
+                    <a16:creationId xmlns:a16="http://schemas.microsoft.com/office/drawing/2014/main" id="{4DDBD2DF-BBB9-B531-19FD-F3E5D54946B1}"/>
+                  </a:ext>
+                </a:extLst>
+              </p:cNvPr>
+              <p:cNvPicPr>
+                <a:picLocks noChangeAspect="1"/>
+              </p:cNvPicPr>
+              <p:nvPr/>
+            </p:nvPicPr>
+            <p:blipFill>
+              <a:blip r:embed="rId2"/>
+              <a:stretch>
+                <a:fillRect/>
+              </a:stretch>
+            </p:blipFill>
+            <p:spPr>
+              <a:xfrm>
+                <a:off x="6032521" y="4099483"/>
+                <a:ext cx="2662710" cy="1240096"/>
+              </a:xfrm>
+              <a:prstGeom prst="rect">
+                <a:avLst/>
+              </a:prstGeom>
+              <a:solidFill>
+                <a:schemeClr val="accent6">
+                  <a:lumMod val="60000"/>
+                  <a:lumOff val="40000"/>
+                </a:schemeClr>
+              </a:solidFill>
+              <a:scene3d>
+                <a:camera prst="isometricOffAxis1Right"/>
+                <a:lightRig rig="threePt" dir="t"/>
+              </a:scene3d>
+            </p:spPr>
+          </p:pic>
+          <p:sp>
+            <p:nvSpPr>
+              <p:cNvPr id="19" name="TextBox 18">
+                <a:extLst>
+                  <a:ext uri="{FF2B5EF4-FFF2-40B4-BE49-F238E27FC236}">
+                    <a16:creationId xmlns:a16="http://schemas.microsoft.com/office/drawing/2014/main" id="{15AAA5EA-4BF5-C3B1-43B1-353DDA63A2D7}"/>
+                  </a:ext>
+                </a:extLst>
+              </p:cNvPr>
+              <p:cNvSpPr txBox="1"/>
+              <p:nvPr/>
+            </p:nvSpPr>
+            <p:spPr>
+              <a:xfrm>
+                <a:off x="6032521" y="3283686"/>
+                <a:ext cx="3548105" cy="646331"/>
+              </a:xfrm>
+              <a:prstGeom prst="rect">
+                <a:avLst/>
+              </a:prstGeom>
+              <a:noFill/>
+              <a:scene3d>
+                <a:camera prst="isometricOffAxis1Right"/>
+                <a:lightRig rig="threePt" dir="t"/>
+              </a:scene3d>
+            </p:spPr>
+            <p:txBody>
+              <a:bodyPr wrap="none" rtlCol="0">
+                <a:spAutoFit/>
+              </a:bodyPr>
+              <a:lstStyle/>
+              <a:p>
+                <a:r>
+                  <a:rPr lang="en-AU" dirty="0">
+                    <a:solidFill>
+                      <a:schemeClr val="bg1"/>
+                    </a:solidFill>
+                  </a:rPr>
+                  <a:t>Relational Queries with Fixed-Point Operators</a:t>
+                </a:r>
+              </a:p>
+              <a:p>
+                <a:pPr algn="ctr"/>
+                <a:r>
+                  <a:rPr lang="en-AU" dirty="0">
+                    <a:solidFill>
+                      <a:schemeClr val="bg1"/>
+                    </a:solidFill>
+                  </a:rPr>
+                  <a:t>SQL, Datalog, LINQ, PRQL, Morel, …</a:t>
+                </a:r>
+              </a:p>
+            </p:txBody>
+          </p:sp>
+          <p:sp>
+            <p:nvSpPr>
+              <p:cNvPr id="33" name="TextBox 32">
+                <a:extLst>
+                  <a:ext uri="{FF2B5EF4-FFF2-40B4-BE49-F238E27FC236}">
+                    <a16:creationId xmlns:a16="http://schemas.microsoft.com/office/drawing/2014/main" id="{9B8BEA76-225A-F196-32D0-7D3F0329890D}"/>
+                  </a:ext>
+                </a:extLst>
+              </p:cNvPr>
+              <p:cNvSpPr txBox="1"/>
+              <p:nvPr/>
+            </p:nvSpPr>
+            <p:spPr>
+              <a:xfrm>
+                <a:off x="6490991" y="5324894"/>
+                <a:ext cx="3548105" cy="830997"/>
+              </a:xfrm>
+              <a:prstGeom prst="rect">
+                <a:avLst/>
+              </a:prstGeom>
+              <a:solidFill>
+                <a:srgbClr val="7F7F7F">
+                  <a:alpha val="38039"/>
+                </a:srgbClr>
+              </a:solidFill>
+              <a:scene3d>
+                <a:camera prst="isometricOffAxis1Right"/>
+                <a:lightRig rig="threePt" dir="t"/>
+              </a:scene3d>
+            </p:spPr>
+            <p:txBody>
+              <a:bodyPr wrap="square" rtlCol="0">
+                <a:spAutoFit/>
+              </a:bodyPr>
+              <a:lstStyle/>
+              <a:p>
+                <a:pPr algn="ctr"/>
+                <a:r>
+                  <a:rPr lang="en-AU" sz="2400" dirty="0"/>
+                  <a:t>Derived Relations</a:t>
+                </a:r>
+                <a:br>
+                  <a:rPr lang="en-AU" sz="2400" dirty="0"/>
+                </a:br>
+                <a:r>
+                  <a:rPr lang="en-AU" sz="2400" dirty="0"/>
+                  <a:t>(Rules applied to Data)</a:t>
+                </a:r>
+              </a:p>
+            </p:txBody>
+          </p:sp>
+          <p:pic>
+            <p:nvPicPr>
+              <p:cNvPr id="10" name="Picture 9">
+                <a:extLst>
+                  <a:ext uri="{FF2B5EF4-FFF2-40B4-BE49-F238E27FC236}">
+                    <a16:creationId xmlns:a16="http://schemas.microsoft.com/office/drawing/2014/main" id="{9BA138B9-41C2-31B0-8185-978017F64334}"/>
+                  </a:ext>
+                </a:extLst>
+              </p:cNvPr>
+              <p:cNvPicPr>
+                <a:picLocks noChangeAspect="1"/>
+              </p:cNvPicPr>
+              <p:nvPr/>
+            </p:nvPicPr>
+            <p:blipFill>
+              <a:blip r:embed="rId2"/>
+              <a:stretch>
+                <a:fillRect/>
+              </a:stretch>
+            </p:blipFill>
+            <p:spPr>
+              <a:xfrm>
+                <a:off x="6647889" y="3985258"/>
+                <a:ext cx="2662710" cy="1240096"/>
+              </a:xfrm>
+              <a:prstGeom prst="rect">
+                <a:avLst/>
+              </a:prstGeom>
+              <a:solidFill>
+                <a:schemeClr val="accent6">
+                  <a:lumMod val="60000"/>
+                  <a:lumOff val="40000"/>
+                </a:schemeClr>
+              </a:solidFill>
+              <a:scene3d>
+                <a:camera prst="isometricOffAxis1Right"/>
+                <a:lightRig rig="threePt" dir="t"/>
+              </a:scene3d>
+            </p:spPr>
+          </p:pic>
+          <p:pic>
+            <p:nvPicPr>
+              <p:cNvPr id="11" name="Picture 10">
+                <a:extLst>
+                  <a:ext uri="{FF2B5EF4-FFF2-40B4-BE49-F238E27FC236}">
+                    <a16:creationId xmlns:a16="http://schemas.microsoft.com/office/drawing/2014/main" id="{36AABABC-9FFB-3E43-E2DC-0F62CBCA1565}"/>
+                  </a:ext>
+                </a:extLst>
+              </p:cNvPr>
+              <p:cNvPicPr>
+                <a:picLocks noChangeAspect="1"/>
+              </p:cNvPicPr>
+              <p:nvPr/>
+            </p:nvPicPr>
+            <p:blipFill>
+              <a:blip r:embed="rId2"/>
+              <a:stretch>
+                <a:fillRect/>
+              </a:stretch>
+            </p:blipFill>
+            <p:spPr>
+              <a:xfrm>
+                <a:off x="7263257" y="3877245"/>
+                <a:ext cx="2662710" cy="1240096"/>
+              </a:xfrm>
+              <a:prstGeom prst="rect">
+                <a:avLst/>
+              </a:prstGeom>
+              <a:solidFill>
+                <a:schemeClr val="accent6">
+                  <a:lumMod val="60000"/>
+                  <a:lumOff val="40000"/>
+                </a:schemeClr>
+              </a:solidFill>
+              <a:scene3d>
+                <a:camera prst="isometricOffAxis1Right"/>
+                <a:lightRig rig="threePt" dir="t"/>
+              </a:scene3d>
+            </p:spPr>
+          </p:pic>
+        </p:grpSp>
+        <p:sp>
+          <p:nvSpPr>
+            <p:cNvPr id="4" name="TextBox 3">
+              <a:extLst>
+                <a:ext uri="{FF2B5EF4-FFF2-40B4-BE49-F238E27FC236}">
+                  <a16:creationId xmlns:a16="http://schemas.microsoft.com/office/drawing/2014/main" id="{3C126DE3-AC48-0304-E259-867C7A07B35E}"/>
+                </a:ext>
+              </a:extLst>
+            </p:cNvPr>
+            <p:cNvSpPr txBox="1"/>
+            <p:nvPr/>
+          </p:nvSpPr>
+          <p:spPr>
+            <a:xfrm>
+              <a:off x="5587042" y="4292917"/>
+              <a:ext cx="1017916" cy="2062103"/>
+            </a:xfrm>
+            <a:prstGeom prst="rect">
+              <a:avLst/>
+            </a:prstGeom>
+            <a:noFill/>
+            <a:scene3d>
+              <a:camera prst="isometricLeftDown"/>
+              <a:lightRig rig="threePt" dir="t"/>
+            </a:scene3d>
+          </p:spPr>
+          <p:txBody>
+            <a:bodyPr wrap="square" rtlCol="0">
+              <a:spAutoFit/>
+            </a:bodyPr>
+            <a:lstStyle/>
+            <a:p>
+              <a:r>
+                <a:rPr lang="el-GR" sz="3200" b="1" kern="0" dirty="0">
+                  <a:solidFill>
+                    <a:schemeClr val="accent1">
+                      <a:lumMod val="60000"/>
+                      <a:lumOff val="40000"/>
+                    </a:schemeClr>
+                  </a:solidFill>
+                  <a:effectLst/>
+                  <a:latin typeface="Cambria Math" panose="02040503050406030204" pitchFamily="18" charset="0"/>
+                  <a:ea typeface="Times New Roman" panose="02020603050405020304" pitchFamily="18" charset="0"/>
+                  <a:cs typeface="Cambria Math" panose="02040503050406030204" pitchFamily="18" charset="0"/>
+                </a:rPr>
+                <a:t>σ π </a:t>
+              </a:r>
+              <a:br>
+                <a:rPr lang="en-AU" sz="3200" b="1" kern="0" dirty="0">
+                  <a:solidFill>
+                    <a:schemeClr val="accent1">
+                      <a:lumMod val="60000"/>
+                      <a:lumOff val="40000"/>
+                    </a:schemeClr>
+                  </a:solidFill>
+                  <a:effectLst/>
+                  <a:latin typeface="Cambria Math" panose="02040503050406030204" pitchFamily="18" charset="0"/>
+                  <a:ea typeface="Times New Roman" panose="02020603050405020304" pitchFamily="18" charset="0"/>
+                  <a:cs typeface="Cambria Math" panose="02040503050406030204" pitchFamily="18" charset="0"/>
+                </a:rPr>
+              </a:br>
+              <a:r>
+                <a:rPr lang="el-GR" sz="3200" b="1" kern="0" dirty="0">
+                  <a:solidFill>
+                    <a:schemeClr val="accent1">
+                      <a:lumMod val="60000"/>
+                      <a:lumOff val="40000"/>
+                    </a:schemeClr>
+                  </a:solidFill>
+                  <a:effectLst/>
+                  <a:latin typeface="Cambria Math" panose="02040503050406030204" pitchFamily="18" charset="0"/>
+                  <a:ea typeface="Times New Roman" panose="02020603050405020304" pitchFamily="18" charset="0"/>
+                  <a:cs typeface="Cambria Math" panose="02040503050406030204" pitchFamily="18" charset="0"/>
+                </a:rPr>
+                <a:t>ρ υ </a:t>
+              </a:r>
+              <a:br>
+                <a:rPr lang="en-AU" sz="3200" b="1" kern="0" dirty="0">
+                  <a:solidFill>
+                    <a:schemeClr val="accent1">
+                      <a:lumMod val="60000"/>
+                      <a:lumOff val="40000"/>
+                    </a:schemeClr>
+                  </a:solidFill>
+                  <a:effectLst/>
+                  <a:latin typeface="Cambria Math" panose="02040503050406030204" pitchFamily="18" charset="0"/>
+                  <a:ea typeface="Times New Roman" panose="02020603050405020304" pitchFamily="18" charset="0"/>
+                  <a:cs typeface="Cambria Math" panose="02040503050406030204" pitchFamily="18" charset="0"/>
+                </a:rPr>
+              </a:br>
+              <a:r>
+                <a:rPr lang="el-GR" sz="3200" b="1" kern="0" dirty="0">
+                  <a:solidFill>
+                    <a:schemeClr val="accent1">
+                      <a:lumMod val="60000"/>
+                      <a:lumOff val="40000"/>
+                    </a:schemeClr>
+                  </a:solidFill>
+                  <a:effectLst/>
+                  <a:latin typeface="Cambria Math" panose="02040503050406030204" pitchFamily="18" charset="0"/>
+                  <a:ea typeface="Times New Roman" panose="02020603050405020304" pitchFamily="18" charset="0"/>
+                  <a:cs typeface="Cambria Math" panose="02040503050406030204" pitchFamily="18" charset="0"/>
+                </a:rPr>
+                <a:t>– X </a:t>
+              </a:r>
+              <a:br>
+                <a:rPr lang="en-AU" sz="3200" b="1" kern="0" dirty="0">
+                  <a:solidFill>
+                    <a:schemeClr val="accent1">
+                      <a:lumMod val="60000"/>
+                      <a:lumOff val="40000"/>
+                    </a:schemeClr>
+                  </a:solidFill>
+                  <a:effectLst/>
+                  <a:latin typeface="Cambria Math" panose="02040503050406030204" pitchFamily="18" charset="0"/>
+                  <a:ea typeface="Times New Roman" panose="02020603050405020304" pitchFamily="18" charset="0"/>
+                  <a:cs typeface="Cambria Math" panose="02040503050406030204" pitchFamily="18" charset="0"/>
+                </a:rPr>
+              </a:br>
+              <a:r>
+                <a:rPr lang="el-GR" sz="3200" b="1" kern="0" dirty="0">
+                  <a:solidFill>
+                    <a:schemeClr val="accent1">
+                      <a:lumMod val="60000"/>
+                      <a:lumOff val="40000"/>
+                    </a:schemeClr>
+                  </a:solidFill>
+                  <a:effectLst/>
+                  <a:latin typeface="Cambria Math" panose="02040503050406030204" pitchFamily="18" charset="0"/>
+                  <a:ea typeface="Times New Roman" panose="02020603050405020304" pitchFamily="18" charset="0"/>
+                  <a:cs typeface="Cambria Math" panose="02040503050406030204" pitchFamily="18" charset="0"/>
+                </a:rPr>
+                <a:t>⋈</a:t>
+              </a:r>
+              <a:endParaRPr lang="en-AU" sz="3200" dirty="0">
+                <a:solidFill>
+                  <a:schemeClr val="accent1">
+                    <a:lumMod val="60000"/>
+                    <a:lumOff val="40000"/>
+                  </a:schemeClr>
+                </a:solidFill>
+              </a:endParaRPr>
+            </a:p>
+          </p:txBody>
+        </p:sp>
+      </p:grpSp>
     </p:spTree>
     <p:extLst>
       <p:ext uri="{BB962C8B-B14F-4D97-AF65-F5344CB8AC3E}">

--- a/images/src/jetisu diagrams.pptx
+++ b/images/src/jetisu diagrams.pptx
@@ -10,6 +10,7 @@
     <p:sldId id="258" r:id="rId4"/>
     <p:sldId id="259" r:id="rId5"/>
     <p:sldId id="260" r:id="rId6"/>
+    <p:sldId id="261" r:id="rId7"/>
   </p:sldIdLst>
   <p:sldSz cx="12192000" cy="6858000"/>
   <p:notesSz cx="7102475" cy="10234613"/>
@@ -25973,6 +25974,2938 @@
 </p:sld>
 </file>
 
+<file path=ppt/slides/slide6.xml><?xml version="1.0" encoding="utf-8"?>
+<p:sld xmlns:a="http://schemas.openxmlformats.org/drawingml/2006/main" xmlns:r="http://schemas.openxmlformats.org/officeDocument/2006/relationships" xmlns:p="http://schemas.openxmlformats.org/presentationml/2006/main">
+  <p:cSld>
+    <p:spTree>
+      <p:nvGrpSpPr>
+        <p:cNvPr id="1" name=""/>
+        <p:cNvGrpSpPr/>
+        <p:nvPr/>
+      </p:nvGrpSpPr>
+      <p:grpSpPr>
+        <a:xfrm>
+          <a:off x="0" y="0"/>
+          <a:ext cx="0" cy="0"/>
+          <a:chOff x="0" y="0"/>
+          <a:chExt cx="0" cy="0"/>
+        </a:xfrm>
+      </p:grpSpPr>
+      <p:grpSp>
+        <p:nvGrpSpPr>
+          <p:cNvPr id="86" name="Group 85">
+            <a:extLst>
+              <a:ext uri="{FF2B5EF4-FFF2-40B4-BE49-F238E27FC236}">
+                <a16:creationId xmlns:a16="http://schemas.microsoft.com/office/drawing/2014/main" id="{6A0CE737-8A5C-AF78-5F0A-42A4130CF597}"/>
+              </a:ext>
+            </a:extLst>
+          </p:cNvPr>
+          <p:cNvGrpSpPr/>
+          <p:nvPr/>
+        </p:nvGrpSpPr>
+        <p:grpSpPr>
+          <a:xfrm>
+            <a:off x="379396" y="1036355"/>
+            <a:ext cx="4753889" cy="2392645"/>
+            <a:chOff x="817513" y="705446"/>
+            <a:chExt cx="4753889" cy="2392645"/>
+          </a:xfrm>
+        </p:grpSpPr>
+        <p:sp>
+          <p:nvSpPr>
+            <p:cNvPr id="8" name="Rectangle 7">
+              <a:extLst>
+                <a:ext uri="{FF2B5EF4-FFF2-40B4-BE49-F238E27FC236}">
+                  <a16:creationId xmlns:a16="http://schemas.microsoft.com/office/drawing/2014/main" id="{97710AE9-95EA-68DA-50EB-2746CEA2D507}"/>
+                </a:ext>
+              </a:extLst>
+            </p:cNvPr>
+            <p:cNvSpPr/>
+            <p:nvPr/>
+          </p:nvSpPr>
+          <p:spPr>
+            <a:xfrm>
+              <a:off x="1296308" y="1272706"/>
+              <a:ext cx="4275094" cy="1825385"/>
+            </a:xfrm>
+            <a:prstGeom prst="rect">
+              <a:avLst/>
+            </a:prstGeom>
+            <a:solidFill>
+              <a:srgbClr val="4472C4">
+                <a:alpha val="43137"/>
+              </a:srgbClr>
+            </a:solidFill>
+            <a:scene3d>
+              <a:camera prst="isometricOffAxis1Right"/>
+              <a:lightRig rig="threePt" dir="t"/>
+            </a:scene3d>
+            <a:sp3d extrusionH="1803400"/>
+          </p:spPr>
+          <p:style>
+            <a:lnRef idx="2">
+              <a:schemeClr val="accent1">
+                <a:shade val="50000"/>
+              </a:schemeClr>
+            </a:lnRef>
+            <a:fillRef idx="1">
+              <a:schemeClr val="accent1"/>
+            </a:fillRef>
+            <a:effectRef idx="0">
+              <a:schemeClr val="accent1"/>
+            </a:effectRef>
+            <a:fontRef idx="minor">
+              <a:schemeClr val="lt1"/>
+            </a:fontRef>
+          </p:style>
+          <p:txBody>
+            <a:bodyPr rtlCol="0" anchor="ctr"/>
+            <a:lstStyle/>
+            <a:p>
+              <a:pPr algn="ctr"/>
+              <a:endParaRPr lang="en-AU"/>
+            </a:p>
+          </p:txBody>
+        </p:sp>
+        <p:pic>
+          <p:nvPicPr>
+            <p:cNvPr id="9" name="Picture 8">
+              <a:extLst>
+                <a:ext uri="{FF2B5EF4-FFF2-40B4-BE49-F238E27FC236}">
+                  <a16:creationId xmlns:a16="http://schemas.microsoft.com/office/drawing/2014/main" id="{28AC0B48-A6F8-855F-DC61-F9D2AEE29EB7}"/>
+                </a:ext>
+              </a:extLst>
+            </p:cNvPr>
+            <p:cNvPicPr>
+              <a:picLocks noChangeAspect="1"/>
+            </p:cNvPicPr>
+            <p:nvPr/>
+          </p:nvPicPr>
+          <p:blipFill>
+            <a:blip r:embed="rId2"/>
+            <a:stretch>
+              <a:fillRect/>
+            </a:stretch>
+          </p:blipFill>
+          <p:spPr>
+            <a:xfrm>
+              <a:off x="1495705" y="1532518"/>
+              <a:ext cx="2015528" cy="852600"/>
+            </a:xfrm>
+            <a:prstGeom prst="rect">
+              <a:avLst/>
+            </a:prstGeom>
+            <a:scene3d>
+              <a:camera prst="isometricOffAxis1Right"/>
+              <a:lightRig rig="threePt" dir="t"/>
+            </a:scene3d>
+          </p:spPr>
+        </p:pic>
+        <p:sp>
+          <p:nvSpPr>
+            <p:cNvPr id="31" name="TextBox 30">
+              <a:extLst>
+                <a:ext uri="{FF2B5EF4-FFF2-40B4-BE49-F238E27FC236}">
+                  <a16:creationId xmlns:a16="http://schemas.microsoft.com/office/drawing/2014/main" id="{7EDE61CC-55B2-636A-3C6D-B98EA8B560B2}"/>
+                </a:ext>
+              </a:extLst>
+            </p:cNvPr>
+            <p:cNvSpPr txBox="1"/>
+            <p:nvPr/>
+          </p:nvSpPr>
+          <p:spPr>
+            <a:xfrm>
+              <a:off x="2213993" y="2365405"/>
+              <a:ext cx="2790251" cy="584775"/>
+            </a:xfrm>
+            <a:prstGeom prst="rect">
+              <a:avLst/>
+            </a:prstGeom>
+            <a:solidFill>
+              <a:srgbClr val="7F7F7F">
+                <a:alpha val="38039"/>
+              </a:srgbClr>
+            </a:solidFill>
+            <a:scene3d>
+              <a:camera prst="isometricOffAxis1Right"/>
+              <a:lightRig rig="threePt" dir="t"/>
+            </a:scene3d>
+          </p:spPr>
+          <p:txBody>
+            <a:bodyPr wrap="none" rtlCol="0">
+              <a:spAutoFit/>
+            </a:bodyPr>
+            <a:lstStyle/>
+            <a:p>
+              <a:pPr algn="ctr"/>
+              <a:r>
+                <a:rPr lang="en-AU" sz="1600" dirty="0"/>
+                <a:t>Extensionally Defined Relations</a:t>
+              </a:r>
+              <a:br>
+                <a:rPr lang="en-AU" sz="1600" dirty="0"/>
+              </a:br>
+              <a:r>
+                <a:rPr lang="en-AU" sz="1600" dirty="0"/>
+                <a:t>(Data)</a:t>
+              </a:r>
+            </a:p>
+          </p:txBody>
+        </p:sp>
+        <p:pic>
+          <p:nvPicPr>
+            <p:cNvPr id="34" name="Picture 33">
+              <a:extLst>
+                <a:ext uri="{FF2B5EF4-FFF2-40B4-BE49-F238E27FC236}">
+                  <a16:creationId xmlns:a16="http://schemas.microsoft.com/office/drawing/2014/main" id="{A9F6BBF9-C148-0DC1-4FE9-AB515004A7E5}"/>
+                </a:ext>
+              </a:extLst>
+            </p:cNvPr>
+            <p:cNvPicPr>
+              <a:picLocks noChangeAspect="1"/>
+            </p:cNvPicPr>
+            <p:nvPr/>
+          </p:nvPicPr>
+          <p:blipFill>
+            <a:blip r:embed="rId2"/>
+            <a:stretch>
+              <a:fillRect/>
+            </a:stretch>
+          </p:blipFill>
+          <p:spPr>
+            <a:xfrm>
+              <a:off x="3439489" y="1269855"/>
+              <a:ext cx="1031690" cy="436421"/>
+            </a:xfrm>
+            <a:prstGeom prst="rect">
+              <a:avLst/>
+            </a:prstGeom>
+            <a:scene3d>
+              <a:camera prst="isometricOffAxis1Right"/>
+              <a:lightRig rig="threePt" dir="t"/>
+            </a:scene3d>
+          </p:spPr>
+        </p:pic>
+        <p:pic>
+          <p:nvPicPr>
+            <p:cNvPr id="35" name="Picture 34">
+              <a:extLst>
+                <a:ext uri="{FF2B5EF4-FFF2-40B4-BE49-F238E27FC236}">
+                  <a16:creationId xmlns:a16="http://schemas.microsoft.com/office/drawing/2014/main" id="{10AE2780-87D0-C164-4973-CCAFD20FFC10}"/>
+                </a:ext>
+              </a:extLst>
+            </p:cNvPr>
+            <p:cNvPicPr>
+              <a:picLocks noChangeAspect="1"/>
+            </p:cNvPicPr>
+            <p:nvPr/>
+          </p:nvPicPr>
+          <p:blipFill>
+            <a:blip r:embed="rId2"/>
+            <a:stretch>
+              <a:fillRect/>
+            </a:stretch>
+          </p:blipFill>
+          <p:spPr>
+            <a:xfrm>
+              <a:off x="3440966" y="1786407"/>
+              <a:ext cx="1031690" cy="436421"/>
+            </a:xfrm>
+            <a:prstGeom prst="rect">
+              <a:avLst/>
+            </a:prstGeom>
+            <a:scene3d>
+              <a:camera prst="isometricOffAxis1Right"/>
+              <a:lightRig rig="threePt" dir="t"/>
+            </a:scene3d>
+          </p:spPr>
+        </p:pic>
+        <p:sp>
+          <p:nvSpPr>
+            <p:cNvPr id="56" name="TextBox 55">
+              <a:extLst>
+                <a:ext uri="{FF2B5EF4-FFF2-40B4-BE49-F238E27FC236}">
+                  <a16:creationId xmlns:a16="http://schemas.microsoft.com/office/drawing/2014/main" id="{1ED22BD1-0616-732B-4C9D-19EE8D8C7C4F}"/>
+                </a:ext>
+              </a:extLst>
+            </p:cNvPr>
+            <p:cNvSpPr txBox="1"/>
+            <p:nvPr/>
+          </p:nvSpPr>
+          <p:spPr>
+            <a:xfrm>
+              <a:off x="1004766" y="705446"/>
+              <a:ext cx="4266527" cy="646331"/>
+            </a:xfrm>
+            <a:prstGeom prst="rect">
+              <a:avLst/>
+            </a:prstGeom>
+            <a:noFill/>
+            <a:scene3d>
+              <a:camera prst="isometricOffAxis1Right"/>
+              <a:lightRig rig="threePt" dir="t"/>
+            </a:scene3d>
+          </p:spPr>
+          <p:txBody>
+            <a:bodyPr wrap="square">
+              <a:spAutoFit/>
+            </a:bodyPr>
+            <a:lstStyle/>
+            <a:p>
+              <a:pPr lvl="0"/>
+              <a:r>
+                <a:rPr lang="en-AU" sz="1200" dirty="0">
+                  <a:solidFill>
+                    <a:schemeClr val="bg1"/>
+                  </a:solidFill>
+                </a:rPr>
+                <a:t>Hardware, scale, cloud, multi-vendors, indexing, storage,</a:t>
+              </a:r>
+              <a:br>
+                <a:rPr lang="en-AU" sz="1200" dirty="0">
+                  <a:solidFill>
+                    <a:schemeClr val="bg1"/>
+                  </a:solidFill>
+                </a:rPr>
+              </a:br>
+              <a:r>
+                <a:rPr lang="en-AU" sz="1200" dirty="0">
+                  <a:solidFill>
+                    <a:schemeClr val="bg1"/>
+                  </a:solidFill>
+                </a:rPr>
+                <a:t>     replication, transactions, concurrency, recovery, distributed</a:t>
+              </a:r>
+              <a:br>
+                <a:rPr lang="en-AU" sz="1200" dirty="0">
+                  <a:solidFill>
+                    <a:schemeClr val="bg1"/>
+                  </a:solidFill>
+                </a:rPr>
+              </a:br>
+              <a:r>
+                <a:rPr lang="en-AU" sz="1200" dirty="0">
+                  <a:solidFill>
+                    <a:schemeClr val="bg1"/>
+                  </a:solidFill>
+                </a:rPr>
+                <a:t>         systems, materialisation, backup, …</a:t>
+              </a:r>
+            </a:p>
+          </p:txBody>
+        </p:sp>
+        <p:pic>
+          <p:nvPicPr>
+            <p:cNvPr id="17" name="Graphic 16" descr="Database outline">
+              <a:extLst>
+                <a:ext uri="{FF2B5EF4-FFF2-40B4-BE49-F238E27FC236}">
+                  <a16:creationId xmlns:a16="http://schemas.microsoft.com/office/drawing/2014/main" id="{6D3DD6EB-BE40-8023-CA65-BBC1F77674DA}"/>
+                </a:ext>
+              </a:extLst>
+            </p:cNvPr>
+            <p:cNvPicPr>
+              <a:picLocks noChangeAspect="1"/>
+            </p:cNvPicPr>
+            <p:nvPr/>
+          </p:nvPicPr>
+          <p:blipFill>
+            <a:blip r:embed="rId3">
+              <a:extLst>
+                <a:ext uri="{28A0092B-C50C-407E-A947-70E740481C1C}">
+                  <a14:useLocalDpi xmlns:a14="http://schemas.microsoft.com/office/drawing/2010/main" val="0"/>
+                </a:ext>
+                <a:ext uri="{96DAC541-7B7A-43D3-8B79-37D633B846F1}">
+                  <asvg:svgBlip xmlns:asvg="http://schemas.microsoft.com/office/drawing/2016/SVG/main" r:embed="rId4"/>
+                </a:ext>
+              </a:extLst>
+            </a:blip>
+            <a:stretch>
+              <a:fillRect/>
+            </a:stretch>
+          </p:blipFill>
+          <p:spPr>
+            <a:xfrm>
+              <a:off x="817513" y="1547157"/>
+              <a:ext cx="450845" cy="450845"/>
+            </a:xfrm>
+            <a:prstGeom prst="rect">
+              <a:avLst/>
+            </a:prstGeom>
+          </p:spPr>
+        </p:pic>
+        <p:pic>
+          <p:nvPicPr>
+            <p:cNvPr id="18" name="Graphic 17" descr="Database outline">
+              <a:extLst>
+                <a:ext uri="{FF2B5EF4-FFF2-40B4-BE49-F238E27FC236}">
+                  <a16:creationId xmlns:a16="http://schemas.microsoft.com/office/drawing/2014/main" id="{9CDD86AC-F46E-192E-724A-73FCBFD27404}"/>
+                </a:ext>
+              </a:extLst>
+            </p:cNvPr>
+            <p:cNvPicPr>
+              <a:picLocks noChangeAspect="1"/>
+            </p:cNvPicPr>
+            <p:nvPr/>
+          </p:nvPicPr>
+          <p:blipFill>
+            <a:blip r:embed="rId3">
+              <a:extLst>
+                <a:ext uri="{28A0092B-C50C-407E-A947-70E740481C1C}">
+                  <a14:useLocalDpi xmlns:a14="http://schemas.microsoft.com/office/drawing/2010/main" val="0"/>
+                </a:ext>
+                <a:ext uri="{96DAC541-7B7A-43D3-8B79-37D633B846F1}">
+                  <asvg:svgBlip xmlns:asvg="http://schemas.microsoft.com/office/drawing/2016/SVG/main" r:embed="rId4"/>
+                </a:ext>
+              </a:extLst>
+            </a:blip>
+            <a:stretch>
+              <a:fillRect/>
+            </a:stretch>
+          </p:blipFill>
+          <p:spPr>
+            <a:xfrm>
+              <a:off x="828679" y="2159695"/>
+              <a:ext cx="450845" cy="450845"/>
+            </a:xfrm>
+            <a:prstGeom prst="rect">
+              <a:avLst/>
+            </a:prstGeom>
+          </p:spPr>
+        </p:pic>
+      </p:grpSp>
+      <p:grpSp>
+        <p:nvGrpSpPr>
+          <p:cNvPr id="7" name="Group 6">
+            <a:extLst>
+              <a:ext uri="{FF2B5EF4-FFF2-40B4-BE49-F238E27FC236}">
+                <a16:creationId xmlns:a16="http://schemas.microsoft.com/office/drawing/2014/main" id="{69DFD1F3-4882-8433-8638-0361F3D28D0C}"/>
+              </a:ext>
+            </a:extLst>
+          </p:cNvPr>
+          <p:cNvGrpSpPr/>
+          <p:nvPr/>
+        </p:nvGrpSpPr>
+        <p:grpSpPr>
+          <a:xfrm>
+            <a:off x="5851573" y="283122"/>
+            <a:ext cx="4875275" cy="2708052"/>
+            <a:chOff x="5252226" y="305302"/>
+            <a:chExt cx="4875275" cy="2841274"/>
+          </a:xfrm>
+        </p:grpSpPr>
+        <p:grpSp>
+          <p:nvGrpSpPr>
+            <p:cNvPr id="87" name="Group 86">
+              <a:extLst>
+                <a:ext uri="{FF2B5EF4-FFF2-40B4-BE49-F238E27FC236}">
+                  <a16:creationId xmlns:a16="http://schemas.microsoft.com/office/drawing/2014/main" id="{CAE53593-E0B9-139C-70BE-C8AFFA32AD83}"/>
+                </a:ext>
+              </a:extLst>
+            </p:cNvPr>
+            <p:cNvGrpSpPr/>
+            <p:nvPr/>
+          </p:nvGrpSpPr>
+          <p:grpSpPr>
+            <a:xfrm>
+              <a:off x="5549158" y="305302"/>
+              <a:ext cx="4578343" cy="2362159"/>
+              <a:chOff x="6508757" y="576312"/>
+              <a:chExt cx="4578343" cy="2362159"/>
+            </a:xfrm>
+          </p:grpSpPr>
+          <p:sp>
+            <p:nvSpPr>
+              <p:cNvPr id="14" name="Rectangle 13">
+                <a:extLst>
+                  <a:ext uri="{FF2B5EF4-FFF2-40B4-BE49-F238E27FC236}">
+                    <a16:creationId xmlns:a16="http://schemas.microsoft.com/office/drawing/2014/main" id="{2B4080B8-42F3-4F8D-FBB2-8CB777385CE7}"/>
+                  </a:ext>
+                </a:extLst>
+              </p:cNvPr>
+              <p:cNvSpPr/>
+              <p:nvPr/>
+            </p:nvSpPr>
+            <p:spPr>
+              <a:xfrm>
+                <a:off x="6812006" y="1113086"/>
+                <a:ext cx="4275094" cy="1825385"/>
+              </a:xfrm>
+              <a:prstGeom prst="rect">
+                <a:avLst/>
+              </a:prstGeom>
+              <a:solidFill>
+                <a:srgbClr val="D8C4E8"/>
+              </a:solidFill>
+              <a:ln>
+                <a:solidFill>
+                  <a:srgbClr val="7030A0"/>
+                </a:solidFill>
+              </a:ln>
+              <a:scene3d>
+                <a:camera prst="isometricOffAxis1Right"/>
+                <a:lightRig rig="threePt" dir="t"/>
+              </a:scene3d>
+              <a:sp3d extrusionH="1803400">
+                <a:extrusionClr>
+                  <a:srgbClr val="7030A0"/>
+                </a:extrusionClr>
+                <a:contourClr>
+                  <a:schemeClr val="tx1">
+                    <a:lumMod val="50000"/>
+                    <a:lumOff val="50000"/>
+                  </a:schemeClr>
+                </a:contourClr>
+              </a:sp3d>
+            </p:spPr>
+            <p:style>
+              <a:lnRef idx="2">
+                <a:schemeClr val="accent1">
+                  <a:shade val="50000"/>
+                </a:schemeClr>
+              </a:lnRef>
+              <a:fillRef idx="1">
+                <a:schemeClr val="accent1"/>
+              </a:fillRef>
+              <a:effectRef idx="0">
+                <a:schemeClr val="accent1"/>
+              </a:effectRef>
+              <a:fontRef idx="minor">
+                <a:schemeClr val="lt1"/>
+              </a:fontRef>
+            </p:style>
+            <p:txBody>
+              <a:bodyPr rtlCol="0" anchor="ctr"/>
+              <a:lstStyle/>
+              <a:p>
+                <a:pPr algn="ctr"/>
+                <a:endParaRPr lang="en-AU"/>
+              </a:p>
+            </p:txBody>
+          </p:sp>
+          <p:pic>
+            <p:nvPicPr>
+              <p:cNvPr id="15" name="Picture 14">
+                <a:extLst>
+                  <a:ext uri="{FF2B5EF4-FFF2-40B4-BE49-F238E27FC236}">
+                    <a16:creationId xmlns:a16="http://schemas.microsoft.com/office/drawing/2014/main" id="{F466AE72-54D8-447C-43C4-C50DB237B69C}"/>
+                  </a:ext>
+                </a:extLst>
+              </p:cNvPr>
+              <p:cNvPicPr>
+                <a:picLocks noChangeAspect="1"/>
+              </p:cNvPicPr>
+              <p:nvPr/>
+            </p:nvPicPr>
+            <p:blipFill>
+              <a:blip r:embed="rId2"/>
+              <a:stretch>
+                <a:fillRect/>
+              </a:stretch>
+            </p:blipFill>
+            <p:spPr>
+              <a:xfrm>
+                <a:off x="8352450" y="1131684"/>
+                <a:ext cx="2015528" cy="852600"/>
+              </a:xfrm>
+              <a:prstGeom prst="rect">
+                <a:avLst/>
+              </a:prstGeom>
+              <a:solidFill>
+                <a:srgbClr val="7030A0">
+                  <a:alpha val="30980"/>
+                </a:srgbClr>
+              </a:solidFill>
+              <a:scene3d>
+                <a:camera prst="isometricOffAxis1Right"/>
+                <a:lightRig rig="threePt" dir="t"/>
+              </a:scene3d>
+            </p:spPr>
+          </p:pic>
+          <p:sp>
+            <p:nvSpPr>
+              <p:cNvPr id="32" name="TextBox 31">
+                <a:extLst>
+                  <a:ext uri="{FF2B5EF4-FFF2-40B4-BE49-F238E27FC236}">
+                    <a16:creationId xmlns:a16="http://schemas.microsoft.com/office/drawing/2014/main" id="{D5F7E915-F4BF-CADF-ECD7-9DA2EED5F1B5}"/>
+                  </a:ext>
+                </a:extLst>
+              </p:cNvPr>
+              <p:cNvSpPr txBox="1"/>
+              <p:nvPr/>
+            </p:nvSpPr>
+            <p:spPr>
+              <a:xfrm>
+                <a:off x="7599456" y="2222271"/>
+                <a:ext cx="2757293" cy="584775"/>
+              </a:xfrm>
+              <a:prstGeom prst="rect">
+                <a:avLst/>
+              </a:prstGeom>
+              <a:solidFill>
+                <a:srgbClr val="7F7F7F">
+                  <a:alpha val="38039"/>
+                </a:srgbClr>
+              </a:solidFill>
+              <a:scene3d>
+                <a:camera prst="isometricOffAxis1Right"/>
+                <a:lightRig rig="threePt" dir="t"/>
+              </a:scene3d>
+            </p:spPr>
+            <p:txBody>
+              <a:bodyPr wrap="none" rtlCol="0">
+                <a:spAutoFit/>
+              </a:bodyPr>
+              <a:lstStyle/>
+              <a:p>
+                <a:pPr algn="ctr"/>
+                <a:r>
+                  <a:rPr lang="en-AU" sz="1600" dirty="0"/>
+                  <a:t>Intensionally Defined Relations</a:t>
+                </a:r>
+                <a:br>
+                  <a:rPr lang="en-AU" sz="1600" dirty="0"/>
+                </a:br>
+                <a:r>
+                  <a:rPr lang="en-AU" sz="1600" dirty="0"/>
+                  <a:t>(Rules)</a:t>
+                </a:r>
+              </a:p>
+            </p:txBody>
+          </p:sp>
+          <p:pic>
+            <p:nvPicPr>
+              <p:cNvPr id="41" name="Picture 40">
+                <a:extLst>
+                  <a:ext uri="{FF2B5EF4-FFF2-40B4-BE49-F238E27FC236}">
+                    <a16:creationId xmlns:a16="http://schemas.microsoft.com/office/drawing/2014/main" id="{FB707429-710A-D467-C4EB-D3B65485D3A1}"/>
+                  </a:ext>
+                </a:extLst>
+              </p:cNvPr>
+              <p:cNvPicPr>
+                <a:picLocks noChangeAspect="1"/>
+              </p:cNvPicPr>
+              <p:nvPr/>
+            </p:nvPicPr>
+            <p:blipFill>
+              <a:blip r:embed="rId2"/>
+              <a:stretch>
+                <a:fillRect/>
+              </a:stretch>
+            </p:blipFill>
+            <p:spPr>
+              <a:xfrm>
+                <a:off x="7083611" y="1454069"/>
+                <a:ext cx="1031690" cy="436421"/>
+              </a:xfrm>
+              <a:prstGeom prst="rect">
+                <a:avLst/>
+              </a:prstGeom>
+              <a:scene3d>
+                <a:camera prst="isometricOffAxis1Right"/>
+                <a:lightRig rig="threePt" dir="t"/>
+              </a:scene3d>
+            </p:spPr>
+          </p:pic>
+          <p:sp>
+            <p:nvSpPr>
+              <p:cNvPr id="50" name="TextBox 49">
+                <a:extLst>
+                  <a:ext uri="{FF2B5EF4-FFF2-40B4-BE49-F238E27FC236}">
+                    <a16:creationId xmlns:a16="http://schemas.microsoft.com/office/drawing/2014/main" id="{BCAFEC12-1DA4-76B6-0B88-08E038EEFD7B}"/>
+                  </a:ext>
+                </a:extLst>
+              </p:cNvPr>
+              <p:cNvSpPr txBox="1"/>
+              <p:nvPr/>
+            </p:nvSpPr>
+            <p:spPr>
+              <a:xfrm>
+                <a:off x="6508757" y="576312"/>
+                <a:ext cx="4227155" cy="607551"/>
+              </a:xfrm>
+              <a:prstGeom prst="rect">
+                <a:avLst/>
+              </a:prstGeom>
+              <a:noFill/>
+              <a:scene3d>
+                <a:camera prst="isometricOffAxis1Right"/>
+                <a:lightRig rig="threePt" dir="t"/>
+              </a:scene3d>
+            </p:spPr>
+            <p:txBody>
+              <a:bodyPr wrap="square">
+                <a:spAutoFit/>
+              </a:bodyPr>
+              <a:lstStyle/>
+              <a:p>
+                <a:pPr lvl="0"/>
+                <a:r>
+                  <a:rPr lang="en-AU" sz="1200" dirty="0">
+                    <a:solidFill>
+                      <a:schemeClr val="bg1"/>
+                    </a:solidFill>
+                  </a:rPr>
+                  <a:t>Logic, Constraints, Search, SMT Solvers, Numerical Methods,</a:t>
+                </a:r>
+                <a:br>
+                  <a:rPr lang="en-AU" sz="1200" dirty="0">
+                    <a:solidFill>
+                      <a:schemeClr val="bg1"/>
+                    </a:solidFill>
+                  </a:rPr>
+                </a:br>
+                <a:r>
+                  <a:rPr lang="en-AU" sz="1200" dirty="0">
+                    <a:solidFill>
+                      <a:schemeClr val="bg1"/>
+                    </a:solidFill>
+                  </a:rPr>
+                  <a:t>     Linear Programming, Symbolic Computation, Termination,</a:t>
+                </a:r>
+                <a:br>
+                  <a:rPr lang="en-AU" sz="1200" dirty="0">
+                    <a:solidFill>
+                      <a:schemeClr val="bg1"/>
+                    </a:solidFill>
+                  </a:rPr>
+                </a:br>
+                <a:r>
+                  <a:rPr lang="en-AU" sz="1200" dirty="0">
+                    <a:solidFill>
+                      <a:schemeClr val="bg1"/>
+                    </a:solidFill>
+                  </a:rPr>
+                  <a:t>         Negation, Stratification, Type Theory, Multiple Semantics </a:t>
+                </a:r>
+              </a:p>
+            </p:txBody>
+          </p:sp>
+          <p:sp>
+            <p:nvSpPr>
+              <p:cNvPr id="40" name="TextBox 39">
+                <a:extLst>
+                  <a:ext uri="{FF2B5EF4-FFF2-40B4-BE49-F238E27FC236}">
+                    <a16:creationId xmlns:a16="http://schemas.microsoft.com/office/drawing/2014/main" id="{23C1DAF0-7B8C-F161-9E7F-F6130E7886F1}"/>
+                  </a:ext>
+                </a:extLst>
+              </p:cNvPr>
+              <p:cNvSpPr txBox="1"/>
+              <p:nvPr/>
+            </p:nvSpPr>
+            <p:spPr>
+              <a:xfrm>
+                <a:off x="7094626" y="2052914"/>
+                <a:ext cx="995401" cy="290626"/>
+              </a:xfrm>
+              <a:prstGeom prst="rect">
+                <a:avLst/>
+              </a:prstGeom>
+              <a:noFill/>
+              <a:scene3d>
+                <a:camera prst="isometricOffAxis1Right"/>
+                <a:lightRig rig="threePt" dir="t"/>
+              </a:scene3d>
+            </p:spPr>
+            <p:txBody>
+              <a:bodyPr wrap="none" rtlCol="0">
+                <a:spAutoFit/>
+              </a:bodyPr>
+              <a:lstStyle/>
+              <a:p>
+                <a:pPr algn="ctr"/>
+                <a:r>
+                  <a:rPr lang="en-AU" sz="1200" dirty="0"/>
+                  <a:t>Effectiveness</a:t>
+                </a:r>
+              </a:p>
+            </p:txBody>
+          </p:sp>
+        </p:grpSp>
+        <p:sp>
+          <p:nvSpPr>
+            <p:cNvPr id="3" name="TextBox 2">
+              <a:extLst>
+                <a:ext uri="{FF2B5EF4-FFF2-40B4-BE49-F238E27FC236}">
+                  <a16:creationId xmlns:a16="http://schemas.microsoft.com/office/drawing/2014/main" id="{72B9F781-70FD-6179-47B5-0707884D9D1A}"/>
+                </a:ext>
+              </a:extLst>
+            </p:cNvPr>
+            <p:cNvSpPr txBox="1"/>
+            <p:nvPr/>
+          </p:nvSpPr>
+          <p:spPr>
+            <a:xfrm>
+              <a:off x="5252226" y="838252"/>
+              <a:ext cx="1017916" cy="2308324"/>
+            </a:xfrm>
+            <a:prstGeom prst="rect">
+              <a:avLst/>
+            </a:prstGeom>
+            <a:noFill/>
+            <a:scene3d>
+              <a:camera prst="isometricLeftDown"/>
+              <a:lightRig rig="threePt" dir="t"/>
+            </a:scene3d>
+          </p:spPr>
+          <p:txBody>
+            <a:bodyPr wrap="square" rtlCol="0">
+              <a:spAutoFit/>
+            </a:bodyPr>
+            <a:lstStyle/>
+            <a:p>
+              <a:r>
+                <a:rPr lang="en-AU" sz="2400" b="1" kern="0" dirty="0">
+                  <a:solidFill>
+                    <a:schemeClr val="accent1">
+                      <a:lumMod val="60000"/>
+                      <a:lumOff val="40000"/>
+                    </a:schemeClr>
+                  </a:solidFill>
+                  <a:effectLst/>
+                  <a:latin typeface="Cambria Math" panose="02040503050406030204" pitchFamily="18" charset="0"/>
+                  <a:ea typeface="Times New Roman" panose="02020603050405020304" pitchFamily="18" charset="0"/>
+                  <a:cs typeface="Cambria Math" panose="02040503050406030204" pitchFamily="18" charset="0"/>
+                </a:rPr>
+                <a:t>⇒</a:t>
+              </a:r>
+              <a:r>
+                <a:rPr lang="en-AU" sz="2400" b="1" kern="0" dirty="0">
+                  <a:solidFill>
+                    <a:schemeClr val="accent1">
+                      <a:lumMod val="60000"/>
+                      <a:lumOff val="40000"/>
+                    </a:schemeClr>
+                  </a:solidFill>
+                  <a:effectLst/>
+                  <a:latin typeface="Arial" panose="020B0604020202020204" pitchFamily="34" charset="0"/>
+                  <a:ea typeface="Times New Roman" panose="02020603050405020304" pitchFamily="18" charset="0"/>
+                  <a:cs typeface="Times New Roman" panose="02020603050405020304" pitchFamily="18" charset="0"/>
+                </a:rPr>
+                <a:t> </a:t>
+              </a:r>
+              <a:r>
+                <a:rPr lang="en-AU" sz="2400" b="1" kern="0" dirty="0">
+                  <a:solidFill>
+                    <a:schemeClr val="accent1">
+                      <a:lumMod val="60000"/>
+                      <a:lumOff val="40000"/>
+                    </a:schemeClr>
+                  </a:solidFill>
+                  <a:effectLst/>
+                  <a:latin typeface="Cambria Math" panose="02040503050406030204" pitchFamily="18" charset="0"/>
+                  <a:ea typeface="Times New Roman" panose="02020603050405020304" pitchFamily="18" charset="0"/>
+                  <a:cs typeface="Cambria Math" panose="02040503050406030204" pitchFamily="18" charset="0"/>
+                </a:rPr>
+                <a:t>⇔</a:t>
+              </a:r>
+              <a:r>
+                <a:rPr lang="en-AU" sz="2400" b="1" kern="0" dirty="0">
+                  <a:solidFill>
+                    <a:schemeClr val="accent1">
+                      <a:lumMod val="60000"/>
+                      <a:lumOff val="40000"/>
+                    </a:schemeClr>
+                  </a:solidFill>
+                  <a:effectLst/>
+                  <a:latin typeface="Arial" panose="020B0604020202020204" pitchFamily="34" charset="0"/>
+                  <a:ea typeface="Times New Roman" panose="02020603050405020304" pitchFamily="18" charset="0"/>
+                  <a:cs typeface="Times New Roman" panose="02020603050405020304" pitchFamily="18" charset="0"/>
+                </a:rPr>
+                <a:t> ¬ </a:t>
+              </a:r>
+              <a:r>
+                <a:rPr lang="en-AU" sz="2400" b="1" kern="0" dirty="0">
+                  <a:solidFill>
+                    <a:schemeClr val="accent1">
+                      <a:lumMod val="60000"/>
+                      <a:lumOff val="40000"/>
+                    </a:schemeClr>
+                  </a:solidFill>
+                  <a:effectLst/>
+                  <a:latin typeface="Cambria Math" panose="02040503050406030204" pitchFamily="18" charset="0"/>
+                  <a:ea typeface="Times New Roman" panose="02020603050405020304" pitchFamily="18" charset="0"/>
+                  <a:cs typeface="Cambria Math" panose="02040503050406030204" pitchFamily="18" charset="0"/>
+                </a:rPr>
+                <a:t>∧</a:t>
+              </a:r>
+              <a:r>
+                <a:rPr lang="en-AU" sz="2400" b="1" kern="0" dirty="0">
+                  <a:solidFill>
+                    <a:schemeClr val="accent1">
+                      <a:lumMod val="60000"/>
+                      <a:lumOff val="40000"/>
+                    </a:schemeClr>
+                  </a:solidFill>
+                  <a:effectLst/>
+                  <a:latin typeface="Arial" panose="020B0604020202020204" pitchFamily="34" charset="0"/>
+                  <a:ea typeface="Times New Roman" panose="02020603050405020304" pitchFamily="18" charset="0"/>
+                  <a:cs typeface="Times New Roman" panose="02020603050405020304" pitchFamily="18" charset="0"/>
+                </a:rPr>
+                <a:t> </a:t>
+              </a:r>
+              <a:r>
+                <a:rPr lang="en-AU" sz="2400" b="1" kern="0" dirty="0">
+                  <a:solidFill>
+                    <a:schemeClr val="accent1">
+                      <a:lumMod val="60000"/>
+                      <a:lumOff val="40000"/>
+                    </a:schemeClr>
+                  </a:solidFill>
+                  <a:effectLst/>
+                  <a:latin typeface="Cambria Math" panose="02040503050406030204" pitchFamily="18" charset="0"/>
+                  <a:ea typeface="Times New Roman" panose="02020603050405020304" pitchFamily="18" charset="0"/>
+                  <a:cs typeface="Cambria Math" panose="02040503050406030204" pitchFamily="18" charset="0"/>
+                </a:rPr>
+                <a:t>∨</a:t>
+              </a:r>
+              <a:r>
+                <a:rPr lang="en-AU" sz="2400" b="1" kern="0" dirty="0">
+                  <a:solidFill>
+                    <a:schemeClr val="accent1">
+                      <a:lumMod val="60000"/>
+                      <a:lumOff val="40000"/>
+                    </a:schemeClr>
+                  </a:solidFill>
+                  <a:effectLst/>
+                  <a:latin typeface="Arial" panose="020B0604020202020204" pitchFamily="34" charset="0"/>
+                  <a:ea typeface="Times New Roman" panose="02020603050405020304" pitchFamily="18" charset="0"/>
+                  <a:cs typeface="Times New Roman" panose="02020603050405020304" pitchFamily="18" charset="0"/>
+                </a:rPr>
+                <a:t> </a:t>
+              </a:r>
+              <a:r>
+                <a:rPr lang="en-AU" sz="2400" b="1" kern="0" dirty="0">
+                  <a:solidFill>
+                    <a:schemeClr val="accent1">
+                      <a:lumMod val="60000"/>
+                      <a:lumOff val="40000"/>
+                    </a:schemeClr>
+                  </a:solidFill>
+                  <a:effectLst/>
+                  <a:latin typeface="Cambria Math" panose="02040503050406030204" pitchFamily="18" charset="0"/>
+                  <a:ea typeface="Times New Roman" panose="02020603050405020304" pitchFamily="18" charset="0"/>
+                  <a:cs typeface="Cambria Math" panose="02040503050406030204" pitchFamily="18" charset="0"/>
+                </a:rPr>
+                <a:t>∀</a:t>
+              </a:r>
+              <a:r>
+                <a:rPr lang="en-AU" sz="2400" b="1" kern="0" dirty="0">
+                  <a:solidFill>
+                    <a:schemeClr val="accent1">
+                      <a:lumMod val="60000"/>
+                      <a:lumOff val="40000"/>
+                    </a:schemeClr>
+                  </a:solidFill>
+                  <a:effectLst/>
+                  <a:latin typeface="Arial" panose="020B0604020202020204" pitchFamily="34" charset="0"/>
+                  <a:ea typeface="Times New Roman" panose="02020603050405020304" pitchFamily="18" charset="0"/>
+                  <a:cs typeface="Times New Roman" panose="02020603050405020304" pitchFamily="18" charset="0"/>
+                </a:rPr>
+                <a:t> </a:t>
+              </a:r>
+              <a:r>
+                <a:rPr lang="en-AU" sz="2400" b="1" kern="0" dirty="0">
+                  <a:solidFill>
+                    <a:schemeClr val="accent1">
+                      <a:lumMod val="60000"/>
+                      <a:lumOff val="40000"/>
+                    </a:schemeClr>
+                  </a:solidFill>
+                  <a:effectLst/>
+                  <a:latin typeface="Cambria Math" panose="02040503050406030204" pitchFamily="18" charset="0"/>
+                  <a:ea typeface="Times New Roman" panose="02020603050405020304" pitchFamily="18" charset="0"/>
+                  <a:cs typeface="Cambria Math" panose="02040503050406030204" pitchFamily="18" charset="0"/>
+                </a:rPr>
+                <a:t>∃</a:t>
+              </a:r>
+              <a:r>
+                <a:rPr lang="en-AU" sz="2400" b="1" kern="0" dirty="0">
+                  <a:solidFill>
+                    <a:schemeClr val="accent1">
+                      <a:lumMod val="60000"/>
+                      <a:lumOff val="40000"/>
+                    </a:schemeClr>
+                  </a:solidFill>
+                  <a:effectLst/>
+                  <a:latin typeface="Arial" panose="020B0604020202020204" pitchFamily="34" charset="0"/>
+                  <a:ea typeface="Times New Roman" panose="02020603050405020304" pitchFamily="18" charset="0"/>
+                  <a:cs typeface="Times New Roman" panose="02020603050405020304" pitchFamily="18" charset="0"/>
+                </a:rPr>
+                <a:t> ! </a:t>
+              </a:r>
+              <a:r>
+                <a:rPr lang="en-AU" sz="2400" b="1" kern="0" dirty="0">
+                  <a:solidFill>
+                    <a:schemeClr val="accent1">
+                      <a:lumMod val="60000"/>
+                      <a:lumOff val="40000"/>
+                    </a:schemeClr>
+                  </a:solidFill>
+                  <a:effectLst/>
+                  <a:latin typeface="Cambria Math" panose="02040503050406030204" pitchFamily="18" charset="0"/>
+                  <a:ea typeface="Times New Roman" panose="02020603050405020304" pitchFamily="18" charset="0"/>
+                  <a:cs typeface="Cambria Math" panose="02040503050406030204" pitchFamily="18" charset="0"/>
+                </a:rPr>
+                <a:t>≔</a:t>
+              </a:r>
+              <a:r>
+                <a:rPr lang="en-AU" sz="2400" b="1" kern="0" dirty="0">
+                  <a:solidFill>
+                    <a:schemeClr val="accent1">
+                      <a:lumMod val="60000"/>
+                      <a:lumOff val="40000"/>
+                    </a:schemeClr>
+                  </a:solidFill>
+                  <a:effectLst/>
+                  <a:latin typeface="Arial" panose="020B0604020202020204" pitchFamily="34" charset="0"/>
+                  <a:ea typeface="Times New Roman" panose="02020603050405020304" pitchFamily="18" charset="0"/>
+                  <a:cs typeface="Times New Roman" panose="02020603050405020304" pitchFamily="18" charset="0"/>
+                </a:rPr>
+                <a:t> </a:t>
+              </a:r>
+              <a:r>
+                <a:rPr lang="en-AU" sz="2400" b="1" kern="0" dirty="0">
+                  <a:solidFill>
+                    <a:schemeClr val="accent1">
+                      <a:lumMod val="60000"/>
+                      <a:lumOff val="40000"/>
+                    </a:schemeClr>
+                  </a:solidFill>
+                  <a:effectLst/>
+                  <a:latin typeface="Cambria Math" panose="02040503050406030204" pitchFamily="18" charset="0"/>
+                  <a:ea typeface="Times New Roman" panose="02020603050405020304" pitchFamily="18" charset="0"/>
+                  <a:cs typeface="Cambria Math" panose="02040503050406030204" pitchFamily="18" charset="0"/>
+                </a:rPr>
+                <a:t>⊢</a:t>
+              </a:r>
+              <a:r>
+                <a:rPr lang="en-AU" sz="2400" b="1" kern="0" dirty="0">
+                  <a:solidFill>
+                    <a:schemeClr val="accent1">
+                      <a:lumMod val="60000"/>
+                      <a:lumOff val="40000"/>
+                    </a:schemeClr>
+                  </a:solidFill>
+                  <a:effectLst/>
+                  <a:latin typeface="Arial" panose="020B0604020202020204" pitchFamily="34" charset="0"/>
+                  <a:ea typeface="Times New Roman" panose="02020603050405020304" pitchFamily="18" charset="0"/>
+                  <a:cs typeface="Times New Roman" panose="02020603050405020304" pitchFamily="18" charset="0"/>
+                </a:rPr>
+                <a:t> </a:t>
+              </a:r>
+              <a:r>
+                <a:rPr lang="en-AU" sz="2400" b="1" kern="0" dirty="0">
+                  <a:solidFill>
+                    <a:schemeClr val="accent1">
+                      <a:lumMod val="60000"/>
+                      <a:lumOff val="40000"/>
+                    </a:schemeClr>
+                  </a:solidFill>
+                  <a:effectLst/>
+                  <a:latin typeface="Cambria Math" panose="02040503050406030204" pitchFamily="18" charset="0"/>
+                  <a:ea typeface="Times New Roman" panose="02020603050405020304" pitchFamily="18" charset="0"/>
+                  <a:cs typeface="Cambria Math" panose="02040503050406030204" pitchFamily="18" charset="0"/>
+                </a:rPr>
+                <a:t>⊨</a:t>
+              </a:r>
+              <a:r>
+                <a:rPr lang="en-AU" sz="2400" b="1" kern="0" dirty="0">
+                  <a:solidFill>
+                    <a:schemeClr val="accent1">
+                      <a:lumMod val="60000"/>
+                      <a:lumOff val="40000"/>
+                    </a:schemeClr>
+                  </a:solidFill>
+                  <a:effectLst/>
+                  <a:latin typeface="Arial" panose="020B0604020202020204" pitchFamily="34" charset="0"/>
+                  <a:ea typeface="Times New Roman" panose="02020603050405020304" pitchFamily="18" charset="0"/>
+                  <a:cs typeface="Times New Roman" panose="02020603050405020304" pitchFamily="18" charset="0"/>
+                </a:rPr>
+                <a:t> </a:t>
+              </a:r>
+              <a:r>
+                <a:rPr lang="en-AU" sz="2400" kern="100" dirty="0">
+                  <a:solidFill>
+                    <a:schemeClr val="accent1">
+                      <a:lumMod val="60000"/>
+                      <a:lumOff val="40000"/>
+                    </a:schemeClr>
+                  </a:solidFill>
+                  <a:effectLst/>
+                  <a:latin typeface="Calibri" panose="020F0502020204030204" pitchFamily="34" charset="0"/>
+                  <a:ea typeface="Calibri" panose="020F0502020204030204" pitchFamily="34" charset="0"/>
+                  <a:cs typeface="Times New Roman" panose="02020603050405020304" pitchFamily="18" charset="0"/>
+                </a:rPr>
+                <a:t> </a:t>
+              </a:r>
+            </a:p>
+            <a:p>
+              <a:endParaRPr lang="en-AU" sz="2400" dirty="0">
+                <a:solidFill>
+                  <a:schemeClr val="accent1">
+                    <a:lumMod val="60000"/>
+                    <a:lumOff val="40000"/>
+                  </a:schemeClr>
+                </a:solidFill>
+              </a:endParaRPr>
+            </a:p>
+          </p:txBody>
+        </p:sp>
+      </p:grpSp>
+      <p:grpSp>
+        <p:nvGrpSpPr>
+          <p:cNvPr id="6" name="Group 5">
+            <a:extLst>
+              <a:ext uri="{FF2B5EF4-FFF2-40B4-BE49-F238E27FC236}">
+                <a16:creationId xmlns:a16="http://schemas.microsoft.com/office/drawing/2014/main" id="{4CB4A785-DD59-6E3D-8A86-C6B36A64D744}"/>
+              </a:ext>
+            </a:extLst>
+          </p:cNvPr>
+          <p:cNvGrpSpPr/>
+          <p:nvPr/>
+        </p:nvGrpSpPr>
+        <p:grpSpPr>
+          <a:xfrm>
+            <a:off x="5449191" y="3429000"/>
+            <a:ext cx="6677831" cy="2980218"/>
+            <a:chOff x="5456534" y="3429300"/>
+            <a:chExt cx="6677831" cy="2980218"/>
+          </a:xfrm>
+        </p:grpSpPr>
+        <p:grpSp>
+          <p:nvGrpSpPr>
+            <p:cNvPr id="88" name="Group 87">
+              <a:extLst>
+                <a:ext uri="{FF2B5EF4-FFF2-40B4-BE49-F238E27FC236}">
+                  <a16:creationId xmlns:a16="http://schemas.microsoft.com/office/drawing/2014/main" id="{B317216B-3692-9959-E8B5-8A7A18E4748D}"/>
+                </a:ext>
+              </a:extLst>
+            </p:cNvPr>
+            <p:cNvGrpSpPr/>
+            <p:nvPr/>
+          </p:nvGrpSpPr>
+          <p:grpSpPr>
+            <a:xfrm>
+              <a:off x="6107952" y="3429300"/>
+              <a:ext cx="6026413" cy="2980218"/>
+              <a:chOff x="5746685" y="3283686"/>
+              <a:chExt cx="4794382" cy="2980218"/>
+            </a:xfrm>
+          </p:grpSpPr>
+          <p:sp>
+            <p:nvSpPr>
+              <p:cNvPr id="2" name="Rectangle 1">
+                <a:extLst>
+                  <a:ext uri="{FF2B5EF4-FFF2-40B4-BE49-F238E27FC236}">
+                    <a16:creationId xmlns:a16="http://schemas.microsoft.com/office/drawing/2014/main" id="{0A9D2A6D-12CF-41CA-9B39-4855A57C3F80}"/>
+                  </a:ext>
+                </a:extLst>
+              </p:cNvPr>
+              <p:cNvSpPr/>
+              <p:nvPr/>
+            </p:nvSpPr>
+            <p:spPr>
+              <a:xfrm>
+                <a:off x="5746685" y="3770185"/>
+                <a:ext cx="4794382" cy="2493719"/>
+              </a:xfrm>
+              <a:prstGeom prst="rect">
+                <a:avLst/>
+              </a:prstGeom>
+              <a:solidFill>
+                <a:schemeClr val="accent6">
+                  <a:lumMod val="60000"/>
+                  <a:lumOff val="40000"/>
+                </a:schemeClr>
+              </a:solidFill>
+              <a:ln>
+                <a:solidFill>
+                  <a:schemeClr val="accent6">
+                    <a:lumMod val="50000"/>
+                  </a:schemeClr>
+                </a:solidFill>
+              </a:ln>
+              <a:scene3d>
+                <a:camera prst="isometricOffAxis1Right"/>
+                <a:lightRig rig="threePt" dir="t"/>
+              </a:scene3d>
+              <a:sp3d extrusionH="1803400">
+                <a:extrusionClr>
+                  <a:schemeClr val="accent6">
+                    <a:lumMod val="75000"/>
+                  </a:schemeClr>
+                </a:extrusionClr>
+              </a:sp3d>
+            </p:spPr>
+            <p:style>
+              <a:lnRef idx="2">
+                <a:schemeClr val="accent1">
+                  <a:shade val="50000"/>
+                </a:schemeClr>
+              </a:lnRef>
+              <a:fillRef idx="1">
+                <a:schemeClr val="accent1"/>
+              </a:fillRef>
+              <a:effectRef idx="0">
+                <a:schemeClr val="accent1"/>
+              </a:effectRef>
+              <a:fontRef idx="minor">
+                <a:schemeClr val="lt1"/>
+              </a:fontRef>
+            </p:style>
+            <p:txBody>
+              <a:bodyPr rtlCol="0" anchor="ctr"/>
+              <a:lstStyle/>
+              <a:p>
+                <a:pPr algn="ctr"/>
+                <a:endParaRPr lang="en-AU"/>
+              </a:p>
+            </p:txBody>
+          </p:sp>
+          <p:pic>
+            <p:nvPicPr>
+              <p:cNvPr id="5" name="Picture 4">
+                <a:extLst>
+                  <a:ext uri="{FF2B5EF4-FFF2-40B4-BE49-F238E27FC236}">
+                    <a16:creationId xmlns:a16="http://schemas.microsoft.com/office/drawing/2014/main" id="{4DDBD2DF-BBB9-B531-19FD-F3E5D54946B1}"/>
+                  </a:ext>
+                </a:extLst>
+              </p:cNvPr>
+              <p:cNvPicPr>
+                <a:picLocks noChangeAspect="1"/>
+              </p:cNvPicPr>
+              <p:nvPr/>
+            </p:nvPicPr>
+            <p:blipFill>
+              <a:blip r:embed="rId2"/>
+              <a:stretch>
+                <a:fillRect/>
+              </a:stretch>
+            </p:blipFill>
+            <p:spPr>
+              <a:xfrm>
+                <a:off x="6032521" y="4099483"/>
+                <a:ext cx="2662710" cy="1240096"/>
+              </a:xfrm>
+              <a:prstGeom prst="rect">
+                <a:avLst/>
+              </a:prstGeom>
+              <a:solidFill>
+                <a:schemeClr val="accent6">
+                  <a:lumMod val="60000"/>
+                  <a:lumOff val="40000"/>
+                </a:schemeClr>
+              </a:solidFill>
+              <a:scene3d>
+                <a:camera prst="isometricOffAxis1Right"/>
+                <a:lightRig rig="threePt" dir="t"/>
+              </a:scene3d>
+            </p:spPr>
+          </p:pic>
+          <p:sp>
+            <p:nvSpPr>
+              <p:cNvPr id="19" name="TextBox 18">
+                <a:extLst>
+                  <a:ext uri="{FF2B5EF4-FFF2-40B4-BE49-F238E27FC236}">
+                    <a16:creationId xmlns:a16="http://schemas.microsoft.com/office/drawing/2014/main" id="{15AAA5EA-4BF5-C3B1-43B1-353DDA63A2D7}"/>
+                  </a:ext>
+                </a:extLst>
+              </p:cNvPr>
+              <p:cNvSpPr txBox="1"/>
+              <p:nvPr/>
+            </p:nvSpPr>
+            <p:spPr>
+              <a:xfrm>
+                <a:off x="6032521" y="3283686"/>
+                <a:ext cx="3548105" cy="646331"/>
+              </a:xfrm>
+              <a:prstGeom prst="rect">
+                <a:avLst/>
+              </a:prstGeom>
+              <a:noFill/>
+              <a:scene3d>
+                <a:camera prst="isometricOffAxis1Right"/>
+                <a:lightRig rig="threePt" dir="t"/>
+              </a:scene3d>
+            </p:spPr>
+            <p:txBody>
+              <a:bodyPr wrap="none" rtlCol="0">
+                <a:spAutoFit/>
+              </a:bodyPr>
+              <a:lstStyle/>
+              <a:p>
+                <a:r>
+                  <a:rPr lang="en-AU" dirty="0">
+                    <a:solidFill>
+                      <a:schemeClr val="bg1"/>
+                    </a:solidFill>
+                  </a:rPr>
+                  <a:t>Relational Queries with Fixed-Point Operators</a:t>
+                </a:r>
+              </a:p>
+              <a:p>
+                <a:pPr algn="ctr"/>
+                <a:r>
+                  <a:rPr lang="en-AU" dirty="0">
+                    <a:solidFill>
+                      <a:schemeClr val="bg1"/>
+                    </a:solidFill>
+                  </a:rPr>
+                  <a:t>SQL, Datalog, LINQ, PRQL, Morel, …</a:t>
+                </a:r>
+              </a:p>
+            </p:txBody>
+          </p:sp>
+          <p:sp>
+            <p:nvSpPr>
+              <p:cNvPr id="33" name="TextBox 32">
+                <a:extLst>
+                  <a:ext uri="{FF2B5EF4-FFF2-40B4-BE49-F238E27FC236}">
+                    <a16:creationId xmlns:a16="http://schemas.microsoft.com/office/drawing/2014/main" id="{9B8BEA76-225A-F196-32D0-7D3F0329890D}"/>
+                  </a:ext>
+                </a:extLst>
+              </p:cNvPr>
+              <p:cNvSpPr txBox="1"/>
+              <p:nvPr/>
+            </p:nvSpPr>
+            <p:spPr>
+              <a:xfrm>
+                <a:off x="6490991" y="5324894"/>
+                <a:ext cx="3548105" cy="830997"/>
+              </a:xfrm>
+              <a:prstGeom prst="rect">
+                <a:avLst/>
+              </a:prstGeom>
+              <a:solidFill>
+                <a:srgbClr val="7F7F7F">
+                  <a:alpha val="38039"/>
+                </a:srgbClr>
+              </a:solidFill>
+              <a:scene3d>
+                <a:camera prst="isometricOffAxis1Right"/>
+                <a:lightRig rig="threePt" dir="t"/>
+              </a:scene3d>
+            </p:spPr>
+            <p:txBody>
+              <a:bodyPr wrap="square" rtlCol="0">
+                <a:spAutoFit/>
+              </a:bodyPr>
+              <a:lstStyle/>
+              <a:p>
+                <a:pPr algn="ctr"/>
+                <a:r>
+                  <a:rPr lang="en-AU" sz="2400" dirty="0"/>
+                  <a:t>Derived Relations</a:t>
+                </a:r>
+                <a:br>
+                  <a:rPr lang="en-AU" sz="2400" dirty="0"/>
+                </a:br>
+                <a:r>
+                  <a:rPr lang="en-AU" sz="2400" dirty="0"/>
+                  <a:t>(Rules applied to Data)</a:t>
+                </a:r>
+              </a:p>
+            </p:txBody>
+          </p:sp>
+          <p:pic>
+            <p:nvPicPr>
+              <p:cNvPr id="10" name="Picture 9">
+                <a:extLst>
+                  <a:ext uri="{FF2B5EF4-FFF2-40B4-BE49-F238E27FC236}">
+                    <a16:creationId xmlns:a16="http://schemas.microsoft.com/office/drawing/2014/main" id="{9BA138B9-41C2-31B0-8185-978017F64334}"/>
+                  </a:ext>
+                </a:extLst>
+              </p:cNvPr>
+              <p:cNvPicPr>
+                <a:picLocks noChangeAspect="1"/>
+              </p:cNvPicPr>
+              <p:nvPr/>
+            </p:nvPicPr>
+            <p:blipFill>
+              <a:blip r:embed="rId2"/>
+              <a:stretch>
+                <a:fillRect/>
+              </a:stretch>
+            </p:blipFill>
+            <p:spPr>
+              <a:xfrm>
+                <a:off x="6647889" y="3985258"/>
+                <a:ext cx="2662710" cy="1240096"/>
+              </a:xfrm>
+              <a:prstGeom prst="rect">
+                <a:avLst/>
+              </a:prstGeom>
+              <a:solidFill>
+                <a:schemeClr val="accent6">
+                  <a:lumMod val="60000"/>
+                  <a:lumOff val="40000"/>
+                </a:schemeClr>
+              </a:solidFill>
+              <a:scene3d>
+                <a:camera prst="isometricOffAxis1Right"/>
+                <a:lightRig rig="threePt" dir="t"/>
+              </a:scene3d>
+            </p:spPr>
+          </p:pic>
+          <p:pic>
+            <p:nvPicPr>
+              <p:cNvPr id="11" name="Picture 10">
+                <a:extLst>
+                  <a:ext uri="{FF2B5EF4-FFF2-40B4-BE49-F238E27FC236}">
+                    <a16:creationId xmlns:a16="http://schemas.microsoft.com/office/drawing/2014/main" id="{36AABABC-9FFB-3E43-E2DC-0F62CBCA1565}"/>
+                  </a:ext>
+                </a:extLst>
+              </p:cNvPr>
+              <p:cNvPicPr>
+                <a:picLocks noChangeAspect="1"/>
+              </p:cNvPicPr>
+              <p:nvPr/>
+            </p:nvPicPr>
+            <p:blipFill>
+              <a:blip r:embed="rId2"/>
+              <a:stretch>
+                <a:fillRect/>
+              </a:stretch>
+            </p:blipFill>
+            <p:spPr>
+              <a:xfrm>
+                <a:off x="7263257" y="3877245"/>
+                <a:ext cx="2662710" cy="1240096"/>
+              </a:xfrm>
+              <a:prstGeom prst="rect">
+                <a:avLst/>
+              </a:prstGeom>
+              <a:solidFill>
+                <a:schemeClr val="accent6">
+                  <a:lumMod val="60000"/>
+                  <a:lumOff val="40000"/>
+                </a:schemeClr>
+              </a:solidFill>
+              <a:scene3d>
+                <a:camera prst="isometricOffAxis1Right"/>
+                <a:lightRig rig="threePt" dir="t"/>
+              </a:scene3d>
+            </p:spPr>
+          </p:pic>
+        </p:grpSp>
+        <p:sp>
+          <p:nvSpPr>
+            <p:cNvPr id="4" name="TextBox 3">
+              <a:extLst>
+                <a:ext uri="{FF2B5EF4-FFF2-40B4-BE49-F238E27FC236}">
+                  <a16:creationId xmlns:a16="http://schemas.microsoft.com/office/drawing/2014/main" id="{3C126DE3-AC48-0304-E259-867C7A07B35E}"/>
+                </a:ext>
+              </a:extLst>
+            </p:cNvPr>
+            <p:cNvSpPr txBox="1"/>
+            <p:nvPr/>
+          </p:nvSpPr>
+          <p:spPr>
+            <a:xfrm>
+              <a:off x="5456534" y="3894234"/>
+              <a:ext cx="1145490" cy="2339102"/>
+            </a:xfrm>
+            <a:prstGeom prst="rect">
+              <a:avLst/>
+            </a:prstGeom>
+            <a:noFill/>
+            <a:scene3d>
+              <a:camera prst="isometricLeftDown"/>
+              <a:lightRig rig="threePt" dir="t"/>
+            </a:scene3d>
+          </p:spPr>
+          <p:txBody>
+            <a:bodyPr wrap="square" rtlCol="0">
+              <a:spAutoFit/>
+            </a:bodyPr>
+            <a:lstStyle/>
+            <a:p>
+              <a:r>
+                <a:rPr lang="el-GR" sz="3200" b="1" kern="0" dirty="0">
+                  <a:solidFill>
+                    <a:schemeClr val="accent1">
+                      <a:lumMod val="60000"/>
+                      <a:lumOff val="40000"/>
+                    </a:schemeClr>
+                  </a:solidFill>
+                  <a:effectLst/>
+                  <a:latin typeface="Cambria Math" panose="02040503050406030204" pitchFamily="18" charset="0"/>
+                  <a:ea typeface="Times New Roman" panose="02020603050405020304" pitchFamily="18" charset="0"/>
+                  <a:cs typeface="Cambria Math" panose="02040503050406030204" pitchFamily="18" charset="0"/>
+                </a:rPr>
+                <a:t>σ π </a:t>
+              </a:r>
+              <a:br>
+                <a:rPr lang="en-AU" sz="3200" b="1" kern="0" dirty="0">
+                  <a:solidFill>
+                    <a:schemeClr val="accent1">
+                      <a:lumMod val="60000"/>
+                      <a:lumOff val="40000"/>
+                    </a:schemeClr>
+                  </a:solidFill>
+                  <a:effectLst/>
+                  <a:latin typeface="Cambria Math" panose="02040503050406030204" pitchFamily="18" charset="0"/>
+                  <a:ea typeface="Times New Roman" panose="02020603050405020304" pitchFamily="18" charset="0"/>
+                  <a:cs typeface="Cambria Math" panose="02040503050406030204" pitchFamily="18" charset="0"/>
+                </a:rPr>
+              </a:br>
+              <a:r>
+                <a:rPr lang="el-GR" sz="3200" b="1" kern="0" dirty="0">
+                  <a:solidFill>
+                    <a:schemeClr val="accent1">
+                      <a:lumMod val="60000"/>
+                      <a:lumOff val="40000"/>
+                    </a:schemeClr>
+                  </a:solidFill>
+                  <a:effectLst/>
+                  <a:latin typeface="Cambria Math" panose="02040503050406030204" pitchFamily="18" charset="0"/>
+                  <a:ea typeface="Times New Roman" panose="02020603050405020304" pitchFamily="18" charset="0"/>
+                  <a:cs typeface="Cambria Math" panose="02040503050406030204" pitchFamily="18" charset="0"/>
+                </a:rPr>
+                <a:t>ρ υ </a:t>
+              </a:r>
+              <a:br>
+                <a:rPr lang="en-AU" sz="3200" b="1" kern="0" dirty="0">
+                  <a:solidFill>
+                    <a:schemeClr val="accent1">
+                      <a:lumMod val="60000"/>
+                      <a:lumOff val="40000"/>
+                    </a:schemeClr>
+                  </a:solidFill>
+                  <a:effectLst/>
+                  <a:latin typeface="Cambria Math" panose="02040503050406030204" pitchFamily="18" charset="0"/>
+                  <a:ea typeface="Times New Roman" panose="02020603050405020304" pitchFamily="18" charset="0"/>
+                  <a:cs typeface="Cambria Math" panose="02040503050406030204" pitchFamily="18" charset="0"/>
+                </a:rPr>
+              </a:br>
+              <a:r>
+                <a:rPr lang="el-GR" sz="3200" b="1" kern="0" dirty="0">
+                  <a:solidFill>
+                    <a:schemeClr val="accent1">
+                      <a:lumMod val="60000"/>
+                      <a:lumOff val="40000"/>
+                    </a:schemeClr>
+                  </a:solidFill>
+                  <a:effectLst/>
+                  <a:latin typeface="Cambria Math" panose="02040503050406030204" pitchFamily="18" charset="0"/>
+                  <a:ea typeface="Times New Roman" panose="02020603050405020304" pitchFamily="18" charset="0"/>
+                  <a:cs typeface="Cambria Math" panose="02040503050406030204" pitchFamily="18" charset="0"/>
+                </a:rPr>
+                <a:t>– X </a:t>
+              </a:r>
+              <a:br>
+                <a:rPr lang="en-AU" sz="3200" b="1" kern="0" dirty="0">
+                  <a:solidFill>
+                    <a:schemeClr val="accent1">
+                      <a:lumMod val="60000"/>
+                      <a:lumOff val="40000"/>
+                    </a:schemeClr>
+                  </a:solidFill>
+                  <a:effectLst/>
+                  <a:latin typeface="Cambria Math" panose="02040503050406030204" pitchFamily="18" charset="0"/>
+                  <a:ea typeface="Times New Roman" panose="02020603050405020304" pitchFamily="18" charset="0"/>
+                  <a:cs typeface="Cambria Math" panose="02040503050406030204" pitchFamily="18" charset="0"/>
+                </a:rPr>
+              </a:br>
+              <a:r>
+                <a:rPr lang="el-GR" sz="3200" b="1" kern="0" dirty="0">
+                  <a:solidFill>
+                    <a:schemeClr val="accent1">
+                      <a:lumMod val="60000"/>
+                      <a:lumOff val="40000"/>
+                    </a:schemeClr>
+                  </a:solidFill>
+                  <a:effectLst/>
+                  <a:latin typeface="Cambria Math" panose="02040503050406030204" pitchFamily="18" charset="0"/>
+                  <a:ea typeface="Times New Roman" panose="02020603050405020304" pitchFamily="18" charset="0"/>
+                  <a:cs typeface="Cambria Math" panose="02040503050406030204" pitchFamily="18" charset="0"/>
+                </a:rPr>
+                <a:t>⋈</a:t>
+              </a:r>
+              <a:br>
+                <a:rPr lang="en-AU" sz="3200" b="1" kern="0" dirty="0">
+                  <a:solidFill>
+                    <a:schemeClr val="accent1">
+                      <a:lumMod val="60000"/>
+                      <a:lumOff val="40000"/>
+                    </a:schemeClr>
+                  </a:solidFill>
+                  <a:effectLst/>
+                  <a:latin typeface="Cambria Math" panose="02040503050406030204" pitchFamily="18" charset="0"/>
+                  <a:ea typeface="Times New Roman" panose="02020603050405020304" pitchFamily="18" charset="0"/>
+                  <a:cs typeface="Cambria Math" panose="02040503050406030204" pitchFamily="18" charset="0"/>
+                </a:rPr>
+              </a:br>
+              <a:r>
+                <a:rPr lang="en-AU" b="1" kern="0" dirty="0">
+                  <a:solidFill>
+                    <a:schemeClr val="accent1">
+                      <a:lumMod val="60000"/>
+                      <a:lumOff val="40000"/>
+                    </a:schemeClr>
+                  </a:solidFill>
+                  <a:effectLst/>
+                  <a:latin typeface="Cambria Math" panose="02040503050406030204" pitchFamily="18" charset="0"/>
+                  <a:ea typeface="Times New Roman" panose="02020603050405020304" pitchFamily="18" charset="0"/>
+                  <a:cs typeface="Cambria Math" panose="02040503050406030204" pitchFamily="18" charset="0"/>
+                </a:rPr>
+                <a:t>LATERAL</a:t>
+              </a:r>
+              <a:endParaRPr lang="en-AU" sz="3200" dirty="0">
+                <a:solidFill>
+                  <a:schemeClr val="accent1">
+                    <a:lumMod val="60000"/>
+                    <a:lumOff val="40000"/>
+                  </a:schemeClr>
+                </a:solidFill>
+              </a:endParaRPr>
+            </a:p>
+          </p:txBody>
+        </p:sp>
+      </p:grpSp>
+      <p:sp>
+        <p:nvSpPr>
+          <p:cNvPr id="13" name="TextBox 12">
+            <a:extLst>
+              <a:ext uri="{FF2B5EF4-FFF2-40B4-BE49-F238E27FC236}">
+                <a16:creationId xmlns:a16="http://schemas.microsoft.com/office/drawing/2014/main" id="{42775E36-1BBE-40F3-29EC-A77950327135}"/>
+              </a:ext>
+            </a:extLst>
+          </p:cNvPr>
+          <p:cNvSpPr txBox="1"/>
+          <p:nvPr/>
+        </p:nvSpPr>
+        <p:spPr>
+          <a:xfrm>
+            <a:off x="-6314382" y="3915499"/>
+            <a:ext cx="6094562" cy="646331"/>
+          </a:xfrm>
+          <a:prstGeom prst="rect">
+            <a:avLst/>
+          </a:prstGeom>
+          <a:solidFill>
+            <a:schemeClr val="tx1"/>
+          </a:solidFill>
+        </p:spPr>
+        <p:txBody>
+          <a:bodyPr wrap="square">
+            <a:spAutoFit/>
+          </a:bodyPr>
+          <a:lstStyle/>
+          <a:p>
+            <a:r>
+              <a:rPr lang="en-AU" dirty="0">
+                <a:solidFill>
+                  <a:schemeClr val="bg1"/>
+                </a:solidFill>
+              </a:rPr>
+              <a:t>⓪</a:t>
+            </a:r>
+            <a:r>
+              <a:rPr lang="en-AU" b="0" i="0" dirty="0">
+                <a:solidFill>
+                  <a:schemeClr val="bg1"/>
+                </a:solidFill>
+                <a:effectLst/>
+                <a:latin typeface="Arial" panose="020B0604020202020204" pitchFamily="34" charset="0"/>
+              </a:rPr>
+              <a:t> </a:t>
+            </a:r>
+            <a:r>
+              <a:rPr lang="en-AU" dirty="0">
+                <a:solidFill>
+                  <a:schemeClr val="bg1"/>
+                </a:solidFill>
+              </a:rPr>
+              <a:t>①</a:t>
+            </a:r>
+            <a:r>
+              <a:rPr lang="en-AU" b="0" i="0" dirty="0">
+                <a:solidFill>
+                  <a:schemeClr val="bg1"/>
+                </a:solidFill>
+                <a:effectLst/>
+                <a:latin typeface="Arial" panose="020B0604020202020204" pitchFamily="34" charset="0"/>
+              </a:rPr>
+              <a:t> </a:t>
+            </a:r>
+            <a:r>
+              <a:rPr lang="en-AU" dirty="0">
+                <a:solidFill>
+                  <a:schemeClr val="bg1"/>
+                </a:solidFill>
+              </a:rPr>
+              <a:t>②</a:t>
+            </a:r>
+            <a:r>
+              <a:rPr lang="en-AU" b="0" i="0" dirty="0">
+                <a:solidFill>
+                  <a:schemeClr val="bg1"/>
+                </a:solidFill>
+                <a:effectLst/>
+                <a:latin typeface="Arial" panose="020B0604020202020204" pitchFamily="34" charset="0"/>
+              </a:rPr>
+              <a:t> </a:t>
+            </a:r>
+            <a:r>
+              <a:rPr lang="en-AU" dirty="0">
+                <a:solidFill>
+                  <a:schemeClr val="bg1"/>
+                </a:solidFill>
+              </a:rPr>
+              <a:t>③</a:t>
+            </a:r>
+            <a:r>
+              <a:rPr lang="en-AU" b="0" i="0" dirty="0">
+                <a:solidFill>
+                  <a:schemeClr val="bg1"/>
+                </a:solidFill>
+                <a:effectLst/>
+                <a:latin typeface="Arial" panose="020B0604020202020204" pitchFamily="34" charset="0"/>
+              </a:rPr>
+              <a:t> </a:t>
+            </a:r>
+            <a:r>
+              <a:rPr lang="en-AU" dirty="0">
+                <a:solidFill>
+                  <a:schemeClr val="bg1"/>
+                </a:solidFill>
+              </a:rPr>
+              <a:t>④</a:t>
+            </a:r>
+            <a:r>
+              <a:rPr lang="en-AU" b="0" i="0" dirty="0">
+                <a:solidFill>
+                  <a:schemeClr val="bg1"/>
+                </a:solidFill>
+                <a:effectLst/>
+                <a:latin typeface="Arial" panose="020B0604020202020204" pitchFamily="34" charset="0"/>
+              </a:rPr>
+              <a:t> </a:t>
+            </a:r>
+            <a:r>
+              <a:rPr lang="en-AU" dirty="0">
+                <a:solidFill>
+                  <a:schemeClr val="bg1"/>
+                </a:solidFill>
+              </a:rPr>
+              <a:t>⑤</a:t>
+            </a:r>
+            <a:r>
+              <a:rPr lang="en-AU" b="0" i="0" dirty="0">
+                <a:solidFill>
+                  <a:schemeClr val="bg1"/>
+                </a:solidFill>
+                <a:effectLst/>
+                <a:latin typeface="Arial" panose="020B0604020202020204" pitchFamily="34" charset="0"/>
+              </a:rPr>
+              <a:t> </a:t>
+            </a:r>
+            <a:r>
+              <a:rPr lang="en-AU" dirty="0">
+                <a:solidFill>
+                  <a:schemeClr val="bg1"/>
+                </a:solidFill>
+              </a:rPr>
+              <a:t>⑥</a:t>
+            </a:r>
+            <a:r>
+              <a:rPr lang="en-AU" b="0" i="0" dirty="0">
+                <a:solidFill>
+                  <a:schemeClr val="bg1"/>
+                </a:solidFill>
+                <a:effectLst/>
+                <a:latin typeface="Arial" panose="020B0604020202020204" pitchFamily="34" charset="0"/>
+              </a:rPr>
+              <a:t> </a:t>
+            </a:r>
+            <a:r>
+              <a:rPr lang="en-AU" dirty="0">
+                <a:solidFill>
+                  <a:schemeClr val="bg1"/>
+                </a:solidFill>
+              </a:rPr>
+              <a:t>⑦</a:t>
+            </a:r>
+            <a:r>
+              <a:rPr lang="en-AU" b="0" i="0" dirty="0">
+                <a:solidFill>
+                  <a:schemeClr val="bg1"/>
+                </a:solidFill>
+                <a:effectLst/>
+                <a:latin typeface="Arial" panose="020B0604020202020204" pitchFamily="34" charset="0"/>
+              </a:rPr>
+              <a:t> </a:t>
+            </a:r>
+            <a:r>
+              <a:rPr lang="en-AU" dirty="0">
+                <a:solidFill>
+                  <a:schemeClr val="bg1"/>
+                </a:solidFill>
+              </a:rPr>
+              <a:t>⑧</a:t>
+            </a:r>
+            <a:r>
+              <a:rPr lang="en-AU" b="0" i="0" dirty="0">
+                <a:solidFill>
+                  <a:schemeClr val="bg1"/>
+                </a:solidFill>
+                <a:effectLst/>
+                <a:latin typeface="Arial" panose="020B0604020202020204" pitchFamily="34" charset="0"/>
+              </a:rPr>
+              <a:t> </a:t>
+            </a:r>
+            <a:r>
+              <a:rPr lang="en-AU" dirty="0">
+                <a:solidFill>
+                  <a:schemeClr val="bg1"/>
+                </a:solidFill>
+              </a:rPr>
+              <a:t>⑨</a:t>
+            </a:r>
+            <a:r>
+              <a:rPr lang="en-AU" b="0" i="0" dirty="0">
+                <a:solidFill>
+                  <a:schemeClr val="bg1"/>
+                </a:solidFill>
+                <a:effectLst/>
+                <a:latin typeface="Arial" panose="020B0604020202020204" pitchFamily="34" charset="0"/>
+              </a:rPr>
+              <a:t> </a:t>
+            </a:r>
+            <a:r>
+              <a:rPr lang="en-AU" dirty="0">
+                <a:solidFill>
+                  <a:schemeClr val="bg1"/>
+                </a:solidFill>
+              </a:rPr>
+              <a:t>⑩</a:t>
+            </a:r>
+            <a:r>
+              <a:rPr lang="en-AU" b="0" i="0" dirty="0">
+                <a:solidFill>
+                  <a:schemeClr val="bg1"/>
+                </a:solidFill>
+                <a:effectLst/>
+                <a:latin typeface="Arial" panose="020B0604020202020204" pitchFamily="34" charset="0"/>
+              </a:rPr>
+              <a:t> </a:t>
+            </a:r>
+            <a:r>
+              <a:rPr lang="en-AU" dirty="0">
+                <a:solidFill>
+                  <a:schemeClr val="bg1"/>
+                </a:solidFill>
+              </a:rPr>
+              <a:t>⑪</a:t>
+            </a:r>
+            <a:r>
+              <a:rPr lang="en-AU" b="0" i="0" dirty="0">
+                <a:solidFill>
+                  <a:schemeClr val="bg1"/>
+                </a:solidFill>
+                <a:effectLst/>
+                <a:latin typeface="Arial" panose="020B0604020202020204" pitchFamily="34" charset="0"/>
+              </a:rPr>
+              <a:t> </a:t>
+            </a:r>
+            <a:r>
+              <a:rPr lang="en-AU" dirty="0">
+                <a:solidFill>
+                  <a:schemeClr val="bg1"/>
+                </a:solidFill>
+              </a:rPr>
+              <a:t>⑫</a:t>
+            </a:r>
+            <a:r>
+              <a:rPr lang="en-AU" b="0" i="0" dirty="0">
+                <a:solidFill>
+                  <a:schemeClr val="bg1"/>
+                </a:solidFill>
+                <a:effectLst/>
+                <a:latin typeface="Arial" panose="020B0604020202020204" pitchFamily="34" charset="0"/>
+              </a:rPr>
+              <a:t> </a:t>
+            </a:r>
+            <a:r>
+              <a:rPr lang="en-AU" dirty="0">
+                <a:solidFill>
+                  <a:schemeClr val="bg1"/>
+                </a:solidFill>
+              </a:rPr>
+              <a:t>⑬</a:t>
+            </a:r>
+            <a:r>
+              <a:rPr lang="en-AU" b="0" i="0" dirty="0">
+                <a:solidFill>
+                  <a:schemeClr val="bg1"/>
+                </a:solidFill>
+                <a:effectLst/>
+                <a:latin typeface="Arial" panose="020B0604020202020204" pitchFamily="34" charset="0"/>
+              </a:rPr>
+              <a:t> </a:t>
+            </a:r>
+            <a:r>
+              <a:rPr lang="en-AU" dirty="0">
+                <a:solidFill>
+                  <a:schemeClr val="bg1"/>
+                </a:solidFill>
+              </a:rPr>
+              <a:t>⑭</a:t>
+            </a:r>
+            <a:r>
+              <a:rPr lang="en-AU" b="0" i="0" dirty="0">
+                <a:solidFill>
+                  <a:schemeClr val="bg1"/>
+                </a:solidFill>
+                <a:effectLst/>
+                <a:latin typeface="Arial" panose="020B0604020202020204" pitchFamily="34" charset="0"/>
+              </a:rPr>
+              <a:t> </a:t>
+            </a:r>
+            <a:r>
+              <a:rPr lang="en-AU" dirty="0">
+                <a:solidFill>
+                  <a:schemeClr val="bg1"/>
+                </a:solidFill>
+              </a:rPr>
+              <a:t>⑮</a:t>
+            </a:r>
+            <a:r>
+              <a:rPr lang="en-AU" b="0" i="0" dirty="0">
+                <a:solidFill>
+                  <a:schemeClr val="bg1"/>
+                </a:solidFill>
+                <a:effectLst/>
+                <a:latin typeface="Arial" panose="020B0604020202020204" pitchFamily="34" charset="0"/>
+              </a:rPr>
+              <a:t> </a:t>
+            </a:r>
+            <a:r>
+              <a:rPr lang="en-AU" dirty="0">
+                <a:solidFill>
+                  <a:schemeClr val="bg1"/>
+                </a:solidFill>
+              </a:rPr>
+              <a:t>⑯</a:t>
+            </a:r>
+            <a:r>
+              <a:rPr lang="en-AU" b="0" i="0" dirty="0">
+                <a:solidFill>
+                  <a:schemeClr val="bg1"/>
+                </a:solidFill>
+                <a:effectLst/>
+                <a:latin typeface="Arial" panose="020B0604020202020204" pitchFamily="34" charset="0"/>
+              </a:rPr>
+              <a:t> </a:t>
+            </a:r>
+            <a:r>
+              <a:rPr lang="en-AU" dirty="0">
+                <a:solidFill>
+                  <a:schemeClr val="bg1"/>
+                </a:solidFill>
+              </a:rPr>
+              <a:t>⑰</a:t>
+            </a:r>
+            <a:r>
+              <a:rPr lang="en-AU" b="0" i="0" dirty="0">
+                <a:solidFill>
+                  <a:schemeClr val="bg1"/>
+                </a:solidFill>
+                <a:effectLst/>
+                <a:latin typeface="Arial" panose="020B0604020202020204" pitchFamily="34" charset="0"/>
+              </a:rPr>
+              <a:t> </a:t>
+            </a:r>
+            <a:r>
+              <a:rPr lang="en-AU" dirty="0">
+                <a:solidFill>
+                  <a:schemeClr val="bg1"/>
+                </a:solidFill>
+              </a:rPr>
+              <a:t>⑱</a:t>
+            </a:r>
+            <a:r>
+              <a:rPr lang="en-AU" b="0" i="0" dirty="0">
+                <a:solidFill>
+                  <a:schemeClr val="bg1"/>
+                </a:solidFill>
+                <a:effectLst/>
+                <a:latin typeface="Arial" panose="020B0604020202020204" pitchFamily="34" charset="0"/>
+              </a:rPr>
+              <a:t> </a:t>
+            </a:r>
+            <a:r>
+              <a:rPr lang="en-AU" dirty="0">
+                <a:solidFill>
+                  <a:schemeClr val="bg1"/>
+                </a:solidFill>
+              </a:rPr>
+              <a:t>⑲</a:t>
+            </a:r>
+            <a:r>
+              <a:rPr lang="en-AU" b="0" i="0" dirty="0">
+                <a:solidFill>
+                  <a:schemeClr val="bg1"/>
+                </a:solidFill>
+                <a:effectLst/>
+                <a:latin typeface="Arial" panose="020B0604020202020204" pitchFamily="34" charset="0"/>
+              </a:rPr>
+              <a:t> </a:t>
+            </a:r>
+            <a:r>
+              <a:rPr lang="en-AU" dirty="0">
+                <a:solidFill>
+                  <a:schemeClr val="bg1"/>
+                </a:solidFill>
+              </a:rPr>
+              <a:t>⑳</a:t>
+            </a:r>
+            <a:r>
+              <a:rPr lang="en-AU" b="0" i="0" dirty="0">
+                <a:solidFill>
+                  <a:schemeClr val="bg1"/>
+                </a:solidFill>
+                <a:effectLst/>
+                <a:latin typeface="Arial" panose="020B0604020202020204" pitchFamily="34" charset="0"/>
+              </a:rPr>
+              <a:t> </a:t>
+            </a:r>
+            <a:endParaRPr lang="en-AU" dirty="0">
+              <a:solidFill>
+                <a:schemeClr val="bg1"/>
+              </a:solidFill>
+            </a:endParaRPr>
+          </a:p>
+        </p:txBody>
+      </p:sp>
+      <p:sp>
+        <p:nvSpPr>
+          <p:cNvPr id="20" name="TextBox 19">
+            <a:extLst>
+              <a:ext uri="{FF2B5EF4-FFF2-40B4-BE49-F238E27FC236}">
+                <a16:creationId xmlns:a16="http://schemas.microsoft.com/office/drawing/2014/main" id="{91170322-03B9-287C-3B03-BB27E93C592C}"/>
+              </a:ext>
+            </a:extLst>
+          </p:cNvPr>
+          <p:cNvSpPr txBox="1"/>
+          <p:nvPr/>
+        </p:nvSpPr>
+        <p:spPr>
+          <a:xfrm>
+            <a:off x="467023" y="1344132"/>
+            <a:ext cx="479087" cy="338554"/>
+          </a:xfrm>
+          <a:prstGeom prst="rect">
+            <a:avLst/>
+          </a:prstGeom>
+          <a:noFill/>
+          <a:scene3d>
+            <a:camera prst="isometricOffAxis1Right"/>
+            <a:lightRig rig="threePt" dir="t"/>
+          </a:scene3d>
+        </p:spPr>
+        <p:txBody>
+          <a:bodyPr wrap="square">
+            <a:spAutoFit/>
+          </a:bodyPr>
+          <a:lstStyle/>
+          <a:p>
+            <a:r>
+              <a:rPr lang="en-AU" sz="1600" dirty="0">
+                <a:solidFill>
+                  <a:schemeClr val="bg1">
+                    <a:lumMod val="95000"/>
+                  </a:schemeClr>
+                </a:solidFill>
+              </a:rPr>
+              <a:t>①</a:t>
+            </a:r>
+          </a:p>
+        </p:txBody>
+      </p:sp>
+      <p:sp>
+        <p:nvSpPr>
+          <p:cNvPr id="22" name="TextBox 21">
+            <a:extLst>
+              <a:ext uri="{FF2B5EF4-FFF2-40B4-BE49-F238E27FC236}">
+                <a16:creationId xmlns:a16="http://schemas.microsoft.com/office/drawing/2014/main" id="{84B4BE5B-45CA-567B-13E1-53C79BC907A2}"/>
+              </a:ext>
+            </a:extLst>
+          </p:cNvPr>
+          <p:cNvSpPr txBox="1"/>
+          <p:nvPr/>
+        </p:nvSpPr>
+        <p:spPr>
+          <a:xfrm>
+            <a:off x="6054950" y="546668"/>
+            <a:ext cx="665671" cy="338554"/>
+          </a:xfrm>
+          <a:prstGeom prst="rect">
+            <a:avLst/>
+          </a:prstGeom>
+          <a:noFill/>
+          <a:scene3d>
+            <a:camera prst="isometricOffAxis1Right"/>
+            <a:lightRig rig="threePt" dir="t"/>
+          </a:scene3d>
+        </p:spPr>
+        <p:txBody>
+          <a:bodyPr wrap="square">
+            <a:spAutoFit/>
+          </a:bodyPr>
+          <a:lstStyle/>
+          <a:p>
+            <a:r>
+              <a:rPr lang="en-AU" sz="1600" dirty="0">
+                <a:solidFill>
+                  <a:schemeClr val="bg1"/>
+                </a:solidFill>
+              </a:rPr>
+              <a:t>②</a:t>
+            </a:r>
+            <a:endParaRPr lang="en-AU" sz="1600" dirty="0"/>
+          </a:p>
+        </p:txBody>
+      </p:sp>
+      <p:sp>
+        <p:nvSpPr>
+          <p:cNvPr id="23" name="TextBox 22">
+            <a:extLst>
+              <a:ext uri="{FF2B5EF4-FFF2-40B4-BE49-F238E27FC236}">
+                <a16:creationId xmlns:a16="http://schemas.microsoft.com/office/drawing/2014/main" id="{7DF03D79-C432-BC89-9DE6-15BA408202C5}"/>
+              </a:ext>
+            </a:extLst>
+          </p:cNvPr>
+          <p:cNvSpPr txBox="1"/>
+          <p:nvPr/>
+        </p:nvSpPr>
+        <p:spPr>
+          <a:xfrm>
+            <a:off x="5931944" y="3790732"/>
+            <a:ext cx="665671" cy="369332"/>
+          </a:xfrm>
+          <a:prstGeom prst="rect">
+            <a:avLst/>
+          </a:prstGeom>
+          <a:noFill/>
+          <a:scene3d>
+            <a:camera prst="isometricOffAxis1Right"/>
+            <a:lightRig rig="threePt" dir="t"/>
+          </a:scene3d>
+        </p:spPr>
+        <p:txBody>
+          <a:bodyPr wrap="square">
+            <a:spAutoFit/>
+          </a:bodyPr>
+          <a:lstStyle/>
+          <a:p>
+            <a:r>
+              <a:rPr lang="en-AU" dirty="0">
+                <a:solidFill>
+                  <a:schemeClr val="bg1"/>
+                </a:solidFill>
+              </a:rPr>
+              <a:t>③</a:t>
+            </a:r>
+            <a:endParaRPr lang="en-AU" dirty="0"/>
+          </a:p>
+        </p:txBody>
+      </p:sp>
+      <p:sp>
+        <p:nvSpPr>
+          <p:cNvPr id="24" name="TextBox 23">
+            <a:extLst>
+              <a:ext uri="{FF2B5EF4-FFF2-40B4-BE49-F238E27FC236}">
+                <a16:creationId xmlns:a16="http://schemas.microsoft.com/office/drawing/2014/main" id="{7D2CB2AE-FABA-FDA3-162C-573021BF0252}"/>
+              </a:ext>
+            </a:extLst>
+          </p:cNvPr>
+          <p:cNvSpPr txBox="1"/>
+          <p:nvPr/>
+        </p:nvSpPr>
+        <p:spPr>
+          <a:xfrm>
+            <a:off x="4450752" y="1377540"/>
+            <a:ext cx="665671" cy="338554"/>
+          </a:xfrm>
+          <a:prstGeom prst="rect">
+            <a:avLst/>
+          </a:prstGeom>
+          <a:noFill/>
+          <a:scene3d>
+            <a:camera prst="isometricOffAxis1Right"/>
+            <a:lightRig rig="threePt" dir="t"/>
+          </a:scene3d>
+        </p:spPr>
+        <p:txBody>
+          <a:bodyPr wrap="square">
+            <a:spAutoFit/>
+          </a:bodyPr>
+          <a:lstStyle/>
+          <a:p>
+            <a:r>
+              <a:rPr lang="en-AU" sz="1600" dirty="0">
+                <a:solidFill>
+                  <a:srgbClr val="4472C4"/>
+                </a:solidFill>
+              </a:rPr>
+              <a:t>④</a:t>
+            </a:r>
+          </a:p>
+        </p:txBody>
+      </p:sp>
+      <p:sp>
+        <p:nvSpPr>
+          <p:cNvPr id="25" name="TextBox 24">
+            <a:extLst>
+              <a:ext uri="{FF2B5EF4-FFF2-40B4-BE49-F238E27FC236}">
+                <a16:creationId xmlns:a16="http://schemas.microsoft.com/office/drawing/2014/main" id="{14492489-724C-1171-672B-B808197F81F2}"/>
+              </a:ext>
+            </a:extLst>
+          </p:cNvPr>
+          <p:cNvSpPr txBox="1"/>
+          <p:nvPr/>
+        </p:nvSpPr>
+        <p:spPr>
+          <a:xfrm>
+            <a:off x="10061177" y="606281"/>
+            <a:ext cx="665671" cy="338554"/>
+          </a:xfrm>
+          <a:prstGeom prst="rect">
+            <a:avLst/>
+          </a:prstGeom>
+          <a:noFill/>
+          <a:scene3d>
+            <a:camera prst="isometricOffAxis1Right"/>
+            <a:lightRig rig="threePt" dir="t"/>
+          </a:scene3d>
+        </p:spPr>
+        <p:txBody>
+          <a:bodyPr wrap="square">
+            <a:spAutoFit/>
+          </a:bodyPr>
+          <a:lstStyle/>
+          <a:p>
+            <a:r>
+              <a:rPr lang="en-AU" sz="1600" dirty="0">
+                <a:solidFill>
+                  <a:srgbClr val="7030A0"/>
+                </a:solidFill>
+              </a:rPr>
+              <a:t>⑤</a:t>
+            </a:r>
+          </a:p>
+        </p:txBody>
+      </p:sp>
+      <p:sp>
+        <p:nvSpPr>
+          <p:cNvPr id="26" name="TextBox 25">
+            <a:extLst>
+              <a:ext uri="{FF2B5EF4-FFF2-40B4-BE49-F238E27FC236}">
+                <a16:creationId xmlns:a16="http://schemas.microsoft.com/office/drawing/2014/main" id="{55CA9C42-8C96-0099-4CC5-FA2573ECD17D}"/>
+              </a:ext>
+            </a:extLst>
+          </p:cNvPr>
+          <p:cNvSpPr txBox="1"/>
+          <p:nvPr/>
+        </p:nvSpPr>
+        <p:spPr>
+          <a:xfrm>
+            <a:off x="11353857" y="3606066"/>
+            <a:ext cx="665671" cy="369332"/>
+          </a:xfrm>
+          <a:prstGeom prst="rect">
+            <a:avLst/>
+          </a:prstGeom>
+          <a:noFill/>
+          <a:scene3d>
+            <a:camera prst="isometricOffAxis1Right"/>
+            <a:lightRig rig="threePt" dir="t"/>
+          </a:scene3d>
+        </p:spPr>
+        <p:txBody>
+          <a:bodyPr wrap="square">
+            <a:spAutoFit/>
+          </a:bodyPr>
+          <a:lstStyle/>
+          <a:p>
+            <a:r>
+              <a:rPr lang="en-AU" dirty="0">
+                <a:solidFill>
+                  <a:schemeClr val="accent6">
+                    <a:lumMod val="75000"/>
+                  </a:schemeClr>
+                </a:solidFill>
+              </a:rPr>
+              <a:t>⑥</a:t>
+            </a:r>
+            <a:r>
+              <a:rPr lang="en-AU" b="0" i="0" dirty="0">
+                <a:solidFill>
+                  <a:schemeClr val="accent6">
+                    <a:lumMod val="75000"/>
+                  </a:schemeClr>
+                </a:solidFill>
+                <a:effectLst/>
+                <a:latin typeface="Arial" panose="020B0604020202020204" pitchFamily="34" charset="0"/>
+              </a:rPr>
+              <a:t> </a:t>
+            </a:r>
+            <a:endParaRPr lang="en-AU" dirty="0">
+              <a:solidFill>
+                <a:schemeClr val="accent6">
+                  <a:lumMod val="75000"/>
+                </a:schemeClr>
+              </a:solidFill>
+            </a:endParaRPr>
+          </a:p>
+        </p:txBody>
+      </p:sp>
+      <p:sp>
+        <p:nvSpPr>
+          <p:cNvPr id="27" name="Arrow: Right 26">
+            <a:extLst>
+              <a:ext uri="{FF2B5EF4-FFF2-40B4-BE49-F238E27FC236}">
+                <a16:creationId xmlns:a16="http://schemas.microsoft.com/office/drawing/2014/main" id="{EE006D84-6831-E765-A34C-4B4D14A16A89}"/>
+              </a:ext>
+            </a:extLst>
+          </p:cNvPr>
+          <p:cNvSpPr/>
+          <p:nvPr/>
+        </p:nvSpPr>
+        <p:spPr>
+          <a:xfrm>
+            <a:off x="3048175" y="3400955"/>
+            <a:ext cx="1017917" cy="713282"/>
+          </a:xfrm>
+          <a:prstGeom prst="rightArrow">
+            <a:avLst/>
+          </a:prstGeom>
+          <a:solidFill>
+            <a:schemeClr val="tx1">
+              <a:lumMod val="50000"/>
+              <a:lumOff val="50000"/>
+            </a:schemeClr>
+          </a:solidFill>
+          <a:ln>
+            <a:solidFill>
+              <a:schemeClr val="tx1"/>
+            </a:solidFill>
+          </a:ln>
+          <a:scene3d>
+            <a:camera prst="isometricOffAxis2Top">
+              <a:rot lat="1155408" lon="3076870" rev="21460309"/>
+            </a:camera>
+            <a:lightRig rig="threePt" dir="t"/>
+          </a:scene3d>
+          <a:sp3d extrusionH="165100"/>
+        </p:spPr>
+        <p:style>
+          <a:lnRef idx="2">
+            <a:schemeClr val="accent1">
+              <a:shade val="50000"/>
+            </a:schemeClr>
+          </a:lnRef>
+          <a:fillRef idx="1">
+            <a:schemeClr val="accent1"/>
+          </a:fillRef>
+          <a:effectRef idx="0">
+            <a:schemeClr val="accent1"/>
+          </a:effectRef>
+          <a:fontRef idx="minor">
+            <a:schemeClr val="lt1"/>
+          </a:fontRef>
+        </p:style>
+        <p:txBody>
+          <a:bodyPr rtlCol="0" anchor="ctr"/>
+          <a:lstStyle/>
+          <a:p>
+            <a:pPr algn="ctr"/>
+            <a:r>
+              <a:rPr lang="en-AU" sz="1400" dirty="0"/>
+              <a:t>relations</a:t>
+            </a:r>
+          </a:p>
+        </p:txBody>
+      </p:sp>
+      <p:sp>
+        <p:nvSpPr>
+          <p:cNvPr id="28" name="Arrow: Right 27">
+            <a:extLst>
+              <a:ext uri="{FF2B5EF4-FFF2-40B4-BE49-F238E27FC236}">
+                <a16:creationId xmlns:a16="http://schemas.microsoft.com/office/drawing/2014/main" id="{A47E7025-C374-324E-2B38-8381AC383658}"/>
+              </a:ext>
+            </a:extLst>
+          </p:cNvPr>
+          <p:cNvSpPr/>
+          <p:nvPr/>
+        </p:nvSpPr>
+        <p:spPr>
+          <a:xfrm>
+            <a:off x="9061191" y="2529775"/>
+            <a:ext cx="1017917" cy="601790"/>
+          </a:xfrm>
+          <a:prstGeom prst="rightArrow">
+            <a:avLst/>
+          </a:prstGeom>
+          <a:solidFill>
+            <a:schemeClr val="tx1">
+              <a:lumMod val="50000"/>
+              <a:lumOff val="50000"/>
+            </a:schemeClr>
+          </a:solidFill>
+          <a:ln>
+            <a:solidFill>
+              <a:schemeClr val="tx1"/>
+            </a:solidFill>
+          </a:ln>
+          <a:scene3d>
+            <a:camera prst="isometricOffAxis2Top">
+              <a:rot lat="1155408" lon="3076870" rev="21460309"/>
+            </a:camera>
+            <a:lightRig rig="threePt" dir="t"/>
+          </a:scene3d>
+          <a:sp3d extrusionH="165100"/>
+        </p:spPr>
+        <p:style>
+          <a:lnRef idx="2">
+            <a:schemeClr val="accent1">
+              <a:shade val="50000"/>
+            </a:schemeClr>
+          </a:lnRef>
+          <a:fillRef idx="1">
+            <a:schemeClr val="accent1"/>
+          </a:fillRef>
+          <a:effectRef idx="0">
+            <a:schemeClr val="accent1"/>
+          </a:effectRef>
+          <a:fontRef idx="minor">
+            <a:schemeClr val="lt1"/>
+          </a:fontRef>
+        </p:style>
+        <p:txBody>
+          <a:bodyPr rtlCol="0" anchor="ctr"/>
+          <a:lstStyle/>
+          <a:p>
+            <a:pPr algn="ctr"/>
+            <a:r>
+              <a:rPr lang="en-AU" sz="1400" dirty="0"/>
+              <a:t>relations</a:t>
+            </a:r>
+          </a:p>
+        </p:txBody>
+      </p:sp>
+      <p:sp>
+        <p:nvSpPr>
+          <p:cNvPr id="29" name="Arrow: Left 28">
+            <a:extLst>
+              <a:ext uri="{FF2B5EF4-FFF2-40B4-BE49-F238E27FC236}">
+                <a16:creationId xmlns:a16="http://schemas.microsoft.com/office/drawing/2014/main" id="{2BB6F345-C791-611E-88C2-09B40E46BB1D}"/>
+              </a:ext>
+            </a:extLst>
+          </p:cNvPr>
+          <p:cNvSpPr/>
+          <p:nvPr/>
+        </p:nvSpPr>
+        <p:spPr>
+          <a:xfrm>
+            <a:off x="8198903" y="2623261"/>
+            <a:ext cx="1017917" cy="649295"/>
+          </a:xfrm>
+          <a:prstGeom prst="leftArrow">
+            <a:avLst/>
+          </a:prstGeom>
+          <a:solidFill>
+            <a:schemeClr val="accent6">
+              <a:lumMod val="60000"/>
+              <a:lumOff val="40000"/>
+            </a:schemeClr>
+          </a:solidFill>
+          <a:scene3d>
+            <a:camera prst="isometricOffAxis2Top">
+              <a:rot lat="1155408" lon="3076870" rev="21460309"/>
+            </a:camera>
+            <a:lightRig rig="threePt" dir="t"/>
+          </a:scene3d>
+          <a:sp3d extrusionH="165100">
+            <a:extrusionClr>
+              <a:schemeClr val="accent6">
+                <a:lumMod val="50000"/>
+              </a:schemeClr>
+            </a:extrusionClr>
+          </a:sp3d>
+        </p:spPr>
+        <p:style>
+          <a:lnRef idx="2">
+            <a:schemeClr val="accent1">
+              <a:shade val="50000"/>
+            </a:schemeClr>
+          </a:lnRef>
+          <a:fillRef idx="1">
+            <a:schemeClr val="accent1"/>
+          </a:fillRef>
+          <a:effectRef idx="0">
+            <a:schemeClr val="accent1"/>
+          </a:effectRef>
+          <a:fontRef idx="minor">
+            <a:schemeClr val="lt1"/>
+          </a:fontRef>
+        </p:style>
+        <p:txBody>
+          <a:bodyPr rtlCol="0" anchor="ctr"/>
+          <a:lstStyle/>
+          <a:p>
+            <a:pPr algn="ctr"/>
+            <a:r>
+              <a:rPr lang="en-AU" sz="1200" dirty="0">
+                <a:solidFill>
+                  <a:schemeClr val="tx1"/>
+                </a:solidFill>
+              </a:rPr>
+              <a:t>Predicate</a:t>
+            </a:r>
+          </a:p>
+          <a:p>
+            <a:pPr algn="ctr"/>
+            <a:r>
+              <a:rPr lang="en-AU" sz="1200" dirty="0">
+                <a:solidFill>
+                  <a:schemeClr val="tx1"/>
+                </a:solidFill>
+              </a:rPr>
+              <a:t>pushdown</a:t>
+            </a:r>
+          </a:p>
+        </p:txBody>
+      </p:sp>
+      <p:sp>
+        <p:nvSpPr>
+          <p:cNvPr id="30" name="Arrow: Left 29">
+            <a:extLst>
+              <a:ext uri="{FF2B5EF4-FFF2-40B4-BE49-F238E27FC236}">
+                <a16:creationId xmlns:a16="http://schemas.microsoft.com/office/drawing/2014/main" id="{78ACCB1D-9980-0982-BBBD-943BF2B7EDC1}"/>
+              </a:ext>
+            </a:extLst>
+          </p:cNvPr>
+          <p:cNvSpPr/>
+          <p:nvPr/>
+        </p:nvSpPr>
+        <p:spPr>
+          <a:xfrm>
+            <a:off x="7502176" y="2767708"/>
+            <a:ext cx="1017917" cy="649295"/>
+          </a:xfrm>
+          <a:prstGeom prst="leftArrow">
+            <a:avLst/>
+          </a:prstGeom>
+          <a:solidFill>
+            <a:schemeClr val="accent6">
+              <a:lumMod val="60000"/>
+              <a:lumOff val="40000"/>
+            </a:schemeClr>
+          </a:solidFill>
+          <a:scene3d>
+            <a:camera prst="isometricOffAxis2Top">
+              <a:rot lat="1155408" lon="3076870" rev="21460309"/>
+            </a:camera>
+            <a:lightRig rig="threePt" dir="t"/>
+          </a:scene3d>
+          <a:sp3d extrusionH="165100">
+            <a:extrusionClr>
+              <a:schemeClr val="accent6">
+                <a:lumMod val="50000"/>
+              </a:schemeClr>
+            </a:extrusionClr>
+          </a:sp3d>
+        </p:spPr>
+        <p:style>
+          <a:lnRef idx="2">
+            <a:schemeClr val="accent1">
+              <a:shade val="50000"/>
+            </a:schemeClr>
+          </a:lnRef>
+          <a:fillRef idx="1">
+            <a:schemeClr val="accent1"/>
+          </a:fillRef>
+          <a:effectRef idx="0">
+            <a:schemeClr val="accent1"/>
+          </a:effectRef>
+          <a:fontRef idx="minor">
+            <a:schemeClr val="lt1"/>
+          </a:fontRef>
+        </p:style>
+        <p:txBody>
+          <a:bodyPr rtlCol="0" anchor="ctr"/>
+          <a:lstStyle/>
+          <a:p>
+            <a:pPr algn="ctr"/>
+            <a:r>
+              <a:rPr lang="en-AU" sz="1200" dirty="0">
+                <a:solidFill>
+                  <a:schemeClr val="tx1"/>
+                </a:solidFill>
+              </a:rPr>
+              <a:t>Join ⋈</a:t>
+            </a:r>
+          </a:p>
+          <a:p>
+            <a:pPr algn="ctr"/>
+            <a:r>
+              <a:rPr lang="en-AU" sz="1200" dirty="0">
+                <a:solidFill>
+                  <a:schemeClr val="tx1"/>
+                </a:solidFill>
+              </a:rPr>
+              <a:t>pushdown</a:t>
+            </a:r>
+          </a:p>
+        </p:txBody>
+      </p:sp>
+      <p:sp>
+        <p:nvSpPr>
+          <p:cNvPr id="36" name="TextBox 35">
+            <a:extLst>
+              <a:ext uri="{FF2B5EF4-FFF2-40B4-BE49-F238E27FC236}">
+                <a16:creationId xmlns:a16="http://schemas.microsoft.com/office/drawing/2014/main" id="{1527A63B-A432-02D9-DF1E-D5AE57737611}"/>
+              </a:ext>
+            </a:extLst>
+          </p:cNvPr>
+          <p:cNvSpPr txBox="1"/>
+          <p:nvPr/>
+        </p:nvSpPr>
+        <p:spPr>
+          <a:xfrm>
+            <a:off x="631270" y="3204739"/>
+            <a:ext cx="665671" cy="369332"/>
+          </a:xfrm>
+          <a:prstGeom prst="rect">
+            <a:avLst/>
+          </a:prstGeom>
+          <a:noFill/>
+          <a:scene3d>
+            <a:camera prst="isometricLeftDown"/>
+            <a:lightRig rig="threePt" dir="t"/>
+          </a:scene3d>
+        </p:spPr>
+        <p:txBody>
+          <a:bodyPr wrap="square">
+            <a:spAutoFit/>
+          </a:bodyPr>
+          <a:lstStyle/>
+          <a:p>
+            <a:r>
+              <a:rPr lang="en-AU" dirty="0">
+                <a:solidFill>
+                  <a:srgbClr val="8FAADC"/>
+                </a:solidFill>
+              </a:rPr>
+              <a:t>⑦</a:t>
+            </a:r>
+          </a:p>
+        </p:txBody>
+      </p:sp>
+      <p:sp>
+        <p:nvSpPr>
+          <p:cNvPr id="37" name="TextBox 36">
+            <a:extLst>
+              <a:ext uri="{FF2B5EF4-FFF2-40B4-BE49-F238E27FC236}">
+                <a16:creationId xmlns:a16="http://schemas.microsoft.com/office/drawing/2014/main" id="{FA19C436-1DC8-141C-8950-163BE1143010}"/>
+              </a:ext>
+            </a:extLst>
+          </p:cNvPr>
+          <p:cNvSpPr txBox="1"/>
+          <p:nvPr/>
+        </p:nvSpPr>
+        <p:spPr>
+          <a:xfrm>
+            <a:off x="6204835" y="2326982"/>
+            <a:ext cx="665671" cy="369332"/>
+          </a:xfrm>
+          <a:prstGeom prst="rect">
+            <a:avLst/>
+          </a:prstGeom>
+          <a:noFill/>
+          <a:scene3d>
+            <a:camera prst="isometricLeftDown"/>
+            <a:lightRig rig="threePt" dir="t"/>
+          </a:scene3d>
+        </p:spPr>
+        <p:txBody>
+          <a:bodyPr wrap="square">
+            <a:spAutoFit/>
+          </a:bodyPr>
+          <a:lstStyle/>
+          <a:p>
+            <a:r>
+              <a:rPr lang="en-AU" dirty="0">
+                <a:solidFill>
+                  <a:srgbClr val="8FAADC"/>
+                </a:solidFill>
+              </a:rPr>
+              <a:t>⑧</a:t>
+            </a:r>
+          </a:p>
+        </p:txBody>
+      </p:sp>
+      <p:sp>
+        <p:nvSpPr>
+          <p:cNvPr id="39" name="TextBox 38">
+            <a:extLst>
+              <a:ext uri="{FF2B5EF4-FFF2-40B4-BE49-F238E27FC236}">
+                <a16:creationId xmlns:a16="http://schemas.microsoft.com/office/drawing/2014/main" id="{F933E3A3-EF40-9C8C-3E1F-4462875C7133}"/>
+              </a:ext>
+            </a:extLst>
+          </p:cNvPr>
+          <p:cNvSpPr txBox="1"/>
+          <p:nvPr/>
+        </p:nvSpPr>
+        <p:spPr>
+          <a:xfrm>
+            <a:off x="1204387" y="198727"/>
+            <a:ext cx="4244804" cy="369332"/>
+          </a:xfrm>
+          <a:prstGeom prst="rect">
+            <a:avLst/>
+          </a:prstGeom>
+          <a:noFill/>
+        </p:spPr>
+        <p:txBody>
+          <a:bodyPr wrap="square">
+            <a:spAutoFit/>
+          </a:bodyPr>
+          <a:lstStyle/>
+          <a:p>
+            <a:r>
+              <a:rPr lang="en-AU" dirty="0"/>
+              <a:t>⓪ The programmer’s experience</a:t>
+            </a:r>
+          </a:p>
+        </p:txBody>
+      </p:sp>
+      <p:sp>
+        <p:nvSpPr>
+          <p:cNvPr id="43" name="TextBox 42">
+            <a:extLst>
+              <a:ext uri="{FF2B5EF4-FFF2-40B4-BE49-F238E27FC236}">
+                <a16:creationId xmlns:a16="http://schemas.microsoft.com/office/drawing/2014/main" id="{3EA16E0A-BEDE-9062-BEA0-D6A4FABF4BD0}"/>
+              </a:ext>
+            </a:extLst>
+          </p:cNvPr>
+          <p:cNvSpPr txBox="1"/>
+          <p:nvPr/>
+        </p:nvSpPr>
+        <p:spPr>
+          <a:xfrm>
+            <a:off x="1093161" y="4562193"/>
+            <a:ext cx="3668658" cy="1200329"/>
+          </a:xfrm>
+          <a:prstGeom prst="rect">
+            <a:avLst/>
+          </a:prstGeom>
+          <a:noFill/>
+        </p:spPr>
+        <p:txBody>
+          <a:bodyPr wrap="square">
+            <a:spAutoFit/>
+          </a:bodyPr>
+          <a:lstStyle/>
+          <a:p>
+            <a:pPr>
+              <a:lnSpc>
+                <a:spcPct val="150000"/>
+              </a:lnSpc>
+            </a:pPr>
+            <a:r>
+              <a:rPr lang="en-AU" dirty="0"/>
+              <a:t>⑫ Working Software</a:t>
+            </a:r>
+          </a:p>
+          <a:p>
+            <a:pPr>
+              <a:lnSpc>
+                <a:spcPct val="150000"/>
+              </a:lnSpc>
+            </a:pPr>
+            <a:endParaRPr lang="en-AU" dirty="0"/>
+          </a:p>
+          <a:p>
+            <a:r>
+              <a:rPr lang="en-AU" dirty="0"/>
+              <a:t>⑬ Case Studies and Use Cases</a:t>
+            </a:r>
+          </a:p>
+        </p:txBody>
+      </p:sp>
+      <p:sp>
+        <p:nvSpPr>
+          <p:cNvPr id="45" name="TextBox 44">
+            <a:extLst>
+              <a:ext uri="{FF2B5EF4-FFF2-40B4-BE49-F238E27FC236}">
+                <a16:creationId xmlns:a16="http://schemas.microsoft.com/office/drawing/2014/main" id="{55B7E5EE-29CE-A124-D77A-2604FC4C609E}"/>
+              </a:ext>
+            </a:extLst>
+          </p:cNvPr>
+          <p:cNvSpPr txBox="1"/>
+          <p:nvPr/>
+        </p:nvSpPr>
+        <p:spPr>
+          <a:xfrm>
+            <a:off x="7986271" y="2579898"/>
+            <a:ext cx="425263" cy="369332"/>
+          </a:xfrm>
+          <a:prstGeom prst="rect">
+            <a:avLst/>
+          </a:prstGeom>
+          <a:noFill/>
+          <a:scene3d>
+            <a:camera prst="isometricOffAxis1Right"/>
+            <a:lightRig rig="threePt" dir="t"/>
+          </a:scene3d>
+        </p:spPr>
+        <p:txBody>
+          <a:bodyPr wrap="square">
+            <a:spAutoFit/>
+          </a:bodyPr>
+          <a:lstStyle/>
+          <a:p>
+            <a:r>
+              <a:rPr lang="en-AU" dirty="0">
+                <a:solidFill>
+                  <a:schemeClr val="accent6">
+                    <a:lumMod val="50000"/>
+                  </a:schemeClr>
+                </a:solidFill>
+              </a:rPr>
+              <a:t>⑩</a:t>
+            </a:r>
+          </a:p>
+        </p:txBody>
+      </p:sp>
+      <p:sp>
+        <p:nvSpPr>
+          <p:cNvPr id="47" name="TextBox 46">
+            <a:extLst>
+              <a:ext uri="{FF2B5EF4-FFF2-40B4-BE49-F238E27FC236}">
+                <a16:creationId xmlns:a16="http://schemas.microsoft.com/office/drawing/2014/main" id="{F01198C1-898C-955F-60C9-BED8E55E8FEF}"/>
+              </a:ext>
+            </a:extLst>
+          </p:cNvPr>
+          <p:cNvSpPr txBox="1"/>
+          <p:nvPr/>
+        </p:nvSpPr>
+        <p:spPr>
+          <a:xfrm>
+            <a:off x="4245694" y="1522468"/>
+            <a:ext cx="2333432" cy="1354217"/>
+          </a:xfrm>
+          <a:prstGeom prst="rect">
+            <a:avLst/>
+          </a:prstGeom>
+          <a:noFill/>
+          <a:scene3d>
+            <a:camera prst="isometricOffAxis1Right"/>
+            <a:lightRig rig="threePt" dir="t"/>
+          </a:scene3d>
+        </p:spPr>
+        <p:txBody>
+          <a:bodyPr wrap="square">
+            <a:spAutoFit/>
+          </a:bodyPr>
+          <a:lstStyle/>
+          <a:p>
+            <a:pPr algn="ctr"/>
+            <a:r>
+              <a:rPr lang="en-AU" sz="1600" dirty="0"/>
+              <a:t> ⑪</a:t>
+            </a:r>
+          </a:p>
+          <a:p>
+            <a:pPr algn="ctr"/>
+            <a:r>
+              <a:rPr lang="en-AU" sz="1600" dirty="0"/>
+              <a:t>Separation </a:t>
+            </a:r>
+          </a:p>
+          <a:p>
+            <a:pPr algn="ctr"/>
+            <a:r>
+              <a:rPr lang="en-AU" sz="1600" dirty="0"/>
+              <a:t>of Logic </a:t>
+            </a:r>
+            <a:br>
+              <a:rPr lang="en-AU" sz="1600" dirty="0"/>
+            </a:br>
+            <a:r>
+              <a:rPr lang="en-AU" sz="1600" dirty="0"/>
+              <a:t>from </a:t>
+            </a:r>
+          </a:p>
+          <a:p>
+            <a:pPr algn="ctr"/>
+            <a:r>
+              <a:rPr lang="en-AU" sz="1600" dirty="0"/>
+              <a:t>Database</a:t>
+            </a:r>
+          </a:p>
+        </p:txBody>
+      </p:sp>
+      <p:sp>
+        <p:nvSpPr>
+          <p:cNvPr id="48" name="TextBox 47">
+            <a:extLst>
+              <a:ext uri="{FF2B5EF4-FFF2-40B4-BE49-F238E27FC236}">
+                <a16:creationId xmlns:a16="http://schemas.microsoft.com/office/drawing/2014/main" id="{4E76C64F-B432-F3AE-07A5-98C202AEE7EB}"/>
+              </a:ext>
+            </a:extLst>
+          </p:cNvPr>
+          <p:cNvSpPr txBox="1"/>
+          <p:nvPr/>
+        </p:nvSpPr>
+        <p:spPr>
+          <a:xfrm>
+            <a:off x="5913063" y="6217836"/>
+            <a:ext cx="665671" cy="369332"/>
+          </a:xfrm>
+          <a:prstGeom prst="rect">
+            <a:avLst/>
+          </a:prstGeom>
+          <a:noFill/>
+          <a:scene3d>
+            <a:camera prst="isometricLeftDown"/>
+            <a:lightRig rig="threePt" dir="t"/>
+          </a:scene3d>
+        </p:spPr>
+        <p:txBody>
+          <a:bodyPr wrap="square">
+            <a:spAutoFit/>
+          </a:bodyPr>
+          <a:lstStyle/>
+          <a:p>
+            <a:r>
+              <a:rPr lang="en-AU" dirty="0">
+                <a:solidFill>
+                  <a:srgbClr val="8FAADC"/>
+                </a:solidFill>
+              </a:rPr>
+              <a:t>⑨</a:t>
+            </a:r>
+          </a:p>
+        </p:txBody>
+      </p:sp>
+    </p:spTree>
+    <p:extLst>
+      <p:ext uri="{BB962C8B-B14F-4D97-AF65-F5344CB8AC3E}">
+        <p14:creationId xmlns:p14="http://schemas.microsoft.com/office/powerpoint/2010/main" val="3685040804"/>
+      </p:ext>
+    </p:extLst>
+  </p:cSld>
+  <p:clrMapOvr>
+    <a:masterClrMapping/>
+  </p:clrMapOvr>
+</p:sld>
+</file>
+
 <file path=ppt/theme/theme1.xml><?xml version="1.0" encoding="utf-8"?>
 <a:theme xmlns:a="http://schemas.openxmlformats.org/drawingml/2006/main" name="Office Theme">
   <a:themeElements>

--- a/images/src/jetisu diagrams.pptx
+++ b/images/src/jetisu diagrams.pptx
@@ -11,6 +11,7 @@
     <p:sldId id="259" r:id="rId5"/>
     <p:sldId id="260" r:id="rId6"/>
     <p:sldId id="261" r:id="rId7"/>
+    <p:sldId id="262" r:id="rId8"/>
   </p:sldIdLst>
   <p:sldSz cx="12192000" cy="6858000"/>
   <p:notesSz cx="7102475" cy="10234613"/>
@@ -24760,112 +24761,6 @@
           </p:spPr>
         </p:pic>
       </p:grpSp>
-      <p:sp>
-        <p:nvSpPr>
-          <p:cNvPr id="91" name="Arrow: Right 90">
-            <a:extLst>
-              <a:ext uri="{FF2B5EF4-FFF2-40B4-BE49-F238E27FC236}">
-                <a16:creationId xmlns:a16="http://schemas.microsoft.com/office/drawing/2014/main" id="{FDC3A0BF-B139-96FC-2061-90B83E6FB236}"/>
-              </a:ext>
-            </a:extLst>
-          </p:cNvPr>
-          <p:cNvSpPr/>
-          <p:nvPr/>
-        </p:nvSpPr>
-        <p:spPr>
-          <a:xfrm>
-            <a:off x="3338744" y="3219450"/>
-            <a:ext cx="1271118" cy="917662"/>
-          </a:xfrm>
-          <a:prstGeom prst="rightArrow">
-            <a:avLst/>
-          </a:prstGeom>
-          <a:scene3d>
-            <a:camera prst="isometricOffAxis2Top">
-              <a:rot lat="19432908" lon="4182868" rev="16806596"/>
-            </a:camera>
-            <a:lightRig rig="threePt" dir="t"/>
-          </a:scene3d>
-          <a:sp3d extrusionH="165100"/>
-        </p:spPr>
-        <p:style>
-          <a:lnRef idx="2">
-            <a:schemeClr val="accent1">
-              <a:shade val="50000"/>
-            </a:schemeClr>
-          </a:lnRef>
-          <a:fillRef idx="1">
-            <a:schemeClr val="accent1"/>
-          </a:fillRef>
-          <a:effectRef idx="0">
-            <a:schemeClr val="accent1"/>
-          </a:effectRef>
-          <a:fontRef idx="minor">
-            <a:schemeClr val="lt1"/>
-          </a:fontRef>
-        </p:style>
-        <p:txBody>
-          <a:bodyPr rtlCol="0" anchor="ctr"/>
-          <a:lstStyle/>
-          <a:p>
-            <a:pPr algn="ctr"/>
-            <a:endParaRPr lang="en-AU"/>
-          </a:p>
-        </p:txBody>
-      </p:sp>
-      <p:sp>
-        <p:nvSpPr>
-          <p:cNvPr id="92" name="Arrow: Right 91">
-            <a:extLst>
-              <a:ext uri="{FF2B5EF4-FFF2-40B4-BE49-F238E27FC236}">
-                <a16:creationId xmlns:a16="http://schemas.microsoft.com/office/drawing/2014/main" id="{E74FD497-86E5-0335-2069-C5CDD78E24BC}"/>
-              </a:ext>
-            </a:extLst>
-          </p:cNvPr>
-          <p:cNvSpPr/>
-          <p:nvPr/>
-        </p:nvSpPr>
-        <p:spPr>
-          <a:xfrm>
-            <a:off x="7662736" y="2516307"/>
-            <a:ext cx="1190625" cy="771525"/>
-          </a:xfrm>
-          <a:prstGeom prst="rightArrow">
-            <a:avLst/>
-          </a:prstGeom>
-          <a:scene3d>
-            <a:camera prst="isometricOffAxis2Top">
-              <a:rot lat="19736190" lon="4107550" rev="16820653"/>
-            </a:camera>
-            <a:lightRig rig="threePt" dir="t"/>
-          </a:scene3d>
-          <a:sp3d extrusionH="165100"/>
-        </p:spPr>
-        <p:style>
-          <a:lnRef idx="2">
-            <a:schemeClr val="accent1">
-              <a:shade val="50000"/>
-            </a:schemeClr>
-          </a:lnRef>
-          <a:fillRef idx="1">
-            <a:schemeClr val="accent1"/>
-          </a:fillRef>
-          <a:effectRef idx="0">
-            <a:schemeClr val="accent1"/>
-          </a:effectRef>
-          <a:fontRef idx="minor">
-            <a:schemeClr val="lt1"/>
-          </a:fontRef>
-        </p:style>
-        <p:txBody>
-          <a:bodyPr rtlCol="0" anchor="ctr"/>
-          <a:lstStyle/>
-          <a:p>
-            <a:pPr algn="ctr"/>
-            <a:endParaRPr lang="en-AU"/>
-          </a:p>
-        </p:txBody>
-      </p:sp>
       <p:grpSp>
         <p:nvGrpSpPr>
           <p:cNvPr id="7" name="Group 6">
@@ -24927,15 +24822,17 @@
                 <a:avLst/>
               </a:prstGeom>
               <a:solidFill>
-                <a:srgbClr val="7030A0">
-                  <a:alpha val="30980"/>
-                </a:srgbClr>
+                <a:srgbClr val="D8C4E8"/>
               </a:solidFill>
               <a:scene3d>
                 <a:camera prst="isometricOffAxis1Right"/>
                 <a:lightRig rig="threePt" dir="t"/>
               </a:scene3d>
-              <a:sp3d extrusionH="1803400"/>
+              <a:sp3d extrusionH="1803400">
+                <a:extrusionClr>
+                  <a:srgbClr val="7030A0"/>
+                </a:extrusionClr>
+              </a:sp3d>
             </p:spPr>
             <p:style>
               <a:lnRef idx="2">
@@ -25562,7 +25459,13 @@
                 <a:camera prst="isometricOffAxis1Right"/>
                 <a:lightRig rig="threePt" dir="t"/>
               </a:scene3d>
-              <a:sp3d extrusionH="1803400"/>
+              <a:sp3d extrusionH="1803400">
+                <a:extrusionClr>
+                  <a:schemeClr val="accent6">
+                    <a:lumMod val="50000"/>
+                  </a:schemeClr>
+                </a:extrusionClr>
+              </a:sp3d>
             </p:spPr>
             <p:style>
               <a:lnRef idx="2">
@@ -25961,6 +25864,73 @@
           </p:txBody>
         </p:sp>
       </p:grpSp>
+      <p:sp>
+        <p:nvSpPr>
+          <p:cNvPr id="12" name="Arrow: Right 11">
+            <a:extLst>
+              <a:ext uri="{FF2B5EF4-FFF2-40B4-BE49-F238E27FC236}">
+                <a16:creationId xmlns:a16="http://schemas.microsoft.com/office/drawing/2014/main" id="{A9253BE7-5DAB-E43F-F777-1F8EADF4AA71}"/>
+              </a:ext>
+            </a:extLst>
+          </p:cNvPr>
+          <p:cNvSpPr/>
+          <p:nvPr/>
+        </p:nvSpPr>
+        <p:spPr>
+          <a:xfrm>
+            <a:off x="5437082" y="2985838"/>
+            <a:ext cx="1017917" cy="713282"/>
+          </a:xfrm>
+          <a:prstGeom prst="rightArrow">
+            <a:avLst/>
+          </a:prstGeom>
+          <a:solidFill>
+            <a:schemeClr val="tx1">
+              <a:lumMod val="50000"/>
+              <a:lumOff val="50000"/>
+            </a:schemeClr>
+          </a:solidFill>
+          <a:ln>
+            <a:solidFill>
+              <a:schemeClr val="tx1"/>
+            </a:solidFill>
+          </a:ln>
+          <a:scene3d>
+            <a:camera prst="isometricOffAxis2Top">
+              <a:rot lat="1155408" lon="3076870" rev="21460309"/>
+            </a:camera>
+            <a:lightRig rig="threePt" dir="t"/>
+          </a:scene3d>
+          <a:sp3d extrusionH="165100"/>
+        </p:spPr>
+        <p:style>
+          <a:lnRef idx="2">
+            <a:schemeClr val="accent1">
+              <a:shade val="50000"/>
+            </a:schemeClr>
+          </a:lnRef>
+          <a:fillRef idx="1">
+            <a:schemeClr val="accent1"/>
+          </a:fillRef>
+          <a:effectRef idx="0">
+            <a:schemeClr val="accent1"/>
+          </a:effectRef>
+          <a:fontRef idx="minor">
+            <a:schemeClr val="lt1"/>
+          </a:fontRef>
+        </p:style>
+        <p:txBody>
+          <a:bodyPr rtlCol="0" anchor="ctr"/>
+          <a:lstStyle/>
+          <a:p>
+            <a:pPr algn="ctr"/>
+            <a:r>
+              <a:rPr lang="en-AU" sz="1400" dirty="0"/>
+              <a:t>relations</a:t>
+            </a:r>
+          </a:p>
+        </p:txBody>
+      </p:sp>
     </p:spTree>
     <p:extLst>
       <p:ext uri="{BB962C8B-B14F-4D97-AF65-F5344CB8AC3E}">
@@ -26259,7 +26229,7 @@
                     <a:schemeClr val="bg1"/>
                   </a:solidFill>
                 </a:rPr>
-                <a:t>Hardware, scale, cloud, multi-vendors, indexing, storage,</a:t>
+                <a:t>* Hardware, scale, cloud, multi-vendors, indexing, storage,</a:t>
               </a:r>
               <a:br>
                 <a:rPr lang="en-AU" sz="1200" dirty="0">
@@ -26388,9 +26358,9 @@
         <p:grpSpPr>
           <a:xfrm>
             <a:off x="5851573" y="283122"/>
-            <a:ext cx="4875275" cy="2708052"/>
+            <a:ext cx="4875275" cy="2293065"/>
             <a:chOff x="5252226" y="305302"/>
-            <a:chExt cx="4875275" cy="2841274"/>
+            <a:chExt cx="4875275" cy="2405871"/>
           </a:xfrm>
         </p:grpSpPr>
         <p:grpSp>
@@ -26535,8 +26505,8 @@
             </p:nvSpPr>
             <p:spPr>
               <a:xfrm>
-                <a:off x="7599456" y="2222271"/>
-                <a:ext cx="2757293" cy="584775"/>
+                <a:off x="7349421" y="2222271"/>
+                <a:ext cx="3257367" cy="613543"/>
               </a:xfrm>
               <a:prstGeom prst="rect">
                 <a:avLst/>
@@ -26567,7 +26537,7 @@
                 </a:br>
                 <a:r>
                   <a:rPr lang="en-AU" sz="1600" dirty="0"/>
-                  <a:t>(Rules)</a:t>
+                  <a:t>(non-extensional, non-derived Rules)</a:t>
                 </a:r>
               </a:p>
             </p:txBody>
@@ -26694,8 +26664,8 @@
             </p:nvSpPr>
             <p:spPr>
               <a:xfrm>
-                <a:off x="7094626" y="2052914"/>
-                <a:ext cx="995401" cy="290626"/>
+                <a:off x="6954933" y="2074886"/>
+                <a:ext cx="1235851" cy="290626"/>
               </a:xfrm>
               <a:prstGeom prst="rect">
                 <a:avLst/>
@@ -26714,8 +26684,12 @@
               <a:p>
                 <a:pPr algn="ctr"/>
                 <a:r>
+                  <a:rPr lang="en-AU" sz="1100" dirty="0"/>
+                  <a:t>⑮</a:t>
+                </a:r>
+                <a:r>
                   <a:rPr lang="en-AU" sz="1200" dirty="0"/>
-                  <a:t>Effectiveness</a:t>
+                  <a:t> Effectiveness</a:t>
                 </a:r>
               </a:p>
             </p:txBody>
@@ -26736,7 +26710,7 @@
           <p:spPr>
             <a:xfrm>
               <a:off x="5252226" y="838252"/>
-              <a:ext cx="1017916" cy="2308324"/>
+              <a:ext cx="1017916" cy="1872921"/>
             </a:xfrm>
             <a:prstGeom prst="rect">
               <a:avLst/>
@@ -26754,7 +26728,7 @@
             <a:lstStyle/>
             <a:p>
               <a:r>
-                <a:rPr lang="en-AU" sz="2400" b="1" kern="0" dirty="0">
+                <a:rPr lang="en-AU" sz="2200" b="1" kern="0" dirty="0">
                   <a:solidFill>
                     <a:schemeClr val="accent1">
                       <a:lumMod val="60000"/>
@@ -26769,7 +26743,7 @@
                 <a:t>⇒</a:t>
               </a:r>
               <a:r>
-                <a:rPr lang="en-AU" sz="2400" b="1" kern="0" dirty="0">
+                <a:rPr lang="en-AU" sz="2200" b="1" kern="0" dirty="0">
                   <a:solidFill>
                     <a:schemeClr val="accent1">
                       <a:lumMod val="60000"/>
@@ -26784,7 +26758,7 @@
                 <a:t> </a:t>
               </a:r>
               <a:r>
-                <a:rPr lang="en-AU" sz="2400" b="1" kern="0" dirty="0">
+                <a:rPr lang="en-AU" sz="2200" b="1" kern="0" dirty="0">
                   <a:solidFill>
                     <a:schemeClr val="accent1">
                       <a:lumMod val="60000"/>
@@ -26799,7 +26773,7 @@
                 <a:t>⇔</a:t>
               </a:r>
               <a:r>
-                <a:rPr lang="en-AU" sz="2400" b="1" kern="0" dirty="0">
+                <a:rPr lang="en-AU" sz="2200" b="1" kern="0" dirty="0">
                   <a:solidFill>
                     <a:schemeClr val="accent1">
                       <a:lumMod val="60000"/>
@@ -26814,7 +26788,7 @@
                 <a:t> ¬ </a:t>
               </a:r>
               <a:r>
-                <a:rPr lang="en-AU" sz="2400" b="1" kern="0" dirty="0">
+                <a:rPr lang="en-AU" sz="2200" b="1" kern="0" dirty="0">
                   <a:solidFill>
                     <a:schemeClr val="accent1">
                       <a:lumMod val="60000"/>
@@ -26829,7 +26803,7 @@
                 <a:t>∧</a:t>
               </a:r>
               <a:r>
-                <a:rPr lang="en-AU" sz="2400" b="1" kern="0" dirty="0">
+                <a:rPr lang="en-AU" sz="2200" b="1" kern="0" dirty="0">
                   <a:solidFill>
                     <a:schemeClr val="accent1">
                       <a:lumMod val="60000"/>
@@ -26844,7 +26818,7 @@
                 <a:t> </a:t>
               </a:r>
               <a:r>
-                <a:rPr lang="en-AU" sz="2400" b="1" kern="0" dirty="0">
+                <a:rPr lang="en-AU" sz="2200" b="1" kern="0" dirty="0">
                   <a:solidFill>
                     <a:schemeClr val="accent1">
                       <a:lumMod val="60000"/>
@@ -26859,7 +26833,7 @@
                 <a:t>∨</a:t>
               </a:r>
               <a:r>
-                <a:rPr lang="en-AU" sz="2400" b="1" kern="0" dirty="0">
+                <a:rPr lang="en-AU" sz="2200" b="1" kern="0" dirty="0">
                   <a:solidFill>
                     <a:schemeClr val="accent1">
                       <a:lumMod val="60000"/>
@@ -26874,7 +26848,7 @@
                 <a:t> </a:t>
               </a:r>
               <a:r>
-                <a:rPr lang="en-AU" sz="2400" b="1" kern="0" dirty="0">
+                <a:rPr lang="en-AU" sz="2200" b="1" kern="0" dirty="0">
                   <a:solidFill>
                     <a:schemeClr val="accent1">
                       <a:lumMod val="60000"/>
@@ -26889,7 +26863,7 @@
                 <a:t>∀</a:t>
               </a:r>
               <a:r>
-                <a:rPr lang="en-AU" sz="2400" b="1" kern="0" dirty="0">
+                <a:rPr lang="en-AU" sz="2200" b="1" kern="0" dirty="0">
                   <a:solidFill>
                     <a:schemeClr val="accent1">
                       <a:lumMod val="60000"/>
@@ -26904,7 +26878,7 @@
                 <a:t> </a:t>
               </a:r>
               <a:r>
-                <a:rPr lang="en-AU" sz="2400" b="1" kern="0" dirty="0">
+                <a:rPr lang="en-AU" sz="2200" b="1" kern="0" dirty="0">
                   <a:solidFill>
                     <a:schemeClr val="accent1">
                       <a:lumMod val="60000"/>
@@ -26919,7 +26893,7 @@
                 <a:t>∃</a:t>
               </a:r>
               <a:r>
-                <a:rPr lang="en-AU" sz="2400" b="1" kern="0" dirty="0">
+                <a:rPr lang="en-AU" sz="2200" b="1" kern="0" dirty="0">
                   <a:solidFill>
                     <a:schemeClr val="accent1">
                       <a:lumMod val="60000"/>
@@ -26934,7 +26908,7 @@
                 <a:t> ! </a:t>
               </a:r>
               <a:r>
-                <a:rPr lang="en-AU" sz="2400" b="1" kern="0" dirty="0">
+                <a:rPr lang="en-AU" sz="2200" b="1" kern="0" dirty="0">
                   <a:solidFill>
                     <a:schemeClr val="accent1">
                       <a:lumMod val="60000"/>
@@ -26949,7 +26923,7 @@
                 <a:t>≔</a:t>
               </a:r>
               <a:r>
-                <a:rPr lang="en-AU" sz="2400" b="1" kern="0" dirty="0">
+                <a:rPr lang="en-AU" sz="2200" b="1" kern="0" dirty="0">
                   <a:solidFill>
                     <a:schemeClr val="accent1">
                       <a:lumMod val="60000"/>
@@ -26964,7 +26938,7 @@
                 <a:t> </a:t>
               </a:r>
               <a:r>
-                <a:rPr lang="en-AU" sz="2400" b="1" kern="0" dirty="0">
+                <a:rPr lang="en-AU" sz="2200" b="1" kern="0" dirty="0">
                   <a:solidFill>
                     <a:schemeClr val="accent1">
                       <a:lumMod val="60000"/>
@@ -26979,7 +26953,7 @@
                 <a:t>⊢</a:t>
               </a:r>
               <a:r>
-                <a:rPr lang="en-AU" sz="2400" b="1" kern="0" dirty="0">
+                <a:rPr lang="en-AU" sz="2200" b="1" kern="0" dirty="0">
                   <a:solidFill>
                     <a:schemeClr val="accent1">
                       <a:lumMod val="60000"/>
@@ -26994,7 +26968,7 @@
                 <a:t> </a:t>
               </a:r>
               <a:r>
-                <a:rPr lang="en-AU" sz="2400" b="1" kern="0" dirty="0">
+                <a:rPr lang="en-AU" sz="2200" b="1" kern="0" dirty="0">
                   <a:solidFill>
                     <a:schemeClr val="accent1">
                       <a:lumMod val="60000"/>
@@ -27009,7 +26983,7 @@
                 <a:t>⊨</a:t>
               </a:r>
               <a:r>
-                <a:rPr lang="en-AU" sz="2400" b="1" kern="0" dirty="0">
+                <a:rPr lang="en-AU" sz="2200" b="1" kern="0" dirty="0">
                   <a:solidFill>
                     <a:schemeClr val="accent1">
                       <a:lumMod val="60000"/>
@@ -27024,7 +26998,7 @@
                 <a:t> </a:t>
               </a:r>
               <a:r>
-                <a:rPr lang="en-AU" sz="2400" kern="100" dirty="0">
+                <a:rPr lang="en-AU" sz="2200" kern="100" dirty="0">
                   <a:solidFill>
                     <a:schemeClr val="accent1">
                       <a:lumMod val="60000"/>
@@ -27040,7 +27014,7 @@
               </a:r>
             </a:p>
             <a:p>
-              <a:endParaRPr lang="en-AU" sz="2400" dirty="0">
+              <a:endParaRPr lang="en-AU" sz="2200" dirty="0">
                 <a:solidFill>
                   <a:schemeClr val="accent1">
                     <a:lumMod val="60000"/>
@@ -27066,10 +27040,10 @@
         </p:nvGrpSpPr>
         <p:grpSpPr>
           <a:xfrm>
-            <a:off x="5449191" y="3429000"/>
-            <a:ext cx="6677831" cy="2980218"/>
-            <a:chOff x="5456534" y="3429300"/>
-            <a:chExt cx="6677831" cy="2980218"/>
+            <a:off x="5449191" y="3336330"/>
+            <a:ext cx="6677830" cy="3072888"/>
+            <a:chOff x="5456534" y="3336630"/>
+            <a:chExt cx="6677830" cy="3072888"/>
           </a:xfrm>
         </p:grpSpPr>
         <p:grpSp>
@@ -27086,10 +27060,10 @@
           </p:nvGrpSpPr>
           <p:grpSpPr>
             <a:xfrm>
-              <a:off x="6107952" y="3429300"/>
-              <a:ext cx="6026413" cy="2980218"/>
-              <a:chOff x="5746685" y="3283686"/>
-              <a:chExt cx="4794382" cy="2980218"/>
+              <a:off x="5624468" y="3336630"/>
+              <a:ext cx="6509896" cy="3072888"/>
+              <a:chOff x="5362044" y="3191016"/>
+              <a:chExt cx="5179023" cy="3072888"/>
             </a:xfrm>
           </p:grpSpPr>
           <p:sp>
@@ -27184,7 +27158,7 @@
             </p:blipFill>
             <p:spPr>
               <a:xfrm>
-                <a:off x="6032521" y="4099483"/>
+                <a:off x="6032521" y="4236821"/>
                 <a:ext cx="2662710" cy="1240096"/>
               </a:xfrm>
               <a:prstGeom prst="rect">
@@ -27216,8 +27190,8 @@
             </p:nvSpPr>
             <p:spPr>
               <a:xfrm>
-                <a:off x="6032521" y="3283686"/>
-                <a:ext cx="3548105" cy="646331"/>
+                <a:off x="5975151" y="3191016"/>
+                <a:ext cx="4238086" cy="646331"/>
               </a:xfrm>
               <a:prstGeom prst="rect">
                 <a:avLst/>
@@ -27251,7 +27225,7 @@
                       <a:schemeClr val="bg1"/>
                     </a:solidFill>
                   </a:rPr>
-                  <a:t>SQL, Datalog, LINQ, PRQL, Morel, …</a:t>
+                  <a:t>Relational Algebra, SQL, Datalog, LINQ, PRQL, Morel, …</a:t>
                 </a:r>
               </a:p>
             </p:txBody>
@@ -27329,7 +27303,7 @@
             </p:blipFill>
             <p:spPr>
               <a:xfrm>
-                <a:off x="6647889" y="3985258"/>
+                <a:off x="6640363" y="4121641"/>
                 <a:ext cx="2662710" cy="1240096"/>
               </a:xfrm>
               <a:prstGeom prst="rect">
@@ -27369,7 +27343,7 @@
             </p:blipFill>
             <p:spPr>
               <a:xfrm>
-                <a:off x="7263257" y="3877245"/>
+                <a:off x="7241215" y="4006555"/>
                 <a:ext cx="2662710" cy="1240096"/>
               </a:xfrm>
               <a:prstGeom prst="rect">
@@ -27387,6 +27361,50 @@
               </a:scene3d>
             </p:spPr>
           </p:pic>
+          <p:sp>
+            <p:nvSpPr>
+              <p:cNvPr id="49" name="TextBox 48">
+                <a:extLst>
+                  <a:ext uri="{FF2B5EF4-FFF2-40B4-BE49-F238E27FC236}">
+                    <a16:creationId xmlns:a16="http://schemas.microsoft.com/office/drawing/2014/main" id="{9297D2A3-38FA-D85E-03D6-757DA889D09D}"/>
+                  </a:ext>
+                </a:extLst>
+              </p:cNvPr>
+              <p:cNvSpPr txBox="1"/>
+              <p:nvPr/>
+            </p:nvSpPr>
+            <p:spPr>
+              <a:xfrm>
+                <a:off x="5362044" y="3978316"/>
+                <a:ext cx="4107925" cy="276999"/>
+              </a:xfrm>
+              <a:prstGeom prst="rect">
+                <a:avLst/>
+              </a:prstGeom>
+              <a:noFill/>
+              <a:scene3d>
+                <a:camera prst="isometricOffAxis1Right"/>
+                <a:lightRig rig="threePt" dir="t"/>
+              </a:scene3d>
+            </p:spPr>
+            <p:txBody>
+              <a:bodyPr wrap="square" rtlCol="0">
+                <a:spAutoFit/>
+              </a:bodyPr>
+              <a:lstStyle/>
+              <a:p>
+                <a:pPr algn="ctr"/>
+                <a:r>
+                  <a:rPr lang="en-AU" sz="1100" dirty="0"/>
+                  <a:t>⑯ *</a:t>
+                </a:r>
+                <a:r>
+                  <a:rPr lang="en-AU" sz="1200" dirty="0"/>
+                  <a:t>“Intensionally Defined Relations” (Derived Relations)</a:t>
+                </a:r>
+              </a:p>
+            </p:txBody>
+          </p:sp>
         </p:grpSp>
         <p:sp>
           <p:nvSpPr>
@@ -28276,75 +28294,8 @@
         </p:nvSpPr>
         <p:spPr>
           <a:xfrm>
-            <a:off x="3048175" y="3400955"/>
+            <a:off x="6018265" y="2922748"/>
             <a:ext cx="1017917" cy="713282"/>
-          </a:xfrm>
-          <a:prstGeom prst="rightArrow">
-            <a:avLst/>
-          </a:prstGeom>
-          <a:solidFill>
-            <a:schemeClr val="tx1">
-              <a:lumMod val="50000"/>
-              <a:lumOff val="50000"/>
-            </a:schemeClr>
-          </a:solidFill>
-          <a:ln>
-            <a:solidFill>
-              <a:schemeClr val="tx1"/>
-            </a:solidFill>
-          </a:ln>
-          <a:scene3d>
-            <a:camera prst="isometricOffAxis2Top">
-              <a:rot lat="1155408" lon="3076870" rev="21460309"/>
-            </a:camera>
-            <a:lightRig rig="threePt" dir="t"/>
-          </a:scene3d>
-          <a:sp3d extrusionH="165100"/>
-        </p:spPr>
-        <p:style>
-          <a:lnRef idx="2">
-            <a:schemeClr val="accent1">
-              <a:shade val="50000"/>
-            </a:schemeClr>
-          </a:lnRef>
-          <a:fillRef idx="1">
-            <a:schemeClr val="accent1"/>
-          </a:fillRef>
-          <a:effectRef idx="0">
-            <a:schemeClr val="accent1"/>
-          </a:effectRef>
-          <a:fontRef idx="minor">
-            <a:schemeClr val="lt1"/>
-          </a:fontRef>
-        </p:style>
-        <p:txBody>
-          <a:bodyPr rtlCol="0" anchor="ctr"/>
-          <a:lstStyle/>
-          <a:p>
-            <a:pPr algn="ctr"/>
-            <a:r>
-              <a:rPr lang="en-AU" sz="1400" dirty="0"/>
-              <a:t>relations</a:t>
-            </a:r>
-          </a:p>
-        </p:txBody>
-      </p:sp>
-      <p:sp>
-        <p:nvSpPr>
-          <p:cNvPr id="28" name="Arrow: Right 27">
-            <a:extLst>
-              <a:ext uri="{FF2B5EF4-FFF2-40B4-BE49-F238E27FC236}">
-                <a16:creationId xmlns:a16="http://schemas.microsoft.com/office/drawing/2014/main" id="{A47E7025-C374-324E-2B38-8381AC383658}"/>
-              </a:ext>
-            </a:extLst>
-          </p:cNvPr>
-          <p:cNvSpPr/>
-          <p:nvPr/>
-        </p:nvSpPr>
-        <p:spPr>
-          <a:xfrm>
-            <a:off x="9061191" y="2529775"/>
-            <a:ext cx="1017917" cy="601790"/>
           </a:xfrm>
           <a:prstGeom prst="rightArrow">
             <a:avLst/>
@@ -28576,8 +28527,8 @@
         </p:nvSpPr>
         <p:spPr>
           <a:xfrm>
-            <a:off x="631270" y="3204739"/>
-            <a:ext cx="665671" cy="369332"/>
+            <a:off x="-8165" y="3140515"/>
+            <a:ext cx="1623067" cy="307777"/>
           </a:xfrm>
           <a:prstGeom prst="rect">
             <a:avLst/>
@@ -28595,12 +28546,12 @@
           <a:lstStyle/>
           <a:p>
             <a:r>
-              <a:rPr lang="en-AU" dirty="0">
+              <a:rPr lang="en-AU" sz="1400" dirty="0">
                 <a:solidFill>
                   <a:srgbClr val="8FAADC"/>
                 </a:solidFill>
               </a:rPr>
-              <a:t>⑦</a:t>
+              <a:t>⑦ * Datasets</a:t>
             </a:r>
           </a:p>
         </p:txBody>
@@ -28619,8 +28570,8 @@
         </p:nvSpPr>
         <p:spPr>
           <a:xfrm>
-            <a:off x="6204835" y="2326982"/>
-            <a:ext cx="665671" cy="369332"/>
+            <a:off x="5505303" y="2234286"/>
+            <a:ext cx="2315258" cy="553998"/>
           </a:xfrm>
           <a:prstGeom prst="rect">
             <a:avLst/>
@@ -28638,12 +28589,27 @@
           <a:lstStyle/>
           <a:p>
             <a:r>
-              <a:rPr lang="en-AU" dirty="0">
+              <a:rPr lang="en-AU" sz="1500" dirty="0">
                 <a:solidFill>
                   <a:srgbClr val="8FAADC"/>
                 </a:solidFill>
               </a:rPr>
-              <a:t>⑧</a:t>
+              <a:t>⑧ Variety of </a:t>
+            </a:r>
+            <a:br>
+              <a:rPr lang="en-AU" sz="1500" dirty="0">
+                <a:solidFill>
+                  <a:srgbClr val="8FAADC"/>
+                </a:solidFill>
+              </a:rPr>
+            </a:br>
+            <a:r>
+              <a:rPr lang="en-AU" sz="1500" dirty="0">
+                <a:solidFill>
+                  <a:srgbClr val="8FAADC"/>
+                </a:solidFill>
+              </a:rPr>
+              <a:t>Logics</a:t>
             </a:r>
           </a:p>
         </p:txBody>
@@ -28662,8 +28628,8 @@
         </p:nvSpPr>
         <p:spPr>
           <a:xfrm>
-            <a:off x="1204387" y="198727"/>
-            <a:ext cx="4244804" cy="369332"/>
+            <a:off x="54942" y="59416"/>
+            <a:ext cx="3816343" cy="1200329"/>
           </a:xfrm>
           <a:prstGeom prst="rect">
             <a:avLst/>
@@ -28678,62 +28644,23 @@
           <a:p>
             <a:r>
               <a:rPr lang="en-AU" dirty="0"/>
-              <a:t>⓪ The programmer’s experience</a:t>
-            </a:r>
-          </a:p>
-        </p:txBody>
-      </p:sp>
-      <p:sp>
-        <p:nvSpPr>
-          <p:cNvPr id="43" name="TextBox 42">
-            <a:extLst>
-              <a:ext uri="{FF2B5EF4-FFF2-40B4-BE49-F238E27FC236}">
-                <a16:creationId xmlns:a16="http://schemas.microsoft.com/office/drawing/2014/main" id="{3EA16E0A-BEDE-9062-BEA0-D6A4FABF4BD0}"/>
-              </a:ext>
-            </a:extLst>
-          </p:cNvPr>
-          <p:cNvSpPr txBox="1"/>
-          <p:nvPr/>
-        </p:nvSpPr>
-        <p:spPr>
-          <a:xfrm>
-            <a:off x="1093161" y="4562193"/>
-            <a:ext cx="3668658" cy="1200329"/>
-          </a:xfrm>
-          <a:prstGeom prst="rect">
-            <a:avLst/>
-          </a:prstGeom>
-          <a:noFill/>
-        </p:spPr>
-        <p:txBody>
-          <a:bodyPr wrap="square">
-            <a:spAutoFit/>
-          </a:bodyPr>
-          <a:lstStyle/>
-          <a:p>
-            <a:pPr>
-              <a:lnSpc>
-                <a:spcPct val="150000"/>
-              </a:lnSpc>
-            </a:pPr>
-            <a:r>
-              <a:rPr lang="en-AU" dirty="0"/>
-              <a:t>⑫ Working Software</a:t>
+              <a:t>⓪ The programmer’s experience  </a:t>
             </a:r>
           </a:p>
           <a:p>
-            <a:pPr>
-              <a:lnSpc>
-                <a:spcPct val="150000"/>
-              </a:lnSpc>
-            </a:pPr>
-            <a:endParaRPr lang="en-AU" dirty="0"/>
+            <a:r>
+              <a:rPr lang="en-AU" dirty="0"/>
+              <a:t>⑫ Working Software </a:t>
+            </a:r>
           </a:p>
           <a:p>
             <a:r>
               <a:rPr lang="en-AU" dirty="0"/>
               <a:t>⑬ Case Studies and Use Cases</a:t>
             </a:r>
+          </a:p>
+          <a:p>
+            <a:endParaRPr lang="en-AU" dirty="0"/>
           </a:p>
         </p:txBody>
       </p:sp>
@@ -28797,7 +28724,7 @@
         <p:spPr>
           <a:xfrm>
             <a:off x="4245694" y="1522468"/>
-            <a:ext cx="2333432" cy="1354217"/>
+            <a:ext cx="2333432" cy="1569660"/>
           </a:xfrm>
           <a:prstGeom prst="rect">
             <a:avLst/>
@@ -28847,6 +28774,13 @@
               <a:rPr lang="en-AU" sz="1600" dirty="0"/>
               <a:t>Database</a:t>
             </a:r>
+            <a:br>
+              <a:rPr lang="en-AU" sz="1600" dirty="0"/>
+            </a:br>
+            <a:r>
+              <a:rPr lang="en-AU" sz="1600" dirty="0"/>
+              <a:t>⋈</a:t>
+            </a:r>
           </a:p>
         </p:txBody>
       </p:sp>
@@ -28864,8 +28798,8 @@
         </p:nvSpPr>
         <p:spPr>
           <a:xfrm>
-            <a:off x="5913063" y="6217836"/>
-            <a:ext cx="665671" cy="369332"/>
+            <a:off x="5353948" y="6066917"/>
+            <a:ext cx="1589113" cy="523220"/>
           </a:xfrm>
           <a:prstGeom prst="rect">
             <a:avLst/>
@@ -28883,12 +28817,123 @@
           <a:lstStyle/>
           <a:p>
             <a:r>
-              <a:rPr lang="en-AU" dirty="0">
+              <a:rPr lang="en-AU" sz="1400" dirty="0">
                 <a:solidFill>
                   <a:srgbClr val="8FAADC"/>
                 </a:solidFill>
               </a:rPr>
-              <a:t>⑨</a:t>
+              <a:t>⑨ Relational Algebra</a:t>
+            </a:r>
+          </a:p>
+        </p:txBody>
+      </p:sp>
+      <p:sp>
+        <p:nvSpPr>
+          <p:cNvPr id="44" name="TextBox 43">
+            <a:extLst>
+              <a:ext uri="{FF2B5EF4-FFF2-40B4-BE49-F238E27FC236}">
+                <a16:creationId xmlns:a16="http://schemas.microsoft.com/office/drawing/2014/main" id="{92847323-93ED-C65E-C2FB-6C1DB85626C3}"/>
+              </a:ext>
+            </a:extLst>
+          </p:cNvPr>
+          <p:cNvSpPr txBox="1"/>
+          <p:nvPr/>
+        </p:nvSpPr>
+        <p:spPr>
+          <a:xfrm>
+            <a:off x="5801845" y="2993148"/>
+            <a:ext cx="450273" cy="369332"/>
+          </a:xfrm>
+          <a:prstGeom prst="rect">
+            <a:avLst/>
+          </a:prstGeom>
+          <a:noFill/>
+          <a:scene3d>
+            <a:camera prst="isometricOffAxis1Right"/>
+            <a:lightRig rig="threePt" dir="t"/>
+          </a:scene3d>
+        </p:spPr>
+        <p:txBody>
+          <a:bodyPr wrap="square">
+            <a:spAutoFit/>
+          </a:bodyPr>
+          <a:lstStyle/>
+          <a:p>
+            <a:r>
+              <a:rPr lang="en-AU" dirty="0"/>
+              <a:t>⑭</a:t>
+            </a:r>
+          </a:p>
+        </p:txBody>
+      </p:sp>
+      <p:pic>
+        <p:nvPicPr>
+          <p:cNvPr id="52" name="Picture 51">
+            <a:extLst>
+              <a:ext uri="{FF2B5EF4-FFF2-40B4-BE49-F238E27FC236}">
+                <a16:creationId xmlns:a16="http://schemas.microsoft.com/office/drawing/2014/main" id="{7FCCA2BC-BF3B-7E1E-0FFF-72897B648C91}"/>
+              </a:ext>
+            </a:extLst>
+          </p:cNvPr>
+          <p:cNvPicPr>
+            <a:picLocks noChangeAspect="1"/>
+          </p:cNvPicPr>
+          <p:nvPr/>
+        </p:nvPicPr>
+        <p:blipFill>
+          <a:blip r:embed="rId5"/>
+          <a:stretch>
+            <a:fillRect/>
+          </a:stretch>
+        </p:blipFill>
+        <p:spPr>
+          <a:xfrm>
+            <a:off x="184263" y="3940218"/>
+            <a:ext cx="4657480" cy="2598844"/>
+          </a:xfrm>
+          <a:prstGeom prst="rect">
+            <a:avLst/>
+          </a:prstGeom>
+          <a:effectLst>
+            <a:outerShdw blurRad="63500" sx="102000" sy="102000" algn="ctr" rotWithShape="0">
+              <a:prstClr val="black">
+                <a:alpha val="40000"/>
+              </a:prstClr>
+            </a:outerShdw>
+          </a:effectLst>
+        </p:spPr>
+      </p:pic>
+      <p:sp>
+        <p:nvSpPr>
+          <p:cNvPr id="53" name="TextBox 52">
+            <a:extLst>
+              <a:ext uri="{FF2B5EF4-FFF2-40B4-BE49-F238E27FC236}">
+                <a16:creationId xmlns:a16="http://schemas.microsoft.com/office/drawing/2014/main" id="{F9BDB0E9-5B36-BD72-590D-C76EAC68ED71}"/>
+              </a:ext>
+            </a:extLst>
+          </p:cNvPr>
+          <p:cNvSpPr txBox="1"/>
+          <p:nvPr/>
+        </p:nvSpPr>
+        <p:spPr>
+          <a:xfrm>
+            <a:off x="11042246" y="6461544"/>
+            <a:ext cx="907621" cy="261610"/>
+          </a:xfrm>
+          <a:prstGeom prst="rect">
+            <a:avLst/>
+          </a:prstGeom>
+          <a:noFill/>
+        </p:spPr>
+        <p:txBody>
+          <a:bodyPr wrap="none" rtlCol="0">
+            <a:spAutoFit/>
+          </a:bodyPr>
+          <a:lstStyle/>
+          <a:p>
+            <a:r>
+              <a:rPr lang="en-AU" sz="1100" dirty="0"/>
+              <a:t>* Not salient</a:t>
             </a:r>
           </a:p>
         </p:txBody>
@@ -28897,6 +28942,2160 @@
     <p:extLst>
       <p:ext uri="{BB962C8B-B14F-4D97-AF65-F5344CB8AC3E}">
         <p14:creationId xmlns:p14="http://schemas.microsoft.com/office/powerpoint/2010/main" val="3685040804"/>
+      </p:ext>
+    </p:extLst>
+  </p:cSld>
+  <p:clrMapOvr>
+    <a:masterClrMapping/>
+  </p:clrMapOvr>
+</p:sld>
+</file>
+
+<file path=ppt/slides/slide7.xml><?xml version="1.0" encoding="utf-8"?>
+<p:sld xmlns:a="http://schemas.openxmlformats.org/drawingml/2006/main" xmlns:r="http://schemas.openxmlformats.org/officeDocument/2006/relationships" xmlns:p="http://schemas.openxmlformats.org/presentationml/2006/main">
+  <p:cSld>
+    <p:spTree>
+      <p:nvGrpSpPr>
+        <p:cNvPr id="1" name=""/>
+        <p:cNvGrpSpPr/>
+        <p:nvPr/>
+      </p:nvGrpSpPr>
+      <p:grpSpPr>
+        <a:xfrm>
+          <a:off x="0" y="0"/>
+          <a:ext cx="0" cy="0"/>
+          <a:chOff x="0" y="0"/>
+          <a:chExt cx="0" cy="0"/>
+        </a:xfrm>
+      </p:grpSpPr>
+      <p:grpSp>
+        <p:nvGrpSpPr>
+          <p:cNvPr id="16" name="Group 15">
+            <a:extLst>
+              <a:ext uri="{FF2B5EF4-FFF2-40B4-BE49-F238E27FC236}">
+                <a16:creationId xmlns:a16="http://schemas.microsoft.com/office/drawing/2014/main" id="{3EEB8D58-0F8F-5206-7660-2DA79067F2C0}"/>
+              </a:ext>
+            </a:extLst>
+          </p:cNvPr>
+          <p:cNvGrpSpPr/>
+          <p:nvPr/>
+        </p:nvGrpSpPr>
+        <p:grpSpPr>
+          <a:xfrm>
+            <a:off x="1046971" y="680878"/>
+            <a:ext cx="7096756" cy="3109887"/>
+            <a:chOff x="1097508" y="671359"/>
+            <a:chExt cx="8277053" cy="3474198"/>
+          </a:xfrm>
+        </p:grpSpPr>
+        <p:grpSp>
+          <p:nvGrpSpPr>
+            <p:cNvPr id="86" name="Group 85">
+              <a:extLst>
+                <a:ext uri="{FF2B5EF4-FFF2-40B4-BE49-F238E27FC236}">
+                  <a16:creationId xmlns:a16="http://schemas.microsoft.com/office/drawing/2014/main" id="{6A0CE737-8A5C-AF78-5F0A-42A4130CF597}"/>
+                </a:ext>
+              </a:extLst>
+            </p:cNvPr>
+            <p:cNvGrpSpPr/>
+            <p:nvPr/>
+          </p:nvGrpSpPr>
+          <p:grpSpPr>
+            <a:xfrm>
+              <a:off x="1097508" y="671359"/>
+              <a:ext cx="8277053" cy="2747511"/>
+              <a:chOff x="1296308" y="384840"/>
+              <a:chExt cx="4925841" cy="2747511"/>
+            </a:xfrm>
+          </p:grpSpPr>
+          <p:sp>
+            <p:nvSpPr>
+              <p:cNvPr id="8" name="Rectangle 7">
+                <a:extLst>
+                  <a:ext uri="{FF2B5EF4-FFF2-40B4-BE49-F238E27FC236}">
+                    <a16:creationId xmlns:a16="http://schemas.microsoft.com/office/drawing/2014/main" id="{97710AE9-95EA-68DA-50EB-2746CEA2D507}"/>
+                  </a:ext>
+                </a:extLst>
+              </p:cNvPr>
+              <p:cNvSpPr/>
+              <p:nvPr/>
+            </p:nvSpPr>
+            <p:spPr>
+              <a:xfrm>
+                <a:off x="1296308" y="1272706"/>
+                <a:ext cx="4275094" cy="1859645"/>
+              </a:xfrm>
+              <a:prstGeom prst="rect">
+                <a:avLst/>
+              </a:prstGeom>
+              <a:solidFill>
+                <a:srgbClr val="4472C4">
+                  <a:alpha val="43137"/>
+                </a:srgbClr>
+              </a:solidFill>
+              <a:scene3d>
+                <a:camera prst="isometricOffAxis1Right"/>
+                <a:lightRig rig="threePt" dir="t"/>
+              </a:scene3d>
+              <a:sp3d extrusionH="1803400"/>
+            </p:spPr>
+            <p:style>
+              <a:lnRef idx="2">
+                <a:schemeClr val="accent1">
+                  <a:shade val="50000"/>
+                </a:schemeClr>
+              </a:lnRef>
+              <a:fillRef idx="1">
+                <a:schemeClr val="accent1"/>
+              </a:fillRef>
+              <a:effectRef idx="0">
+                <a:schemeClr val="accent1"/>
+              </a:effectRef>
+              <a:fontRef idx="minor">
+                <a:schemeClr val="lt1"/>
+              </a:fontRef>
+            </p:style>
+            <p:txBody>
+              <a:bodyPr rtlCol="0" anchor="ctr"/>
+              <a:lstStyle/>
+              <a:p>
+                <a:pPr algn="ctr"/>
+                <a:endParaRPr lang="en-AU"/>
+              </a:p>
+            </p:txBody>
+          </p:sp>
+          <p:pic>
+            <p:nvPicPr>
+              <p:cNvPr id="9" name="Picture 8">
+                <a:extLst>
+                  <a:ext uri="{FF2B5EF4-FFF2-40B4-BE49-F238E27FC236}">
+                    <a16:creationId xmlns:a16="http://schemas.microsoft.com/office/drawing/2014/main" id="{28AC0B48-A6F8-855F-DC61-F9D2AEE29EB7}"/>
+                  </a:ext>
+                </a:extLst>
+              </p:cNvPr>
+              <p:cNvPicPr>
+                <a:picLocks noChangeAspect="1"/>
+              </p:cNvPicPr>
+              <p:nvPr/>
+            </p:nvPicPr>
+            <p:blipFill>
+              <a:blip r:embed="rId2"/>
+              <a:stretch>
+                <a:fillRect/>
+              </a:stretch>
+            </p:blipFill>
+            <p:spPr>
+              <a:xfrm>
+                <a:off x="1495705" y="1532518"/>
+                <a:ext cx="2015528" cy="852600"/>
+              </a:xfrm>
+              <a:prstGeom prst="rect">
+                <a:avLst/>
+              </a:prstGeom>
+              <a:scene3d>
+                <a:camera prst="isometricOffAxis1Right"/>
+                <a:lightRig rig="threePt" dir="t"/>
+              </a:scene3d>
+            </p:spPr>
+          </p:pic>
+          <p:sp>
+            <p:nvSpPr>
+              <p:cNvPr id="31" name="TextBox 30">
+                <a:extLst>
+                  <a:ext uri="{FF2B5EF4-FFF2-40B4-BE49-F238E27FC236}">
+                    <a16:creationId xmlns:a16="http://schemas.microsoft.com/office/drawing/2014/main" id="{7EDE61CC-55B2-636A-3C6D-B98EA8B560B2}"/>
+                  </a:ext>
+                </a:extLst>
+              </p:cNvPr>
+              <p:cNvSpPr txBox="1"/>
+              <p:nvPr/>
+            </p:nvSpPr>
+            <p:spPr>
+              <a:xfrm>
+                <a:off x="2213993" y="2365405"/>
+                <a:ext cx="2790251" cy="584775"/>
+              </a:xfrm>
+              <a:prstGeom prst="rect">
+                <a:avLst/>
+              </a:prstGeom>
+              <a:solidFill>
+                <a:srgbClr val="7F7F7F">
+                  <a:alpha val="38039"/>
+                </a:srgbClr>
+              </a:solidFill>
+              <a:scene3d>
+                <a:camera prst="isometricOffAxis1Right"/>
+                <a:lightRig rig="threePt" dir="t"/>
+              </a:scene3d>
+            </p:spPr>
+            <p:txBody>
+              <a:bodyPr wrap="none" rtlCol="0">
+                <a:spAutoFit/>
+              </a:bodyPr>
+              <a:lstStyle/>
+              <a:p>
+                <a:pPr algn="ctr"/>
+                <a:r>
+                  <a:rPr lang="en-AU" sz="1600" dirty="0"/>
+                  <a:t>Extensionally Defined Relations</a:t>
+                </a:r>
+                <a:br>
+                  <a:rPr lang="en-AU" sz="1600" dirty="0"/>
+                </a:br>
+                <a:r>
+                  <a:rPr lang="en-AU" sz="1600" dirty="0"/>
+                  <a:t>(Data)</a:t>
+                </a:r>
+              </a:p>
+            </p:txBody>
+          </p:sp>
+          <p:pic>
+            <p:nvPicPr>
+              <p:cNvPr id="34" name="Picture 33">
+                <a:extLst>
+                  <a:ext uri="{FF2B5EF4-FFF2-40B4-BE49-F238E27FC236}">
+                    <a16:creationId xmlns:a16="http://schemas.microsoft.com/office/drawing/2014/main" id="{A9F6BBF9-C148-0DC1-4FE9-AB515004A7E5}"/>
+                  </a:ext>
+                </a:extLst>
+              </p:cNvPr>
+              <p:cNvPicPr>
+                <a:picLocks noChangeAspect="1"/>
+              </p:cNvPicPr>
+              <p:nvPr/>
+            </p:nvPicPr>
+            <p:blipFill>
+              <a:blip r:embed="rId2"/>
+              <a:stretch>
+                <a:fillRect/>
+              </a:stretch>
+            </p:blipFill>
+            <p:spPr>
+              <a:xfrm>
+                <a:off x="3439489" y="1269855"/>
+                <a:ext cx="1031690" cy="436421"/>
+              </a:xfrm>
+              <a:prstGeom prst="rect">
+                <a:avLst/>
+              </a:prstGeom>
+              <a:scene3d>
+                <a:camera prst="isometricOffAxis1Right"/>
+                <a:lightRig rig="threePt" dir="t"/>
+              </a:scene3d>
+            </p:spPr>
+          </p:pic>
+          <p:pic>
+            <p:nvPicPr>
+              <p:cNvPr id="35" name="Picture 34">
+                <a:extLst>
+                  <a:ext uri="{FF2B5EF4-FFF2-40B4-BE49-F238E27FC236}">
+                    <a16:creationId xmlns:a16="http://schemas.microsoft.com/office/drawing/2014/main" id="{10AE2780-87D0-C164-4973-CCAFD20FFC10}"/>
+                  </a:ext>
+                </a:extLst>
+              </p:cNvPr>
+              <p:cNvPicPr>
+                <a:picLocks noChangeAspect="1"/>
+              </p:cNvPicPr>
+              <p:nvPr/>
+            </p:nvPicPr>
+            <p:blipFill>
+              <a:blip r:embed="rId2"/>
+              <a:stretch>
+                <a:fillRect/>
+              </a:stretch>
+            </p:blipFill>
+            <p:spPr>
+              <a:xfrm>
+                <a:off x="3440966" y="1786407"/>
+                <a:ext cx="1031690" cy="436421"/>
+              </a:xfrm>
+              <a:prstGeom prst="rect">
+                <a:avLst/>
+              </a:prstGeom>
+              <a:scene3d>
+                <a:camera prst="isometricOffAxis1Right"/>
+                <a:lightRig rig="threePt" dir="t"/>
+              </a:scene3d>
+            </p:spPr>
+          </p:pic>
+          <p:sp>
+            <p:nvSpPr>
+              <p:cNvPr id="56" name="TextBox 55">
+                <a:extLst>
+                  <a:ext uri="{FF2B5EF4-FFF2-40B4-BE49-F238E27FC236}">
+                    <a16:creationId xmlns:a16="http://schemas.microsoft.com/office/drawing/2014/main" id="{1ED22BD1-0616-732B-4C9D-19EE8D8C7C4F}"/>
+                  </a:ext>
+                </a:extLst>
+              </p:cNvPr>
+              <p:cNvSpPr txBox="1"/>
+              <p:nvPr/>
+            </p:nvSpPr>
+            <p:spPr>
+              <a:xfrm>
+                <a:off x="1955622" y="384840"/>
+                <a:ext cx="4266527" cy="646332"/>
+              </a:xfrm>
+              <a:prstGeom prst="rect">
+                <a:avLst/>
+              </a:prstGeom>
+              <a:noFill/>
+              <a:scene3d>
+                <a:camera prst="isometricOffAxis1Right"/>
+                <a:lightRig rig="threePt" dir="t"/>
+              </a:scene3d>
+            </p:spPr>
+            <p:txBody>
+              <a:bodyPr wrap="square">
+                <a:spAutoFit/>
+              </a:bodyPr>
+              <a:lstStyle/>
+              <a:p>
+                <a:pPr lvl="0"/>
+                <a:r>
+                  <a:rPr lang="en-AU" sz="1200" dirty="0">
+                    <a:solidFill>
+                      <a:schemeClr val="bg1"/>
+                    </a:solidFill>
+                  </a:rPr>
+                  <a:t>Hardware, scale, cloud, multi-vendors, indexing, storage,</a:t>
+                </a:r>
+                <a:br>
+                  <a:rPr lang="en-AU" sz="1200" dirty="0">
+                    <a:solidFill>
+                      <a:schemeClr val="bg1"/>
+                    </a:solidFill>
+                  </a:rPr>
+                </a:br>
+                <a:r>
+                  <a:rPr lang="en-AU" sz="1200" dirty="0">
+                    <a:solidFill>
+                      <a:schemeClr val="bg1"/>
+                    </a:solidFill>
+                  </a:rPr>
+                  <a:t>     replication, transactions, concurrency, recovery, distributed</a:t>
+                </a:r>
+                <a:br>
+                  <a:rPr lang="en-AU" sz="1200" dirty="0">
+                    <a:solidFill>
+                      <a:schemeClr val="bg1"/>
+                    </a:solidFill>
+                  </a:rPr>
+                </a:br>
+                <a:r>
+                  <a:rPr lang="en-AU" sz="1200" dirty="0">
+                    <a:solidFill>
+                      <a:schemeClr val="bg1"/>
+                    </a:solidFill>
+                  </a:rPr>
+                  <a:t>         systems, materialisation, backup, …</a:t>
+                </a:r>
+              </a:p>
+            </p:txBody>
+          </p:sp>
+        </p:grpSp>
+        <p:grpSp>
+          <p:nvGrpSpPr>
+            <p:cNvPr id="7" name="Group 6">
+              <a:extLst>
+                <a:ext uri="{FF2B5EF4-FFF2-40B4-BE49-F238E27FC236}">
+                  <a16:creationId xmlns:a16="http://schemas.microsoft.com/office/drawing/2014/main" id="{69DFD1F3-4882-8433-8638-0361F3D28D0C}"/>
+                </a:ext>
+              </a:extLst>
+            </p:cNvPr>
+            <p:cNvGrpSpPr/>
+            <p:nvPr/>
+          </p:nvGrpSpPr>
+          <p:grpSpPr>
+            <a:xfrm>
+              <a:off x="4879945" y="1698339"/>
+              <a:ext cx="4013037" cy="2367634"/>
+              <a:chOff x="5252226" y="838252"/>
+              <a:chExt cx="4013037" cy="2308324"/>
+            </a:xfrm>
+          </p:grpSpPr>
+          <p:grpSp>
+            <p:nvGrpSpPr>
+              <p:cNvPr id="87" name="Group 86">
+                <a:extLst>
+                  <a:ext uri="{FF2B5EF4-FFF2-40B4-BE49-F238E27FC236}">
+                    <a16:creationId xmlns:a16="http://schemas.microsoft.com/office/drawing/2014/main" id="{CAE53593-E0B9-139C-70BE-C8AFFA32AD83}"/>
+                  </a:ext>
+                </a:extLst>
+              </p:cNvPr>
+              <p:cNvGrpSpPr/>
+              <p:nvPr/>
+            </p:nvGrpSpPr>
+            <p:grpSpPr>
+              <a:xfrm>
+                <a:off x="5892437" y="935990"/>
+                <a:ext cx="3372826" cy="1825385"/>
+                <a:chOff x="6852036" y="1207000"/>
+                <a:chExt cx="3372826" cy="1825385"/>
+              </a:xfrm>
+            </p:grpSpPr>
+            <p:sp>
+              <p:nvSpPr>
+                <p:cNvPr id="14" name="Rectangle 13">
+                  <a:extLst>
+                    <a:ext uri="{FF2B5EF4-FFF2-40B4-BE49-F238E27FC236}">
+                      <a16:creationId xmlns:a16="http://schemas.microsoft.com/office/drawing/2014/main" id="{2B4080B8-42F3-4F8D-FBB2-8CB777385CE7}"/>
+                    </a:ext>
+                  </a:extLst>
+                </p:cNvPr>
+                <p:cNvSpPr/>
+                <p:nvPr/>
+              </p:nvSpPr>
+              <p:spPr>
+                <a:xfrm>
+                  <a:off x="6852036" y="1207000"/>
+                  <a:ext cx="3355265" cy="1825385"/>
+                </a:xfrm>
+                <a:prstGeom prst="rect">
+                  <a:avLst/>
+                </a:prstGeom>
+                <a:solidFill>
+                  <a:srgbClr val="D8C4E8"/>
+                </a:solidFill>
+                <a:ln>
+                  <a:solidFill>
+                    <a:srgbClr val="7030A0"/>
+                  </a:solidFill>
+                </a:ln>
+                <a:scene3d>
+                  <a:camera prst="isometricOffAxis1Right"/>
+                  <a:lightRig rig="threePt" dir="t"/>
+                </a:scene3d>
+                <a:sp3d extrusionH="1803400">
+                  <a:extrusionClr>
+                    <a:srgbClr val="7030A0"/>
+                  </a:extrusionClr>
+                  <a:contourClr>
+                    <a:schemeClr val="tx1">
+                      <a:lumMod val="50000"/>
+                      <a:lumOff val="50000"/>
+                    </a:schemeClr>
+                  </a:contourClr>
+                </a:sp3d>
+              </p:spPr>
+              <p:style>
+                <a:lnRef idx="2">
+                  <a:schemeClr val="accent1">
+                    <a:shade val="50000"/>
+                  </a:schemeClr>
+                </a:lnRef>
+                <a:fillRef idx="1">
+                  <a:schemeClr val="accent1"/>
+                </a:fillRef>
+                <a:effectRef idx="0">
+                  <a:schemeClr val="accent1"/>
+                </a:effectRef>
+                <a:fontRef idx="minor">
+                  <a:schemeClr val="lt1"/>
+                </a:fontRef>
+              </p:style>
+              <p:txBody>
+                <a:bodyPr rtlCol="0" anchor="ctr"/>
+                <a:lstStyle/>
+                <a:p>
+                  <a:pPr algn="ctr"/>
+                  <a:endParaRPr lang="en-AU"/>
+                </a:p>
+              </p:txBody>
+            </p:sp>
+            <p:sp>
+              <p:nvSpPr>
+                <p:cNvPr id="50" name="TextBox 49">
+                  <a:extLst>
+                    <a:ext uri="{FF2B5EF4-FFF2-40B4-BE49-F238E27FC236}">
+                      <a16:creationId xmlns:a16="http://schemas.microsoft.com/office/drawing/2014/main" id="{BCAFEC12-1DA4-76B6-0B88-08E038EEFD7B}"/>
+                    </a:ext>
+                  </a:extLst>
+                </p:cNvPr>
+                <p:cNvSpPr txBox="1"/>
+                <p:nvPr/>
+              </p:nvSpPr>
+              <p:spPr>
+                <a:xfrm>
+                  <a:off x="7294530" y="1690787"/>
+                  <a:ext cx="2930332" cy="703959"/>
+                </a:xfrm>
+                <a:prstGeom prst="rect">
+                  <a:avLst/>
+                </a:prstGeom>
+                <a:noFill/>
+                <a:scene3d>
+                  <a:camera prst="isometricOffAxis1Right"/>
+                  <a:lightRig rig="threePt" dir="t"/>
+                </a:scene3d>
+              </p:spPr>
+              <p:txBody>
+                <a:bodyPr wrap="square">
+                  <a:spAutoFit/>
+                </a:bodyPr>
+                <a:lstStyle/>
+                <a:p>
+                  <a:pPr lvl="0"/>
+                  <a:r>
+                    <a:rPr lang="en-AU" sz="1200" dirty="0">
+                      <a:solidFill>
+                        <a:srgbClr val="7030A0"/>
+                      </a:solidFill>
+                    </a:rPr>
+                    <a:t>Logic, Search, Termination,</a:t>
+                  </a:r>
+                  <a:br>
+                    <a:rPr lang="en-AU" sz="1200" dirty="0">
+                      <a:solidFill>
+                        <a:srgbClr val="7030A0"/>
+                      </a:solidFill>
+                    </a:rPr>
+                  </a:br>
+                  <a:r>
+                    <a:rPr lang="en-AU" sz="1200" dirty="0">
+                      <a:solidFill>
+                        <a:srgbClr val="7030A0"/>
+                      </a:solidFill>
+                    </a:rPr>
+                    <a:t>Negation, Stratification, </a:t>
+                  </a:r>
+                  <a:br>
+                    <a:rPr lang="en-AU" sz="1200" dirty="0">
+                      <a:solidFill>
+                        <a:srgbClr val="7030A0"/>
+                      </a:solidFill>
+                    </a:rPr>
+                  </a:br>
+                  <a:r>
+                    <a:rPr lang="en-AU" sz="1200" dirty="0">
+                      <a:solidFill>
+                        <a:srgbClr val="7030A0"/>
+                      </a:solidFill>
+                    </a:rPr>
+                    <a:t>Type Theory, Multiple Semantics </a:t>
+                  </a:r>
+                </a:p>
+              </p:txBody>
+            </p:sp>
+          </p:grpSp>
+          <p:sp>
+            <p:nvSpPr>
+              <p:cNvPr id="3" name="TextBox 2">
+                <a:extLst>
+                  <a:ext uri="{FF2B5EF4-FFF2-40B4-BE49-F238E27FC236}">
+                    <a16:creationId xmlns:a16="http://schemas.microsoft.com/office/drawing/2014/main" id="{72B9F781-70FD-6179-47B5-0707884D9D1A}"/>
+                  </a:ext>
+                </a:extLst>
+              </p:cNvPr>
+              <p:cNvSpPr txBox="1"/>
+              <p:nvPr/>
+            </p:nvSpPr>
+            <p:spPr>
+              <a:xfrm>
+                <a:off x="5252226" y="838252"/>
+                <a:ext cx="1017916" cy="2308324"/>
+              </a:xfrm>
+              <a:prstGeom prst="rect">
+                <a:avLst/>
+              </a:prstGeom>
+              <a:noFill/>
+              <a:scene3d>
+                <a:camera prst="isometricLeftDown"/>
+                <a:lightRig rig="threePt" dir="t"/>
+              </a:scene3d>
+            </p:spPr>
+            <p:txBody>
+              <a:bodyPr wrap="square" rtlCol="0">
+                <a:spAutoFit/>
+              </a:bodyPr>
+              <a:lstStyle/>
+              <a:p>
+                <a:r>
+                  <a:rPr lang="en-AU" sz="2400" b="1" kern="0" dirty="0">
+                    <a:solidFill>
+                      <a:schemeClr val="accent1">
+                        <a:lumMod val="60000"/>
+                        <a:lumOff val="40000"/>
+                      </a:schemeClr>
+                    </a:solidFill>
+                    <a:effectLst/>
+                    <a:latin typeface="Cambria Math" panose="02040503050406030204" pitchFamily="18" charset="0"/>
+                    <a:ea typeface="Times New Roman" panose="02020603050405020304" pitchFamily="18" charset="0"/>
+                    <a:cs typeface="Cambria Math" panose="02040503050406030204" pitchFamily="18" charset="0"/>
+                  </a:rPr>
+                  <a:t>⇒</a:t>
+                </a:r>
+                <a:r>
+                  <a:rPr lang="en-AU" sz="2400" b="1" kern="0" dirty="0">
+                    <a:solidFill>
+                      <a:schemeClr val="accent1">
+                        <a:lumMod val="60000"/>
+                        <a:lumOff val="40000"/>
+                      </a:schemeClr>
+                    </a:solidFill>
+                    <a:effectLst/>
+                    <a:latin typeface="Arial" panose="020B0604020202020204" pitchFamily="34" charset="0"/>
+                    <a:ea typeface="Times New Roman" panose="02020603050405020304" pitchFamily="18" charset="0"/>
+                    <a:cs typeface="Times New Roman" panose="02020603050405020304" pitchFamily="18" charset="0"/>
+                  </a:rPr>
+                  <a:t> </a:t>
+                </a:r>
+                <a:r>
+                  <a:rPr lang="en-AU" sz="2400" b="1" kern="0" dirty="0">
+                    <a:solidFill>
+                      <a:schemeClr val="accent1">
+                        <a:lumMod val="60000"/>
+                        <a:lumOff val="40000"/>
+                      </a:schemeClr>
+                    </a:solidFill>
+                    <a:effectLst/>
+                    <a:latin typeface="Cambria Math" panose="02040503050406030204" pitchFamily="18" charset="0"/>
+                    <a:ea typeface="Times New Roman" panose="02020603050405020304" pitchFamily="18" charset="0"/>
+                    <a:cs typeface="Cambria Math" panose="02040503050406030204" pitchFamily="18" charset="0"/>
+                  </a:rPr>
+                  <a:t>⇔</a:t>
+                </a:r>
+                <a:r>
+                  <a:rPr lang="en-AU" sz="2400" b="1" kern="0" dirty="0">
+                    <a:solidFill>
+                      <a:schemeClr val="accent1">
+                        <a:lumMod val="60000"/>
+                        <a:lumOff val="40000"/>
+                      </a:schemeClr>
+                    </a:solidFill>
+                    <a:effectLst/>
+                    <a:latin typeface="Arial" panose="020B0604020202020204" pitchFamily="34" charset="0"/>
+                    <a:ea typeface="Times New Roman" panose="02020603050405020304" pitchFamily="18" charset="0"/>
+                    <a:cs typeface="Times New Roman" panose="02020603050405020304" pitchFamily="18" charset="0"/>
+                  </a:rPr>
+                  <a:t> ¬ </a:t>
+                </a:r>
+                <a:r>
+                  <a:rPr lang="en-AU" sz="2400" b="1" kern="0" dirty="0">
+                    <a:solidFill>
+                      <a:schemeClr val="accent1">
+                        <a:lumMod val="60000"/>
+                        <a:lumOff val="40000"/>
+                      </a:schemeClr>
+                    </a:solidFill>
+                    <a:effectLst/>
+                    <a:latin typeface="Cambria Math" panose="02040503050406030204" pitchFamily="18" charset="0"/>
+                    <a:ea typeface="Times New Roman" panose="02020603050405020304" pitchFamily="18" charset="0"/>
+                    <a:cs typeface="Cambria Math" panose="02040503050406030204" pitchFamily="18" charset="0"/>
+                  </a:rPr>
+                  <a:t>∧</a:t>
+                </a:r>
+                <a:r>
+                  <a:rPr lang="en-AU" sz="2400" b="1" kern="0" dirty="0">
+                    <a:solidFill>
+                      <a:schemeClr val="accent1">
+                        <a:lumMod val="60000"/>
+                        <a:lumOff val="40000"/>
+                      </a:schemeClr>
+                    </a:solidFill>
+                    <a:effectLst/>
+                    <a:latin typeface="Arial" panose="020B0604020202020204" pitchFamily="34" charset="0"/>
+                    <a:ea typeface="Times New Roman" panose="02020603050405020304" pitchFamily="18" charset="0"/>
+                    <a:cs typeface="Times New Roman" panose="02020603050405020304" pitchFamily="18" charset="0"/>
+                  </a:rPr>
+                  <a:t> </a:t>
+                </a:r>
+                <a:r>
+                  <a:rPr lang="en-AU" sz="2400" b="1" kern="0" dirty="0">
+                    <a:solidFill>
+                      <a:schemeClr val="accent1">
+                        <a:lumMod val="60000"/>
+                        <a:lumOff val="40000"/>
+                      </a:schemeClr>
+                    </a:solidFill>
+                    <a:effectLst/>
+                    <a:latin typeface="Cambria Math" panose="02040503050406030204" pitchFamily="18" charset="0"/>
+                    <a:ea typeface="Times New Roman" panose="02020603050405020304" pitchFamily="18" charset="0"/>
+                    <a:cs typeface="Cambria Math" panose="02040503050406030204" pitchFamily="18" charset="0"/>
+                  </a:rPr>
+                  <a:t>∨</a:t>
+                </a:r>
+                <a:r>
+                  <a:rPr lang="en-AU" sz="2400" b="1" kern="0" dirty="0">
+                    <a:solidFill>
+                      <a:schemeClr val="accent1">
+                        <a:lumMod val="60000"/>
+                        <a:lumOff val="40000"/>
+                      </a:schemeClr>
+                    </a:solidFill>
+                    <a:effectLst/>
+                    <a:latin typeface="Arial" panose="020B0604020202020204" pitchFamily="34" charset="0"/>
+                    <a:ea typeface="Times New Roman" panose="02020603050405020304" pitchFamily="18" charset="0"/>
+                    <a:cs typeface="Times New Roman" panose="02020603050405020304" pitchFamily="18" charset="0"/>
+                  </a:rPr>
+                  <a:t> </a:t>
+                </a:r>
+                <a:r>
+                  <a:rPr lang="en-AU" sz="2400" b="1" kern="0" dirty="0">
+                    <a:solidFill>
+                      <a:schemeClr val="accent1">
+                        <a:lumMod val="60000"/>
+                        <a:lumOff val="40000"/>
+                      </a:schemeClr>
+                    </a:solidFill>
+                    <a:effectLst/>
+                    <a:latin typeface="Cambria Math" panose="02040503050406030204" pitchFamily="18" charset="0"/>
+                    <a:ea typeface="Times New Roman" panose="02020603050405020304" pitchFamily="18" charset="0"/>
+                    <a:cs typeface="Cambria Math" panose="02040503050406030204" pitchFamily="18" charset="0"/>
+                  </a:rPr>
+                  <a:t>∀</a:t>
+                </a:r>
+                <a:r>
+                  <a:rPr lang="en-AU" sz="2400" b="1" kern="0" dirty="0">
+                    <a:solidFill>
+                      <a:schemeClr val="accent1">
+                        <a:lumMod val="60000"/>
+                        <a:lumOff val="40000"/>
+                      </a:schemeClr>
+                    </a:solidFill>
+                    <a:effectLst/>
+                    <a:latin typeface="Arial" panose="020B0604020202020204" pitchFamily="34" charset="0"/>
+                    <a:ea typeface="Times New Roman" panose="02020603050405020304" pitchFamily="18" charset="0"/>
+                    <a:cs typeface="Times New Roman" panose="02020603050405020304" pitchFamily="18" charset="0"/>
+                  </a:rPr>
+                  <a:t> </a:t>
+                </a:r>
+                <a:r>
+                  <a:rPr lang="en-AU" sz="2400" b="1" kern="0" dirty="0">
+                    <a:solidFill>
+                      <a:schemeClr val="accent1">
+                        <a:lumMod val="60000"/>
+                        <a:lumOff val="40000"/>
+                      </a:schemeClr>
+                    </a:solidFill>
+                    <a:effectLst/>
+                    <a:latin typeface="Cambria Math" panose="02040503050406030204" pitchFamily="18" charset="0"/>
+                    <a:ea typeface="Times New Roman" panose="02020603050405020304" pitchFamily="18" charset="0"/>
+                    <a:cs typeface="Cambria Math" panose="02040503050406030204" pitchFamily="18" charset="0"/>
+                  </a:rPr>
+                  <a:t>∃</a:t>
+                </a:r>
+                <a:r>
+                  <a:rPr lang="en-AU" sz="2400" b="1" kern="0" dirty="0">
+                    <a:solidFill>
+                      <a:schemeClr val="accent1">
+                        <a:lumMod val="60000"/>
+                        <a:lumOff val="40000"/>
+                      </a:schemeClr>
+                    </a:solidFill>
+                    <a:effectLst/>
+                    <a:latin typeface="Arial" panose="020B0604020202020204" pitchFamily="34" charset="0"/>
+                    <a:ea typeface="Times New Roman" panose="02020603050405020304" pitchFamily="18" charset="0"/>
+                    <a:cs typeface="Times New Roman" panose="02020603050405020304" pitchFamily="18" charset="0"/>
+                  </a:rPr>
+                  <a:t> ! </a:t>
+                </a:r>
+                <a:r>
+                  <a:rPr lang="en-AU" sz="2400" b="1" kern="0" dirty="0">
+                    <a:solidFill>
+                      <a:schemeClr val="accent1">
+                        <a:lumMod val="60000"/>
+                        <a:lumOff val="40000"/>
+                      </a:schemeClr>
+                    </a:solidFill>
+                    <a:effectLst/>
+                    <a:latin typeface="Cambria Math" panose="02040503050406030204" pitchFamily="18" charset="0"/>
+                    <a:ea typeface="Times New Roman" panose="02020603050405020304" pitchFamily="18" charset="0"/>
+                    <a:cs typeface="Cambria Math" panose="02040503050406030204" pitchFamily="18" charset="0"/>
+                  </a:rPr>
+                  <a:t>≔</a:t>
+                </a:r>
+                <a:r>
+                  <a:rPr lang="en-AU" sz="2400" b="1" kern="0" dirty="0">
+                    <a:solidFill>
+                      <a:schemeClr val="accent1">
+                        <a:lumMod val="60000"/>
+                        <a:lumOff val="40000"/>
+                      </a:schemeClr>
+                    </a:solidFill>
+                    <a:effectLst/>
+                    <a:latin typeface="Arial" panose="020B0604020202020204" pitchFamily="34" charset="0"/>
+                    <a:ea typeface="Times New Roman" panose="02020603050405020304" pitchFamily="18" charset="0"/>
+                    <a:cs typeface="Times New Roman" panose="02020603050405020304" pitchFamily="18" charset="0"/>
+                  </a:rPr>
+                  <a:t> </a:t>
+                </a:r>
+                <a:r>
+                  <a:rPr lang="en-AU" sz="2400" b="1" kern="0" dirty="0">
+                    <a:solidFill>
+                      <a:schemeClr val="accent1">
+                        <a:lumMod val="60000"/>
+                        <a:lumOff val="40000"/>
+                      </a:schemeClr>
+                    </a:solidFill>
+                    <a:effectLst/>
+                    <a:latin typeface="Cambria Math" panose="02040503050406030204" pitchFamily="18" charset="0"/>
+                    <a:ea typeface="Times New Roman" panose="02020603050405020304" pitchFamily="18" charset="0"/>
+                    <a:cs typeface="Cambria Math" panose="02040503050406030204" pitchFamily="18" charset="0"/>
+                  </a:rPr>
+                  <a:t>⊢</a:t>
+                </a:r>
+                <a:r>
+                  <a:rPr lang="en-AU" sz="2400" b="1" kern="0" dirty="0">
+                    <a:solidFill>
+                      <a:schemeClr val="accent1">
+                        <a:lumMod val="60000"/>
+                        <a:lumOff val="40000"/>
+                      </a:schemeClr>
+                    </a:solidFill>
+                    <a:effectLst/>
+                    <a:latin typeface="Arial" panose="020B0604020202020204" pitchFamily="34" charset="0"/>
+                    <a:ea typeface="Times New Roman" panose="02020603050405020304" pitchFamily="18" charset="0"/>
+                    <a:cs typeface="Times New Roman" panose="02020603050405020304" pitchFamily="18" charset="0"/>
+                  </a:rPr>
+                  <a:t> </a:t>
+                </a:r>
+                <a:r>
+                  <a:rPr lang="en-AU" sz="2400" b="1" kern="0" dirty="0">
+                    <a:solidFill>
+                      <a:schemeClr val="accent1">
+                        <a:lumMod val="60000"/>
+                        <a:lumOff val="40000"/>
+                      </a:schemeClr>
+                    </a:solidFill>
+                    <a:effectLst/>
+                    <a:latin typeface="Cambria Math" panose="02040503050406030204" pitchFamily="18" charset="0"/>
+                    <a:ea typeface="Times New Roman" panose="02020603050405020304" pitchFamily="18" charset="0"/>
+                    <a:cs typeface="Cambria Math" panose="02040503050406030204" pitchFamily="18" charset="0"/>
+                  </a:rPr>
+                  <a:t>⊨</a:t>
+                </a:r>
+                <a:r>
+                  <a:rPr lang="en-AU" sz="2400" b="1" kern="0" dirty="0">
+                    <a:solidFill>
+                      <a:schemeClr val="accent1">
+                        <a:lumMod val="60000"/>
+                        <a:lumOff val="40000"/>
+                      </a:schemeClr>
+                    </a:solidFill>
+                    <a:effectLst/>
+                    <a:latin typeface="Arial" panose="020B0604020202020204" pitchFamily="34" charset="0"/>
+                    <a:ea typeface="Times New Roman" panose="02020603050405020304" pitchFamily="18" charset="0"/>
+                    <a:cs typeface="Times New Roman" panose="02020603050405020304" pitchFamily="18" charset="0"/>
+                  </a:rPr>
+                  <a:t> </a:t>
+                </a:r>
+                <a:r>
+                  <a:rPr lang="en-AU" sz="2400" kern="100" dirty="0">
+                    <a:solidFill>
+                      <a:schemeClr val="accent1">
+                        <a:lumMod val="60000"/>
+                        <a:lumOff val="40000"/>
+                      </a:schemeClr>
+                    </a:solidFill>
+                    <a:effectLst/>
+                    <a:latin typeface="Calibri" panose="020F0502020204030204" pitchFamily="34" charset="0"/>
+                    <a:ea typeface="Calibri" panose="020F0502020204030204" pitchFamily="34" charset="0"/>
+                    <a:cs typeface="Times New Roman" panose="02020603050405020304" pitchFamily="18" charset="0"/>
+                  </a:rPr>
+                  <a:t> </a:t>
+                </a:r>
+              </a:p>
+              <a:p>
+                <a:endParaRPr lang="en-AU" sz="2400" dirty="0">
+                  <a:solidFill>
+                    <a:schemeClr val="accent1">
+                      <a:lumMod val="60000"/>
+                      <a:lumOff val="40000"/>
+                    </a:schemeClr>
+                  </a:solidFill>
+                </a:endParaRPr>
+              </a:p>
+            </p:txBody>
+          </p:sp>
+        </p:grpSp>
+        <p:grpSp>
+          <p:nvGrpSpPr>
+            <p:cNvPr id="88" name="Group 87">
+              <a:extLst>
+                <a:ext uri="{FF2B5EF4-FFF2-40B4-BE49-F238E27FC236}">
+                  <a16:creationId xmlns:a16="http://schemas.microsoft.com/office/drawing/2014/main" id="{B317216B-3692-9959-E8B5-8A7A18E4748D}"/>
+                </a:ext>
+              </a:extLst>
+            </p:cNvPr>
+            <p:cNvGrpSpPr/>
+            <p:nvPr/>
+          </p:nvGrpSpPr>
+          <p:grpSpPr>
+            <a:xfrm>
+              <a:off x="1765374" y="1773119"/>
+              <a:ext cx="4130161" cy="2372438"/>
+              <a:chOff x="5368706" y="3082546"/>
+              <a:chExt cx="5172361" cy="3181358"/>
+            </a:xfrm>
+          </p:grpSpPr>
+          <p:sp>
+            <p:nvSpPr>
+              <p:cNvPr id="2" name="Rectangle 1">
+                <a:extLst>
+                  <a:ext uri="{FF2B5EF4-FFF2-40B4-BE49-F238E27FC236}">
+                    <a16:creationId xmlns:a16="http://schemas.microsoft.com/office/drawing/2014/main" id="{0A9D2A6D-12CF-41CA-9B39-4855A57C3F80}"/>
+                  </a:ext>
+                </a:extLst>
+              </p:cNvPr>
+              <p:cNvSpPr/>
+              <p:nvPr/>
+            </p:nvSpPr>
+            <p:spPr>
+              <a:xfrm>
+                <a:off x="5746685" y="3770185"/>
+                <a:ext cx="4794382" cy="2493719"/>
+              </a:xfrm>
+              <a:prstGeom prst="rect">
+                <a:avLst/>
+              </a:prstGeom>
+              <a:solidFill>
+                <a:schemeClr val="accent6">
+                  <a:lumMod val="60000"/>
+                  <a:lumOff val="40000"/>
+                </a:schemeClr>
+              </a:solidFill>
+              <a:ln>
+                <a:solidFill>
+                  <a:schemeClr val="accent6">
+                    <a:lumMod val="50000"/>
+                  </a:schemeClr>
+                </a:solidFill>
+              </a:ln>
+              <a:scene3d>
+                <a:camera prst="isometricOffAxis1Right"/>
+                <a:lightRig rig="threePt" dir="t"/>
+              </a:scene3d>
+              <a:sp3d extrusionH="1803400">
+                <a:extrusionClr>
+                  <a:schemeClr val="accent6">
+                    <a:lumMod val="75000"/>
+                  </a:schemeClr>
+                </a:extrusionClr>
+              </a:sp3d>
+            </p:spPr>
+            <p:style>
+              <a:lnRef idx="2">
+                <a:schemeClr val="accent1">
+                  <a:shade val="50000"/>
+                </a:schemeClr>
+              </a:lnRef>
+              <a:fillRef idx="1">
+                <a:schemeClr val="accent1"/>
+              </a:fillRef>
+              <a:effectRef idx="0">
+                <a:schemeClr val="accent1"/>
+              </a:effectRef>
+              <a:fontRef idx="minor">
+                <a:schemeClr val="lt1"/>
+              </a:fontRef>
+            </p:style>
+            <p:txBody>
+              <a:bodyPr rtlCol="0" anchor="ctr"/>
+              <a:lstStyle/>
+              <a:p>
+                <a:pPr algn="ctr"/>
+                <a:endParaRPr lang="en-AU"/>
+              </a:p>
+            </p:txBody>
+          </p:sp>
+          <p:pic>
+            <p:nvPicPr>
+              <p:cNvPr id="5" name="Picture 4">
+                <a:extLst>
+                  <a:ext uri="{FF2B5EF4-FFF2-40B4-BE49-F238E27FC236}">
+                    <a16:creationId xmlns:a16="http://schemas.microsoft.com/office/drawing/2014/main" id="{4DDBD2DF-BBB9-B531-19FD-F3E5D54946B1}"/>
+                  </a:ext>
+                </a:extLst>
+              </p:cNvPr>
+              <p:cNvPicPr>
+                <a:picLocks noChangeAspect="1"/>
+              </p:cNvPicPr>
+              <p:nvPr/>
+            </p:nvPicPr>
+            <p:blipFill>
+              <a:blip r:embed="rId2"/>
+              <a:stretch>
+                <a:fillRect/>
+              </a:stretch>
+            </p:blipFill>
+            <p:spPr>
+              <a:xfrm>
+                <a:off x="6032521" y="4099483"/>
+                <a:ext cx="2662710" cy="1240096"/>
+              </a:xfrm>
+              <a:prstGeom prst="rect">
+                <a:avLst/>
+              </a:prstGeom>
+              <a:solidFill>
+                <a:schemeClr val="accent6">
+                  <a:lumMod val="60000"/>
+                  <a:lumOff val="40000"/>
+                </a:schemeClr>
+              </a:solidFill>
+              <a:scene3d>
+                <a:camera prst="isometricOffAxis1Right"/>
+                <a:lightRig rig="threePt" dir="t"/>
+              </a:scene3d>
+            </p:spPr>
+          </p:pic>
+          <p:sp>
+            <p:nvSpPr>
+              <p:cNvPr id="19" name="TextBox 18">
+                <a:extLst>
+                  <a:ext uri="{FF2B5EF4-FFF2-40B4-BE49-F238E27FC236}">
+                    <a16:creationId xmlns:a16="http://schemas.microsoft.com/office/drawing/2014/main" id="{15AAA5EA-4BF5-C3B1-43B1-353DDA63A2D7}"/>
+                  </a:ext>
+                </a:extLst>
+              </p:cNvPr>
+              <p:cNvSpPr txBox="1"/>
+              <p:nvPr/>
+            </p:nvSpPr>
+            <p:spPr>
+              <a:xfrm>
+                <a:off x="5368706" y="3082546"/>
+                <a:ext cx="4432048" cy="691599"/>
+              </a:xfrm>
+              <a:prstGeom prst="rect">
+                <a:avLst/>
+              </a:prstGeom>
+              <a:noFill/>
+              <a:scene3d>
+                <a:camera prst="isometricOffAxis1Right"/>
+                <a:lightRig rig="threePt" dir="t"/>
+              </a:scene3d>
+            </p:spPr>
+            <p:txBody>
+              <a:bodyPr wrap="none" rtlCol="0">
+                <a:spAutoFit/>
+              </a:bodyPr>
+              <a:lstStyle/>
+              <a:p>
+                <a:r>
+                  <a:rPr lang="en-AU" sz="1200" dirty="0">
+                    <a:solidFill>
+                      <a:schemeClr val="bg1"/>
+                    </a:solidFill>
+                  </a:rPr>
+                  <a:t>Relational Queries with Fixed-Point Operators</a:t>
+                </a:r>
+              </a:p>
+              <a:p>
+                <a:pPr algn="ctr"/>
+                <a:r>
+                  <a:rPr lang="en-AU" sz="1200" dirty="0">
+                    <a:solidFill>
+                      <a:schemeClr val="bg1"/>
+                    </a:solidFill>
+                  </a:rPr>
+                  <a:t>Relational Algebra, SQL, Datalog, …</a:t>
+                </a:r>
+              </a:p>
+            </p:txBody>
+          </p:sp>
+          <p:sp>
+            <p:nvSpPr>
+              <p:cNvPr id="33" name="TextBox 32">
+                <a:extLst>
+                  <a:ext uri="{FF2B5EF4-FFF2-40B4-BE49-F238E27FC236}">
+                    <a16:creationId xmlns:a16="http://schemas.microsoft.com/office/drawing/2014/main" id="{9B8BEA76-225A-F196-32D0-7D3F0329890D}"/>
+                  </a:ext>
+                </a:extLst>
+              </p:cNvPr>
+              <p:cNvSpPr txBox="1"/>
+              <p:nvPr/>
+            </p:nvSpPr>
+            <p:spPr>
+              <a:xfrm>
+                <a:off x="6490991" y="5324894"/>
+                <a:ext cx="3548106" cy="495262"/>
+              </a:xfrm>
+              <a:prstGeom prst="rect">
+                <a:avLst/>
+              </a:prstGeom>
+              <a:solidFill>
+                <a:srgbClr val="7F7F7F">
+                  <a:alpha val="38039"/>
+                </a:srgbClr>
+              </a:solidFill>
+              <a:scene3d>
+                <a:camera prst="isometricOffAxis1Right"/>
+                <a:lightRig rig="threePt" dir="t"/>
+              </a:scene3d>
+            </p:spPr>
+            <p:txBody>
+              <a:bodyPr wrap="square" rtlCol="0">
+                <a:spAutoFit/>
+              </a:bodyPr>
+              <a:lstStyle/>
+              <a:p>
+                <a:pPr algn="ctr"/>
+                <a:r>
+                  <a:rPr lang="en-AU" dirty="0"/>
+                  <a:t>Derived Relations</a:t>
+                </a:r>
+              </a:p>
+            </p:txBody>
+          </p:sp>
+          <p:pic>
+            <p:nvPicPr>
+              <p:cNvPr id="10" name="Picture 9">
+                <a:extLst>
+                  <a:ext uri="{FF2B5EF4-FFF2-40B4-BE49-F238E27FC236}">
+                    <a16:creationId xmlns:a16="http://schemas.microsoft.com/office/drawing/2014/main" id="{9BA138B9-41C2-31B0-8185-978017F64334}"/>
+                  </a:ext>
+                </a:extLst>
+              </p:cNvPr>
+              <p:cNvPicPr>
+                <a:picLocks noChangeAspect="1"/>
+              </p:cNvPicPr>
+              <p:nvPr/>
+            </p:nvPicPr>
+            <p:blipFill>
+              <a:blip r:embed="rId2"/>
+              <a:stretch>
+                <a:fillRect/>
+              </a:stretch>
+            </p:blipFill>
+            <p:spPr>
+              <a:xfrm>
+                <a:off x="6647889" y="3985258"/>
+                <a:ext cx="2662710" cy="1240096"/>
+              </a:xfrm>
+              <a:prstGeom prst="rect">
+                <a:avLst/>
+              </a:prstGeom>
+              <a:solidFill>
+                <a:schemeClr val="accent6">
+                  <a:lumMod val="60000"/>
+                  <a:lumOff val="40000"/>
+                </a:schemeClr>
+              </a:solidFill>
+              <a:scene3d>
+                <a:camera prst="isometricOffAxis1Right"/>
+                <a:lightRig rig="threePt" dir="t"/>
+              </a:scene3d>
+            </p:spPr>
+          </p:pic>
+          <p:pic>
+            <p:nvPicPr>
+              <p:cNvPr id="11" name="Picture 10">
+                <a:extLst>
+                  <a:ext uri="{FF2B5EF4-FFF2-40B4-BE49-F238E27FC236}">
+                    <a16:creationId xmlns:a16="http://schemas.microsoft.com/office/drawing/2014/main" id="{36AABABC-9FFB-3E43-E2DC-0F62CBCA1565}"/>
+                  </a:ext>
+                </a:extLst>
+              </p:cNvPr>
+              <p:cNvPicPr>
+                <a:picLocks noChangeAspect="1"/>
+              </p:cNvPicPr>
+              <p:nvPr/>
+            </p:nvPicPr>
+            <p:blipFill>
+              <a:blip r:embed="rId2"/>
+              <a:stretch>
+                <a:fillRect/>
+              </a:stretch>
+            </p:blipFill>
+            <p:spPr>
+              <a:xfrm>
+                <a:off x="7263257" y="3877245"/>
+                <a:ext cx="2662710" cy="1240096"/>
+              </a:xfrm>
+              <a:prstGeom prst="rect">
+                <a:avLst/>
+              </a:prstGeom>
+              <a:solidFill>
+                <a:schemeClr val="accent6">
+                  <a:lumMod val="60000"/>
+                  <a:lumOff val="40000"/>
+                </a:schemeClr>
+              </a:solidFill>
+              <a:scene3d>
+                <a:camera prst="isometricOffAxis1Right"/>
+                <a:lightRig rig="threePt" dir="t"/>
+              </a:scene3d>
+            </p:spPr>
+          </p:pic>
+        </p:grpSp>
+      </p:grpSp>
+      <p:sp>
+        <p:nvSpPr>
+          <p:cNvPr id="13" name="TextBox 12">
+            <a:extLst>
+              <a:ext uri="{FF2B5EF4-FFF2-40B4-BE49-F238E27FC236}">
+                <a16:creationId xmlns:a16="http://schemas.microsoft.com/office/drawing/2014/main" id="{42775E36-1BBE-40F3-29EC-A77950327135}"/>
+              </a:ext>
+            </a:extLst>
+          </p:cNvPr>
+          <p:cNvSpPr txBox="1"/>
+          <p:nvPr/>
+        </p:nvSpPr>
+        <p:spPr>
+          <a:xfrm>
+            <a:off x="-6314382" y="3915499"/>
+            <a:ext cx="6094562" cy="1384995"/>
+          </a:xfrm>
+          <a:prstGeom prst="rect">
+            <a:avLst/>
+          </a:prstGeom>
+          <a:solidFill>
+            <a:schemeClr val="tx1"/>
+          </a:solidFill>
+        </p:spPr>
+        <p:txBody>
+          <a:bodyPr wrap="square">
+            <a:spAutoFit/>
+          </a:bodyPr>
+          <a:lstStyle/>
+          <a:p>
+            <a:r>
+              <a:rPr lang="en-AU" dirty="0">
+                <a:solidFill>
+                  <a:schemeClr val="bg1"/>
+                </a:solidFill>
+              </a:rPr>
+              <a:t>⓪</a:t>
+            </a:r>
+            <a:r>
+              <a:rPr lang="en-AU" b="0" i="0" dirty="0">
+                <a:solidFill>
+                  <a:schemeClr val="bg1"/>
+                </a:solidFill>
+                <a:effectLst/>
+                <a:latin typeface="Arial" panose="020B0604020202020204" pitchFamily="34" charset="0"/>
+              </a:rPr>
+              <a:t> </a:t>
+            </a:r>
+            <a:r>
+              <a:rPr lang="en-AU" dirty="0">
+                <a:solidFill>
+                  <a:schemeClr val="bg1"/>
+                </a:solidFill>
+              </a:rPr>
+              <a:t>①</a:t>
+            </a:r>
+            <a:r>
+              <a:rPr lang="en-AU" b="0" i="0" dirty="0">
+                <a:solidFill>
+                  <a:schemeClr val="bg1"/>
+                </a:solidFill>
+                <a:effectLst/>
+                <a:latin typeface="Arial" panose="020B0604020202020204" pitchFamily="34" charset="0"/>
+              </a:rPr>
+              <a:t> </a:t>
+            </a:r>
+            <a:r>
+              <a:rPr lang="en-AU" dirty="0">
+                <a:solidFill>
+                  <a:schemeClr val="bg1"/>
+                </a:solidFill>
+              </a:rPr>
+              <a:t>②</a:t>
+            </a:r>
+            <a:r>
+              <a:rPr lang="en-AU" b="0" i="0" dirty="0">
+                <a:solidFill>
+                  <a:schemeClr val="bg1"/>
+                </a:solidFill>
+                <a:effectLst/>
+                <a:latin typeface="Arial" panose="020B0604020202020204" pitchFamily="34" charset="0"/>
+              </a:rPr>
+              <a:t> </a:t>
+            </a:r>
+            <a:r>
+              <a:rPr lang="en-AU" dirty="0">
+                <a:solidFill>
+                  <a:schemeClr val="bg1"/>
+                </a:solidFill>
+              </a:rPr>
+              <a:t>③</a:t>
+            </a:r>
+            <a:r>
+              <a:rPr lang="en-AU" b="0" i="0" dirty="0">
+                <a:solidFill>
+                  <a:schemeClr val="bg1"/>
+                </a:solidFill>
+                <a:effectLst/>
+                <a:latin typeface="Arial" panose="020B0604020202020204" pitchFamily="34" charset="0"/>
+              </a:rPr>
+              <a:t> </a:t>
+            </a:r>
+            <a:r>
+              <a:rPr lang="en-AU" dirty="0">
+                <a:solidFill>
+                  <a:schemeClr val="bg1"/>
+                </a:solidFill>
+              </a:rPr>
+              <a:t>④</a:t>
+            </a:r>
+            <a:r>
+              <a:rPr lang="en-AU" b="0" i="0" dirty="0">
+                <a:solidFill>
+                  <a:schemeClr val="bg1"/>
+                </a:solidFill>
+                <a:effectLst/>
+                <a:latin typeface="Arial" panose="020B0604020202020204" pitchFamily="34" charset="0"/>
+              </a:rPr>
+              <a:t> </a:t>
+            </a:r>
+            <a:r>
+              <a:rPr lang="en-AU" dirty="0">
+                <a:solidFill>
+                  <a:schemeClr val="bg1"/>
+                </a:solidFill>
+              </a:rPr>
+              <a:t>⑤</a:t>
+            </a:r>
+            <a:r>
+              <a:rPr lang="en-AU" b="0" i="0" dirty="0">
+                <a:solidFill>
+                  <a:schemeClr val="bg1"/>
+                </a:solidFill>
+                <a:effectLst/>
+                <a:latin typeface="Arial" panose="020B0604020202020204" pitchFamily="34" charset="0"/>
+              </a:rPr>
+              <a:t> </a:t>
+            </a:r>
+            <a:r>
+              <a:rPr lang="en-AU" dirty="0">
+                <a:solidFill>
+                  <a:schemeClr val="bg1"/>
+                </a:solidFill>
+              </a:rPr>
+              <a:t>⑥</a:t>
+            </a:r>
+            <a:r>
+              <a:rPr lang="en-AU" b="0" i="0" dirty="0">
+                <a:solidFill>
+                  <a:schemeClr val="bg1"/>
+                </a:solidFill>
+                <a:effectLst/>
+                <a:latin typeface="Arial" panose="020B0604020202020204" pitchFamily="34" charset="0"/>
+              </a:rPr>
+              <a:t> </a:t>
+            </a:r>
+            <a:r>
+              <a:rPr lang="en-AU" dirty="0">
+                <a:solidFill>
+                  <a:schemeClr val="bg1"/>
+                </a:solidFill>
+              </a:rPr>
+              <a:t>⑦</a:t>
+            </a:r>
+            <a:r>
+              <a:rPr lang="en-AU" b="0" i="0" dirty="0">
+                <a:solidFill>
+                  <a:schemeClr val="bg1"/>
+                </a:solidFill>
+                <a:effectLst/>
+                <a:latin typeface="Arial" panose="020B0604020202020204" pitchFamily="34" charset="0"/>
+              </a:rPr>
+              <a:t> </a:t>
+            </a:r>
+            <a:r>
+              <a:rPr lang="en-AU" dirty="0">
+                <a:solidFill>
+                  <a:schemeClr val="bg1"/>
+                </a:solidFill>
+              </a:rPr>
+              <a:t>⑧</a:t>
+            </a:r>
+            <a:r>
+              <a:rPr lang="en-AU" b="0" i="0" dirty="0">
+                <a:solidFill>
+                  <a:schemeClr val="bg1"/>
+                </a:solidFill>
+                <a:effectLst/>
+                <a:latin typeface="Arial" panose="020B0604020202020204" pitchFamily="34" charset="0"/>
+              </a:rPr>
+              <a:t> </a:t>
+            </a:r>
+            <a:r>
+              <a:rPr lang="en-AU" dirty="0">
+                <a:solidFill>
+                  <a:schemeClr val="bg1"/>
+                </a:solidFill>
+              </a:rPr>
+              <a:t>⑨</a:t>
+            </a:r>
+            <a:r>
+              <a:rPr lang="en-AU" b="0" i="0" dirty="0">
+                <a:solidFill>
+                  <a:schemeClr val="bg1"/>
+                </a:solidFill>
+                <a:effectLst/>
+                <a:latin typeface="Arial" panose="020B0604020202020204" pitchFamily="34" charset="0"/>
+              </a:rPr>
+              <a:t> </a:t>
+            </a:r>
+            <a:r>
+              <a:rPr lang="en-AU" dirty="0">
+                <a:solidFill>
+                  <a:schemeClr val="bg1"/>
+                </a:solidFill>
+              </a:rPr>
+              <a:t>⑩</a:t>
+            </a:r>
+            <a:r>
+              <a:rPr lang="en-AU" b="0" i="0" dirty="0">
+                <a:solidFill>
+                  <a:schemeClr val="bg1"/>
+                </a:solidFill>
+                <a:effectLst/>
+                <a:latin typeface="Arial" panose="020B0604020202020204" pitchFamily="34" charset="0"/>
+              </a:rPr>
+              <a:t> </a:t>
+            </a:r>
+            <a:r>
+              <a:rPr lang="en-AU" dirty="0">
+                <a:solidFill>
+                  <a:schemeClr val="bg1"/>
+                </a:solidFill>
+              </a:rPr>
+              <a:t>⑪</a:t>
+            </a:r>
+            <a:r>
+              <a:rPr lang="en-AU" b="0" i="0" dirty="0">
+                <a:solidFill>
+                  <a:schemeClr val="bg1"/>
+                </a:solidFill>
+                <a:effectLst/>
+                <a:latin typeface="Arial" panose="020B0604020202020204" pitchFamily="34" charset="0"/>
+              </a:rPr>
+              <a:t> </a:t>
+            </a:r>
+            <a:r>
+              <a:rPr lang="en-AU" dirty="0">
+                <a:solidFill>
+                  <a:schemeClr val="bg1"/>
+                </a:solidFill>
+              </a:rPr>
+              <a:t>⑫</a:t>
+            </a:r>
+            <a:r>
+              <a:rPr lang="en-AU" b="0" i="0" dirty="0">
+                <a:solidFill>
+                  <a:schemeClr val="bg1"/>
+                </a:solidFill>
+                <a:effectLst/>
+                <a:latin typeface="Arial" panose="020B0604020202020204" pitchFamily="34" charset="0"/>
+              </a:rPr>
+              <a:t> </a:t>
+            </a:r>
+            <a:r>
+              <a:rPr lang="en-AU" dirty="0">
+                <a:solidFill>
+                  <a:schemeClr val="bg1"/>
+                </a:solidFill>
+              </a:rPr>
+              <a:t>⑬</a:t>
+            </a:r>
+            <a:r>
+              <a:rPr lang="en-AU" b="0" i="0" dirty="0">
+                <a:solidFill>
+                  <a:schemeClr val="bg1"/>
+                </a:solidFill>
+                <a:effectLst/>
+                <a:latin typeface="Arial" panose="020B0604020202020204" pitchFamily="34" charset="0"/>
+              </a:rPr>
+              <a:t> </a:t>
+            </a:r>
+            <a:r>
+              <a:rPr lang="en-AU" dirty="0">
+                <a:solidFill>
+                  <a:schemeClr val="bg1"/>
+                </a:solidFill>
+              </a:rPr>
+              <a:t>⑭</a:t>
+            </a:r>
+            <a:r>
+              <a:rPr lang="en-AU" b="0" i="0" dirty="0">
+                <a:solidFill>
+                  <a:schemeClr val="bg1"/>
+                </a:solidFill>
+                <a:effectLst/>
+                <a:latin typeface="Arial" panose="020B0604020202020204" pitchFamily="34" charset="0"/>
+              </a:rPr>
+              <a:t> </a:t>
+            </a:r>
+            <a:r>
+              <a:rPr lang="en-AU" dirty="0">
+                <a:solidFill>
+                  <a:schemeClr val="bg1"/>
+                </a:solidFill>
+              </a:rPr>
+              <a:t>⑮</a:t>
+            </a:r>
+            <a:r>
+              <a:rPr lang="en-AU" b="0" i="0" dirty="0">
+                <a:solidFill>
+                  <a:schemeClr val="bg1"/>
+                </a:solidFill>
+                <a:effectLst/>
+                <a:latin typeface="Arial" panose="020B0604020202020204" pitchFamily="34" charset="0"/>
+              </a:rPr>
+              <a:t> </a:t>
+            </a:r>
+            <a:r>
+              <a:rPr lang="en-AU" dirty="0">
+                <a:solidFill>
+                  <a:schemeClr val="bg1"/>
+                </a:solidFill>
+              </a:rPr>
+              <a:t>⑯</a:t>
+            </a:r>
+            <a:r>
+              <a:rPr lang="en-AU" b="0" i="0" dirty="0">
+                <a:solidFill>
+                  <a:schemeClr val="bg1"/>
+                </a:solidFill>
+                <a:effectLst/>
+                <a:latin typeface="Arial" panose="020B0604020202020204" pitchFamily="34" charset="0"/>
+              </a:rPr>
+              <a:t> </a:t>
+            </a:r>
+            <a:r>
+              <a:rPr lang="en-AU" dirty="0">
+                <a:solidFill>
+                  <a:schemeClr val="bg1"/>
+                </a:solidFill>
+              </a:rPr>
+              <a:t>⑰</a:t>
+            </a:r>
+            <a:r>
+              <a:rPr lang="en-AU" b="0" i="0" dirty="0">
+                <a:solidFill>
+                  <a:schemeClr val="bg1"/>
+                </a:solidFill>
+                <a:effectLst/>
+                <a:latin typeface="Arial" panose="020B0604020202020204" pitchFamily="34" charset="0"/>
+              </a:rPr>
+              <a:t> </a:t>
+            </a:r>
+            <a:r>
+              <a:rPr lang="en-AU" dirty="0">
+                <a:solidFill>
+                  <a:schemeClr val="bg1"/>
+                </a:solidFill>
+              </a:rPr>
+              <a:t>⑱</a:t>
+            </a:r>
+            <a:r>
+              <a:rPr lang="en-AU" b="0" i="0" dirty="0">
+                <a:solidFill>
+                  <a:schemeClr val="bg1"/>
+                </a:solidFill>
+                <a:effectLst/>
+                <a:latin typeface="Arial" panose="020B0604020202020204" pitchFamily="34" charset="0"/>
+              </a:rPr>
+              <a:t> </a:t>
+            </a:r>
+            <a:r>
+              <a:rPr lang="en-AU" dirty="0">
+                <a:solidFill>
+                  <a:schemeClr val="bg1"/>
+                </a:solidFill>
+              </a:rPr>
+              <a:t>⑲</a:t>
+            </a:r>
+            <a:r>
+              <a:rPr lang="en-AU" b="0" i="0" dirty="0">
+                <a:solidFill>
+                  <a:schemeClr val="bg1"/>
+                </a:solidFill>
+                <a:effectLst/>
+                <a:latin typeface="Arial" panose="020B0604020202020204" pitchFamily="34" charset="0"/>
+              </a:rPr>
+              <a:t> </a:t>
+            </a:r>
+            <a:r>
+              <a:rPr lang="en-AU" dirty="0">
+                <a:solidFill>
+                  <a:schemeClr val="bg1"/>
+                </a:solidFill>
+              </a:rPr>
+              <a:t>⑳</a:t>
+            </a:r>
+            <a:r>
+              <a:rPr lang="en-AU" b="0" i="0" dirty="0">
+                <a:solidFill>
+                  <a:schemeClr val="bg1"/>
+                </a:solidFill>
+                <a:effectLst/>
+                <a:latin typeface="Arial" panose="020B0604020202020204" pitchFamily="34" charset="0"/>
+              </a:rPr>
+              <a:t> </a:t>
+            </a:r>
+            <a:r>
+              <a:rPr lang="en-AU" sz="2200" b="0" i="0" dirty="0">
+                <a:solidFill>
+                  <a:schemeClr val="bg1"/>
+                </a:solidFill>
+                <a:effectLst/>
+                <a:latin typeface="Arial" panose="020B0604020202020204" pitchFamily="34" charset="0"/>
+              </a:rPr>
+              <a:t>㉑ ㉒ ㉓ ㉔ ㉕ ㉖ ㉗ ㉘ ㉙ ㉚ ㉛ ㉜ ㉝ ㉞ ㉟ ㊱ ㊲ ㊳ ㊴ ㊵ ㊶ ㊷ ㊸ ㊹ ㊺ ㊻ ㊼ ㊽ ㊾ ㊿</a:t>
+            </a:r>
+            <a:endParaRPr lang="en-AU" sz="2200" dirty="0">
+              <a:solidFill>
+                <a:schemeClr val="bg1"/>
+              </a:solidFill>
+            </a:endParaRPr>
+          </a:p>
+        </p:txBody>
+      </p:sp>
+      <p:sp>
+        <p:nvSpPr>
+          <p:cNvPr id="12" name="TextBox 11">
+            <a:extLst>
+              <a:ext uri="{FF2B5EF4-FFF2-40B4-BE49-F238E27FC236}">
+                <a16:creationId xmlns:a16="http://schemas.microsoft.com/office/drawing/2014/main" id="{0829BC99-394E-CE73-1DB2-5428101F6490}"/>
+              </a:ext>
+            </a:extLst>
+          </p:cNvPr>
+          <p:cNvSpPr txBox="1"/>
+          <p:nvPr/>
+        </p:nvSpPr>
+        <p:spPr>
+          <a:xfrm>
+            <a:off x="7206183" y="747447"/>
+            <a:ext cx="4600237" cy="646331"/>
+          </a:xfrm>
+          <a:prstGeom prst="rect">
+            <a:avLst/>
+          </a:prstGeom>
+          <a:noFill/>
+        </p:spPr>
+        <p:txBody>
+          <a:bodyPr wrap="square">
+            <a:spAutoFit/>
+          </a:bodyPr>
+          <a:lstStyle/>
+          <a:p>
+            <a:r>
+              <a:rPr lang="en-AU" sz="3600" dirty="0"/>
+              <a:t> ㉑ *</a:t>
+            </a:r>
+            <a:r>
+              <a:rPr lang="en-AU" sz="3200" dirty="0"/>
+              <a:t>Deductive Database</a:t>
+            </a:r>
+          </a:p>
+        </p:txBody>
+      </p:sp>
+      <p:grpSp>
+        <p:nvGrpSpPr>
+          <p:cNvPr id="38" name="Group 37">
+            <a:extLst>
+              <a:ext uri="{FF2B5EF4-FFF2-40B4-BE49-F238E27FC236}">
+                <a16:creationId xmlns:a16="http://schemas.microsoft.com/office/drawing/2014/main" id="{08A95565-47A1-73A3-9567-5A22B2DAC313}"/>
+              </a:ext>
+            </a:extLst>
+          </p:cNvPr>
+          <p:cNvGrpSpPr/>
+          <p:nvPr/>
+        </p:nvGrpSpPr>
+        <p:grpSpPr>
+          <a:xfrm>
+            <a:off x="5027323" y="3308319"/>
+            <a:ext cx="6719957" cy="2399176"/>
+            <a:chOff x="1296308" y="452121"/>
+            <a:chExt cx="4664306" cy="2680230"/>
+          </a:xfrm>
+        </p:grpSpPr>
+        <p:sp>
+          <p:nvSpPr>
+            <p:cNvPr id="60" name="Rectangle 59">
+              <a:extLst>
+                <a:ext uri="{FF2B5EF4-FFF2-40B4-BE49-F238E27FC236}">
+                  <a16:creationId xmlns:a16="http://schemas.microsoft.com/office/drawing/2014/main" id="{F95729DD-AA31-6440-C96E-D93F2EA3EB34}"/>
+                </a:ext>
+              </a:extLst>
+            </p:cNvPr>
+            <p:cNvSpPr/>
+            <p:nvPr/>
+          </p:nvSpPr>
+          <p:spPr>
+            <a:xfrm>
+              <a:off x="1296308" y="1272706"/>
+              <a:ext cx="4275094" cy="1859645"/>
+            </a:xfrm>
+            <a:prstGeom prst="rect">
+              <a:avLst/>
+            </a:prstGeom>
+            <a:solidFill>
+              <a:srgbClr val="4472C4">
+                <a:alpha val="43137"/>
+              </a:srgbClr>
+            </a:solidFill>
+            <a:scene3d>
+              <a:camera prst="isometricOffAxis1Right"/>
+              <a:lightRig rig="threePt" dir="t"/>
+            </a:scene3d>
+            <a:sp3d extrusionH="1803400"/>
+          </p:spPr>
+          <p:style>
+            <a:lnRef idx="2">
+              <a:schemeClr val="accent1">
+                <a:shade val="50000"/>
+              </a:schemeClr>
+            </a:lnRef>
+            <a:fillRef idx="1">
+              <a:schemeClr val="accent1"/>
+            </a:fillRef>
+            <a:effectRef idx="0">
+              <a:schemeClr val="accent1"/>
+            </a:effectRef>
+            <a:fontRef idx="minor">
+              <a:schemeClr val="lt1"/>
+            </a:fontRef>
+          </p:style>
+          <p:txBody>
+            <a:bodyPr rtlCol="0" anchor="ctr"/>
+            <a:lstStyle/>
+            <a:p>
+              <a:pPr algn="ctr"/>
+              <a:endParaRPr lang="en-AU"/>
+            </a:p>
+          </p:txBody>
+        </p:sp>
+        <p:pic>
+          <p:nvPicPr>
+            <p:cNvPr id="61" name="Picture 60">
+              <a:extLst>
+                <a:ext uri="{FF2B5EF4-FFF2-40B4-BE49-F238E27FC236}">
+                  <a16:creationId xmlns:a16="http://schemas.microsoft.com/office/drawing/2014/main" id="{1E06EA52-4A39-6DE0-F78B-2095CB8DCB2B}"/>
+                </a:ext>
+              </a:extLst>
+            </p:cNvPr>
+            <p:cNvPicPr>
+              <a:picLocks noChangeAspect="1"/>
+            </p:cNvPicPr>
+            <p:nvPr/>
+          </p:nvPicPr>
+          <p:blipFill>
+            <a:blip r:embed="rId2"/>
+            <a:stretch>
+              <a:fillRect/>
+            </a:stretch>
+          </p:blipFill>
+          <p:spPr>
+            <a:xfrm>
+              <a:off x="1495705" y="1532518"/>
+              <a:ext cx="2015528" cy="852600"/>
+            </a:xfrm>
+            <a:prstGeom prst="rect">
+              <a:avLst/>
+            </a:prstGeom>
+            <a:scene3d>
+              <a:camera prst="isometricOffAxis1Right"/>
+              <a:lightRig rig="threePt" dir="t"/>
+            </a:scene3d>
+          </p:spPr>
+        </p:pic>
+        <p:sp>
+          <p:nvSpPr>
+            <p:cNvPr id="62" name="TextBox 61">
+              <a:extLst>
+                <a:ext uri="{FF2B5EF4-FFF2-40B4-BE49-F238E27FC236}">
+                  <a16:creationId xmlns:a16="http://schemas.microsoft.com/office/drawing/2014/main" id="{CF209071-7098-BC59-A1C8-9745C835978D}"/>
+                </a:ext>
+              </a:extLst>
+            </p:cNvPr>
+            <p:cNvSpPr txBox="1"/>
+            <p:nvPr/>
+          </p:nvSpPr>
+          <p:spPr>
+            <a:xfrm>
+              <a:off x="2213993" y="2365405"/>
+              <a:ext cx="2790251" cy="584775"/>
+            </a:xfrm>
+            <a:prstGeom prst="rect">
+              <a:avLst/>
+            </a:prstGeom>
+            <a:solidFill>
+              <a:srgbClr val="7F7F7F">
+                <a:alpha val="38039"/>
+              </a:srgbClr>
+            </a:solidFill>
+            <a:scene3d>
+              <a:camera prst="isometricOffAxis1Right"/>
+              <a:lightRig rig="threePt" dir="t"/>
+            </a:scene3d>
+          </p:spPr>
+          <p:txBody>
+            <a:bodyPr wrap="none" rtlCol="0">
+              <a:spAutoFit/>
+            </a:bodyPr>
+            <a:lstStyle/>
+            <a:p>
+              <a:pPr algn="ctr"/>
+              <a:r>
+                <a:rPr lang="en-AU" sz="1600" dirty="0"/>
+                <a:t>Extensionally Defined Relations</a:t>
+              </a:r>
+              <a:br>
+                <a:rPr lang="en-AU" sz="1600" dirty="0"/>
+              </a:br>
+              <a:r>
+                <a:rPr lang="en-AU" sz="1600" dirty="0"/>
+                <a:t>(Data)</a:t>
+              </a:r>
+            </a:p>
+          </p:txBody>
+        </p:sp>
+        <p:pic>
+          <p:nvPicPr>
+            <p:cNvPr id="63" name="Picture 62">
+              <a:extLst>
+                <a:ext uri="{FF2B5EF4-FFF2-40B4-BE49-F238E27FC236}">
+                  <a16:creationId xmlns:a16="http://schemas.microsoft.com/office/drawing/2014/main" id="{0C329854-E4F4-DD80-C77F-BF10B00FFB3B}"/>
+                </a:ext>
+              </a:extLst>
+            </p:cNvPr>
+            <p:cNvPicPr>
+              <a:picLocks noChangeAspect="1"/>
+            </p:cNvPicPr>
+            <p:nvPr/>
+          </p:nvPicPr>
+          <p:blipFill>
+            <a:blip r:embed="rId2"/>
+            <a:stretch>
+              <a:fillRect/>
+            </a:stretch>
+          </p:blipFill>
+          <p:spPr>
+            <a:xfrm>
+              <a:off x="3439489" y="1269855"/>
+              <a:ext cx="1031690" cy="436421"/>
+            </a:xfrm>
+            <a:prstGeom prst="rect">
+              <a:avLst/>
+            </a:prstGeom>
+            <a:scene3d>
+              <a:camera prst="isometricOffAxis1Right"/>
+              <a:lightRig rig="threePt" dir="t"/>
+            </a:scene3d>
+          </p:spPr>
+        </p:pic>
+        <p:pic>
+          <p:nvPicPr>
+            <p:cNvPr id="64" name="Picture 63">
+              <a:extLst>
+                <a:ext uri="{FF2B5EF4-FFF2-40B4-BE49-F238E27FC236}">
+                  <a16:creationId xmlns:a16="http://schemas.microsoft.com/office/drawing/2014/main" id="{D821C84A-F93D-9749-247D-28C8F6D29084}"/>
+                </a:ext>
+              </a:extLst>
+            </p:cNvPr>
+            <p:cNvPicPr>
+              <a:picLocks noChangeAspect="1"/>
+            </p:cNvPicPr>
+            <p:nvPr/>
+          </p:nvPicPr>
+          <p:blipFill>
+            <a:blip r:embed="rId2"/>
+            <a:stretch>
+              <a:fillRect/>
+            </a:stretch>
+          </p:blipFill>
+          <p:spPr>
+            <a:xfrm>
+              <a:off x="3440966" y="1786407"/>
+              <a:ext cx="1031690" cy="436421"/>
+            </a:xfrm>
+            <a:prstGeom prst="rect">
+              <a:avLst/>
+            </a:prstGeom>
+            <a:scene3d>
+              <a:camera prst="isometricOffAxis1Right"/>
+              <a:lightRig rig="threePt" dir="t"/>
+            </a:scene3d>
+          </p:spPr>
+        </p:pic>
+        <p:sp>
+          <p:nvSpPr>
+            <p:cNvPr id="65" name="TextBox 64">
+              <a:extLst>
+                <a:ext uri="{FF2B5EF4-FFF2-40B4-BE49-F238E27FC236}">
+                  <a16:creationId xmlns:a16="http://schemas.microsoft.com/office/drawing/2014/main" id="{E1DC2395-A635-22AA-F592-A41D298FE0C7}"/>
+                </a:ext>
+              </a:extLst>
+            </p:cNvPr>
+            <p:cNvSpPr txBox="1"/>
+            <p:nvPr/>
+          </p:nvSpPr>
+          <p:spPr>
+            <a:xfrm>
+              <a:off x="1694087" y="452121"/>
+              <a:ext cx="4266527" cy="825196"/>
+            </a:xfrm>
+            <a:prstGeom prst="rect">
+              <a:avLst/>
+            </a:prstGeom>
+            <a:noFill/>
+            <a:scene3d>
+              <a:camera prst="isometricOffAxis1Right"/>
+              <a:lightRig rig="threePt" dir="t"/>
+            </a:scene3d>
+          </p:spPr>
+          <p:txBody>
+            <a:bodyPr wrap="square">
+              <a:spAutoFit/>
+            </a:bodyPr>
+            <a:lstStyle/>
+            <a:p>
+              <a:pPr lvl="0"/>
+              <a:r>
+                <a:rPr lang="en-AU" sz="1400" dirty="0">
+                  <a:solidFill>
+                    <a:schemeClr val="bg1"/>
+                  </a:solidFill>
+                </a:rPr>
+                <a:t>Hardware, scale, cloud, multi-vendors, indexing, storage,</a:t>
+              </a:r>
+              <a:br>
+                <a:rPr lang="en-AU" sz="1400" dirty="0">
+                  <a:solidFill>
+                    <a:schemeClr val="bg1"/>
+                  </a:solidFill>
+                </a:rPr>
+              </a:br>
+              <a:r>
+                <a:rPr lang="en-AU" sz="1400" dirty="0">
+                  <a:solidFill>
+                    <a:schemeClr val="bg1"/>
+                  </a:solidFill>
+                </a:rPr>
+                <a:t>     replication, transactions, concurrency, recovery, distributed</a:t>
+              </a:r>
+              <a:br>
+                <a:rPr lang="en-AU" sz="1400" dirty="0">
+                  <a:solidFill>
+                    <a:schemeClr val="bg1"/>
+                  </a:solidFill>
+                </a:rPr>
+              </a:br>
+              <a:r>
+                <a:rPr lang="en-AU" sz="1400" dirty="0">
+                  <a:solidFill>
+                    <a:schemeClr val="bg1"/>
+                  </a:solidFill>
+                </a:rPr>
+                <a:t>         systems, materialisation, backup, …</a:t>
+              </a:r>
+            </a:p>
+          </p:txBody>
+        </p:sp>
+      </p:grpSp>
+      <p:grpSp>
+        <p:nvGrpSpPr>
+          <p:cNvPr id="55" name="Group 54">
+            <a:extLst>
+              <a:ext uri="{FF2B5EF4-FFF2-40B4-BE49-F238E27FC236}">
+                <a16:creationId xmlns:a16="http://schemas.microsoft.com/office/drawing/2014/main" id="{D2076E31-76E4-CDB6-6CF7-2CB8C58AA001}"/>
+              </a:ext>
+            </a:extLst>
+          </p:cNvPr>
+          <p:cNvGrpSpPr/>
+          <p:nvPr/>
+        </p:nvGrpSpPr>
+        <p:grpSpPr>
+          <a:xfrm>
+            <a:off x="5827053" y="4544381"/>
+            <a:ext cx="6159212" cy="1675955"/>
+            <a:chOff x="6865752" y="1207000"/>
+            <a:chExt cx="3355265" cy="1825385"/>
+          </a:xfrm>
+          <a:solidFill>
+            <a:srgbClr val="CDAB94"/>
+          </a:solidFill>
+        </p:grpSpPr>
+        <p:sp>
+          <p:nvSpPr>
+            <p:cNvPr id="58" name="Rectangle 57">
+              <a:extLst>
+                <a:ext uri="{FF2B5EF4-FFF2-40B4-BE49-F238E27FC236}">
+                  <a16:creationId xmlns:a16="http://schemas.microsoft.com/office/drawing/2014/main" id="{41BEF23A-9BD5-BB9F-E59F-AB33ADBF14EE}"/>
+                </a:ext>
+              </a:extLst>
+            </p:cNvPr>
+            <p:cNvSpPr/>
+            <p:nvPr/>
+          </p:nvSpPr>
+          <p:spPr>
+            <a:xfrm>
+              <a:off x="6865752" y="1207000"/>
+              <a:ext cx="3355265" cy="1825385"/>
+            </a:xfrm>
+            <a:prstGeom prst="rect">
+              <a:avLst/>
+            </a:prstGeom>
+            <a:grpFill/>
+            <a:ln>
+              <a:solidFill>
+                <a:schemeClr val="accent2">
+                  <a:lumMod val="50000"/>
+                </a:schemeClr>
+              </a:solidFill>
+            </a:ln>
+            <a:scene3d>
+              <a:camera prst="isometricOffAxis1Right"/>
+              <a:lightRig rig="threePt" dir="t"/>
+            </a:scene3d>
+            <a:sp3d extrusionH="1803400">
+              <a:extrusionClr>
+                <a:schemeClr val="accent2">
+                  <a:lumMod val="50000"/>
+                </a:schemeClr>
+              </a:extrusionClr>
+              <a:contourClr>
+                <a:schemeClr val="tx1">
+                  <a:lumMod val="50000"/>
+                  <a:lumOff val="50000"/>
+                </a:schemeClr>
+              </a:contourClr>
+            </a:sp3d>
+          </p:spPr>
+          <p:style>
+            <a:lnRef idx="2">
+              <a:schemeClr val="accent1">
+                <a:shade val="50000"/>
+              </a:schemeClr>
+            </a:lnRef>
+            <a:fillRef idx="1">
+              <a:schemeClr val="accent1"/>
+            </a:fillRef>
+            <a:effectRef idx="0">
+              <a:schemeClr val="accent1"/>
+            </a:effectRef>
+            <a:fontRef idx="minor">
+              <a:schemeClr val="lt1"/>
+            </a:fontRef>
+          </p:style>
+          <p:txBody>
+            <a:bodyPr rtlCol="0" anchor="ctr"/>
+            <a:lstStyle/>
+            <a:p>
+              <a:pPr algn="ctr"/>
+              <a:endParaRPr lang="en-AU"/>
+            </a:p>
+          </p:txBody>
+        </p:sp>
+        <p:sp>
+          <p:nvSpPr>
+            <p:cNvPr id="59" name="TextBox 58">
+              <a:extLst>
+                <a:ext uri="{FF2B5EF4-FFF2-40B4-BE49-F238E27FC236}">
+                  <a16:creationId xmlns:a16="http://schemas.microsoft.com/office/drawing/2014/main" id="{36D6A583-EE57-EEE3-0B8C-EEDD7F0FB098}"/>
+                </a:ext>
+              </a:extLst>
+            </p:cNvPr>
+            <p:cNvSpPr txBox="1"/>
+            <p:nvPr/>
+          </p:nvSpPr>
+          <p:spPr>
+            <a:xfrm>
+              <a:off x="7150331" y="1518654"/>
+              <a:ext cx="2840867" cy="1039176"/>
+            </a:xfrm>
+            <a:prstGeom prst="rect">
+              <a:avLst/>
+            </a:prstGeom>
+            <a:grpFill/>
+            <a:ln>
+              <a:noFill/>
+            </a:ln>
+            <a:scene3d>
+              <a:camera prst="isometricOffAxis1Right"/>
+              <a:lightRig rig="threePt" dir="t"/>
+            </a:scene3d>
+          </p:spPr>
+          <p:txBody>
+            <a:bodyPr wrap="square">
+              <a:spAutoFit/>
+            </a:bodyPr>
+            <a:lstStyle/>
+            <a:p>
+              <a:pPr lvl="0"/>
+              <a:r>
+                <a:rPr lang="en-AU" sz="1400" dirty="0">
+                  <a:solidFill>
+                    <a:schemeClr val="accent2">
+                      <a:lumMod val="50000"/>
+                    </a:schemeClr>
+                  </a:solidFill>
+                </a:rPr>
+                <a:t>Logic, Constraints, </a:t>
+              </a:r>
+              <a:r>
+                <a:rPr lang="en-US" sz="1400" dirty="0">
+                  <a:solidFill>
+                    <a:schemeClr val="accent2">
+                      <a:lumMod val="50000"/>
+                    </a:schemeClr>
+                  </a:solidFill>
+                </a:rPr>
+                <a:t>Relational Queries with Fixed-Point Operators</a:t>
+              </a:r>
+            </a:p>
+            <a:p>
+              <a:pPr lvl="0"/>
+              <a:r>
+                <a:rPr lang="en-AU" sz="1400" dirty="0">
+                  <a:solidFill>
+                    <a:schemeClr val="accent2">
+                      <a:lumMod val="50000"/>
+                    </a:schemeClr>
+                  </a:solidFill>
+                </a:rPr>
+                <a:t>Search, SMT Solvers, Numerical Methods,  Linear Programming, Symbolic Computation, Termination, Negation, Stratification, Type Theory, Multiple Semantics </a:t>
+              </a:r>
+            </a:p>
+          </p:txBody>
+        </p:sp>
+      </p:grpSp>
+      <p:sp>
+        <p:nvSpPr>
+          <p:cNvPr id="80" name="TextBox 79">
+            <a:extLst>
+              <a:ext uri="{FF2B5EF4-FFF2-40B4-BE49-F238E27FC236}">
+                <a16:creationId xmlns:a16="http://schemas.microsoft.com/office/drawing/2014/main" id="{54DE752B-E0F9-2D89-B147-E2878384D13E}"/>
+              </a:ext>
+            </a:extLst>
+          </p:cNvPr>
+          <p:cNvSpPr txBox="1"/>
+          <p:nvPr/>
+        </p:nvSpPr>
+        <p:spPr>
+          <a:xfrm>
+            <a:off x="955229" y="5853956"/>
+            <a:ext cx="4685742" cy="646331"/>
+          </a:xfrm>
+          <a:prstGeom prst="rect">
+            <a:avLst/>
+          </a:prstGeom>
+          <a:noFill/>
+        </p:spPr>
+        <p:txBody>
+          <a:bodyPr wrap="square">
+            <a:spAutoFit/>
+          </a:bodyPr>
+          <a:lstStyle/>
+          <a:p>
+            <a:r>
+              <a:rPr lang="en-AU" sz="3600" dirty="0"/>
+              <a:t> ㉒ *</a:t>
+            </a:r>
+            <a:r>
+              <a:rPr lang="en-AU" sz="3200" dirty="0"/>
+              <a:t>Constraint Database</a:t>
+            </a:r>
+          </a:p>
+        </p:txBody>
+      </p:sp>
+    </p:spTree>
+    <p:extLst>
+      <p:ext uri="{BB962C8B-B14F-4D97-AF65-F5344CB8AC3E}">
+        <p14:creationId xmlns:p14="http://schemas.microsoft.com/office/powerpoint/2010/main" val="4292177441"/>
       </p:ext>
     </p:extLst>
   </p:cSld>

--- a/images/src/jetisu diagrams.pptx
+++ b/images/src/jetisu diagrams.pptx
@@ -20881,7 +20881,7 @@
           <a:p>
             <a:fld id="{EB429232-E4BA-4B3A-9952-EE5A117FBC50}" type="datetimeFigureOut">
               <a:rPr lang="en-AU" smtClean="0"/>
-              <a:t>19/02/2023</a:t>
+              <a:t>20/02/2023</a:t>
             </a:fld>
             <a:endParaRPr lang="en-AU"/>
           </a:p>
@@ -21081,7 +21081,7 @@
           <a:p>
             <a:fld id="{EB429232-E4BA-4B3A-9952-EE5A117FBC50}" type="datetimeFigureOut">
               <a:rPr lang="en-AU" smtClean="0"/>
-              <a:t>19/02/2023</a:t>
+              <a:t>20/02/2023</a:t>
             </a:fld>
             <a:endParaRPr lang="en-AU"/>
           </a:p>
@@ -21291,7 +21291,7 @@
           <a:p>
             <a:fld id="{EB429232-E4BA-4B3A-9952-EE5A117FBC50}" type="datetimeFigureOut">
               <a:rPr lang="en-AU" smtClean="0"/>
-              <a:t>19/02/2023</a:t>
+              <a:t>20/02/2023</a:t>
             </a:fld>
             <a:endParaRPr lang="en-AU"/>
           </a:p>
@@ -21491,7 +21491,7 @@
           <a:p>
             <a:fld id="{EB429232-E4BA-4B3A-9952-EE5A117FBC50}" type="datetimeFigureOut">
               <a:rPr lang="en-AU" smtClean="0"/>
-              <a:t>19/02/2023</a:t>
+              <a:t>20/02/2023</a:t>
             </a:fld>
             <a:endParaRPr lang="en-AU"/>
           </a:p>
@@ -21767,7 +21767,7 @@
           <a:p>
             <a:fld id="{EB429232-E4BA-4B3A-9952-EE5A117FBC50}" type="datetimeFigureOut">
               <a:rPr lang="en-AU" smtClean="0"/>
-              <a:t>19/02/2023</a:t>
+              <a:t>20/02/2023</a:t>
             </a:fld>
             <a:endParaRPr lang="en-AU"/>
           </a:p>
@@ -22035,7 +22035,7 @@
           <a:p>
             <a:fld id="{EB429232-E4BA-4B3A-9952-EE5A117FBC50}" type="datetimeFigureOut">
               <a:rPr lang="en-AU" smtClean="0"/>
-              <a:t>19/02/2023</a:t>
+              <a:t>20/02/2023</a:t>
             </a:fld>
             <a:endParaRPr lang="en-AU"/>
           </a:p>
@@ -22450,7 +22450,7 @@
           <a:p>
             <a:fld id="{EB429232-E4BA-4B3A-9952-EE5A117FBC50}" type="datetimeFigureOut">
               <a:rPr lang="en-AU" smtClean="0"/>
-              <a:t>19/02/2023</a:t>
+              <a:t>20/02/2023</a:t>
             </a:fld>
             <a:endParaRPr lang="en-AU"/>
           </a:p>
@@ -22592,7 +22592,7 @@
           <a:p>
             <a:fld id="{EB429232-E4BA-4B3A-9952-EE5A117FBC50}" type="datetimeFigureOut">
               <a:rPr lang="en-AU" smtClean="0"/>
-              <a:t>19/02/2023</a:t>
+              <a:t>20/02/2023</a:t>
             </a:fld>
             <a:endParaRPr lang="en-AU"/>
           </a:p>
@@ -22705,7 +22705,7 @@
           <a:p>
             <a:fld id="{EB429232-E4BA-4B3A-9952-EE5A117FBC50}" type="datetimeFigureOut">
               <a:rPr lang="en-AU" smtClean="0"/>
-              <a:t>19/02/2023</a:t>
+              <a:t>20/02/2023</a:t>
             </a:fld>
             <a:endParaRPr lang="en-AU"/>
           </a:p>
@@ -23018,7 +23018,7 @@
           <a:p>
             <a:fld id="{EB429232-E4BA-4B3A-9952-EE5A117FBC50}" type="datetimeFigureOut">
               <a:rPr lang="en-AU" smtClean="0"/>
-              <a:t>19/02/2023</a:t>
+              <a:t>20/02/2023</a:t>
             </a:fld>
             <a:endParaRPr lang="en-AU"/>
           </a:p>
@@ -23307,7 +23307,7 @@
           <a:p>
             <a:fld id="{EB429232-E4BA-4B3A-9952-EE5A117FBC50}" type="datetimeFigureOut">
               <a:rPr lang="en-AU" smtClean="0"/>
-              <a:t>19/02/2023</a:t>
+              <a:t>20/02/2023</a:t>
             </a:fld>
             <a:endParaRPr lang="en-AU"/>
           </a:p>
@@ -23550,7 +23550,7 @@
           <a:p>
             <a:fld id="{EB429232-E4BA-4B3A-9952-EE5A117FBC50}" type="datetimeFigureOut">
               <a:rPr lang="en-AU" smtClean="0"/>
-              <a:t>19/02/2023</a:t>
+              <a:t>20/02/2023</a:t>
             </a:fld>
             <a:endParaRPr lang="en-AU"/>
           </a:p>
@@ -26664,7 +26664,7 @@
             </p:nvSpPr>
             <p:spPr>
               <a:xfrm>
-                <a:off x="6954933" y="2074886"/>
+                <a:off x="6981530" y="1933649"/>
                 <a:ext cx="1235851" cy="290626"/>
               </a:xfrm>
               <a:prstGeom prst="rect">
@@ -26690,6 +26690,50 @@
                 <a:r>
                   <a:rPr lang="en-AU" sz="1200" dirty="0"/>
                   <a:t> Effectiveness</a:t>
+                </a:r>
+              </a:p>
+            </p:txBody>
+          </p:sp>
+          <p:sp>
+            <p:nvSpPr>
+              <p:cNvPr id="12" name="TextBox 11">
+                <a:extLst>
+                  <a:ext uri="{FF2B5EF4-FFF2-40B4-BE49-F238E27FC236}">
+                    <a16:creationId xmlns:a16="http://schemas.microsoft.com/office/drawing/2014/main" id="{F7721030-5FDC-B2DF-9B54-EDAF0022F223}"/>
+                  </a:ext>
+                </a:extLst>
+              </p:cNvPr>
+              <p:cNvSpPr txBox="1"/>
+              <p:nvPr/>
+            </p:nvSpPr>
+            <p:spPr>
+              <a:xfrm>
+                <a:off x="8045343" y="1981161"/>
+                <a:ext cx="1805046" cy="290626"/>
+              </a:xfrm>
+              <a:prstGeom prst="rect">
+                <a:avLst/>
+              </a:prstGeom>
+              <a:noFill/>
+              <a:scene3d>
+                <a:camera prst="isometricOffAxis1Right"/>
+                <a:lightRig rig="threePt" dir="t"/>
+              </a:scene3d>
+            </p:spPr>
+            <p:txBody>
+              <a:bodyPr wrap="none" rtlCol="0">
+                <a:spAutoFit/>
+              </a:bodyPr>
+              <a:lstStyle/>
+              <a:p>
+                <a:pPr algn="ctr"/>
+                <a:r>
+                  <a:rPr lang="en-AU" sz="1100" dirty="0"/>
+                  <a:t>⑱</a:t>
+                </a:r>
+                <a:r>
+                  <a:rPr lang="en-AU" sz="1200" dirty="0"/>
+                  <a:t> Encapsulation of logic.</a:t>
                 </a:r>
               </a:p>
             </p:txBody>
@@ -28629,7 +28673,7 @@
         <p:spPr>
           <a:xfrm>
             <a:off x="54942" y="59416"/>
-            <a:ext cx="3816343" cy="1200329"/>
+            <a:ext cx="3816343" cy="1477328"/>
           </a:xfrm>
           <a:prstGeom prst="rect">
             <a:avLst/>
@@ -28656,7 +28700,13 @@
           <a:p>
             <a:r>
               <a:rPr lang="en-AU" dirty="0"/>
-              <a:t>⑬ Case Studies and Use Cases</a:t>
+              <a:t>⑬ Rules as Code</a:t>
+            </a:r>
+          </a:p>
+          <a:p>
+            <a:r>
+              <a:rPr lang="en-AU" dirty="0"/>
+              <a:t>⑰ Case Studies</a:t>
             </a:r>
           </a:p>
           <a:p>

--- a/images/src/jetisu diagrams.pptx
+++ b/images/src/jetisu diagrams.pptx
@@ -20881,7 +20881,7 @@
           <a:p>
             <a:fld id="{EB429232-E4BA-4B3A-9952-EE5A117FBC50}" type="datetimeFigureOut">
               <a:rPr lang="en-AU" smtClean="0"/>
-              <a:t>20/02/2023</a:t>
+              <a:t>25/02/2023</a:t>
             </a:fld>
             <a:endParaRPr lang="en-AU"/>
           </a:p>
@@ -21081,7 +21081,7 @@
           <a:p>
             <a:fld id="{EB429232-E4BA-4B3A-9952-EE5A117FBC50}" type="datetimeFigureOut">
               <a:rPr lang="en-AU" smtClean="0"/>
-              <a:t>20/02/2023</a:t>
+              <a:t>25/02/2023</a:t>
             </a:fld>
             <a:endParaRPr lang="en-AU"/>
           </a:p>
@@ -21291,7 +21291,7 @@
           <a:p>
             <a:fld id="{EB429232-E4BA-4B3A-9952-EE5A117FBC50}" type="datetimeFigureOut">
               <a:rPr lang="en-AU" smtClean="0"/>
-              <a:t>20/02/2023</a:t>
+              <a:t>25/02/2023</a:t>
             </a:fld>
             <a:endParaRPr lang="en-AU"/>
           </a:p>
@@ -21491,7 +21491,7 @@
           <a:p>
             <a:fld id="{EB429232-E4BA-4B3A-9952-EE5A117FBC50}" type="datetimeFigureOut">
               <a:rPr lang="en-AU" smtClean="0"/>
-              <a:t>20/02/2023</a:t>
+              <a:t>25/02/2023</a:t>
             </a:fld>
             <a:endParaRPr lang="en-AU"/>
           </a:p>
@@ -21767,7 +21767,7 @@
           <a:p>
             <a:fld id="{EB429232-E4BA-4B3A-9952-EE5A117FBC50}" type="datetimeFigureOut">
               <a:rPr lang="en-AU" smtClean="0"/>
-              <a:t>20/02/2023</a:t>
+              <a:t>25/02/2023</a:t>
             </a:fld>
             <a:endParaRPr lang="en-AU"/>
           </a:p>
@@ -22035,7 +22035,7 @@
           <a:p>
             <a:fld id="{EB429232-E4BA-4B3A-9952-EE5A117FBC50}" type="datetimeFigureOut">
               <a:rPr lang="en-AU" smtClean="0"/>
-              <a:t>20/02/2023</a:t>
+              <a:t>25/02/2023</a:t>
             </a:fld>
             <a:endParaRPr lang="en-AU"/>
           </a:p>
@@ -22450,7 +22450,7 @@
           <a:p>
             <a:fld id="{EB429232-E4BA-4B3A-9952-EE5A117FBC50}" type="datetimeFigureOut">
               <a:rPr lang="en-AU" smtClean="0"/>
-              <a:t>20/02/2023</a:t>
+              <a:t>25/02/2023</a:t>
             </a:fld>
             <a:endParaRPr lang="en-AU"/>
           </a:p>
@@ -22592,7 +22592,7 @@
           <a:p>
             <a:fld id="{EB429232-E4BA-4B3A-9952-EE5A117FBC50}" type="datetimeFigureOut">
               <a:rPr lang="en-AU" smtClean="0"/>
-              <a:t>20/02/2023</a:t>
+              <a:t>25/02/2023</a:t>
             </a:fld>
             <a:endParaRPr lang="en-AU"/>
           </a:p>
@@ -22705,7 +22705,7 @@
           <a:p>
             <a:fld id="{EB429232-E4BA-4B3A-9952-EE5A117FBC50}" type="datetimeFigureOut">
               <a:rPr lang="en-AU" smtClean="0"/>
-              <a:t>20/02/2023</a:t>
+              <a:t>25/02/2023</a:t>
             </a:fld>
             <a:endParaRPr lang="en-AU"/>
           </a:p>
@@ -23018,7 +23018,7 @@
           <a:p>
             <a:fld id="{EB429232-E4BA-4B3A-9952-EE5A117FBC50}" type="datetimeFigureOut">
               <a:rPr lang="en-AU" smtClean="0"/>
-              <a:t>20/02/2023</a:t>
+              <a:t>25/02/2023</a:t>
             </a:fld>
             <a:endParaRPr lang="en-AU"/>
           </a:p>
@@ -23307,7 +23307,7 @@
           <a:p>
             <a:fld id="{EB429232-E4BA-4B3A-9952-EE5A117FBC50}" type="datetimeFigureOut">
               <a:rPr lang="en-AU" smtClean="0"/>
-              <a:t>20/02/2023</a:t>
+              <a:t>25/02/2023</a:t>
             </a:fld>
             <a:endParaRPr lang="en-AU"/>
           </a:p>
@@ -23550,7 +23550,7 @@
           <a:p>
             <a:fld id="{EB429232-E4BA-4B3A-9952-EE5A117FBC50}" type="datetimeFigureOut">
               <a:rPr lang="en-AU" smtClean="0"/>
-              <a:t>20/02/2023</a:t>
+              <a:t>25/02/2023</a:t>
             </a:fld>
             <a:endParaRPr lang="en-AU"/>
           </a:p>
@@ -25975,7 +25975,7 @@
         </p:nvGrpSpPr>
         <p:grpSpPr>
           <a:xfrm>
-            <a:off x="379396" y="1036355"/>
+            <a:off x="232476" y="1036355"/>
             <a:ext cx="4753889" cy="2392645"/>
             <a:chOff x="817513" y="705446"/>
             <a:chExt cx="4753889" cy="2392645"/>
@@ -26085,8 +26085,8 @@
           </p:nvSpPr>
           <p:spPr>
             <a:xfrm>
-              <a:off x="2213993" y="2365405"/>
-              <a:ext cx="2790251" cy="584775"/>
+              <a:off x="2134030" y="2365405"/>
+              <a:ext cx="3191531" cy="584775"/>
             </a:xfrm>
             <a:prstGeom prst="rect">
               <a:avLst/>
@@ -26102,7 +26102,7 @@
             </a:scene3d>
           </p:spPr>
           <p:txBody>
-            <a:bodyPr wrap="none" rtlCol="0">
+            <a:bodyPr wrap="square" rtlCol="0">
               <a:spAutoFit/>
             </a:bodyPr>
             <a:lstStyle/>
@@ -26229,7 +26229,7 @@
                     <a:schemeClr val="bg1"/>
                   </a:solidFill>
                 </a:rPr>
-                <a:t>* Hardware, scale, cloud, multi-vendors, indexing, storage,</a:t>
+                <a:t>Hardware, scale, cloud, multi-vendors, indexing, storage,</a:t>
               </a:r>
               <a:br>
                 <a:rPr lang="en-AU" sz="1200" dirty="0">
@@ -26474,7 +26474,7 @@
             </p:blipFill>
             <p:spPr>
               <a:xfrm>
-                <a:off x="8352450" y="1131684"/>
+                <a:off x="8257033" y="1130816"/>
                 <a:ext cx="2015528" cy="852600"/>
               </a:xfrm>
               <a:prstGeom prst="rect">
@@ -26505,8 +26505,8 @@
             </p:nvSpPr>
             <p:spPr>
               <a:xfrm>
-                <a:off x="7349421" y="2222271"/>
-                <a:ext cx="3257367" cy="613543"/>
+                <a:off x="7337655" y="2222271"/>
+                <a:ext cx="3159374" cy="613543"/>
               </a:xfrm>
               <a:prstGeom prst="rect">
                 <a:avLst/>
@@ -26522,7 +26522,7 @@
               </a:scene3d>
             </p:spPr>
             <p:txBody>
-              <a:bodyPr wrap="none" rtlCol="0">
+              <a:bodyPr wrap="square" rtlCol="0">
                 <a:spAutoFit/>
               </a:bodyPr>
               <a:lstStyle/>
@@ -26532,12 +26532,16 @@
                   <a:rPr lang="en-AU" sz="1600" dirty="0"/>
                   <a:t>Intensionally Defined Relations</a:t>
                 </a:r>
+                <a:r>
+                  <a:rPr lang="en-AU" sz="1600" baseline="30000" dirty="0"/>
+                  <a:t>1</a:t>
+                </a:r>
                 <a:br>
                   <a:rPr lang="en-AU" sz="1600" dirty="0"/>
                 </a:br>
                 <a:r>
                   <a:rPr lang="en-AU" sz="1600" dirty="0"/>
-                  <a:t>(non-extensional, non-derived Rules)</a:t>
+                  <a:t>(Rules)</a:t>
                 </a:r>
               </a:p>
             </p:txBody>
@@ -26708,7 +26712,7 @@
             </p:nvSpPr>
             <p:spPr>
               <a:xfrm>
-                <a:off x="8045343" y="1981161"/>
+                <a:off x="6959905" y="2167700"/>
                 <a:ext cx="1805046" cy="290626"/>
               </a:xfrm>
               <a:prstGeom prst="rect">
@@ -26734,6 +26738,101 @@
                 <a:r>
                   <a:rPr lang="en-AU" sz="1200" dirty="0"/>
                   <a:t> Encapsulation of logic.</a:t>
+                </a:r>
+              </a:p>
+            </p:txBody>
+          </p:sp>
+          <p:sp>
+            <p:nvSpPr>
+              <p:cNvPr id="16" name="TextBox 15">
+                <a:extLst>
+                  <a:ext uri="{FF2B5EF4-FFF2-40B4-BE49-F238E27FC236}">
+                    <a16:creationId xmlns:a16="http://schemas.microsoft.com/office/drawing/2014/main" id="{F914FE4F-CAFF-7C8F-814E-15A35E2CD8D3}"/>
+                  </a:ext>
+                </a:extLst>
+              </p:cNvPr>
+              <p:cNvSpPr txBox="1"/>
+              <p:nvPr/>
+            </p:nvSpPr>
+            <p:spPr>
+              <a:xfrm>
+                <a:off x="8433439" y="1866853"/>
+                <a:ext cx="2597891" cy="290626"/>
+              </a:xfrm>
+              <a:prstGeom prst="rect">
+                <a:avLst/>
+              </a:prstGeom>
+              <a:noFill/>
+              <a:scene3d>
+                <a:camera prst="isometricOffAxis1Right"/>
+                <a:lightRig rig="threePt" dir="t"/>
+              </a:scene3d>
+            </p:spPr>
+            <p:txBody>
+              <a:bodyPr wrap="none" rtlCol="0">
+                <a:spAutoFit/>
+              </a:bodyPr>
+              <a:lstStyle/>
+              <a:p>
+                <a:pPr algn="ctr"/>
+                <a:r>
+                  <a:rPr lang="en-AU" sz="1100" dirty="0"/>
+                  <a:t>⑲</a:t>
+                </a:r>
+                <a:r>
+                  <a:rPr lang="en-AU" sz="1200" dirty="0"/>
+                  <a:t> Superkeys and Func. Dependencies</a:t>
+                </a:r>
+              </a:p>
+            </p:txBody>
+          </p:sp>
+          <p:sp>
+            <p:nvSpPr>
+              <p:cNvPr id="42" name="TextBox 41">
+                <a:extLst>
+                  <a:ext uri="{FF2B5EF4-FFF2-40B4-BE49-F238E27FC236}">
+                    <a16:creationId xmlns:a16="http://schemas.microsoft.com/office/drawing/2014/main" id="{2AB43841-56D2-4521-EFEE-BC825709EE9E}"/>
+                  </a:ext>
+                </a:extLst>
+              </p:cNvPr>
+              <p:cNvSpPr txBox="1"/>
+              <p:nvPr/>
+            </p:nvSpPr>
+            <p:spPr>
+              <a:xfrm>
+                <a:off x="10078297" y="1210450"/>
+                <a:ext cx="869854" cy="516668"/>
+              </a:xfrm>
+              <a:prstGeom prst="rect">
+                <a:avLst/>
+              </a:prstGeom>
+              <a:noFill/>
+              <a:scene3d>
+                <a:camera prst="isometricOffAxis1Right"/>
+                <a:lightRig rig="threePt" dir="t"/>
+              </a:scene3d>
+            </p:spPr>
+            <p:txBody>
+              <a:bodyPr wrap="none" rtlCol="0">
+                <a:spAutoFit/>
+              </a:bodyPr>
+              <a:lstStyle/>
+              <a:p>
+                <a:pPr algn="ctr"/>
+                <a:r>
+                  <a:rPr lang="en-AU" sz="1400" dirty="0"/>
+                  <a:t>㉑</a:t>
+                </a:r>
+                <a:r>
+                  <a:rPr lang="en-AU" sz="1200" dirty="0"/>
+                  <a:t> Ground</a:t>
+                </a:r>
+                <a:br>
+                  <a:rPr lang="en-AU" sz="1200" dirty="0"/>
+                </a:br>
+                <a:r>
+                  <a:rPr lang="en-AU" sz="1200" dirty="0"/>
+                  <a:t>facts</a:t>
                 </a:r>
               </a:p>
             </p:txBody>
@@ -27085,9 +27184,9 @@
         <p:grpSpPr>
           <a:xfrm>
             <a:off x="5449191" y="3336330"/>
-            <a:ext cx="6677830" cy="3072888"/>
+            <a:ext cx="6677829" cy="3072888"/>
             <a:chOff x="5456534" y="3336630"/>
-            <a:chExt cx="6677830" cy="3072888"/>
+            <a:chExt cx="6677829" cy="3072888"/>
           </a:xfrm>
         </p:grpSpPr>
         <p:grpSp>
@@ -27104,10 +27203,10 @@
           </p:nvGrpSpPr>
           <p:grpSpPr>
             <a:xfrm>
-              <a:off x="5624468" y="3336630"/>
-              <a:ext cx="6509896" cy="3072888"/>
-              <a:chOff x="5362044" y="3191016"/>
-              <a:chExt cx="5179023" cy="3072888"/>
+              <a:off x="6107951" y="3336630"/>
+              <a:ext cx="6026412" cy="3072888"/>
+              <a:chOff x="5746685" y="3191016"/>
+              <a:chExt cx="4794382" cy="3072888"/>
             </a:xfrm>
           </p:grpSpPr>
           <p:sp>
@@ -27419,8 +27518,8 @@
             </p:nvSpPr>
             <p:spPr>
               <a:xfrm>
-                <a:off x="5362044" y="3978316"/>
-                <a:ext cx="4107925" cy="276999"/>
+                <a:off x="7109465" y="3847097"/>
+                <a:ext cx="1860139" cy="276999"/>
               </a:xfrm>
               <a:prstGeom prst="rect">
                 <a:avLst/>
@@ -27440,11 +27539,11 @@
                 <a:pPr algn="ctr"/>
                 <a:r>
                   <a:rPr lang="en-AU" sz="1100" dirty="0"/>
-                  <a:t>⑯ *</a:t>
+                  <a:t>⑯ </a:t>
                 </a:r>
                 <a:r>
                   <a:rPr lang="en-AU" sz="1200" dirty="0"/>
-                  <a:t>“Intensionally Defined Relations” (Derived Relations)</a:t>
+                  <a:t>“Intensional Database IDB”</a:t>
                 </a:r>
               </a:p>
             </p:txBody>
@@ -28055,7 +28154,7 @@
         </p:nvSpPr>
         <p:spPr>
           <a:xfrm>
-            <a:off x="467023" y="1344132"/>
+            <a:off x="320103" y="1352104"/>
             <a:ext cx="479087" cy="338554"/>
           </a:xfrm>
           <a:prstGeom prst="rect">
@@ -28188,7 +28287,7 @@
         </p:nvSpPr>
         <p:spPr>
           <a:xfrm>
-            <a:off x="4450752" y="1377540"/>
+            <a:off x="1628189" y="2888970"/>
             <a:ext cx="665671" cy="338554"/>
           </a:xfrm>
           <a:prstGeom prst="rect">
@@ -28209,7 +28308,7 @@
             <a:r>
               <a:rPr lang="en-AU" sz="1600" dirty="0">
                 <a:solidFill>
-                  <a:srgbClr val="4472C4"/>
+                  <a:srgbClr val="233D6A"/>
                 </a:solidFill>
               </a:rPr>
               <a:t>④</a:t>
@@ -28231,7 +28330,7 @@
         </p:nvSpPr>
         <p:spPr>
           <a:xfrm>
-            <a:off x="10061177" y="606281"/>
+            <a:off x="7027900" y="2043390"/>
             <a:ext cx="665671" cy="338554"/>
           </a:xfrm>
           <a:prstGeom prst="rect">
@@ -28252,7 +28351,7 @@
             <a:r>
               <a:rPr lang="en-AU" sz="1600" dirty="0">
                 <a:solidFill>
-                  <a:srgbClr val="7030A0"/>
+                  <a:srgbClr val="522276"/>
                 </a:solidFill>
               </a:rPr>
               <a:t>⑤</a:t>
@@ -28274,8 +28373,8 @@
         </p:nvSpPr>
         <p:spPr>
           <a:xfrm>
-            <a:off x="11353857" y="3606066"/>
-            <a:ext cx="665671" cy="369332"/>
+            <a:off x="7857129" y="5674795"/>
+            <a:ext cx="665671" cy="400110"/>
           </a:xfrm>
           <a:prstGeom prst="rect">
             <a:avLst/>
@@ -28293,101 +28392,28 @@
           <a:lstStyle/>
           <a:p>
             <a:r>
-              <a:rPr lang="en-AU" dirty="0">
+              <a:rPr lang="en-AU" sz="2000" dirty="0">
                 <a:solidFill>
-                  <a:schemeClr val="accent6">
-                    <a:lumMod val="75000"/>
-                  </a:schemeClr>
+                  <a:srgbClr val="3E5E28"/>
                 </a:solidFill>
               </a:rPr>
               <a:t>⑥</a:t>
             </a:r>
             <a:r>
-              <a:rPr lang="en-AU" b="0" i="0" dirty="0">
+              <a:rPr lang="en-AU" sz="2000" b="0" i="0" dirty="0">
                 <a:solidFill>
-                  <a:schemeClr val="accent6">
-                    <a:lumMod val="75000"/>
-                  </a:schemeClr>
+                  <a:srgbClr val="3E5E28"/>
                 </a:solidFill>
                 <a:effectLst/>
                 <a:latin typeface="Arial" panose="020B0604020202020204" pitchFamily="34" charset="0"/>
               </a:rPr>
               <a:t> </a:t>
             </a:r>
-            <a:endParaRPr lang="en-AU" dirty="0">
+            <a:endParaRPr lang="en-AU" sz="2000" dirty="0">
               <a:solidFill>
-                <a:schemeClr val="accent6">
-                  <a:lumMod val="75000"/>
-                </a:schemeClr>
+                <a:srgbClr val="3E5E28"/>
               </a:solidFill>
             </a:endParaRPr>
-          </a:p>
-        </p:txBody>
-      </p:sp>
-      <p:sp>
-        <p:nvSpPr>
-          <p:cNvPr id="27" name="Arrow: Right 26">
-            <a:extLst>
-              <a:ext uri="{FF2B5EF4-FFF2-40B4-BE49-F238E27FC236}">
-                <a16:creationId xmlns:a16="http://schemas.microsoft.com/office/drawing/2014/main" id="{EE006D84-6831-E765-A34C-4B4D14A16A89}"/>
-              </a:ext>
-            </a:extLst>
-          </p:cNvPr>
-          <p:cNvSpPr/>
-          <p:nvPr/>
-        </p:nvSpPr>
-        <p:spPr>
-          <a:xfrm>
-            <a:off x="6018265" y="2922748"/>
-            <a:ext cx="1017917" cy="713282"/>
-          </a:xfrm>
-          <a:prstGeom prst="rightArrow">
-            <a:avLst/>
-          </a:prstGeom>
-          <a:solidFill>
-            <a:schemeClr val="tx1">
-              <a:lumMod val="50000"/>
-              <a:lumOff val="50000"/>
-            </a:schemeClr>
-          </a:solidFill>
-          <a:ln>
-            <a:solidFill>
-              <a:schemeClr val="tx1"/>
-            </a:solidFill>
-          </a:ln>
-          <a:scene3d>
-            <a:camera prst="isometricOffAxis2Top">
-              <a:rot lat="1155408" lon="3076870" rev="21460309"/>
-            </a:camera>
-            <a:lightRig rig="threePt" dir="t"/>
-          </a:scene3d>
-          <a:sp3d extrusionH="165100"/>
-        </p:spPr>
-        <p:style>
-          <a:lnRef idx="2">
-            <a:schemeClr val="accent1">
-              <a:shade val="50000"/>
-            </a:schemeClr>
-          </a:lnRef>
-          <a:fillRef idx="1">
-            <a:schemeClr val="accent1"/>
-          </a:fillRef>
-          <a:effectRef idx="0">
-            <a:schemeClr val="accent1"/>
-          </a:effectRef>
-          <a:fontRef idx="minor">
-            <a:schemeClr val="lt1"/>
-          </a:fontRef>
-        </p:style>
-        <p:txBody>
-          <a:bodyPr rtlCol="0" anchor="ctr"/>
-          <a:lstStyle/>
-          <a:p>
-            <a:pPr algn="ctr"/>
-            <a:r>
-              <a:rPr lang="en-AU" sz="1400" dirty="0"/>
-              <a:t>relations</a:t>
-            </a:r>
           </a:p>
         </p:txBody>
       </p:sp>
@@ -28405,18 +28431,24 @@
         </p:nvSpPr>
         <p:spPr>
           <a:xfrm>
-            <a:off x="8198903" y="2623261"/>
+            <a:off x="8232251" y="2626215"/>
             <a:ext cx="1017917" cy="649295"/>
           </a:xfrm>
           <a:prstGeom prst="leftArrow">
             <a:avLst/>
           </a:prstGeom>
-          <a:solidFill>
-            <a:schemeClr val="accent6">
-              <a:lumMod val="60000"/>
-              <a:lumOff val="40000"/>
-            </a:schemeClr>
-          </a:solidFill>
+          <a:gradFill flip="none" rotWithShape="1">
+            <a:gsLst>
+              <a:gs pos="0">
+                <a:srgbClr val="E4D0F5"/>
+              </a:gs>
+              <a:gs pos="100000">
+                <a:srgbClr val="B4DD98"/>
+              </a:gs>
+            </a:gsLst>
+            <a:lin ang="0" scaled="1"/>
+            <a:tileRect/>
+          </a:gradFill>
           <a:scene3d>
             <a:camera prst="isometricOffAxis2Top">
               <a:rot lat="1155408" lon="3076870" rev="21460309"/>
@@ -28488,18 +28520,23 @@
         </p:nvSpPr>
         <p:spPr>
           <a:xfrm>
-            <a:off x="7502176" y="2767708"/>
+            <a:off x="9358081" y="2432519"/>
             <a:ext cx="1017917" cy="649295"/>
           </a:xfrm>
           <a:prstGeom prst="leftArrow">
             <a:avLst/>
           </a:prstGeom>
-          <a:solidFill>
-            <a:schemeClr val="accent6">
-              <a:lumMod val="60000"/>
-              <a:lumOff val="40000"/>
-            </a:schemeClr>
-          </a:solidFill>
+          <a:gradFill>
+            <a:gsLst>
+              <a:gs pos="0">
+                <a:srgbClr val="E4D0F5"/>
+              </a:gs>
+              <a:gs pos="100000">
+                <a:srgbClr val="B4DD98"/>
+              </a:gs>
+            </a:gsLst>
+            <a:lin ang="0" scaled="1"/>
+          </a:gradFill>
           <a:scene3d>
             <a:camera prst="isometricOffAxis2Top">
               <a:rot lat="1155408" lon="3076870" rev="21460309"/>
@@ -28571,7 +28608,7 @@
         </p:nvSpPr>
         <p:spPr>
           <a:xfrm>
-            <a:off x="-8165" y="3140515"/>
+            <a:off x="-102024" y="3148490"/>
             <a:ext cx="1623067" cy="307777"/>
           </a:xfrm>
           <a:prstGeom prst="rect">
@@ -28595,7 +28632,7 @@
                   <a:srgbClr val="8FAADC"/>
                 </a:solidFill>
               </a:rPr>
-              <a:t>⑦ * Datasets</a:t>
+              <a:t>⑦ Datasets</a:t>
             </a:r>
           </a:p>
         </p:txBody>
@@ -28660,62 +28697,6 @@
       </p:sp>
       <p:sp>
         <p:nvSpPr>
-          <p:cNvPr id="39" name="TextBox 38">
-            <a:extLst>
-              <a:ext uri="{FF2B5EF4-FFF2-40B4-BE49-F238E27FC236}">
-                <a16:creationId xmlns:a16="http://schemas.microsoft.com/office/drawing/2014/main" id="{F933E3A3-EF40-9C8C-3E1F-4462875C7133}"/>
-              </a:ext>
-            </a:extLst>
-          </p:cNvPr>
-          <p:cNvSpPr txBox="1"/>
-          <p:nvPr/>
-        </p:nvSpPr>
-        <p:spPr>
-          <a:xfrm>
-            <a:off x="54942" y="59416"/>
-            <a:ext cx="3816343" cy="1477328"/>
-          </a:xfrm>
-          <a:prstGeom prst="rect">
-            <a:avLst/>
-          </a:prstGeom>
-          <a:noFill/>
-        </p:spPr>
-        <p:txBody>
-          <a:bodyPr wrap="square">
-            <a:spAutoFit/>
-          </a:bodyPr>
-          <a:lstStyle/>
-          <a:p>
-            <a:r>
-              <a:rPr lang="en-AU" dirty="0"/>
-              <a:t>⓪ The programmer’s experience  </a:t>
-            </a:r>
-          </a:p>
-          <a:p>
-            <a:r>
-              <a:rPr lang="en-AU" dirty="0"/>
-              <a:t>⑫ Working Software </a:t>
-            </a:r>
-          </a:p>
-          <a:p>
-            <a:r>
-              <a:rPr lang="en-AU" dirty="0"/>
-              <a:t>⑬ Rules as Code</a:t>
-            </a:r>
-          </a:p>
-          <a:p>
-            <a:r>
-              <a:rPr lang="en-AU" dirty="0"/>
-              <a:t>⑰ Case Studies</a:t>
-            </a:r>
-          </a:p>
-          <a:p>
-            <a:endParaRPr lang="en-AU" dirty="0"/>
-          </a:p>
-        </p:txBody>
-      </p:sp>
-      <p:sp>
-        <p:nvSpPr>
           <p:cNvPr id="45" name="TextBox 44">
             <a:extLst>
               <a:ext uri="{FF2B5EF4-FFF2-40B4-BE49-F238E27FC236}">
@@ -28728,7 +28709,7 @@
         </p:nvSpPr>
         <p:spPr>
           <a:xfrm>
-            <a:off x="7986271" y="2579898"/>
+            <a:off x="8726500" y="2440562"/>
             <a:ext cx="425263" cy="369332"/>
           </a:xfrm>
           <a:prstGeom prst="rect">
@@ -28755,81 +28736,6 @@
                 </a:solidFill>
               </a:rPr>
               <a:t>⑩</a:t>
-            </a:r>
-          </a:p>
-        </p:txBody>
-      </p:sp>
-      <p:sp>
-        <p:nvSpPr>
-          <p:cNvPr id="47" name="TextBox 46">
-            <a:extLst>
-              <a:ext uri="{FF2B5EF4-FFF2-40B4-BE49-F238E27FC236}">
-                <a16:creationId xmlns:a16="http://schemas.microsoft.com/office/drawing/2014/main" id="{F01198C1-898C-955F-60C9-BED8E55E8FEF}"/>
-              </a:ext>
-            </a:extLst>
-          </p:cNvPr>
-          <p:cNvSpPr txBox="1"/>
-          <p:nvPr/>
-        </p:nvSpPr>
-        <p:spPr>
-          <a:xfrm>
-            <a:off x="4245694" y="1522468"/>
-            <a:ext cx="2333432" cy="1569660"/>
-          </a:xfrm>
-          <a:prstGeom prst="rect">
-            <a:avLst/>
-          </a:prstGeom>
-          <a:noFill/>
-          <a:scene3d>
-            <a:camera prst="isometricOffAxis1Right"/>
-            <a:lightRig rig="threePt" dir="t"/>
-          </a:scene3d>
-        </p:spPr>
-        <p:txBody>
-          <a:bodyPr wrap="square">
-            <a:spAutoFit/>
-          </a:bodyPr>
-          <a:lstStyle/>
-          <a:p>
-            <a:pPr algn="ctr"/>
-            <a:r>
-              <a:rPr lang="en-AU" sz="1600" dirty="0"/>
-              <a:t> ⑪</a:t>
-            </a:r>
-          </a:p>
-          <a:p>
-            <a:pPr algn="ctr"/>
-            <a:r>
-              <a:rPr lang="en-AU" sz="1600" dirty="0"/>
-              <a:t>Separation </a:t>
-            </a:r>
-          </a:p>
-          <a:p>
-            <a:pPr algn="ctr"/>
-            <a:r>
-              <a:rPr lang="en-AU" sz="1600" dirty="0"/>
-              <a:t>of Logic </a:t>
-            </a:r>
-            <a:br>
-              <a:rPr lang="en-AU" sz="1600" dirty="0"/>
-            </a:br>
-            <a:r>
-              <a:rPr lang="en-AU" sz="1600" dirty="0"/>
-              <a:t>from </a:t>
-            </a:r>
-          </a:p>
-          <a:p>
-            <a:pPr algn="ctr"/>
-            <a:r>
-              <a:rPr lang="en-AU" sz="1600" dirty="0"/>
-              <a:t>Database</a:t>
-            </a:r>
-            <a:br>
-              <a:rPr lang="en-AU" sz="1600" dirty="0"/>
-            </a:br>
-            <a:r>
-              <a:rPr lang="en-AU" sz="1600" dirty="0"/>
-              <a:t>⋈</a:t>
             </a:r>
           </a:p>
         </p:txBody>
@@ -28877,45 +28783,6 @@
           </a:p>
         </p:txBody>
       </p:sp>
-      <p:sp>
-        <p:nvSpPr>
-          <p:cNvPr id="44" name="TextBox 43">
-            <a:extLst>
-              <a:ext uri="{FF2B5EF4-FFF2-40B4-BE49-F238E27FC236}">
-                <a16:creationId xmlns:a16="http://schemas.microsoft.com/office/drawing/2014/main" id="{92847323-93ED-C65E-C2FB-6C1DB85626C3}"/>
-              </a:ext>
-            </a:extLst>
-          </p:cNvPr>
-          <p:cNvSpPr txBox="1"/>
-          <p:nvPr/>
-        </p:nvSpPr>
-        <p:spPr>
-          <a:xfrm>
-            <a:off x="5801845" y="2993148"/>
-            <a:ext cx="450273" cy="369332"/>
-          </a:xfrm>
-          <a:prstGeom prst="rect">
-            <a:avLst/>
-          </a:prstGeom>
-          <a:noFill/>
-          <a:scene3d>
-            <a:camera prst="isometricOffAxis1Right"/>
-            <a:lightRig rig="threePt" dir="t"/>
-          </a:scene3d>
-        </p:spPr>
-        <p:txBody>
-          <a:bodyPr wrap="square">
-            <a:spAutoFit/>
-          </a:bodyPr>
-          <a:lstStyle/>
-          <a:p>
-            <a:r>
-              <a:rPr lang="en-AU" dirty="0"/>
-              <a:t>⑭</a:t>
-            </a:r>
-          </a:p>
-        </p:txBody>
-      </p:sp>
       <p:pic>
         <p:nvPicPr>
           <p:cNvPr id="52" name="Picture 51">
@@ -28938,7 +28805,7 @@
         </p:blipFill>
         <p:spPr>
           <a:xfrm>
-            <a:off x="184263" y="3940218"/>
+            <a:off x="-5569690" y="849448"/>
             <a:ext cx="4657480" cy="2598844"/>
           </a:xfrm>
           <a:prstGeom prst="rect">
@@ -28955,10 +28822,10 @@
       </p:pic>
       <p:sp>
         <p:nvSpPr>
-          <p:cNvPr id="53" name="TextBox 52">
+          <p:cNvPr id="21" name="TextBox 20">
             <a:extLst>
               <a:ext uri="{FF2B5EF4-FFF2-40B4-BE49-F238E27FC236}">
-                <a16:creationId xmlns:a16="http://schemas.microsoft.com/office/drawing/2014/main" id="{F9BDB0E9-5B36-BD72-590D-C76EAC68ED71}"/>
+                <a16:creationId xmlns:a16="http://schemas.microsoft.com/office/drawing/2014/main" id="{469CB30F-A5BD-D174-2348-77F90A3F5B9D}"/>
               </a:ext>
             </a:extLst>
           </p:cNvPr>
@@ -28967,8 +28834,1596 @@
         </p:nvSpPr>
         <p:spPr>
           <a:xfrm>
-            <a:off x="11042246" y="6461544"/>
-            <a:ext cx="907621" cy="261610"/>
+            <a:off x="1040144" y="4475998"/>
+            <a:ext cx="3816343" cy="2062103"/>
+          </a:xfrm>
+          <a:custGeom>
+            <a:avLst/>
+            <a:gdLst>
+              <a:gd name="connsiteX0" fmla="*/ 0 w 3816343"/>
+              <a:gd name="connsiteY0" fmla="*/ 0 h 2062103"/>
+              <a:gd name="connsiteX1" fmla="*/ 636057 w 3816343"/>
+              <a:gd name="connsiteY1" fmla="*/ 0 h 2062103"/>
+              <a:gd name="connsiteX2" fmla="*/ 1157624 w 3816343"/>
+              <a:gd name="connsiteY2" fmla="*/ 0 h 2062103"/>
+              <a:gd name="connsiteX3" fmla="*/ 1717354 w 3816343"/>
+              <a:gd name="connsiteY3" fmla="*/ 0 h 2062103"/>
+              <a:gd name="connsiteX4" fmla="*/ 2391575 w 3816343"/>
+              <a:gd name="connsiteY4" fmla="*/ 0 h 2062103"/>
+              <a:gd name="connsiteX5" fmla="*/ 2989469 w 3816343"/>
+              <a:gd name="connsiteY5" fmla="*/ 0 h 2062103"/>
+              <a:gd name="connsiteX6" fmla="*/ 3816343 w 3816343"/>
+              <a:gd name="connsiteY6" fmla="*/ 0 h 2062103"/>
+              <a:gd name="connsiteX7" fmla="*/ 3816343 w 3816343"/>
+              <a:gd name="connsiteY7" fmla="*/ 666747 h 2062103"/>
+              <a:gd name="connsiteX8" fmla="*/ 3816343 w 3816343"/>
+              <a:gd name="connsiteY8" fmla="*/ 1354114 h 2062103"/>
+              <a:gd name="connsiteX9" fmla="*/ 3816343 w 3816343"/>
+              <a:gd name="connsiteY9" fmla="*/ 2062103 h 2062103"/>
+              <a:gd name="connsiteX10" fmla="*/ 3218449 w 3816343"/>
+              <a:gd name="connsiteY10" fmla="*/ 2062103 h 2062103"/>
+              <a:gd name="connsiteX11" fmla="*/ 2582392 w 3816343"/>
+              <a:gd name="connsiteY11" fmla="*/ 2062103 h 2062103"/>
+              <a:gd name="connsiteX12" fmla="*/ 1908172 w 3816343"/>
+              <a:gd name="connsiteY12" fmla="*/ 2062103 h 2062103"/>
+              <a:gd name="connsiteX13" fmla="*/ 1195787 w 3816343"/>
+              <a:gd name="connsiteY13" fmla="*/ 2062103 h 2062103"/>
+              <a:gd name="connsiteX14" fmla="*/ 597894 w 3816343"/>
+              <a:gd name="connsiteY14" fmla="*/ 2062103 h 2062103"/>
+              <a:gd name="connsiteX15" fmla="*/ 0 w 3816343"/>
+              <a:gd name="connsiteY15" fmla="*/ 2062103 h 2062103"/>
+              <a:gd name="connsiteX16" fmla="*/ 0 w 3816343"/>
+              <a:gd name="connsiteY16" fmla="*/ 1415977 h 2062103"/>
+              <a:gd name="connsiteX17" fmla="*/ 0 w 3816343"/>
+              <a:gd name="connsiteY17" fmla="*/ 749231 h 2062103"/>
+              <a:gd name="connsiteX18" fmla="*/ 0 w 3816343"/>
+              <a:gd name="connsiteY18" fmla="*/ 0 h 2062103"/>
+            </a:gdLst>
+            <a:ahLst/>
+            <a:cxnLst>
+              <a:cxn ang="0">
+                <a:pos x="connsiteX0" y="connsiteY0"/>
+              </a:cxn>
+              <a:cxn ang="0">
+                <a:pos x="connsiteX1" y="connsiteY1"/>
+              </a:cxn>
+              <a:cxn ang="0">
+                <a:pos x="connsiteX2" y="connsiteY2"/>
+              </a:cxn>
+              <a:cxn ang="0">
+                <a:pos x="connsiteX3" y="connsiteY3"/>
+              </a:cxn>
+              <a:cxn ang="0">
+                <a:pos x="connsiteX4" y="connsiteY4"/>
+              </a:cxn>
+              <a:cxn ang="0">
+                <a:pos x="connsiteX5" y="connsiteY5"/>
+              </a:cxn>
+              <a:cxn ang="0">
+                <a:pos x="connsiteX6" y="connsiteY6"/>
+              </a:cxn>
+              <a:cxn ang="0">
+                <a:pos x="connsiteX7" y="connsiteY7"/>
+              </a:cxn>
+              <a:cxn ang="0">
+                <a:pos x="connsiteX8" y="connsiteY8"/>
+              </a:cxn>
+              <a:cxn ang="0">
+                <a:pos x="connsiteX9" y="connsiteY9"/>
+              </a:cxn>
+              <a:cxn ang="0">
+                <a:pos x="connsiteX10" y="connsiteY10"/>
+              </a:cxn>
+              <a:cxn ang="0">
+                <a:pos x="connsiteX11" y="connsiteY11"/>
+              </a:cxn>
+              <a:cxn ang="0">
+                <a:pos x="connsiteX12" y="connsiteY12"/>
+              </a:cxn>
+              <a:cxn ang="0">
+                <a:pos x="connsiteX13" y="connsiteY13"/>
+              </a:cxn>
+              <a:cxn ang="0">
+                <a:pos x="connsiteX14" y="connsiteY14"/>
+              </a:cxn>
+              <a:cxn ang="0">
+                <a:pos x="connsiteX15" y="connsiteY15"/>
+              </a:cxn>
+              <a:cxn ang="0">
+                <a:pos x="connsiteX16" y="connsiteY16"/>
+              </a:cxn>
+              <a:cxn ang="0">
+                <a:pos x="connsiteX17" y="connsiteY17"/>
+              </a:cxn>
+              <a:cxn ang="0">
+                <a:pos x="connsiteX18" y="connsiteY18"/>
+              </a:cxn>
+            </a:cxnLst>
+            <a:rect l="l" t="t" r="r" b="b"/>
+            <a:pathLst>
+              <a:path w="3816343" h="2062103" extrusionOk="0">
+                <a:moveTo>
+                  <a:pt x="0" y="0"/>
+                </a:moveTo>
+                <a:cubicBezTo>
+                  <a:pt x="238342" y="893"/>
+                  <a:pt x="367162" y="-23245"/>
+                  <a:pt x="636057" y="0"/>
+                </a:cubicBezTo>
+                <a:cubicBezTo>
+                  <a:pt x="904952" y="23245"/>
+                  <a:pt x="933731" y="-14338"/>
+                  <a:pt x="1157624" y="0"/>
+                </a:cubicBezTo>
+                <a:cubicBezTo>
+                  <a:pt x="1381517" y="14338"/>
+                  <a:pt x="1584477" y="17714"/>
+                  <a:pt x="1717354" y="0"/>
+                </a:cubicBezTo>
+                <a:cubicBezTo>
+                  <a:pt x="1850231" y="-17714"/>
+                  <a:pt x="2172062" y="-5991"/>
+                  <a:pt x="2391575" y="0"/>
+                </a:cubicBezTo>
+                <a:cubicBezTo>
+                  <a:pt x="2611088" y="5991"/>
+                  <a:pt x="2723509" y="2266"/>
+                  <a:pt x="2989469" y="0"/>
+                </a:cubicBezTo>
+                <a:cubicBezTo>
+                  <a:pt x="3255429" y="-2266"/>
+                  <a:pt x="3543791" y="12230"/>
+                  <a:pt x="3816343" y="0"/>
+                </a:cubicBezTo>
+                <a:cubicBezTo>
+                  <a:pt x="3815604" y="223404"/>
+                  <a:pt x="3801012" y="411965"/>
+                  <a:pt x="3816343" y="666747"/>
+                </a:cubicBezTo>
+                <a:cubicBezTo>
+                  <a:pt x="3831674" y="921529"/>
+                  <a:pt x="3839722" y="1138524"/>
+                  <a:pt x="3816343" y="1354114"/>
+                </a:cubicBezTo>
+                <a:cubicBezTo>
+                  <a:pt x="3792964" y="1569704"/>
+                  <a:pt x="3805001" y="1772471"/>
+                  <a:pt x="3816343" y="2062103"/>
+                </a:cubicBezTo>
+                <a:cubicBezTo>
+                  <a:pt x="3663356" y="2055983"/>
+                  <a:pt x="3415419" y="2080343"/>
+                  <a:pt x="3218449" y="2062103"/>
+                </a:cubicBezTo>
+                <a:cubicBezTo>
+                  <a:pt x="3021479" y="2043863"/>
+                  <a:pt x="2889632" y="2056654"/>
+                  <a:pt x="2582392" y="2062103"/>
+                </a:cubicBezTo>
+                <a:cubicBezTo>
+                  <a:pt x="2275152" y="2067552"/>
+                  <a:pt x="2131718" y="2094788"/>
+                  <a:pt x="1908172" y="2062103"/>
+                </a:cubicBezTo>
+                <a:cubicBezTo>
+                  <a:pt x="1684626" y="2029418"/>
+                  <a:pt x="1345722" y="2067464"/>
+                  <a:pt x="1195787" y="2062103"/>
+                </a:cubicBezTo>
+                <a:cubicBezTo>
+                  <a:pt x="1045852" y="2056742"/>
+                  <a:pt x="736427" y="2089601"/>
+                  <a:pt x="597894" y="2062103"/>
+                </a:cubicBezTo>
+                <a:cubicBezTo>
+                  <a:pt x="459361" y="2034605"/>
+                  <a:pt x="294105" y="2040660"/>
+                  <a:pt x="0" y="2062103"/>
+                </a:cubicBezTo>
+                <a:cubicBezTo>
+                  <a:pt x="-3138" y="1895705"/>
+                  <a:pt x="13860" y="1690611"/>
+                  <a:pt x="0" y="1415977"/>
+                </a:cubicBezTo>
+                <a:cubicBezTo>
+                  <a:pt x="-13860" y="1141343"/>
+                  <a:pt x="27302" y="1024832"/>
+                  <a:pt x="0" y="749231"/>
+                </a:cubicBezTo>
+                <a:cubicBezTo>
+                  <a:pt x="-27302" y="473630"/>
+                  <a:pt x="-8872" y="285774"/>
+                  <a:pt x="0" y="0"/>
+                </a:cubicBezTo>
+                <a:close/>
+              </a:path>
+            </a:pathLst>
+          </a:custGeom>
+          <a:noFill/>
+          <a:ln>
+            <a:solidFill>
+              <a:schemeClr val="bg1">
+                <a:lumMod val="75000"/>
+              </a:schemeClr>
+            </a:solidFill>
+            <a:extLst>
+              <a:ext uri="{C807C97D-BFC1-408E-A445-0C87EB9F89A2}">
+                <ask:lineSketchStyleProps xmlns:ask="http://schemas.microsoft.com/office/drawing/2018/sketchyshapes" sd="3695004615">
+                  <a:prstGeom prst="rect">
+                    <a:avLst/>
+                  </a:prstGeom>
+                  <ask:type>
+                    <ask:lineSketchFreehand/>
+                  </ask:type>
+                </ask:lineSketchStyleProps>
+              </a:ext>
+            </a:extLst>
+          </a:ln>
+          <a:scene3d>
+            <a:camera prst="isometricOffAxis1Right"/>
+            <a:lightRig rig="threePt" dir="t"/>
+          </a:scene3d>
+        </p:spPr>
+        <p:txBody>
+          <a:bodyPr wrap="square">
+            <a:spAutoFit/>
+          </a:bodyPr>
+          <a:lstStyle/>
+          <a:p>
+            <a:r>
+              <a:rPr lang="en-AU" sz="2000" dirty="0"/>
+              <a:t>⓪ The programmer’s experience  </a:t>
+            </a:r>
+          </a:p>
+          <a:p>
+            <a:r>
+              <a:rPr lang="en-AU" sz="2000" dirty="0"/>
+              <a:t>⑫ Working Software </a:t>
+            </a:r>
+          </a:p>
+          <a:p>
+            <a:r>
+              <a:rPr lang="en-AU" sz="2000" dirty="0"/>
+              <a:t>⑬ Rules as Code</a:t>
+            </a:r>
+          </a:p>
+          <a:p>
+            <a:r>
+              <a:rPr lang="en-AU" sz="2000" dirty="0"/>
+              <a:t>⑰ Case Studies</a:t>
+            </a:r>
+          </a:p>
+          <a:p>
+            <a:r>
+              <a:rPr lang="en-AU" sz="2400" dirty="0"/>
+              <a:t>㉛</a:t>
+            </a:r>
+            <a:r>
+              <a:rPr lang="en-AU" sz="2000" dirty="0"/>
+              <a:t>  Deductive Database</a:t>
+            </a:r>
+            <a:br>
+              <a:rPr lang="en-AU" sz="2000" dirty="0"/>
+            </a:br>
+            <a:r>
+              <a:rPr lang="en-AU" sz="2400" dirty="0"/>
+              <a:t>㉜</a:t>
+            </a:r>
+            <a:r>
+              <a:rPr lang="en-AU" sz="2000" dirty="0"/>
+              <a:t>  Constraint Database </a:t>
+            </a:r>
+          </a:p>
+        </p:txBody>
+      </p:sp>
+      <p:sp>
+        <p:nvSpPr>
+          <p:cNvPr id="28" name="TextBox 27">
+            <a:extLst>
+              <a:ext uri="{FF2B5EF4-FFF2-40B4-BE49-F238E27FC236}">
+                <a16:creationId xmlns:a16="http://schemas.microsoft.com/office/drawing/2014/main" id="{F697C91D-4BBE-E97C-6DB6-F23CCBE4E283}"/>
+              </a:ext>
+            </a:extLst>
+          </p:cNvPr>
+          <p:cNvSpPr txBox="1"/>
+          <p:nvPr/>
+        </p:nvSpPr>
+        <p:spPr>
+          <a:xfrm>
+            <a:off x="-6314382" y="4814553"/>
+            <a:ext cx="6094562" cy="1384995"/>
+          </a:xfrm>
+          <a:prstGeom prst="rect">
+            <a:avLst/>
+          </a:prstGeom>
+          <a:solidFill>
+            <a:schemeClr val="tx1"/>
+          </a:solidFill>
+        </p:spPr>
+        <p:txBody>
+          <a:bodyPr wrap="square">
+            <a:spAutoFit/>
+          </a:bodyPr>
+          <a:lstStyle/>
+          <a:p>
+            <a:r>
+              <a:rPr lang="en-AU" dirty="0">
+                <a:solidFill>
+                  <a:schemeClr val="bg1"/>
+                </a:solidFill>
+              </a:rPr>
+              <a:t>⓪</a:t>
+            </a:r>
+            <a:r>
+              <a:rPr lang="en-AU" b="0" i="0" dirty="0">
+                <a:solidFill>
+                  <a:schemeClr val="bg1"/>
+                </a:solidFill>
+                <a:effectLst/>
+                <a:latin typeface="Arial" panose="020B0604020202020204" pitchFamily="34" charset="0"/>
+              </a:rPr>
+              <a:t> </a:t>
+            </a:r>
+            <a:r>
+              <a:rPr lang="en-AU" dirty="0">
+                <a:solidFill>
+                  <a:schemeClr val="bg1"/>
+                </a:solidFill>
+              </a:rPr>
+              <a:t>①</a:t>
+            </a:r>
+            <a:r>
+              <a:rPr lang="en-AU" b="0" i="0" dirty="0">
+                <a:solidFill>
+                  <a:schemeClr val="bg1"/>
+                </a:solidFill>
+                <a:effectLst/>
+                <a:latin typeface="Arial" panose="020B0604020202020204" pitchFamily="34" charset="0"/>
+              </a:rPr>
+              <a:t> </a:t>
+            </a:r>
+            <a:r>
+              <a:rPr lang="en-AU" dirty="0">
+                <a:solidFill>
+                  <a:schemeClr val="bg1"/>
+                </a:solidFill>
+              </a:rPr>
+              <a:t>②</a:t>
+            </a:r>
+            <a:r>
+              <a:rPr lang="en-AU" b="0" i="0" dirty="0">
+                <a:solidFill>
+                  <a:schemeClr val="bg1"/>
+                </a:solidFill>
+                <a:effectLst/>
+                <a:latin typeface="Arial" panose="020B0604020202020204" pitchFamily="34" charset="0"/>
+              </a:rPr>
+              <a:t> </a:t>
+            </a:r>
+            <a:r>
+              <a:rPr lang="en-AU" dirty="0">
+                <a:solidFill>
+                  <a:schemeClr val="bg1"/>
+                </a:solidFill>
+              </a:rPr>
+              <a:t>③</a:t>
+            </a:r>
+            <a:r>
+              <a:rPr lang="en-AU" b="0" i="0" dirty="0">
+                <a:solidFill>
+                  <a:schemeClr val="bg1"/>
+                </a:solidFill>
+                <a:effectLst/>
+                <a:latin typeface="Arial" panose="020B0604020202020204" pitchFamily="34" charset="0"/>
+              </a:rPr>
+              <a:t> </a:t>
+            </a:r>
+            <a:r>
+              <a:rPr lang="en-AU" dirty="0">
+                <a:solidFill>
+                  <a:schemeClr val="bg1"/>
+                </a:solidFill>
+              </a:rPr>
+              <a:t>④</a:t>
+            </a:r>
+            <a:r>
+              <a:rPr lang="en-AU" b="0" i="0" dirty="0">
+                <a:solidFill>
+                  <a:schemeClr val="bg1"/>
+                </a:solidFill>
+                <a:effectLst/>
+                <a:latin typeface="Arial" panose="020B0604020202020204" pitchFamily="34" charset="0"/>
+              </a:rPr>
+              <a:t> </a:t>
+            </a:r>
+            <a:r>
+              <a:rPr lang="en-AU" dirty="0">
+                <a:solidFill>
+                  <a:schemeClr val="bg1"/>
+                </a:solidFill>
+              </a:rPr>
+              <a:t>⑤</a:t>
+            </a:r>
+            <a:r>
+              <a:rPr lang="en-AU" b="0" i="0" dirty="0">
+                <a:solidFill>
+                  <a:schemeClr val="bg1"/>
+                </a:solidFill>
+                <a:effectLst/>
+                <a:latin typeface="Arial" panose="020B0604020202020204" pitchFamily="34" charset="0"/>
+              </a:rPr>
+              <a:t> </a:t>
+            </a:r>
+            <a:r>
+              <a:rPr lang="en-AU" dirty="0">
+                <a:solidFill>
+                  <a:schemeClr val="bg1"/>
+                </a:solidFill>
+              </a:rPr>
+              <a:t>⑥</a:t>
+            </a:r>
+            <a:r>
+              <a:rPr lang="en-AU" b="0" i="0" dirty="0">
+                <a:solidFill>
+                  <a:schemeClr val="bg1"/>
+                </a:solidFill>
+                <a:effectLst/>
+                <a:latin typeface="Arial" panose="020B0604020202020204" pitchFamily="34" charset="0"/>
+              </a:rPr>
+              <a:t> </a:t>
+            </a:r>
+            <a:r>
+              <a:rPr lang="en-AU" dirty="0">
+                <a:solidFill>
+                  <a:schemeClr val="bg1"/>
+                </a:solidFill>
+              </a:rPr>
+              <a:t>⑦</a:t>
+            </a:r>
+            <a:r>
+              <a:rPr lang="en-AU" b="0" i="0" dirty="0">
+                <a:solidFill>
+                  <a:schemeClr val="bg1"/>
+                </a:solidFill>
+                <a:effectLst/>
+                <a:latin typeface="Arial" panose="020B0604020202020204" pitchFamily="34" charset="0"/>
+              </a:rPr>
+              <a:t> </a:t>
+            </a:r>
+            <a:r>
+              <a:rPr lang="en-AU" dirty="0">
+                <a:solidFill>
+                  <a:schemeClr val="bg1"/>
+                </a:solidFill>
+              </a:rPr>
+              <a:t>⑧</a:t>
+            </a:r>
+            <a:r>
+              <a:rPr lang="en-AU" b="0" i="0" dirty="0">
+                <a:solidFill>
+                  <a:schemeClr val="bg1"/>
+                </a:solidFill>
+                <a:effectLst/>
+                <a:latin typeface="Arial" panose="020B0604020202020204" pitchFamily="34" charset="0"/>
+              </a:rPr>
+              <a:t> </a:t>
+            </a:r>
+            <a:r>
+              <a:rPr lang="en-AU" dirty="0">
+                <a:solidFill>
+                  <a:schemeClr val="bg1"/>
+                </a:solidFill>
+              </a:rPr>
+              <a:t>⑨</a:t>
+            </a:r>
+            <a:r>
+              <a:rPr lang="en-AU" b="0" i="0" dirty="0">
+                <a:solidFill>
+                  <a:schemeClr val="bg1"/>
+                </a:solidFill>
+                <a:effectLst/>
+                <a:latin typeface="Arial" panose="020B0604020202020204" pitchFamily="34" charset="0"/>
+              </a:rPr>
+              <a:t> </a:t>
+            </a:r>
+            <a:r>
+              <a:rPr lang="en-AU" dirty="0">
+                <a:solidFill>
+                  <a:schemeClr val="bg1"/>
+                </a:solidFill>
+              </a:rPr>
+              <a:t>⑩</a:t>
+            </a:r>
+            <a:r>
+              <a:rPr lang="en-AU" b="0" i="0" dirty="0">
+                <a:solidFill>
+                  <a:schemeClr val="bg1"/>
+                </a:solidFill>
+                <a:effectLst/>
+                <a:latin typeface="Arial" panose="020B0604020202020204" pitchFamily="34" charset="0"/>
+              </a:rPr>
+              <a:t> </a:t>
+            </a:r>
+            <a:r>
+              <a:rPr lang="en-AU" dirty="0">
+                <a:solidFill>
+                  <a:schemeClr val="bg1"/>
+                </a:solidFill>
+              </a:rPr>
+              <a:t>⑪</a:t>
+            </a:r>
+            <a:r>
+              <a:rPr lang="en-AU" b="0" i="0" dirty="0">
+                <a:solidFill>
+                  <a:schemeClr val="bg1"/>
+                </a:solidFill>
+                <a:effectLst/>
+                <a:latin typeface="Arial" panose="020B0604020202020204" pitchFamily="34" charset="0"/>
+              </a:rPr>
+              <a:t> </a:t>
+            </a:r>
+            <a:r>
+              <a:rPr lang="en-AU" dirty="0">
+                <a:solidFill>
+                  <a:schemeClr val="bg1"/>
+                </a:solidFill>
+              </a:rPr>
+              <a:t>⑫</a:t>
+            </a:r>
+            <a:r>
+              <a:rPr lang="en-AU" b="0" i="0" dirty="0">
+                <a:solidFill>
+                  <a:schemeClr val="bg1"/>
+                </a:solidFill>
+                <a:effectLst/>
+                <a:latin typeface="Arial" panose="020B0604020202020204" pitchFamily="34" charset="0"/>
+              </a:rPr>
+              <a:t> </a:t>
+            </a:r>
+            <a:r>
+              <a:rPr lang="en-AU" dirty="0">
+                <a:solidFill>
+                  <a:schemeClr val="bg1"/>
+                </a:solidFill>
+              </a:rPr>
+              <a:t>⑬</a:t>
+            </a:r>
+            <a:r>
+              <a:rPr lang="en-AU" b="0" i="0" dirty="0">
+                <a:solidFill>
+                  <a:schemeClr val="bg1"/>
+                </a:solidFill>
+                <a:effectLst/>
+                <a:latin typeface="Arial" panose="020B0604020202020204" pitchFamily="34" charset="0"/>
+              </a:rPr>
+              <a:t> </a:t>
+            </a:r>
+            <a:r>
+              <a:rPr lang="en-AU" dirty="0">
+                <a:solidFill>
+                  <a:schemeClr val="bg1"/>
+                </a:solidFill>
+              </a:rPr>
+              <a:t>⑭</a:t>
+            </a:r>
+            <a:r>
+              <a:rPr lang="en-AU" b="0" i="0" dirty="0">
+                <a:solidFill>
+                  <a:schemeClr val="bg1"/>
+                </a:solidFill>
+                <a:effectLst/>
+                <a:latin typeface="Arial" panose="020B0604020202020204" pitchFamily="34" charset="0"/>
+              </a:rPr>
+              <a:t> </a:t>
+            </a:r>
+            <a:r>
+              <a:rPr lang="en-AU" dirty="0">
+                <a:solidFill>
+                  <a:schemeClr val="bg1"/>
+                </a:solidFill>
+              </a:rPr>
+              <a:t>⑮</a:t>
+            </a:r>
+            <a:r>
+              <a:rPr lang="en-AU" b="0" i="0" dirty="0">
+                <a:solidFill>
+                  <a:schemeClr val="bg1"/>
+                </a:solidFill>
+                <a:effectLst/>
+                <a:latin typeface="Arial" panose="020B0604020202020204" pitchFamily="34" charset="0"/>
+              </a:rPr>
+              <a:t> </a:t>
+            </a:r>
+            <a:r>
+              <a:rPr lang="en-AU" dirty="0">
+                <a:solidFill>
+                  <a:schemeClr val="bg1"/>
+                </a:solidFill>
+              </a:rPr>
+              <a:t>⑯</a:t>
+            </a:r>
+            <a:r>
+              <a:rPr lang="en-AU" b="0" i="0" dirty="0">
+                <a:solidFill>
+                  <a:schemeClr val="bg1"/>
+                </a:solidFill>
+                <a:effectLst/>
+                <a:latin typeface="Arial" panose="020B0604020202020204" pitchFamily="34" charset="0"/>
+              </a:rPr>
+              <a:t> </a:t>
+            </a:r>
+            <a:r>
+              <a:rPr lang="en-AU" dirty="0">
+                <a:solidFill>
+                  <a:schemeClr val="bg1"/>
+                </a:solidFill>
+              </a:rPr>
+              <a:t>⑰</a:t>
+            </a:r>
+            <a:r>
+              <a:rPr lang="en-AU" b="0" i="0" dirty="0">
+                <a:solidFill>
+                  <a:schemeClr val="bg1"/>
+                </a:solidFill>
+                <a:effectLst/>
+                <a:latin typeface="Arial" panose="020B0604020202020204" pitchFamily="34" charset="0"/>
+              </a:rPr>
+              <a:t> </a:t>
+            </a:r>
+            <a:r>
+              <a:rPr lang="en-AU" dirty="0">
+                <a:solidFill>
+                  <a:schemeClr val="bg1"/>
+                </a:solidFill>
+              </a:rPr>
+              <a:t>⑱</a:t>
+            </a:r>
+            <a:r>
+              <a:rPr lang="en-AU" b="0" i="0" dirty="0">
+                <a:solidFill>
+                  <a:schemeClr val="bg1"/>
+                </a:solidFill>
+                <a:effectLst/>
+                <a:latin typeface="Arial" panose="020B0604020202020204" pitchFamily="34" charset="0"/>
+              </a:rPr>
+              <a:t> </a:t>
+            </a:r>
+            <a:r>
+              <a:rPr lang="en-AU" dirty="0">
+                <a:solidFill>
+                  <a:schemeClr val="bg1"/>
+                </a:solidFill>
+              </a:rPr>
+              <a:t>⑲</a:t>
+            </a:r>
+            <a:r>
+              <a:rPr lang="en-AU" b="0" i="0" dirty="0">
+                <a:solidFill>
+                  <a:schemeClr val="bg1"/>
+                </a:solidFill>
+                <a:effectLst/>
+                <a:latin typeface="Arial" panose="020B0604020202020204" pitchFamily="34" charset="0"/>
+              </a:rPr>
+              <a:t> </a:t>
+            </a:r>
+            <a:r>
+              <a:rPr lang="en-AU" dirty="0">
+                <a:solidFill>
+                  <a:schemeClr val="bg1"/>
+                </a:solidFill>
+              </a:rPr>
+              <a:t>⑳</a:t>
+            </a:r>
+            <a:r>
+              <a:rPr lang="en-AU" b="0" i="0" dirty="0">
+                <a:solidFill>
+                  <a:schemeClr val="bg1"/>
+                </a:solidFill>
+                <a:effectLst/>
+                <a:latin typeface="Arial" panose="020B0604020202020204" pitchFamily="34" charset="0"/>
+              </a:rPr>
+              <a:t> </a:t>
+            </a:r>
+            <a:r>
+              <a:rPr lang="en-AU" sz="2200" b="0" i="0" dirty="0">
+                <a:solidFill>
+                  <a:schemeClr val="bg1"/>
+                </a:solidFill>
+                <a:effectLst/>
+                <a:latin typeface="Arial" panose="020B0604020202020204" pitchFamily="34" charset="0"/>
+              </a:rPr>
+              <a:t>㉑ ㉒ ㉓ ㉔ ㉕ ㉖ ㉗ ㉘ ㉙ ㉚ ㉛ ㉜ ㉝ ㉞ ㉟ ㊱ ㊲ ㊳ ㊴ ㊵ ㊶ ㊷ ㊸ ㊹ ㊺ ㊻ ㊼ ㊽ ㊾ ㊿</a:t>
+            </a:r>
+            <a:endParaRPr lang="en-AU" sz="2200" dirty="0">
+              <a:solidFill>
+                <a:schemeClr val="bg1"/>
+              </a:solidFill>
+            </a:endParaRPr>
+          </a:p>
+        </p:txBody>
+      </p:sp>
+      <p:sp>
+        <p:nvSpPr>
+          <p:cNvPr id="38" name="TextBox 37">
+            <a:extLst>
+              <a:ext uri="{FF2B5EF4-FFF2-40B4-BE49-F238E27FC236}">
+                <a16:creationId xmlns:a16="http://schemas.microsoft.com/office/drawing/2014/main" id="{9868545D-2AF8-5C62-DC95-8AAE0E6325A2}"/>
+              </a:ext>
+            </a:extLst>
+          </p:cNvPr>
+          <p:cNvSpPr txBox="1"/>
+          <p:nvPr/>
+        </p:nvSpPr>
+        <p:spPr>
+          <a:xfrm>
+            <a:off x="9867039" y="2253274"/>
+            <a:ext cx="425263" cy="369332"/>
+          </a:xfrm>
+          <a:prstGeom prst="rect">
+            <a:avLst/>
+          </a:prstGeom>
+          <a:noFill/>
+          <a:scene3d>
+            <a:camera prst="isometricOffAxis1Right"/>
+            <a:lightRig rig="threePt" dir="t"/>
+          </a:scene3d>
+        </p:spPr>
+        <p:txBody>
+          <a:bodyPr wrap="square">
+            <a:spAutoFit/>
+          </a:bodyPr>
+          <a:lstStyle/>
+          <a:p>
+            <a:r>
+              <a:rPr lang="en-AU" dirty="0">
+                <a:solidFill>
+                  <a:schemeClr val="accent6">
+                    <a:lumMod val="50000"/>
+                  </a:schemeClr>
+                </a:solidFill>
+              </a:rPr>
+              <a:t>⑳</a:t>
+            </a:r>
+          </a:p>
+        </p:txBody>
+      </p:sp>
+      <p:grpSp>
+        <p:nvGrpSpPr>
+          <p:cNvPr id="51" name="Group 50">
+            <a:extLst>
+              <a:ext uri="{FF2B5EF4-FFF2-40B4-BE49-F238E27FC236}">
+                <a16:creationId xmlns:a16="http://schemas.microsoft.com/office/drawing/2014/main" id="{9E25D631-A826-A13E-F1C8-8D0CA35AE2FA}"/>
+              </a:ext>
+            </a:extLst>
+          </p:cNvPr>
+          <p:cNvGrpSpPr/>
+          <p:nvPr/>
+        </p:nvGrpSpPr>
+        <p:grpSpPr>
+          <a:xfrm>
+            <a:off x="3570934" y="3217290"/>
+            <a:ext cx="3023747" cy="776745"/>
+            <a:chOff x="1700590" y="3465682"/>
+            <a:chExt cx="4969512" cy="448448"/>
+          </a:xfrm>
+        </p:grpSpPr>
+        <p:sp>
+          <p:nvSpPr>
+            <p:cNvPr id="43" name="TextBox 42">
+              <a:extLst>
+                <a:ext uri="{FF2B5EF4-FFF2-40B4-BE49-F238E27FC236}">
+                  <a16:creationId xmlns:a16="http://schemas.microsoft.com/office/drawing/2014/main" id="{B4EEF5EF-8232-0A2E-5139-A674FC0DF491}"/>
+                </a:ext>
+              </a:extLst>
+            </p:cNvPr>
+            <p:cNvSpPr txBox="1"/>
+            <p:nvPr/>
+          </p:nvSpPr>
+          <p:spPr>
+            <a:xfrm>
+              <a:off x="1700590" y="3465682"/>
+              <a:ext cx="4438700" cy="400110"/>
+            </a:xfrm>
+            <a:custGeom>
+              <a:avLst/>
+              <a:gdLst>
+                <a:gd name="connsiteX0" fmla="*/ 0 w 4438700"/>
+                <a:gd name="connsiteY0" fmla="*/ 0 h 400110"/>
+                <a:gd name="connsiteX1" fmla="*/ 634100 w 4438700"/>
+                <a:gd name="connsiteY1" fmla="*/ 0 h 400110"/>
+                <a:gd name="connsiteX2" fmla="*/ 1223813 w 4438700"/>
+                <a:gd name="connsiteY2" fmla="*/ 0 h 400110"/>
+                <a:gd name="connsiteX3" fmla="*/ 1946687 w 4438700"/>
+                <a:gd name="connsiteY3" fmla="*/ 0 h 400110"/>
+                <a:gd name="connsiteX4" fmla="*/ 2447626 w 4438700"/>
+                <a:gd name="connsiteY4" fmla="*/ 0 h 400110"/>
+                <a:gd name="connsiteX5" fmla="*/ 3170500 w 4438700"/>
+                <a:gd name="connsiteY5" fmla="*/ 0 h 400110"/>
+                <a:gd name="connsiteX6" fmla="*/ 3893374 w 4438700"/>
+                <a:gd name="connsiteY6" fmla="*/ 0 h 400110"/>
+                <a:gd name="connsiteX7" fmla="*/ 4438700 w 4438700"/>
+                <a:gd name="connsiteY7" fmla="*/ 0 h 400110"/>
+                <a:gd name="connsiteX8" fmla="*/ 4438700 w 4438700"/>
+                <a:gd name="connsiteY8" fmla="*/ 400110 h 400110"/>
+                <a:gd name="connsiteX9" fmla="*/ 3804600 w 4438700"/>
+                <a:gd name="connsiteY9" fmla="*/ 400110 h 400110"/>
+                <a:gd name="connsiteX10" fmla="*/ 3126113 w 4438700"/>
+                <a:gd name="connsiteY10" fmla="*/ 400110 h 400110"/>
+                <a:gd name="connsiteX11" fmla="*/ 2403239 w 4438700"/>
+                <a:gd name="connsiteY11" fmla="*/ 400110 h 400110"/>
+                <a:gd name="connsiteX12" fmla="*/ 1902300 w 4438700"/>
+                <a:gd name="connsiteY12" fmla="*/ 400110 h 400110"/>
+                <a:gd name="connsiteX13" fmla="*/ 1356974 w 4438700"/>
+                <a:gd name="connsiteY13" fmla="*/ 400110 h 400110"/>
+                <a:gd name="connsiteX14" fmla="*/ 678487 w 4438700"/>
+                <a:gd name="connsiteY14" fmla="*/ 400110 h 400110"/>
+                <a:gd name="connsiteX15" fmla="*/ 0 w 4438700"/>
+                <a:gd name="connsiteY15" fmla="*/ 400110 h 400110"/>
+                <a:gd name="connsiteX16" fmla="*/ 0 w 4438700"/>
+                <a:gd name="connsiteY16" fmla="*/ 0 h 400110"/>
+              </a:gdLst>
+              <a:ahLst/>
+              <a:cxnLst>
+                <a:cxn ang="0">
+                  <a:pos x="connsiteX0" y="connsiteY0"/>
+                </a:cxn>
+                <a:cxn ang="0">
+                  <a:pos x="connsiteX1" y="connsiteY1"/>
+                </a:cxn>
+                <a:cxn ang="0">
+                  <a:pos x="connsiteX2" y="connsiteY2"/>
+                </a:cxn>
+                <a:cxn ang="0">
+                  <a:pos x="connsiteX3" y="connsiteY3"/>
+                </a:cxn>
+                <a:cxn ang="0">
+                  <a:pos x="connsiteX4" y="connsiteY4"/>
+                </a:cxn>
+                <a:cxn ang="0">
+                  <a:pos x="connsiteX5" y="connsiteY5"/>
+                </a:cxn>
+                <a:cxn ang="0">
+                  <a:pos x="connsiteX6" y="connsiteY6"/>
+                </a:cxn>
+                <a:cxn ang="0">
+                  <a:pos x="connsiteX7" y="connsiteY7"/>
+                </a:cxn>
+                <a:cxn ang="0">
+                  <a:pos x="connsiteX8" y="connsiteY8"/>
+                </a:cxn>
+                <a:cxn ang="0">
+                  <a:pos x="connsiteX9" y="connsiteY9"/>
+                </a:cxn>
+                <a:cxn ang="0">
+                  <a:pos x="connsiteX10" y="connsiteY10"/>
+                </a:cxn>
+                <a:cxn ang="0">
+                  <a:pos x="connsiteX11" y="connsiteY11"/>
+                </a:cxn>
+                <a:cxn ang="0">
+                  <a:pos x="connsiteX12" y="connsiteY12"/>
+                </a:cxn>
+                <a:cxn ang="0">
+                  <a:pos x="connsiteX13" y="connsiteY13"/>
+                </a:cxn>
+                <a:cxn ang="0">
+                  <a:pos x="connsiteX14" y="connsiteY14"/>
+                </a:cxn>
+                <a:cxn ang="0">
+                  <a:pos x="connsiteX15" y="connsiteY15"/>
+                </a:cxn>
+                <a:cxn ang="0">
+                  <a:pos x="connsiteX16" y="connsiteY16"/>
+                </a:cxn>
+              </a:cxnLst>
+              <a:rect l="l" t="t" r="r" b="b"/>
+              <a:pathLst>
+                <a:path w="4438700" h="400110" extrusionOk="0">
+                  <a:moveTo>
+                    <a:pt x="0" y="0"/>
+                  </a:moveTo>
+                  <a:cubicBezTo>
+                    <a:pt x="310635" y="1286"/>
+                    <a:pt x="400506" y="28459"/>
+                    <a:pt x="634100" y="0"/>
+                  </a:cubicBezTo>
+                  <a:cubicBezTo>
+                    <a:pt x="867694" y="-28459"/>
+                    <a:pt x="1093540" y="-25451"/>
+                    <a:pt x="1223813" y="0"/>
+                  </a:cubicBezTo>
+                  <a:cubicBezTo>
+                    <a:pt x="1354086" y="25451"/>
+                    <a:pt x="1755683" y="-19371"/>
+                    <a:pt x="1946687" y="0"/>
+                  </a:cubicBezTo>
+                  <a:cubicBezTo>
+                    <a:pt x="2137691" y="19371"/>
+                    <a:pt x="2236963" y="9293"/>
+                    <a:pt x="2447626" y="0"/>
+                  </a:cubicBezTo>
+                  <a:cubicBezTo>
+                    <a:pt x="2658289" y="-9293"/>
+                    <a:pt x="2979107" y="23950"/>
+                    <a:pt x="3170500" y="0"/>
+                  </a:cubicBezTo>
+                  <a:cubicBezTo>
+                    <a:pt x="3361893" y="-23950"/>
+                    <a:pt x="3633597" y="8612"/>
+                    <a:pt x="3893374" y="0"/>
+                  </a:cubicBezTo>
+                  <a:cubicBezTo>
+                    <a:pt x="4153151" y="-8612"/>
+                    <a:pt x="4173159" y="-9603"/>
+                    <a:pt x="4438700" y="0"/>
+                  </a:cubicBezTo>
+                  <a:cubicBezTo>
+                    <a:pt x="4423889" y="125618"/>
+                    <a:pt x="4447765" y="226275"/>
+                    <a:pt x="4438700" y="400110"/>
+                  </a:cubicBezTo>
+                  <a:cubicBezTo>
+                    <a:pt x="4177964" y="424244"/>
+                    <a:pt x="4090463" y="422947"/>
+                    <a:pt x="3804600" y="400110"/>
+                  </a:cubicBezTo>
+                  <a:cubicBezTo>
+                    <a:pt x="3518737" y="377273"/>
+                    <a:pt x="3333141" y="429814"/>
+                    <a:pt x="3126113" y="400110"/>
+                  </a:cubicBezTo>
+                  <a:cubicBezTo>
+                    <a:pt x="2919085" y="370406"/>
+                    <a:pt x="2559276" y="407966"/>
+                    <a:pt x="2403239" y="400110"/>
+                  </a:cubicBezTo>
+                  <a:cubicBezTo>
+                    <a:pt x="2247202" y="392254"/>
+                    <a:pt x="2076174" y="396539"/>
+                    <a:pt x="1902300" y="400110"/>
+                  </a:cubicBezTo>
+                  <a:cubicBezTo>
+                    <a:pt x="1728426" y="403681"/>
+                    <a:pt x="1628601" y="380942"/>
+                    <a:pt x="1356974" y="400110"/>
+                  </a:cubicBezTo>
+                  <a:cubicBezTo>
+                    <a:pt x="1085347" y="419278"/>
+                    <a:pt x="846596" y="366461"/>
+                    <a:pt x="678487" y="400110"/>
+                  </a:cubicBezTo>
+                  <a:cubicBezTo>
+                    <a:pt x="510378" y="433759"/>
+                    <a:pt x="156186" y="404942"/>
+                    <a:pt x="0" y="400110"/>
+                  </a:cubicBezTo>
+                  <a:cubicBezTo>
+                    <a:pt x="-18205" y="301049"/>
+                    <a:pt x="-12936" y="144332"/>
+                    <a:pt x="0" y="0"/>
+                  </a:cubicBezTo>
+                  <a:close/>
+                </a:path>
+              </a:pathLst>
+            </a:custGeom>
+            <a:noFill/>
+            <a:ln>
+              <a:solidFill>
+                <a:schemeClr val="bg1">
+                  <a:lumMod val="75000"/>
+                </a:schemeClr>
+              </a:solidFill>
+              <a:extLst>
+                <a:ext uri="{C807C97D-BFC1-408E-A445-0C87EB9F89A2}">
+                  <ask:lineSketchStyleProps xmlns:ask="http://schemas.microsoft.com/office/drawing/2018/sketchyshapes" sd="824976987">
+                    <a:prstGeom prst="rect">
+                      <a:avLst/>
+                    </a:prstGeom>
+                    <ask:type>
+                      <ask:lineSketchFreehand/>
+                    </ask:type>
+                  </ask:lineSketchStyleProps>
+                </a:ext>
+              </a:extLst>
+            </a:ln>
+            <a:scene3d>
+              <a:camera prst="isometricOffAxis1Right"/>
+              <a:lightRig rig="threePt" dir="t"/>
+            </a:scene3d>
+          </p:spPr>
+          <p:txBody>
+            <a:bodyPr wrap="square">
+              <a:spAutoFit/>
+            </a:bodyPr>
+            <a:lstStyle/>
+            <a:p>
+              <a:r>
+                <a:rPr lang="en-AU" sz="2000" dirty="0"/>
+                <a:t>㉒</a:t>
+              </a:r>
+              <a:r>
+                <a:rPr lang="en-AU" dirty="0"/>
+                <a:t> Separation of Concerns </a:t>
+              </a:r>
+            </a:p>
+          </p:txBody>
+        </p:sp>
+        <p:sp>
+          <p:nvSpPr>
+            <p:cNvPr id="46" name="TextBox 45">
+              <a:extLst>
+                <a:ext uri="{FF2B5EF4-FFF2-40B4-BE49-F238E27FC236}">
+                  <a16:creationId xmlns:a16="http://schemas.microsoft.com/office/drawing/2014/main" id="{54B3E788-60CF-A299-B073-709DE149D14D}"/>
+                </a:ext>
+              </a:extLst>
+            </p:cNvPr>
+            <p:cNvSpPr txBox="1"/>
+            <p:nvPr/>
+          </p:nvSpPr>
+          <p:spPr>
+            <a:xfrm>
+              <a:off x="2231402" y="3637131"/>
+              <a:ext cx="4438700" cy="276999"/>
+            </a:xfrm>
+            <a:prstGeom prst="rect">
+              <a:avLst/>
+            </a:prstGeom>
+            <a:noFill/>
+            <a:ln>
+              <a:noFill/>
+            </a:ln>
+            <a:scene3d>
+              <a:camera prst="isometricOffAxis1Right"/>
+              <a:lightRig rig="threePt" dir="t"/>
+            </a:scene3d>
+          </p:spPr>
+          <p:txBody>
+            <a:bodyPr wrap="square">
+              <a:spAutoFit/>
+            </a:bodyPr>
+            <a:lstStyle/>
+            <a:p>
+              <a:r>
+                <a:rPr kumimoji="0" lang="en-AU" sz="1200" b="0" i="0" u="none" strike="noStrike" kern="1200" cap="none" spc="0" normalizeH="0" baseline="0" noProof="0" dirty="0">
+                  <a:ln>
+                    <a:noFill/>
+                  </a:ln>
+                  <a:solidFill>
+                    <a:prstClr val="black"/>
+                  </a:solidFill>
+                  <a:effectLst/>
+                  <a:uLnTx/>
+                  <a:uFillTx/>
+                  <a:latin typeface="Calibri" panose="020F0502020204030204"/>
+                  <a:ea typeface="+mn-ea"/>
+                  <a:cs typeface="+mn-cs"/>
+                </a:rPr>
+                <a:t>(Design principle)</a:t>
+              </a:r>
+              <a:endParaRPr lang="en-AU" dirty="0"/>
+            </a:p>
+          </p:txBody>
+        </p:sp>
+      </p:grpSp>
+      <p:grpSp>
+        <p:nvGrpSpPr>
+          <p:cNvPr id="58" name="Group 57">
+            <a:extLst>
+              <a:ext uri="{FF2B5EF4-FFF2-40B4-BE49-F238E27FC236}">
+                <a16:creationId xmlns:a16="http://schemas.microsoft.com/office/drawing/2014/main" id="{2371BAF9-CCEF-2753-C171-B64E033DEF94}"/>
+              </a:ext>
+            </a:extLst>
+          </p:cNvPr>
+          <p:cNvGrpSpPr/>
+          <p:nvPr/>
+        </p:nvGrpSpPr>
+        <p:grpSpPr>
+          <a:xfrm>
+            <a:off x="6096000" y="2897426"/>
+            <a:ext cx="2700769" cy="615553"/>
+            <a:chOff x="5490442" y="2948887"/>
+            <a:chExt cx="3186786" cy="615553"/>
+          </a:xfrm>
+        </p:grpSpPr>
+        <p:sp>
+          <p:nvSpPr>
+            <p:cNvPr id="44" name="TextBox 43">
+              <a:extLst>
+                <a:ext uri="{FF2B5EF4-FFF2-40B4-BE49-F238E27FC236}">
+                  <a16:creationId xmlns:a16="http://schemas.microsoft.com/office/drawing/2014/main" id="{92847323-93ED-C65E-C2FB-6C1DB85626C3}"/>
+                </a:ext>
+              </a:extLst>
+            </p:cNvPr>
+            <p:cNvSpPr txBox="1"/>
+            <p:nvPr/>
+          </p:nvSpPr>
+          <p:spPr>
+            <a:xfrm>
+              <a:off x="5490442" y="2948887"/>
+              <a:ext cx="2784839" cy="615553"/>
+            </a:xfrm>
+            <a:custGeom>
+              <a:avLst/>
+              <a:gdLst>
+                <a:gd name="connsiteX0" fmla="*/ 0 w 2360123"/>
+                <a:gd name="connsiteY0" fmla="*/ 0 h 615553"/>
+                <a:gd name="connsiteX1" fmla="*/ 566430 w 2360123"/>
+                <a:gd name="connsiteY1" fmla="*/ 0 h 615553"/>
+                <a:gd name="connsiteX2" fmla="*/ 1085657 w 2360123"/>
+                <a:gd name="connsiteY2" fmla="*/ 0 h 615553"/>
+                <a:gd name="connsiteX3" fmla="*/ 1722890 w 2360123"/>
+                <a:gd name="connsiteY3" fmla="*/ 0 h 615553"/>
+                <a:gd name="connsiteX4" fmla="*/ 2360123 w 2360123"/>
+                <a:gd name="connsiteY4" fmla="*/ 0 h 615553"/>
+                <a:gd name="connsiteX5" fmla="*/ 2360123 w 2360123"/>
+                <a:gd name="connsiteY5" fmla="*/ 615553 h 615553"/>
+                <a:gd name="connsiteX6" fmla="*/ 1817295 w 2360123"/>
+                <a:gd name="connsiteY6" fmla="*/ 615553 h 615553"/>
+                <a:gd name="connsiteX7" fmla="*/ 1274466 w 2360123"/>
+                <a:gd name="connsiteY7" fmla="*/ 615553 h 615553"/>
+                <a:gd name="connsiteX8" fmla="*/ 637233 w 2360123"/>
+                <a:gd name="connsiteY8" fmla="*/ 615553 h 615553"/>
+                <a:gd name="connsiteX9" fmla="*/ 0 w 2360123"/>
+                <a:gd name="connsiteY9" fmla="*/ 615553 h 615553"/>
+                <a:gd name="connsiteX10" fmla="*/ 0 w 2360123"/>
+                <a:gd name="connsiteY10" fmla="*/ 0 h 615553"/>
+              </a:gdLst>
+              <a:ahLst/>
+              <a:cxnLst>
+                <a:cxn ang="0">
+                  <a:pos x="connsiteX0" y="connsiteY0"/>
+                </a:cxn>
+                <a:cxn ang="0">
+                  <a:pos x="connsiteX1" y="connsiteY1"/>
+                </a:cxn>
+                <a:cxn ang="0">
+                  <a:pos x="connsiteX2" y="connsiteY2"/>
+                </a:cxn>
+                <a:cxn ang="0">
+                  <a:pos x="connsiteX3" y="connsiteY3"/>
+                </a:cxn>
+                <a:cxn ang="0">
+                  <a:pos x="connsiteX4" y="connsiteY4"/>
+                </a:cxn>
+                <a:cxn ang="0">
+                  <a:pos x="connsiteX5" y="connsiteY5"/>
+                </a:cxn>
+                <a:cxn ang="0">
+                  <a:pos x="connsiteX6" y="connsiteY6"/>
+                </a:cxn>
+                <a:cxn ang="0">
+                  <a:pos x="connsiteX7" y="connsiteY7"/>
+                </a:cxn>
+                <a:cxn ang="0">
+                  <a:pos x="connsiteX8" y="connsiteY8"/>
+                </a:cxn>
+                <a:cxn ang="0">
+                  <a:pos x="connsiteX9" y="connsiteY9"/>
+                </a:cxn>
+                <a:cxn ang="0">
+                  <a:pos x="connsiteX10" y="connsiteY10"/>
+                </a:cxn>
+              </a:cxnLst>
+              <a:rect l="l" t="t" r="r" b="b"/>
+              <a:pathLst>
+                <a:path w="2360123" h="615553" extrusionOk="0">
+                  <a:moveTo>
+                    <a:pt x="0" y="0"/>
+                  </a:moveTo>
+                  <a:cubicBezTo>
+                    <a:pt x="235871" y="5422"/>
+                    <a:pt x="385837" y="-20541"/>
+                    <a:pt x="566430" y="0"/>
+                  </a:cubicBezTo>
+                  <a:cubicBezTo>
+                    <a:pt x="747023" y="20541"/>
+                    <a:pt x="946120" y="-22509"/>
+                    <a:pt x="1085657" y="0"/>
+                  </a:cubicBezTo>
+                  <a:cubicBezTo>
+                    <a:pt x="1225194" y="22509"/>
+                    <a:pt x="1414277" y="6029"/>
+                    <a:pt x="1722890" y="0"/>
+                  </a:cubicBezTo>
+                  <a:cubicBezTo>
+                    <a:pt x="2031503" y="-6029"/>
+                    <a:pt x="2222219" y="16160"/>
+                    <a:pt x="2360123" y="0"/>
+                  </a:cubicBezTo>
+                  <a:cubicBezTo>
+                    <a:pt x="2375794" y="292674"/>
+                    <a:pt x="2364178" y="376191"/>
+                    <a:pt x="2360123" y="615553"/>
+                  </a:cubicBezTo>
+                  <a:cubicBezTo>
+                    <a:pt x="2121947" y="637869"/>
+                    <a:pt x="2017900" y="618577"/>
+                    <a:pt x="1817295" y="615553"/>
+                  </a:cubicBezTo>
+                  <a:cubicBezTo>
+                    <a:pt x="1616690" y="612529"/>
+                    <a:pt x="1397381" y="610192"/>
+                    <a:pt x="1274466" y="615553"/>
+                  </a:cubicBezTo>
+                  <a:cubicBezTo>
+                    <a:pt x="1151551" y="620914"/>
+                    <a:pt x="819532" y="634561"/>
+                    <a:pt x="637233" y="615553"/>
+                  </a:cubicBezTo>
+                  <a:cubicBezTo>
+                    <a:pt x="454934" y="596545"/>
+                    <a:pt x="273972" y="602867"/>
+                    <a:pt x="0" y="615553"/>
+                  </a:cubicBezTo>
+                  <a:cubicBezTo>
+                    <a:pt x="679" y="350735"/>
+                    <a:pt x="-11706" y="256557"/>
+                    <a:pt x="0" y="0"/>
+                  </a:cubicBezTo>
+                  <a:close/>
+                </a:path>
+              </a:pathLst>
+            </a:custGeom>
+            <a:noFill/>
+            <a:ln>
+              <a:solidFill>
+                <a:schemeClr val="bg1">
+                  <a:lumMod val="75000"/>
+                </a:schemeClr>
+              </a:solidFill>
+              <a:prstDash val="solid"/>
+              <a:extLst>
+                <a:ext uri="{C807C97D-BFC1-408E-A445-0C87EB9F89A2}">
+                  <ask:lineSketchStyleProps xmlns:ask="http://schemas.microsoft.com/office/drawing/2018/sketchyshapes" sd="1219033472">
+                    <a:prstGeom prst="rect">
+                      <a:avLst/>
+                    </a:prstGeom>
+                    <ask:type>
+                      <ask:lineSketchFreehand/>
+                    </ask:type>
+                  </ask:lineSketchStyleProps>
+                </a:ext>
+              </a:extLst>
+            </a:ln>
+            <a:scene3d>
+              <a:camera prst="isometricOffAxis1Right"/>
+              <a:lightRig rig="threePt" dir="t"/>
+            </a:scene3d>
+          </p:spPr>
+          <p:txBody>
+            <a:bodyPr wrap="square">
+              <a:spAutoFit/>
+            </a:bodyPr>
+            <a:lstStyle/>
+            <a:p>
+              <a:r>
+                <a:rPr lang="en-AU" sz="1700" dirty="0"/>
+                <a:t>⑭ Relational Model</a:t>
+              </a:r>
+              <a:br>
+                <a:rPr lang="en-AU" sz="1700" dirty="0"/>
+              </a:br>
+              <a:endParaRPr lang="en-AU" sz="1700" dirty="0"/>
+            </a:p>
+          </p:txBody>
+        </p:sp>
+        <p:sp>
+          <p:nvSpPr>
+            <p:cNvPr id="57" name="TextBox 56">
+              <a:extLst>
+                <a:ext uri="{FF2B5EF4-FFF2-40B4-BE49-F238E27FC236}">
+                  <a16:creationId xmlns:a16="http://schemas.microsoft.com/office/drawing/2014/main" id="{E9426B63-3B6A-7931-87B6-8F23FE7CA88D}"/>
+                </a:ext>
+              </a:extLst>
+            </p:cNvPr>
+            <p:cNvSpPr txBox="1"/>
+            <p:nvPr/>
+          </p:nvSpPr>
+          <p:spPr>
+            <a:xfrm>
+              <a:off x="5785269" y="3146147"/>
+              <a:ext cx="2891959" cy="307777"/>
+            </a:xfrm>
+            <a:prstGeom prst="rect">
+              <a:avLst/>
+            </a:prstGeom>
+            <a:noFill/>
+            <a:ln>
+              <a:noFill/>
+            </a:ln>
+            <a:scene3d>
+              <a:camera prst="isometricOffAxis1Right"/>
+              <a:lightRig rig="threePt" dir="t"/>
+            </a:scene3d>
+          </p:spPr>
+          <p:txBody>
+            <a:bodyPr wrap="square">
+              <a:spAutoFit/>
+            </a:bodyPr>
+            <a:lstStyle/>
+            <a:p>
+              <a:r>
+                <a:rPr kumimoji="0" lang="en-AU" sz="1400" b="0" i="0" u="none" strike="noStrike" kern="1200" cap="none" spc="0" normalizeH="0" baseline="0" noProof="0" dirty="0">
+                  <a:ln>
+                    <a:noFill/>
+                  </a:ln>
+                  <a:solidFill>
+                    <a:prstClr val="black"/>
+                  </a:solidFill>
+                  <a:effectLst/>
+                  <a:uLnTx/>
+                  <a:uFillTx/>
+                  <a:latin typeface="Calibri" panose="020F0502020204030204"/>
+                  <a:ea typeface="+mn-ea"/>
+                  <a:cs typeface="+mn-cs"/>
+                </a:rPr>
+                <a:t>㉓</a:t>
+              </a:r>
+              <a:r>
+                <a:rPr kumimoji="0" lang="en-AU" sz="1200" b="0" i="0" u="none" strike="noStrike" kern="1200" cap="none" spc="0" normalizeH="0" baseline="0" noProof="0" dirty="0">
+                  <a:ln>
+                    <a:noFill/>
+                  </a:ln>
+                  <a:solidFill>
+                    <a:prstClr val="black"/>
+                  </a:solidFill>
+                  <a:effectLst/>
+                  <a:uLnTx/>
+                  <a:uFillTx/>
+                  <a:latin typeface="Calibri" panose="020F0502020204030204"/>
+                  <a:ea typeface="+mn-ea"/>
+                  <a:cs typeface="+mn-cs"/>
+                </a:rPr>
+                <a:t> Relations defined in 3 ways</a:t>
+              </a:r>
+              <a:endParaRPr lang="en-AU" dirty="0"/>
+            </a:p>
+          </p:txBody>
+        </p:sp>
+      </p:grpSp>
+      <p:sp>
+        <p:nvSpPr>
+          <p:cNvPr id="59" name="TextBox 58">
+            <a:extLst>
+              <a:ext uri="{FF2B5EF4-FFF2-40B4-BE49-F238E27FC236}">
+                <a16:creationId xmlns:a16="http://schemas.microsoft.com/office/drawing/2014/main" id="{D9FEB22D-9985-3611-EB85-C9E31B232160}"/>
+              </a:ext>
+            </a:extLst>
+          </p:cNvPr>
+          <p:cNvSpPr txBox="1"/>
+          <p:nvPr/>
+        </p:nvSpPr>
+        <p:spPr>
+          <a:xfrm>
+            <a:off x="10525224" y="1401535"/>
+            <a:ext cx="1666776" cy="369332"/>
+          </a:xfrm>
+          <a:prstGeom prst="rect">
+            <a:avLst/>
+          </a:prstGeom>
+          <a:noFill/>
+          <a:scene3d>
+            <a:camera prst="isometricOffAxis1Right"/>
+            <a:lightRig rig="threePt" dir="t"/>
+          </a:scene3d>
+        </p:spPr>
+        <p:txBody>
+          <a:bodyPr wrap="square" rtlCol="0">
+            <a:spAutoFit/>
+          </a:bodyPr>
+          <a:lstStyle/>
+          <a:p>
+            <a:r>
+              <a:rPr lang="en-AU" sz="900" baseline="30000" dirty="0">
+                <a:solidFill>
+                  <a:schemeClr val="tx1">
+                    <a:lumMod val="50000"/>
+                    <a:lumOff val="50000"/>
+                  </a:schemeClr>
+                </a:solidFill>
+              </a:rPr>
+              <a:t>1 </a:t>
+            </a:r>
+            <a:r>
+              <a:rPr lang="en-AU" sz="900" i="1" dirty="0">
+                <a:solidFill>
+                  <a:schemeClr val="tx1">
+                    <a:lumMod val="50000"/>
+                    <a:lumOff val="50000"/>
+                  </a:schemeClr>
+                </a:solidFill>
+              </a:rPr>
+              <a:t>non-extensionally-defined </a:t>
+            </a:r>
+          </a:p>
+          <a:p>
+            <a:r>
+              <a:rPr lang="en-AU" sz="900" i="1" dirty="0">
+                <a:solidFill>
+                  <a:schemeClr val="tx1">
+                    <a:lumMod val="50000"/>
+                    <a:lumOff val="50000"/>
+                  </a:schemeClr>
+                </a:solidFill>
+              </a:rPr>
+              <a:t>and non-derived</a:t>
+            </a:r>
+          </a:p>
+        </p:txBody>
+      </p:sp>
+      <p:grpSp>
+        <p:nvGrpSpPr>
+          <p:cNvPr id="62" name="Group 61">
+            <a:extLst>
+              <a:ext uri="{FF2B5EF4-FFF2-40B4-BE49-F238E27FC236}">
+                <a16:creationId xmlns:a16="http://schemas.microsoft.com/office/drawing/2014/main" id="{7A46FB6F-26AA-6D09-76C9-C5A862E241BC}"/>
+              </a:ext>
+            </a:extLst>
+          </p:cNvPr>
+          <p:cNvGrpSpPr/>
+          <p:nvPr/>
+        </p:nvGrpSpPr>
+        <p:grpSpPr>
+          <a:xfrm>
+            <a:off x="4894215" y="2057468"/>
+            <a:ext cx="1186836" cy="899485"/>
+            <a:chOff x="5573846" y="2726384"/>
+            <a:chExt cx="1186836" cy="899485"/>
+          </a:xfrm>
+        </p:grpSpPr>
+        <p:sp>
+          <p:nvSpPr>
+            <p:cNvPr id="60" name="Arrow: Left-Right 59">
+              <a:extLst>
+                <a:ext uri="{FF2B5EF4-FFF2-40B4-BE49-F238E27FC236}">
+                  <a16:creationId xmlns:a16="http://schemas.microsoft.com/office/drawing/2014/main" id="{C75B1F96-7F32-DE19-1C2A-E42097ECD316}"/>
+                </a:ext>
+              </a:extLst>
+            </p:cNvPr>
+            <p:cNvSpPr/>
+            <p:nvPr/>
+          </p:nvSpPr>
+          <p:spPr>
+            <a:xfrm>
+              <a:off x="5573846" y="2968169"/>
+              <a:ext cx="1186836" cy="657700"/>
+            </a:xfrm>
+            <a:prstGeom prst="leftRightArrow">
+              <a:avLst/>
+            </a:prstGeom>
+            <a:gradFill flip="none" rotWithShape="1">
+              <a:gsLst>
+                <a:gs pos="0">
+                  <a:srgbClr val="B3C8ED">
+                    <a:lumMod val="100000"/>
+                  </a:srgbClr>
+                </a:gs>
+                <a:gs pos="100000">
+                  <a:srgbClr val="D8C4E8"/>
+                </a:gs>
+              </a:gsLst>
+              <a:lin ang="0" scaled="1"/>
+              <a:tileRect/>
+            </a:gradFill>
+            <a:ln>
+              <a:solidFill>
+                <a:srgbClr val="233D6A"/>
+              </a:solidFill>
+            </a:ln>
+            <a:scene3d>
+              <a:camera prst="isometricOffAxis1Right"/>
+              <a:lightRig rig="threePt" dir="t"/>
+            </a:scene3d>
+            <a:sp3d extrusionH="165100">
+              <a:extrusionClr>
+                <a:srgbClr val="522276"/>
+              </a:extrusionClr>
+            </a:sp3d>
+          </p:spPr>
+          <p:style>
+            <a:lnRef idx="2">
+              <a:schemeClr val="accent1">
+                <a:shade val="50000"/>
+              </a:schemeClr>
+            </a:lnRef>
+            <a:fillRef idx="1">
+              <a:schemeClr val="accent1"/>
+            </a:fillRef>
+            <a:effectRef idx="0">
+              <a:schemeClr val="accent1"/>
+            </a:effectRef>
+            <a:fontRef idx="minor">
+              <a:schemeClr val="lt1"/>
+            </a:fontRef>
+          </p:style>
+          <p:txBody>
+            <a:bodyPr rtlCol="0" anchor="ctr"/>
+            <a:lstStyle/>
+            <a:p>
+              <a:pPr algn="ctr"/>
+              <a:r>
+                <a:rPr lang="en-AU" sz="1200" dirty="0">
+                  <a:solidFill>
+                    <a:schemeClr val="tx1"/>
+                  </a:solidFill>
+                </a:rPr>
+                <a:t>LATERAL join ⋈</a:t>
+              </a:r>
+            </a:p>
+          </p:txBody>
+        </p:sp>
+        <p:sp>
+          <p:nvSpPr>
+            <p:cNvPr id="61" name="TextBox 60">
+              <a:extLst>
+                <a:ext uri="{FF2B5EF4-FFF2-40B4-BE49-F238E27FC236}">
+                  <a16:creationId xmlns:a16="http://schemas.microsoft.com/office/drawing/2014/main" id="{F4C04B0F-2E69-1494-DBA0-42D62EC0729A}"/>
+                </a:ext>
+              </a:extLst>
+            </p:cNvPr>
+            <p:cNvSpPr txBox="1"/>
+            <p:nvPr/>
+          </p:nvSpPr>
+          <p:spPr>
+            <a:xfrm>
+              <a:off x="5904558" y="2726384"/>
+              <a:ext cx="378311" cy="369332"/>
+            </a:xfrm>
+            <a:prstGeom prst="rect">
+              <a:avLst/>
+            </a:prstGeom>
+            <a:noFill/>
+            <a:ln>
+              <a:noFill/>
+            </a:ln>
+            <a:scene3d>
+              <a:camera prst="isometricOffAxis1Right"/>
+              <a:lightRig rig="threePt" dir="t"/>
+            </a:scene3d>
+          </p:spPr>
+          <p:txBody>
+            <a:bodyPr wrap="square">
+              <a:spAutoFit/>
+            </a:bodyPr>
+            <a:lstStyle>
+              <a:defPPr>
+                <a:defRPr lang="en-US"/>
+              </a:defPPr>
+              <a:lvl1pPr>
+                <a:defRPr>
+                  <a:solidFill>
+                    <a:schemeClr val="accent6">
+                      <a:lumMod val="50000"/>
+                    </a:schemeClr>
+                  </a:solidFill>
+                </a:defRPr>
+              </a:lvl1pPr>
+            </a:lstStyle>
+            <a:p>
+              <a:r>
+                <a:rPr lang="en-AU" dirty="0"/>
+                <a:t>⑪</a:t>
+              </a:r>
+            </a:p>
+          </p:txBody>
+        </p:sp>
+      </p:grpSp>
+      <p:sp>
+        <p:nvSpPr>
+          <p:cNvPr id="27" name="TextBox 26">
+            <a:extLst>
+              <a:ext uri="{FF2B5EF4-FFF2-40B4-BE49-F238E27FC236}">
+                <a16:creationId xmlns:a16="http://schemas.microsoft.com/office/drawing/2014/main" id="{2D141629-A1BA-ECCB-642E-853B91981066}"/>
+              </a:ext>
+            </a:extLst>
+          </p:cNvPr>
+          <p:cNvSpPr txBox="1"/>
+          <p:nvPr/>
+        </p:nvSpPr>
+        <p:spPr>
+          <a:xfrm>
+            <a:off x="83676" y="53437"/>
+            <a:ext cx="5848268" cy="461665"/>
           </a:xfrm>
           <a:prstGeom prst="rect">
             <a:avLst/>
@@ -28982,8 +30437,43 @@
           <a:lstStyle/>
           <a:p>
             <a:r>
-              <a:rPr lang="en-AU" sz="1100" dirty="0"/>
-              <a:t>* Not salient</a:t>
+              <a:rPr lang="en-AU" sz="2400" dirty="0"/>
+              <a:t>Topics around Intensionally-defined Relations</a:t>
+            </a:r>
+          </a:p>
+        </p:txBody>
+      </p:sp>
+      <p:sp>
+        <p:nvSpPr>
+          <p:cNvPr id="39" name="TextBox 38">
+            <a:extLst>
+              <a:ext uri="{FF2B5EF4-FFF2-40B4-BE49-F238E27FC236}">
+                <a16:creationId xmlns:a16="http://schemas.microsoft.com/office/drawing/2014/main" id="{9614BD9C-9359-5766-3AB8-270792FD0916}"/>
+              </a:ext>
+            </a:extLst>
+          </p:cNvPr>
+          <p:cNvSpPr txBox="1"/>
+          <p:nvPr/>
+        </p:nvSpPr>
+        <p:spPr>
+          <a:xfrm>
+            <a:off x="11103159" y="6530321"/>
+            <a:ext cx="785793" cy="184666"/>
+          </a:xfrm>
+          <a:prstGeom prst="rect">
+            <a:avLst/>
+          </a:prstGeom>
+          <a:noFill/>
+        </p:spPr>
+        <p:txBody>
+          <a:bodyPr wrap="none" rtlCol="0">
+            <a:spAutoFit/>
+          </a:bodyPr>
+          <a:lstStyle/>
+          <a:p>
+            <a:r>
+              <a:rPr lang="en-AU" sz="600" dirty="0"/>
+              <a:t>David Pratten 2023</a:t>
             </a:r>
           </a:p>
         </p:txBody>

--- a/images/src/jetisu diagrams.pptx
+++ b/images/src/jetisu diagrams.pptx
@@ -20881,7 +20881,7 @@
           <a:p>
             <a:fld id="{EB429232-E4BA-4B3A-9952-EE5A117FBC50}" type="datetimeFigureOut">
               <a:rPr lang="en-AU" smtClean="0"/>
-              <a:t>25/02/2023</a:t>
+              <a:t>6/03/2023</a:t>
             </a:fld>
             <a:endParaRPr lang="en-AU"/>
           </a:p>
@@ -21081,7 +21081,7 @@
           <a:p>
             <a:fld id="{EB429232-E4BA-4B3A-9952-EE5A117FBC50}" type="datetimeFigureOut">
               <a:rPr lang="en-AU" smtClean="0"/>
-              <a:t>25/02/2023</a:t>
+              <a:t>6/03/2023</a:t>
             </a:fld>
             <a:endParaRPr lang="en-AU"/>
           </a:p>
@@ -21291,7 +21291,7 @@
           <a:p>
             <a:fld id="{EB429232-E4BA-4B3A-9952-EE5A117FBC50}" type="datetimeFigureOut">
               <a:rPr lang="en-AU" smtClean="0"/>
-              <a:t>25/02/2023</a:t>
+              <a:t>6/03/2023</a:t>
             </a:fld>
             <a:endParaRPr lang="en-AU"/>
           </a:p>
@@ -21491,7 +21491,7 @@
           <a:p>
             <a:fld id="{EB429232-E4BA-4B3A-9952-EE5A117FBC50}" type="datetimeFigureOut">
               <a:rPr lang="en-AU" smtClean="0"/>
-              <a:t>25/02/2023</a:t>
+              <a:t>6/03/2023</a:t>
             </a:fld>
             <a:endParaRPr lang="en-AU"/>
           </a:p>
@@ -21767,7 +21767,7 @@
           <a:p>
             <a:fld id="{EB429232-E4BA-4B3A-9952-EE5A117FBC50}" type="datetimeFigureOut">
               <a:rPr lang="en-AU" smtClean="0"/>
-              <a:t>25/02/2023</a:t>
+              <a:t>6/03/2023</a:t>
             </a:fld>
             <a:endParaRPr lang="en-AU"/>
           </a:p>
@@ -22035,7 +22035,7 @@
           <a:p>
             <a:fld id="{EB429232-E4BA-4B3A-9952-EE5A117FBC50}" type="datetimeFigureOut">
               <a:rPr lang="en-AU" smtClean="0"/>
-              <a:t>25/02/2023</a:t>
+              <a:t>6/03/2023</a:t>
             </a:fld>
             <a:endParaRPr lang="en-AU"/>
           </a:p>
@@ -22450,7 +22450,7 @@
           <a:p>
             <a:fld id="{EB429232-E4BA-4B3A-9952-EE5A117FBC50}" type="datetimeFigureOut">
               <a:rPr lang="en-AU" smtClean="0"/>
-              <a:t>25/02/2023</a:t>
+              <a:t>6/03/2023</a:t>
             </a:fld>
             <a:endParaRPr lang="en-AU"/>
           </a:p>
@@ -22592,7 +22592,7 @@
           <a:p>
             <a:fld id="{EB429232-E4BA-4B3A-9952-EE5A117FBC50}" type="datetimeFigureOut">
               <a:rPr lang="en-AU" smtClean="0"/>
-              <a:t>25/02/2023</a:t>
+              <a:t>6/03/2023</a:t>
             </a:fld>
             <a:endParaRPr lang="en-AU"/>
           </a:p>
@@ -22705,7 +22705,7 @@
           <a:p>
             <a:fld id="{EB429232-E4BA-4B3A-9952-EE5A117FBC50}" type="datetimeFigureOut">
               <a:rPr lang="en-AU" smtClean="0"/>
-              <a:t>25/02/2023</a:t>
+              <a:t>6/03/2023</a:t>
             </a:fld>
             <a:endParaRPr lang="en-AU"/>
           </a:p>
@@ -23018,7 +23018,7 @@
           <a:p>
             <a:fld id="{EB429232-E4BA-4B3A-9952-EE5A117FBC50}" type="datetimeFigureOut">
               <a:rPr lang="en-AU" smtClean="0"/>
-              <a:t>25/02/2023</a:t>
+              <a:t>6/03/2023</a:t>
             </a:fld>
             <a:endParaRPr lang="en-AU"/>
           </a:p>
@@ -23307,7 +23307,7 @@
           <a:p>
             <a:fld id="{EB429232-E4BA-4B3A-9952-EE5A117FBC50}" type="datetimeFigureOut">
               <a:rPr lang="en-AU" smtClean="0"/>
-              <a:t>25/02/2023</a:t>
+              <a:t>6/03/2023</a:t>
             </a:fld>
             <a:endParaRPr lang="en-AU"/>
           </a:p>
@@ -23550,7 +23550,7 @@
           <a:p>
             <a:fld id="{EB429232-E4BA-4B3A-9952-EE5A117FBC50}" type="datetimeFigureOut">
               <a:rPr lang="en-AU" smtClean="0"/>
-              <a:t>25/02/2023</a:t>
+              <a:t>6/03/2023</a:t>
             </a:fld>
             <a:endParaRPr lang="en-AU"/>
           </a:p>
@@ -25961,6 +25961,432 @@
           <a:chExt cx="0" cy="0"/>
         </a:xfrm>
       </p:grpSpPr>
+      <p:sp>
+        <p:nvSpPr>
+          <p:cNvPr id="28" name="TextBox 27">
+            <a:extLst>
+              <a:ext uri="{FF2B5EF4-FFF2-40B4-BE49-F238E27FC236}">
+                <a16:creationId xmlns:a16="http://schemas.microsoft.com/office/drawing/2014/main" id="{F697C91D-4BBE-E97C-6DB6-F23CCBE4E283}"/>
+              </a:ext>
+            </a:extLst>
+          </p:cNvPr>
+          <p:cNvSpPr txBox="1"/>
+          <p:nvPr/>
+        </p:nvSpPr>
+        <p:spPr>
+          <a:xfrm>
+            <a:off x="-6527157" y="4706035"/>
+            <a:ext cx="6094562" cy="1384995"/>
+          </a:xfrm>
+          <a:prstGeom prst="rect">
+            <a:avLst/>
+          </a:prstGeom>
+          <a:solidFill>
+            <a:schemeClr val="tx1"/>
+          </a:solidFill>
+        </p:spPr>
+        <p:txBody>
+          <a:bodyPr wrap="square">
+            <a:spAutoFit/>
+          </a:bodyPr>
+          <a:lstStyle/>
+          <a:p>
+            <a:r>
+              <a:rPr lang="en-AU" dirty="0">
+                <a:solidFill>
+                  <a:schemeClr val="bg1"/>
+                </a:solidFill>
+              </a:rPr>
+              <a:t>⓪</a:t>
+            </a:r>
+            <a:r>
+              <a:rPr lang="en-AU" b="0" i="0" dirty="0">
+                <a:solidFill>
+                  <a:schemeClr val="bg1"/>
+                </a:solidFill>
+                <a:effectLst/>
+                <a:latin typeface="Arial" panose="020B0604020202020204" pitchFamily="34" charset="0"/>
+              </a:rPr>
+              <a:t> </a:t>
+            </a:r>
+            <a:r>
+              <a:rPr lang="en-AU" dirty="0">
+                <a:solidFill>
+                  <a:schemeClr val="bg1"/>
+                </a:solidFill>
+              </a:rPr>
+              <a:t>①</a:t>
+            </a:r>
+            <a:r>
+              <a:rPr lang="en-AU" b="0" i="0" dirty="0">
+                <a:solidFill>
+                  <a:schemeClr val="bg1"/>
+                </a:solidFill>
+                <a:effectLst/>
+                <a:latin typeface="Arial" panose="020B0604020202020204" pitchFamily="34" charset="0"/>
+              </a:rPr>
+              <a:t> </a:t>
+            </a:r>
+            <a:r>
+              <a:rPr lang="en-AU" dirty="0">
+                <a:solidFill>
+                  <a:schemeClr val="bg1"/>
+                </a:solidFill>
+              </a:rPr>
+              <a:t>②</a:t>
+            </a:r>
+            <a:r>
+              <a:rPr lang="en-AU" b="0" i="0" dirty="0">
+                <a:solidFill>
+                  <a:schemeClr val="bg1"/>
+                </a:solidFill>
+                <a:effectLst/>
+                <a:latin typeface="Arial" panose="020B0604020202020204" pitchFamily="34" charset="0"/>
+              </a:rPr>
+              <a:t> </a:t>
+            </a:r>
+            <a:r>
+              <a:rPr lang="en-AU" dirty="0">
+                <a:solidFill>
+                  <a:schemeClr val="bg1"/>
+                </a:solidFill>
+              </a:rPr>
+              <a:t>③</a:t>
+            </a:r>
+            <a:r>
+              <a:rPr lang="en-AU" b="0" i="0" dirty="0">
+                <a:solidFill>
+                  <a:schemeClr val="bg1"/>
+                </a:solidFill>
+                <a:effectLst/>
+                <a:latin typeface="Arial" panose="020B0604020202020204" pitchFamily="34" charset="0"/>
+              </a:rPr>
+              <a:t> </a:t>
+            </a:r>
+            <a:r>
+              <a:rPr lang="en-AU" dirty="0">
+                <a:solidFill>
+                  <a:schemeClr val="bg1"/>
+                </a:solidFill>
+              </a:rPr>
+              <a:t>④</a:t>
+            </a:r>
+            <a:r>
+              <a:rPr lang="en-AU" b="0" i="0" dirty="0">
+                <a:solidFill>
+                  <a:schemeClr val="bg1"/>
+                </a:solidFill>
+                <a:effectLst/>
+                <a:latin typeface="Arial" panose="020B0604020202020204" pitchFamily="34" charset="0"/>
+              </a:rPr>
+              <a:t> </a:t>
+            </a:r>
+            <a:r>
+              <a:rPr lang="en-AU" dirty="0">
+                <a:solidFill>
+                  <a:schemeClr val="bg1"/>
+                </a:solidFill>
+              </a:rPr>
+              <a:t>⑤</a:t>
+            </a:r>
+            <a:r>
+              <a:rPr lang="en-AU" b="0" i="0" dirty="0">
+                <a:solidFill>
+                  <a:schemeClr val="bg1"/>
+                </a:solidFill>
+                <a:effectLst/>
+                <a:latin typeface="Arial" panose="020B0604020202020204" pitchFamily="34" charset="0"/>
+              </a:rPr>
+              <a:t> </a:t>
+            </a:r>
+            <a:r>
+              <a:rPr lang="en-AU" dirty="0">
+                <a:solidFill>
+                  <a:schemeClr val="bg1"/>
+                </a:solidFill>
+              </a:rPr>
+              <a:t>⑥</a:t>
+            </a:r>
+            <a:r>
+              <a:rPr lang="en-AU" b="0" i="0" dirty="0">
+                <a:solidFill>
+                  <a:schemeClr val="bg1"/>
+                </a:solidFill>
+                <a:effectLst/>
+                <a:latin typeface="Arial" panose="020B0604020202020204" pitchFamily="34" charset="0"/>
+              </a:rPr>
+              <a:t> </a:t>
+            </a:r>
+            <a:r>
+              <a:rPr lang="en-AU" dirty="0">
+                <a:solidFill>
+                  <a:schemeClr val="bg1"/>
+                </a:solidFill>
+              </a:rPr>
+              <a:t>⑦</a:t>
+            </a:r>
+            <a:r>
+              <a:rPr lang="en-AU" b="0" i="0" dirty="0">
+                <a:solidFill>
+                  <a:schemeClr val="bg1"/>
+                </a:solidFill>
+                <a:effectLst/>
+                <a:latin typeface="Arial" panose="020B0604020202020204" pitchFamily="34" charset="0"/>
+              </a:rPr>
+              <a:t> </a:t>
+            </a:r>
+            <a:r>
+              <a:rPr lang="en-AU" dirty="0">
+                <a:solidFill>
+                  <a:schemeClr val="bg1"/>
+                </a:solidFill>
+              </a:rPr>
+              <a:t>⑧</a:t>
+            </a:r>
+            <a:r>
+              <a:rPr lang="en-AU" b="0" i="0" dirty="0">
+                <a:solidFill>
+                  <a:schemeClr val="bg1"/>
+                </a:solidFill>
+                <a:effectLst/>
+                <a:latin typeface="Arial" panose="020B0604020202020204" pitchFamily="34" charset="0"/>
+              </a:rPr>
+              <a:t> </a:t>
+            </a:r>
+            <a:r>
+              <a:rPr lang="en-AU" dirty="0">
+                <a:solidFill>
+                  <a:schemeClr val="bg1"/>
+                </a:solidFill>
+              </a:rPr>
+              <a:t>⑨</a:t>
+            </a:r>
+            <a:r>
+              <a:rPr lang="en-AU" b="0" i="0" dirty="0">
+                <a:solidFill>
+                  <a:schemeClr val="bg1"/>
+                </a:solidFill>
+                <a:effectLst/>
+                <a:latin typeface="Arial" panose="020B0604020202020204" pitchFamily="34" charset="0"/>
+              </a:rPr>
+              <a:t> </a:t>
+            </a:r>
+            <a:r>
+              <a:rPr lang="en-AU" dirty="0">
+                <a:solidFill>
+                  <a:schemeClr val="bg1"/>
+                </a:solidFill>
+              </a:rPr>
+              <a:t>⑩</a:t>
+            </a:r>
+            <a:r>
+              <a:rPr lang="en-AU" b="0" i="0" dirty="0">
+                <a:solidFill>
+                  <a:schemeClr val="bg1"/>
+                </a:solidFill>
+                <a:effectLst/>
+                <a:latin typeface="Arial" panose="020B0604020202020204" pitchFamily="34" charset="0"/>
+              </a:rPr>
+              <a:t> </a:t>
+            </a:r>
+            <a:r>
+              <a:rPr lang="en-AU" dirty="0">
+                <a:solidFill>
+                  <a:schemeClr val="bg1"/>
+                </a:solidFill>
+              </a:rPr>
+              <a:t>⑪</a:t>
+            </a:r>
+            <a:r>
+              <a:rPr lang="en-AU" b="0" i="0" dirty="0">
+                <a:solidFill>
+                  <a:schemeClr val="bg1"/>
+                </a:solidFill>
+                <a:effectLst/>
+                <a:latin typeface="Arial" panose="020B0604020202020204" pitchFamily="34" charset="0"/>
+              </a:rPr>
+              <a:t> </a:t>
+            </a:r>
+            <a:r>
+              <a:rPr lang="en-AU" dirty="0">
+                <a:solidFill>
+                  <a:schemeClr val="bg1"/>
+                </a:solidFill>
+              </a:rPr>
+              <a:t>⑫</a:t>
+            </a:r>
+            <a:r>
+              <a:rPr lang="en-AU" b="0" i="0" dirty="0">
+                <a:solidFill>
+                  <a:schemeClr val="bg1"/>
+                </a:solidFill>
+                <a:effectLst/>
+                <a:latin typeface="Arial" panose="020B0604020202020204" pitchFamily="34" charset="0"/>
+              </a:rPr>
+              <a:t> </a:t>
+            </a:r>
+            <a:r>
+              <a:rPr lang="en-AU" dirty="0">
+                <a:solidFill>
+                  <a:schemeClr val="bg1"/>
+                </a:solidFill>
+              </a:rPr>
+              <a:t>⑬</a:t>
+            </a:r>
+            <a:r>
+              <a:rPr lang="en-AU" b="0" i="0" dirty="0">
+                <a:solidFill>
+                  <a:schemeClr val="bg1"/>
+                </a:solidFill>
+                <a:effectLst/>
+                <a:latin typeface="Arial" panose="020B0604020202020204" pitchFamily="34" charset="0"/>
+              </a:rPr>
+              <a:t> </a:t>
+            </a:r>
+            <a:r>
+              <a:rPr lang="en-AU" dirty="0">
+                <a:solidFill>
+                  <a:schemeClr val="bg1"/>
+                </a:solidFill>
+              </a:rPr>
+              <a:t>⑭</a:t>
+            </a:r>
+            <a:r>
+              <a:rPr lang="en-AU" b="0" i="0" dirty="0">
+                <a:solidFill>
+                  <a:schemeClr val="bg1"/>
+                </a:solidFill>
+                <a:effectLst/>
+                <a:latin typeface="Arial" panose="020B0604020202020204" pitchFamily="34" charset="0"/>
+              </a:rPr>
+              <a:t> </a:t>
+            </a:r>
+            <a:r>
+              <a:rPr lang="en-AU" dirty="0">
+                <a:solidFill>
+                  <a:schemeClr val="bg1"/>
+                </a:solidFill>
+              </a:rPr>
+              <a:t>⑮</a:t>
+            </a:r>
+            <a:r>
+              <a:rPr lang="en-AU" b="0" i="0" dirty="0">
+                <a:solidFill>
+                  <a:schemeClr val="bg1"/>
+                </a:solidFill>
+                <a:effectLst/>
+                <a:latin typeface="Arial" panose="020B0604020202020204" pitchFamily="34" charset="0"/>
+              </a:rPr>
+              <a:t> </a:t>
+            </a:r>
+            <a:r>
+              <a:rPr lang="en-AU" dirty="0">
+                <a:solidFill>
+                  <a:schemeClr val="bg1"/>
+                </a:solidFill>
+              </a:rPr>
+              <a:t>⑯</a:t>
+            </a:r>
+            <a:r>
+              <a:rPr lang="en-AU" b="0" i="0" dirty="0">
+                <a:solidFill>
+                  <a:schemeClr val="bg1"/>
+                </a:solidFill>
+                <a:effectLst/>
+                <a:latin typeface="Arial" panose="020B0604020202020204" pitchFamily="34" charset="0"/>
+              </a:rPr>
+              <a:t> </a:t>
+            </a:r>
+            <a:r>
+              <a:rPr lang="en-AU" dirty="0">
+                <a:solidFill>
+                  <a:schemeClr val="bg1"/>
+                </a:solidFill>
+              </a:rPr>
+              <a:t>⑰</a:t>
+            </a:r>
+            <a:r>
+              <a:rPr lang="en-AU" b="0" i="0" dirty="0">
+                <a:solidFill>
+                  <a:schemeClr val="bg1"/>
+                </a:solidFill>
+                <a:effectLst/>
+                <a:latin typeface="Arial" panose="020B0604020202020204" pitchFamily="34" charset="0"/>
+              </a:rPr>
+              <a:t> </a:t>
+            </a:r>
+            <a:r>
+              <a:rPr lang="en-AU" dirty="0">
+                <a:solidFill>
+                  <a:schemeClr val="bg1"/>
+                </a:solidFill>
+              </a:rPr>
+              <a:t>⑱</a:t>
+            </a:r>
+            <a:r>
+              <a:rPr lang="en-AU" b="0" i="0" dirty="0">
+                <a:solidFill>
+                  <a:schemeClr val="bg1"/>
+                </a:solidFill>
+                <a:effectLst/>
+                <a:latin typeface="Arial" panose="020B0604020202020204" pitchFamily="34" charset="0"/>
+              </a:rPr>
+              <a:t> </a:t>
+            </a:r>
+            <a:r>
+              <a:rPr lang="en-AU" dirty="0">
+                <a:solidFill>
+                  <a:schemeClr val="bg1"/>
+                </a:solidFill>
+              </a:rPr>
+              <a:t>⑲</a:t>
+            </a:r>
+            <a:r>
+              <a:rPr lang="en-AU" b="0" i="0" dirty="0">
+                <a:solidFill>
+                  <a:schemeClr val="bg1"/>
+                </a:solidFill>
+                <a:effectLst/>
+                <a:latin typeface="Arial" panose="020B0604020202020204" pitchFamily="34" charset="0"/>
+              </a:rPr>
+              <a:t> </a:t>
+            </a:r>
+            <a:r>
+              <a:rPr lang="en-AU" dirty="0">
+                <a:solidFill>
+                  <a:schemeClr val="bg1"/>
+                </a:solidFill>
+              </a:rPr>
+              <a:t>⑳</a:t>
+            </a:r>
+            <a:r>
+              <a:rPr lang="en-AU" b="0" i="0" dirty="0">
+                <a:solidFill>
+                  <a:schemeClr val="bg1"/>
+                </a:solidFill>
+                <a:effectLst/>
+                <a:latin typeface="Arial" panose="020B0604020202020204" pitchFamily="34" charset="0"/>
+              </a:rPr>
+              <a:t> </a:t>
+            </a:r>
+            <a:r>
+              <a:rPr lang="en-AU" sz="2200" b="0" i="0" dirty="0">
+                <a:solidFill>
+                  <a:schemeClr val="bg1"/>
+                </a:solidFill>
+                <a:effectLst/>
+                <a:latin typeface="Arial" panose="020B0604020202020204" pitchFamily="34" charset="0"/>
+              </a:rPr>
+              <a:t>㉑ ㉒ ㉓ ㉔ ㉕ ㉖ ㉗ ㉘ ㉙ ㉚ ㉛ ㉜ ㉝ ㉞ ㉟ ㊱ ㊲ ㊳ ㊴ ㊵ ㊶ ㊷ ㊸ ㊹ ㊺ ㊻ ㊼ ㊽ ㊾ ㊿</a:t>
+            </a:r>
+            <a:endParaRPr lang="en-AU" sz="2200" dirty="0">
+              <a:solidFill>
+                <a:schemeClr val="bg1"/>
+              </a:solidFill>
+            </a:endParaRPr>
+          </a:p>
+        </p:txBody>
+      </p:sp>
       <p:grpSp>
         <p:nvGrpSpPr>
           <p:cNvPr id="86" name="Group 85">
@@ -25975,7 +26401,7 @@
         </p:nvGrpSpPr>
         <p:grpSpPr>
           <a:xfrm>
-            <a:off x="232476" y="1036355"/>
+            <a:off x="170947" y="1036355"/>
             <a:ext cx="4753889" cy="2392645"/>
             <a:chOff x="817513" y="705446"/>
             <a:chExt cx="4753889" cy="2392645"/>
@@ -26345,832 +26771,6 @@
       </p:grpSp>
       <p:grpSp>
         <p:nvGrpSpPr>
-          <p:cNvPr id="7" name="Group 6">
-            <a:extLst>
-              <a:ext uri="{FF2B5EF4-FFF2-40B4-BE49-F238E27FC236}">
-                <a16:creationId xmlns:a16="http://schemas.microsoft.com/office/drawing/2014/main" id="{69DFD1F3-4882-8433-8638-0361F3D28D0C}"/>
-              </a:ext>
-            </a:extLst>
-          </p:cNvPr>
-          <p:cNvGrpSpPr/>
-          <p:nvPr/>
-        </p:nvGrpSpPr>
-        <p:grpSpPr>
-          <a:xfrm>
-            <a:off x="5851573" y="283122"/>
-            <a:ext cx="4875275" cy="2293065"/>
-            <a:chOff x="5252226" y="305302"/>
-            <a:chExt cx="4875275" cy="2405871"/>
-          </a:xfrm>
-        </p:grpSpPr>
-        <p:grpSp>
-          <p:nvGrpSpPr>
-            <p:cNvPr id="87" name="Group 86">
-              <a:extLst>
-                <a:ext uri="{FF2B5EF4-FFF2-40B4-BE49-F238E27FC236}">
-                  <a16:creationId xmlns:a16="http://schemas.microsoft.com/office/drawing/2014/main" id="{CAE53593-E0B9-139C-70BE-C8AFFA32AD83}"/>
-                </a:ext>
-              </a:extLst>
-            </p:cNvPr>
-            <p:cNvGrpSpPr/>
-            <p:nvPr/>
-          </p:nvGrpSpPr>
-          <p:grpSpPr>
-            <a:xfrm>
-              <a:off x="5549158" y="305302"/>
-              <a:ext cx="4578343" cy="2362159"/>
-              <a:chOff x="6508757" y="576312"/>
-              <a:chExt cx="4578343" cy="2362159"/>
-            </a:xfrm>
-          </p:grpSpPr>
-          <p:sp>
-            <p:nvSpPr>
-              <p:cNvPr id="14" name="Rectangle 13">
-                <a:extLst>
-                  <a:ext uri="{FF2B5EF4-FFF2-40B4-BE49-F238E27FC236}">
-                    <a16:creationId xmlns:a16="http://schemas.microsoft.com/office/drawing/2014/main" id="{2B4080B8-42F3-4F8D-FBB2-8CB777385CE7}"/>
-                  </a:ext>
-                </a:extLst>
-              </p:cNvPr>
-              <p:cNvSpPr/>
-              <p:nvPr/>
-            </p:nvSpPr>
-            <p:spPr>
-              <a:xfrm>
-                <a:off x="6812006" y="1113086"/>
-                <a:ext cx="4275094" cy="1825385"/>
-              </a:xfrm>
-              <a:prstGeom prst="rect">
-                <a:avLst/>
-              </a:prstGeom>
-              <a:solidFill>
-                <a:srgbClr val="D8C4E8"/>
-              </a:solidFill>
-              <a:ln>
-                <a:solidFill>
-                  <a:srgbClr val="7030A0"/>
-                </a:solidFill>
-              </a:ln>
-              <a:scene3d>
-                <a:camera prst="isometricOffAxis1Right"/>
-                <a:lightRig rig="threePt" dir="t"/>
-              </a:scene3d>
-              <a:sp3d extrusionH="1803400">
-                <a:extrusionClr>
-                  <a:srgbClr val="7030A0"/>
-                </a:extrusionClr>
-                <a:contourClr>
-                  <a:schemeClr val="tx1">
-                    <a:lumMod val="50000"/>
-                    <a:lumOff val="50000"/>
-                  </a:schemeClr>
-                </a:contourClr>
-              </a:sp3d>
-            </p:spPr>
-            <p:style>
-              <a:lnRef idx="2">
-                <a:schemeClr val="accent1">
-                  <a:shade val="50000"/>
-                </a:schemeClr>
-              </a:lnRef>
-              <a:fillRef idx="1">
-                <a:schemeClr val="accent1"/>
-              </a:fillRef>
-              <a:effectRef idx="0">
-                <a:schemeClr val="accent1"/>
-              </a:effectRef>
-              <a:fontRef idx="minor">
-                <a:schemeClr val="lt1"/>
-              </a:fontRef>
-            </p:style>
-            <p:txBody>
-              <a:bodyPr rtlCol="0" anchor="ctr"/>
-              <a:lstStyle/>
-              <a:p>
-                <a:pPr algn="ctr"/>
-                <a:endParaRPr lang="en-AU"/>
-              </a:p>
-            </p:txBody>
-          </p:sp>
-          <p:pic>
-            <p:nvPicPr>
-              <p:cNvPr id="15" name="Picture 14">
-                <a:extLst>
-                  <a:ext uri="{FF2B5EF4-FFF2-40B4-BE49-F238E27FC236}">
-                    <a16:creationId xmlns:a16="http://schemas.microsoft.com/office/drawing/2014/main" id="{F466AE72-54D8-447C-43C4-C50DB237B69C}"/>
-                  </a:ext>
-                </a:extLst>
-              </p:cNvPr>
-              <p:cNvPicPr>
-                <a:picLocks noChangeAspect="1"/>
-              </p:cNvPicPr>
-              <p:nvPr/>
-            </p:nvPicPr>
-            <p:blipFill>
-              <a:blip r:embed="rId2"/>
-              <a:stretch>
-                <a:fillRect/>
-              </a:stretch>
-            </p:blipFill>
-            <p:spPr>
-              <a:xfrm>
-                <a:off x="8257033" y="1130816"/>
-                <a:ext cx="2015528" cy="852600"/>
-              </a:xfrm>
-              <a:prstGeom prst="rect">
-                <a:avLst/>
-              </a:prstGeom>
-              <a:solidFill>
-                <a:srgbClr val="7030A0">
-                  <a:alpha val="30980"/>
-                </a:srgbClr>
-              </a:solidFill>
-              <a:scene3d>
-                <a:camera prst="isometricOffAxis1Right"/>
-                <a:lightRig rig="threePt" dir="t"/>
-              </a:scene3d>
-            </p:spPr>
-          </p:pic>
-          <p:sp>
-            <p:nvSpPr>
-              <p:cNvPr id="32" name="TextBox 31">
-                <a:extLst>
-                  <a:ext uri="{FF2B5EF4-FFF2-40B4-BE49-F238E27FC236}">
-                    <a16:creationId xmlns:a16="http://schemas.microsoft.com/office/drawing/2014/main" id="{D5F7E915-F4BF-CADF-ECD7-9DA2EED5F1B5}"/>
-                  </a:ext>
-                </a:extLst>
-              </p:cNvPr>
-              <p:cNvSpPr txBox="1"/>
-              <p:nvPr/>
-            </p:nvSpPr>
-            <p:spPr>
-              <a:xfrm>
-                <a:off x="7337655" y="2222271"/>
-                <a:ext cx="3159374" cy="613543"/>
-              </a:xfrm>
-              <a:prstGeom prst="rect">
-                <a:avLst/>
-              </a:prstGeom>
-              <a:solidFill>
-                <a:srgbClr val="7F7F7F">
-                  <a:alpha val="38039"/>
-                </a:srgbClr>
-              </a:solidFill>
-              <a:scene3d>
-                <a:camera prst="isometricOffAxis1Right"/>
-                <a:lightRig rig="threePt" dir="t"/>
-              </a:scene3d>
-            </p:spPr>
-            <p:txBody>
-              <a:bodyPr wrap="square" rtlCol="0">
-                <a:spAutoFit/>
-              </a:bodyPr>
-              <a:lstStyle/>
-              <a:p>
-                <a:pPr algn="ctr"/>
-                <a:r>
-                  <a:rPr lang="en-AU" sz="1600" dirty="0"/>
-                  <a:t>Intensionally Defined Relations</a:t>
-                </a:r>
-                <a:r>
-                  <a:rPr lang="en-AU" sz="1600" baseline="30000" dirty="0"/>
-                  <a:t>1</a:t>
-                </a:r>
-                <a:br>
-                  <a:rPr lang="en-AU" sz="1600" dirty="0"/>
-                </a:br>
-                <a:r>
-                  <a:rPr lang="en-AU" sz="1600" dirty="0"/>
-                  <a:t>(Rules)</a:t>
-                </a:r>
-              </a:p>
-            </p:txBody>
-          </p:sp>
-          <p:pic>
-            <p:nvPicPr>
-              <p:cNvPr id="41" name="Picture 40">
-                <a:extLst>
-                  <a:ext uri="{FF2B5EF4-FFF2-40B4-BE49-F238E27FC236}">
-                    <a16:creationId xmlns:a16="http://schemas.microsoft.com/office/drawing/2014/main" id="{FB707429-710A-D467-C4EB-D3B65485D3A1}"/>
-                  </a:ext>
-                </a:extLst>
-              </p:cNvPr>
-              <p:cNvPicPr>
-                <a:picLocks noChangeAspect="1"/>
-              </p:cNvPicPr>
-              <p:nvPr/>
-            </p:nvPicPr>
-            <p:blipFill>
-              <a:blip r:embed="rId2"/>
-              <a:stretch>
-                <a:fillRect/>
-              </a:stretch>
-            </p:blipFill>
-            <p:spPr>
-              <a:xfrm>
-                <a:off x="7083611" y="1454069"/>
-                <a:ext cx="1031690" cy="436421"/>
-              </a:xfrm>
-              <a:prstGeom prst="rect">
-                <a:avLst/>
-              </a:prstGeom>
-              <a:scene3d>
-                <a:camera prst="isometricOffAxis1Right"/>
-                <a:lightRig rig="threePt" dir="t"/>
-              </a:scene3d>
-            </p:spPr>
-          </p:pic>
-          <p:sp>
-            <p:nvSpPr>
-              <p:cNvPr id="50" name="TextBox 49">
-                <a:extLst>
-                  <a:ext uri="{FF2B5EF4-FFF2-40B4-BE49-F238E27FC236}">
-                    <a16:creationId xmlns:a16="http://schemas.microsoft.com/office/drawing/2014/main" id="{BCAFEC12-1DA4-76B6-0B88-08E038EEFD7B}"/>
-                  </a:ext>
-                </a:extLst>
-              </p:cNvPr>
-              <p:cNvSpPr txBox="1"/>
-              <p:nvPr/>
-            </p:nvSpPr>
-            <p:spPr>
-              <a:xfrm>
-                <a:off x="6508757" y="576312"/>
-                <a:ext cx="4227155" cy="607551"/>
-              </a:xfrm>
-              <a:prstGeom prst="rect">
-                <a:avLst/>
-              </a:prstGeom>
-              <a:noFill/>
-              <a:scene3d>
-                <a:camera prst="isometricOffAxis1Right"/>
-                <a:lightRig rig="threePt" dir="t"/>
-              </a:scene3d>
-            </p:spPr>
-            <p:txBody>
-              <a:bodyPr wrap="square">
-                <a:spAutoFit/>
-              </a:bodyPr>
-              <a:lstStyle/>
-              <a:p>
-                <a:pPr lvl="0"/>
-                <a:r>
-                  <a:rPr lang="en-AU" sz="1200" dirty="0">
-                    <a:solidFill>
-                      <a:schemeClr val="bg1"/>
-                    </a:solidFill>
-                  </a:rPr>
-                  <a:t>Logic, Constraints, Search, SMT Solvers, Numerical Methods,</a:t>
-                </a:r>
-                <a:br>
-                  <a:rPr lang="en-AU" sz="1200" dirty="0">
-                    <a:solidFill>
-                      <a:schemeClr val="bg1"/>
-                    </a:solidFill>
-                  </a:rPr>
-                </a:br>
-                <a:r>
-                  <a:rPr lang="en-AU" sz="1200" dirty="0">
-                    <a:solidFill>
-                      <a:schemeClr val="bg1"/>
-                    </a:solidFill>
-                  </a:rPr>
-                  <a:t>     Linear Programming, Symbolic Computation, Termination,</a:t>
-                </a:r>
-                <a:br>
-                  <a:rPr lang="en-AU" sz="1200" dirty="0">
-                    <a:solidFill>
-                      <a:schemeClr val="bg1"/>
-                    </a:solidFill>
-                  </a:rPr>
-                </a:br>
-                <a:r>
-                  <a:rPr lang="en-AU" sz="1200" dirty="0">
-                    <a:solidFill>
-                      <a:schemeClr val="bg1"/>
-                    </a:solidFill>
-                  </a:rPr>
-                  <a:t>         Negation, Stratification, Type Theory, Multiple Semantics </a:t>
-                </a:r>
-              </a:p>
-            </p:txBody>
-          </p:sp>
-          <p:sp>
-            <p:nvSpPr>
-              <p:cNvPr id="40" name="TextBox 39">
-                <a:extLst>
-                  <a:ext uri="{FF2B5EF4-FFF2-40B4-BE49-F238E27FC236}">
-                    <a16:creationId xmlns:a16="http://schemas.microsoft.com/office/drawing/2014/main" id="{23C1DAF0-7B8C-F161-9E7F-F6130E7886F1}"/>
-                  </a:ext>
-                </a:extLst>
-              </p:cNvPr>
-              <p:cNvSpPr txBox="1"/>
-              <p:nvPr/>
-            </p:nvSpPr>
-            <p:spPr>
-              <a:xfrm>
-                <a:off x="6981530" y="1933649"/>
-                <a:ext cx="1235851" cy="290626"/>
-              </a:xfrm>
-              <a:prstGeom prst="rect">
-                <a:avLst/>
-              </a:prstGeom>
-              <a:noFill/>
-              <a:scene3d>
-                <a:camera prst="isometricOffAxis1Right"/>
-                <a:lightRig rig="threePt" dir="t"/>
-              </a:scene3d>
-            </p:spPr>
-            <p:txBody>
-              <a:bodyPr wrap="none" rtlCol="0">
-                <a:spAutoFit/>
-              </a:bodyPr>
-              <a:lstStyle/>
-              <a:p>
-                <a:pPr algn="ctr"/>
-                <a:r>
-                  <a:rPr lang="en-AU" sz="1100" dirty="0"/>
-                  <a:t>⑮</a:t>
-                </a:r>
-                <a:r>
-                  <a:rPr lang="en-AU" sz="1200" dirty="0"/>
-                  <a:t> Effectiveness</a:t>
-                </a:r>
-              </a:p>
-            </p:txBody>
-          </p:sp>
-          <p:sp>
-            <p:nvSpPr>
-              <p:cNvPr id="12" name="TextBox 11">
-                <a:extLst>
-                  <a:ext uri="{FF2B5EF4-FFF2-40B4-BE49-F238E27FC236}">
-                    <a16:creationId xmlns:a16="http://schemas.microsoft.com/office/drawing/2014/main" id="{F7721030-5FDC-B2DF-9B54-EDAF0022F223}"/>
-                  </a:ext>
-                </a:extLst>
-              </p:cNvPr>
-              <p:cNvSpPr txBox="1"/>
-              <p:nvPr/>
-            </p:nvSpPr>
-            <p:spPr>
-              <a:xfrm>
-                <a:off x="6959905" y="2167700"/>
-                <a:ext cx="1805046" cy="290626"/>
-              </a:xfrm>
-              <a:prstGeom prst="rect">
-                <a:avLst/>
-              </a:prstGeom>
-              <a:noFill/>
-              <a:scene3d>
-                <a:camera prst="isometricOffAxis1Right"/>
-                <a:lightRig rig="threePt" dir="t"/>
-              </a:scene3d>
-            </p:spPr>
-            <p:txBody>
-              <a:bodyPr wrap="none" rtlCol="0">
-                <a:spAutoFit/>
-              </a:bodyPr>
-              <a:lstStyle/>
-              <a:p>
-                <a:pPr algn="ctr"/>
-                <a:r>
-                  <a:rPr lang="en-AU" sz="1100" dirty="0"/>
-                  <a:t>⑱</a:t>
-                </a:r>
-                <a:r>
-                  <a:rPr lang="en-AU" sz="1200" dirty="0"/>
-                  <a:t> Encapsulation of logic.</a:t>
-                </a:r>
-              </a:p>
-            </p:txBody>
-          </p:sp>
-          <p:sp>
-            <p:nvSpPr>
-              <p:cNvPr id="16" name="TextBox 15">
-                <a:extLst>
-                  <a:ext uri="{FF2B5EF4-FFF2-40B4-BE49-F238E27FC236}">
-                    <a16:creationId xmlns:a16="http://schemas.microsoft.com/office/drawing/2014/main" id="{F914FE4F-CAFF-7C8F-814E-15A35E2CD8D3}"/>
-                  </a:ext>
-                </a:extLst>
-              </p:cNvPr>
-              <p:cNvSpPr txBox="1"/>
-              <p:nvPr/>
-            </p:nvSpPr>
-            <p:spPr>
-              <a:xfrm>
-                <a:off x="8433439" y="1866853"/>
-                <a:ext cx="2597891" cy="290626"/>
-              </a:xfrm>
-              <a:prstGeom prst="rect">
-                <a:avLst/>
-              </a:prstGeom>
-              <a:noFill/>
-              <a:scene3d>
-                <a:camera prst="isometricOffAxis1Right"/>
-                <a:lightRig rig="threePt" dir="t"/>
-              </a:scene3d>
-            </p:spPr>
-            <p:txBody>
-              <a:bodyPr wrap="none" rtlCol="0">
-                <a:spAutoFit/>
-              </a:bodyPr>
-              <a:lstStyle/>
-              <a:p>
-                <a:pPr algn="ctr"/>
-                <a:r>
-                  <a:rPr lang="en-AU" sz="1100" dirty="0"/>
-                  <a:t>⑲</a:t>
-                </a:r>
-                <a:r>
-                  <a:rPr lang="en-AU" sz="1200" dirty="0"/>
-                  <a:t> Superkeys and Func. Dependencies</a:t>
-                </a:r>
-              </a:p>
-            </p:txBody>
-          </p:sp>
-          <p:sp>
-            <p:nvSpPr>
-              <p:cNvPr id="42" name="TextBox 41">
-                <a:extLst>
-                  <a:ext uri="{FF2B5EF4-FFF2-40B4-BE49-F238E27FC236}">
-                    <a16:creationId xmlns:a16="http://schemas.microsoft.com/office/drawing/2014/main" id="{2AB43841-56D2-4521-EFEE-BC825709EE9E}"/>
-                  </a:ext>
-                </a:extLst>
-              </p:cNvPr>
-              <p:cNvSpPr txBox="1"/>
-              <p:nvPr/>
-            </p:nvSpPr>
-            <p:spPr>
-              <a:xfrm>
-                <a:off x="10078297" y="1210450"/>
-                <a:ext cx="869854" cy="516668"/>
-              </a:xfrm>
-              <a:prstGeom prst="rect">
-                <a:avLst/>
-              </a:prstGeom>
-              <a:noFill/>
-              <a:scene3d>
-                <a:camera prst="isometricOffAxis1Right"/>
-                <a:lightRig rig="threePt" dir="t"/>
-              </a:scene3d>
-            </p:spPr>
-            <p:txBody>
-              <a:bodyPr wrap="none" rtlCol="0">
-                <a:spAutoFit/>
-              </a:bodyPr>
-              <a:lstStyle/>
-              <a:p>
-                <a:pPr algn="ctr"/>
-                <a:r>
-                  <a:rPr lang="en-AU" sz="1400" dirty="0"/>
-                  <a:t>㉑</a:t>
-                </a:r>
-                <a:r>
-                  <a:rPr lang="en-AU" sz="1200" dirty="0"/>
-                  <a:t> Ground</a:t>
-                </a:r>
-                <a:br>
-                  <a:rPr lang="en-AU" sz="1200" dirty="0"/>
-                </a:br>
-                <a:r>
-                  <a:rPr lang="en-AU" sz="1200" dirty="0"/>
-                  <a:t>facts</a:t>
-                </a:r>
-              </a:p>
-            </p:txBody>
-          </p:sp>
-        </p:grpSp>
-        <p:sp>
-          <p:nvSpPr>
-            <p:cNvPr id="3" name="TextBox 2">
-              <a:extLst>
-                <a:ext uri="{FF2B5EF4-FFF2-40B4-BE49-F238E27FC236}">
-                  <a16:creationId xmlns:a16="http://schemas.microsoft.com/office/drawing/2014/main" id="{72B9F781-70FD-6179-47B5-0707884D9D1A}"/>
-                </a:ext>
-              </a:extLst>
-            </p:cNvPr>
-            <p:cNvSpPr txBox="1"/>
-            <p:nvPr/>
-          </p:nvSpPr>
-          <p:spPr>
-            <a:xfrm>
-              <a:off x="5252226" y="838252"/>
-              <a:ext cx="1017916" cy="1872921"/>
-            </a:xfrm>
-            <a:prstGeom prst="rect">
-              <a:avLst/>
-            </a:prstGeom>
-            <a:noFill/>
-            <a:scene3d>
-              <a:camera prst="isometricLeftDown"/>
-              <a:lightRig rig="threePt" dir="t"/>
-            </a:scene3d>
-          </p:spPr>
-          <p:txBody>
-            <a:bodyPr wrap="square" rtlCol="0">
-              <a:spAutoFit/>
-            </a:bodyPr>
-            <a:lstStyle/>
-            <a:p>
-              <a:r>
-                <a:rPr lang="en-AU" sz="2200" b="1" kern="0" dirty="0">
-                  <a:solidFill>
-                    <a:schemeClr val="accent1">
-                      <a:lumMod val="60000"/>
-                      <a:lumOff val="40000"/>
-                    </a:schemeClr>
-                  </a:solidFill>
-                  <a:effectLst/>
-                  <a:latin typeface="Cambria Math" panose="02040503050406030204" pitchFamily="18" charset="0"/>
-                  <a:ea typeface="Times New Roman" panose="02020603050405020304" pitchFamily="18" charset="0"/>
-                  <a:cs typeface="Cambria Math" panose="02040503050406030204" pitchFamily="18" charset="0"/>
-                </a:rPr>
-                <a:t>⇒</a:t>
-              </a:r>
-              <a:r>
-                <a:rPr lang="en-AU" sz="2200" b="1" kern="0" dirty="0">
-                  <a:solidFill>
-                    <a:schemeClr val="accent1">
-                      <a:lumMod val="60000"/>
-                      <a:lumOff val="40000"/>
-                    </a:schemeClr>
-                  </a:solidFill>
-                  <a:effectLst/>
-                  <a:latin typeface="Arial" panose="020B0604020202020204" pitchFamily="34" charset="0"/>
-                  <a:ea typeface="Times New Roman" panose="02020603050405020304" pitchFamily="18" charset="0"/>
-                  <a:cs typeface="Times New Roman" panose="02020603050405020304" pitchFamily="18" charset="0"/>
-                </a:rPr>
-                <a:t> </a:t>
-              </a:r>
-              <a:r>
-                <a:rPr lang="en-AU" sz="2200" b="1" kern="0" dirty="0">
-                  <a:solidFill>
-                    <a:schemeClr val="accent1">
-                      <a:lumMod val="60000"/>
-                      <a:lumOff val="40000"/>
-                    </a:schemeClr>
-                  </a:solidFill>
-                  <a:effectLst/>
-                  <a:latin typeface="Cambria Math" panose="02040503050406030204" pitchFamily="18" charset="0"/>
-                  <a:ea typeface="Times New Roman" panose="02020603050405020304" pitchFamily="18" charset="0"/>
-                  <a:cs typeface="Cambria Math" panose="02040503050406030204" pitchFamily="18" charset="0"/>
-                </a:rPr>
-                <a:t>⇔</a:t>
-              </a:r>
-              <a:r>
-                <a:rPr lang="en-AU" sz="2200" b="1" kern="0" dirty="0">
-                  <a:solidFill>
-                    <a:schemeClr val="accent1">
-                      <a:lumMod val="60000"/>
-                      <a:lumOff val="40000"/>
-                    </a:schemeClr>
-                  </a:solidFill>
-                  <a:effectLst/>
-                  <a:latin typeface="Arial" panose="020B0604020202020204" pitchFamily="34" charset="0"/>
-                  <a:ea typeface="Times New Roman" panose="02020603050405020304" pitchFamily="18" charset="0"/>
-                  <a:cs typeface="Times New Roman" panose="02020603050405020304" pitchFamily="18" charset="0"/>
-                </a:rPr>
-                <a:t> ¬ </a:t>
-              </a:r>
-              <a:r>
-                <a:rPr lang="en-AU" sz="2200" b="1" kern="0" dirty="0">
-                  <a:solidFill>
-                    <a:schemeClr val="accent1">
-                      <a:lumMod val="60000"/>
-                      <a:lumOff val="40000"/>
-                    </a:schemeClr>
-                  </a:solidFill>
-                  <a:effectLst/>
-                  <a:latin typeface="Cambria Math" panose="02040503050406030204" pitchFamily="18" charset="0"/>
-                  <a:ea typeface="Times New Roman" panose="02020603050405020304" pitchFamily="18" charset="0"/>
-                  <a:cs typeface="Cambria Math" panose="02040503050406030204" pitchFamily="18" charset="0"/>
-                </a:rPr>
-                <a:t>∧</a:t>
-              </a:r>
-              <a:r>
-                <a:rPr lang="en-AU" sz="2200" b="1" kern="0" dirty="0">
-                  <a:solidFill>
-                    <a:schemeClr val="accent1">
-                      <a:lumMod val="60000"/>
-                      <a:lumOff val="40000"/>
-                    </a:schemeClr>
-                  </a:solidFill>
-                  <a:effectLst/>
-                  <a:latin typeface="Arial" panose="020B0604020202020204" pitchFamily="34" charset="0"/>
-                  <a:ea typeface="Times New Roman" panose="02020603050405020304" pitchFamily="18" charset="0"/>
-                  <a:cs typeface="Times New Roman" panose="02020603050405020304" pitchFamily="18" charset="0"/>
-                </a:rPr>
-                <a:t> </a:t>
-              </a:r>
-              <a:r>
-                <a:rPr lang="en-AU" sz="2200" b="1" kern="0" dirty="0">
-                  <a:solidFill>
-                    <a:schemeClr val="accent1">
-                      <a:lumMod val="60000"/>
-                      <a:lumOff val="40000"/>
-                    </a:schemeClr>
-                  </a:solidFill>
-                  <a:effectLst/>
-                  <a:latin typeface="Cambria Math" panose="02040503050406030204" pitchFamily="18" charset="0"/>
-                  <a:ea typeface="Times New Roman" panose="02020603050405020304" pitchFamily="18" charset="0"/>
-                  <a:cs typeface="Cambria Math" panose="02040503050406030204" pitchFamily="18" charset="0"/>
-                </a:rPr>
-                <a:t>∨</a:t>
-              </a:r>
-              <a:r>
-                <a:rPr lang="en-AU" sz="2200" b="1" kern="0" dirty="0">
-                  <a:solidFill>
-                    <a:schemeClr val="accent1">
-                      <a:lumMod val="60000"/>
-                      <a:lumOff val="40000"/>
-                    </a:schemeClr>
-                  </a:solidFill>
-                  <a:effectLst/>
-                  <a:latin typeface="Arial" panose="020B0604020202020204" pitchFamily="34" charset="0"/>
-                  <a:ea typeface="Times New Roman" panose="02020603050405020304" pitchFamily="18" charset="0"/>
-                  <a:cs typeface="Times New Roman" panose="02020603050405020304" pitchFamily="18" charset="0"/>
-                </a:rPr>
-                <a:t> </a:t>
-              </a:r>
-              <a:r>
-                <a:rPr lang="en-AU" sz="2200" b="1" kern="0" dirty="0">
-                  <a:solidFill>
-                    <a:schemeClr val="accent1">
-                      <a:lumMod val="60000"/>
-                      <a:lumOff val="40000"/>
-                    </a:schemeClr>
-                  </a:solidFill>
-                  <a:effectLst/>
-                  <a:latin typeface="Cambria Math" panose="02040503050406030204" pitchFamily="18" charset="0"/>
-                  <a:ea typeface="Times New Roman" panose="02020603050405020304" pitchFamily="18" charset="0"/>
-                  <a:cs typeface="Cambria Math" panose="02040503050406030204" pitchFamily="18" charset="0"/>
-                </a:rPr>
-                <a:t>∀</a:t>
-              </a:r>
-              <a:r>
-                <a:rPr lang="en-AU" sz="2200" b="1" kern="0" dirty="0">
-                  <a:solidFill>
-                    <a:schemeClr val="accent1">
-                      <a:lumMod val="60000"/>
-                      <a:lumOff val="40000"/>
-                    </a:schemeClr>
-                  </a:solidFill>
-                  <a:effectLst/>
-                  <a:latin typeface="Arial" panose="020B0604020202020204" pitchFamily="34" charset="0"/>
-                  <a:ea typeface="Times New Roman" panose="02020603050405020304" pitchFamily="18" charset="0"/>
-                  <a:cs typeface="Times New Roman" panose="02020603050405020304" pitchFamily="18" charset="0"/>
-                </a:rPr>
-                <a:t> </a:t>
-              </a:r>
-              <a:r>
-                <a:rPr lang="en-AU" sz="2200" b="1" kern="0" dirty="0">
-                  <a:solidFill>
-                    <a:schemeClr val="accent1">
-                      <a:lumMod val="60000"/>
-                      <a:lumOff val="40000"/>
-                    </a:schemeClr>
-                  </a:solidFill>
-                  <a:effectLst/>
-                  <a:latin typeface="Cambria Math" panose="02040503050406030204" pitchFamily="18" charset="0"/>
-                  <a:ea typeface="Times New Roman" panose="02020603050405020304" pitchFamily="18" charset="0"/>
-                  <a:cs typeface="Cambria Math" panose="02040503050406030204" pitchFamily="18" charset="0"/>
-                </a:rPr>
-                <a:t>∃</a:t>
-              </a:r>
-              <a:r>
-                <a:rPr lang="en-AU" sz="2200" b="1" kern="0" dirty="0">
-                  <a:solidFill>
-                    <a:schemeClr val="accent1">
-                      <a:lumMod val="60000"/>
-                      <a:lumOff val="40000"/>
-                    </a:schemeClr>
-                  </a:solidFill>
-                  <a:effectLst/>
-                  <a:latin typeface="Arial" panose="020B0604020202020204" pitchFamily="34" charset="0"/>
-                  <a:ea typeface="Times New Roman" panose="02020603050405020304" pitchFamily="18" charset="0"/>
-                  <a:cs typeface="Times New Roman" panose="02020603050405020304" pitchFamily="18" charset="0"/>
-                </a:rPr>
-                <a:t> ! </a:t>
-              </a:r>
-              <a:r>
-                <a:rPr lang="en-AU" sz="2200" b="1" kern="0" dirty="0">
-                  <a:solidFill>
-                    <a:schemeClr val="accent1">
-                      <a:lumMod val="60000"/>
-                      <a:lumOff val="40000"/>
-                    </a:schemeClr>
-                  </a:solidFill>
-                  <a:effectLst/>
-                  <a:latin typeface="Cambria Math" panose="02040503050406030204" pitchFamily="18" charset="0"/>
-                  <a:ea typeface="Times New Roman" panose="02020603050405020304" pitchFamily="18" charset="0"/>
-                  <a:cs typeface="Cambria Math" panose="02040503050406030204" pitchFamily="18" charset="0"/>
-                </a:rPr>
-                <a:t>≔</a:t>
-              </a:r>
-              <a:r>
-                <a:rPr lang="en-AU" sz="2200" b="1" kern="0" dirty="0">
-                  <a:solidFill>
-                    <a:schemeClr val="accent1">
-                      <a:lumMod val="60000"/>
-                      <a:lumOff val="40000"/>
-                    </a:schemeClr>
-                  </a:solidFill>
-                  <a:effectLst/>
-                  <a:latin typeface="Arial" panose="020B0604020202020204" pitchFamily="34" charset="0"/>
-                  <a:ea typeface="Times New Roman" panose="02020603050405020304" pitchFamily="18" charset="0"/>
-                  <a:cs typeface="Times New Roman" panose="02020603050405020304" pitchFamily="18" charset="0"/>
-                </a:rPr>
-                <a:t> </a:t>
-              </a:r>
-              <a:r>
-                <a:rPr lang="en-AU" sz="2200" b="1" kern="0" dirty="0">
-                  <a:solidFill>
-                    <a:schemeClr val="accent1">
-                      <a:lumMod val="60000"/>
-                      <a:lumOff val="40000"/>
-                    </a:schemeClr>
-                  </a:solidFill>
-                  <a:effectLst/>
-                  <a:latin typeface="Cambria Math" panose="02040503050406030204" pitchFamily="18" charset="0"/>
-                  <a:ea typeface="Times New Roman" panose="02020603050405020304" pitchFamily="18" charset="0"/>
-                  <a:cs typeface="Cambria Math" panose="02040503050406030204" pitchFamily="18" charset="0"/>
-                </a:rPr>
-                <a:t>⊢</a:t>
-              </a:r>
-              <a:r>
-                <a:rPr lang="en-AU" sz="2200" b="1" kern="0" dirty="0">
-                  <a:solidFill>
-                    <a:schemeClr val="accent1">
-                      <a:lumMod val="60000"/>
-                      <a:lumOff val="40000"/>
-                    </a:schemeClr>
-                  </a:solidFill>
-                  <a:effectLst/>
-                  <a:latin typeface="Arial" panose="020B0604020202020204" pitchFamily="34" charset="0"/>
-                  <a:ea typeface="Times New Roman" panose="02020603050405020304" pitchFamily="18" charset="0"/>
-                  <a:cs typeface="Times New Roman" panose="02020603050405020304" pitchFamily="18" charset="0"/>
-                </a:rPr>
-                <a:t> </a:t>
-              </a:r>
-              <a:r>
-                <a:rPr lang="en-AU" sz="2200" b="1" kern="0" dirty="0">
-                  <a:solidFill>
-                    <a:schemeClr val="accent1">
-                      <a:lumMod val="60000"/>
-                      <a:lumOff val="40000"/>
-                    </a:schemeClr>
-                  </a:solidFill>
-                  <a:effectLst/>
-                  <a:latin typeface="Cambria Math" panose="02040503050406030204" pitchFamily="18" charset="0"/>
-                  <a:ea typeface="Times New Roman" panose="02020603050405020304" pitchFamily="18" charset="0"/>
-                  <a:cs typeface="Cambria Math" panose="02040503050406030204" pitchFamily="18" charset="0"/>
-                </a:rPr>
-                <a:t>⊨</a:t>
-              </a:r>
-              <a:r>
-                <a:rPr lang="en-AU" sz="2200" b="1" kern="0" dirty="0">
-                  <a:solidFill>
-                    <a:schemeClr val="accent1">
-                      <a:lumMod val="60000"/>
-                      <a:lumOff val="40000"/>
-                    </a:schemeClr>
-                  </a:solidFill>
-                  <a:effectLst/>
-                  <a:latin typeface="Arial" panose="020B0604020202020204" pitchFamily="34" charset="0"/>
-                  <a:ea typeface="Times New Roman" panose="02020603050405020304" pitchFamily="18" charset="0"/>
-                  <a:cs typeface="Times New Roman" panose="02020603050405020304" pitchFamily="18" charset="0"/>
-                </a:rPr>
-                <a:t> </a:t>
-              </a:r>
-              <a:r>
-                <a:rPr lang="en-AU" sz="2200" kern="100" dirty="0">
-                  <a:solidFill>
-                    <a:schemeClr val="accent1">
-                      <a:lumMod val="60000"/>
-                      <a:lumOff val="40000"/>
-                    </a:schemeClr>
-                  </a:solidFill>
-                  <a:effectLst/>
-                  <a:latin typeface="Calibri" panose="020F0502020204030204" pitchFamily="34" charset="0"/>
-                  <a:ea typeface="Calibri" panose="020F0502020204030204" pitchFamily="34" charset="0"/>
-                  <a:cs typeface="Times New Roman" panose="02020603050405020304" pitchFamily="18" charset="0"/>
-                </a:rPr>
-                <a:t> </a:t>
-              </a:r>
-            </a:p>
-            <a:p>
-              <a:endParaRPr lang="en-AU" sz="2200" dirty="0">
-                <a:solidFill>
-                  <a:schemeClr val="accent1">
-                    <a:lumMod val="60000"/>
-                    <a:lumOff val="40000"/>
-                  </a:schemeClr>
-                </a:solidFill>
-              </a:endParaRPr>
-            </a:p>
-          </p:txBody>
-        </p:sp>
-      </p:grpSp>
-      <p:grpSp>
-        <p:nvGrpSpPr>
           <p:cNvPr id="6" name="Group 5">
             <a:extLst>
               <a:ext uri="{FF2B5EF4-FFF2-40B4-BE49-F238E27FC236}">
@@ -27183,7 +26783,7 @@
         </p:nvGrpSpPr>
         <p:grpSpPr>
           <a:xfrm>
-            <a:off x="5449191" y="3336330"/>
+            <a:off x="5309343" y="3388867"/>
             <a:ext cx="6677829" cy="3072888"/>
             <a:chOff x="5456534" y="3336630"/>
             <a:chExt cx="6677829" cy="3072888"/>
@@ -27334,7 +26934,7 @@
             <p:spPr>
               <a:xfrm>
                 <a:off x="5975151" y="3191016"/>
-                <a:ext cx="4238086" cy="646331"/>
+                <a:ext cx="4329143" cy="646331"/>
               </a:xfrm>
               <a:prstGeom prst="rect">
                 <a:avLst/>
@@ -27368,7 +26968,23 @@
                       <a:schemeClr val="bg1"/>
                     </a:solidFill>
                   </a:rPr>
-                  <a:t>Relational Algebra, SQL, Datalog, LINQ, PRQL, Morel, …</a:t>
+                  <a:t>Relational Algebra, SQL, Datalog</a:t>
+                </a:r>
+                <a:r>
+                  <a:rPr lang="en-AU" baseline="30000" dirty="0">
+                    <a:solidFill>
+                      <a:schemeClr val="bg1"/>
+                    </a:solidFill>
+                  </a:rPr>
+                  <a:t>2</a:t>
+                </a:r>
+                <a:r>
+                  <a:rPr lang="en-AU" dirty="0">
+                    <a:solidFill>
+                      <a:schemeClr val="bg1"/>
+                    </a:solidFill>
+                  </a:rPr>
+                  <a:t>, LINQ, PRQL, Morel, …</a:t>
                 </a:r>
               </a:p>
             </p:txBody>
@@ -27518,7 +27134,7 @@
             </p:nvSpPr>
             <p:spPr>
               <a:xfrm>
-                <a:off x="7109465" y="3847097"/>
+                <a:off x="6118751" y="4051230"/>
                 <a:ext cx="1860139" cy="276999"/>
               </a:xfrm>
               <a:prstGeom prst="rect">
@@ -27544,6 +27160,50 @@
                 <a:r>
                   <a:rPr lang="en-AU" sz="1200" dirty="0"/>
                   <a:t>“Intensional Database IDB”</a:t>
+                </a:r>
+              </a:p>
+            </p:txBody>
+          </p:sp>
+          <p:sp>
+            <p:nvSpPr>
+              <p:cNvPr id="47" name="TextBox 46">
+                <a:extLst>
+                  <a:ext uri="{FF2B5EF4-FFF2-40B4-BE49-F238E27FC236}">
+                    <a16:creationId xmlns:a16="http://schemas.microsoft.com/office/drawing/2014/main" id="{3D2EBA8E-047D-0664-AE8A-489D3CA420AB}"/>
+                  </a:ext>
+                </a:extLst>
+              </p:cNvPr>
+              <p:cNvSpPr txBox="1"/>
+              <p:nvPr/>
+            </p:nvSpPr>
+            <p:spPr>
+              <a:xfrm>
+                <a:off x="7805260" y="3663195"/>
+                <a:ext cx="2283333" cy="276999"/>
+              </a:xfrm>
+              <a:prstGeom prst="rect">
+                <a:avLst/>
+              </a:prstGeom>
+              <a:noFill/>
+              <a:scene3d>
+                <a:camera prst="isometricOffAxis1Right"/>
+                <a:lightRig rig="threePt" dir="t"/>
+              </a:scene3d>
+            </p:spPr>
+            <p:txBody>
+              <a:bodyPr wrap="square" rtlCol="0">
+                <a:spAutoFit/>
+              </a:bodyPr>
+              <a:lstStyle/>
+              <a:p>
+                <a:pPr algn="ctr"/>
+                <a:r>
+                  <a:rPr lang="en-AU" sz="1100" dirty="0"/>
+                  <a:t>㉕ </a:t>
+                </a:r>
+                <a:r>
+                  <a:rPr lang="en-AU" sz="1200" dirty="0"/>
+                  <a:t>Summarising (or containing) constraints</a:t>
                 </a:r>
               </a:p>
             </p:txBody>
@@ -28187,50 +27847,6 @@
       </p:sp>
       <p:sp>
         <p:nvSpPr>
-          <p:cNvPr id="22" name="TextBox 21">
-            <a:extLst>
-              <a:ext uri="{FF2B5EF4-FFF2-40B4-BE49-F238E27FC236}">
-                <a16:creationId xmlns:a16="http://schemas.microsoft.com/office/drawing/2014/main" id="{84B4BE5B-45CA-567B-13E1-53C79BC907A2}"/>
-              </a:ext>
-            </a:extLst>
-          </p:cNvPr>
-          <p:cNvSpPr txBox="1"/>
-          <p:nvPr/>
-        </p:nvSpPr>
-        <p:spPr>
-          <a:xfrm>
-            <a:off x="6054950" y="546668"/>
-            <a:ext cx="665671" cy="338554"/>
-          </a:xfrm>
-          <a:prstGeom prst="rect">
-            <a:avLst/>
-          </a:prstGeom>
-          <a:noFill/>
-          <a:scene3d>
-            <a:camera prst="isometricOffAxis1Right"/>
-            <a:lightRig rig="threePt" dir="t"/>
-          </a:scene3d>
-        </p:spPr>
-        <p:txBody>
-          <a:bodyPr wrap="square">
-            <a:spAutoFit/>
-          </a:bodyPr>
-          <a:lstStyle/>
-          <a:p>
-            <a:r>
-              <a:rPr lang="en-AU" sz="1600" dirty="0">
-                <a:solidFill>
-                  <a:schemeClr val="bg1"/>
-                </a:solidFill>
-              </a:rPr>
-              <a:t>②</a:t>
-            </a:r>
-            <a:endParaRPr lang="en-AU" sz="1600" dirty="0"/>
-          </a:p>
-        </p:txBody>
-      </p:sp>
-      <p:sp>
-        <p:nvSpPr>
           <p:cNvPr id="23" name="TextBox 22">
             <a:extLst>
               <a:ext uri="{FF2B5EF4-FFF2-40B4-BE49-F238E27FC236}">
@@ -28243,7 +27859,7 @@
         </p:nvSpPr>
         <p:spPr>
           <a:xfrm>
-            <a:off x="5931944" y="3790732"/>
+            <a:off x="5792096" y="3843269"/>
             <a:ext cx="665671" cy="369332"/>
           </a:xfrm>
           <a:prstGeom prst="rect">
@@ -28287,7 +27903,7 @@
         </p:nvSpPr>
         <p:spPr>
           <a:xfrm>
-            <a:off x="1628189" y="2888970"/>
+            <a:off x="1557654" y="2881771"/>
             <a:ext cx="665671" cy="338554"/>
           </a:xfrm>
           <a:prstGeom prst="rect">
@@ -28318,49 +27934,6 @@
       </p:sp>
       <p:sp>
         <p:nvSpPr>
-          <p:cNvPr id="25" name="TextBox 24">
-            <a:extLst>
-              <a:ext uri="{FF2B5EF4-FFF2-40B4-BE49-F238E27FC236}">
-                <a16:creationId xmlns:a16="http://schemas.microsoft.com/office/drawing/2014/main" id="{14492489-724C-1171-672B-B808197F81F2}"/>
-              </a:ext>
-            </a:extLst>
-          </p:cNvPr>
-          <p:cNvSpPr txBox="1"/>
-          <p:nvPr/>
-        </p:nvSpPr>
-        <p:spPr>
-          <a:xfrm>
-            <a:off x="7027900" y="2043390"/>
-            <a:ext cx="665671" cy="338554"/>
-          </a:xfrm>
-          <a:prstGeom prst="rect">
-            <a:avLst/>
-          </a:prstGeom>
-          <a:noFill/>
-          <a:scene3d>
-            <a:camera prst="isometricOffAxis1Right"/>
-            <a:lightRig rig="threePt" dir="t"/>
-          </a:scene3d>
-        </p:spPr>
-        <p:txBody>
-          <a:bodyPr wrap="square">
-            <a:spAutoFit/>
-          </a:bodyPr>
-          <a:lstStyle/>
-          <a:p>
-            <a:r>
-              <a:rPr lang="en-AU" sz="1600" dirty="0">
-                <a:solidFill>
-                  <a:srgbClr val="522276"/>
-                </a:solidFill>
-              </a:rPr>
-              <a:t>⑤</a:t>
-            </a:r>
-          </a:p>
-        </p:txBody>
-      </p:sp>
-      <p:sp>
-        <p:nvSpPr>
           <p:cNvPr id="26" name="TextBox 25">
             <a:extLst>
               <a:ext uri="{FF2B5EF4-FFF2-40B4-BE49-F238E27FC236}">
@@ -28373,7 +27946,7 @@
         </p:nvSpPr>
         <p:spPr>
           <a:xfrm>
-            <a:off x="7857129" y="5674795"/>
+            <a:off x="7717281" y="5727332"/>
             <a:ext cx="665671" cy="400110"/>
           </a:xfrm>
           <a:prstGeom prst="rect">
@@ -28419,183 +27992,6 @@
       </p:sp>
       <p:sp>
         <p:nvSpPr>
-          <p:cNvPr id="29" name="Arrow: Left 28">
-            <a:extLst>
-              <a:ext uri="{FF2B5EF4-FFF2-40B4-BE49-F238E27FC236}">
-                <a16:creationId xmlns:a16="http://schemas.microsoft.com/office/drawing/2014/main" id="{2BB6F345-C791-611E-88C2-09B40E46BB1D}"/>
-              </a:ext>
-            </a:extLst>
-          </p:cNvPr>
-          <p:cNvSpPr/>
-          <p:nvPr/>
-        </p:nvSpPr>
-        <p:spPr>
-          <a:xfrm>
-            <a:off x="8232251" y="2626215"/>
-            <a:ext cx="1017917" cy="649295"/>
-          </a:xfrm>
-          <a:prstGeom prst="leftArrow">
-            <a:avLst/>
-          </a:prstGeom>
-          <a:gradFill flip="none" rotWithShape="1">
-            <a:gsLst>
-              <a:gs pos="0">
-                <a:srgbClr val="E4D0F5"/>
-              </a:gs>
-              <a:gs pos="100000">
-                <a:srgbClr val="B4DD98"/>
-              </a:gs>
-            </a:gsLst>
-            <a:lin ang="0" scaled="1"/>
-            <a:tileRect/>
-          </a:gradFill>
-          <a:scene3d>
-            <a:camera prst="isometricOffAxis2Top">
-              <a:rot lat="1155408" lon="3076870" rev="21460309"/>
-            </a:camera>
-            <a:lightRig rig="threePt" dir="t"/>
-          </a:scene3d>
-          <a:sp3d extrusionH="165100">
-            <a:extrusionClr>
-              <a:schemeClr val="accent6">
-                <a:lumMod val="50000"/>
-              </a:schemeClr>
-            </a:extrusionClr>
-          </a:sp3d>
-        </p:spPr>
-        <p:style>
-          <a:lnRef idx="2">
-            <a:schemeClr val="accent1">
-              <a:shade val="50000"/>
-            </a:schemeClr>
-          </a:lnRef>
-          <a:fillRef idx="1">
-            <a:schemeClr val="accent1"/>
-          </a:fillRef>
-          <a:effectRef idx="0">
-            <a:schemeClr val="accent1"/>
-          </a:effectRef>
-          <a:fontRef idx="minor">
-            <a:schemeClr val="lt1"/>
-          </a:fontRef>
-        </p:style>
-        <p:txBody>
-          <a:bodyPr rtlCol="0" anchor="ctr"/>
-          <a:lstStyle/>
-          <a:p>
-            <a:pPr algn="ctr"/>
-            <a:r>
-              <a:rPr lang="en-AU" sz="1200" dirty="0">
-                <a:solidFill>
-                  <a:schemeClr val="tx1"/>
-                </a:solidFill>
-              </a:rPr>
-              <a:t>Predicate</a:t>
-            </a:r>
-          </a:p>
-          <a:p>
-            <a:pPr algn="ctr"/>
-            <a:r>
-              <a:rPr lang="en-AU" sz="1200" dirty="0">
-                <a:solidFill>
-                  <a:schemeClr val="tx1"/>
-                </a:solidFill>
-              </a:rPr>
-              <a:t>pushdown</a:t>
-            </a:r>
-          </a:p>
-        </p:txBody>
-      </p:sp>
-      <p:sp>
-        <p:nvSpPr>
-          <p:cNvPr id="30" name="Arrow: Left 29">
-            <a:extLst>
-              <a:ext uri="{FF2B5EF4-FFF2-40B4-BE49-F238E27FC236}">
-                <a16:creationId xmlns:a16="http://schemas.microsoft.com/office/drawing/2014/main" id="{78ACCB1D-9980-0982-BBBD-943BF2B7EDC1}"/>
-              </a:ext>
-            </a:extLst>
-          </p:cNvPr>
-          <p:cNvSpPr/>
-          <p:nvPr/>
-        </p:nvSpPr>
-        <p:spPr>
-          <a:xfrm>
-            <a:off x="9358081" y="2432519"/>
-            <a:ext cx="1017917" cy="649295"/>
-          </a:xfrm>
-          <a:prstGeom prst="leftArrow">
-            <a:avLst/>
-          </a:prstGeom>
-          <a:gradFill>
-            <a:gsLst>
-              <a:gs pos="0">
-                <a:srgbClr val="E4D0F5"/>
-              </a:gs>
-              <a:gs pos="100000">
-                <a:srgbClr val="B4DD98"/>
-              </a:gs>
-            </a:gsLst>
-            <a:lin ang="0" scaled="1"/>
-          </a:gradFill>
-          <a:scene3d>
-            <a:camera prst="isometricOffAxis2Top">
-              <a:rot lat="1155408" lon="3076870" rev="21460309"/>
-            </a:camera>
-            <a:lightRig rig="threePt" dir="t"/>
-          </a:scene3d>
-          <a:sp3d extrusionH="165100">
-            <a:extrusionClr>
-              <a:schemeClr val="accent6">
-                <a:lumMod val="50000"/>
-              </a:schemeClr>
-            </a:extrusionClr>
-          </a:sp3d>
-        </p:spPr>
-        <p:style>
-          <a:lnRef idx="2">
-            <a:schemeClr val="accent1">
-              <a:shade val="50000"/>
-            </a:schemeClr>
-          </a:lnRef>
-          <a:fillRef idx="1">
-            <a:schemeClr val="accent1"/>
-          </a:fillRef>
-          <a:effectRef idx="0">
-            <a:schemeClr val="accent1"/>
-          </a:effectRef>
-          <a:fontRef idx="minor">
-            <a:schemeClr val="lt1"/>
-          </a:fontRef>
-        </p:style>
-        <p:txBody>
-          <a:bodyPr rtlCol="0" anchor="ctr"/>
-          <a:lstStyle/>
-          <a:p>
-            <a:pPr algn="ctr"/>
-            <a:r>
-              <a:rPr lang="en-AU" sz="1200" dirty="0">
-                <a:solidFill>
-                  <a:schemeClr val="tx1"/>
-                </a:solidFill>
-              </a:rPr>
-              <a:t>Join ⋈</a:t>
-            </a:r>
-          </a:p>
-          <a:p>
-            <a:pPr algn="ctr"/>
-            <a:r>
-              <a:rPr lang="en-AU" sz="1200" dirty="0">
-                <a:solidFill>
-                  <a:schemeClr val="tx1"/>
-                </a:solidFill>
-              </a:rPr>
-              <a:t>pushdown</a:t>
-            </a:r>
-          </a:p>
-        </p:txBody>
-      </p:sp>
-      <p:sp>
-        <p:nvSpPr>
           <p:cNvPr id="36" name="TextBox 35">
             <a:extLst>
               <a:ext uri="{FF2B5EF4-FFF2-40B4-BE49-F238E27FC236}">
@@ -28608,7 +28004,7 @@
         </p:nvSpPr>
         <p:spPr>
           <a:xfrm>
-            <a:off x="-102024" y="3148490"/>
+            <a:off x="-149578" y="3156043"/>
             <a:ext cx="1623067" cy="307777"/>
           </a:xfrm>
           <a:prstGeom prst="rect">
@@ -28637,109 +28033,1232 @@
           </a:p>
         </p:txBody>
       </p:sp>
-      <p:sp>
-        <p:nvSpPr>
-          <p:cNvPr id="37" name="TextBox 36">
+      <p:grpSp>
+        <p:nvGrpSpPr>
+          <p:cNvPr id="67" name="Group 66">
             <a:extLst>
               <a:ext uri="{FF2B5EF4-FFF2-40B4-BE49-F238E27FC236}">
-                <a16:creationId xmlns:a16="http://schemas.microsoft.com/office/drawing/2014/main" id="{FA19C436-1DC8-141C-8950-163BE1143010}"/>
+                <a16:creationId xmlns:a16="http://schemas.microsoft.com/office/drawing/2014/main" id="{201562DF-26FA-674C-C010-88A093124380}"/>
               </a:ext>
             </a:extLst>
           </p:cNvPr>
-          <p:cNvSpPr txBox="1"/>
+          <p:cNvGrpSpPr/>
           <p:nvPr/>
-        </p:nvSpPr>
-        <p:spPr>
+        </p:nvGrpSpPr>
+        <p:grpSpPr>
           <a:xfrm>
-            <a:off x="5505303" y="2234286"/>
-            <a:ext cx="2315258" cy="553998"/>
+            <a:off x="5731474" y="213252"/>
+            <a:ext cx="5231837" cy="2611908"/>
+            <a:chOff x="5611232" y="194997"/>
+            <a:chExt cx="5231837" cy="2611908"/>
           </a:xfrm>
-          <a:prstGeom prst="rect">
-            <a:avLst/>
-          </a:prstGeom>
-          <a:noFill/>
-          <a:scene3d>
-            <a:camera prst="isometricLeftDown"/>
-            <a:lightRig rig="threePt" dir="t"/>
-          </a:scene3d>
-        </p:spPr>
-        <p:txBody>
-          <a:bodyPr wrap="square">
-            <a:spAutoFit/>
-          </a:bodyPr>
-          <a:lstStyle/>
-          <a:p>
-            <a:r>
-              <a:rPr lang="en-AU" sz="1500" dirty="0">
+        </p:grpSpPr>
+        <p:grpSp>
+          <p:nvGrpSpPr>
+            <p:cNvPr id="7" name="Group 6">
+              <a:extLst>
+                <a:ext uri="{FF2B5EF4-FFF2-40B4-BE49-F238E27FC236}">
+                  <a16:creationId xmlns:a16="http://schemas.microsoft.com/office/drawing/2014/main" id="{69DFD1F3-4882-8433-8638-0361F3D28D0C}"/>
+                </a:ext>
+              </a:extLst>
+            </p:cNvPr>
+            <p:cNvGrpSpPr/>
+            <p:nvPr/>
+          </p:nvGrpSpPr>
+          <p:grpSpPr>
+            <a:xfrm>
+              <a:off x="5967794" y="194997"/>
+              <a:ext cx="4875275" cy="2454288"/>
+              <a:chOff x="5252226" y="231940"/>
+              <a:chExt cx="4875275" cy="2575026"/>
+            </a:xfrm>
+          </p:grpSpPr>
+          <p:grpSp>
+            <p:nvGrpSpPr>
+              <p:cNvPr id="87" name="Group 86">
+                <a:extLst>
+                  <a:ext uri="{FF2B5EF4-FFF2-40B4-BE49-F238E27FC236}">
+                    <a16:creationId xmlns:a16="http://schemas.microsoft.com/office/drawing/2014/main" id="{CAE53593-E0B9-139C-70BE-C8AFFA32AD83}"/>
+                  </a:ext>
+                </a:extLst>
+              </p:cNvPr>
+              <p:cNvGrpSpPr/>
+              <p:nvPr/>
+            </p:nvGrpSpPr>
+            <p:grpSpPr>
+              <a:xfrm>
+                <a:off x="5535974" y="231940"/>
+                <a:ext cx="4591527" cy="2575026"/>
+                <a:chOff x="6495573" y="502950"/>
+                <a:chExt cx="4591527" cy="2575026"/>
+              </a:xfrm>
+            </p:grpSpPr>
+            <p:sp>
+              <p:nvSpPr>
+                <p:cNvPr id="14" name="Rectangle 13">
+                  <a:extLst>
+                    <a:ext uri="{FF2B5EF4-FFF2-40B4-BE49-F238E27FC236}">
+                      <a16:creationId xmlns:a16="http://schemas.microsoft.com/office/drawing/2014/main" id="{2B4080B8-42F3-4F8D-FBB2-8CB777385CE7}"/>
+                    </a:ext>
+                  </a:extLst>
+                </p:cNvPr>
+                <p:cNvSpPr/>
+                <p:nvPr/>
+              </p:nvSpPr>
+              <p:spPr>
+                <a:xfrm>
+                  <a:off x="6812006" y="1113086"/>
+                  <a:ext cx="4275094" cy="1825385"/>
+                </a:xfrm>
+                <a:prstGeom prst="rect">
+                  <a:avLst/>
+                </a:prstGeom>
                 <a:solidFill>
-                  <a:srgbClr val="8FAADC"/>
+                  <a:srgbClr val="D8C4E8"/>
                 </a:solidFill>
-              </a:rPr>
-              <a:t>⑧ Variety of </a:t>
-            </a:r>
-            <a:br>
-              <a:rPr lang="en-AU" sz="1500" dirty="0">
+                <a:ln>
+                  <a:solidFill>
+                    <a:srgbClr val="7030A0"/>
+                  </a:solidFill>
+                </a:ln>
+                <a:scene3d>
+                  <a:camera prst="isometricOffAxis1Right"/>
+                  <a:lightRig rig="threePt" dir="t"/>
+                </a:scene3d>
+                <a:sp3d extrusionH="1803400">
+                  <a:extrusionClr>
+                    <a:srgbClr val="7030A0"/>
+                  </a:extrusionClr>
+                  <a:contourClr>
+                    <a:schemeClr val="tx1">
+                      <a:lumMod val="50000"/>
+                      <a:lumOff val="50000"/>
+                    </a:schemeClr>
+                  </a:contourClr>
+                </a:sp3d>
+              </p:spPr>
+              <p:style>
+                <a:lnRef idx="2">
+                  <a:schemeClr val="accent1">
+                    <a:shade val="50000"/>
+                  </a:schemeClr>
+                </a:lnRef>
+                <a:fillRef idx="1">
+                  <a:schemeClr val="accent1"/>
+                </a:fillRef>
+                <a:effectRef idx="0">
+                  <a:schemeClr val="accent1"/>
+                </a:effectRef>
+                <a:fontRef idx="minor">
+                  <a:schemeClr val="lt1"/>
+                </a:fontRef>
+              </p:style>
+              <p:txBody>
+                <a:bodyPr rtlCol="0" anchor="ctr"/>
+                <a:lstStyle/>
+                <a:p>
+                  <a:pPr algn="ctr"/>
+                  <a:endParaRPr lang="en-AU"/>
+                </a:p>
+              </p:txBody>
+            </p:sp>
+            <p:pic>
+              <p:nvPicPr>
+                <p:cNvPr id="15" name="Picture 14">
+                  <a:extLst>
+                    <a:ext uri="{FF2B5EF4-FFF2-40B4-BE49-F238E27FC236}">
+                      <a16:creationId xmlns:a16="http://schemas.microsoft.com/office/drawing/2014/main" id="{F466AE72-54D8-447C-43C4-C50DB237B69C}"/>
+                    </a:ext>
+                  </a:extLst>
+                </p:cNvPr>
+                <p:cNvPicPr>
+                  <a:picLocks noChangeAspect="1"/>
+                </p:cNvPicPr>
+                <p:nvPr/>
+              </p:nvPicPr>
+              <p:blipFill>
+                <a:blip r:embed="rId2"/>
+                <a:stretch>
+                  <a:fillRect/>
+                </a:stretch>
+              </p:blipFill>
+              <p:spPr>
+                <a:xfrm>
+                  <a:off x="8257033" y="1130816"/>
+                  <a:ext cx="2015528" cy="852600"/>
+                </a:xfrm>
+                <a:prstGeom prst="rect">
+                  <a:avLst/>
+                </a:prstGeom>
                 <a:solidFill>
-                  <a:srgbClr val="8FAADC"/>
+                  <a:srgbClr val="7030A0">
+                    <a:alpha val="30980"/>
+                  </a:srgbClr>
                 </a:solidFill>
-              </a:rPr>
-            </a:br>
-            <a:r>
-              <a:rPr lang="en-AU" sz="1500" dirty="0">
+                <a:scene3d>
+                  <a:camera prst="isometricOffAxis1Right"/>
+                  <a:lightRig rig="threePt" dir="t"/>
+                </a:scene3d>
+              </p:spPr>
+            </p:pic>
+            <p:sp>
+              <p:nvSpPr>
+                <p:cNvPr id="32" name="TextBox 31">
+                  <a:extLst>
+                    <a:ext uri="{FF2B5EF4-FFF2-40B4-BE49-F238E27FC236}">
+                      <a16:creationId xmlns:a16="http://schemas.microsoft.com/office/drawing/2014/main" id="{D5F7E915-F4BF-CADF-ECD7-9DA2EED5F1B5}"/>
+                    </a:ext>
+                  </a:extLst>
+                </p:cNvPr>
+                <p:cNvSpPr txBox="1"/>
+                <p:nvPr/>
+              </p:nvSpPr>
+              <p:spPr>
+                <a:xfrm>
+                  <a:off x="7807356" y="2176670"/>
+                  <a:ext cx="3159374" cy="613543"/>
+                </a:xfrm>
+                <a:prstGeom prst="rect">
+                  <a:avLst/>
+                </a:prstGeom>
                 <a:solidFill>
-                  <a:srgbClr val="8FAADC"/>
+                  <a:srgbClr val="7F7F7F">
+                    <a:alpha val="38039"/>
+                  </a:srgbClr>
                 </a:solidFill>
-              </a:rPr>
-              <a:t>Logics</a:t>
-            </a:r>
-          </a:p>
-        </p:txBody>
-      </p:sp>
-      <p:sp>
-        <p:nvSpPr>
-          <p:cNvPr id="45" name="TextBox 44">
+                <a:scene3d>
+                  <a:camera prst="isometricOffAxis1Right"/>
+                  <a:lightRig rig="threePt" dir="t"/>
+                </a:scene3d>
+              </p:spPr>
+              <p:txBody>
+                <a:bodyPr wrap="square" rtlCol="0">
+                  <a:spAutoFit/>
+                </a:bodyPr>
+                <a:lstStyle/>
+                <a:p>
+                  <a:pPr algn="ctr"/>
+                  <a:r>
+                    <a:rPr lang="en-AU" sz="1600" dirty="0"/>
+                    <a:t>Intensionally Defined Relations</a:t>
+                  </a:r>
+                  <a:r>
+                    <a:rPr lang="en-AU" sz="1600" baseline="30000" dirty="0"/>
+                    <a:t>1</a:t>
+                  </a:r>
+                  <a:br>
+                    <a:rPr lang="en-AU" sz="1600" dirty="0"/>
+                  </a:br>
+                  <a:r>
+                    <a:rPr lang="en-AU" sz="1600" dirty="0"/>
+                    <a:t>(Rules)</a:t>
+                  </a:r>
+                </a:p>
+              </p:txBody>
+            </p:sp>
+            <p:pic>
+              <p:nvPicPr>
+                <p:cNvPr id="41" name="Picture 40">
+                  <a:extLst>
+                    <a:ext uri="{FF2B5EF4-FFF2-40B4-BE49-F238E27FC236}">
+                      <a16:creationId xmlns:a16="http://schemas.microsoft.com/office/drawing/2014/main" id="{FB707429-710A-D467-C4EB-D3B65485D3A1}"/>
+                    </a:ext>
+                  </a:extLst>
+                </p:cNvPr>
+                <p:cNvPicPr>
+                  <a:picLocks noChangeAspect="1"/>
+                </p:cNvPicPr>
+                <p:nvPr/>
+              </p:nvPicPr>
+              <p:blipFill>
+                <a:blip r:embed="rId2"/>
+                <a:stretch>
+                  <a:fillRect/>
+                </a:stretch>
+              </p:blipFill>
+              <p:spPr>
+                <a:xfrm>
+                  <a:off x="7083611" y="1454069"/>
+                  <a:ext cx="1031690" cy="436421"/>
+                </a:xfrm>
+                <a:prstGeom prst="rect">
+                  <a:avLst/>
+                </a:prstGeom>
+                <a:scene3d>
+                  <a:camera prst="isometricOffAxis1Right"/>
+                  <a:lightRig rig="threePt" dir="t"/>
+                </a:scene3d>
+              </p:spPr>
+            </p:pic>
+            <p:sp>
+              <p:nvSpPr>
+                <p:cNvPr id="50" name="TextBox 49">
+                  <a:extLst>
+                    <a:ext uri="{FF2B5EF4-FFF2-40B4-BE49-F238E27FC236}">
+                      <a16:creationId xmlns:a16="http://schemas.microsoft.com/office/drawing/2014/main" id="{BCAFEC12-1DA4-76B6-0B88-08E038EEFD7B}"/>
+                    </a:ext>
+                  </a:extLst>
+                </p:cNvPr>
+                <p:cNvSpPr txBox="1"/>
+                <p:nvPr/>
+              </p:nvSpPr>
+              <p:spPr>
+                <a:xfrm>
+                  <a:off x="6495573" y="502950"/>
+                  <a:ext cx="4227155" cy="678127"/>
+                </a:xfrm>
+                <a:prstGeom prst="rect">
+                  <a:avLst/>
+                </a:prstGeom>
+                <a:noFill/>
+                <a:scene3d>
+                  <a:camera prst="isometricOffAxis1Right"/>
+                  <a:lightRig rig="threePt" dir="t"/>
+                </a:scene3d>
+              </p:spPr>
+              <p:txBody>
+                <a:bodyPr wrap="square">
+                  <a:spAutoFit/>
+                </a:bodyPr>
+                <a:lstStyle/>
+                <a:p>
+                  <a:pPr lvl="0"/>
+                  <a:r>
+                    <a:rPr lang="en-AU" sz="1200" dirty="0">
+                      <a:solidFill>
+                        <a:schemeClr val="bg1"/>
+                      </a:solidFill>
+                    </a:rPr>
+                    <a:t>Constraint Logic Programming including: Search, Solvers,   </a:t>
+                  </a:r>
+                  <a:br>
+                    <a:rPr lang="en-AU" sz="1200" dirty="0">
+                      <a:solidFill>
+                        <a:schemeClr val="bg1"/>
+                      </a:solidFill>
+                    </a:rPr>
+                  </a:br>
+                  <a:r>
+                    <a:rPr lang="en-AU" sz="1200" dirty="0">
+                      <a:solidFill>
+                        <a:schemeClr val="bg1"/>
+                      </a:solidFill>
+                    </a:rPr>
+                    <a:t>    Numerical Methods, Linear Prog., Symbolic Comp.,  </a:t>
+                  </a:r>
+                  <a:br>
+                    <a:rPr lang="en-AU" sz="1200" dirty="0">
+                      <a:solidFill>
+                        <a:schemeClr val="bg1"/>
+                      </a:solidFill>
+                    </a:rPr>
+                  </a:br>
+                  <a:r>
+                    <a:rPr lang="en-AU" sz="1200" dirty="0">
+                      <a:solidFill>
+                        <a:schemeClr val="bg1"/>
+                      </a:solidFill>
+                    </a:rPr>
+                    <a:t>       Termination, Negation, Stratification, Type Theory, Semantics </a:t>
+                  </a:r>
+                </a:p>
+              </p:txBody>
+            </p:sp>
+            <p:sp>
+              <p:nvSpPr>
+                <p:cNvPr id="40" name="TextBox 39">
+                  <a:extLst>
+                    <a:ext uri="{FF2B5EF4-FFF2-40B4-BE49-F238E27FC236}">
+                      <a16:creationId xmlns:a16="http://schemas.microsoft.com/office/drawing/2014/main" id="{23C1DAF0-7B8C-F161-9E7F-F6130E7886F1}"/>
+                    </a:ext>
+                  </a:extLst>
+                </p:cNvPr>
+                <p:cNvSpPr txBox="1"/>
+                <p:nvPr/>
+              </p:nvSpPr>
+              <p:spPr>
+                <a:xfrm>
+                  <a:off x="6981530" y="1933649"/>
+                  <a:ext cx="1235851" cy="290626"/>
+                </a:xfrm>
+                <a:prstGeom prst="rect">
+                  <a:avLst/>
+                </a:prstGeom>
+                <a:noFill/>
+                <a:scene3d>
+                  <a:camera prst="isometricOffAxis1Right"/>
+                  <a:lightRig rig="threePt" dir="t"/>
+                </a:scene3d>
+              </p:spPr>
+              <p:txBody>
+                <a:bodyPr wrap="none" rtlCol="0">
+                  <a:spAutoFit/>
+                </a:bodyPr>
+                <a:lstStyle/>
+                <a:p>
+                  <a:pPr algn="ctr"/>
+                  <a:r>
+                    <a:rPr lang="en-AU" sz="1100" dirty="0"/>
+                    <a:t>⑮</a:t>
+                  </a:r>
+                  <a:r>
+                    <a:rPr lang="en-AU" sz="1200" dirty="0"/>
+                    <a:t> Effectiveness</a:t>
+                  </a:r>
+                </a:p>
+              </p:txBody>
+            </p:sp>
+            <p:sp>
+              <p:nvSpPr>
+                <p:cNvPr id="12" name="TextBox 11">
+                  <a:extLst>
+                    <a:ext uri="{FF2B5EF4-FFF2-40B4-BE49-F238E27FC236}">
+                      <a16:creationId xmlns:a16="http://schemas.microsoft.com/office/drawing/2014/main" id="{F7721030-5FDC-B2DF-9B54-EDAF0022F223}"/>
+                    </a:ext>
+                  </a:extLst>
+                </p:cNvPr>
+                <p:cNvSpPr txBox="1"/>
+                <p:nvPr/>
+              </p:nvSpPr>
+              <p:spPr>
+                <a:xfrm>
+                  <a:off x="6959905" y="2167700"/>
+                  <a:ext cx="1805046" cy="290626"/>
+                </a:xfrm>
+                <a:prstGeom prst="rect">
+                  <a:avLst/>
+                </a:prstGeom>
+                <a:noFill/>
+                <a:scene3d>
+                  <a:camera prst="isometricOffAxis1Right"/>
+                  <a:lightRig rig="threePt" dir="t"/>
+                </a:scene3d>
+              </p:spPr>
+              <p:txBody>
+                <a:bodyPr wrap="none" rtlCol="0">
+                  <a:spAutoFit/>
+                </a:bodyPr>
+                <a:lstStyle/>
+                <a:p>
+                  <a:pPr algn="ctr"/>
+                  <a:r>
+                    <a:rPr lang="en-AU" sz="1100" dirty="0"/>
+                    <a:t>⑱</a:t>
+                  </a:r>
+                  <a:r>
+                    <a:rPr lang="en-AU" sz="1200" dirty="0"/>
+                    <a:t> Encapsulation of logic.</a:t>
+                  </a:r>
+                </a:p>
+              </p:txBody>
+            </p:sp>
+            <p:sp>
+              <p:nvSpPr>
+                <p:cNvPr id="16" name="TextBox 15">
+                  <a:extLst>
+                    <a:ext uri="{FF2B5EF4-FFF2-40B4-BE49-F238E27FC236}">
+                      <a16:creationId xmlns:a16="http://schemas.microsoft.com/office/drawing/2014/main" id="{F914FE4F-CAFF-7C8F-814E-15A35E2CD8D3}"/>
+                    </a:ext>
+                  </a:extLst>
+                </p:cNvPr>
+                <p:cNvSpPr txBox="1"/>
+                <p:nvPr/>
+              </p:nvSpPr>
+              <p:spPr>
+                <a:xfrm>
+                  <a:off x="8433439" y="1866853"/>
+                  <a:ext cx="2597891" cy="290626"/>
+                </a:xfrm>
+                <a:prstGeom prst="rect">
+                  <a:avLst/>
+                </a:prstGeom>
+                <a:noFill/>
+                <a:scene3d>
+                  <a:camera prst="isometricOffAxis1Right"/>
+                  <a:lightRig rig="threePt" dir="t"/>
+                </a:scene3d>
+              </p:spPr>
+              <p:txBody>
+                <a:bodyPr wrap="none" rtlCol="0">
+                  <a:spAutoFit/>
+                </a:bodyPr>
+                <a:lstStyle/>
+                <a:p>
+                  <a:pPr algn="ctr"/>
+                  <a:r>
+                    <a:rPr lang="en-AU" sz="1100" dirty="0"/>
+                    <a:t>⑲</a:t>
+                  </a:r>
+                  <a:r>
+                    <a:rPr lang="en-AU" sz="1200" dirty="0"/>
+                    <a:t> Superkeys and Func. Dependencies</a:t>
+                  </a:r>
+                </a:p>
+              </p:txBody>
+            </p:sp>
+            <p:sp>
+              <p:nvSpPr>
+                <p:cNvPr id="42" name="TextBox 41">
+                  <a:extLst>
+                    <a:ext uri="{FF2B5EF4-FFF2-40B4-BE49-F238E27FC236}">
+                      <a16:creationId xmlns:a16="http://schemas.microsoft.com/office/drawing/2014/main" id="{2AB43841-56D2-4521-EFEE-BC825709EE9E}"/>
+                    </a:ext>
+                  </a:extLst>
+                </p:cNvPr>
+                <p:cNvSpPr txBox="1"/>
+                <p:nvPr/>
+              </p:nvSpPr>
+              <p:spPr>
+                <a:xfrm>
+                  <a:off x="10078297" y="1210450"/>
+                  <a:ext cx="869854" cy="516668"/>
+                </a:xfrm>
+                <a:prstGeom prst="rect">
+                  <a:avLst/>
+                </a:prstGeom>
+                <a:noFill/>
+                <a:scene3d>
+                  <a:camera prst="isometricOffAxis1Right"/>
+                  <a:lightRig rig="threePt" dir="t"/>
+                </a:scene3d>
+              </p:spPr>
+              <p:txBody>
+                <a:bodyPr wrap="none" rtlCol="0">
+                  <a:spAutoFit/>
+                </a:bodyPr>
+                <a:lstStyle/>
+                <a:p>
+                  <a:pPr algn="ctr"/>
+                  <a:r>
+                    <a:rPr lang="en-AU" sz="1400" dirty="0"/>
+                    <a:t>㉑</a:t>
+                  </a:r>
+                  <a:r>
+                    <a:rPr lang="en-AU" sz="1200" dirty="0"/>
+                    <a:t> Ground</a:t>
+                  </a:r>
+                  <a:br>
+                    <a:rPr lang="en-AU" sz="1200" dirty="0"/>
+                  </a:br>
+                  <a:r>
+                    <a:rPr lang="en-AU" sz="1200" dirty="0"/>
+                    <a:t>facts</a:t>
+                  </a:r>
+                </a:p>
+              </p:txBody>
+            </p:sp>
+            <p:sp>
+              <p:nvSpPr>
+                <p:cNvPr id="27" name="TextBox 26">
+                  <a:extLst>
+                    <a:ext uri="{FF2B5EF4-FFF2-40B4-BE49-F238E27FC236}">
+                      <a16:creationId xmlns:a16="http://schemas.microsoft.com/office/drawing/2014/main" id="{A46A0898-D474-868E-214E-AA8A1CEB5919}"/>
+                    </a:ext>
+                  </a:extLst>
+                </p:cNvPr>
+                <p:cNvSpPr txBox="1"/>
+                <p:nvPr/>
+              </p:nvSpPr>
+              <p:spPr>
+                <a:xfrm>
+                  <a:off x="6990790" y="2464433"/>
+                  <a:ext cx="1072730" cy="613543"/>
+                </a:xfrm>
+                <a:prstGeom prst="rect">
+                  <a:avLst/>
+                </a:prstGeom>
+                <a:noFill/>
+                <a:scene3d>
+                  <a:camera prst="isometricOffAxis1Right"/>
+                  <a:lightRig rig="threePt" dir="t"/>
+                </a:scene3d>
+              </p:spPr>
+              <p:txBody>
+                <a:bodyPr wrap="none" rtlCol="0">
+                  <a:spAutoFit/>
+                </a:bodyPr>
+                <a:lstStyle/>
+                <a:p>
+                  <a:r>
+                    <a:rPr lang="en-AU" sz="1200" dirty="0"/>
+                    <a:t>㉗</a:t>
+                  </a:r>
+                  <a:r>
+                    <a:rPr lang="en-AU" sz="900" dirty="0"/>
+                    <a:t> </a:t>
+                  </a:r>
+                  <a:br>
+                    <a:rPr lang="en-AU" sz="900" dirty="0"/>
+                  </a:br>
+                  <a:r>
+                    <a:rPr lang="en-AU" sz="1000" dirty="0"/>
+                    <a:t>Normalisation &amp;</a:t>
+                  </a:r>
+                  <a:br>
+                    <a:rPr lang="en-AU" sz="1000" dirty="0"/>
+                  </a:br>
+                  <a:r>
+                    <a:rPr lang="en-AU" sz="1000" dirty="0"/>
+                    <a:t>de-normalisation</a:t>
+                  </a:r>
+                  <a:endParaRPr lang="en-AU" sz="900" dirty="0"/>
+                </a:p>
+              </p:txBody>
+            </p:sp>
+          </p:grpSp>
+          <p:sp>
+            <p:nvSpPr>
+              <p:cNvPr id="3" name="TextBox 2">
+                <a:extLst>
+                  <a:ext uri="{FF2B5EF4-FFF2-40B4-BE49-F238E27FC236}">
+                    <a16:creationId xmlns:a16="http://schemas.microsoft.com/office/drawing/2014/main" id="{72B9F781-70FD-6179-47B5-0707884D9D1A}"/>
+                  </a:ext>
+                </a:extLst>
+              </p:cNvPr>
+              <p:cNvSpPr txBox="1"/>
+              <p:nvPr/>
+            </p:nvSpPr>
+            <p:spPr>
+              <a:xfrm>
+                <a:off x="5252226" y="838252"/>
+                <a:ext cx="1017916" cy="1872921"/>
+              </a:xfrm>
+              <a:prstGeom prst="rect">
+                <a:avLst/>
+              </a:prstGeom>
+              <a:noFill/>
+              <a:scene3d>
+                <a:camera prst="isometricLeftDown"/>
+                <a:lightRig rig="threePt" dir="t"/>
+              </a:scene3d>
+            </p:spPr>
+            <p:txBody>
+              <a:bodyPr wrap="square" rtlCol="0">
+                <a:spAutoFit/>
+              </a:bodyPr>
+              <a:lstStyle/>
+              <a:p>
+                <a:r>
+                  <a:rPr lang="en-AU" sz="2200" b="1" kern="0" dirty="0">
+                    <a:solidFill>
+                      <a:schemeClr val="accent1">
+                        <a:lumMod val="60000"/>
+                        <a:lumOff val="40000"/>
+                      </a:schemeClr>
+                    </a:solidFill>
+                    <a:effectLst/>
+                    <a:latin typeface="Cambria Math" panose="02040503050406030204" pitchFamily="18" charset="0"/>
+                    <a:ea typeface="Times New Roman" panose="02020603050405020304" pitchFamily="18" charset="0"/>
+                    <a:cs typeface="Cambria Math" panose="02040503050406030204" pitchFamily="18" charset="0"/>
+                  </a:rPr>
+                  <a:t>⇒</a:t>
+                </a:r>
+                <a:r>
+                  <a:rPr lang="en-AU" sz="2200" b="1" kern="0" dirty="0">
+                    <a:solidFill>
+                      <a:schemeClr val="accent1">
+                        <a:lumMod val="60000"/>
+                        <a:lumOff val="40000"/>
+                      </a:schemeClr>
+                    </a:solidFill>
+                    <a:effectLst/>
+                    <a:latin typeface="Arial" panose="020B0604020202020204" pitchFamily="34" charset="0"/>
+                    <a:ea typeface="Times New Roman" panose="02020603050405020304" pitchFamily="18" charset="0"/>
+                    <a:cs typeface="Times New Roman" panose="02020603050405020304" pitchFamily="18" charset="0"/>
+                  </a:rPr>
+                  <a:t> </a:t>
+                </a:r>
+                <a:r>
+                  <a:rPr lang="en-AU" sz="2200" b="1" kern="0" dirty="0">
+                    <a:solidFill>
+                      <a:schemeClr val="accent1">
+                        <a:lumMod val="60000"/>
+                        <a:lumOff val="40000"/>
+                      </a:schemeClr>
+                    </a:solidFill>
+                    <a:effectLst/>
+                    <a:latin typeface="Cambria Math" panose="02040503050406030204" pitchFamily="18" charset="0"/>
+                    <a:ea typeface="Times New Roman" panose="02020603050405020304" pitchFamily="18" charset="0"/>
+                    <a:cs typeface="Cambria Math" panose="02040503050406030204" pitchFamily="18" charset="0"/>
+                  </a:rPr>
+                  <a:t>⇔</a:t>
+                </a:r>
+                <a:r>
+                  <a:rPr lang="en-AU" sz="2200" b="1" kern="0" dirty="0">
+                    <a:solidFill>
+                      <a:schemeClr val="accent1">
+                        <a:lumMod val="60000"/>
+                        <a:lumOff val="40000"/>
+                      </a:schemeClr>
+                    </a:solidFill>
+                    <a:effectLst/>
+                    <a:latin typeface="Arial" panose="020B0604020202020204" pitchFamily="34" charset="0"/>
+                    <a:ea typeface="Times New Roman" panose="02020603050405020304" pitchFamily="18" charset="0"/>
+                    <a:cs typeface="Times New Roman" panose="02020603050405020304" pitchFamily="18" charset="0"/>
+                  </a:rPr>
+                  <a:t> ¬ </a:t>
+                </a:r>
+                <a:r>
+                  <a:rPr lang="en-AU" sz="2200" b="1" kern="0" dirty="0">
+                    <a:solidFill>
+                      <a:schemeClr val="accent1">
+                        <a:lumMod val="60000"/>
+                        <a:lumOff val="40000"/>
+                      </a:schemeClr>
+                    </a:solidFill>
+                    <a:effectLst/>
+                    <a:latin typeface="Cambria Math" panose="02040503050406030204" pitchFamily="18" charset="0"/>
+                    <a:ea typeface="Times New Roman" panose="02020603050405020304" pitchFamily="18" charset="0"/>
+                    <a:cs typeface="Cambria Math" panose="02040503050406030204" pitchFamily="18" charset="0"/>
+                  </a:rPr>
+                  <a:t>∧</a:t>
+                </a:r>
+                <a:r>
+                  <a:rPr lang="en-AU" sz="2200" b="1" kern="0" dirty="0">
+                    <a:solidFill>
+                      <a:schemeClr val="accent1">
+                        <a:lumMod val="60000"/>
+                        <a:lumOff val="40000"/>
+                      </a:schemeClr>
+                    </a:solidFill>
+                    <a:effectLst/>
+                    <a:latin typeface="Arial" panose="020B0604020202020204" pitchFamily="34" charset="0"/>
+                    <a:ea typeface="Times New Roman" panose="02020603050405020304" pitchFamily="18" charset="0"/>
+                    <a:cs typeface="Times New Roman" panose="02020603050405020304" pitchFamily="18" charset="0"/>
+                  </a:rPr>
+                  <a:t> </a:t>
+                </a:r>
+                <a:r>
+                  <a:rPr lang="en-AU" sz="2200" b="1" kern="0" dirty="0">
+                    <a:solidFill>
+                      <a:schemeClr val="accent1">
+                        <a:lumMod val="60000"/>
+                        <a:lumOff val="40000"/>
+                      </a:schemeClr>
+                    </a:solidFill>
+                    <a:effectLst/>
+                    <a:latin typeface="Cambria Math" panose="02040503050406030204" pitchFamily="18" charset="0"/>
+                    <a:ea typeface="Times New Roman" panose="02020603050405020304" pitchFamily="18" charset="0"/>
+                    <a:cs typeface="Cambria Math" panose="02040503050406030204" pitchFamily="18" charset="0"/>
+                  </a:rPr>
+                  <a:t>∨</a:t>
+                </a:r>
+                <a:r>
+                  <a:rPr lang="en-AU" sz="2200" b="1" kern="0" dirty="0">
+                    <a:solidFill>
+                      <a:schemeClr val="accent1">
+                        <a:lumMod val="60000"/>
+                        <a:lumOff val="40000"/>
+                      </a:schemeClr>
+                    </a:solidFill>
+                    <a:effectLst/>
+                    <a:latin typeface="Arial" panose="020B0604020202020204" pitchFamily="34" charset="0"/>
+                    <a:ea typeface="Times New Roman" panose="02020603050405020304" pitchFamily="18" charset="0"/>
+                    <a:cs typeface="Times New Roman" panose="02020603050405020304" pitchFamily="18" charset="0"/>
+                  </a:rPr>
+                  <a:t> </a:t>
+                </a:r>
+                <a:r>
+                  <a:rPr lang="en-AU" sz="2200" b="1" kern="0" dirty="0">
+                    <a:solidFill>
+                      <a:schemeClr val="accent1">
+                        <a:lumMod val="60000"/>
+                        <a:lumOff val="40000"/>
+                      </a:schemeClr>
+                    </a:solidFill>
+                    <a:effectLst/>
+                    <a:latin typeface="Cambria Math" panose="02040503050406030204" pitchFamily="18" charset="0"/>
+                    <a:ea typeface="Times New Roman" panose="02020603050405020304" pitchFamily="18" charset="0"/>
+                    <a:cs typeface="Cambria Math" panose="02040503050406030204" pitchFamily="18" charset="0"/>
+                  </a:rPr>
+                  <a:t>∀</a:t>
+                </a:r>
+                <a:r>
+                  <a:rPr lang="en-AU" sz="2200" b="1" kern="0" dirty="0">
+                    <a:solidFill>
+                      <a:schemeClr val="accent1">
+                        <a:lumMod val="60000"/>
+                        <a:lumOff val="40000"/>
+                      </a:schemeClr>
+                    </a:solidFill>
+                    <a:effectLst/>
+                    <a:latin typeface="Arial" panose="020B0604020202020204" pitchFamily="34" charset="0"/>
+                    <a:ea typeface="Times New Roman" panose="02020603050405020304" pitchFamily="18" charset="0"/>
+                    <a:cs typeface="Times New Roman" panose="02020603050405020304" pitchFamily="18" charset="0"/>
+                  </a:rPr>
+                  <a:t> </a:t>
+                </a:r>
+                <a:r>
+                  <a:rPr lang="en-AU" sz="2200" b="1" kern="0" dirty="0">
+                    <a:solidFill>
+                      <a:schemeClr val="accent1">
+                        <a:lumMod val="60000"/>
+                        <a:lumOff val="40000"/>
+                      </a:schemeClr>
+                    </a:solidFill>
+                    <a:effectLst/>
+                    <a:latin typeface="Cambria Math" panose="02040503050406030204" pitchFamily="18" charset="0"/>
+                    <a:ea typeface="Times New Roman" panose="02020603050405020304" pitchFamily="18" charset="0"/>
+                    <a:cs typeface="Cambria Math" panose="02040503050406030204" pitchFamily="18" charset="0"/>
+                  </a:rPr>
+                  <a:t>∃</a:t>
+                </a:r>
+                <a:r>
+                  <a:rPr lang="en-AU" sz="2200" b="1" kern="0" dirty="0">
+                    <a:solidFill>
+                      <a:schemeClr val="accent1">
+                        <a:lumMod val="60000"/>
+                        <a:lumOff val="40000"/>
+                      </a:schemeClr>
+                    </a:solidFill>
+                    <a:effectLst/>
+                    <a:latin typeface="Arial" panose="020B0604020202020204" pitchFamily="34" charset="0"/>
+                    <a:ea typeface="Times New Roman" panose="02020603050405020304" pitchFamily="18" charset="0"/>
+                    <a:cs typeface="Times New Roman" panose="02020603050405020304" pitchFamily="18" charset="0"/>
+                  </a:rPr>
+                  <a:t> ! </a:t>
+                </a:r>
+                <a:r>
+                  <a:rPr lang="en-AU" sz="2200" b="1" kern="0" dirty="0">
+                    <a:solidFill>
+                      <a:schemeClr val="accent1">
+                        <a:lumMod val="60000"/>
+                        <a:lumOff val="40000"/>
+                      </a:schemeClr>
+                    </a:solidFill>
+                    <a:effectLst/>
+                    <a:latin typeface="Cambria Math" panose="02040503050406030204" pitchFamily="18" charset="0"/>
+                    <a:ea typeface="Times New Roman" panose="02020603050405020304" pitchFamily="18" charset="0"/>
+                    <a:cs typeface="Cambria Math" panose="02040503050406030204" pitchFamily="18" charset="0"/>
+                  </a:rPr>
+                  <a:t>≔</a:t>
+                </a:r>
+                <a:r>
+                  <a:rPr lang="en-AU" sz="2200" b="1" kern="0" dirty="0">
+                    <a:solidFill>
+                      <a:schemeClr val="accent1">
+                        <a:lumMod val="60000"/>
+                        <a:lumOff val="40000"/>
+                      </a:schemeClr>
+                    </a:solidFill>
+                    <a:effectLst/>
+                    <a:latin typeface="Arial" panose="020B0604020202020204" pitchFamily="34" charset="0"/>
+                    <a:ea typeface="Times New Roman" panose="02020603050405020304" pitchFamily="18" charset="0"/>
+                    <a:cs typeface="Times New Roman" panose="02020603050405020304" pitchFamily="18" charset="0"/>
+                  </a:rPr>
+                  <a:t> </a:t>
+                </a:r>
+                <a:r>
+                  <a:rPr lang="en-AU" sz="2200" b="1" kern="0" dirty="0">
+                    <a:solidFill>
+                      <a:schemeClr val="accent1">
+                        <a:lumMod val="60000"/>
+                        <a:lumOff val="40000"/>
+                      </a:schemeClr>
+                    </a:solidFill>
+                    <a:effectLst/>
+                    <a:latin typeface="Cambria Math" panose="02040503050406030204" pitchFamily="18" charset="0"/>
+                    <a:ea typeface="Times New Roman" panose="02020603050405020304" pitchFamily="18" charset="0"/>
+                    <a:cs typeface="Cambria Math" panose="02040503050406030204" pitchFamily="18" charset="0"/>
+                  </a:rPr>
+                  <a:t>⊢</a:t>
+                </a:r>
+                <a:r>
+                  <a:rPr lang="en-AU" sz="2200" b="1" kern="0" dirty="0">
+                    <a:solidFill>
+                      <a:schemeClr val="accent1">
+                        <a:lumMod val="60000"/>
+                        <a:lumOff val="40000"/>
+                      </a:schemeClr>
+                    </a:solidFill>
+                    <a:effectLst/>
+                    <a:latin typeface="Arial" panose="020B0604020202020204" pitchFamily="34" charset="0"/>
+                    <a:ea typeface="Times New Roman" panose="02020603050405020304" pitchFamily="18" charset="0"/>
+                    <a:cs typeface="Times New Roman" panose="02020603050405020304" pitchFamily="18" charset="0"/>
+                  </a:rPr>
+                  <a:t> </a:t>
+                </a:r>
+                <a:r>
+                  <a:rPr lang="en-AU" sz="2200" b="1" kern="0" dirty="0">
+                    <a:solidFill>
+                      <a:schemeClr val="accent1">
+                        <a:lumMod val="60000"/>
+                        <a:lumOff val="40000"/>
+                      </a:schemeClr>
+                    </a:solidFill>
+                    <a:effectLst/>
+                    <a:latin typeface="Cambria Math" panose="02040503050406030204" pitchFamily="18" charset="0"/>
+                    <a:ea typeface="Times New Roman" panose="02020603050405020304" pitchFamily="18" charset="0"/>
+                    <a:cs typeface="Cambria Math" panose="02040503050406030204" pitchFamily="18" charset="0"/>
+                  </a:rPr>
+                  <a:t>⊨</a:t>
+                </a:r>
+                <a:r>
+                  <a:rPr lang="en-AU" sz="2200" b="1" kern="0" dirty="0">
+                    <a:solidFill>
+                      <a:schemeClr val="accent1">
+                        <a:lumMod val="60000"/>
+                        <a:lumOff val="40000"/>
+                      </a:schemeClr>
+                    </a:solidFill>
+                    <a:effectLst/>
+                    <a:latin typeface="Arial" panose="020B0604020202020204" pitchFamily="34" charset="0"/>
+                    <a:ea typeface="Times New Roman" panose="02020603050405020304" pitchFamily="18" charset="0"/>
+                    <a:cs typeface="Times New Roman" panose="02020603050405020304" pitchFamily="18" charset="0"/>
+                  </a:rPr>
+                  <a:t> </a:t>
+                </a:r>
+                <a:r>
+                  <a:rPr lang="en-AU" sz="2200" kern="100" dirty="0">
+                    <a:solidFill>
+                      <a:schemeClr val="accent1">
+                        <a:lumMod val="60000"/>
+                        <a:lumOff val="40000"/>
+                      </a:schemeClr>
+                    </a:solidFill>
+                    <a:effectLst/>
+                    <a:latin typeface="Calibri" panose="020F0502020204030204" pitchFamily="34" charset="0"/>
+                    <a:ea typeface="Calibri" panose="020F0502020204030204" pitchFamily="34" charset="0"/>
+                    <a:cs typeface="Times New Roman" panose="02020603050405020304" pitchFamily="18" charset="0"/>
+                  </a:rPr>
+                  <a:t> </a:t>
+                </a:r>
+              </a:p>
+              <a:p>
+                <a:endParaRPr lang="en-AU" sz="2200" dirty="0">
+                  <a:solidFill>
+                    <a:schemeClr val="accent1">
+                      <a:lumMod val="60000"/>
+                      <a:lumOff val="40000"/>
+                    </a:schemeClr>
+                  </a:solidFill>
+                </a:endParaRPr>
+              </a:p>
+            </p:txBody>
+          </p:sp>
+        </p:grpSp>
+        <p:grpSp>
+          <p:nvGrpSpPr>
+            <p:cNvPr id="66" name="Group 65">
+              <a:extLst>
+                <a:ext uri="{FF2B5EF4-FFF2-40B4-BE49-F238E27FC236}">
+                  <a16:creationId xmlns:a16="http://schemas.microsoft.com/office/drawing/2014/main" id="{79BA6264-04F7-8925-6149-73B0B0E5E963}"/>
+                </a:ext>
+              </a:extLst>
+            </p:cNvPr>
+            <p:cNvGrpSpPr/>
+            <p:nvPr/>
+          </p:nvGrpSpPr>
+          <p:grpSpPr>
+            <a:xfrm>
+              <a:off x="5611232" y="508652"/>
+              <a:ext cx="2663031" cy="2298253"/>
+              <a:chOff x="5611232" y="508652"/>
+              <a:chExt cx="2663031" cy="2298253"/>
+            </a:xfrm>
+          </p:grpSpPr>
+          <p:sp>
+            <p:nvSpPr>
+              <p:cNvPr id="22" name="TextBox 21">
+                <a:extLst>
+                  <a:ext uri="{FF2B5EF4-FFF2-40B4-BE49-F238E27FC236}">
+                    <a16:creationId xmlns:a16="http://schemas.microsoft.com/office/drawing/2014/main" id="{84B4BE5B-45CA-567B-13E1-53C79BC907A2}"/>
+                  </a:ext>
+                </a:extLst>
+              </p:cNvPr>
+              <p:cNvSpPr txBox="1"/>
+              <p:nvPr/>
+            </p:nvSpPr>
+            <p:spPr>
+              <a:xfrm>
+                <a:off x="6173544" y="508652"/>
+                <a:ext cx="665671" cy="338554"/>
+              </a:xfrm>
+              <a:prstGeom prst="rect">
+                <a:avLst/>
+              </a:prstGeom>
+              <a:noFill/>
+              <a:scene3d>
+                <a:camera prst="isometricOffAxis1Right"/>
+                <a:lightRig rig="threePt" dir="t"/>
+              </a:scene3d>
+            </p:spPr>
+            <p:txBody>
+              <a:bodyPr wrap="square">
+                <a:spAutoFit/>
+              </a:bodyPr>
+              <a:lstStyle/>
+              <a:p>
+                <a:r>
+                  <a:rPr lang="en-AU" sz="1600" dirty="0">
+                    <a:solidFill>
+                      <a:schemeClr val="bg1"/>
+                    </a:solidFill>
+                  </a:rPr>
+                  <a:t>②</a:t>
+                </a:r>
+                <a:endParaRPr lang="en-AU" sz="1600" dirty="0"/>
+              </a:p>
+            </p:txBody>
+          </p:sp>
+          <p:sp>
+            <p:nvSpPr>
+              <p:cNvPr id="25" name="TextBox 24">
+                <a:extLst>
+                  <a:ext uri="{FF2B5EF4-FFF2-40B4-BE49-F238E27FC236}">
+                    <a16:creationId xmlns:a16="http://schemas.microsoft.com/office/drawing/2014/main" id="{14492489-724C-1171-672B-B808197F81F2}"/>
+                  </a:ext>
+                </a:extLst>
+              </p:cNvPr>
+              <p:cNvSpPr txBox="1"/>
+              <p:nvPr/>
+            </p:nvSpPr>
+            <p:spPr>
+              <a:xfrm>
+                <a:off x="7608592" y="1952559"/>
+                <a:ext cx="665671" cy="338554"/>
+              </a:xfrm>
+              <a:prstGeom prst="rect">
+                <a:avLst/>
+              </a:prstGeom>
+              <a:noFill/>
+              <a:scene3d>
+                <a:camera prst="isometricOffAxis1Right"/>
+                <a:lightRig rig="threePt" dir="t"/>
+              </a:scene3d>
+            </p:spPr>
+            <p:txBody>
+              <a:bodyPr wrap="square">
+                <a:spAutoFit/>
+              </a:bodyPr>
+              <a:lstStyle/>
+              <a:p>
+                <a:r>
+                  <a:rPr lang="en-AU" sz="1600" dirty="0">
+                    <a:solidFill>
+                      <a:srgbClr val="522276"/>
+                    </a:solidFill>
+                  </a:rPr>
+                  <a:t>⑤</a:t>
+                </a:r>
+              </a:p>
+            </p:txBody>
+          </p:sp>
+          <p:sp>
+            <p:nvSpPr>
+              <p:cNvPr id="37" name="TextBox 36">
+                <a:extLst>
+                  <a:ext uri="{FF2B5EF4-FFF2-40B4-BE49-F238E27FC236}">
+                    <a16:creationId xmlns:a16="http://schemas.microsoft.com/office/drawing/2014/main" id="{FA19C436-1DC8-141C-8950-163BE1143010}"/>
+                  </a:ext>
+                </a:extLst>
+              </p:cNvPr>
+              <p:cNvSpPr txBox="1"/>
+              <p:nvPr/>
+            </p:nvSpPr>
+            <p:spPr>
+              <a:xfrm>
+                <a:off x="5611232" y="2252907"/>
+                <a:ext cx="2315258" cy="553998"/>
+              </a:xfrm>
+              <a:prstGeom prst="rect">
+                <a:avLst/>
+              </a:prstGeom>
+              <a:noFill/>
+              <a:scene3d>
+                <a:camera prst="isometricLeftDown"/>
+                <a:lightRig rig="threePt" dir="t"/>
+              </a:scene3d>
+            </p:spPr>
+            <p:txBody>
+              <a:bodyPr wrap="square">
+                <a:spAutoFit/>
+              </a:bodyPr>
+              <a:lstStyle/>
+              <a:p>
+                <a:r>
+                  <a:rPr lang="en-AU" sz="1500" dirty="0">
+                    <a:solidFill>
+                      <a:srgbClr val="8FAADC"/>
+                    </a:solidFill>
+                  </a:rPr>
+                  <a:t>⑧ Variety of </a:t>
+                </a:r>
+                <a:br>
+                  <a:rPr lang="en-AU" sz="1500" dirty="0">
+                    <a:solidFill>
+                      <a:srgbClr val="8FAADC"/>
+                    </a:solidFill>
+                  </a:rPr>
+                </a:br>
+                <a:r>
+                  <a:rPr lang="en-AU" sz="1500" dirty="0">
+                    <a:solidFill>
+                      <a:srgbClr val="8FAADC"/>
+                    </a:solidFill>
+                  </a:rPr>
+                  <a:t>Logics</a:t>
+                </a:r>
+              </a:p>
+            </p:txBody>
+          </p:sp>
+        </p:grpSp>
+      </p:grpSp>
+      <p:grpSp>
+        <p:nvGrpSpPr>
+          <p:cNvPr id="70" name="Group 69">
             <a:extLst>
               <a:ext uri="{FF2B5EF4-FFF2-40B4-BE49-F238E27FC236}">
-                <a16:creationId xmlns:a16="http://schemas.microsoft.com/office/drawing/2014/main" id="{55B7E5EE-29CE-A124-D77A-2604FC4C609E}"/>
+                <a16:creationId xmlns:a16="http://schemas.microsoft.com/office/drawing/2014/main" id="{07E4294B-F9AC-5C9F-170E-1C08AF5F961D}"/>
               </a:ext>
             </a:extLst>
           </p:cNvPr>
-          <p:cNvSpPr txBox="1"/>
+          <p:cNvGrpSpPr/>
           <p:nvPr/>
-        </p:nvSpPr>
-        <p:spPr>
+        </p:nvGrpSpPr>
+        <p:grpSpPr>
           <a:xfrm>
-            <a:off x="8726500" y="2440562"/>
-            <a:ext cx="425263" cy="369332"/>
+            <a:off x="8204543" y="2477506"/>
+            <a:ext cx="1017917" cy="834948"/>
+            <a:chOff x="8232251" y="2440562"/>
+            <a:chExt cx="1017917" cy="834948"/>
           </a:xfrm>
-          <a:prstGeom prst="rect">
-            <a:avLst/>
-          </a:prstGeom>
-          <a:noFill/>
-          <a:scene3d>
-            <a:camera prst="isometricOffAxis1Right"/>
-            <a:lightRig rig="threePt" dir="t"/>
-          </a:scene3d>
-        </p:spPr>
-        <p:txBody>
-          <a:bodyPr wrap="square">
-            <a:spAutoFit/>
-          </a:bodyPr>
-          <a:lstStyle/>
-          <a:p>
-            <a:r>
-              <a:rPr lang="en-AU" dirty="0">
-                <a:solidFill>
-                  <a:schemeClr val="accent6">
-                    <a:lumMod val="50000"/>
-                  </a:schemeClr>
-                </a:solidFill>
-              </a:rPr>
-              <a:t>⑩</a:t>
-            </a:r>
-          </a:p>
-        </p:txBody>
-      </p:sp>
+        </p:grpSpPr>
+        <p:sp>
+          <p:nvSpPr>
+            <p:cNvPr id="29" name="Arrow: Left 28">
+              <a:extLst>
+                <a:ext uri="{FF2B5EF4-FFF2-40B4-BE49-F238E27FC236}">
+                  <a16:creationId xmlns:a16="http://schemas.microsoft.com/office/drawing/2014/main" id="{2BB6F345-C791-611E-88C2-09B40E46BB1D}"/>
+                </a:ext>
+              </a:extLst>
+            </p:cNvPr>
+            <p:cNvSpPr/>
+            <p:nvPr/>
+          </p:nvSpPr>
+          <p:spPr>
+            <a:xfrm>
+              <a:off x="8232251" y="2626215"/>
+              <a:ext cx="1017917" cy="649295"/>
+            </a:xfrm>
+            <a:prstGeom prst="leftArrow">
+              <a:avLst/>
+            </a:prstGeom>
+            <a:gradFill flip="none" rotWithShape="1">
+              <a:gsLst>
+                <a:gs pos="0">
+                  <a:srgbClr val="E4D0F5"/>
+                </a:gs>
+                <a:gs pos="100000">
+                  <a:srgbClr val="B4DD98"/>
+                </a:gs>
+              </a:gsLst>
+              <a:lin ang="0" scaled="1"/>
+              <a:tileRect/>
+            </a:gradFill>
+            <a:scene3d>
+              <a:camera prst="isometricOffAxis2Top">
+                <a:rot lat="1155408" lon="3076870" rev="21460309"/>
+              </a:camera>
+              <a:lightRig rig="threePt" dir="t"/>
+            </a:scene3d>
+            <a:sp3d extrusionH="165100">
+              <a:extrusionClr>
+                <a:schemeClr val="accent6">
+                  <a:lumMod val="50000"/>
+                </a:schemeClr>
+              </a:extrusionClr>
+            </a:sp3d>
+          </p:spPr>
+          <p:style>
+            <a:lnRef idx="2">
+              <a:schemeClr val="accent1">
+                <a:shade val="50000"/>
+              </a:schemeClr>
+            </a:lnRef>
+            <a:fillRef idx="1">
+              <a:schemeClr val="accent1"/>
+            </a:fillRef>
+            <a:effectRef idx="0">
+              <a:schemeClr val="accent1"/>
+            </a:effectRef>
+            <a:fontRef idx="minor">
+              <a:schemeClr val="lt1"/>
+            </a:fontRef>
+          </p:style>
+          <p:txBody>
+            <a:bodyPr rtlCol="0" anchor="ctr"/>
+            <a:lstStyle/>
+            <a:p>
+              <a:pPr algn="ctr"/>
+              <a:r>
+                <a:rPr lang="en-AU" sz="1200" dirty="0">
+                  <a:solidFill>
+                    <a:schemeClr val="tx1"/>
+                  </a:solidFill>
+                </a:rPr>
+                <a:t>Predicate</a:t>
+              </a:r>
+            </a:p>
+            <a:p>
+              <a:pPr algn="ctr"/>
+              <a:r>
+                <a:rPr lang="en-AU" sz="1200" dirty="0">
+                  <a:solidFill>
+                    <a:schemeClr val="tx1"/>
+                  </a:solidFill>
+                </a:rPr>
+                <a:t>pushdown</a:t>
+              </a:r>
+            </a:p>
+          </p:txBody>
+        </p:sp>
+        <p:sp>
+          <p:nvSpPr>
+            <p:cNvPr id="45" name="TextBox 44">
+              <a:extLst>
+                <a:ext uri="{FF2B5EF4-FFF2-40B4-BE49-F238E27FC236}">
+                  <a16:creationId xmlns:a16="http://schemas.microsoft.com/office/drawing/2014/main" id="{55B7E5EE-29CE-A124-D77A-2604FC4C609E}"/>
+                </a:ext>
+              </a:extLst>
+            </p:cNvPr>
+            <p:cNvSpPr txBox="1"/>
+            <p:nvPr/>
+          </p:nvSpPr>
+          <p:spPr>
+            <a:xfrm>
+              <a:off x="8726500" y="2440562"/>
+              <a:ext cx="425263" cy="369332"/>
+            </a:xfrm>
+            <a:prstGeom prst="rect">
+              <a:avLst/>
+            </a:prstGeom>
+            <a:noFill/>
+            <a:scene3d>
+              <a:camera prst="isometricOffAxis1Right"/>
+              <a:lightRig rig="threePt" dir="t"/>
+            </a:scene3d>
+          </p:spPr>
+          <p:txBody>
+            <a:bodyPr wrap="square">
+              <a:spAutoFit/>
+            </a:bodyPr>
+            <a:lstStyle/>
+            <a:p>
+              <a:r>
+                <a:rPr lang="en-AU" dirty="0">
+                  <a:solidFill>
+                    <a:schemeClr val="accent6">
+                      <a:lumMod val="50000"/>
+                    </a:schemeClr>
+                  </a:solidFill>
+                </a:rPr>
+                <a:t>⑩</a:t>
+              </a:r>
+            </a:p>
+          </p:txBody>
+        </p:sp>
+      </p:grpSp>
       <p:sp>
         <p:nvSpPr>
           <p:cNvPr id="48" name="TextBox 47">
@@ -28754,7 +29273,7 @@
         </p:nvSpPr>
         <p:spPr>
           <a:xfrm>
-            <a:off x="5353948" y="6066917"/>
+            <a:off x="5214100" y="6119454"/>
             <a:ext cx="1589113" cy="523220"/>
           </a:xfrm>
           <a:prstGeom prst="rect">
@@ -28834,50 +29353,44 @@
         </p:nvSpPr>
         <p:spPr>
           <a:xfrm>
-            <a:off x="1040144" y="4475998"/>
-            <a:ext cx="3816343" cy="2062103"/>
+            <a:off x="982836" y="4736812"/>
+            <a:ext cx="3816343" cy="1323439"/>
           </a:xfrm>
           <a:custGeom>
             <a:avLst/>
             <a:gdLst>
               <a:gd name="connsiteX0" fmla="*/ 0 w 3816343"/>
-              <a:gd name="connsiteY0" fmla="*/ 0 h 2062103"/>
+              <a:gd name="connsiteY0" fmla="*/ 0 h 1323439"/>
               <a:gd name="connsiteX1" fmla="*/ 636057 w 3816343"/>
-              <a:gd name="connsiteY1" fmla="*/ 0 h 2062103"/>
+              <a:gd name="connsiteY1" fmla="*/ 0 h 1323439"/>
               <a:gd name="connsiteX2" fmla="*/ 1157624 w 3816343"/>
-              <a:gd name="connsiteY2" fmla="*/ 0 h 2062103"/>
+              <a:gd name="connsiteY2" fmla="*/ 0 h 1323439"/>
               <a:gd name="connsiteX3" fmla="*/ 1717354 w 3816343"/>
-              <a:gd name="connsiteY3" fmla="*/ 0 h 2062103"/>
+              <a:gd name="connsiteY3" fmla="*/ 0 h 1323439"/>
               <a:gd name="connsiteX4" fmla="*/ 2391575 w 3816343"/>
-              <a:gd name="connsiteY4" fmla="*/ 0 h 2062103"/>
+              <a:gd name="connsiteY4" fmla="*/ 0 h 1323439"/>
               <a:gd name="connsiteX5" fmla="*/ 2989469 w 3816343"/>
-              <a:gd name="connsiteY5" fmla="*/ 0 h 2062103"/>
+              <a:gd name="connsiteY5" fmla="*/ 0 h 1323439"/>
               <a:gd name="connsiteX6" fmla="*/ 3816343 w 3816343"/>
-              <a:gd name="connsiteY6" fmla="*/ 0 h 2062103"/>
+              <a:gd name="connsiteY6" fmla="*/ 0 h 1323439"/>
               <a:gd name="connsiteX7" fmla="*/ 3816343 w 3816343"/>
-              <a:gd name="connsiteY7" fmla="*/ 666747 h 2062103"/>
+              <a:gd name="connsiteY7" fmla="*/ 648485 h 1323439"/>
               <a:gd name="connsiteX8" fmla="*/ 3816343 w 3816343"/>
-              <a:gd name="connsiteY8" fmla="*/ 1354114 h 2062103"/>
-              <a:gd name="connsiteX9" fmla="*/ 3816343 w 3816343"/>
-              <a:gd name="connsiteY9" fmla="*/ 2062103 h 2062103"/>
-              <a:gd name="connsiteX10" fmla="*/ 3218449 w 3816343"/>
-              <a:gd name="connsiteY10" fmla="*/ 2062103 h 2062103"/>
-              <a:gd name="connsiteX11" fmla="*/ 2582392 w 3816343"/>
-              <a:gd name="connsiteY11" fmla="*/ 2062103 h 2062103"/>
-              <a:gd name="connsiteX12" fmla="*/ 1908172 w 3816343"/>
-              <a:gd name="connsiteY12" fmla="*/ 2062103 h 2062103"/>
-              <a:gd name="connsiteX13" fmla="*/ 1195787 w 3816343"/>
-              <a:gd name="connsiteY13" fmla="*/ 2062103 h 2062103"/>
-              <a:gd name="connsiteX14" fmla="*/ 597894 w 3816343"/>
-              <a:gd name="connsiteY14" fmla="*/ 2062103 h 2062103"/>
+              <a:gd name="connsiteY8" fmla="*/ 1323439 h 1323439"/>
+              <a:gd name="connsiteX9" fmla="*/ 3142122 w 3816343"/>
+              <a:gd name="connsiteY9" fmla="*/ 1323439 h 1323439"/>
+              <a:gd name="connsiteX10" fmla="*/ 2506065 w 3816343"/>
+              <a:gd name="connsiteY10" fmla="*/ 1323439 h 1323439"/>
+              <a:gd name="connsiteX11" fmla="*/ 1870008 w 3816343"/>
+              <a:gd name="connsiteY11" fmla="*/ 1323439 h 1323439"/>
+              <a:gd name="connsiteX12" fmla="*/ 1195787 w 3816343"/>
+              <a:gd name="connsiteY12" fmla="*/ 1323439 h 1323439"/>
+              <a:gd name="connsiteX13" fmla="*/ 0 w 3816343"/>
+              <a:gd name="connsiteY13" fmla="*/ 1323439 h 1323439"/>
+              <a:gd name="connsiteX14" fmla="*/ 0 w 3816343"/>
+              <a:gd name="connsiteY14" fmla="*/ 674954 h 1323439"/>
               <a:gd name="connsiteX15" fmla="*/ 0 w 3816343"/>
-              <a:gd name="connsiteY15" fmla="*/ 2062103 h 2062103"/>
-              <a:gd name="connsiteX16" fmla="*/ 0 w 3816343"/>
-              <a:gd name="connsiteY16" fmla="*/ 1415977 h 2062103"/>
-              <a:gd name="connsiteX17" fmla="*/ 0 w 3816343"/>
-              <a:gd name="connsiteY17" fmla="*/ 749231 h 2062103"/>
-              <a:gd name="connsiteX18" fmla="*/ 0 w 3816343"/>
-              <a:gd name="connsiteY18" fmla="*/ 0 h 2062103"/>
+              <a:gd name="connsiteY15" fmla="*/ 0 h 1323439"/>
             </a:gdLst>
             <a:ahLst/>
             <a:cxnLst>
@@ -28929,19 +29442,10 @@
               <a:cxn ang="0">
                 <a:pos x="connsiteX15" y="connsiteY15"/>
               </a:cxn>
-              <a:cxn ang="0">
-                <a:pos x="connsiteX16" y="connsiteY16"/>
-              </a:cxn>
-              <a:cxn ang="0">
-                <a:pos x="connsiteX17" y="connsiteY17"/>
-              </a:cxn>
-              <a:cxn ang="0">
-                <a:pos x="connsiteX18" y="connsiteY18"/>
-              </a:cxn>
             </a:cxnLst>
             <a:rect l="l" t="t" r="r" b="b"/>
             <a:pathLst>
-              <a:path w="3816343" h="2062103" extrusionOk="0">
+              <a:path w="3816343" h="1323439" extrusionOk="0">
                 <a:moveTo>
                   <a:pt x="0" y="0"/>
                 </a:moveTo>
@@ -28976,63 +29480,48 @@
                   <a:pt x="3816343" y="0"/>
                 </a:cubicBezTo>
                 <a:cubicBezTo>
-                  <a:pt x="3815604" y="223404"/>
-                  <a:pt x="3801012" y="411965"/>
-                  <a:pt x="3816343" y="666747"/>
+                  <a:pt x="3789681" y="276293"/>
+                  <a:pt x="3786216" y="395989"/>
+                  <a:pt x="3816343" y="648485"/>
                 </a:cubicBezTo>
                 <a:cubicBezTo>
-                  <a:pt x="3831674" y="921529"/>
-                  <a:pt x="3839722" y="1138524"/>
-                  <a:pt x="3816343" y="1354114"/>
+                  <a:pt x="3846470" y="900981"/>
+                  <a:pt x="3793153" y="1048401"/>
+                  <a:pt x="3816343" y="1323439"/>
                 </a:cubicBezTo>
                 <a:cubicBezTo>
-                  <a:pt x="3792964" y="1569704"/>
-                  <a:pt x="3805001" y="1772471"/>
-                  <a:pt x="3816343" y="2062103"/>
+                  <a:pt x="3572965" y="1353724"/>
+                  <a:pt x="3438424" y="1313306"/>
+                  <a:pt x="3142122" y="1323439"/>
                 </a:cubicBezTo>
                 <a:cubicBezTo>
-                  <a:pt x="3663356" y="2055983"/>
-                  <a:pt x="3415419" y="2080343"/>
-                  <a:pt x="3218449" y="2062103"/>
+                  <a:pt x="2845820" y="1333572"/>
+                  <a:pt x="2768694" y="1303775"/>
+                  <a:pt x="2506065" y="1323439"/>
                 </a:cubicBezTo>
                 <a:cubicBezTo>
-                  <a:pt x="3021479" y="2043863"/>
-                  <a:pt x="2889632" y="2056654"/>
-                  <a:pt x="2582392" y="2062103"/>
+                  <a:pt x="2243436" y="1343103"/>
+                  <a:pt x="2177248" y="1317990"/>
+                  <a:pt x="1870008" y="1323439"/>
                 </a:cubicBezTo>
                 <a:cubicBezTo>
-                  <a:pt x="2275152" y="2067552"/>
-                  <a:pt x="2131718" y="2094788"/>
-                  <a:pt x="1908172" y="2062103"/>
+                  <a:pt x="1562768" y="1328888"/>
+                  <a:pt x="1421905" y="1293950"/>
+                  <a:pt x="1195787" y="1323439"/>
                 </a:cubicBezTo>
                 <a:cubicBezTo>
-                  <a:pt x="1684626" y="2029418"/>
-                  <a:pt x="1345722" y="2067464"/>
-                  <a:pt x="1195787" y="2062103"/>
+                  <a:pt x="969669" y="1352928"/>
+                  <a:pt x="492384" y="1374725"/>
+                  <a:pt x="0" y="1323439"/>
                 </a:cubicBezTo>
                 <a:cubicBezTo>
-                  <a:pt x="1045852" y="2056742"/>
-                  <a:pt x="736427" y="2089601"/>
-                  <a:pt x="597894" y="2062103"/>
+                  <a:pt x="22533" y="1016785"/>
+                  <a:pt x="-8778" y="991605"/>
+                  <a:pt x="0" y="674954"/>
                 </a:cubicBezTo>
                 <a:cubicBezTo>
-                  <a:pt x="459361" y="2034605"/>
-                  <a:pt x="294105" y="2040660"/>
-                  <a:pt x="0" y="2062103"/>
-                </a:cubicBezTo>
-                <a:cubicBezTo>
-                  <a:pt x="-3138" y="1895705"/>
-                  <a:pt x="13860" y="1690611"/>
-                  <a:pt x="0" y="1415977"/>
-                </a:cubicBezTo>
-                <a:cubicBezTo>
-                  <a:pt x="-13860" y="1141343"/>
-                  <a:pt x="27302" y="1024832"/>
-                  <a:pt x="0" y="749231"/>
-                </a:cubicBezTo>
-                <a:cubicBezTo>
-                  <a:pt x="-27302" y="473630"/>
-                  <a:pt x="-8872" y="285774"/>
+                  <a:pt x="8778" y="358303"/>
+                  <a:pt x="-12798" y="205810"/>
                   <a:pt x="0" y="0"/>
                 </a:cubicBezTo>
                 <a:close/>
@@ -29093,500 +29582,162 @@
               <a:t>⑰ Case Studies</a:t>
             </a:r>
           </a:p>
-          <a:p>
-            <a:r>
-              <a:rPr lang="en-AU" sz="2400" dirty="0"/>
-              <a:t>㉛</a:t>
-            </a:r>
-            <a:r>
-              <a:rPr lang="en-AU" sz="2000" dirty="0"/>
-              <a:t>  Deductive Database</a:t>
-            </a:r>
-            <a:br>
-              <a:rPr lang="en-AU" sz="2000" dirty="0"/>
-            </a:br>
-            <a:r>
-              <a:rPr lang="en-AU" sz="2400" dirty="0"/>
-              <a:t>㉜</a:t>
-            </a:r>
-            <a:r>
-              <a:rPr lang="en-AU" sz="2000" dirty="0"/>
-              <a:t>  Constraint Database </a:t>
-            </a:r>
-          </a:p>
         </p:txBody>
       </p:sp>
-      <p:sp>
-        <p:nvSpPr>
-          <p:cNvPr id="28" name="TextBox 27">
+      <p:grpSp>
+        <p:nvGrpSpPr>
+          <p:cNvPr id="69" name="Group 68">
             <a:extLst>
               <a:ext uri="{FF2B5EF4-FFF2-40B4-BE49-F238E27FC236}">
-                <a16:creationId xmlns:a16="http://schemas.microsoft.com/office/drawing/2014/main" id="{F697C91D-4BBE-E97C-6DB6-F23CCBE4E283}"/>
+                <a16:creationId xmlns:a16="http://schemas.microsoft.com/office/drawing/2014/main" id="{EBA52CD0-BF22-EDBA-6255-69559432BCA0}"/>
               </a:ext>
             </a:extLst>
           </p:cNvPr>
-          <p:cNvSpPr txBox="1"/>
+          <p:cNvGrpSpPr/>
           <p:nvPr/>
-        </p:nvSpPr>
-        <p:spPr>
+        </p:nvGrpSpPr>
+        <p:grpSpPr>
           <a:xfrm>
-            <a:off x="-6314382" y="4814553"/>
-            <a:ext cx="6094562" cy="1384995"/>
+            <a:off x="9330373" y="2290218"/>
+            <a:ext cx="1017917" cy="828540"/>
+            <a:chOff x="9358081" y="2253274"/>
+            <a:chExt cx="1017917" cy="828540"/>
           </a:xfrm>
-          <a:prstGeom prst="rect">
-            <a:avLst/>
-          </a:prstGeom>
-          <a:solidFill>
-            <a:schemeClr val="tx1"/>
-          </a:solidFill>
-        </p:spPr>
-        <p:txBody>
-          <a:bodyPr wrap="square">
-            <a:spAutoFit/>
-          </a:bodyPr>
-          <a:lstStyle/>
-          <a:p>
-            <a:r>
-              <a:rPr lang="en-AU" dirty="0">
-                <a:solidFill>
-                  <a:schemeClr val="bg1"/>
-                </a:solidFill>
-              </a:rPr>
-              <a:t>⓪</a:t>
-            </a:r>
-            <a:r>
-              <a:rPr lang="en-AU" b="0" i="0" dirty="0">
-                <a:solidFill>
-                  <a:schemeClr val="bg1"/>
-                </a:solidFill>
-                <a:effectLst/>
-                <a:latin typeface="Arial" panose="020B0604020202020204" pitchFamily="34" charset="0"/>
-              </a:rPr>
-              <a:t> </a:t>
-            </a:r>
-            <a:r>
-              <a:rPr lang="en-AU" dirty="0">
-                <a:solidFill>
-                  <a:schemeClr val="bg1"/>
-                </a:solidFill>
-              </a:rPr>
-              <a:t>①</a:t>
-            </a:r>
-            <a:r>
-              <a:rPr lang="en-AU" b="0" i="0" dirty="0">
-                <a:solidFill>
-                  <a:schemeClr val="bg1"/>
-                </a:solidFill>
-                <a:effectLst/>
-                <a:latin typeface="Arial" panose="020B0604020202020204" pitchFamily="34" charset="0"/>
-              </a:rPr>
-              <a:t> </a:t>
-            </a:r>
-            <a:r>
-              <a:rPr lang="en-AU" dirty="0">
-                <a:solidFill>
-                  <a:schemeClr val="bg1"/>
-                </a:solidFill>
-              </a:rPr>
-              <a:t>②</a:t>
-            </a:r>
-            <a:r>
-              <a:rPr lang="en-AU" b="0" i="0" dirty="0">
-                <a:solidFill>
-                  <a:schemeClr val="bg1"/>
-                </a:solidFill>
-                <a:effectLst/>
-                <a:latin typeface="Arial" panose="020B0604020202020204" pitchFamily="34" charset="0"/>
-              </a:rPr>
-              <a:t> </a:t>
-            </a:r>
-            <a:r>
-              <a:rPr lang="en-AU" dirty="0">
-                <a:solidFill>
-                  <a:schemeClr val="bg1"/>
-                </a:solidFill>
-              </a:rPr>
-              <a:t>③</a:t>
-            </a:r>
-            <a:r>
-              <a:rPr lang="en-AU" b="0" i="0" dirty="0">
-                <a:solidFill>
-                  <a:schemeClr val="bg1"/>
-                </a:solidFill>
-                <a:effectLst/>
-                <a:latin typeface="Arial" panose="020B0604020202020204" pitchFamily="34" charset="0"/>
-              </a:rPr>
-              <a:t> </a:t>
-            </a:r>
-            <a:r>
-              <a:rPr lang="en-AU" dirty="0">
-                <a:solidFill>
-                  <a:schemeClr val="bg1"/>
-                </a:solidFill>
-              </a:rPr>
-              <a:t>④</a:t>
-            </a:r>
-            <a:r>
-              <a:rPr lang="en-AU" b="0" i="0" dirty="0">
-                <a:solidFill>
-                  <a:schemeClr val="bg1"/>
-                </a:solidFill>
-                <a:effectLst/>
-                <a:latin typeface="Arial" panose="020B0604020202020204" pitchFamily="34" charset="0"/>
-              </a:rPr>
-              <a:t> </a:t>
-            </a:r>
-            <a:r>
-              <a:rPr lang="en-AU" dirty="0">
-                <a:solidFill>
-                  <a:schemeClr val="bg1"/>
-                </a:solidFill>
-              </a:rPr>
-              <a:t>⑤</a:t>
-            </a:r>
-            <a:r>
-              <a:rPr lang="en-AU" b="0" i="0" dirty="0">
-                <a:solidFill>
-                  <a:schemeClr val="bg1"/>
-                </a:solidFill>
-                <a:effectLst/>
-                <a:latin typeface="Arial" panose="020B0604020202020204" pitchFamily="34" charset="0"/>
-              </a:rPr>
-              <a:t> </a:t>
-            </a:r>
-            <a:r>
-              <a:rPr lang="en-AU" dirty="0">
-                <a:solidFill>
-                  <a:schemeClr val="bg1"/>
-                </a:solidFill>
-              </a:rPr>
-              <a:t>⑥</a:t>
-            </a:r>
-            <a:r>
-              <a:rPr lang="en-AU" b="0" i="0" dirty="0">
-                <a:solidFill>
-                  <a:schemeClr val="bg1"/>
-                </a:solidFill>
-                <a:effectLst/>
-                <a:latin typeface="Arial" panose="020B0604020202020204" pitchFamily="34" charset="0"/>
-              </a:rPr>
-              <a:t> </a:t>
-            </a:r>
-            <a:r>
-              <a:rPr lang="en-AU" dirty="0">
-                <a:solidFill>
-                  <a:schemeClr val="bg1"/>
-                </a:solidFill>
-              </a:rPr>
-              <a:t>⑦</a:t>
-            </a:r>
-            <a:r>
-              <a:rPr lang="en-AU" b="0" i="0" dirty="0">
-                <a:solidFill>
-                  <a:schemeClr val="bg1"/>
-                </a:solidFill>
-                <a:effectLst/>
-                <a:latin typeface="Arial" panose="020B0604020202020204" pitchFamily="34" charset="0"/>
-              </a:rPr>
-              <a:t> </a:t>
-            </a:r>
-            <a:r>
-              <a:rPr lang="en-AU" dirty="0">
-                <a:solidFill>
-                  <a:schemeClr val="bg1"/>
-                </a:solidFill>
-              </a:rPr>
-              <a:t>⑧</a:t>
-            </a:r>
-            <a:r>
-              <a:rPr lang="en-AU" b="0" i="0" dirty="0">
-                <a:solidFill>
-                  <a:schemeClr val="bg1"/>
-                </a:solidFill>
-                <a:effectLst/>
-                <a:latin typeface="Arial" panose="020B0604020202020204" pitchFamily="34" charset="0"/>
-              </a:rPr>
-              <a:t> </a:t>
-            </a:r>
-            <a:r>
-              <a:rPr lang="en-AU" dirty="0">
-                <a:solidFill>
-                  <a:schemeClr val="bg1"/>
-                </a:solidFill>
-              </a:rPr>
-              <a:t>⑨</a:t>
-            </a:r>
-            <a:r>
-              <a:rPr lang="en-AU" b="0" i="0" dirty="0">
-                <a:solidFill>
-                  <a:schemeClr val="bg1"/>
-                </a:solidFill>
-                <a:effectLst/>
-                <a:latin typeface="Arial" panose="020B0604020202020204" pitchFamily="34" charset="0"/>
-              </a:rPr>
-              <a:t> </a:t>
-            </a:r>
-            <a:r>
-              <a:rPr lang="en-AU" dirty="0">
-                <a:solidFill>
-                  <a:schemeClr val="bg1"/>
-                </a:solidFill>
-              </a:rPr>
-              <a:t>⑩</a:t>
-            </a:r>
-            <a:r>
-              <a:rPr lang="en-AU" b="0" i="0" dirty="0">
-                <a:solidFill>
-                  <a:schemeClr val="bg1"/>
-                </a:solidFill>
-                <a:effectLst/>
-                <a:latin typeface="Arial" panose="020B0604020202020204" pitchFamily="34" charset="0"/>
-              </a:rPr>
-              <a:t> </a:t>
-            </a:r>
-            <a:r>
-              <a:rPr lang="en-AU" dirty="0">
-                <a:solidFill>
-                  <a:schemeClr val="bg1"/>
-                </a:solidFill>
-              </a:rPr>
-              <a:t>⑪</a:t>
-            </a:r>
-            <a:r>
-              <a:rPr lang="en-AU" b="0" i="0" dirty="0">
-                <a:solidFill>
-                  <a:schemeClr val="bg1"/>
-                </a:solidFill>
-                <a:effectLst/>
-                <a:latin typeface="Arial" panose="020B0604020202020204" pitchFamily="34" charset="0"/>
-              </a:rPr>
-              <a:t> </a:t>
-            </a:r>
-            <a:r>
-              <a:rPr lang="en-AU" dirty="0">
-                <a:solidFill>
-                  <a:schemeClr val="bg1"/>
-                </a:solidFill>
-              </a:rPr>
-              <a:t>⑫</a:t>
-            </a:r>
-            <a:r>
-              <a:rPr lang="en-AU" b="0" i="0" dirty="0">
-                <a:solidFill>
-                  <a:schemeClr val="bg1"/>
-                </a:solidFill>
-                <a:effectLst/>
-                <a:latin typeface="Arial" panose="020B0604020202020204" pitchFamily="34" charset="0"/>
-              </a:rPr>
-              <a:t> </a:t>
-            </a:r>
-            <a:r>
-              <a:rPr lang="en-AU" dirty="0">
-                <a:solidFill>
-                  <a:schemeClr val="bg1"/>
-                </a:solidFill>
-              </a:rPr>
-              <a:t>⑬</a:t>
-            </a:r>
-            <a:r>
-              <a:rPr lang="en-AU" b="0" i="0" dirty="0">
-                <a:solidFill>
-                  <a:schemeClr val="bg1"/>
-                </a:solidFill>
-                <a:effectLst/>
-                <a:latin typeface="Arial" panose="020B0604020202020204" pitchFamily="34" charset="0"/>
-              </a:rPr>
-              <a:t> </a:t>
-            </a:r>
-            <a:r>
-              <a:rPr lang="en-AU" dirty="0">
-                <a:solidFill>
-                  <a:schemeClr val="bg1"/>
-                </a:solidFill>
-              </a:rPr>
-              <a:t>⑭</a:t>
-            </a:r>
-            <a:r>
-              <a:rPr lang="en-AU" b="0" i="0" dirty="0">
-                <a:solidFill>
-                  <a:schemeClr val="bg1"/>
-                </a:solidFill>
-                <a:effectLst/>
-                <a:latin typeface="Arial" panose="020B0604020202020204" pitchFamily="34" charset="0"/>
-              </a:rPr>
-              <a:t> </a:t>
-            </a:r>
-            <a:r>
-              <a:rPr lang="en-AU" dirty="0">
-                <a:solidFill>
-                  <a:schemeClr val="bg1"/>
-                </a:solidFill>
-              </a:rPr>
-              <a:t>⑮</a:t>
-            </a:r>
-            <a:r>
-              <a:rPr lang="en-AU" b="0" i="0" dirty="0">
-                <a:solidFill>
-                  <a:schemeClr val="bg1"/>
-                </a:solidFill>
-                <a:effectLst/>
-                <a:latin typeface="Arial" panose="020B0604020202020204" pitchFamily="34" charset="0"/>
-              </a:rPr>
-              <a:t> </a:t>
-            </a:r>
-            <a:r>
-              <a:rPr lang="en-AU" dirty="0">
-                <a:solidFill>
-                  <a:schemeClr val="bg1"/>
-                </a:solidFill>
-              </a:rPr>
-              <a:t>⑯</a:t>
-            </a:r>
-            <a:r>
-              <a:rPr lang="en-AU" b="0" i="0" dirty="0">
-                <a:solidFill>
-                  <a:schemeClr val="bg1"/>
-                </a:solidFill>
-                <a:effectLst/>
-                <a:latin typeface="Arial" panose="020B0604020202020204" pitchFamily="34" charset="0"/>
-              </a:rPr>
-              <a:t> </a:t>
-            </a:r>
-            <a:r>
-              <a:rPr lang="en-AU" dirty="0">
-                <a:solidFill>
-                  <a:schemeClr val="bg1"/>
-                </a:solidFill>
-              </a:rPr>
-              <a:t>⑰</a:t>
-            </a:r>
-            <a:r>
-              <a:rPr lang="en-AU" b="0" i="0" dirty="0">
-                <a:solidFill>
-                  <a:schemeClr val="bg1"/>
-                </a:solidFill>
-                <a:effectLst/>
-                <a:latin typeface="Arial" panose="020B0604020202020204" pitchFamily="34" charset="0"/>
-              </a:rPr>
-              <a:t> </a:t>
-            </a:r>
-            <a:r>
-              <a:rPr lang="en-AU" dirty="0">
-                <a:solidFill>
-                  <a:schemeClr val="bg1"/>
-                </a:solidFill>
-              </a:rPr>
-              <a:t>⑱</a:t>
-            </a:r>
-            <a:r>
-              <a:rPr lang="en-AU" b="0" i="0" dirty="0">
-                <a:solidFill>
-                  <a:schemeClr val="bg1"/>
-                </a:solidFill>
-                <a:effectLst/>
-                <a:latin typeface="Arial" panose="020B0604020202020204" pitchFamily="34" charset="0"/>
-              </a:rPr>
-              <a:t> </a:t>
-            </a:r>
-            <a:r>
-              <a:rPr lang="en-AU" dirty="0">
-                <a:solidFill>
-                  <a:schemeClr val="bg1"/>
-                </a:solidFill>
-              </a:rPr>
-              <a:t>⑲</a:t>
-            </a:r>
-            <a:r>
-              <a:rPr lang="en-AU" b="0" i="0" dirty="0">
-                <a:solidFill>
-                  <a:schemeClr val="bg1"/>
-                </a:solidFill>
-                <a:effectLst/>
-                <a:latin typeface="Arial" panose="020B0604020202020204" pitchFamily="34" charset="0"/>
-              </a:rPr>
-              <a:t> </a:t>
-            </a:r>
-            <a:r>
-              <a:rPr lang="en-AU" dirty="0">
-                <a:solidFill>
-                  <a:schemeClr val="bg1"/>
-                </a:solidFill>
-              </a:rPr>
-              <a:t>⑳</a:t>
-            </a:r>
-            <a:r>
-              <a:rPr lang="en-AU" b="0" i="0" dirty="0">
-                <a:solidFill>
-                  <a:schemeClr val="bg1"/>
-                </a:solidFill>
-                <a:effectLst/>
-                <a:latin typeface="Arial" panose="020B0604020202020204" pitchFamily="34" charset="0"/>
-              </a:rPr>
-              <a:t> </a:t>
-            </a:r>
-            <a:r>
-              <a:rPr lang="en-AU" sz="2200" b="0" i="0" dirty="0">
-                <a:solidFill>
-                  <a:schemeClr val="bg1"/>
-                </a:solidFill>
-                <a:effectLst/>
-                <a:latin typeface="Arial" panose="020B0604020202020204" pitchFamily="34" charset="0"/>
-              </a:rPr>
-              <a:t>㉑ ㉒ ㉓ ㉔ ㉕ ㉖ ㉗ ㉘ ㉙ ㉚ ㉛ ㉜ ㉝ ㉞ ㉟ ㊱ ㊲ ㊳ ㊴ ㊵ ㊶ ㊷ ㊸ ㊹ ㊺ ㊻ ㊼ ㊽ ㊾ ㊿</a:t>
-            </a:r>
-            <a:endParaRPr lang="en-AU" sz="2200" dirty="0">
-              <a:solidFill>
-                <a:schemeClr val="bg1"/>
-              </a:solidFill>
-            </a:endParaRPr>
-          </a:p>
-        </p:txBody>
-      </p:sp>
-      <p:sp>
-        <p:nvSpPr>
-          <p:cNvPr id="38" name="TextBox 37">
-            <a:extLst>
-              <a:ext uri="{FF2B5EF4-FFF2-40B4-BE49-F238E27FC236}">
-                <a16:creationId xmlns:a16="http://schemas.microsoft.com/office/drawing/2014/main" id="{9868545D-2AF8-5C62-DC95-8AAE0E6325A2}"/>
-              </a:ext>
-            </a:extLst>
-          </p:cNvPr>
-          <p:cNvSpPr txBox="1"/>
-          <p:nvPr/>
-        </p:nvSpPr>
-        <p:spPr>
-          <a:xfrm>
-            <a:off x="9867039" y="2253274"/>
-            <a:ext cx="425263" cy="369332"/>
-          </a:xfrm>
-          <a:prstGeom prst="rect">
-            <a:avLst/>
-          </a:prstGeom>
-          <a:noFill/>
-          <a:scene3d>
-            <a:camera prst="isometricOffAxis1Right"/>
-            <a:lightRig rig="threePt" dir="t"/>
-          </a:scene3d>
-        </p:spPr>
-        <p:txBody>
-          <a:bodyPr wrap="square">
-            <a:spAutoFit/>
-          </a:bodyPr>
-          <a:lstStyle/>
-          <a:p>
-            <a:r>
-              <a:rPr lang="en-AU" dirty="0">
-                <a:solidFill>
-                  <a:schemeClr val="accent6">
-                    <a:lumMod val="50000"/>
-                  </a:schemeClr>
-                </a:solidFill>
-              </a:rPr>
-              <a:t>⑳</a:t>
-            </a:r>
-          </a:p>
-        </p:txBody>
-      </p:sp>
+        </p:grpSpPr>
+        <p:sp>
+          <p:nvSpPr>
+            <p:cNvPr id="30" name="Arrow: Left 29">
+              <a:extLst>
+                <a:ext uri="{FF2B5EF4-FFF2-40B4-BE49-F238E27FC236}">
+                  <a16:creationId xmlns:a16="http://schemas.microsoft.com/office/drawing/2014/main" id="{78ACCB1D-9980-0982-BBBD-943BF2B7EDC1}"/>
+                </a:ext>
+              </a:extLst>
+            </p:cNvPr>
+            <p:cNvSpPr/>
+            <p:nvPr/>
+          </p:nvSpPr>
+          <p:spPr>
+            <a:xfrm>
+              <a:off x="9358081" y="2432519"/>
+              <a:ext cx="1017917" cy="649295"/>
+            </a:xfrm>
+            <a:prstGeom prst="leftArrow">
+              <a:avLst/>
+            </a:prstGeom>
+            <a:gradFill>
+              <a:gsLst>
+                <a:gs pos="0">
+                  <a:srgbClr val="E4D0F5"/>
+                </a:gs>
+                <a:gs pos="100000">
+                  <a:srgbClr val="B4DD98"/>
+                </a:gs>
+              </a:gsLst>
+              <a:lin ang="0" scaled="1"/>
+            </a:gradFill>
+            <a:scene3d>
+              <a:camera prst="isometricOffAxis2Top">
+                <a:rot lat="1155408" lon="3076870" rev="21460309"/>
+              </a:camera>
+              <a:lightRig rig="threePt" dir="t"/>
+            </a:scene3d>
+            <a:sp3d extrusionH="165100">
+              <a:extrusionClr>
+                <a:schemeClr val="accent6">
+                  <a:lumMod val="50000"/>
+                </a:schemeClr>
+              </a:extrusionClr>
+            </a:sp3d>
+          </p:spPr>
+          <p:style>
+            <a:lnRef idx="2">
+              <a:schemeClr val="accent1">
+                <a:shade val="50000"/>
+              </a:schemeClr>
+            </a:lnRef>
+            <a:fillRef idx="1">
+              <a:schemeClr val="accent1"/>
+            </a:fillRef>
+            <a:effectRef idx="0">
+              <a:schemeClr val="accent1"/>
+            </a:effectRef>
+            <a:fontRef idx="minor">
+              <a:schemeClr val="lt1"/>
+            </a:fontRef>
+          </p:style>
+          <p:txBody>
+            <a:bodyPr rtlCol="0" anchor="ctr"/>
+            <a:lstStyle/>
+            <a:p>
+              <a:pPr algn="ctr"/>
+              <a:r>
+                <a:rPr lang="en-AU" sz="1200" dirty="0">
+                  <a:solidFill>
+                    <a:schemeClr val="tx1"/>
+                  </a:solidFill>
+                </a:rPr>
+                <a:t>Join ⋈</a:t>
+              </a:r>
+            </a:p>
+            <a:p>
+              <a:pPr algn="ctr"/>
+              <a:r>
+                <a:rPr lang="en-AU" sz="1200" dirty="0">
+                  <a:solidFill>
+                    <a:schemeClr val="tx1"/>
+                  </a:solidFill>
+                </a:rPr>
+                <a:t>pushdown</a:t>
+              </a:r>
+            </a:p>
+          </p:txBody>
+        </p:sp>
+        <p:sp>
+          <p:nvSpPr>
+            <p:cNvPr id="38" name="TextBox 37">
+              <a:extLst>
+                <a:ext uri="{FF2B5EF4-FFF2-40B4-BE49-F238E27FC236}">
+                  <a16:creationId xmlns:a16="http://schemas.microsoft.com/office/drawing/2014/main" id="{9868545D-2AF8-5C62-DC95-8AAE0E6325A2}"/>
+                </a:ext>
+              </a:extLst>
+            </p:cNvPr>
+            <p:cNvSpPr txBox="1"/>
+            <p:nvPr/>
+          </p:nvSpPr>
+          <p:spPr>
+            <a:xfrm>
+              <a:off x="9867039" y="2253274"/>
+              <a:ext cx="425263" cy="369332"/>
+            </a:xfrm>
+            <a:prstGeom prst="rect">
+              <a:avLst/>
+            </a:prstGeom>
+            <a:noFill/>
+            <a:scene3d>
+              <a:camera prst="isometricOffAxis1Right"/>
+              <a:lightRig rig="threePt" dir="t"/>
+            </a:scene3d>
+          </p:spPr>
+          <p:txBody>
+            <a:bodyPr wrap="square">
+              <a:spAutoFit/>
+            </a:bodyPr>
+            <a:lstStyle/>
+            <a:p>
+              <a:r>
+                <a:rPr lang="en-AU" dirty="0">
+                  <a:solidFill>
+                    <a:schemeClr val="accent6">
+                      <a:lumMod val="50000"/>
+                    </a:schemeClr>
+                  </a:solidFill>
+                </a:rPr>
+                <a:t>⑳</a:t>
+              </a:r>
+            </a:p>
+          </p:txBody>
+        </p:sp>
+      </p:grpSp>
       <p:grpSp>
         <p:nvGrpSpPr>
           <p:cNvPr id="51" name="Group 50">
@@ -29945,27 +30096,27 @@
             <a:custGeom>
               <a:avLst/>
               <a:gdLst>
-                <a:gd name="connsiteX0" fmla="*/ 0 w 2360123"/>
+                <a:gd name="connsiteX0" fmla="*/ 0 w 2784839"/>
                 <a:gd name="connsiteY0" fmla="*/ 0 h 615553"/>
-                <a:gd name="connsiteX1" fmla="*/ 566430 w 2360123"/>
+                <a:gd name="connsiteX1" fmla="*/ 668361 w 2784839"/>
                 <a:gd name="connsiteY1" fmla="*/ 0 h 615553"/>
-                <a:gd name="connsiteX2" fmla="*/ 1085657 w 2360123"/>
+                <a:gd name="connsiteX2" fmla="*/ 1281026 w 2784839"/>
                 <a:gd name="connsiteY2" fmla="*/ 0 h 615553"/>
-                <a:gd name="connsiteX3" fmla="*/ 1722890 w 2360123"/>
+                <a:gd name="connsiteX3" fmla="*/ 2032932 w 2784839"/>
                 <a:gd name="connsiteY3" fmla="*/ 0 h 615553"/>
-                <a:gd name="connsiteX4" fmla="*/ 2360123 w 2360123"/>
+                <a:gd name="connsiteX4" fmla="*/ 2784839 w 2784839"/>
                 <a:gd name="connsiteY4" fmla="*/ 0 h 615553"/>
-                <a:gd name="connsiteX5" fmla="*/ 2360123 w 2360123"/>
+                <a:gd name="connsiteX5" fmla="*/ 2784839 w 2784839"/>
                 <a:gd name="connsiteY5" fmla="*/ 615553 h 615553"/>
-                <a:gd name="connsiteX6" fmla="*/ 1817295 w 2360123"/>
+                <a:gd name="connsiteX6" fmla="*/ 2144326 w 2784839"/>
                 <a:gd name="connsiteY6" fmla="*/ 615553 h 615553"/>
-                <a:gd name="connsiteX7" fmla="*/ 1274466 w 2360123"/>
+                <a:gd name="connsiteX7" fmla="*/ 1503813 w 2784839"/>
                 <a:gd name="connsiteY7" fmla="*/ 615553 h 615553"/>
-                <a:gd name="connsiteX8" fmla="*/ 637233 w 2360123"/>
+                <a:gd name="connsiteX8" fmla="*/ 751907 w 2784839"/>
                 <a:gd name="connsiteY8" fmla="*/ 615553 h 615553"/>
-                <a:gd name="connsiteX9" fmla="*/ 0 w 2360123"/>
+                <a:gd name="connsiteX9" fmla="*/ 0 w 2784839"/>
                 <a:gd name="connsiteY9" fmla="*/ 615553 h 615553"/>
-                <a:gd name="connsiteX10" fmla="*/ 0 w 2360123"/>
+                <a:gd name="connsiteX10" fmla="*/ 0 w 2784839"/>
                 <a:gd name="connsiteY10" fmla="*/ 0 h 615553"/>
               </a:gdLst>
               <a:ahLst/>
@@ -30006,53 +30157,53 @@
               </a:cxnLst>
               <a:rect l="l" t="t" r="r" b="b"/>
               <a:pathLst>
-                <a:path w="2360123" h="615553" extrusionOk="0">
+                <a:path w="2784839" h="615553" extrusionOk="0">
                   <a:moveTo>
                     <a:pt x="0" y="0"/>
                   </a:moveTo>
                   <a:cubicBezTo>
-                    <a:pt x="235871" y="5422"/>
-                    <a:pt x="385837" y="-20541"/>
-                    <a:pt x="566430" y="0"/>
+                    <a:pt x="313453" y="20220"/>
+                    <a:pt x="369632" y="12863"/>
+                    <a:pt x="668361" y="0"/>
                   </a:cubicBezTo>
                   <a:cubicBezTo>
-                    <a:pt x="747023" y="20541"/>
-                    <a:pt x="946120" y="-22509"/>
-                    <a:pt x="1085657" y="0"/>
+                    <a:pt x="967090" y="-12863"/>
+                    <a:pt x="1136330" y="-19479"/>
+                    <a:pt x="1281026" y="0"/>
                   </a:cubicBezTo>
                   <a:cubicBezTo>
-                    <a:pt x="1225194" y="22509"/>
-                    <a:pt x="1414277" y="6029"/>
-                    <a:pt x="1722890" y="0"/>
+                    <a:pt x="1425723" y="19479"/>
+                    <a:pt x="1860931" y="-7955"/>
+                    <a:pt x="2032932" y="0"/>
                   </a:cubicBezTo>
                   <a:cubicBezTo>
-                    <a:pt x="2031503" y="-6029"/>
-                    <a:pt x="2222219" y="16160"/>
-                    <a:pt x="2360123" y="0"/>
+                    <a:pt x="2204933" y="7955"/>
+                    <a:pt x="2544678" y="-24862"/>
+                    <a:pt x="2784839" y="0"/>
                   </a:cubicBezTo>
                   <a:cubicBezTo>
-                    <a:pt x="2375794" y="292674"/>
-                    <a:pt x="2364178" y="376191"/>
-                    <a:pt x="2360123" y="615553"/>
+                    <a:pt x="2800510" y="292674"/>
+                    <a:pt x="2788894" y="376191"/>
+                    <a:pt x="2784839" y="615553"/>
                   </a:cubicBezTo>
                   <a:cubicBezTo>
-                    <a:pt x="2121947" y="637869"/>
-                    <a:pt x="2017900" y="618577"/>
-                    <a:pt x="1817295" y="615553"/>
+                    <a:pt x="2590183" y="646073"/>
+                    <a:pt x="2380586" y="614650"/>
+                    <a:pt x="2144326" y="615553"/>
                   </a:cubicBezTo>
                   <a:cubicBezTo>
-                    <a:pt x="1616690" y="612529"/>
-                    <a:pt x="1397381" y="610192"/>
-                    <a:pt x="1274466" y="615553"/>
+                    <a:pt x="1908066" y="616456"/>
+                    <a:pt x="1823889" y="586111"/>
+                    <a:pt x="1503813" y="615553"/>
                   </a:cubicBezTo>
                   <a:cubicBezTo>
-                    <a:pt x="1151551" y="620914"/>
-                    <a:pt x="819532" y="634561"/>
-                    <a:pt x="637233" y="615553"/>
+                    <a:pt x="1183737" y="644995"/>
+                    <a:pt x="924794" y="593983"/>
+                    <a:pt x="751907" y="615553"/>
                   </a:cubicBezTo>
                   <a:cubicBezTo>
-                    <a:pt x="454934" y="596545"/>
-                    <a:pt x="273972" y="602867"/>
+                    <a:pt x="579020" y="637123"/>
+                    <a:pt x="340060" y="652411"/>
                     <a:pt x="0" y="615553"/>
                   </a:cubicBezTo>
                   <a:cubicBezTo>
@@ -30195,7 +30346,7 @@
         </p:nvSpPr>
         <p:spPr>
           <a:xfrm>
-            <a:off x="10525224" y="1401535"/>
+            <a:off x="10705271" y="1476739"/>
             <a:ext cx="1666776" cy="369332"/>
           </a:xfrm>
           <a:prstGeom prst="rect">
@@ -30410,41 +30561,6 @@
       </p:grpSp>
       <p:sp>
         <p:nvSpPr>
-          <p:cNvPr id="27" name="TextBox 26">
-            <a:extLst>
-              <a:ext uri="{FF2B5EF4-FFF2-40B4-BE49-F238E27FC236}">
-                <a16:creationId xmlns:a16="http://schemas.microsoft.com/office/drawing/2014/main" id="{2D141629-A1BA-ECCB-642E-853B91981066}"/>
-              </a:ext>
-            </a:extLst>
-          </p:cNvPr>
-          <p:cNvSpPr txBox="1"/>
-          <p:nvPr/>
-        </p:nvSpPr>
-        <p:spPr>
-          <a:xfrm>
-            <a:off x="83676" y="53437"/>
-            <a:ext cx="5848268" cy="461665"/>
-          </a:xfrm>
-          <a:prstGeom prst="rect">
-            <a:avLst/>
-          </a:prstGeom>
-          <a:noFill/>
-        </p:spPr>
-        <p:txBody>
-          <a:bodyPr wrap="none" rtlCol="0">
-            <a:spAutoFit/>
-          </a:bodyPr>
-          <a:lstStyle/>
-          <a:p>
-            <a:r>
-              <a:rPr lang="en-AU" sz="2400" dirty="0"/>
-              <a:t>Topics around Intensionally-defined Relations</a:t>
-            </a:r>
-          </a:p>
-        </p:txBody>
-      </p:sp>
-      <p:sp>
-        <p:nvSpPr>
           <p:cNvPr id="39" name="TextBox 38">
             <a:extLst>
               <a:ext uri="{FF2B5EF4-FFF2-40B4-BE49-F238E27FC236}">
@@ -30457,7 +30573,7 @@
         </p:nvSpPr>
         <p:spPr>
           <a:xfrm>
-            <a:off x="11103159" y="6530321"/>
+            <a:off x="10963311" y="6582858"/>
             <a:ext cx="785793" cy="184666"/>
           </a:xfrm>
           <a:prstGeom prst="rect">
@@ -30474,6 +30590,430 @@
             <a:r>
               <a:rPr lang="en-AU" sz="600" dirty="0"/>
               <a:t>David Pratten 2023</a:t>
+            </a:r>
+          </a:p>
+        </p:txBody>
+      </p:sp>
+      <p:grpSp>
+        <p:nvGrpSpPr>
+          <p:cNvPr id="68" name="Group 67">
+            <a:extLst>
+              <a:ext uri="{FF2B5EF4-FFF2-40B4-BE49-F238E27FC236}">
+                <a16:creationId xmlns:a16="http://schemas.microsoft.com/office/drawing/2014/main" id="{D105290D-DBE6-9DE5-D62E-E8B80BE48BD8}"/>
+              </a:ext>
+            </a:extLst>
+          </p:cNvPr>
+          <p:cNvGrpSpPr/>
+          <p:nvPr/>
+        </p:nvGrpSpPr>
+        <p:grpSpPr>
+          <a:xfrm>
+            <a:off x="10249770" y="2175586"/>
+            <a:ext cx="1108941" cy="828540"/>
+            <a:chOff x="10277478" y="2138642"/>
+            <a:chExt cx="1108941" cy="828540"/>
+          </a:xfrm>
+        </p:grpSpPr>
+        <p:sp>
+          <p:nvSpPr>
+            <p:cNvPr id="53" name="Arrow: Left 52">
+              <a:extLst>
+                <a:ext uri="{FF2B5EF4-FFF2-40B4-BE49-F238E27FC236}">
+                  <a16:creationId xmlns:a16="http://schemas.microsoft.com/office/drawing/2014/main" id="{10DC35E1-8A20-E1E8-7F86-3776E346707F}"/>
+                </a:ext>
+              </a:extLst>
+            </p:cNvPr>
+            <p:cNvSpPr/>
+            <p:nvPr/>
+          </p:nvSpPr>
+          <p:spPr>
+            <a:xfrm>
+              <a:off x="10277478" y="2317887"/>
+              <a:ext cx="1108941" cy="649295"/>
+            </a:xfrm>
+            <a:prstGeom prst="leftArrow">
+              <a:avLst/>
+            </a:prstGeom>
+            <a:gradFill>
+              <a:gsLst>
+                <a:gs pos="0">
+                  <a:srgbClr val="E4D0F5"/>
+                </a:gs>
+                <a:gs pos="100000">
+                  <a:srgbClr val="B4DD98"/>
+                </a:gs>
+              </a:gsLst>
+              <a:lin ang="0" scaled="1"/>
+            </a:gradFill>
+            <a:scene3d>
+              <a:camera prst="isometricOffAxis2Top">
+                <a:rot lat="1155408" lon="3076870" rev="21460309"/>
+              </a:camera>
+              <a:lightRig rig="threePt" dir="t"/>
+            </a:scene3d>
+            <a:sp3d extrusionH="165100">
+              <a:extrusionClr>
+                <a:schemeClr val="accent6">
+                  <a:lumMod val="50000"/>
+                </a:schemeClr>
+              </a:extrusionClr>
+            </a:sp3d>
+          </p:spPr>
+          <p:style>
+            <a:lnRef idx="2">
+              <a:schemeClr val="accent1">
+                <a:shade val="50000"/>
+              </a:schemeClr>
+            </a:lnRef>
+            <a:fillRef idx="1">
+              <a:schemeClr val="accent1"/>
+            </a:fillRef>
+            <a:effectRef idx="0">
+              <a:schemeClr val="accent1"/>
+            </a:effectRef>
+            <a:fontRef idx="minor">
+              <a:schemeClr val="lt1"/>
+            </a:fontRef>
+          </p:style>
+          <p:txBody>
+            <a:bodyPr rtlCol="0" anchor="ctr"/>
+            <a:lstStyle/>
+            <a:p>
+              <a:pPr algn="ctr"/>
+              <a:r>
+                <a:rPr lang="en-AU" sz="1200" dirty="0">
+                  <a:solidFill>
+                    <a:schemeClr val="tx1"/>
+                  </a:solidFill>
+                </a:rPr>
+                <a:t>Aggregation</a:t>
+              </a:r>
+            </a:p>
+            <a:p>
+              <a:pPr algn="ctr"/>
+              <a:r>
+                <a:rPr lang="en-AU" sz="1200" dirty="0">
+                  <a:solidFill>
+                    <a:schemeClr val="tx1"/>
+                  </a:solidFill>
+                </a:rPr>
+                <a:t>pushdown</a:t>
+              </a:r>
+            </a:p>
+          </p:txBody>
+        </p:sp>
+        <p:sp>
+          <p:nvSpPr>
+            <p:cNvPr id="54" name="TextBox 53">
+              <a:extLst>
+                <a:ext uri="{FF2B5EF4-FFF2-40B4-BE49-F238E27FC236}">
+                  <a16:creationId xmlns:a16="http://schemas.microsoft.com/office/drawing/2014/main" id="{A0BCEBF7-8601-8C77-153C-401A525381FB}"/>
+                </a:ext>
+              </a:extLst>
+            </p:cNvPr>
+            <p:cNvSpPr txBox="1"/>
+            <p:nvPr/>
+          </p:nvSpPr>
+          <p:spPr>
+            <a:xfrm>
+              <a:off x="10786436" y="2138642"/>
+              <a:ext cx="425263" cy="369332"/>
+            </a:xfrm>
+            <a:prstGeom prst="rect">
+              <a:avLst/>
+            </a:prstGeom>
+            <a:noFill/>
+            <a:scene3d>
+              <a:camera prst="isometricOffAxis1Right"/>
+              <a:lightRig rig="threePt" dir="t"/>
+            </a:scene3d>
+          </p:spPr>
+          <p:txBody>
+            <a:bodyPr wrap="square">
+              <a:spAutoFit/>
+            </a:bodyPr>
+            <a:lstStyle/>
+            <a:p>
+              <a:r>
+                <a:rPr lang="en-AU" dirty="0">
+                  <a:solidFill>
+                    <a:schemeClr val="accent6">
+                      <a:lumMod val="50000"/>
+                    </a:schemeClr>
+                  </a:solidFill>
+                </a:rPr>
+                <a:t>㉔</a:t>
+              </a:r>
+            </a:p>
+          </p:txBody>
+        </p:sp>
+      </p:grpSp>
+      <p:sp>
+        <p:nvSpPr>
+          <p:cNvPr id="55" name="TextBox 54">
+            <a:extLst>
+              <a:ext uri="{FF2B5EF4-FFF2-40B4-BE49-F238E27FC236}">
+                <a16:creationId xmlns:a16="http://schemas.microsoft.com/office/drawing/2014/main" id="{2E854AFB-555E-DC80-9607-26F25898BDD3}"/>
+              </a:ext>
+            </a:extLst>
+          </p:cNvPr>
+          <p:cNvSpPr txBox="1"/>
+          <p:nvPr/>
+        </p:nvSpPr>
+        <p:spPr>
+          <a:xfrm>
+            <a:off x="11581415" y="3244334"/>
+            <a:ext cx="790632" cy="369332"/>
+          </a:xfrm>
+          <a:prstGeom prst="rect">
+            <a:avLst/>
+          </a:prstGeom>
+          <a:noFill/>
+          <a:scene3d>
+            <a:camera prst="isometricOffAxis1Right"/>
+            <a:lightRig rig="threePt" dir="t"/>
+          </a:scene3d>
+        </p:spPr>
+        <p:txBody>
+          <a:bodyPr wrap="square" rtlCol="0">
+            <a:spAutoFit/>
+          </a:bodyPr>
+          <a:lstStyle/>
+          <a:p>
+            <a:r>
+              <a:rPr lang="en-AU" sz="900" baseline="30000" dirty="0">
+                <a:solidFill>
+                  <a:schemeClr val="tx1">
+                    <a:lumMod val="50000"/>
+                    <a:lumOff val="50000"/>
+                  </a:schemeClr>
+                </a:solidFill>
+              </a:rPr>
+              <a:t> 2 </a:t>
+            </a:r>
+            <a:r>
+              <a:rPr lang="en-AU" sz="900" dirty="0">
+                <a:solidFill>
+                  <a:schemeClr val="tx1">
+                    <a:lumMod val="50000"/>
+                    <a:lumOff val="50000"/>
+                  </a:schemeClr>
+                </a:solidFill>
+              </a:rPr>
+              <a:t>without</a:t>
+            </a:r>
+          </a:p>
+          <a:p>
+            <a:r>
+              <a:rPr lang="en-AU" sz="900" i="1" dirty="0">
+                <a:solidFill>
+                  <a:schemeClr val="tx1">
+                    <a:lumMod val="50000"/>
+                    <a:lumOff val="50000"/>
+                  </a:schemeClr>
+                </a:solidFill>
+              </a:rPr>
+              <a:t>extensions</a:t>
+            </a:r>
+          </a:p>
+        </p:txBody>
+      </p:sp>
+      <p:sp>
+        <p:nvSpPr>
+          <p:cNvPr id="64" name="TextBox 63">
+            <a:extLst>
+              <a:ext uri="{FF2B5EF4-FFF2-40B4-BE49-F238E27FC236}">
+                <a16:creationId xmlns:a16="http://schemas.microsoft.com/office/drawing/2014/main" id="{6792936F-9298-75F1-8699-96FA10B62CB5}"/>
+              </a:ext>
+            </a:extLst>
+          </p:cNvPr>
+          <p:cNvSpPr txBox="1"/>
+          <p:nvPr/>
+        </p:nvSpPr>
+        <p:spPr>
+          <a:xfrm>
+            <a:off x="4695062" y="726628"/>
+            <a:ext cx="1382881" cy="1149921"/>
+          </a:xfrm>
+          <a:custGeom>
+            <a:avLst/>
+            <a:gdLst>
+              <a:gd name="connsiteX0" fmla="*/ 0 w 1382881"/>
+              <a:gd name="connsiteY0" fmla="*/ 0 h 1149921"/>
+              <a:gd name="connsiteX1" fmla="*/ 691441 w 1382881"/>
+              <a:gd name="connsiteY1" fmla="*/ 0 h 1149921"/>
+              <a:gd name="connsiteX2" fmla="*/ 1382881 w 1382881"/>
+              <a:gd name="connsiteY2" fmla="*/ 0 h 1149921"/>
+              <a:gd name="connsiteX3" fmla="*/ 1382881 w 1382881"/>
+              <a:gd name="connsiteY3" fmla="*/ 597959 h 1149921"/>
+              <a:gd name="connsiteX4" fmla="*/ 1382881 w 1382881"/>
+              <a:gd name="connsiteY4" fmla="*/ 1149921 h 1149921"/>
+              <a:gd name="connsiteX5" fmla="*/ 677612 w 1382881"/>
+              <a:gd name="connsiteY5" fmla="*/ 1149921 h 1149921"/>
+              <a:gd name="connsiteX6" fmla="*/ 0 w 1382881"/>
+              <a:gd name="connsiteY6" fmla="*/ 1149921 h 1149921"/>
+              <a:gd name="connsiteX7" fmla="*/ 0 w 1382881"/>
+              <a:gd name="connsiteY7" fmla="*/ 609458 h 1149921"/>
+              <a:gd name="connsiteX8" fmla="*/ 0 w 1382881"/>
+              <a:gd name="connsiteY8" fmla="*/ 0 h 1149921"/>
+            </a:gdLst>
+            <a:ahLst/>
+            <a:cxnLst>
+              <a:cxn ang="0">
+                <a:pos x="connsiteX0" y="connsiteY0"/>
+              </a:cxn>
+              <a:cxn ang="0">
+                <a:pos x="connsiteX1" y="connsiteY1"/>
+              </a:cxn>
+              <a:cxn ang="0">
+                <a:pos x="connsiteX2" y="connsiteY2"/>
+              </a:cxn>
+              <a:cxn ang="0">
+                <a:pos x="connsiteX3" y="connsiteY3"/>
+              </a:cxn>
+              <a:cxn ang="0">
+                <a:pos x="connsiteX4" y="connsiteY4"/>
+              </a:cxn>
+              <a:cxn ang="0">
+                <a:pos x="connsiteX5" y="connsiteY5"/>
+              </a:cxn>
+              <a:cxn ang="0">
+                <a:pos x="connsiteX6" y="connsiteY6"/>
+              </a:cxn>
+              <a:cxn ang="0">
+                <a:pos x="connsiteX7" y="connsiteY7"/>
+              </a:cxn>
+              <a:cxn ang="0">
+                <a:pos x="connsiteX8" y="connsiteY8"/>
+              </a:cxn>
+            </a:cxnLst>
+            <a:rect l="l" t="t" r="r" b="b"/>
+            <a:pathLst>
+              <a:path w="1382881" h="1149921" extrusionOk="0">
+                <a:moveTo>
+                  <a:pt x="0" y="0"/>
+                </a:moveTo>
+                <a:cubicBezTo>
+                  <a:pt x="140423" y="14368"/>
+                  <a:pt x="518012" y="-27445"/>
+                  <a:pt x="691441" y="0"/>
+                </a:cubicBezTo>
+                <a:cubicBezTo>
+                  <a:pt x="864870" y="27445"/>
+                  <a:pt x="1229255" y="-12517"/>
+                  <a:pt x="1382881" y="0"/>
+                </a:cubicBezTo>
+                <a:cubicBezTo>
+                  <a:pt x="1408237" y="199500"/>
+                  <a:pt x="1409944" y="359984"/>
+                  <a:pt x="1382881" y="597959"/>
+                </a:cubicBezTo>
+                <a:cubicBezTo>
+                  <a:pt x="1355818" y="835934"/>
+                  <a:pt x="1407110" y="901504"/>
+                  <a:pt x="1382881" y="1149921"/>
+                </a:cubicBezTo>
+                <a:cubicBezTo>
+                  <a:pt x="1233564" y="1162383"/>
+                  <a:pt x="1006232" y="1177048"/>
+                  <a:pt x="677612" y="1149921"/>
+                </a:cubicBezTo>
+                <a:cubicBezTo>
+                  <a:pt x="348992" y="1122794"/>
+                  <a:pt x="207713" y="1173520"/>
+                  <a:pt x="0" y="1149921"/>
+                </a:cubicBezTo>
+                <a:cubicBezTo>
+                  <a:pt x="-25560" y="1028663"/>
+                  <a:pt x="25320" y="859816"/>
+                  <a:pt x="0" y="609458"/>
+                </a:cubicBezTo>
+                <a:cubicBezTo>
+                  <a:pt x="-25320" y="359100"/>
+                  <a:pt x="25124" y="239970"/>
+                  <a:pt x="0" y="0"/>
+                </a:cubicBezTo>
+                <a:close/>
+              </a:path>
+            </a:pathLst>
+          </a:custGeom>
+          <a:noFill/>
+          <a:ln>
+            <a:solidFill>
+              <a:schemeClr val="bg1">
+                <a:lumMod val="75000"/>
+              </a:schemeClr>
+            </a:solidFill>
+            <a:extLst>
+              <a:ext uri="{C807C97D-BFC1-408E-A445-0C87EB9F89A2}">
+                <ask:lineSketchStyleProps xmlns:ask="http://schemas.microsoft.com/office/drawing/2018/sketchyshapes" sd="824976987">
+                  <a:prstGeom prst="rect">
+                    <a:avLst/>
+                  </a:prstGeom>
+                  <ask:type>
+                    <ask:lineSketchFreehand/>
+                  </ask:type>
+                </ask:lineSketchStyleProps>
+              </a:ext>
+            </a:extLst>
+          </a:ln>
+          <a:scene3d>
+            <a:camera prst="isometricOffAxis1Right"/>
+            <a:lightRig rig="threePt" dir="t"/>
+          </a:scene3d>
+        </p:spPr>
+        <p:txBody>
+          <a:bodyPr wrap="square" lIns="36000" tIns="36000" rIns="36000" bIns="36000">
+            <a:spAutoFit/>
+          </a:bodyPr>
+          <a:lstStyle/>
+          <a:p>
+            <a:r>
+              <a:rPr lang="en-AU" dirty="0"/>
+              <a:t>㉕</a:t>
+            </a:r>
+            <a:r>
+              <a:rPr lang="en-AU" sz="1600" dirty="0"/>
+              <a:t> </a:t>
+            </a:r>
+            <a:r>
+              <a:rPr lang="en-AU" sz="1500" dirty="0"/>
+              <a:t>Logic &amp; </a:t>
+            </a:r>
+            <a:br>
+              <a:rPr lang="en-AU" sz="1500" dirty="0"/>
+            </a:br>
+            <a:r>
+              <a:rPr lang="en-AU" sz="1500" dirty="0"/>
+              <a:t>          Databases</a:t>
+            </a:r>
+          </a:p>
+          <a:p>
+            <a:r>
+              <a:rPr lang="en-AU" dirty="0"/>
+              <a:t>㉛</a:t>
+            </a:r>
+            <a:r>
+              <a:rPr lang="en-AU" sz="1600" dirty="0"/>
+              <a:t>  </a:t>
+            </a:r>
+            <a:r>
+              <a:rPr lang="en-AU" sz="1500" dirty="0"/>
+              <a:t>Deductive …</a:t>
+            </a:r>
+          </a:p>
+          <a:p>
+            <a:r>
+              <a:rPr lang="en-AU" dirty="0"/>
+              <a:t>㉜</a:t>
+            </a:r>
+            <a:r>
+              <a:rPr lang="en-AU" sz="1600" dirty="0"/>
+              <a:t>  </a:t>
+            </a:r>
+            <a:r>
+              <a:rPr lang="en-AU" sz="1500" dirty="0"/>
+              <a:t>Constraint …</a:t>
             </a:r>
           </a:p>
         </p:txBody>

--- a/images/src/jetisu diagrams.pptx
+++ b/images/src/jetisu diagrams.pptx
@@ -20881,7 +20881,7 @@
           <a:p>
             <a:fld id="{EB429232-E4BA-4B3A-9952-EE5A117FBC50}" type="datetimeFigureOut">
               <a:rPr lang="en-AU" smtClean="0"/>
-              <a:t>6/03/2023</a:t>
+              <a:t>7/03/2023</a:t>
             </a:fld>
             <a:endParaRPr lang="en-AU"/>
           </a:p>
@@ -21081,7 +21081,7 @@
           <a:p>
             <a:fld id="{EB429232-E4BA-4B3A-9952-EE5A117FBC50}" type="datetimeFigureOut">
               <a:rPr lang="en-AU" smtClean="0"/>
-              <a:t>6/03/2023</a:t>
+              <a:t>7/03/2023</a:t>
             </a:fld>
             <a:endParaRPr lang="en-AU"/>
           </a:p>
@@ -21291,7 +21291,7 @@
           <a:p>
             <a:fld id="{EB429232-E4BA-4B3A-9952-EE5A117FBC50}" type="datetimeFigureOut">
               <a:rPr lang="en-AU" smtClean="0"/>
-              <a:t>6/03/2023</a:t>
+              <a:t>7/03/2023</a:t>
             </a:fld>
             <a:endParaRPr lang="en-AU"/>
           </a:p>
@@ -21491,7 +21491,7 @@
           <a:p>
             <a:fld id="{EB429232-E4BA-4B3A-9952-EE5A117FBC50}" type="datetimeFigureOut">
               <a:rPr lang="en-AU" smtClean="0"/>
-              <a:t>6/03/2023</a:t>
+              <a:t>7/03/2023</a:t>
             </a:fld>
             <a:endParaRPr lang="en-AU"/>
           </a:p>
@@ -21767,7 +21767,7 @@
           <a:p>
             <a:fld id="{EB429232-E4BA-4B3A-9952-EE5A117FBC50}" type="datetimeFigureOut">
               <a:rPr lang="en-AU" smtClean="0"/>
-              <a:t>6/03/2023</a:t>
+              <a:t>7/03/2023</a:t>
             </a:fld>
             <a:endParaRPr lang="en-AU"/>
           </a:p>
@@ -22035,7 +22035,7 @@
           <a:p>
             <a:fld id="{EB429232-E4BA-4B3A-9952-EE5A117FBC50}" type="datetimeFigureOut">
               <a:rPr lang="en-AU" smtClean="0"/>
-              <a:t>6/03/2023</a:t>
+              <a:t>7/03/2023</a:t>
             </a:fld>
             <a:endParaRPr lang="en-AU"/>
           </a:p>
@@ -22450,7 +22450,7 @@
           <a:p>
             <a:fld id="{EB429232-E4BA-4B3A-9952-EE5A117FBC50}" type="datetimeFigureOut">
               <a:rPr lang="en-AU" smtClean="0"/>
-              <a:t>6/03/2023</a:t>
+              <a:t>7/03/2023</a:t>
             </a:fld>
             <a:endParaRPr lang="en-AU"/>
           </a:p>
@@ -22592,7 +22592,7 @@
           <a:p>
             <a:fld id="{EB429232-E4BA-4B3A-9952-EE5A117FBC50}" type="datetimeFigureOut">
               <a:rPr lang="en-AU" smtClean="0"/>
-              <a:t>6/03/2023</a:t>
+              <a:t>7/03/2023</a:t>
             </a:fld>
             <a:endParaRPr lang="en-AU"/>
           </a:p>
@@ -22705,7 +22705,7 @@
           <a:p>
             <a:fld id="{EB429232-E4BA-4B3A-9952-EE5A117FBC50}" type="datetimeFigureOut">
               <a:rPr lang="en-AU" smtClean="0"/>
-              <a:t>6/03/2023</a:t>
+              <a:t>7/03/2023</a:t>
             </a:fld>
             <a:endParaRPr lang="en-AU"/>
           </a:p>
@@ -23018,7 +23018,7 @@
           <a:p>
             <a:fld id="{EB429232-E4BA-4B3A-9952-EE5A117FBC50}" type="datetimeFigureOut">
               <a:rPr lang="en-AU" smtClean="0"/>
-              <a:t>6/03/2023</a:t>
+              <a:t>7/03/2023</a:t>
             </a:fld>
             <a:endParaRPr lang="en-AU"/>
           </a:p>
@@ -23307,7 +23307,7 @@
           <a:p>
             <a:fld id="{EB429232-E4BA-4B3A-9952-EE5A117FBC50}" type="datetimeFigureOut">
               <a:rPr lang="en-AU" smtClean="0"/>
-              <a:t>6/03/2023</a:t>
+              <a:t>7/03/2023</a:t>
             </a:fld>
             <a:endParaRPr lang="en-AU"/>
           </a:p>
@@ -23550,7 +23550,7 @@
           <a:p>
             <a:fld id="{EB429232-E4BA-4B3A-9952-EE5A117FBC50}" type="datetimeFigureOut">
               <a:rPr lang="en-AU" smtClean="0"/>
-              <a:t>6/03/2023</a:t>
+              <a:t>7/03/2023</a:t>
             </a:fld>
             <a:endParaRPr lang="en-AU"/>
           </a:p>
@@ -24261,8 +24261,8 @@
         </p:nvSpPr>
         <p:spPr>
           <a:xfrm>
-            <a:off x="5686966" y="1192020"/>
-            <a:ext cx="6019080" cy="3539430"/>
+            <a:off x="1268963" y="1369302"/>
+            <a:ext cx="10782315" cy="2923877"/>
           </a:xfrm>
           <a:prstGeom prst="rect">
             <a:avLst/>
@@ -24276,30 +24276,28 @@
           <a:lstStyle/>
           <a:p>
             <a:r>
-              <a:rPr lang="en-AU" sz="11200" b="1" kern="100" dirty="0">
+              <a:rPr lang="en-AU" sz="5400" kern="100" dirty="0" err="1">
                 <a:solidFill>
                   <a:srgbClr val="202124"/>
                 </a:solidFill>
                 <a:effectLst/>
-                <a:latin typeface="Calibri" panose="020F0502020204030204" pitchFamily="34" charset="0"/>
                 <a:ea typeface="Calibri" panose="020F0502020204030204" pitchFamily="34" charset="0"/>
                 <a:cs typeface="Calibri" panose="020F0502020204030204" pitchFamily="34" charset="0"/>
               </a:rPr>
               <a:t>σ</a:t>
             </a:r>
             <a:r>
-              <a:rPr lang="en-AU" sz="11200" b="1" kern="100" dirty="0">
+              <a:rPr lang="en-AU" sz="5400" kern="100" baseline="-25000" dirty="0" err="1">
                 <a:solidFill>
                   <a:srgbClr val="202124"/>
                 </a:solidFill>
-                <a:latin typeface="+mj-lt"/>
                 <a:ea typeface="Calibri" panose="020F0502020204030204" pitchFamily="34" charset="0"/>
                 <a:cs typeface="Dreaming Outloud Script Pro" panose="03050502040304050704" pitchFamily="66" charset="0"/>
               </a:rPr>
-              <a:t>C</a:t>
+              <a:t>P</a:t>
             </a:r>
             <a:r>
-              <a:rPr lang="en-AU" sz="11200" b="1" kern="100" dirty="0">
+              <a:rPr lang="en-AU" sz="5400" kern="100" dirty="0">
                 <a:solidFill>
                   <a:srgbClr val="202124"/>
                 </a:solidFill>
@@ -24307,7 +24305,249 @@
                 <a:ea typeface="Calibri" panose="020F0502020204030204" pitchFamily="34" charset="0"/>
                 <a:cs typeface="Dreaming Outloud Script Pro" panose="03050502040304050704" pitchFamily="66" charset="0"/>
               </a:rPr>
-              <a:t>(I×D)</a:t>
+              <a:t>(</a:t>
+            </a:r>
+            <a:r>
+              <a:rPr lang="en-AU" sz="4400" kern="100" dirty="0" err="1">
+                <a:solidFill>
+                  <a:srgbClr val="202124"/>
+                </a:solidFill>
+                <a:effectLst/>
+                <a:ea typeface="Calibri" panose="020F0502020204030204" pitchFamily="34" charset="0"/>
+                <a:cs typeface="Dreaming Outloud Script Pro" panose="03050502040304050704" pitchFamily="66" charset="0"/>
+              </a:rPr>
+              <a:t>dom</a:t>
+            </a:r>
+            <a:r>
+              <a:rPr lang="en-AU" sz="4400" kern="100" dirty="0">
+                <a:solidFill>
+                  <a:srgbClr val="202124"/>
+                </a:solidFill>
+                <a:effectLst/>
+                <a:ea typeface="Calibri" panose="020F0502020204030204" pitchFamily="34" charset="0"/>
+                <a:cs typeface="Dreaming Outloud Script Pro" panose="03050502040304050704" pitchFamily="66" charset="0"/>
+              </a:rPr>
+              <a:t>(</a:t>
+            </a:r>
+            <a:r>
+              <a:rPr lang="en-AU" sz="5400" kern="100" dirty="0">
+                <a:solidFill>
+                  <a:srgbClr val="202124"/>
+                </a:solidFill>
+                <a:effectLst/>
+                <a:ea typeface="Calibri" panose="020F0502020204030204" pitchFamily="34" charset="0"/>
+                <a:cs typeface="Dreaming Outloud Script Pro" panose="03050502040304050704" pitchFamily="66" charset="0"/>
+              </a:rPr>
+              <a:t>A</a:t>
+            </a:r>
+            <a:r>
+              <a:rPr lang="en-AU" sz="5400" kern="100" baseline="-25000" dirty="0">
+                <a:solidFill>
+                  <a:srgbClr val="202124"/>
+                </a:solidFill>
+                <a:effectLst/>
+                <a:ea typeface="Calibri" panose="020F0502020204030204" pitchFamily="34" charset="0"/>
+                <a:cs typeface="Dreaming Outloud Script Pro" panose="03050502040304050704" pitchFamily="66" charset="0"/>
+              </a:rPr>
+              <a:t>1</a:t>
+            </a:r>
+            <a:r>
+              <a:rPr lang="en-AU" sz="4400" kern="100" dirty="0">
+                <a:solidFill>
+                  <a:srgbClr val="202124"/>
+                </a:solidFill>
+                <a:effectLst/>
+                <a:ea typeface="Calibri" panose="020F0502020204030204" pitchFamily="34" charset="0"/>
+                <a:cs typeface="Dreaming Outloud Script Pro" panose="03050502040304050704" pitchFamily="66" charset="0"/>
+              </a:rPr>
+              <a:t>)</a:t>
+            </a:r>
+            <a:r>
+              <a:rPr lang="en-AU" sz="5400" kern="100" dirty="0">
+                <a:solidFill>
+                  <a:srgbClr val="202124"/>
+                </a:solidFill>
+                <a:effectLst/>
+                <a:ea typeface="Calibri" panose="020F0502020204030204" pitchFamily="34" charset="0"/>
+                <a:cs typeface="Dreaming Outloud Script Pro" panose="03050502040304050704" pitchFamily="66" charset="0"/>
+              </a:rPr>
+              <a:t>×</a:t>
+            </a:r>
+            <a:r>
+              <a:rPr lang="en-AU" sz="4400" kern="100" dirty="0">
+                <a:solidFill>
+                  <a:srgbClr val="202124"/>
+                </a:solidFill>
+                <a:effectLst/>
+                <a:ea typeface="Calibri" panose="020F0502020204030204" pitchFamily="34" charset="0"/>
+                <a:cs typeface="Dreaming Outloud Script Pro" panose="03050502040304050704" pitchFamily="66" charset="0"/>
+              </a:rPr>
+              <a:t> </a:t>
+            </a:r>
+            <a:r>
+              <a:rPr lang="en-AU" sz="4400" kern="100" dirty="0" err="1">
+                <a:solidFill>
+                  <a:srgbClr val="202124"/>
+                </a:solidFill>
+                <a:effectLst/>
+                <a:ea typeface="Calibri" panose="020F0502020204030204" pitchFamily="34" charset="0"/>
+                <a:cs typeface="Dreaming Outloud Script Pro" panose="03050502040304050704" pitchFamily="66" charset="0"/>
+              </a:rPr>
+              <a:t>dom</a:t>
+            </a:r>
+            <a:r>
+              <a:rPr lang="en-AU" sz="4400" kern="100" dirty="0">
+                <a:solidFill>
+                  <a:srgbClr val="202124"/>
+                </a:solidFill>
+                <a:effectLst/>
+                <a:ea typeface="Calibri" panose="020F0502020204030204" pitchFamily="34" charset="0"/>
+                <a:cs typeface="Dreaming Outloud Script Pro" panose="03050502040304050704" pitchFamily="66" charset="0"/>
+              </a:rPr>
+              <a:t>( </a:t>
+            </a:r>
+            <a:r>
+              <a:rPr lang="en-AU" sz="5400" kern="100" dirty="0">
+                <a:solidFill>
+                  <a:srgbClr val="202124"/>
+                </a:solidFill>
+                <a:effectLst/>
+                <a:ea typeface="Calibri" panose="020F0502020204030204" pitchFamily="34" charset="0"/>
+                <a:cs typeface="Dreaming Outloud Script Pro" panose="03050502040304050704" pitchFamily="66" charset="0"/>
+              </a:rPr>
+              <a:t>A</a:t>
+            </a:r>
+            <a:r>
+              <a:rPr lang="en-AU" sz="5400" kern="100" baseline="-25000" dirty="0">
+                <a:solidFill>
+                  <a:srgbClr val="202124"/>
+                </a:solidFill>
+                <a:effectLst/>
+                <a:ea typeface="Calibri" panose="020F0502020204030204" pitchFamily="34" charset="0"/>
+                <a:cs typeface="Dreaming Outloud Script Pro" panose="03050502040304050704" pitchFamily="66" charset="0"/>
+              </a:rPr>
+              <a:t>2</a:t>
+            </a:r>
+            <a:r>
+              <a:rPr lang="en-AU" sz="4400" kern="100" dirty="0">
+                <a:solidFill>
+                  <a:srgbClr val="202124"/>
+                </a:solidFill>
+                <a:effectLst/>
+                <a:ea typeface="Calibri" panose="020F0502020204030204" pitchFamily="34" charset="0"/>
+                <a:cs typeface="Dreaming Outloud Script Pro" panose="03050502040304050704" pitchFamily="66" charset="0"/>
+              </a:rPr>
+              <a:t>) </a:t>
+            </a:r>
+            <a:r>
+              <a:rPr lang="en-AU" sz="5400" kern="100" dirty="0">
+                <a:solidFill>
+                  <a:srgbClr val="202124"/>
+                </a:solidFill>
+                <a:effectLst/>
+                <a:ea typeface="Calibri" panose="020F0502020204030204" pitchFamily="34" charset="0"/>
+                <a:cs typeface="Dreaming Outloud Script Pro" panose="03050502040304050704" pitchFamily="66" charset="0"/>
+              </a:rPr>
+              <a:t>×</a:t>
+            </a:r>
+            <a:r>
+              <a:rPr lang="en-AU" sz="4400" kern="100" dirty="0">
+                <a:solidFill>
+                  <a:srgbClr val="202124"/>
+                </a:solidFill>
+                <a:effectLst/>
+                <a:ea typeface="Calibri" panose="020F0502020204030204" pitchFamily="34" charset="0"/>
+                <a:cs typeface="Dreaming Outloud Script Pro" panose="03050502040304050704" pitchFamily="66" charset="0"/>
+              </a:rPr>
+              <a:t> … </a:t>
+            </a:r>
+            <a:r>
+              <a:rPr lang="en-AU" sz="5400" kern="100" dirty="0">
+                <a:solidFill>
+                  <a:srgbClr val="202124"/>
+                </a:solidFill>
+                <a:effectLst/>
+                <a:ea typeface="Calibri" panose="020F0502020204030204" pitchFamily="34" charset="0"/>
+                <a:cs typeface="Dreaming Outloud Script Pro" panose="03050502040304050704" pitchFamily="66" charset="0"/>
+              </a:rPr>
+              <a:t>×</a:t>
+            </a:r>
+            <a:r>
+              <a:rPr lang="en-AU" sz="4400" kern="100" dirty="0">
+                <a:solidFill>
+                  <a:srgbClr val="202124"/>
+                </a:solidFill>
+                <a:effectLst/>
+                <a:ea typeface="Calibri" panose="020F0502020204030204" pitchFamily="34" charset="0"/>
+                <a:cs typeface="Dreaming Outloud Script Pro" panose="03050502040304050704" pitchFamily="66" charset="0"/>
+              </a:rPr>
+              <a:t> </a:t>
+            </a:r>
+            <a:r>
+              <a:rPr lang="en-AU" sz="4400" kern="100" dirty="0" err="1">
+                <a:solidFill>
+                  <a:srgbClr val="202124"/>
+                </a:solidFill>
+                <a:effectLst/>
+                <a:ea typeface="Calibri" panose="020F0502020204030204" pitchFamily="34" charset="0"/>
+                <a:cs typeface="Dreaming Outloud Script Pro" panose="03050502040304050704" pitchFamily="66" charset="0"/>
+              </a:rPr>
+              <a:t>dom</a:t>
+            </a:r>
+            <a:r>
+              <a:rPr lang="en-AU" sz="4400" kern="100" dirty="0">
+                <a:solidFill>
+                  <a:srgbClr val="202124"/>
+                </a:solidFill>
+                <a:effectLst/>
+                <a:ea typeface="Calibri" panose="020F0502020204030204" pitchFamily="34" charset="0"/>
+                <a:cs typeface="Dreaming Outloud Script Pro" panose="03050502040304050704" pitchFamily="66" charset="0"/>
+              </a:rPr>
+              <a:t>(</a:t>
+            </a:r>
+            <a:r>
+              <a:rPr lang="en-AU" sz="5400" kern="100" dirty="0">
+                <a:solidFill>
+                  <a:srgbClr val="202124"/>
+                </a:solidFill>
+                <a:effectLst/>
+                <a:ea typeface="Calibri" panose="020F0502020204030204" pitchFamily="34" charset="0"/>
+                <a:cs typeface="Dreaming Outloud Script Pro" panose="03050502040304050704" pitchFamily="66" charset="0"/>
+              </a:rPr>
+              <a:t>A</a:t>
+            </a:r>
+            <a:r>
+              <a:rPr lang="en-AU" sz="5400" kern="100" baseline="-25000" dirty="0">
+                <a:solidFill>
+                  <a:srgbClr val="202124"/>
+                </a:solidFill>
+                <a:effectLst/>
+                <a:ea typeface="Calibri" panose="020F0502020204030204" pitchFamily="34" charset="0"/>
+                <a:cs typeface="Dreaming Outloud Script Pro" panose="03050502040304050704" pitchFamily="66" charset="0"/>
+              </a:rPr>
+              <a:t>n</a:t>
+            </a:r>
+            <a:r>
+              <a:rPr lang="en-AU" sz="4400" kern="100" dirty="0">
+                <a:solidFill>
+                  <a:srgbClr val="202124"/>
+                </a:solidFill>
+                <a:effectLst/>
+                <a:ea typeface="Calibri" panose="020F0502020204030204" pitchFamily="34" charset="0"/>
+                <a:cs typeface="Dreaming Outloud Script Pro" panose="03050502040304050704" pitchFamily="66" charset="0"/>
+              </a:rPr>
+              <a:t>) </a:t>
+            </a:r>
+            <a:r>
+              <a:rPr lang="en-AU" sz="6600" kern="100" dirty="0">
+                <a:solidFill>
+                  <a:srgbClr val="202124"/>
+                </a:solidFill>
+                <a:effectLst/>
+                <a:ea typeface="Calibri" panose="020F0502020204030204" pitchFamily="34" charset="0"/>
+                <a:cs typeface="Dreaming Outloud Script Pro" panose="03050502040304050704" pitchFamily="66" charset="0"/>
+              </a:rPr>
+              <a:t>)</a:t>
             </a:r>
           </a:p>
           <a:p>
@@ -28047,10 +28287,10 @@
         </p:nvGrpSpPr>
         <p:grpSpPr>
           <a:xfrm>
-            <a:off x="5731474" y="213252"/>
-            <a:ext cx="5231837" cy="2611908"/>
-            <a:chOff x="5611232" y="194997"/>
-            <a:chExt cx="5231837" cy="2611908"/>
+            <a:off x="5731474" y="213576"/>
+            <a:ext cx="5231837" cy="2611584"/>
+            <a:chOff x="5611232" y="195321"/>
+            <a:chExt cx="5231837" cy="2611584"/>
           </a:xfrm>
         </p:grpSpPr>
         <p:grpSp>
@@ -28067,10 +28307,10 @@
           </p:nvGrpSpPr>
           <p:grpSpPr>
             <a:xfrm>
-              <a:off x="5967794" y="194997"/>
-              <a:ext cx="4875275" cy="2454288"/>
-              <a:chOff x="5252226" y="231940"/>
-              <a:chExt cx="4875275" cy="2575026"/>
+              <a:off x="5967794" y="195321"/>
+              <a:ext cx="4875275" cy="2453964"/>
+              <a:chOff x="5252226" y="232280"/>
+              <a:chExt cx="4875275" cy="2574686"/>
             </a:xfrm>
           </p:grpSpPr>
           <p:grpSp>
@@ -28087,10 +28327,10 @@
             </p:nvGrpSpPr>
             <p:grpSpPr>
               <a:xfrm>
-                <a:off x="5535974" y="231940"/>
-                <a:ext cx="4591527" cy="2575026"/>
-                <a:chOff x="6495573" y="502950"/>
-                <a:chExt cx="4591527" cy="2575026"/>
+                <a:off x="5619023" y="232280"/>
+                <a:ext cx="4508478" cy="2574686"/>
+                <a:chOff x="6578622" y="503290"/>
+                <a:chExt cx="4508478" cy="2574686"/>
               </a:xfrm>
             </p:grpSpPr>
             <p:sp>
@@ -28304,7 +28544,7 @@
               </p:nvSpPr>
               <p:spPr>
                 <a:xfrm>
-                  <a:off x="6495573" y="502950"/>
+                  <a:off x="6578622" y="503290"/>
                   <a:ext cx="4227155" cy="678127"/>
                 </a:xfrm>
                 <a:prstGeom prst="rect">
@@ -28324,12 +28564,20 @@
                 <a:p>
                   <a:pPr lvl="0"/>
                   <a:r>
+                    <a:rPr lang="en-AU" sz="1200" b="1" dirty="0">
+                      <a:solidFill>
+                        <a:schemeClr val="bg1"/>
+                      </a:solidFill>
+                    </a:rPr>
+                    <a:t>Logic:</a:t>
+                  </a:r>
+                  <a:r>
                     <a:rPr lang="en-AU" sz="1200" dirty="0">
                       <a:solidFill>
                         <a:schemeClr val="bg1"/>
                       </a:solidFill>
                     </a:rPr>
-                    <a:t>Constraint Logic Programming including: Search, Solvers,   </a:t>
+                    <a:t> Termination, Negation, Stratification, Semantics,</a:t>
                   </a:r>
                   <a:br>
                     <a:rPr lang="en-AU" sz="1200" dirty="0">
@@ -28344,7 +28592,23 @@
                         <a:schemeClr val="bg1"/>
                       </a:solidFill>
                     </a:rPr>
-                    <a:t>    Numerical Methods, Linear Prog., Symbolic Comp.,  </a:t>
+                    <a:t>      </a:t>
+                  </a:r>
+                  <a:r>
+                    <a:rPr lang="en-AU" sz="1200" b="1" dirty="0">
+                      <a:solidFill>
+                        <a:schemeClr val="bg1"/>
+                      </a:solidFill>
+                    </a:rPr>
+                    <a:t>Constraint Logic Programming</a:t>
+                  </a:r>
+                  <a:r>
+                    <a:rPr lang="en-AU" sz="1200" dirty="0">
+                      <a:solidFill>
+                        <a:schemeClr val="bg1"/>
+                      </a:solidFill>
+                    </a:rPr>
+                    <a:t>: Search, Solvers, Numerical</a:t>
                   </a:r>
                   <a:br>
                     <a:rPr lang="en-AU" sz="1200" dirty="0">
@@ -28359,7 +28623,7 @@
                         <a:schemeClr val="bg1"/>
                       </a:solidFill>
                     </a:rPr>
-                    <a:t>       Termination, Negation, Stratification, Type Theory, Semantics </a:t>
+                    <a:t>            Methods, Linear Prog., Symbolic Comp., Type Theory,</a:t>
                   </a:r>
                 </a:p>
               </p:txBody>
@@ -28951,10 +29215,10 @@
           </p:nvGrpSpPr>
           <p:grpSpPr>
             <a:xfrm>
-              <a:off x="5611232" y="508652"/>
-              <a:ext cx="2663031" cy="2298253"/>
-              <a:chOff x="5611232" y="508652"/>
-              <a:chExt cx="2663031" cy="2298253"/>
+              <a:off x="5611232" y="491660"/>
+              <a:ext cx="2663031" cy="2315245"/>
+              <a:chOff x="5611232" y="491660"/>
+              <a:chExt cx="2663031" cy="2315245"/>
             </a:xfrm>
           </p:grpSpPr>
           <p:sp>
@@ -28971,7 +29235,7 @@
             </p:nvSpPr>
             <p:spPr>
               <a:xfrm>
-                <a:off x="6173544" y="508652"/>
+                <a:off x="6168945" y="491660"/>
                 <a:ext cx="665671" cy="338554"/>
               </a:xfrm>
               <a:prstGeom prst="rect">
@@ -29099,6 +29363,50 @@
                   </a:rPr>
                   <a:t>Logics</a:t>
                 </a:r>
+              </a:p>
+            </p:txBody>
+          </p:sp>
+          <p:sp>
+            <p:nvSpPr>
+              <p:cNvPr id="63" name="TextBox 62">
+                <a:extLst>
+                  <a:ext uri="{FF2B5EF4-FFF2-40B4-BE49-F238E27FC236}">
+                    <a16:creationId xmlns:a16="http://schemas.microsoft.com/office/drawing/2014/main" id="{6E75B48B-BDAC-3B57-CEC7-71795E790584}"/>
+                  </a:ext>
+                </a:extLst>
+              </p:cNvPr>
+              <p:cNvSpPr txBox="1"/>
+              <p:nvPr/>
+            </p:nvSpPr>
+            <p:spPr>
+              <a:xfrm>
+                <a:off x="6455230" y="629939"/>
+                <a:ext cx="665671" cy="400110"/>
+              </a:xfrm>
+              <a:prstGeom prst="rect">
+                <a:avLst/>
+              </a:prstGeom>
+              <a:noFill/>
+              <a:scene3d>
+                <a:camera prst="isometricOffAxis1Right"/>
+                <a:lightRig rig="threePt" dir="t"/>
+              </a:scene3d>
+            </p:spPr>
+            <p:txBody>
+              <a:bodyPr wrap="square">
+                <a:spAutoFit/>
+              </a:bodyPr>
+              <a:lstStyle/>
+              <a:p>
+                <a:r>
+                  <a:rPr lang="en-AU" sz="2000" dirty="0">
+                    <a:solidFill>
+                      <a:schemeClr val="bg1"/>
+                    </a:solidFill>
+                  </a:rPr>
+                  <a:t>㉘</a:t>
+                </a:r>
+                <a:endParaRPr lang="en-AU" sz="2000" dirty="0"/>
               </a:p>
             </p:txBody>
           </p:sp>
@@ -29353,7 +29661,7 @@
         </p:nvSpPr>
         <p:spPr>
           <a:xfrm>
-            <a:off x="982836" y="4736812"/>
+            <a:off x="-17683" y="3859979"/>
             <a:ext cx="3816343" cy="1323439"/>
           </a:xfrm>
           <a:custGeom>
@@ -31014,6 +31322,1178 @@
             <a:r>
               <a:rPr lang="en-AU" sz="1500" dirty="0"/>
               <a:t>Constraint …</a:t>
+            </a:r>
+          </a:p>
+        </p:txBody>
+      </p:sp>
+      <p:sp>
+        <p:nvSpPr>
+          <p:cNvPr id="65" name="TextBox 64">
+            <a:extLst>
+              <a:ext uri="{FF2B5EF4-FFF2-40B4-BE49-F238E27FC236}">
+                <a16:creationId xmlns:a16="http://schemas.microsoft.com/office/drawing/2014/main" id="{76554A89-A16B-CB42-8677-14093A102DC1}"/>
+              </a:ext>
+            </a:extLst>
+          </p:cNvPr>
+          <p:cNvSpPr txBox="1"/>
+          <p:nvPr/>
+        </p:nvSpPr>
+        <p:spPr>
+          <a:xfrm>
+            <a:off x="94719" y="5096526"/>
+            <a:ext cx="5647700" cy="1384995"/>
+          </a:xfrm>
+          <a:prstGeom prst="rect">
+            <a:avLst/>
+          </a:prstGeom>
+          <a:noFill/>
+          <a:scene3d>
+            <a:camera prst="isometricOffAxis1Right"/>
+            <a:lightRig rig="threePt" dir="t"/>
+          </a:scene3d>
+        </p:spPr>
+        <p:txBody>
+          <a:bodyPr wrap="none" rtlCol="0">
+            <a:spAutoFit/>
+          </a:bodyPr>
+          <a:lstStyle/>
+          <a:p>
+            <a:pPr algn="ctr"/>
+            <a:r>
+              <a:rPr lang="en-AU" sz="1100" dirty="0">
+                <a:ln cmpd="dbl">
+                  <a:solidFill>
+                    <a:schemeClr val="accent1"/>
+                  </a:solidFill>
+                </a:ln>
+              </a:rPr>
+              <a:t>A </a:t>
+            </a:r>
+            <a:r>
+              <a:rPr lang="en-AU" sz="1100" b="1" dirty="0">
+                <a:ln cmpd="dbl">
+                  <a:solidFill>
+                    <a:schemeClr val="accent1"/>
+                  </a:solidFill>
+                </a:ln>
+              </a:rPr>
+              <a:t>relation</a:t>
+            </a:r>
+            <a:r>
+              <a:rPr lang="en-AU" sz="1100" dirty="0">
+                <a:ln cmpd="dbl">
+                  <a:solidFill>
+                    <a:schemeClr val="accent1"/>
+                  </a:solidFill>
+                </a:ln>
+              </a:rPr>
+              <a:t> is a </a:t>
+            </a:r>
+            <a:r>
+              <a:rPr lang="en-AU" sz="1400" kern="100" dirty="0" err="1">
+                <a:ln cmpd="dbl">
+                  <a:solidFill>
+                    <a:schemeClr val="accent1"/>
+                  </a:solidFill>
+                </a:ln>
+                <a:solidFill>
+                  <a:srgbClr val="202124"/>
+                </a:solidFill>
+                <a:effectLst/>
+                <a:ea typeface="Calibri" panose="020F0502020204030204" pitchFamily="34" charset="0"/>
+                <a:cs typeface="Calibri" panose="020F0502020204030204" pitchFamily="34" charset="0"/>
+              </a:rPr>
+              <a:t>σ</a:t>
+            </a:r>
+            <a:r>
+              <a:rPr lang="en-AU" sz="1400" kern="100" baseline="-25000" dirty="0" err="1">
+                <a:ln cmpd="dbl">
+                  <a:solidFill>
+                    <a:schemeClr val="accent1"/>
+                  </a:solidFill>
+                </a:ln>
+                <a:solidFill>
+                  <a:srgbClr val="202124"/>
+                </a:solidFill>
+                <a:ea typeface="Calibri" panose="020F0502020204030204" pitchFamily="34" charset="0"/>
+                <a:cs typeface="Dreaming Outloud Script Pro" panose="03050502040304050704" pitchFamily="66" charset="0"/>
+              </a:rPr>
+              <a:t>P</a:t>
+            </a:r>
+            <a:r>
+              <a:rPr lang="en-AU" sz="1400" kern="100" dirty="0">
+                <a:ln cmpd="dbl">
+                  <a:solidFill>
+                    <a:schemeClr val="accent1"/>
+                  </a:solidFill>
+                </a:ln>
+                <a:solidFill>
+                  <a:srgbClr val="202124"/>
+                </a:solidFill>
+                <a:effectLst/>
+                <a:ea typeface="Calibri" panose="020F0502020204030204" pitchFamily="34" charset="0"/>
+                <a:cs typeface="Dreaming Outloud Script Pro" panose="03050502040304050704" pitchFamily="66" charset="0"/>
+              </a:rPr>
+              <a:t>(</a:t>
+            </a:r>
+            <a:r>
+              <a:rPr lang="en-AU" sz="1100" kern="100" dirty="0" err="1">
+                <a:ln cmpd="dbl">
+                  <a:solidFill>
+                    <a:schemeClr val="accent1"/>
+                  </a:solidFill>
+                </a:ln>
+                <a:solidFill>
+                  <a:srgbClr val="202124"/>
+                </a:solidFill>
+                <a:effectLst/>
+                <a:ea typeface="Calibri" panose="020F0502020204030204" pitchFamily="34" charset="0"/>
+                <a:cs typeface="Dreaming Outloud Script Pro" panose="03050502040304050704" pitchFamily="66" charset="0"/>
+              </a:rPr>
+              <a:t>dom</a:t>
+            </a:r>
+            <a:r>
+              <a:rPr lang="en-AU" sz="1100" kern="100" dirty="0">
+                <a:ln cmpd="dbl">
+                  <a:solidFill>
+                    <a:schemeClr val="accent1"/>
+                  </a:solidFill>
+                </a:ln>
+                <a:solidFill>
+                  <a:srgbClr val="202124"/>
+                </a:solidFill>
+                <a:effectLst/>
+                <a:ea typeface="Calibri" panose="020F0502020204030204" pitchFamily="34" charset="0"/>
+                <a:cs typeface="Dreaming Outloud Script Pro" panose="03050502040304050704" pitchFamily="66" charset="0"/>
+              </a:rPr>
+              <a:t>(</a:t>
+            </a:r>
+            <a:r>
+              <a:rPr lang="en-AU" sz="1400" kern="100" dirty="0">
+                <a:ln cmpd="dbl">
+                  <a:solidFill>
+                    <a:schemeClr val="accent1"/>
+                  </a:solidFill>
+                </a:ln>
+                <a:solidFill>
+                  <a:srgbClr val="202124"/>
+                </a:solidFill>
+                <a:effectLst/>
+                <a:ea typeface="Calibri" panose="020F0502020204030204" pitchFamily="34" charset="0"/>
+                <a:cs typeface="Dreaming Outloud Script Pro" panose="03050502040304050704" pitchFamily="66" charset="0"/>
+              </a:rPr>
+              <a:t>A</a:t>
+            </a:r>
+            <a:r>
+              <a:rPr lang="en-AU" sz="1400" kern="100" baseline="-25000" dirty="0">
+                <a:ln cmpd="dbl">
+                  <a:solidFill>
+                    <a:schemeClr val="accent1"/>
+                  </a:solidFill>
+                </a:ln>
+                <a:solidFill>
+                  <a:srgbClr val="202124"/>
+                </a:solidFill>
+                <a:effectLst/>
+                <a:ea typeface="Calibri" panose="020F0502020204030204" pitchFamily="34" charset="0"/>
+                <a:cs typeface="Dreaming Outloud Script Pro" panose="03050502040304050704" pitchFamily="66" charset="0"/>
+              </a:rPr>
+              <a:t>1</a:t>
+            </a:r>
+            <a:r>
+              <a:rPr lang="en-AU" sz="1100" kern="100" dirty="0">
+                <a:ln cmpd="dbl">
+                  <a:solidFill>
+                    <a:schemeClr val="accent1"/>
+                  </a:solidFill>
+                </a:ln>
+                <a:solidFill>
+                  <a:srgbClr val="202124"/>
+                </a:solidFill>
+                <a:effectLst/>
+                <a:ea typeface="Calibri" panose="020F0502020204030204" pitchFamily="34" charset="0"/>
+                <a:cs typeface="Dreaming Outloud Script Pro" panose="03050502040304050704" pitchFamily="66" charset="0"/>
+              </a:rPr>
+              <a:t>)</a:t>
+            </a:r>
+            <a:r>
+              <a:rPr lang="en-AU" sz="1400" kern="100" dirty="0">
+                <a:ln cmpd="dbl">
+                  <a:solidFill>
+                    <a:schemeClr val="accent1"/>
+                  </a:solidFill>
+                </a:ln>
+                <a:solidFill>
+                  <a:srgbClr val="202124"/>
+                </a:solidFill>
+                <a:effectLst/>
+                <a:ea typeface="Calibri" panose="020F0502020204030204" pitchFamily="34" charset="0"/>
+                <a:cs typeface="Dreaming Outloud Script Pro" panose="03050502040304050704" pitchFamily="66" charset="0"/>
+              </a:rPr>
+              <a:t>×</a:t>
+            </a:r>
+            <a:r>
+              <a:rPr lang="en-AU" sz="1100" kern="100" dirty="0">
+                <a:ln cmpd="dbl">
+                  <a:solidFill>
+                    <a:schemeClr val="accent1"/>
+                  </a:solidFill>
+                </a:ln>
+                <a:solidFill>
+                  <a:srgbClr val="202124"/>
+                </a:solidFill>
+                <a:effectLst/>
+                <a:ea typeface="Calibri" panose="020F0502020204030204" pitchFamily="34" charset="0"/>
+                <a:cs typeface="Dreaming Outloud Script Pro" panose="03050502040304050704" pitchFamily="66" charset="0"/>
+              </a:rPr>
+              <a:t> </a:t>
+            </a:r>
+            <a:r>
+              <a:rPr lang="en-AU" sz="1100" kern="100" dirty="0" err="1">
+                <a:ln cmpd="dbl">
+                  <a:solidFill>
+                    <a:schemeClr val="accent1"/>
+                  </a:solidFill>
+                </a:ln>
+                <a:solidFill>
+                  <a:srgbClr val="202124"/>
+                </a:solidFill>
+                <a:effectLst/>
+                <a:ea typeface="Calibri" panose="020F0502020204030204" pitchFamily="34" charset="0"/>
+                <a:cs typeface="Dreaming Outloud Script Pro" panose="03050502040304050704" pitchFamily="66" charset="0"/>
+              </a:rPr>
+              <a:t>dom</a:t>
+            </a:r>
+            <a:r>
+              <a:rPr lang="en-AU" sz="1100" kern="100" dirty="0">
+                <a:ln cmpd="dbl">
+                  <a:solidFill>
+                    <a:schemeClr val="accent1"/>
+                  </a:solidFill>
+                </a:ln>
+                <a:solidFill>
+                  <a:srgbClr val="202124"/>
+                </a:solidFill>
+                <a:effectLst/>
+                <a:ea typeface="Calibri" panose="020F0502020204030204" pitchFamily="34" charset="0"/>
+                <a:cs typeface="Dreaming Outloud Script Pro" panose="03050502040304050704" pitchFamily="66" charset="0"/>
+              </a:rPr>
+              <a:t>( </a:t>
+            </a:r>
+            <a:r>
+              <a:rPr lang="en-AU" sz="1400" kern="100" dirty="0">
+                <a:ln cmpd="dbl">
+                  <a:solidFill>
+                    <a:schemeClr val="accent1"/>
+                  </a:solidFill>
+                </a:ln>
+                <a:solidFill>
+                  <a:srgbClr val="202124"/>
+                </a:solidFill>
+                <a:effectLst/>
+                <a:ea typeface="Calibri" panose="020F0502020204030204" pitchFamily="34" charset="0"/>
+                <a:cs typeface="Dreaming Outloud Script Pro" panose="03050502040304050704" pitchFamily="66" charset="0"/>
+              </a:rPr>
+              <a:t>A</a:t>
+            </a:r>
+            <a:r>
+              <a:rPr lang="en-AU" sz="1400" kern="100" baseline="-25000" dirty="0">
+                <a:ln cmpd="dbl">
+                  <a:solidFill>
+                    <a:schemeClr val="accent1"/>
+                  </a:solidFill>
+                </a:ln>
+                <a:solidFill>
+                  <a:srgbClr val="202124"/>
+                </a:solidFill>
+                <a:effectLst/>
+                <a:ea typeface="Calibri" panose="020F0502020204030204" pitchFamily="34" charset="0"/>
+                <a:cs typeface="Dreaming Outloud Script Pro" panose="03050502040304050704" pitchFamily="66" charset="0"/>
+              </a:rPr>
+              <a:t>2</a:t>
+            </a:r>
+            <a:r>
+              <a:rPr lang="en-AU" sz="1100" kern="100" dirty="0">
+                <a:ln cmpd="dbl">
+                  <a:solidFill>
+                    <a:schemeClr val="accent1"/>
+                  </a:solidFill>
+                </a:ln>
+                <a:solidFill>
+                  <a:srgbClr val="202124"/>
+                </a:solidFill>
+                <a:effectLst/>
+                <a:ea typeface="Calibri" panose="020F0502020204030204" pitchFamily="34" charset="0"/>
+                <a:cs typeface="Dreaming Outloud Script Pro" panose="03050502040304050704" pitchFamily="66" charset="0"/>
+              </a:rPr>
+              <a:t>) </a:t>
+            </a:r>
+            <a:r>
+              <a:rPr lang="en-AU" sz="1400" kern="100" dirty="0">
+                <a:ln cmpd="dbl">
+                  <a:solidFill>
+                    <a:schemeClr val="accent1"/>
+                  </a:solidFill>
+                </a:ln>
+                <a:solidFill>
+                  <a:srgbClr val="202124"/>
+                </a:solidFill>
+                <a:effectLst/>
+                <a:ea typeface="Calibri" panose="020F0502020204030204" pitchFamily="34" charset="0"/>
+                <a:cs typeface="Dreaming Outloud Script Pro" panose="03050502040304050704" pitchFamily="66" charset="0"/>
+              </a:rPr>
+              <a:t>×</a:t>
+            </a:r>
+            <a:r>
+              <a:rPr lang="en-AU" sz="1100" kern="100" dirty="0">
+                <a:ln cmpd="dbl">
+                  <a:solidFill>
+                    <a:schemeClr val="accent1"/>
+                  </a:solidFill>
+                </a:ln>
+                <a:solidFill>
+                  <a:srgbClr val="202124"/>
+                </a:solidFill>
+                <a:effectLst/>
+                <a:ea typeface="Calibri" panose="020F0502020204030204" pitchFamily="34" charset="0"/>
+                <a:cs typeface="Dreaming Outloud Script Pro" panose="03050502040304050704" pitchFamily="66" charset="0"/>
+              </a:rPr>
+              <a:t> … </a:t>
+            </a:r>
+            <a:r>
+              <a:rPr lang="en-AU" sz="1400" kern="100" dirty="0">
+                <a:ln cmpd="dbl">
+                  <a:solidFill>
+                    <a:schemeClr val="accent1"/>
+                  </a:solidFill>
+                </a:ln>
+                <a:solidFill>
+                  <a:srgbClr val="202124"/>
+                </a:solidFill>
+                <a:effectLst/>
+                <a:ea typeface="Calibri" panose="020F0502020204030204" pitchFamily="34" charset="0"/>
+                <a:cs typeface="Dreaming Outloud Script Pro" panose="03050502040304050704" pitchFamily="66" charset="0"/>
+              </a:rPr>
+              <a:t>×</a:t>
+            </a:r>
+            <a:r>
+              <a:rPr lang="en-AU" sz="1100" kern="100" dirty="0">
+                <a:ln cmpd="dbl">
+                  <a:solidFill>
+                    <a:schemeClr val="accent1"/>
+                  </a:solidFill>
+                </a:ln>
+                <a:solidFill>
+                  <a:srgbClr val="202124"/>
+                </a:solidFill>
+                <a:effectLst/>
+                <a:ea typeface="Calibri" panose="020F0502020204030204" pitchFamily="34" charset="0"/>
+                <a:cs typeface="Dreaming Outloud Script Pro" panose="03050502040304050704" pitchFamily="66" charset="0"/>
+              </a:rPr>
+              <a:t> </a:t>
+            </a:r>
+            <a:r>
+              <a:rPr lang="en-AU" sz="1100" kern="100" dirty="0" err="1">
+                <a:ln cmpd="dbl">
+                  <a:solidFill>
+                    <a:schemeClr val="accent1"/>
+                  </a:solidFill>
+                </a:ln>
+                <a:solidFill>
+                  <a:srgbClr val="202124"/>
+                </a:solidFill>
+                <a:effectLst/>
+                <a:ea typeface="Calibri" panose="020F0502020204030204" pitchFamily="34" charset="0"/>
+                <a:cs typeface="Dreaming Outloud Script Pro" panose="03050502040304050704" pitchFamily="66" charset="0"/>
+              </a:rPr>
+              <a:t>dom</a:t>
+            </a:r>
+            <a:r>
+              <a:rPr lang="en-AU" sz="1100" kern="100" dirty="0">
+                <a:ln cmpd="dbl">
+                  <a:solidFill>
+                    <a:schemeClr val="accent1"/>
+                  </a:solidFill>
+                </a:ln>
+                <a:solidFill>
+                  <a:srgbClr val="202124"/>
+                </a:solidFill>
+                <a:effectLst/>
+                <a:ea typeface="Calibri" panose="020F0502020204030204" pitchFamily="34" charset="0"/>
+                <a:cs typeface="Dreaming Outloud Script Pro" panose="03050502040304050704" pitchFamily="66" charset="0"/>
+              </a:rPr>
+              <a:t>(</a:t>
+            </a:r>
+            <a:r>
+              <a:rPr lang="en-AU" sz="1400" kern="100" dirty="0">
+                <a:ln cmpd="dbl">
+                  <a:solidFill>
+                    <a:schemeClr val="accent1"/>
+                  </a:solidFill>
+                </a:ln>
+                <a:solidFill>
+                  <a:srgbClr val="202124"/>
+                </a:solidFill>
+                <a:effectLst/>
+                <a:ea typeface="Calibri" panose="020F0502020204030204" pitchFamily="34" charset="0"/>
+                <a:cs typeface="Dreaming Outloud Script Pro" panose="03050502040304050704" pitchFamily="66" charset="0"/>
+              </a:rPr>
+              <a:t>A</a:t>
+            </a:r>
+            <a:r>
+              <a:rPr lang="en-AU" sz="1400" kern="100" baseline="-25000" dirty="0">
+                <a:ln cmpd="dbl">
+                  <a:solidFill>
+                    <a:schemeClr val="accent1"/>
+                  </a:solidFill>
+                </a:ln>
+                <a:solidFill>
+                  <a:srgbClr val="202124"/>
+                </a:solidFill>
+                <a:effectLst/>
+                <a:ea typeface="Calibri" panose="020F0502020204030204" pitchFamily="34" charset="0"/>
+                <a:cs typeface="Dreaming Outloud Script Pro" panose="03050502040304050704" pitchFamily="66" charset="0"/>
+              </a:rPr>
+              <a:t>n</a:t>
+            </a:r>
+            <a:r>
+              <a:rPr lang="en-AU" sz="1100" kern="100" dirty="0">
+                <a:ln cmpd="dbl">
+                  <a:solidFill>
+                    <a:schemeClr val="accent1"/>
+                  </a:solidFill>
+                </a:ln>
+                <a:solidFill>
+                  <a:srgbClr val="202124"/>
+                </a:solidFill>
+                <a:effectLst/>
+                <a:ea typeface="Calibri" panose="020F0502020204030204" pitchFamily="34" charset="0"/>
+                <a:cs typeface="Dreaming Outloud Script Pro" panose="03050502040304050704" pitchFamily="66" charset="0"/>
+              </a:rPr>
+              <a:t>) </a:t>
+            </a:r>
+            <a:r>
+              <a:rPr lang="en-AU" sz="1400" kern="100" dirty="0">
+                <a:ln cmpd="dbl">
+                  <a:solidFill>
+                    <a:schemeClr val="accent1"/>
+                  </a:solidFill>
+                </a:ln>
+                <a:solidFill>
+                  <a:srgbClr val="202124"/>
+                </a:solidFill>
+                <a:effectLst/>
+                <a:ea typeface="Calibri" panose="020F0502020204030204" pitchFamily="34" charset="0"/>
+                <a:cs typeface="Dreaming Outloud Script Pro" panose="03050502040304050704" pitchFamily="66" charset="0"/>
+              </a:rPr>
+              <a:t>) </a:t>
+            </a:r>
+            <a:br>
+              <a:rPr lang="en-AU" sz="1400" kern="100" dirty="0">
+                <a:ln cmpd="dbl">
+                  <a:solidFill>
+                    <a:schemeClr val="accent1"/>
+                  </a:solidFill>
+                </a:ln>
+                <a:solidFill>
+                  <a:srgbClr val="202124"/>
+                </a:solidFill>
+                <a:effectLst/>
+                <a:ea typeface="Calibri" panose="020F0502020204030204" pitchFamily="34" charset="0"/>
+                <a:cs typeface="Dreaming Outloud Script Pro" panose="03050502040304050704" pitchFamily="66" charset="0"/>
+              </a:rPr>
+            </a:br>
+            <a:r>
+              <a:rPr lang="en-AU" sz="1100" kern="100" dirty="0">
+                <a:ln cmpd="dbl">
+                  <a:solidFill>
+                    <a:schemeClr val="accent1"/>
+                  </a:solidFill>
+                </a:ln>
+                <a:solidFill>
+                  <a:srgbClr val="202124"/>
+                </a:solidFill>
+                <a:effectLst/>
+                <a:ea typeface="Calibri" panose="020F0502020204030204" pitchFamily="34" charset="0"/>
+                <a:cs typeface="Dreaming Outloud Script Pro" panose="03050502040304050704" pitchFamily="66" charset="0"/>
+              </a:rPr>
+              <a:t>for some predicate p and attributes A</a:t>
+            </a:r>
+            <a:r>
+              <a:rPr lang="en-AU" sz="1100" kern="100" baseline="-25000" dirty="0">
+                <a:ln cmpd="dbl">
+                  <a:solidFill>
+                    <a:schemeClr val="accent1"/>
+                  </a:solidFill>
+                </a:ln>
+                <a:solidFill>
+                  <a:srgbClr val="202124"/>
+                </a:solidFill>
+                <a:effectLst/>
+                <a:ea typeface="Calibri" panose="020F0502020204030204" pitchFamily="34" charset="0"/>
+                <a:cs typeface="Dreaming Outloud Script Pro" panose="03050502040304050704" pitchFamily="66" charset="0"/>
+              </a:rPr>
+              <a:t>1</a:t>
+            </a:r>
+            <a:r>
+              <a:rPr lang="en-AU" sz="1100" kern="100" dirty="0">
+                <a:ln cmpd="dbl">
+                  <a:solidFill>
+                    <a:schemeClr val="accent1"/>
+                  </a:solidFill>
+                </a:ln>
+                <a:solidFill>
+                  <a:srgbClr val="202124"/>
+                </a:solidFill>
+                <a:effectLst/>
+                <a:ea typeface="Calibri" panose="020F0502020204030204" pitchFamily="34" charset="0"/>
+                <a:cs typeface="Dreaming Outloud Script Pro" panose="03050502040304050704" pitchFamily="66" charset="0"/>
+              </a:rPr>
+              <a:t>, A</a:t>
+            </a:r>
+            <a:r>
+              <a:rPr lang="en-AU" sz="1100" kern="100" baseline="-25000" dirty="0">
+                <a:ln cmpd="dbl">
+                  <a:solidFill>
+                    <a:schemeClr val="accent1"/>
+                  </a:solidFill>
+                </a:ln>
+                <a:solidFill>
+                  <a:srgbClr val="202124"/>
+                </a:solidFill>
+                <a:effectLst/>
+                <a:ea typeface="Calibri" panose="020F0502020204030204" pitchFamily="34" charset="0"/>
+                <a:cs typeface="Dreaming Outloud Script Pro" panose="03050502040304050704" pitchFamily="66" charset="0"/>
+              </a:rPr>
+              <a:t>2</a:t>
+            </a:r>
+            <a:r>
+              <a:rPr lang="en-AU" sz="1100" kern="100" dirty="0">
+                <a:ln cmpd="dbl">
+                  <a:solidFill>
+                    <a:schemeClr val="accent1"/>
+                  </a:solidFill>
+                </a:ln>
+                <a:solidFill>
+                  <a:srgbClr val="202124"/>
+                </a:solidFill>
+                <a:effectLst/>
+                <a:ea typeface="Calibri" panose="020F0502020204030204" pitchFamily="34" charset="0"/>
+                <a:cs typeface="Dreaming Outloud Script Pro" panose="03050502040304050704" pitchFamily="66" charset="0"/>
+              </a:rPr>
+              <a:t>, …, A</a:t>
+            </a:r>
+            <a:r>
+              <a:rPr lang="en-AU" sz="1100" kern="100" baseline="-25000" dirty="0">
+                <a:ln cmpd="dbl">
+                  <a:solidFill>
+                    <a:schemeClr val="accent1"/>
+                  </a:solidFill>
+                </a:ln>
+                <a:solidFill>
+                  <a:srgbClr val="202124"/>
+                </a:solidFill>
+                <a:effectLst/>
+                <a:ea typeface="Calibri" panose="020F0502020204030204" pitchFamily="34" charset="0"/>
+                <a:cs typeface="Dreaming Outloud Script Pro" panose="03050502040304050704" pitchFamily="66" charset="0"/>
+              </a:rPr>
+              <a:t>n</a:t>
+            </a:r>
+            <a:r>
+              <a:rPr lang="en-AU" kern="100" baseline="-25000" dirty="0">
+                <a:ln cmpd="dbl">
+                  <a:solidFill>
+                    <a:schemeClr val="accent1"/>
+                  </a:solidFill>
+                </a:ln>
+                <a:solidFill>
+                  <a:srgbClr val="202124"/>
+                </a:solidFill>
+                <a:ea typeface="Calibri" panose="020F0502020204030204" pitchFamily="34" charset="0"/>
+                <a:cs typeface="Dreaming Outloud Script Pro" panose="03050502040304050704" pitchFamily="66" charset="0"/>
+              </a:rPr>
+              <a:t>.</a:t>
+            </a:r>
+            <a:br>
+              <a:rPr lang="en-AU" kern="100" baseline="-25000" dirty="0">
+                <a:ln cmpd="dbl">
+                  <a:solidFill>
+                    <a:schemeClr val="accent1"/>
+                  </a:solidFill>
+                </a:ln>
+                <a:solidFill>
+                  <a:srgbClr val="202124"/>
+                </a:solidFill>
+                <a:ea typeface="Calibri" panose="020F0502020204030204" pitchFamily="34" charset="0"/>
+                <a:cs typeface="Dreaming Outloud Script Pro" panose="03050502040304050704" pitchFamily="66" charset="0"/>
+              </a:rPr>
+            </a:br>
+            <a:endParaRPr lang="en-AU" kern="100" baseline="-25000" dirty="0">
+              <a:ln cmpd="dbl">
+                <a:solidFill>
+                  <a:schemeClr val="accent1"/>
+                </a:solidFill>
+              </a:ln>
+              <a:solidFill>
+                <a:srgbClr val="202124"/>
+              </a:solidFill>
+              <a:ea typeface="Calibri" panose="020F0502020204030204" pitchFamily="34" charset="0"/>
+              <a:cs typeface="Dreaming Outloud Script Pro" panose="03050502040304050704" pitchFamily="66" charset="0"/>
+            </a:endParaRPr>
+          </a:p>
+          <a:p>
+            <a:pPr marL="171450" indent="-171450">
+              <a:buFont typeface="Arial" panose="020B0604020202020204" pitchFamily="34" charset="0"/>
+              <a:buChar char="•"/>
+            </a:pPr>
+            <a:r>
+              <a:rPr lang="en-AU" sz="1100" dirty="0">
+                <a:ln cmpd="dbl">
+                  <a:solidFill>
+                    <a:schemeClr val="accent1"/>
+                  </a:solidFill>
+                </a:ln>
+              </a:rPr>
+              <a:t>An </a:t>
+            </a:r>
+            <a:r>
+              <a:rPr lang="en-AU" sz="1100" b="1" dirty="0">
+                <a:ln cmpd="dbl">
+                  <a:solidFill>
+                    <a:schemeClr val="accent1"/>
+                  </a:solidFill>
+                </a:ln>
+              </a:rPr>
+              <a:t>extensionally-defined relation </a:t>
+            </a:r>
+            <a:r>
+              <a:rPr lang="en-AU" sz="1100" dirty="0">
+                <a:ln cmpd="dbl">
+                  <a:solidFill>
+                    <a:schemeClr val="accent1"/>
+                  </a:solidFill>
+                </a:ln>
+              </a:rPr>
+              <a:t>captures the relation as a list of tuples.</a:t>
+            </a:r>
+          </a:p>
+          <a:p>
+            <a:pPr marL="171450" indent="-171450">
+              <a:buFont typeface="Arial" panose="020B0604020202020204" pitchFamily="34" charset="0"/>
+              <a:buChar char="•"/>
+            </a:pPr>
+            <a:r>
+              <a:rPr lang="en-AU" sz="1100" dirty="0">
+                <a:ln cmpd="dbl">
+                  <a:solidFill>
+                    <a:schemeClr val="accent1"/>
+                  </a:solidFill>
+                </a:ln>
+              </a:rPr>
+              <a:t>An </a:t>
+            </a:r>
+            <a:r>
+              <a:rPr lang="en-AU" sz="1100" b="1" dirty="0">
+                <a:ln cmpd="dbl">
+                  <a:solidFill>
+                    <a:schemeClr val="accent1"/>
+                  </a:solidFill>
+                </a:ln>
+              </a:rPr>
+              <a:t>intensionally-defined relation </a:t>
+            </a:r>
+            <a:r>
+              <a:rPr lang="en-AU" sz="1100" dirty="0">
+                <a:ln cmpd="dbl">
+                  <a:solidFill>
+                    <a:schemeClr val="accent1"/>
+                  </a:solidFill>
+                </a:ln>
+              </a:rPr>
+              <a:t>directly computes</a:t>
+            </a:r>
+            <a:r>
+              <a:rPr lang="en-AU" sz="1100" b="1" dirty="0">
+                <a:ln cmpd="dbl">
+                  <a:solidFill>
+                    <a:schemeClr val="accent1"/>
+                  </a:solidFill>
+                </a:ln>
+              </a:rPr>
+              <a:t> </a:t>
+            </a:r>
+            <a:r>
+              <a:rPr lang="en-AU" sz="1200" kern="100" dirty="0" err="1">
+                <a:ln cmpd="dbl">
+                  <a:solidFill>
+                    <a:schemeClr val="accent1"/>
+                  </a:solidFill>
+                </a:ln>
+                <a:solidFill>
+                  <a:srgbClr val="202124"/>
+                </a:solidFill>
+                <a:effectLst/>
+                <a:ea typeface="Calibri" panose="020F0502020204030204" pitchFamily="34" charset="0"/>
+                <a:cs typeface="Calibri" panose="020F0502020204030204" pitchFamily="34" charset="0"/>
+              </a:rPr>
+              <a:t>σ</a:t>
+            </a:r>
+            <a:r>
+              <a:rPr lang="en-AU" sz="1200" kern="100" baseline="-25000" dirty="0" err="1">
+                <a:ln cmpd="dbl">
+                  <a:solidFill>
+                    <a:schemeClr val="accent1"/>
+                  </a:solidFill>
+                </a:ln>
+                <a:solidFill>
+                  <a:srgbClr val="202124"/>
+                </a:solidFill>
+                <a:ea typeface="Calibri" panose="020F0502020204030204" pitchFamily="34" charset="0"/>
+                <a:cs typeface="Dreaming Outloud Script Pro" panose="03050502040304050704" pitchFamily="66" charset="0"/>
+              </a:rPr>
+              <a:t>P</a:t>
+            </a:r>
+            <a:r>
+              <a:rPr lang="en-AU" sz="1200" kern="100" dirty="0">
+                <a:ln cmpd="dbl">
+                  <a:solidFill>
+                    <a:schemeClr val="accent1"/>
+                  </a:solidFill>
+                </a:ln>
+                <a:solidFill>
+                  <a:srgbClr val="202124"/>
+                </a:solidFill>
+                <a:effectLst/>
+                <a:ea typeface="Calibri" panose="020F0502020204030204" pitchFamily="34" charset="0"/>
+                <a:cs typeface="Dreaming Outloud Script Pro" panose="03050502040304050704" pitchFamily="66" charset="0"/>
+              </a:rPr>
+              <a:t>(</a:t>
+            </a:r>
+            <a:r>
+              <a:rPr lang="en-AU" sz="1050" kern="100" dirty="0" err="1">
+                <a:ln cmpd="dbl">
+                  <a:solidFill>
+                    <a:schemeClr val="accent1"/>
+                  </a:solidFill>
+                </a:ln>
+                <a:solidFill>
+                  <a:srgbClr val="202124"/>
+                </a:solidFill>
+                <a:effectLst/>
+                <a:ea typeface="Calibri" panose="020F0502020204030204" pitchFamily="34" charset="0"/>
+                <a:cs typeface="Dreaming Outloud Script Pro" panose="03050502040304050704" pitchFamily="66" charset="0"/>
+              </a:rPr>
+              <a:t>dom</a:t>
+            </a:r>
+            <a:r>
+              <a:rPr lang="en-AU" sz="1050" kern="100" dirty="0">
+                <a:ln cmpd="dbl">
+                  <a:solidFill>
+                    <a:schemeClr val="accent1"/>
+                  </a:solidFill>
+                </a:ln>
+                <a:solidFill>
+                  <a:srgbClr val="202124"/>
+                </a:solidFill>
+                <a:effectLst/>
+                <a:ea typeface="Calibri" panose="020F0502020204030204" pitchFamily="34" charset="0"/>
+                <a:cs typeface="Dreaming Outloud Script Pro" panose="03050502040304050704" pitchFamily="66" charset="0"/>
+              </a:rPr>
+              <a:t>(</a:t>
+            </a:r>
+            <a:r>
+              <a:rPr lang="en-AU" sz="1200" kern="100" dirty="0">
+                <a:ln cmpd="dbl">
+                  <a:solidFill>
+                    <a:schemeClr val="accent1"/>
+                  </a:solidFill>
+                </a:ln>
+                <a:solidFill>
+                  <a:srgbClr val="202124"/>
+                </a:solidFill>
+                <a:effectLst/>
+                <a:ea typeface="Calibri" panose="020F0502020204030204" pitchFamily="34" charset="0"/>
+                <a:cs typeface="Dreaming Outloud Script Pro" panose="03050502040304050704" pitchFamily="66" charset="0"/>
+              </a:rPr>
+              <a:t>A</a:t>
+            </a:r>
+            <a:r>
+              <a:rPr lang="en-AU" sz="1200" kern="100" baseline="-25000" dirty="0">
+                <a:ln cmpd="dbl">
+                  <a:solidFill>
+                    <a:schemeClr val="accent1"/>
+                  </a:solidFill>
+                </a:ln>
+                <a:solidFill>
+                  <a:srgbClr val="202124"/>
+                </a:solidFill>
+                <a:effectLst/>
+                <a:ea typeface="Calibri" panose="020F0502020204030204" pitchFamily="34" charset="0"/>
+                <a:cs typeface="Dreaming Outloud Script Pro" panose="03050502040304050704" pitchFamily="66" charset="0"/>
+              </a:rPr>
+              <a:t>1</a:t>
+            </a:r>
+            <a:r>
+              <a:rPr lang="en-AU" sz="1050" kern="100" dirty="0">
+                <a:ln cmpd="dbl">
+                  <a:solidFill>
+                    <a:schemeClr val="accent1"/>
+                  </a:solidFill>
+                </a:ln>
+                <a:solidFill>
+                  <a:srgbClr val="202124"/>
+                </a:solidFill>
+                <a:effectLst/>
+                <a:ea typeface="Calibri" panose="020F0502020204030204" pitchFamily="34" charset="0"/>
+                <a:cs typeface="Dreaming Outloud Script Pro" panose="03050502040304050704" pitchFamily="66" charset="0"/>
+              </a:rPr>
+              <a:t>)</a:t>
+            </a:r>
+            <a:r>
+              <a:rPr lang="en-AU" sz="1200" kern="100" dirty="0">
+                <a:ln cmpd="dbl">
+                  <a:solidFill>
+                    <a:schemeClr val="accent1"/>
+                  </a:solidFill>
+                </a:ln>
+                <a:solidFill>
+                  <a:srgbClr val="202124"/>
+                </a:solidFill>
+                <a:effectLst/>
+                <a:ea typeface="Calibri" panose="020F0502020204030204" pitchFamily="34" charset="0"/>
+                <a:cs typeface="Dreaming Outloud Script Pro" panose="03050502040304050704" pitchFamily="66" charset="0"/>
+              </a:rPr>
+              <a:t>×</a:t>
+            </a:r>
+            <a:r>
+              <a:rPr lang="en-AU" sz="1050" kern="100" dirty="0">
+                <a:ln cmpd="dbl">
+                  <a:solidFill>
+                    <a:schemeClr val="accent1"/>
+                  </a:solidFill>
+                </a:ln>
+                <a:solidFill>
+                  <a:srgbClr val="202124"/>
+                </a:solidFill>
+                <a:effectLst/>
+                <a:ea typeface="Calibri" panose="020F0502020204030204" pitchFamily="34" charset="0"/>
+                <a:cs typeface="Dreaming Outloud Script Pro" panose="03050502040304050704" pitchFamily="66" charset="0"/>
+              </a:rPr>
+              <a:t> </a:t>
+            </a:r>
+            <a:r>
+              <a:rPr lang="en-AU" sz="1050" kern="100" dirty="0" err="1">
+                <a:ln cmpd="dbl">
+                  <a:solidFill>
+                    <a:schemeClr val="accent1"/>
+                  </a:solidFill>
+                </a:ln>
+                <a:solidFill>
+                  <a:srgbClr val="202124"/>
+                </a:solidFill>
+                <a:effectLst/>
+                <a:ea typeface="Calibri" panose="020F0502020204030204" pitchFamily="34" charset="0"/>
+                <a:cs typeface="Dreaming Outloud Script Pro" panose="03050502040304050704" pitchFamily="66" charset="0"/>
+              </a:rPr>
+              <a:t>dom</a:t>
+            </a:r>
+            <a:r>
+              <a:rPr lang="en-AU" sz="1050" kern="100" dirty="0">
+                <a:ln cmpd="dbl">
+                  <a:solidFill>
+                    <a:schemeClr val="accent1"/>
+                  </a:solidFill>
+                </a:ln>
+                <a:solidFill>
+                  <a:srgbClr val="202124"/>
+                </a:solidFill>
+                <a:effectLst/>
+                <a:ea typeface="Calibri" panose="020F0502020204030204" pitchFamily="34" charset="0"/>
+                <a:cs typeface="Dreaming Outloud Script Pro" panose="03050502040304050704" pitchFamily="66" charset="0"/>
+              </a:rPr>
+              <a:t>( </a:t>
+            </a:r>
+            <a:r>
+              <a:rPr lang="en-AU" sz="1200" kern="100" dirty="0">
+                <a:ln cmpd="dbl">
+                  <a:solidFill>
+                    <a:schemeClr val="accent1"/>
+                  </a:solidFill>
+                </a:ln>
+                <a:solidFill>
+                  <a:srgbClr val="202124"/>
+                </a:solidFill>
+                <a:effectLst/>
+                <a:ea typeface="Calibri" panose="020F0502020204030204" pitchFamily="34" charset="0"/>
+                <a:cs typeface="Dreaming Outloud Script Pro" panose="03050502040304050704" pitchFamily="66" charset="0"/>
+              </a:rPr>
+              <a:t>A</a:t>
+            </a:r>
+            <a:r>
+              <a:rPr lang="en-AU" sz="1200" kern="100" baseline="-25000" dirty="0">
+                <a:ln cmpd="dbl">
+                  <a:solidFill>
+                    <a:schemeClr val="accent1"/>
+                  </a:solidFill>
+                </a:ln>
+                <a:solidFill>
+                  <a:srgbClr val="202124"/>
+                </a:solidFill>
+                <a:effectLst/>
+                <a:ea typeface="Calibri" panose="020F0502020204030204" pitchFamily="34" charset="0"/>
+                <a:cs typeface="Dreaming Outloud Script Pro" panose="03050502040304050704" pitchFamily="66" charset="0"/>
+              </a:rPr>
+              <a:t>2</a:t>
+            </a:r>
+            <a:r>
+              <a:rPr lang="en-AU" sz="1050" kern="100" dirty="0">
+                <a:ln cmpd="dbl">
+                  <a:solidFill>
+                    <a:schemeClr val="accent1"/>
+                  </a:solidFill>
+                </a:ln>
+                <a:solidFill>
+                  <a:srgbClr val="202124"/>
+                </a:solidFill>
+                <a:effectLst/>
+                <a:ea typeface="Calibri" panose="020F0502020204030204" pitchFamily="34" charset="0"/>
+                <a:cs typeface="Dreaming Outloud Script Pro" panose="03050502040304050704" pitchFamily="66" charset="0"/>
+              </a:rPr>
+              <a:t>) </a:t>
+            </a:r>
+            <a:r>
+              <a:rPr lang="en-AU" sz="1200" kern="100" dirty="0">
+                <a:ln cmpd="dbl">
+                  <a:solidFill>
+                    <a:schemeClr val="accent1"/>
+                  </a:solidFill>
+                </a:ln>
+                <a:solidFill>
+                  <a:srgbClr val="202124"/>
+                </a:solidFill>
+                <a:effectLst/>
+                <a:ea typeface="Calibri" panose="020F0502020204030204" pitchFamily="34" charset="0"/>
+                <a:cs typeface="Dreaming Outloud Script Pro" panose="03050502040304050704" pitchFamily="66" charset="0"/>
+              </a:rPr>
+              <a:t>×</a:t>
+            </a:r>
+            <a:r>
+              <a:rPr lang="en-AU" sz="1050" kern="100" dirty="0">
+                <a:ln cmpd="dbl">
+                  <a:solidFill>
+                    <a:schemeClr val="accent1"/>
+                  </a:solidFill>
+                </a:ln>
+                <a:solidFill>
+                  <a:srgbClr val="202124"/>
+                </a:solidFill>
+                <a:effectLst/>
+                <a:ea typeface="Calibri" panose="020F0502020204030204" pitchFamily="34" charset="0"/>
+                <a:cs typeface="Dreaming Outloud Script Pro" panose="03050502040304050704" pitchFamily="66" charset="0"/>
+              </a:rPr>
+              <a:t> … </a:t>
+            </a:r>
+            <a:r>
+              <a:rPr lang="en-AU" sz="1200" kern="100" dirty="0">
+                <a:ln cmpd="dbl">
+                  <a:solidFill>
+                    <a:schemeClr val="accent1"/>
+                  </a:solidFill>
+                </a:ln>
+                <a:solidFill>
+                  <a:srgbClr val="202124"/>
+                </a:solidFill>
+                <a:effectLst/>
+                <a:ea typeface="Calibri" panose="020F0502020204030204" pitchFamily="34" charset="0"/>
+                <a:cs typeface="Dreaming Outloud Script Pro" panose="03050502040304050704" pitchFamily="66" charset="0"/>
+              </a:rPr>
+              <a:t>×</a:t>
+            </a:r>
+            <a:r>
+              <a:rPr lang="en-AU" sz="1050" kern="100" dirty="0">
+                <a:ln cmpd="dbl">
+                  <a:solidFill>
+                    <a:schemeClr val="accent1"/>
+                  </a:solidFill>
+                </a:ln>
+                <a:solidFill>
+                  <a:srgbClr val="202124"/>
+                </a:solidFill>
+                <a:effectLst/>
+                <a:ea typeface="Calibri" panose="020F0502020204030204" pitchFamily="34" charset="0"/>
+                <a:cs typeface="Dreaming Outloud Script Pro" panose="03050502040304050704" pitchFamily="66" charset="0"/>
+              </a:rPr>
+              <a:t> </a:t>
+            </a:r>
+            <a:r>
+              <a:rPr lang="en-AU" sz="1050" kern="100" dirty="0" err="1">
+                <a:ln cmpd="dbl">
+                  <a:solidFill>
+                    <a:schemeClr val="accent1"/>
+                  </a:solidFill>
+                </a:ln>
+                <a:solidFill>
+                  <a:srgbClr val="202124"/>
+                </a:solidFill>
+                <a:effectLst/>
+                <a:ea typeface="Calibri" panose="020F0502020204030204" pitchFamily="34" charset="0"/>
+                <a:cs typeface="Dreaming Outloud Script Pro" panose="03050502040304050704" pitchFamily="66" charset="0"/>
+              </a:rPr>
+              <a:t>dom</a:t>
+            </a:r>
+            <a:r>
+              <a:rPr lang="en-AU" sz="1050" kern="100" dirty="0">
+                <a:ln cmpd="dbl">
+                  <a:solidFill>
+                    <a:schemeClr val="accent1"/>
+                  </a:solidFill>
+                </a:ln>
+                <a:solidFill>
+                  <a:srgbClr val="202124"/>
+                </a:solidFill>
+                <a:effectLst/>
+                <a:ea typeface="Calibri" panose="020F0502020204030204" pitchFamily="34" charset="0"/>
+                <a:cs typeface="Dreaming Outloud Script Pro" panose="03050502040304050704" pitchFamily="66" charset="0"/>
+              </a:rPr>
+              <a:t>(</a:t>
+            </a:r>
+            <a:r>
+              <a:rPr lang="en-AU" sz="1200" kern="100" dirty="0">
+                <a:ln cmpd="dbl">
+                  <a:solidFill>
+                    <a:schemeClr val="accent1"/>
+                  </a:solidFill>
+                </a:ln>
+                <a:solidFill>
+                  <a:srgbClr val="202124"/>
+                </a:solidFill>
+                <a:effectLst/>
+                <a:ea typeface="Calibri" panose="020F0502020204030204" pitchFamily="34" charset="0"/>
+                <a:cs typeface="Dreaming Outloud Script Pro" panose="03050502040304050704" pitchFamily="66" charset="0"/>
+              </a:rPr>
+              <a:t>A</a:t>
+            </a:r>
+            <a:r>
+              <a:rPr lang="en-AU" sz="1200" kern="100" baseline="-25000" dirty="0">
+                <a:ln cmpd="dbl">
+                  <a:solidFill>
+                    <a:schemeClr val="accent1"/>
+                  </a:solidFill>
+                </a:ln>
+                <a:solidFill>
+                  <a:srgbClr val="202124"/>
+                </a:solidFill>
+                <a:effectLst/>
+                <a:ea typeface="Calibri" panose="020F0502020204030204" pitchFamily="34" charset="0"/>
+                <a:cs typeface="Dreaming Outloud Script Pro" panose="03050502040304050704" pitchFamily="66" charset="0"/>
+              </a:rPr>
+              <a:t>n</a:t>
+            </a:r>
+            <a:r>
+              <a:rPr lang="en-AU" sz="1050" kern="100" dirty="0">
+                <a:ln cmpd="dbl">
+                  <a:solidFill>
+                    <a:schemeClr val="accent1"/>
+                  </a:solidFill>
+                </a:ln>
+                <a:solidFill>
+                  <a:srgbClr val="202124"/>
+                </a:solidFill>
+                <a:effectLst/>
+                <a:ea typeface="Calibri" panose="020F0502020204030204" pitchFamily="34" charset="0"/>
+                <a:cs typeface="Dreaming Outloud Script Pro" panose="03050502040304050704" pitchFamily="66" charset="0"/>
+              </a:rPr>
+              <a:t>) </a:t>
+            </a:r>
+            <a:r>
+              <a:rPr lang="en-AU" sz="1200" kern="100" dirty="0">
+                <a:ln cmpd="dbl">
+                  <a:solidFill>
+                    <a:schemeClr val="accent1"/>
+                  </a:solidFill>
+                </a:ln>
+                <a:solidFill>
+                  <a:srgbClr val="202124"/>
+                </a:solidFill>
+                <a:effectLst/>
+                <a:ea typeface="Calibri" panose="020F0502020204030204" pitchFamily="34" charset="0"/>
+                <a:cs typeface="Dreaming Outloud Script Pro" panose="03050502040304050704" pitchFamily="66" charset="0"/>
+              </a:rPr>
+              <a:t>) </a:t>
+            </a:r>
+            <a:br>
+              <a:rPr lang="en-AU" sz="1200" kern="100" dirty="0">
+                <a:ln cmpd="dbl">
+                  <a:solidFill>
+                    <a:schemeClr val="accent1"/>
+                  </a:solidFill>
+                </a:ln>
+                <a:solidFill>
+                  <a:srgbClr val="202124"/>
+                </a:solidFill>
+                <a:effectLst/>
+                <a:ea typeface="Calibri" panose="020F0502020204030204" pitchFamily="34" charset="0"/>
+                <a:cs typeface="Dreaming Outloud Script Pro" panose="03050502040304050704" pitchFamily="66" charset="0"/>
+              </a:rPr>
+            </a:br>
+            <a:r>
+              <a:rPr lang="en-AU" sz="1200" kern="100" dirty="0">
+                <a:ln cmpd="dbl">
+                  <a:solidFill>
+                    <a:schemeClr val="accent1"/>
+                  </a:solidFill>
+                </a:ln>
+                <a:solidFill>
+                  <a:srgbClr val="202124"/>
+                </a:solidFill>
+                <a:effectLst/>
+                <a:ea typeface="Calibri" panose="020F0502020204030204" pitchFamily="34" charset="0"/>
+                <a:cs typeface="Dreaming Outloud Script Pro" panose="03050502040304050704" pitchFamily="66" charset="0"/>
+              </a:rPr>
+              <a:t>      in the context of a relational query. </a:t>
+            </a:r>
+            <a:endParaRPr lang="en-AU" sz="1050" dirty="0">
+              <a:ln cmpd="dbl">
+                <a:solidFill>
+                  <a:schemeClr val="accent1"/>
+                </a:solidFill>
+              </a:ln>
+            </a:endParaRPr>
+          </a:p>
+          <a:p>
+            <a:pPr marL="171450" indent="-171450">
+              <a:buFont typeface="Arial" panose="020B0604020202020204" pitchFamily="34" charset="0"/>
+              <a:buChar char="•"/>
+            </a:pPr>
+            <a:r>
+              <a:rPr lang="en-AU" sz="1100" dirty="0">
+                <a:ln cmpd="dbl">
+                  <a:solidFill>
+                    <a:schemeClr val="accent1"/>
+                  </a:solidFill>
+                </a:ln>
+              </a:rPr>
+              <a:t>A </a:t>
+            </a:r>
+            <a:r>
+              <a:rPr lang="en-AU" sz="1100" b="1" dirty="0">
+                <a:ln cmpd="dbl">
+                  <a:solidFill>
+                    <a:schemeClr val="accent1"/>
+                  </a:solidFill>
+                </a:ln>
+              </a:rPr>
+              <a:t>derived relation </a:t>
+            </a:r>
+            <a:r>
+              <a:rPr lang="en-AU" sz="1100" dirty="0">
+                <a:ln cmpd="dbl">
+                  <a:solidFill>
+                    <a:schemeClr val="accent1"/>
+                  </a:solidFill>
+                </a:ln>
+              </a:rPr>
+              <a:t>is the result of a relational query over one, or more, relations of any type.</a:t>
             </a:r>
           </a:p>
         </p:txBody>

--- a/images/src/jetisu diagrams.pptx
+++ b/images/src/jetisu diagrams.pptx
@@ -20881,7 +20881,7 @@
           <a:p>
             <a:fld id="{EB429232-E4BA-4B3A-9952-EE5A117FBC50}" type="datetimeFigureOut">
               <a:rPr lang="en-AU" smtClean="0"/>
-              <a:t>7/03/2023</a:t>
+              <a:t>20/03/2023</a:t>
             </a:fld>
             <a:endParaRPr lang="en-AU"/>
           </a:p>
@@ -21081,7 +21081,7 @@
           <a:p>
             <a:fld id="{EB429232-E4BA-4B3A-9952-EE5A117FBC50}" type="datetimeFigureOut">
               <a:rPr lang="en-AU" smtClean="0"/>
-              <a:t>7/03/2023</a:t>
+              <a:t>20/03/2023</a:t>
             </a:fld>
             <a:endParaRPr lang="en-AU"/>
           </a:p>
@@ -21291,7 +21291,7 @@
           <a:p>
             <a:fld id="{EB429232-E4BA-4B3A-9952-EE5A117FBC50}" type="datetimeFigureOut">
               <a:rPr lang="en-AU" smtClean="0"/>
-              <a:t>7/03/2023</a:t>
+              <a:t>20/03/2023</a:t>
             </a:fld>
             <a:endParaRPr lang="en-AU"/>
           </a:p>
@@ -21491,7 +21491,7 @@
           <a:p>
             <a:fld id="{EB429232-E4BA-4B3A-9952-EE5A117FBC50}" type="datetimeFigureOut">
               <a:rPr lang="en-AU" smtClean="0"/>
-              <a:t>7/03/2023</a:t>
+              <a:t>20/03/2023</a:t>
             </a:fld>
             <a:endParaRPr lang="en-AU"/>
           </a:p>
@@ -21767,7 +21767,7 @@
           <a:p>
             <a:fld id="{EB429232-E4BA-4B3A-9952-EE5A117FBC50}" type="datetimeFigureOut">
               <a:rPr lang="en-AU" smtClean="0"/>
-              <a:t>7/03/2023</a:t>
+              <a:t>20/03/2023</a:t>
             </a:fld>
             <a:endParaRPr lang="en-AU"/>
           </a:p>
@@ -22035,7 +22035,7 @@
           <a:p>
             <a:fld id="{EB429232-E4BA-4B3A-9952-EE5A117FBC50}" type="datetimeFigureOut">
               <a:rPr lang="en-AU" smtClean="0"/>
-              <a:t>7/03/2023</a:t>
+              <a:t>20/03/2023</a:t>
             </a:fld>
             <a:endParaRPr lang="en-AU"/>
           </a:p>
@@ -22450,7 +22450,7 @@
           <a:p>
             <a:fld id="{EB429232-E4BA-4B3A-9952-EE5A117FBC50}" type="datetimeFigureOut">
               <a:rPr lang="en-AU" smtClean="0"/>
-              <a:t>7/03/2023</a:t>
+              <a:t>20/03/2023</a:t>
             </a:fld>
             <a:endParaRPr lang="en-AU"/>
           </a:p>
@@ -22592,7 +22592,7 @@
           <a:p>
             <a:fld id="{EB429232-E4BA-4B3A-9952-EE5A117FBC50}" type="datetimeFigureOut">
               <a:rPr lang="en-AU" smtClean="0"/>
-              <a:t>7/03/2023</a:t>
+              <a:t>20/03/2023</a:t>
             </a:fld>
             <a:endParaRPr lang="en-AU"/>
           </a:p>
@@ -22705,7 +22705,7 @@
           <a:p>
             <a:fld id="{EB429232-E4BA-4B3A-9952-EE5A117FBC50}" type="datetimeFigureOut">
               <a:rPr lang="en-AU" smtClean="0"/>
-              <a:t>7/03/2023</a:t>
+              <a:t>20/03/2023</a:t>
             </a:fld>
             <a:endParaRPr lang="en-AU"/>
           </a:p>
@@ -23018,7 +23018,7 @@
           <a:p>
             <a:fld id="{EB429232-E4BA-4B3A-9952-EE5A117FBC50}" type="datetimeFigureOut">
               <a:rPr lang="en-AU" smtClean="0"/>
-              <a:t>7/03/2023</a:t>
+              <a:t>20/03/2023</a:t>
             </a:fld>
             <a:endParaRPr lang="en-AU"/>
           </a:p>
@@ -23307,7 +23307,7 @@
           <a:p>
             <a:fld id="{EB429232-E4BA-4B3A-9952-EE5A117FBC50}" type="datetimeFigureOut">
               <a:rPr lang="en-AU" smtClean="0"/>
-              <a:t>7/03/2023</a:t>
+              <a:t>20/03/2023</a:t>
             </a:fld>
             <a:endParaRPr lang="en-AU"/>
           </a:p>
@@ -23550,7 +23550,7 @@
           <a:p>
             <a:fld id="{EB429232-E4BA-4B3A-9952-EE5A117FBC50}" type="datetimeFigureOut">
               <a:rPr lang="en-AU" smtClean="0"/>
-              <a:t>7/03/2023</a:t>
+              <a:t>20/03/2023</a:t>
             </a:fld>
             <a:endParaRPr lang="en-AU"/>
           </a:p>
@@ -27023,10 +27023,10 @@
         </p:nvGrpSpPr>
         <p:grpSpPr>
           <a:xfrm>
-            <a:off x="5309343" y="3388867"/>
-            <a:ext cx="6677829" cy="3072888"/>
-            <a:chOff x="5456534" y="3336630"/>
-            <a:chExt cx="6677829" cy="3072888"/>
+            <a:off x="5309343" y="3397919"/>
+            <a:ext cx="6677828" cy="3063836"/>
+            <a:chOff x="5456534" y="3345682"/>
+            <a:chExt cx="6677828" cy="3063836"/>
           </a:xfrm>
         </p:grpSpPr>
         <p:grpSp>
@@ -27043,10 +27043,10 @@
           </p:nvGrpSpPr>
           <p:grpSpPr>
             <a:xfrm>
-              <a:off x="6107951" y="3336630"/>
-              <a:ext cx="6026412" cy="3072888"/>
-              <a:chOff x="5746685" y="3191016"/>
-              <a:chExt cx="4794382" cy="3072888"/>
+              <a:off x="6029279" y="3345682"/>
+              <a:ext cx="6105083" cy="3063836"/>
+              <a:chOff x="5684097" y="3200068"/>
+              <a:chExt cx="4856970" cy="3063836"/>
             </a:xfrm>
           </p:grpSpPr>
           <p:sp>
@@ -27173,8 +27173,8 @@
             </p:nvSpPr>
             <p:spPr>
               <a:xfrm>
-                <a:off x="5975151" y="3191016"/>
-                <a:ext cx="4329143" cy="646331"/>
+                <a:off x="5684097" y="3200068"/>
+                <a:ext cx="4745142" cy="646331"/>
               </a:xfrm>
               <a:prstGeom prst="rect">
                 <a:avLst/>
@@ -27224,7 +27224,7 @@
                       <a:schemeClr val="bg1"/>
                     </a:solidFill>
                   </a:rPr>
-                  <a:t>, LINQ, PRQL, Morel, …</a:t>
+                  <a:t>, SDQL, LINQ, PRQL, Morel, …</a:t>
                 </a:r>
               </a:p>
             </p:txBody>
@@ -28601,6 +28601,14 @@
                       </a:solidFill>
                     </a:rPr>
                     <a:t>Constraint Logic Programming</a:t>
+                  </a:r>
+                  <a:r>
+                    <a:rPr lang="en-AU" sz="1200" b="1" baseline="30000" dirty="0">
+                      <a:solidFill>
+                        <a:schemeClr val="bg1"/>
+                      </a:solidFill>
+                    </a:rPr>
+                    <a:t>3</a:t>
                   </a:r>
                   <a:r>
                     <a:rPr lang="en-AU" sz="1200" dirty="0">
@@ -31100,7 +31108,7 @@
               <a:t> 2 </a:t>
             </a:r>
             <a:r>
-              <a:rPr lang="en-AU" sz="900" dirty="0">
+              <a:rPr lang="en-AU" sz="900" i="1" dirty="0">
                 <a:solidFill>
                   <a:schemeClr val="tx1">
                     <a:lumMod val="50000"/>
@@ -32494,6 +32502,77 @@
                 </a:ln>
               </a:rPr>
               <a:t>is the result of a relational query over one, or more, relations of any type.</a:t>
+            </a:r>
+          </a:p>
+        </p:txBody>
+      </p:sp>
+      <p:sp>
+        <p:nvSpPr>
+          <p:cNvPr id="71" name="TextBox 70">
+            <a:extLst>
+              <a:ext uri="{FF2B5EF4-FFF2-40B4-BE49-F238E27FC236}">
+                <a16:creationId xmlns:a16="http://schemas.microsoft.com/office/drawing/2014/main" id="{9799BF53-7CE5-099F-F25B-006B4A78900F}"/>
+              </a:ext>
+            </a:extLst>
+          </p:cNvPr>
+          <p:cNvSpPr txBox="1"/>
+          <p:nvPr/>
+        </p:nvSpPr>
+        <p:spPr>
+          <a:xfrm>
+            <a:off x="10681988" y="106789"/>
+            <a:ext cx="1666776" cy="369332"/>
+          </a:xfrm>
+          <a:prstGeom prst="rect">
+            <a:avLst/>
+          </a:prstGeom>
+          <a:noFill/>
+          <a:scene3d>
+            <a:camera prst="isometricOffAxis1Right"/>
+            <a:lightRig rig="threePt" dir="t"/>
+          </a:scene3d>
+        </p:spPr>
+        <p:txBody>
+          <a:bodyPr wrap="square" rtlCol="0">
+            <a:spAutoFit/>
+          </a:bodyPr>
+          <a:lstStyle/>
+          <a:p>
+            <a:r>
+              <a:rPr lang="en-AU" sz="900" baseline="30000" dirty="0">
+                <a:solidFill>
+                  <a:schemeClr val="tx1">
+                    <a:lumMod val="50000"/>
+                    <a:lumOff val="50000"/>
+                  </a:schemeClr>
+                </a:solidFill>
+              </a:rPr>
+              <a:t>3 </a:t>
+            </a:r>
+            <a:r>
+              <a:rPr lang="en-AU" sz="900" i="1" dirty="0">
+                <a:solidFill>
+                  <a:schemeClr val="tx1">
+                    <a:lumMod val="50000"/>
+                    <a:lumOff val="50000"/>
+                  </a:schemeClr>
+                </a:solidFill>
+              </a:rPr>
+              <a:t>Candidates include:</a:t>
+            </a:r>
+          </a:p>
+          <a:p>
+            <a:pPr marL="144000" indent="-457200"/>
+            <a:r>
+              <a:rPr lang="en-AU" sz="900" i="1" dirty="0">
+                <a:solidFill>
+                  <a:schemeClr val="tx1">
+                    <a:lumMod val="50000"/>
+                    <a:lumOff val="50000"/>
+                  </a:schemeClr>
+                </a:solidFill>
+              </a:rPr>
+              <a:t>MiniZinc, {log}</a:t>
             </a:r>
           </a:p>
         </p:txBody>

--- a/images/src/jetisu diagrams.pptx
+++ b/images/src/jetisu diagrams.pptx
@@ -10,8 +10,9 @@
     <p:sldId id="258" r:id="rId4"/>
     <p:sldId id="259" r:id="rId5"/>
     <p:sldId id="260" r:id="rId6"/>
-    <p:sldId id="261" r:id="rId7"/>
-    <p:sldId id="262" r:id="rId8"/>
+    <p:sldId id="263" r:id="rId7"/>
+    <p:sldId id="261" r:id="rId8"/>
+    <p:sldId id="262" r:id="rId9"/>
   </p:sldIdLst>
   <p:sldSz cx="12192000" cy="6858000"/>
   <p:notesSz cx="7102475" cy="10234613"/>
@@ -20881,7 +20882,7 @@
           <a:p>
             <a:fld id="{EB429232-E4BA-4B3A-9952-EE5A117FBC50}" type="datetimeFigureOut">
               <a:rPr lang="en-AU" smtClean="0"/>
-              <a:t>20/03/2023</a:t>
+              <a:t>10/09/2023</a:t>
             </a:fld>
             <a:endParaRPr lang="en-AU"/>
           </a:p>
@@ -21081,7 +21082,7 @@
           <a:p>
             <a:fld id="{EB429232-E4BA-4B3A-9952-EE5A117FBC50}" type="datetimeFigureOut">
               <a:rPr lang="en-AU" smtClean="0"/>
-              <a:t>20/03/2023</a:t>
+              <a:t>10/09/2023</a:t>
             </a:fld>
             <a:endParaRPr lang="en-AU"/>
           </a:p>
@@ -21291,7 +21292,7 @@
           <a:p>
             <a:fld id="{EB429232-E4BA-4B3A-9952-EE5A117FBC50}" type="datetimeFigureOut">
               <a:rPr lang="en-AU" smtClean="0"/>
-              <a:t>20/03/2023</a:t>
+              <a:t>10/09/2023</a:t>
             </a:fld>
             <a:endParaRPr lang="en-AU"/>
           </a:p>
@@ -21491,7 +21492,7 @@
           <a:p>
             <a:fld id="{EB429232-E4BA-4B3A-9952-EE5A117FBC50}" type="datetimeFigureOut">
               <a:rPr lang="en-AU" smtClean="0"/>
-              <a:t>20/03/2023</a:t>
+              <a:t>10/09/2023</a:t>
             </a:fld>
             <a:endParaRPr lang="en-AU"/>
           </a:p>
@@ -21767,7 +21768,7 @@
           <a:p>
             <a:fld id="{EB429232-E4BA-4B3A-9952-EE5A117FBC50}" type="datetimeFigureOut">
               <a:rPr lang="en-AU" smtClean="0"/>
-              <a:t>20/03/2023</a:t>
+              <a:t>10/09/2023</a:t>
             </a:fld>
             <a:endParaRPr lang="en-AU"/>
           </a:p>
@@ -22035,7 +22036,7 @@
           <a:p>
             <a:fld id="{EB429232-E4BA-4B3A-9952-EE5A117FBC50}" type="datetimeFigureOut">
               <a:rPr lang="en-AU" smtClean="0"/>
-              <a:t>20/03/2023</a:t>
+              <a:t>10/09/2023</a:t>
             </a:fld>
             <a:endParaRPr lang="en-AU"/>
           </a:p>
@@ -22450,7 +22451,7 @@
           <a:p>
             <a:fld id="{EB429232-E4BA-4B3A-9952-EE5A117FBC50}" type="datetimeFigureOut">
               <a:rPr lang="en-AU" smtClean="0"/>
-              <a:t>20/03/2023</a:t>
+              <a:t>10/09/2023</a:t>
             </a:fld>
             <a:endParaRPr lang="en-AU"/>
           </a:p>
@@ -22592,7 +22593,7 @@
           <a:p>
             <a:fld id="{EB429232-E4BA-4B3A-9952-EE5A117FBC50}" type="datetimeFigureOut">
               <a:rPr lang="en-AU" smtClean="0"/>
-              <a:t>20/03/2023</a:t>
+              <a:t>10/09/2023</a:t>
             </a:fld>
             <a:endParaRPr lang="en-AU"/>
           </a:p>
@@ -22705,7 +22706,7 @@
           <a:p>
             <a:fld id="{EB429232-E4BA-4B3A-9952-EE5A117FBC50}" type="datetimeFigureOut">
               <a:rPr lang="en-AU" smtClean="0"/>
-              <a:t>20/03/2023</a:t>
+              <a:t>10/09/2023</a:t>
             </a:fld>
             <a:endParaRPr lang="en-AU"/>
           </a:p>
@@ -23018,7 +23019,7 @@
           <a:p>
             <a:fld id="{EB429232-E4BA-4B3A-9952-EE5A117FBC50}" type="datetimeFigureOut">
               <a:rPr lang="en-AU" smtClean="0"/>
-              <a:t>20/03/2023</a:t>
+              <a:t>10/09/2023</a:t>
             </a:fld>
             <a:endParaRPr lang="en-AU"/>
           </a:p>
@@ -23307,7 +23308,7 @@
           <a:p>
             <a:fld id="{EB429232-E4BA-4B3A-9952-EE5A117FBC50}" type="datetimeFigureOut">
               <a:rPr lang="en-AU" smtClean="0"/>
-              <a:t>20/03/2023</a:t>
+              <a:t>10/09/2023</a:t>
             </a:fld>
             <a:endParaRPr lang="en-AU"/>
           </a:p>
@@ -23550,7 +23551,7 @@
           <a:p>
             <a:fld id="{EB429232-E4BA-4B3A-9952-EE5A117FBC50}" type="datetimeFigureOut">
               <a:rPr lang="en-AU" smtClean="0"/>
-              <a:t>20/03/2023</a:t>
+              <a:t>10/09/2023</a:t>
             </a:fld>
             <a:endParaRPr lang="en-AU"/>
           </a:p>
@@ -26185,6 +26186,1574 @@
 </file>
 
 <file path=ppt/slides/slide6.xml><?xml version="1.0" encoding="utf-8"?>
+<p:sld xmlns:a="http://schemas.openxmlformats.org/drawingml/2006/main" xmlns:r="http://schemas.openxmlformats.org/officeDocument/2006/relationships" xmlns:p="http://schemas.openxmlformats.org/presentationml/2006/main">
+  <p:cSld>
+    <p:spTree>
+      <p:nvGrpSpPr>
+        <p:cNvPr id="1" name=""/>
+        <p:cNvGrpSpPr/>
+        <p:nvPr/>
+      </p:nvGrpSpPr>
+      <p:grpSpPr>
+        <a:xfrm>
+          <a:off x="0" y="0"/>
+          <a:ext cx="0" cy="0"/>
+          <a:chOff x="0" y="0"/>
+          <a:chExt cx="0" cy="0"/>
+        </a:xfrm>
+      </p:grpSpPr>
+      <p:grpSp>
+        <p:nvGrpSpPr>
+          <p:cNvPr id="86" name="Group 85">
+            <a:extLst>
+              <a:ext uri="{FF2B5EF4-FFF2-40B4-BE49-F238E27FC236}">
+                <a16:creationId xmlns:a16="http://schemas.microsoft.com/office/drawing/2014/main" id="{6A0CE737-8A5C-AF78-5F0A-42A4130CF597}"/>
+              </a:ext>
+            </a:extLst>
+          </p:cNvPr>
+          <p:cNvGrpSpPr/>
+          <p:nvPr/>
+        </p:nvGrpSpPr>
+        <p:grpSpPr>
+          <a:xfrm>
+            <a:off x="379396" y="1036355"/>
+            <a:ext cx="4753889" cy="2392645"/>
+            <a:chOff x="817513" y="705446"/>
+            <a:chExt cx="4753889" cy="2392645"/>
+          </a:xfrm>
+        </p:grpSpPr>
+        <p:sp>
+          <p:nvSpPr>
+            <p:cNvPr id="8" name="Rectangle 7">
+              <a:extLst>
+                <a:ext uri="{FF2B5EF4-FFF2-40B4-BE49-F238E27FC236}">
+                  <a16:creationId xmlns:a16="http://schemas.microsoft.com/office/drawing/2014/main" id="{97710AE9-95EA-68DA-50EB-2746CEA2D507}"/>
+                </a:ext>
+              </a:extLst>
+            </p:cNvPr>
+            <p:cNvSpPr/>
+            <p:nvPr/>
+          </p:nvSpPr>
+          <p:spPr>
+            <a:xfrm>
+              <a:off x="1296308" y="1272706"/>
+              <a:ext cx="4275094" cy="1825385"/>
+            </a:xfrm>
+            <a:prstGeom prst="rect">
+              <a:avLst/>
+            </a:prstGeom>
+            <a:solidFill>
+              <a:srgbClr val="4472C4">
+                <a:alpha val="43137"/>
+              </a:srgbClr>
+            </a:solidFill>
+            <a:scene3d>
+              <a:camera prst="isometricOffAxis1Right"/>
+              <a:lightRig rig="threePt" dir="t"/>
+            </a:scene3d>
+            <a:sp3d extrusionH="1803400"/>
+          </p:spPr>
+          <p:style>
+            <a:lnRef idx="2">
+              <a:schemeClr val="accent1">
+                <a:shade val="50000"/>
+              </a:schemeClr>
+            </a:lnRef>
+            <a:fillRef idx="1">
+              <a:schemeClr val="accent1"/>
+            </a:fillRef>
+            <a:effectRef idx="0">
+              <a:schemeClr val="accent1"/>
+            </a:effectRef>
+            <a:fontRef idx="minor">
+              <a:schemeClr val="lt1"/>
+            </a:fontRef>
+          </p:style>
+          <p:txBody>
+            <a:bodyPr rtlCol="0" anchor="ctr"/>
+            <a:lstStyle/>
+            <a:p>
+              <a:pPr algn="ctr"/>
+              <a:endParaRPr lang="en-AU"/>
+            </a:p>
+          </p:txBody>
+        </p:sp>
+        <p:pic>
+          <p:nvPicPr>
+            <p:cNvPr id="9" name="Picture 8">
+              <a:extLst>
+                <a:ext uri="{FF2B5EF4-FFF2-40B4-BE49-F238E27FC236}">
+                  <a16:creationId xmlns:a16="http://schemas.microsoft.com/office/drawing/2014/main" id="{28AC0B48-A6F8-855F-DC61-F9D2AEE29EB7}"/>
+                </a:ext>
+              </a:extLst>
+            </p:cNvPr>
+            <p:cNvPicPr>
+              <a:picLocks noChangeAspect="1"/>
+            </p:cNvPicPr>
+            <p:nvPr/>
+          </p:nvPicPr>
+          <p:blipFill>
+            <a:blip r:embed="rId2"/>
+            <a:stretch>
+              <a:fillRect/>
+            </a:stretch>
+          </p:blipFill>
+          <p:spPr>
+            <a:xfrm>
+              <a:off x="1495705" y="1532518"/>
+              <a:ext cx="2015528" cy="852600"/>
+            </a:xfrm>
+            <a:prstGeom prst="rect">
+              <a:avLst/>
+            </a:prstGeom>
+            <a:scene3d>
+              <a:camera prst="isometricOffAxis1Right"/>
+              <a:lightRig rig="threePt" dir="t"/>
+            </a:scene3d>
+          </p:spPr>
+        </p:pic>
+        <p:sp>
+          <p:nvSpPr>
+            <p:cNvPr id="31" name="TextBox 30">
+              <a:extLst>
+                <a:ext uri="{FF2B5EF4-FFF2-40B4-BE49-F238E27FC236}">
+                  <a16:creationId xmlns:a16="http://schemas.microsoft.com/office/drawing/2014/main" id="{7EDE61CC-55B2-636A-3C6D-B98EA8B560B2}"/>
+                </a:ext>
+              </a:extLst>
+            </p:cNvPr>
+            <p:cNvSpPr txBox="1"/>
+            <p:nvPr/>
+          </p:nvSpPr>
+          <p:spPr>
+            <a:xfrm>
+              <a:off x="2917430" y="2365405"/>
+              <a:ext cx="1383391" cy="584775"/>
+            </a:xfrm>
+            <a:prstGeom prst="rect">
+              <a:avLst/>
+            </a:prstGeom>
+            <a:solidFill>
+              <a:srgbClr val="7F7F7F">
+                <a:alpha val="38039"/>
+              </a:srgbClr>
+            </a:solidFill>
+            <a:scene3d>
+              <a:camera prst="isometricOffAxis1Right"/>
+              <a:lightRig rig="threePt" dir="t"/>
+            </a:scene3d>
+          </p:spPr>
+          <p:txBody>
+            <a:bodyPr wrap="none" rtlCol="0">
+              <a:spAutoFit/>
+            </a:bodyPr>
+            <a:lstStyle/>
+            <a:p>
+              <a:pPr algn="ctr"/>
+              <a:r>
+                <a:rPr lang="en-AU" sz="1600" dirty="0"/>
+                <a:t>Data Relations</a:t>
+              </a:r>
+              <a:br>
+                <a:rPr lang="en-AU" sz="1600" dirty="0"/>
+              </a:br>
+              <a:r>
+                <a:rPr lang="en-AU" sz="1600" dirty="0"/>
+                <a:t>(Data)</a:t>
+              </a:r>
+            </a:p>
+          </p:txBody>
+        </p:sp>
+        <p:pic>
+          <p:nvPicPr>
+            <p:cNvPr id="34" name="Picture 33">
+              <a:extLst>
+                <a:ext uri="{FF2B5EF4-FFF2-40B4-BE49-F238E27FC236}">
+                  <a16:creationId xmlns:a16="http://schemas.microsoft.com/office/drawing/2014/main" id="{A9F6BBF9-C148-0DC1-4FE9-AB515004A7E5}"/>
+                </a:ext>
+              </a:extLst>
+            </p:cNvPr>
+            <p:cNvPicPr>
+              <a:picLocks noChangeAspect="1"/>
+            </p:cNvPicPr>
+            <p:nvPr/>
+          </p:nvPicPr>
+          <p:blipFill>
+            <a:blip r:embed="rId2"/>
+            <a:stretch>
+              <a:fillRect/>
+            </a:stretch>
+          </p:blipFill>
+          <p:spPr>
+            <a:xfrm>
+              <a:off x="3439489" y="1269855"/>
+              <a:ext cx="1031690" cy="436421"/>
+            </a:xfrm>
+            <a:prstGeom prst="rect">
+              <a:avLst/>
+            </a:prstGeom>
+            <a:scene3d>
+              <a:camera prst="isometricOffAxis1Right"/>
+              <a:lightRig rig="threePt" dir="t"/>
+            </a:scene3d>
+          </p:spPr>
+        </p:pic>
+        <p:pic>
+          <p:nvPicPr>
+            <p:cNvPr id="35" name="Picture 34">
+              <a:extLst>
+                <a:ext uri="{FF2B5EF4-FFF2-40B4-BE49-F238E27FC236}">
+                  <a16:creationId xmlns:a16="http://schemas.microsoft.com/office/drawing/2014/main" id="{10AE2780-87D0-C164-4973-CCAFD20FFC10}"/>
+                </a:ext>
+              </a:extLst>
+            </p:cNvPr>
+            <p:cNvPicPr>
+              <a:picLocks noChangeAspect="1"/>
+            </p:cNvPicPr>
+            <p:nvPr/>
+          </p:nvPicPr>
+          <p:blipFill>
+            <a:blip r:embed="rId2"/>
+            <a:stretch>
+              <a:fillRect/>
+            </a:stretch>
+          </p:blipFill>
+          <p:spPr>
+            <a:xfrm>
+              <a:off x="3440966" y="1786407"/>
+              <a:ext cx="1031690" cy="436421"/>
+            </a:xfrm>
+            <a:prstGeom prst="rect">
+              <a:avLst/>
+            </a:prstGeom>
+            <a:scene3d>
+              <a:camera prst="isometricOffAxis1Right"/>
+              <a:lightRig rig="threePt" dir="t"/>
+            </a:scene3d>
+          </p:spPr>
+        </p:pic>
+        <p:sp>
+          <p:nvSpPr>
+            <p:cNvPr id="56" name="TextBox 55">
+              <a:extLst>
+                <a:ext uri="{FF2B5EF4-FFF2-40B4-BE49-F238E27FC236}">
+                  <a16:creationId xmlns:a16="http://schemas.microsoft.com/office/drawing/2014/main" id="{1ED22BD1-0616-732B-4C9D-19EE8D8C7C4F}"/>
+                </a:ext>
+              </a:extLst>
+            </p:cNvPr>
+            <p:cNvSpPr txBox="1"/>
+            <p:nvPr/>
+          </p:nvSpPr>
+          <p:spPr>
+            <a:xfrm>
+              <a:off x="1004766" y="705446"/>
+              <a:ext cx="4266527" cy="646331"/>
+            </a:xfrm>
+            <a:prstGeom prst="rect">
+              <a:avLst/>
+            </a:prstGeom>
+            <a:noFill/>
+            <a:scene3d>
+              <a:camera prst="isometricOffAxis1Right"/>
+              <a:lightRig rig="threePt" dir="t"/>
+            </a:scene3d>
+          </p:spPr>
+          <p:txBody>
+            <a:bodyPr wrap="square">
+              <a:spAutoFit/>
+            </a:bodyPr>
+            <a:lstStyle/>
+            <a:p>
+              <a:pPr lvl="0"/>
+              <a:r>
+                <a:rPr lang="en-AU" sz="1200" dirty="0">
+                  <a:solidFill>
+                    <a:schemeClr val="bg1"/>
+                  </a:solidFill>
+                </a:rPr>
+                <a:t>Hardware, scale, cloud, multi-vendors, indexing, storage,</a:t>
+              </a:r>
+              <a:br>
+                <a:rPr lang="en-AU" sz="1200" dirty="0">
+                  <a:solidFill>
+                    <a:schemeClr val="bg1"/>
+                  </a:solidFill>
+                </a:rPr>
+              </a:br>
+              <a:r>
+                <a:rPr lang="en-AU" sz="1200" dirty="0">
+                  <a:solidFill>
+                    <a:schemeClr val="bg1"/>
+                  </a:solidFill>
+                </a:rPr>
+                <a:t>     replication, transactions, concurrency, recovery, distributed</a:t>
+              </a:r>
+              <a:br>
+                <a:rPr lang="en-AU" sz="1200" dirty="0">
+                  <a:solidFill>
+                    <a:schemeClr val="bg1"/>
+                  </a:solidFill>
+                </a:rPr>
+              </a:br>
+              <a:r>
+                <a:rPr lang="en-AU" sz="1200" dirty="0">
+                  <a:solidFill>
+                    <a:schemeClr val="bg1"/>
+                  </a:solidFill>
+                </a:rPr>
+                <a:t>         systems, materialisation, backup, …</a:t>
+              </a:r>
+            </a:p>
+          </p:txBody>
+        </p:sp>
+        <p:pic>
+          <p:nvPicPr>
+            <p:cNvPr id="17" name="Graphic 16" descr="Database outline">
+              <a:extLst>
+                <a:ext uri="{FF2B5EF4-FFF2-40B4-BE49-F238E27FC236}">
+                  <a16:creationId xmlns:a16="http://schemas.microsoft.com/office/drawing/2014/main" id="{6D3DD6EB-BE40-8023-CA65-BBC1F77674DA}"/>
+                </a:ext>
+              </a:extLst>
+            </p:cNvPr>
+            <p:cNvPicPr>
+              <a:picLocks noChangeAspect="1"/>
+            </p:cNvPicPr>
+            <p:nvPr/>
+          </p:nvPicPr>
+          <p:blipFill>
+            <a:blip r:embed="rId3">
+              <a:extLst>
+                <a:ext uri="{28A0092B-C50C-407E-A947-70E740481C1C}">
+                  <a14:useLocalDpi xmlns:a14="http://schemas.microsoft.com/office/drawing/2010/main" val="0"/>
+                </a:ext>
+                <a:ext uri="{96DAC541-7B7A-43D3-8B79-37D633B846F1}">
+                  <asvg:svgBlip xmlns:asvg="http://schemas.microsoft.com/office/drawing/2016/SVG/main" r:embed="rId4"/>
+                </a:ext>
+              </a:extLst>
+            </a:blip>
+            <a:stretch>
+              <a:fillRect/>
+            </a:stretch>
+          </p:blipFill>
+          <p:spPr>
+            <a:xfrm>
+              <a:off x="817513" y="1547157"/>
+              <a:ext cx="450845" cy="450845"/>
+            </a:xfrm>
+            <a:prstGeom prst="rect">
+              <a:avLst/>
+            </a:prstGeom>
+          </p:spPr>
+        </p:pic>
+        <p:pic>
+          <p:nvPicPr>
+            <p:cNvPr id="18" name="Graphic 17" descr="Database outline">
+              <a:extLst>
+                <a:ext uri="{FF2B5EF4-FFF2-40B4-BE49-F238E27FC236}">
+                  <a16:creationId xmlns:a16="http://schemas.microsoft.com/office/drawing/2014/main" id="{9CDD86AC-F46E-192E-724A-73FCBFD27404}"/>
+                </a:ext>
+              </a:extLst>
+            </p:cNvPr>
+            <p:cNvPicPr>
+              <a:picLocks noChangeAspect="1"/>
+            </p:cNvPicPr>
+            <p:nvPr/>
+          </p:nvPicPr>
+          <p:blipFill>
+            <a:blip r:embed="rId3">
+              <a:extLst>
+                <a:ext uri="{28A0092B-C50C-407E-A947-70E740481C1C}">
+                  <a14:useLocalDpi xmlns:a14="http://schemas.microsoft.com/office/drawing/2010/main" val="0"/>
+                </a:ext>
+                <a:ext uri="{96DAC541-7B7A-43D3-8B79-37D633B846F1}">
+                  <asvg:svgBlip xmlns:asvg="http://schemas.microsoft.com/office/drawing/2016/SVG/main" r:embed="rId4"/>
+                </a:ext>
+              </a:extLst>
+            </a:blip>
+            <a:stretch>
+              <a:fillRect/>
+            </a:stretch>
+          </p:blipFill>
+          <p:spPr>
+            <a:xfrm>
+              <a:off x="828679" y="2159695"/>
+              <a:ext cx="450845" cy="450845"/>
+            </a:xfrm>
+            <a:prstGeom prst="rect">
+              <a:avLst/>
+            </a:prstGeom>
+          </p:spPr>
+        </p:pic>
+      </p:grpSp>
+      <p:grpSp>
+        <p:nvGrpSpPr>
+          <p:cNvPr id="7" name="Group 6">
+            <a:extLst>
+              <a:ext uri="{FF2B5EF4-FFF2-40B4-BE49-F238E27FC236}">
+                <a16:creationId xmlns:a16="http://schemas.microsoft.com/office/drawing/2014/main" id="{69DFD1F3-4882-8433-8638-0361F3D28D0C}"/>
+              </a:ext>
+            </a:extLst>
+          </p:cNvPr>
+          <p:cNvGrpSpPr/>
+          <p:nvPr/>
+        </p:nvGrpSpPr>
+        <p:grpSpPr>
+          <a:xfrm>
+            <a:off x="5252226" y="382372"/>
+            <a:ext cx="4875275" cy="2764204"/>
+            <a:chOff x="5252226" y="382372"/>
+            <a:chExt cx="4875275" cy="2764204"/>
+          </a:xfrm>
+        </p:grpSpPr>
+        <p:grpSp>
+          <p:nvGrpSpPr>
+            <p:cNvPr id="87" name="Group 86">
+              <a:extLst>
+                <a:ext uri="{FF2B5EF4-FFF2-40B4-BE49-F238E27FC236}">
+                  <a16:creationId xmlns:a16="http://schemas.microsoft.com/office/drawing/2014/main" id="{CAE53593-E0B9-139C-70BE-C8AFFA32AD83}"/>
+                </a:ext>
+              </a:extLst>
+            </p:cNvPr>
+            <p:cNvGrpSpPr/>
+            <p:nvPr/>
+          </p:nvGrpSpPr>
+          <p:grpSpPr>
+            <a:xfrm>
+              <a:off x="5453223" y="382372"/>
+              <a:ext cx="4674278" cy="2285089"/>
+              <a:chOff x="6412822" y="653382"/>
+              <a:chExt cx="4674278" cy="2285089"/>
+            </a:xfrm>
+          </p:grpSpPr>
+          <p:sp>
+            <p:nvSpPr>
+              <p:cNvPr id="14" name="Rectangle 13">
+                <a:extLst>
+                  <a:ext uri="{FF2B5EF4-FFF2-40B4-BE49-F238E27FC236}">
+                    <a16:creationId xmlns:a16="http://schemas.microsoft.com/office/drawing/2014/main" id="{2B4080B8-42F3-4F8D-FBB2-8CB777385CE7}"/>
+                  </a:ext>
+                </a:extLst>
+              </p:cNvPr>
+              <p:cNvSpPr/>
+              <p:nvPr/>
+            </p:nvSpPr>
+            <p:spPr>
+              <a:xfrm>
+                <a:off x="6812006" y="1113086"/>
+                <a:ext cx="4275094" cy="1825385"/>
+              </a:xfrm>
+              <a:prstGeom prst="rect">
+                <a:avLst/>
+              </a:prstGeom>
+              <a:solidFill>
+                <a:srgbClr val="D8C4E8"/>
+              </a:solidFill>
+              <a:scene3d>
+                <a:camera prst="isometricOffAxis1Right"/>
+                <a:lightRig rig="threePt" dir="t"/>
+              </a:scene3d>
+              <a:sp3d extrusionH="1803400">
+                <a:extrusionClr>
+                  <a:srgbClr val="7030A0"/>
+                </a:extrusionClr>
+              </a:sp3d>
+            </p:spPr>
+            <p:style>
+              <a:lnRef idx="2">
+                <a:schemeClr val="accent1">
+                  <a:shade val="50000"/>
+                </a:schemeClr>
+              </a:lnRef>
+              <a:fillRef idx="1">
+                <a:schemeClr val="accent1"/>
+              </a:fillRef>
+              <a:effectRef idx="0">
+                <a:schemeClr val="accent1"/>
+              </a:effectRef>
+              <a:fontRef idx="minor">
+                <a:schemeClr val="lt1"/>
+              </a:fontRef>
+            </p:style>
+            <p:txBody>
+              <a:bodyPr rtlCol="0" anchor="ctr"/>
+              <a:lstStyle/>
+              <a:p>
+                <a:pPr algn="ctr"/>
+                <a:endParaRPr lang="en-AU"/>
+              </a:p>
+            </p:txBody>
+          </p:sp>
+          <p:pic>
+            <p:nvPicPr>
+              <p:cNvPr id="15" name="Picture 14">
+                <a:extLst>
+                  <a:ext uri="{FF2B5EF4-FFF2-40B4-BE49-F238E27FC236}">
+                    <a16:creationId xmlns:a16="http://schemas.microsoft.com/office/drawing/2014/main" id="{F466AE72-54D8-447C-43C4-C50DB237B69C}"/>
+                  </a:ext>
+                </a:extLst>
+              </p:cNvPr>
+              <p:cNvPicPr>
+                <a:picLocks noChangeAspect="1"/>
+              </p:cNvPicPr>
+              <p:nvPr/>
+            </p:nvPicPr>
+            <p:blipFill>
+              <a:blip r:embed="rId2"/>
+              <a:stretch>
+                <a:fillRect/>
+              </a:stretch>
+            </p:blipFill>
+            <p:spPr>
+              <a:xfrm>
+                <a:off x="8352450" y="1131684"/>
+                <a:ext cx="2015528" cy="852600"/>
+              </a:xfrm>
+              <a:prstGeom prst="rect">
+                <a:avLst/>
+              </a:prstGeom>
+              <a:solidFill>
+                <a:srgbClr val="7030A0">
+                  <a:alpha val="30980"/>
+                </a:srgbClr>
+              </a:solidFill>
+              <a:scene3d>
+                <a:camera prst="isometricOffAxis1Right"/>
+                <a:lightRig rig="threePt" dir="t"/>
+              </a:scene3d>
+            </p:spPr>
+          </p:pic>
+          <p:sp>
+            <p:nvSpPr>
+              <p:cNvPr id="32" name="TextBox 31">
+                <a:extLst>
+                  <a:ext uri="{FF2B5EF4-FFF2-40B4-BE49-F238E27FC236}">
+                    <a16:creationId xmlns:a16="http://schemas.microsoft.com/office/drawing/2014/main" id="{D5F7E915-F4BF-CADF-ECD7-9DA2EED5F1B5}"/>
+                  </a:ext>
+                </a:extLst>
+              </p:cNvPr>
+              <p:cNvSpPr txBox="1"/>
+              <p:nvPr/>
+            </p:nvSpPr>
+            <p:spPr>
+              <a:xfrm>
+                <a:off x="7441274" y="2222271"/>
+                <a:ext cx="3073663" cy="584775"/>
+              </a:xfrm>
+              <a:prstGeom prst="rect">
+                <a:avLst/>
+              </a:prstGeom>
+              <a:solidFill>
+                <a:srgbClr val="7F7F7F">
+                  <a:alpha val="38039"/>
+                </a:srgbClr>
+              </a:solidFill>
+              <a:scene3d>
+                <a:camera prst="isometricOffAxis1Right"/>
+                <a:lightRig rig="threePt" dir="t"/>
+              </a:scene3d>
+            </p:spPr>
+            <p:txBody>
+              <a:bodyPr wrap="none" rtlCol="0">
+                <a:spAutoFit/>
+              </a:bodyPr>
+              <a:lstStyle/>
+              <a:p>
+                <a:pPr algn="ctr"/>
+                <a:r>
+                  <a:rPr lang="en-AU" sz="1600" dirty="0"/>
+                  <a:t>Sigma Complete Relations</a:t>
+                </a:r>
+                <a:br>
+                  <a:rPr lang="en-AU" sz="1600" dirty="0"/>
+                </a:br>
+                <a:r>
+                  <a:rPr lang="en-AU" sz="1600" dirty="0"/>
+                  <a:t>(Computations and Business Logic)</a:t>
+                </a:r>
+              </a:p>
+            </p:txBody>
+          </p:sp>
+          <p:pic>
+            <p:nvPicPr>
+              <p:cNvPr id="41" name="Picture 40">
+                <a:extLst>
+                  <a:ext uri="{FF2B5EF4-FFF2-40B4-BE49-F238E27FC236}">
+                    <a16:creationId xmlns:a16="http://schemas.microsoft.com/office/drawing/2014/main" id="{FB707429-710A-D467-C4EB-D3B65485D3A1}"/>
+                  </a:ext>
+                </a:extLst>
+              </p:cNvPr>
+              <p:cNvPicPr>
+                <a:picLocks noChangeAspect="1"/>
+              </p:cNvPicPr>
+              <p:nvPr/>
+            </p:nvPicPr>
+            <p:blipFill>
+              <a:blip r:embed="rId2"/>
+              <a:stretch>
+                <a:fillRect/>
+              </a:stretch>
+            </p:blipFill>
+            <p:spPr>
+              <a:xfrm>
+                <a:off x="7083611" y="1454069"/>
+                <a:ext cx="1031690" cy="436421"/>
+              </a:xfrm>
+              <a:prstGeom prst="rect">
+                <a:avLst/>
+              </a:prstGeom>
+              <a:scene3d>
+                <a:camera prst="isometricOffAxis1Right"/>
+                <a:lightRig rig="threePt" dir="t"/>
+              </a:scene3d>
+            </p:spPr>
+          </p:pic>
+          <p:sp>
+            <p:nvSpPr>
+              <p:cNvPr id="50" name="TextBox 49">
+                <a:extLst>
+                  <a:ext uri="{FF2B5EF4-FFF2-40B4-BE49-F238E27FC236}">
+                    <a16:creationId xmlns:a16="http://schemas.microsoft.com/office/drawing/2014/main" id="{BCAFEC12-1DA4-76B6-0B88-08E038EEFD7B}"/>
+                  </a:ext>
+                </a:extLst>
+              </p:cNvPr>
+              <p:cNvSpPr txBox="1"/>
+              <p:nvPr/>
+            </p:nvSpPr>
+            <p:spPr>
+              <a:xfrm>
+                <a:off x="6412822" y="653382"/>
+                <a:ext cx="4227155" cy="461665"/>
+              </a:xfrm>
+              <a:prstGeom prst="rect">
+                <a:avLst/>
+              </a:prstGeom>
+              <a:noFill/>
+              <a:scene3d>
+                <a:camera prst="isometricOffAxis1Right"/>
+                <a:lightRig rig="threePt" dir="t"/>
+              </a:scene3d>
+            </p:spPr>
+            <p:txBody>
+              <a:bodyPr wrap="square">
+                <a:spAutoFit/>
+              </a:bodyPr>
+              <a:lstStyle/>
+              <a:p>
+                <a:pPr lvl="0" algn="ctr"/>
+                <a:r>
+                  <a:rPr lang="en-AU" sz="1200" dirty="0">
+                    <a:solidFill>
+                      <a:schemeClr val="bg1"/>
+                    </a:solidFill>
+                  </a:rPr>
+                  <a:t>Logic, Search, SMT Solvers, Numerical Methods,</a:t>
+                </a:r>
+                <a:br>
+                  <a:rPr lang="en-AU" sz="1200" dirty="0">
+                    <a:solidFill>
+                      <a:schemeClr val="bg1"/>
+                    </a:solidFill>
+                  </a:rPr>
+                </a:br>
+                <a:r>
+                  <a:rPr lang="en-AU" sz="1200" dirty="0">
+                    <a:solidFill>
+                      <a:schemeClr val="bg1"/>
+                    </a:solidFill>
+                  </a:rPr>
+                  <a:t>     Constraint Programming, Symbolic Computation, Type Theory</a:t>
+                </a:r>
+              </a:p>
+            </p:txBody>
+          </p:sp>
+        </p:grpSp>
+        <p:sp>
+          <p:nvSpPr>
+            <p:cNvPr id="3" name="TextBox 2">
+              <a:extLst>
+                <a:ext uri="{FF2B5EF4-FFF2-40B4-BE49-F238E27FC236}">
+                  <a16:creationId xmlns:a16="http://schemas.microsoft.com/office/drawing/2014/main" id="{72B9F781-70FD-6179-47B5-0707884D9D1A}"/>
+                </a:ext>
+              </a:extLst>
+            </p:cNvPr>
+            <p:cNvSpPr txBox="1"/>
+            <p:nvPr/>
+          </p:nvSpPr>
+          <p:spPr>
+            <a:xfrm>
+              <a:off x="5252226" y="838252"/>
+              <a:ext cx="1017916" cy="2308324"/>
+            </a:xfrm>
+            <a:prstGeom prst="rect">
+              <a:avLst/>
+            </a:prstGeom>
+            <a:noFill/>
+            <a:scene3d>
+              <a:camera prst="isometricLeftDown"/>
+              <a:lightRig rig="threePt" dir="t"/>
+            </a:scene3d>
+          </p:spPr>
+          <p:txBody>
+            <a:bodyPr wrap="square" rtlCol="0">
+              <a:spAutoFit/>
+            </a:bodyPr>
+            <a:lstStyle/>
+            <a:p>
+              <a:r>
+                <a:rPr lang="en-AU" sz="2400" b="1" kern="0" dirty="0">
+                  <a:solidFill>
+                    <a:schemeClr val="accent1">
+                      <a:lumMod val="60000"/>
+                      <a:lumOff val="40000"/>
+                    </a:schemeClr>
+                  </a:solidFill>
+                  <a:effectLst/>
+                  <a:latin typeface="Cambria Math" panose="02040503050406030204" pitchFamily="18" charset="0"/>
+                  <a:ea typeface="Times New Roman" panose="02020603050405020304" pitchFamily="18" charset="0"/>
+                  <a:cs typeface="Cambria Math" panose="02040503050406030204" pitchFamily="18" charset="0"/>
+                </a:rPr>
+                <a:t>⇒</a:t>
+              </a:r>
+              <a:r>
+                <a:rPr lang="en-AU" sz="2400" b="1" kern="0" dirty="0">
+                  <a:solidFill>
+                    <a:schemeClr val="accent1">
+                      <a:lumMod val="60000"/>
+                      <a:lumOff val="40000"/>
+                    </a:schemeClr>
+                  </a:solidFill>
+                  <a:effectLst/>
+                  <a:latin typeface="Arial" panose="020B0604020202020204" pitchFamily="34" charset="0"/>
+                  <a:ea typeface="Times New Roman" panose="02020603050405020304" pitchFamily="18" charset="0"/>
+                  <a:cs typeface="Times New Roman" panose="02020603050405020304" pitchFamily="18" charset="0"/>
+                </a:rPr>
+                <a:t> </a:t>
+              </a:r>
+              <a:r>
+                <a:rPr lang="en-AU" sz="2400" b="1" kern="0" dirty="0">
+                  <a:solidFill>
+                    <a:schemeClr val="accent1">
+                      <a:lumMod val="60000"/>
+                      <a:lumOff val="40000"/>
+                    </a:schemeClr>
+                  </a:solidFill>
+                  <a:effectLst/>
+                  <a:latin typeface="Cambria Math" panose="02040503050406030204" pitchFamily="18" charset="0"/>
+                  <a:ea typeface="Times New Roman" panose="02020603050405020304" pitchFamily="18" charset="0"/>
+                  <a:cs typeface="Cambria Math" panose="02040503050406030204" pitchFamily="18" charset="0"/>
+                </a:rPr>
+                <a:t>⇔</a:t>
+              </a:r>
+              <a:r>
+                <a:rPr lang="en-AU" sz="2400" b="1" kern="0" dirty="0">
+                  <a:solidFill>
+                    <a:schemeClr val="accent1">
+                      <a:lumMod val="60000"/>
+                      <a:lumOff val="40000"/>
+                    </a:schemeClr>
+                  </a:solidFill>
+                  <a:effectLst/>
+                  <a:latin typeface="Arial" panose="020B0604020202020204" pitchFamily="34" charset="0"/>
+                  <a:ea typeface="Times New Roman" panose="02020603050405020304" pitchFamily="18" charset="0"/>
+                  <a:cs typeface="Times New Roman" panose="02020603050405020304" pitchFamily="18" charset="0"/>
+                </a:rPr>
+                <a:t> ¬ </a:t>
+              </a:r>
+              <a:r>
+                <a:rPr lang="en-AU" sz="2400" b="1" kern="0" dirty="0">
+                  <a:solidFill>
+                    <a:schemeClr val="accent1">
+                      <a:lumMod val="60000"/>
+                      <a:lumOff val="40000"/>
+                    </a:schemeClr>
+                  </a:solidFill>
+                  <a:effectLst/>
+                  <a:latin typeface="Cambria Math" panose="02040503050406030204" pitchFamily="18" charset="0"/>
+                  <a:ea typeface="Times New Roman" panose="02020603050405020304" pitchFamily="18" charset="0"/>
+                  <a:cs typeface="Cambria Math" panose="02040503050406030204" pitchFamily="18" charset="0"/>
+                </a:rPr>
+                <a:t>∧</a:t>
+              </a:r>
+              <a:r>
+                <a:rPr lang="en-AU" sz="2400" b="1" kern="0" dirty="0">
+                  <a:solidFill>
+                    <a:schemeClr val="accent1">
+                      <a:lumMod val="60000"/>
+                      <a:lumOff val="40000"/>
+                    </a:schemeClr>
+                  </a:solidFill>
+                  <a:effectLst/>
+                  <a:latin typeface="Arial" panose="020B0604020202020204" pitchFamily="34" charset="0"/>
+                  <a:ea typeface="Times New Roman" panose="02020603050405020304" pitchFamily="18" charset="0"/>
+                  <a:cs typeface="Times New Roman" panose="02020603050405020304" pitchFamily="18" charset="0"/>
+                </a:rPr>
+                <a:t> </a:t>
+              </a:r>
+              <a:r>
+                <a:rPr lang="en-AU" sz="2400" b="1" kern="0" dirty="0">
+                  <a:solidFill>
+                    <a:schemeClr val="accent1">
+                      <a:lumMod val="60000"/>
+                      <a:lumOff val="40000"/>
+                    </a:schemeClr>
+                  </a:solidFill>
+                  <a:effectLst/>
+                  <a:latin typeface="Cambria Math" panose="02040503050406030204" pitchFamily="18" charset="0"/>
+                  <a:ea typeface="Times New Roman" panose="02020603050405020304" pitchFamily="18" charset="0"/>
+                  <a:cs typeface="Cambria Math" panose="02040503050406030204" pitchFamily="18" charset="0"/>
+                </a:rPr>
+                <a:t>∨</a:t>
+              </a:r>
+              <a:r>
+                <a:rPr lang="en-AU" sz="2400" b="1" kern="0" dirty="0">
+                  <a:solidFill>
+                    <a:schemeClr val="accent1">
+                      <a:lumMod val="60000"/>
+                      <a:lumOff val="40000"/>
+                    </a:schemeClr>
+                  </a:solidFill>
+                  <a:effectLst/>
+                  <a:latin typeface="Arial" panose="020B0604020202020204" pitchFamily="34" charset="0"/>
+                  <a:ea typeface="Times New Roman" panose="02020603050405020304" pitchFamily="18" charset="0"/>
+                  <a:cs typeface="Times New Roman" panose="02020603050405020304" pitchFamily="18" charset="0"/>
+                </a:rPr>
+                <a:t> </a:t>
+              </a:r>
+              <a:r>
+                <a:rPr lang="en-AU" sz="2400" b="1" kern="0" dirty="0">
+                  <a:solidFill>
+                    <a:schemeClr val="accent1">
+                      <a:lumMod val="60000"/>
+                      <a:lumOff val="40000"/>
+                    </a:schemeClr>
+                  </a:solidFill>
+                  <a:effectLst/>
+                  <a:latin typeface="Cambria Math" panose="02040503050406030204" pitchFamily="18" charset="0"/>
+                  <a:ea typeface="Times New Roman" panose="02020603050405020304" pitchFamily="18" charset="0"/>
+                  <a:cs typeface="Cambria Math" panose="02040503050406030204" pitchFamily="18" charset="0"/>
+                </a:rPr>
+                <a:t>∀</a:t>
+              </a:r>
+              <a:r>
+                <a:rPr lang="en-AU" sz="2400" b="1" kern="0" dirty="0">
+                  <a:solidFill>
+                    <a:schemeClr val="accent1">
+                      <a:lumMod val="60000"/>
+                      <a:lumOff val="40000"/>
+                    </a:schemeClr>
+                  </a:solidFill>
+                  <a:effectLst/>
+                  <a:latin typeface="Arial" panose="020B0604020202020204" pitchFamily="34" charset="0"/>
+                  <a:ea typeface="Times New Roman" panose="02020603050405020304" pitchFamily="18" charset="0"/>
+                  <a:cs typeface="Times New Roman" panose="02020603050405020304" pitchFamily="18" charset="0"/>
+                </a:rPr>
+                <a:t> </a:t>
+              </a:r>
+              <a:r>
+                <a:rPr lang="en-AU" sz="2400" b="1" kern="0" dirty="0">
+                  <a:solidFill>
+                    <a:schemeClr val="accent1">
+                      <a:lumMod val="60000"/>
+                      <a:lumOff val="40000"/>
+                    </a:schemeClr>
+                  </a:solidFill>
+                  <a:effectLst/>
+                  <a:latin typeface="Cambria Math" panose="02040503050406030204" pitchFamily="18" charset="0"/>
+                  <a:ea typeface="Times New Roman" panose="02020603050405020304" pitchFamily="18" charset="0"/>
+                  <a:cs typeface="Cambria Math" panose="02040503050406030204" pitchFamily="18" charset="0"/>
+                </a:rPr>
+                <a:t>∃</a:t>
+              </a:r>
+              <a:r>
+                <a:rPr lang="en-AU" sz="2400" b="1" kern="0" dirty="0">
+                  <a:solidFill>
+                    <a:schemeClr val="accent1">
+                      <a:lumMod val="60000"/>
+                      <a:lumOff val="40000"/>
+                    </a:schemeClr>
+                  </a:solidFill>
+                  <a:effectLst/>
+                  <a:latin typeface="Arial" panose="020B0604020202020204" pitchFamily="34" charset="0"/>
+                  <a:ea typeface="Times New Roman" panose="02020603050405020304" pitchFamily="18" charset="0"/>
+                  <a:cs typeface="Times New Roman" panose="02020603050405020304" pitchFamily="18" charset="0"/>
+                </a:rPr>
+                <a:t> ! </a:t>
+              </a:r>
+              <a:r>
+                <a:rPr lang="en-AU" sz="2400" b="1" kern="0" dirty="0">
+                  <a:solidFill>
+                    <a:schemeClr val="accent1">
+                      <a:lumMod val="60000"/>
+                      <a:lumOff val="40000"/>
+                    </a:schemeClr>
+                  </a:solidFill>
+                  <a:effectLst/>
+                  <a:latin typeface="Cambria Math" panose="02040503050406030204" pitchFamily="18" charset="0"/>
+                  <a:ea typeface="Times New Roman" panose="02020603050405020304" pitchFamily="18" charset="0"/>
+                  <a:cs typeface="Cambria Math" panose="02040503050406030204" pitchFamily="18" charset="0"/>
+                </a:rPr>
+                <a:t>≔</a:t>
+              </a:r>
+              <a:r>
+                <a:rPr lang="en-AU" sz="2400" b="1" kern="0" dirty="0">
+                  <a:solidFill>
+                    <a:schemeClr val="accent1">
+                      <a:lumMod val="60000"/>
+                      <a:lumOff val="40000"/>
+                    </a:schemeClr>
+                  </a:solidFill>
+                  <a:effectLst/>
+                  <a:latin typeface="Arial" panose="020B0604020202020204" pitchFamily="34" charset="0"/>
+                  <a:ea typeface="Times New Roman" panose="02020603050405020304" pitchFamily="18" charset="0"/>
+                  <a:cs typeface="Times New Roman" panose="02020603050405020304" pitchFamily="18" charset="0"/>
+                </a:rPr>
+                <a:t> </a:t>
+              </a:r>
+              <a:r>
+                <a:rPr lang="en-AU" sz="2400" b="1" kern="0" dirty="0">
+                  <a:solidFill>
+                    <a:schemeClr val="accent1">
+                      <a:lumMod val="60000"/>
+                      <a:lumOff val="40000"/>
+                    </a:schemeClr>
+                  </a:solidFill>
+                  <a:effectLst/>
+                  <a:latin typeface="Cambria Math" panose="02040503050406030204" pitchFamily="18" charset="0"/>
+                  <a:ea typeface="Times New Roman" panose="02020603050405020304" pitchFamily="18" charset="0"/>
+                  <a:cs typeface="Cambria Math" panose="02040503050406030204" pitchFamily="18" charset="0"/>
+                </a:rPr>
+                <a:t>⊢</a:t>
+              </a:r>
+              <a:r>
+                <a:rPr lang="en-AU" sz="2400" b="1" kern="0" dirty="0">
+                  <a:solidFill>
+                    <a:schemeClr val="accent1">
+                      <a:lumMod val="60000"/>
+                      <a:lumOff val="40000"/>
+                    </a:schemeClr>
+                  </a:solidFill>
+                  <a:effectLst/>
+                  <a:latin typeface="Arial" panose="020B0604020202020204" pitchFamily="34" charset="0"/>
+                  <a:ea typeface="Times New Roman" panose="02020603050405020304" pitchFamily="18" charset="0"/>
+                  <a:cs typeface="Times New Roman" panose="02020603050405020304" pitchFamily="18" charset="0"/>
+                </a:rPr>
+                <a:t> </a:t>
+              </a:r>
+              <a:r>
+                <a:rPr lang="en-AU" sz="2400" b="1" kern="0" dirty="0">
+                  <a:solidFill>
+                    <a:schemeClr val="accent1">
+                      <a:lumMod val="60000"/>
+                      <a:lumOff val="40000"/>
+                    </a:schemeClr>
+                  </a:solidFill>
+                  <a:effectLst/>
+                  <a:latin typeface="Cambria Math" panose="02040503050406030204" pitchFamily="18" charset="0"/>
+                  <a:ea typeface="Times New Roman" panose="02020603050405020304" pitchFamily="18" charset="0"/>
+                  <a:cs typeface="Cambria Math" panose="02040503050406030204" pitchFamily="18" charset="0"/>
+                </a:rPr>
+                <a:t>⊨</a:t>
+              </a:r>
+              <a:r>
+                <a:rPr lang="en-AU" sz="2400" b="1" kern="0" dirty="0">
+                  <a:solidFill>
+                    <a:schemeClr val="accent1">
+                      <a:lumMod val="60000"/>
+                      <a:lumOff val="40000"/>
+                    </a:schemeClr>
+                  </a:solidFill>
+                  <a:effectLst/>
+                  <a:latin typeface="Arial" panose="020B0604020202020204" pitchFamily="34" charset="0"/>
+                  <a:ea typeface="Times New Roman" panose="02020603050405020304" pitchFamily="18" charset="0"/>
+                  <a:cs typeface="Times New Roman" panose="02020603050405020304" pitchFamily="18" charset="0"/>
+                </a:rPr>
+                <a:t> </a:t>
+              </a:r>
+              <a:r>
+                <a:rPr lang="en-AU" sz="2400" kern="100" dirty="0">
+                  <a:solidFill>
+                    <a:schemeClr val="accent1">
+                      <a:lumMod val="60000"/>
+                      <a:lumOff val="40000"/>
+                    </a:schemeClr>
+                  </a:solidFill>
+                  <a:effectLst/>
+                  <a:latin typeface="Calibri" panose="020F0502020204030204" pitchFamily="34" charset="0"/>
+                  <a:ea typeface="Calibri" panose="020F0502020204030204" pitchFamily="34" charset="0"/>
+                  <a:cs typeface="Times New Roman" panose="02020603050405020304" pitchFamily="18" charset="0"/>
+                </a:rPr>
+                <a:t> </a:t>
+              </a:r>
+            </a:p>
+            <a:p>
+              <a:endParaRPr lang="en-AU" sz="2400" dirty="0">
+                <a:solidFill>
+                  <a:schemeClr val="accent1">
+                    <a:lumMod val="60000"/>
+                    <a:lumOff val="40000"/>
+                  </a:schemeClr>
+                </a:solidFill>
+              </a:endParaRPr>
+            </a:p>
+          </p:txBody>
+        </p:sp>
+      </p:grpSp>
+      <p:grpSp>
+        <p:nvGrpSpPr>
+          <p:cNvPr id="6" name="Group 5">
+            <a:extLst>
+              <a:ext uri="{FF2B5EF4-FFF2-40B4-BE49-F238E27FC236}">
+                <a16:creationId xmlns:a16="http://schemas.microsoft.com/office/drawing/2014/main" id="{4CB4A785-DD59-6E3D-8A86-C6B36A64D744}"/>
+              </a:ext>
+            </a:extLst>
+          </p:cNvPr>
+          <p:cNvGrpSpPr/>
+          <p:nvPr/>
+        </p:nvGrpSpPr>
+        <p:grpSpPr>
+          <a:xfrm>
+            <a:off x="5579699" y="3367069"/>
+            <a:ext cx="6547322" cy="3042149"/>
+            <a:chOff x="5587042" y="3367369"/>
+            <a:chExt cx="6547322" cy="3042149"/>
+          </a:xfrm>
+        </p:grpSpPr>
+        <p:grpSp>
+          <p:nvGrpSpPr>
+            <p:cNvPr id="88" name="Group 87">
+              <a:extLst>
+                <a:ext uri="{FF2B5EF4-FFF2-40B4-BE49-F238E27FC236}">
+                  <a16:creationId xmlns:a16="http://schemas.microsoft.com/office/drawing/2014/main" id="{B317216B-3692-9959-E8B5-8A7A18E4748D}"/>
+                </a:ext>
+              </a:extLst>
+            </p:cNvPr>
+            <p:cNvGrpSpPr/>
+            <p:nvPr/>
+          </p:nvGrpSpPr>
+          <p:grpSpPr>
+            <a:xfrm>
+              <a:off x="5953384" y="3367369"/>
+              <a:ext cx="6180980" cy="3042149"/>
+              <a:chOff x="5623717" y="3221755"/>
+              <a:chExt cx="4917350" cy="3042149"/>
+            </a:xfrm>
+          </p:grpSpPr>
+          <p:sp>
+            <p:nvSpPr>
+              <p:cNvPr id="2" name="Rectangle 1">
+                <a:extLst>
+                  <a:ext uri="{FF2B5EF4-FFF2-40B4-BE49-F238E27FC236}">
+                    <a16:creationId xmlns:a16="http://schemas.microsoft.com/office/drawing/2014/main" id="{0A9D2A6D-12CF-41CA-9B39-4855A57C3F80}"/>
+                  </a:ext>
+                </a:extLst>
+              </p:cNvPr>
+              <p:cNvSpPr/>
+              <p:nvPr/>
+            </p:nvSpPr>
+            <p:spPr>
+              <a:xfrm>
+                <a:off x="5746685" y="3770185"/>
+                <a:ext cx="4794382" cy="2493719"/>
+              </a:xfrm>
+              <a:prstGeom prst="rect">
+                <a:avLst/>
+              </a:prstGeom>
+              <a:solidFill>
+                <a:schemeClr val="accent6">
+                  <a:lumMod val="60000"/>
+                  <a:lumOff val="40000"/>
+                </a:schemeClr>
+              </a:solidFill>
+              <a:scene3d>
+                <a:camera prst="isometricOffAxis1Right"/>
+                <a:lightRig rig="threePt" dir="t"/>
+              </a:scene3d>
+              <a:sp3d extrusionH="1803400">
+                <a:extrusionClr>
+                  <a:schemeClr val="accent6">
+                    <a:lumMod val="50000"/>
+                  </a:schemeClr>
+                </a:extrusionClr>
+              </a:sp3d>
+            </p:spPr>
+            <p:style>
+              <a:lnRef idx="2">
+                <a:schemeClr val="accent1">
+                  <a:shade val="50000"/>
+                </a:schemeClr>
+              </a:lnRef>
+              <a:fillRef idx="1">
+                <a:schemeClr val="accent1"/>
+              </a:fillRef>
+              <a:effectRef idx="0">
+                <a:schemeClr val="accent1"/>
+              </a:effectRef>
+              <a:fontRef idx="minor">
+                <a:schemeClr val="lt1"/>
+              </a:fontRef>
+            </p:style>
+            <p:txBody>
+              <a:bodyPr rtlCol="0" anchor="ctr"/>
+              <a:lstStyle/>
+              <a:p>
+                <a:pPr algn="ctr"/>
+                <a:endParaRPr lang="en-AU"/>
+              </a:p>
+            </p:txBody>
+          </p:sp>
+          <p:pic>
+            <p:nvPicPr>
+              <p:cNvPr id="5" name="Picture 4">
+                <a:extLst>
+                  <a:ext uri="{FF2B5EF4-FFF2-40B4-BE49-F238E27FC236}">
+                    <a16:creationId xmlns:a16="http://schemas.microsoft.com/office/drawing/2014/main" id="{4DDBD2DF-BBB9-B531-19FD-F3E5D54946B1}"/>
+                  </a:ext>
+                </a:extLst>
+              </p:cNvPr>
+              <p:cNvPicPr>
+                <a:picLocks noChangeAspect="1"/>
+              </p:cNvPicPr>
+              <p:nvPr/>
+            </p:nvPicPr>
+            <p:blipFill>
+              <a:blip r:embed="rId2"/>
+              <a:stretch>
+                <a:fillRect/>
+              </a:stretch>
+            </p:blipFill>
+            <p:spPr>
+              <a:xfrm>
+                <a:off x="6032521" y="4099483"/>
+                <a:ext cx="2662710" cy="1240096"/>
+              </a:xfrm>
+              <a:prstGeom prst="rect">
+                <a:avLst/>
+              </a:prstGeom>
+              <a:solidFill>
+                <a:schemeClr val="accent6">
+                  <a:lumMod val="60000"/>
+                  <a:lumOff val="40000"/>
+                </a:schemeClr>
+              </a:solidFill>
+              <a:scene3d>
+                <a:camera prst="isometricOffAxis1Right"/>
+                <a:lightRig rig="threePt" dir="t"/>
+              </a:scene3d>
+            </p:spPr>
+          </p:pic>
+          <p:sp>
+            <p:nvSpPr>
+              <p:cNvPr id="19" name="TextBox 18">
+                <a:extLst>
+                  <a:ext uri="{FF2B5EF4-FFF2-40B4-BE49-F238E27FC236}">
+                    <a16:creationId xmlns:a16="http://schemas.microsoft.com/office/drawing/2014/main" id="{15AAA5EA-4BF5-C3B1-43B1-353DDA63A2D7}"/>
+                  </a:ext>
+                </a:extLst>
+              </p:cNvPr>
+              <p:cNvSpPr txBox="1"/>
+              <p:nvPr/>
+            </p:nvSpPr>
+            <p:spPr>
+              <a:xfrm>
+                <a:off x="5623717" y="3221755"/>
+                <a:ext cx="4820842" cy="646331"/>
+              </a:xfrm>
+              <a:prstGeom prst="rect">
+                <a:avLst/>
+              </a:prstGeom>
+              <a:noFill/>
+              <a:scene3d>
+                <a:camera prst="isometricOffAxis1Right"/>
+                <a:lightRig rig="threePt" dir="t"/>
+              </a:scene3d>
+            </p:spPr>
+            <p:txBody>
+              <a:bodyPr wrap="none" rtlCol="0">
+                <a:spAutoFit/>
+              </a:bodyPr>
+              <a:lstStyle/>
+              <a:p>
+                <a:r>
+                  <a:rPr lang="en-AU" dirty="0">
+                    <a:solidFill>
+                      <a:schemeClr val="bg1"/>
+                    </a:solidFill>
+                  </a:rPr>
+                  <a:t>Relational Expressions with Fixed-Point Operators</a:t>
+                </a:r>
+              </a:p>
+              <a:p>
+                <a:pPr algn="ctr"/>
+                <a:r>
+                  <a:rPr lang="en-AU" dirty="0">
+                    <a:solidFill>
+                      <a:schemeClr val="bg1"/>
+                    </a:solidFill>
+                  </a:rPr>
+                  <a:t>Relational Algebra, SQL, Datalog, LINQ, PRQL, Morel, Malloy, …</a:t>
+                </a:r>
+              </a:p>
+            </p:txBody>
+          </p:sp>
+          <p:sp>
+            <p:nvSpPr>
+              <p:cNvPr id="33" name="TextBox 32">
+                <a:extLst>
+                  <a:ext uri="{FF2B5EF4-FFF2-40B4-BE49-F238E27FC236}">
+                    <a16:creationId xmlns:a16="http://schemas.microsoft.com/office/drawing/2014/main" id="{9B8BEA76-225A-F196-32D0-7D3F0329890D}"/>
+                  </a:ext>
+                </a:extLst>
+              </p:cNvPr>
+              <p:cNvSpPr txBox="1"/>
+              <p:nvPr/>
+            </p:nvSpPr>
+            <p:spPr>
+              <a:xfrm>
+                <a:off x="6490991" y="5324894"/>
+                <a:ext cx="3548105" cy="769441"/>
+              </a:xfrm>
+              <a:prstGeom prst="rect">
+                <a:avLst/>
+              </a:prstGeom>
+              <a:solidFill>
+                <a:srgbClr val="7F7F7F">
+                  <a:alpha val="38039"/>
+                </a:srgbClr>
+              </a:solidFill>
+              <a:scene3d>
+                <a:camera prst="isometricOffAxis1Right"/>
+                <a:lightRig rig="threePt" dir="t"/>
+              </a:scene3d>
+            </p:spPr>
+            <p:txBody>
+              <a:bodyPr wrap="square" rtlCol="0">
+                <a:spAutoFit/>
+              </a:bodyPr>
+              <a:lstStyle/>
+              <a:p>
+                <a:pPr algn="ctr"/>
+                <a:r>
+                  <a:rPr lang="en-AU" sz="2400" dirty="0"/>
+                  <a:t>Derived Relations</a:t>
+                </a:r>
+                <a:br>
+                  <a:rPr lang="en-AU" sz="2400" dirty="0"/>
+                </a:br>
+                <a:r>
+                  <a:rPr lang="en-AU" sz="2000" dirty="0"/>
+                  <a:t>(Data Transformation and Computation)</a:t>
+                </a:r>
+                <a:endParaRPr lang="en-AU" sz="2400" dirty="0"/>
+              </a:p>
+            </p:txBody>
+          </p:sp>
+          <p:pic>
+            <p:nvPicPr>
+              <p:cNvPr id="10" name="Picture 9">
+                <a:extLst>
+                  <a:ext uri="{FF2B5EF4-FFF2-40B4-BE49-F238E27FC236}">
+                    <a16:creationId xmlns:a16="http://schemas.microsoft.com/office/drawing/2014/main" id="{9BA138B9-41C2-31B0-8185-978017F64334}"/>
+                  </a:ext>
+                </a:extLst>
+              </p:cNvPr>
+              <p:cNvPicPr>
+                <a:picLocks noChangeAspect="1"/>
+              </p:cNvPicPr>
+              <p:nvPr/>
+            </p:nvPicPr>
+            <p:blipFill>
+              <a:blip r:embed="rId2"/>
+              <a:stretch>
+                <a:fillRect/>
+              </a:stretch>
+            </p:blipFill>
+            <p:spPr>
+              <a:xfrm>
+                <a:off x="6647889" y="3985258"/>
+                <a:ext cx="2662710" cy="1240096"/>
+              </a:xfrm>
+              <a:prstGeom prst="rect">
+                <a:avLst/>
+              </a:prstGeom>
+              <a:solidFill>
+                <a:schemeClr val="accent6">
+                  <a:lumMod val="60000"/>
+                  <a:lumOff val="40000"/>
+                </a:schemeClr>
+              </a:solidFill>
+              <a:scene3d>
+                <a:camera prst="isometricOffAxis1Right"/>
+                <a:lightRig rig="threePt" dir="t"/>
+              </a:scene3d>
+            </p:spPr>
+          </p:pic>
+          <p:pic>
+            <p:nvPicPr>
+              <p:cNvPr id="11" name="Picture 10">
+                <a:extLst>
+                  <a:ext uri="{FF2B5EF4-FFF2-40B4-BE49-F238E27FC236}">
+                    <a16:creationId xmlns:a16="http://schemas.microsoft.com/office/drawing/2014/main" id="{36AABABC-9FFB-3E43-E2DC-0F62CBCA1565}"/>
+                  </a:ext>
+                </a:extLst>
+              </p:cNvPr>
+              <p:cNvPicPr>
+                <a:picLocks noChangeAspect="1"/>
+              </p:cNvPicPr>
+              <p:nvPr/>
+            </p:nvPicPr>
+            <p:blipFill>
+              <a:blip r:embed="rId2"/>
+              <a:stretch>
+                <a:fillRect/>
+              </a:stretch>
+            </p:blipFill>
+            <p:spPr>
+              <a:xfrm>
+                <a:off x="7263257" y="3877245"/>
+                <a:ext cx="2662710" cy="1240096"/>
+              </a:xfrm>
+              <a:prstGeom prst="rect">
+                <a:avLst/>
+              </a:prstGeom>
+              <a:solidFill>
+                <a:schemeClr val="accent6">
+                  <a:lumMod val="60000"/>
+                  <a:lumOff val="40000"/>
+                </a:schemeClr>
+              </a:solidFill>
+              <a:scene3d>
+                <a:camera prst="isometricOffAxis1Right"/>
+                <a:lightRig rig="threePt" dir="t"/>
+              </a:scene3d>
+            </p:spPr>
+          </p:pic>
+        </p:grpSp>
+        <p:sp>
+          <p:nvSpPr>
+            <p:cNvPr id="4" name="TextBox 3">
+              <a:extLst>
+                <a:ext uri="{FF2B5EF4-FFF2-40B4-BE49-F238E27FC236}">
+                  <a16:creationId xmlns:a16="http://schemas.microsoft.com/office/drawing/2014/main" id="{3C126DE3-AC48-0304-E259-867C7A07B35E}"/>
+                </a:ext>
+              </a:extLst>
+            </p:cNvPr>
+            <p:cNvSpPr txBox="1"/>
+            <p:nvPr/>
+          </p:nvSpPr>
+          <p:spPr>
+            <a:xfrm>
+              <a:off x="5587042" y="4292917"/>
+              <a:ext cx="1017916" cy="2062103"/>
+            </a:xfrm>
+            <a:prstGeom prst="rect">
+              <a:avLst/>
+            </a:prstGeom>
+            <a:noFill/>
+            <a:scene3d>
+              <a:camera prst="isometricLeftDown"/>
+              <a:lightRig rig="threePt" dir="t"/>
+            </a:scene3d>
+          </p:spPr>
+          <p:txBody>
+            <a:bodyPr wrap="square" rtlCol="0">
+              <a:spAutoFit/>
+            </a:bodyPr>
+            <a:lstStyle/>
+            <a:p>
+              <a:r>
+                <a:rPr lang="el-GR" sz="3200" b="1" kern="0" dirty="0">
+                  <a:solidFill>
+                    <a:schemeClr val="accent1">
+                      <a:lumMod val="60000"/>
+                      <a:lumOff val="40000"/>
+                    </a:schemeClr>
+                  </a:solidFill>
+                  <a:effectLst/>
+                  <a:latin typeface="Cambria Math" panose="02040503050406030204" pitchFamily="18" charset="0"/>
+                  <a:ea typeface="Times New Roman" panose="02020603050405020304" pitchFamily="18" charset="0"/>
+                  <a:cs typeface="Cambria Math" panose="02040503050406030204" pitchFamily="18" charset="0"/>
+                </a:rPr>
+                <a:t>σ π </a:t>
+              </a:r>
+              <a:br>
+                <a:rPr lang="en-AU" sz="3200" b="1" kern="0" dirty="0">
+                  <a:solidFill>
+                    <a:schemeClr val="accent1">
+                      <a:lumMod val="60000"/>
+                      <a:lumOff val="40000"/>
+                    </a:schemeClr>
+                  </a:solidFill>
+                  <a:effectLst/>
+                  <a:latin typeface="Cambria Math" panose="02040503050406030204" pitchFamily="18" charset="0"/>
+                  <a:ea typeface="Times New Roman" panose="02020603050405020304" pitchFamily="18" charset="0"/>
+                  <a:cs typeface="Cambria Math" panose="02040503050406030204" pitchFamily="18" charset="0"/>
+                </a:rPr>
+              </a:br>
+              <a:r>
+                <a:rPr lang="el-GR" sz="3200" b="1" kern="0" dirty="0">
+                  <a:solidFill>
+                    <a:schemeClr val="accent1">
+                      <a:lumMod val="60000"/>
+                      <a:lumOff val="40000"/>
+                    </a:schemeClr>
+                  </a:solidFill>
+                  <a:effectLst/>
+                  <a:latin typeface="Cambria Math" panose="02040503050406030204" pitchFamily="18" charset="0"/>
+                  <a:ea typeface="Times New Roman" panose="02020603050405020304" pitchFamily="18" charset="0"/>
+                  <a:cs typeface="Cambria Math" panose="02040503050406030204" pitchFamily="18" charset="0"/>
+                </a:rPr>
+                <a:t>ρ υ </a:t>
+              </a:r>
+              <a:br>
+                <a:rPr lang="en-AU" sz="3200" b="1" kern="0" dirty="0">
+                  <a:solidFill>
+                    <a:schemeClr val="accent1">
+                      <a:lumMod val="60000"/>
+                      <a:lumOff val="40000"/>
+                    </a:schemeClr>
+                  </a:solidFill>
+                  <a:effectLst/>
+                  <a:latin typeface="Cambria Math" panose="02040503050406030204" pitchFamily="18" charset="0"/>
+                  <a:ea typeface="Times New Roman" panose="02020603050405020304" pitchFamily="18" charset="0"/>
+                  <a:cs typeface="Cambria Math" panose="02040503050406030204" pitchFamily="18" charset="0"/>
+                </a:rPr>
+              </a:br>
+              <a:r>
+                <a:rPr lang="el-GR" sz="3200" b="1" kern="0" dirty="0">
+                  <a:solidFill>
+                    <a:schemeClr val="accent1">
+                      <a:lumMod val="60000"/>
+                      <a:lumOff val="40000"/>
+                    </a:schemeClr>
+                  </a:solidFill>
+                  <a:effectLst/>
+                  <a:latin typeface="Cambria Math" panose="02040503050406030204" pitchFamily="18" charset="0"/>
+                  <a:ea typeface="Times New Roman" panose="02020603050405020304" pitchFamily="18" charset="0"/>
+                  <a:cs typeface="Cambria Math" panose="02040503050406030204" pitchFamily="18" charset="0"/>
+                </a:rPr>
+                <a:t>– X </a:t>
+              </a:r>
+              <a:br>
+                <a:rPr lang="en-AU" sz="3200" b="1" kern="0" dirty="0">
+                  <a:solidFill>
+                    <a:schemeClr val="accent1">
+                      <a:lumMod val="60000"/>
+                      <a:lumOff val="40000"/>
+                    </a:schemeClr>
+                  </a:solidFill>
+                  <a:effectLst/>
+                  <a:latin typeface="Cambria Math" panose="02040503050406030204" pitchFamily="18" charset="0"/>
+                  <a:ea typeface="Times New Roman" panose="02020603050405020304" pitchFamily="18" charset="0"/>
+                  <a:cs typeface="Cambria Math" panose="02040503050406030204" pitchFamily="18" charset="0"/>
+                </a:rPr>
+              </a:br>
+              <a:r>
+                <a:rPr lang="el-GR" sz="3200" b="1" kern="0" dirty="0">
+                  <a:solidFill>
+                    <a:schemeClr val="accent1">
+                      <a:lumMod val="60000"/>
+                      <a:lumOff val="40000"/>
+                    </a:schemeClr>
+                  </a:solidFill>
+                  <a:effectLst/>
+                  <a:latin typeface="Cambria Math" panose="02040503050406030204" pitchFamily="18" charset="0"/>
+                  <a:ea typeface="Times New Roman" panose="02020603050405020304" pitchFamily="18" charset="0"/>
+                  <a:cs typeface="Cambria Math" panose="02040503050406030204" pitchFamily="18" charset="0"/>
+                </a:rPr>
+                <a:t>⋈</a:t>
+              </a:r>
+              <a:endParaRPr lang="en-AU" sz="3200" dirty="0">
+                <a:solidFill>
+                  <a:schemeClr val="accent1">
+                    <a:lumMod val="60000"/>
+                    <a:lumOff val="40000"/>
+                  </a:schemeClr>
+                </a:solidFill>
+              </a:endParaRPr>
+            </a:p>
+          </p:txBody>
+        </p:sp>
+      </p:grpSp>
+      <p:sp>
+        <p:nvSpPr>
+          <p:cNvPr id="12" name="Arrow: Right 11">
+            <a:extLst>
+              <a:ext uri="{FF2B5EF4-FFF2-40B4-BE49-F238E27FC236}">
+                <a16:creationId xmlns:a16="http://schemas.microsoft.com/office/drawing/2014/main" id="{A9253BE7-5DAB-E43F-F777-1F8EADF4AA71}"/>
+              </a:ext>
+            </a:extLst>
+          </p:cNvPr>
+          <p:cNvSpPr/>
+          <p:nvPr/>
+        </p:nvSpPr>
+        <p:spPr>
+          <a:xfrm>
+            <a:off x="5437082" y="2985838"/>
+            <a:ext cx="1017917" cy="713282"/>
+          </a:xfrm>
+          <a:prstGeom prst="rightArrow">
+            <a:avLst/>
+          </a:prstGeom>
+          <a:solidFill>
+            <a:schemeClr val="tx1">
+              <a:lumMod val="50000"/>
+              <a:lumOff val="50000"/>
+            </a:schemeClr>
+          </a:solidFill>
+          <a:ln>
+            <a:solidFill>
+              <a:schemeClr val="tx1"/>
+            </a:solidFill>
+          </a:ln>
+          <a:scene3d>
+            <a:camera prst="isometricOffAxis2Top">
+              <a:rot lat="1155408" lon="3076870" rev="21460309"/>
+            </a:camera>
+            <a:lightRig rig="threePt" dir="t"/>
+          </a:scene3d>
+          <a:sp3d extrusionH="165100"/>
+        </p:spPr>
+        <p:style>
+          <a:lnRef idx="2">
+            <a:schemeClr val="accent1">
+              <a:shade val="50000"/>
+            </a:schemeClr>
+          </a:lnRef>
+          <a:fillRef idx="1">
+            <a:schemeClr val="accent1"/>
+          </a:fillRef>
+          <a:effectRef idx="0">
+            <a:schemeClr val="accent1"/>
+          </a:effectRef>
+          <a:fontRef idx="minor">
+            <a:schemeClr val="lt1"/>
+          </a:fontRef>
+        </p:style>
+        <p:txBody>
+          <a:bodyPr rtlCol="0" anchor="ctr"/>
+          <a:lstStyle/>
+          <a:p>
+            <a:pPr algn="ctr"/>
+            <a:r>
+              <a:rPr lang="en-AU" sz="1400" dirty="0"/>
+              <a:t>relations</a:t>
+            </a:r>
+          </a:p>
+        </p:txBody>
+      </p:sp>
+    </p:spTree>
+    <p:extLst>
+      <p:ext uri="{BB962C8B-B14F-4D97-AF65-F5344CB8AC3E}">
+        <p14:creationId xmlns:p14="http://schemas.microsoft.com/office/powerpoint/2010/main" val="1098116255"/>
+      </p:ext>
+    </p:extLst>
+  </p:cSld>
+  <p:clrMapOvr>
+    <a:masterClrMapping/>
+  </p:clrMapOvr>
+</p:sld>
+</file>
+
+<file path=ppt/slides/slide7.xml><?xml version="1.0" encoding="utf-8"?>
 <p:sld xmlns:a="http://schemas.openxmlformats.org/drawingml/2006/main" xmlns:r="http://schemas.openxmlformats.org/officeDocument/2006/relationships" xmlns:p="http://schemas.openxmlformats.org/presentationml/2006/main">
   <p:cSld>
     <p:spTree>
@@ -32590,7 +34159,7 @@
 </p:sld>
 </file>
 
-<file path=ppt/slides/slide7.xml><?xml version="1.0" encoding="utf-8"?>
+<file path=ppt/slides/slide8.xml><?xml version="1.0" encoding="utf-8"?>
 <p:sld xmlns:a="http://schemas.openxmlformats.org/drawingml/2006/main" xmlns:r="http://schemas.openxmlformats.org/officeDocument/2006/relationships" xmlns:p="http://schemas.openxmlformats.org/presentationml/2006/main">
   <p:cSld>
     <p:spTree>
